--- a/OOP.pptx
+++ b/OOP.pptx
@@ -232,7 +232,7 @@
           <a:p>
             <a:fld id="{24CE221E-83ED-4F6C-BA5F-3F9E6FDB6953}" type="datetimeFigureOut">
               <a:rPr lang="en-US"/>
-              <a:t>3/17/2017</a:t>
+              <a:t>1/11/20</a:t>
             </a:fld>
             <a:endParaRPr/>
           </a:p>
@@ -397,7 +397,7 @@
           <a:p>
             <a:fld id="{97853E5F-CE67-483C-A264-F17AC70E9CA2}" type="datetimeFigureOut">
               <a:rPr lang="en-US"/>
-              <a:t>3/17/2017</a:t>
+              <a:t>1/11/20</a:t>
             </a:fld>
             <a:endParaRPr/>
           </a:p>
@@ -461,35 +461,30 @@
           <a:p>
             <a:pPr lvl="0"/>
             <a:r>
-              <a:rPr/>
               <a:t>Click to edit Master text styles</a:t>
             </a:r>
           </a:p>
           <a:p>
             <a:pPr lvl="1"/>
             <a:r>
-              <a:rPr/>
               <a:t>Second level</a:t>
             </a:r>
           </a:p>
           <a:p>
             <a:pPr lvl="2"/>
             <a:r>
-              <a:rPr/>
               <a:t>Third level</a:t>
             </a:r>
           </a:p>
           <a:p>
             <a:pPr lvl="3"/>
             <a:r>
-              <a:rPr/>
               <a:t>Fourth level</a:t>
             </a:r>
           </a:p>
           <a:p>
             <a:pPr lvl="4"/>
             <a:r>
-              <a:rPr/>
               <a:t>Fifth level</a:t>
             </a:r>
           </a:p>
@@ -722,7 +717,7 @@
           </a:lstStyle>
           <a:p>
             <a:r>
-              <a:rPr lang="en-US" smtClean="0"/>
+              <a:rPr lang="en-US"/>
               <a:t>Click to edit Master title style</a:t>
             </a:r>
             <a:endParaRPr/>
@@ -847,7 +842,7 @@
           </a:lstStyle>
           <a:p>
             <a:r>
-              <a:rPr lang="en-US" smtClean="0"/>
+              <a:rPr lang="en-US"/>
               <a:t>Click to edit Master subtitle style</a:t>
             </a:r>
             <a:endParaRPr/>
@@ -894,7 +889,7 @@
           <a:p>
             <a:fld id="{3E0FA9E5-6744-4841-888F-9E7CC0C2B7EC}" type="datetimeFigureOut">
               <a:rPr lang="en-US"/>
-              <a:t>3/17/2017</a:t>
+              <a:t>1/11/20</a:t>
             </a:fld>
             <a:endParaRPr/>
           </a:p>
@@ -981,7 +976,7 @@
           <a:lstStyle/>
           <a:p>
             <a:r>
-              <a:rPr lang="en-US" smtClean="0"/>
+              <a:rPr lang="en-US"/>
               <a:t>Click to edit Master title style</a:t>
             </a:r>
             <a:endParaRPr/>
@@ -1005,35 +1000,35 @@
           <a:p>
             <a:pPr lvl="0"/>
             <a:r>
-              <a:rPr lang="en-US" smtClean="0"/>
+              <a:rPr lang="en-US"/>
               <a:t>Click to edit Master text styles</a:t>
             </a:r>
           </a:p>
           <a:p>
             <a:pPr lvl="1"/>
             <a:r>
-              <a:rPr lang="en-US" smtClean="0"/>
+              <a:rPr lang="en-US"/>
               <a:t>Second level</a:t>
             </a:r>
           </a:p>
           <a:p>
             <a:pPr lvl="2"/>
             <a:r>
-              <a:rPr lang="en-US" smtClean="0"/>
+              <a:rPr lang="en-US"/>
               <a:t>Third level</a:t>
             </a:r>
           </a:p>
           <a:p>
             <a:pPr lvl="3"/>
             <a:r>
-              <a:rPr lang="en-US" smtClean="0"/>
+              <a:rPr lang="en-US"/>
               <a:t>Fourth level</a:t>
             </a:r>
           </a:p>
           <a:p>
             <a:pPr lvl="4"/>
             <a:r>
-              <a:rPr lang="en-US" smtClean="0"/>
+              <a:rPr lang="en-US"/>
               <a:t>Fifth level</a:t>
             </a:r>
             <a:endParaRPr/>
@@ -1080,7 +1075,7 @@
           <a:p>
             <a:fld id="{3E0FA9E5-6744-4841-888F-9E7CC0C2B7EC}" type="datetimeFigureOut">
               <a:rPr lang="en-US"/>
-              <a:t>3/17/2017</a:t>
+              <a:t>1/11/20</a:t>
             </a:fld>
             <a:endParaRPr/>
           </a:p>
@@ -1172,7 +1167,7 @@
           <a:lstStyle/>
           <a:p>
             <a:r>
-              <a:rPr lang="en-US" smtClean="0"/>
+              <a:rPr lang="en-US"/>
               <a:t>Click to edit Master title style</a:t>
             </a:r>
             <a:endParaRPr/>
@@ -1201,35 +1196,35 @@
           <a:p>
             <a:pPr lvl="0"/>
             <a:r>
-              <a:rPr lang="en-US" smtClean="0"/>
+              <a:rPr lang="en-US"/>
               <a:t>Click to edit Master text styles</a:t>
             </a:r>
           </a:p>
           <a:p>
             <a:pPr lvl="1"/>
             <a:r>
-              <a:rPr lang="en-US" smtClean="0"/>
+              <a:rPr lang="en-US"/>
               <a:t>Second level</a:t>
             </a:r>
           </a:p>
           <a:p>
             <a:pPr lvl="2"/>
             <a:r>
-              <a:rPr lang="en-US" smtClean="0"/>
+              <a:rPr lang="en-US"/>
               <a:t>Third level</a:t>
             </a:r>
           </a:p>
           <a:p>
             <a:pPr lvl="3"/>
             <a:r>
-              <a:rPr lang="en-US" smtClean="0"/>
+              <a:rPr lang="en-US"/>
               <a:t>Fourth level</a:t>
             </a:r>
           </a:p>
           <a:p>
             <a:pPr lvl="4"/>
             <a:r>
-              <a:rPr lang="en-US" smtClean="0"/>
+              <a:rPr lang="en-US"/>
               <a:t>Fifth level</a:t>
             </a:r>
             <a:endParaRPr/>
@@ -1276,7 +1271,7 @@
           <a:p>
             <a:fld id="{3E0FA9E5-6744-4841-888F-9E7CC0C2B7EC}" type="datetimeFigureOut">
               <a:rPr lang="en-US"/>
-              <a:t>3/17/2017</a:t>
+              <a:t>1/11/20</a:t>
             </a:fld>
             <a:endParaRPr/>
           </a:p>
@@ -1363,7 +1358,7 @@
           <a:lstStyle/>
           <a:p>
             <a:r>
-              <a:rPr lang="en-US" smtClean="0"/>
+              <a:rPr lang="en-US"/>
               <a:t>Click to edit Master title style</a:t>
             </a:r>
             <a:endParaRPr/>
@@ -1387,35 +1382,35 @@
           <a:p>
             <a:pPr lvl="0"/>
             <a:r>
-              <a:rPr lang="en-US" smtClean="0"/>
+              <a:rPr lang="en-US"/>
               <a:t>Click to edit Master text styles</a:t>
             </a:r>
           </a:p>
           <a:p>
             <a:pPr lvl="1"/>
             <a:r>
-              <a:rPr lang="en-US" smtClean="0"/>
+              <a:rPr lang="en-US"/>
               <a:t>Second level</a:t>
             </a:r>
           </a:p>
           <a:p>
             <a:pPr lvl="2"/>
             <a:r>
-              <a:rPr lang="en-US" smtClean="0"/>
+              <a:rPr lang="en-US"/>
               <a:t>Third level</a:t>
             </a:r>
           </a:p>
           <a:p>
             <a:pPr lvl="3"/>
             <a:r>
-              <a:rPr lang="en-US" smtClean="0"/>
+              <a:rPr lang="en-US"/>
               <a:t>Fourth level</a:t>
             </a:r>
           </a:p>
           <a:p>
             <a:pPr lvl="4"/>
             <a:r>
-              <a:rPr lang="en-US" smtClean="0"/>
+              <a:rPr lang="en-US"/>
               <a:t>Fifth level</a:t>
             </a:r>
             <a:endParaRPr/>
@@ -1462,7 +1457,7 @@
           <a:p>
             <a:fld id="{3E0FA9E5-6744-4841-888F-9E7CC0C2B7EC}" type="datetimeFigureOut">
               <a:rPr lang="en-US"/>
-              <a:t>3/17/2017</a:t>
+              <a:t>1/11/20</a:t>
             </a:fld>
             <a:endParaRPr/>
           </a:p>
@@ -1574,7 +1569,7 @@
           </a:lstStyle>
           <a:p>
             <a:r>
-              <a:rPr lang="en-US" smtClean="0"/>
+              <a:rPr lang="en-US"/>
               <a:t>Click to edit Master title style</a:t>
             </a:r>
             <a:endParaRPr/>
@@ -1700,7 +1695,7 @@
           <a:p>
             <a:pPr lvl="0"/>
             <a:r>
-              <a:rPr lang="en-US" smtClean="0"/>
+              <a:rPr lang="en-US"/>
               <a:t>Click to edit Master text styles</a:t>
             </a:r>
           </a:p>
@@ -1746,7 +1741,7 @@
           <a:p>
             <a:fld id="{3E0FA9E5-6744-4841-888F-9E7CC0C2B7EC}" type="datetimeFigureOut">
               <a:rPr lang="en-US"/>
-              <a:t>3/17/2017</a:t>
+              <a:t>1/11/20</a:t>
             </a:fld>
             <a:endParaRPr/>
           </a:p>
@@ -1833,7 +1828,7 @@
           <a:lstStyle/>
           <a:p>
             <a:r>
-              <a:rPr lang="en-US" smtClean="0"/>
+              <a:rPr lang="en-US"/>
               <a:t>Click to edit Master title style</a:t>
             </a:r>
             <a:endParaRPr/>
@@ -1892,35 +1887,35 @@
           <a:p>
             <a:pPr lvl="0"/>
             <a:r>
-              <a:rPr lang="en-US" smtClean="0"/>
+              <a:rPr lang="en-US"/>
               <a:t>Click to edit Master text styles</a:t>
             </a:r>
           </a:p>
           <a:p>
             <a:pPr lvl="1"/>
             <a:r>
-              <a:rPr lang="en-US" smtClean="0"/>
+              <a:rPr lang="en-US"/>
               <a:t>Second level</a:t>
             </a:r>
           </a:p>
           <a:p>
             <a:pPr lvl="2"/>
             <a:r>
-              <a:rPr lang="en-US" smtClean="0"/>
+              <a:rPr lang="en-US"/>
               <a:t>Third level</a:t>
             </a:r>
           </a:p>
           <a:p>
             <a:pPr lvl="3"/>
             <a:r>
-              <a:rPr lang="en-US" smtClean="0"/>
+              <a:rPr lang="en-US"/>
               <a:t>Fourth level</a:t>
             </a:r>
           </a:p>
           <a:p>
             <a:pPr lvl="4"/>
             <a:r>
-              <a:rPr lang="en-US" smtClean="0"/>
+              <a:rPr lang="en-US"/>
               <a:t>Fifth level</a:t>
             </a:r>
             <a:endParaRPr/>
@@ -1979,35 +1974,35 @@
           <a:p>
             <a:pPr lvl="0"/>
             <a:r>
-              <a:rPr lang="en-US" smtClean="0"/>
+              <a:rPr lang="en-US"/>
               <a:t>Click to edit Master text styles</a:t>
             </a:r>
           </a:p>
           <a:p>
             <a:pPr lvl="1"/>
             <a:r>
-              <a:rPr lang="en-US" smtClean="0"/>
+              <a:rPr lang="en-US"/>
               <a:t>Second level</a:t>
             </a:r>
           </a:p>
           <a:p>
             <a:pPr lvl="2"/>
             <a:r>
-              <a:rPr lang="en-US" smtClean="0"/>
+              <a:rPr lang="en-US"/>
               <a:t>Third level</a:t>
             </a:r>
           </a:p>
           <a:p>
             <a:pPr lvl="3"/>
             <a:r>
-              <a:rPr lang="en-US" smtClean="0"/>
+              <a:rPr lang="en-US"/>
               <a:t>Fourth level</a:t>
             </a:r>
           </a:p>
           <a:p>
             <a:pPr lvl="4"/>
             <a:r>
-              <a:rPr lang="en-US" smtClean="0"/>
+              <a:rPr lang="en-US"/>
               <a:t>Fifth level</a:t>
             </a:r>
             <a:endParaRPr/>
@@ -2054,7 +2049,7 @@
           <a:p>
             <a:fld id="{3E0FA9E5-6744-4841-888F-9E7CC0C2B7EC}" type="datetimeFigureOut">
               <a:rPr lang="en-US"/>
-              <a:t>3/17/2017</a:t>
+              <a:t>1/11/20</a:t>
             </a:fld>
             <a:endParaRPr/>
           </a:p>
@@ -2145,7 +2140,7 @@
           </a:lstStyle>
           <a:p>
             <a:r>
-              <a:rPr lang="en-US" smtClean="0"/>
+              <a:rPr lang="en-US"/>
               <a:t>Click to edit Master title style</a:t>
             </a:r>
             <a:endParaRPr/>
@@ -2216,7 +2211,7 @@
           <a:p>
             <a:pPr lvl="0"/>
             <a:r>
-              <a:rPr lang="en-US" smtClean="0"/>
+              <a:rPr lang="en-US"/>
               <a:t>Click to edit Master text styles</a:t>
             </a:r>
           </a:p>
@@ -2274,35 +2269,35 @@
           <a:p>
             <a:pPr lvl="0"/>
             <a:r>
-              <a:rPr lang="en-US" smtClean="0"/>
+              <a:rPr lang="en-US"/>
               <a:t>Click to edit Master text styles</a:t>
             </a:r>
           </a:p>
           <a:p>
             <a:pPr lvl="1"/>
             <a:r>
-              <a:rPr lang="en-US" smtClean="0"/>
+              <a:rPr lang="en-US"/>
               <a:t>Second level</a:t>
             </a:r>
           </a:p>
           <a:p>
             <a:pPr lvl="2"/>
             <a:r>
-              <a:rPr lang="en-US" smtClean="0"/>
+              <a:rPr lang="en-US"/>
               <a:t>Third level</a:t>
             </a:r>
           </a:p>
           <a:p>
             <a:pPr lvl="3"/>
             <a:r>
-              <a:rPr lang="en-US" smtClean="0"/>
+              <a:rPr lang="en-US"/>
               <a:t>Fourth level</a:t>
             </a:r>
           </a:p>
           <a:p>
             <a:pPr lvl="4"/>
             <a:r>
-              <a:rPr lang="en-US" smtClean="0"/>
+              <a:rPr lang="en-US"/>
               <a:t>Fifth level</a:t>
             </a:r>
             <a:endParaRPr/>
@@ -2373,7 +2368,7 @@
           <a:p>
             <a:pPr lvl="0"/>
             <a:r>
-              <a:rPr lang="en-US" smtClean="0"/>
+              <a:rPr lang="en-US"/>
               <a:t>Click to edit Master text styles</a:t>
             </a:r>
           </a:p>
@@ -2431,35 +2426,35 @@
           <a:p>
             <a:pPr lvl="0"/>
             <a:r>
-              <a:rPr lang="en-US" smtClean="0"/>
+              <a:rPr lang="en-US"/>
               <a:t>Click to edit Master text styles</a:t>
             </a:r>
           </a:p>
           <a:p>
             <a:pPr lvl="1"/>
             <a:r>
-              <a:rPr lang="en-US" smtClean="0"/>
+              <a:rPr lang="en-US"/>
               <a:t>Second level</a:t>
             </a:r>
           </a:p>
           <a:p>
             <a:pPr lvl="2"/>
             <a:r>
-              <a:rPr lang="en-US" smtClean="0"/>
+              <a:rPr lang="en-US"/>
               <a:t>Third level</a:t>
             </a:r>
           </a:p>
           <a:p>
             <a:pPr lvl="3"/>
             <a:r>
-              <a:rPr lang="en-US" smtClean="0"/>
+              <a:rPr lang="en-US"/>
               <a:t>Fourth level</a:t>
             </a:r>
           </a:p>
           <a:p>
             <a:pPr lvl="4"/>
             <a:r>
-              <a:rPr lang="en-US" smtClean="0"/>
+              <a:rPr lang="en-US"/>
               <a:t>Fifth level</a:t>
             </a:r>
             <a:endParaRPr/>
@@ -2506,7 +2501,7 @@
           <a:p>
             <a:fld id="{3E0FA9E5-6744-4841-888F-9E7CC0C2B7EC}" type="datetimeFigureOut">
               <a:rPr lang="en-US"/>
-              <a:t>3/17/2017</a:t>
+              <a:t>1/11/20</a:t>
             </a:fld>
             <a:endParaRPr/>
           </a:p>
@@ -2593,7 +2588,7 @@
           <a:lstStyle/>
           <a:p>
             <a:r>
-              <a:rPr lang="en-US" smtClean="0"/>
+              <a:rPr lang="en-US"/>
               <a:t>Click to edit Master title style</a:t>
             </a:r>
             <a:endParaRPr/>
@@ -2640,7 +2635,7 @@
           <a:p>
             <a:fld id="{3E0FA9E5-6744-4841-888F-9E7CC0C2B7EC}" type="datetimeFigureOut">
               <a:rPr lang="en-US"/>
-              <a:t>3/17/2017</a:t>
+              <a:t>1/11/20</a:t>
             </a:fld>
             <a:endParaRPr/>
           </a:p>
@@ -2765,7 +2760,7 @@
           <a:p>
             <a:fld id="{3E0FA9E5-6744-4841-888F-9E7CC0C2B7EC}" type="datetimeFigureOut">
               <a:rPr lang="en-US"/>
-              <a:t>3/17/2017</a:t>
+              <a:t>1/11/20</a:t>
             </a:fld>
             <a:endParaRPr/>
           </a:p>
@@ -2877,7 +2872,7 @@
           </a:lstStyle>
           <a:p>
             <a:r>
-              <a:rPr lang="en-US" smtClean="0"/>
+              <a:rPr lang="en-US"/>
               <a:t>Click to edit Master title style</a:t>
             </a:r>
             <a:endParaRPr/>
@@ -2936,35 +2931,35 @@
           <a:p>
             <a:pPr lvl="0"/>
             <a:r>
-              <a:rPr lang="en-US" smtClean="0"/>
+              <a:rPr lang="en-US"/>
               <a:t>Click to edit Master text styles</a:t>
             </a:r>
           </a:p>
           <a:p>
             <a:pPr lvl="1"/>
             <a:r>
-              <a:rPr lang="en-US" smtClean="0"/>
+              <a:rPr lang="en-US"/>
               <a:t>Second level</a:t>
             </a:r>
           </a:p>
           <a:p>
             <a:pPr lvl="2"/>
             <a:r>
-              <a:rPr lang="en-US" smtClean="0"/>
+              <a:rPr lang="en-US"/>
               <a:t>Third level</a:t>
             </a:r>
           </a:p>
           <a:p>
             <a:pPr lvl="3"/>
             <a:r>
-              <a:rPr lang="en-US" smtClean="0"/>
+              <a:rPr lang="en-US"/>
               <a:t>Fourth level</a:t>
             </a:r>
           </a:p>
           <a:p>
             <a:pPr lvl="4"/>
             <a:r>
-              <a:rPr lang="en-US" smtClean="0"/>
+              <a:rPr lang="en-US"/>
               <a:t>Fifth level</a:t>
             </a:r>
             <a:endParaRPr/>
@@ -3045,7 +3040,7 @@
           <a:p>
             <a:pPr lvl="0"/>
             <a:r>
-              <a:rPr lang="en-US" smtClean="0"/>
+              <a:rPr lang="en-US"/>
               <a:t>Click to edit Master text styles</a:t>
             </a:r>
           </a:p>
@@ -3091,7 +3086,7 @@
           <a:p>
             <a:fld id="{3E0FA9E5-6744-4841-888F-9E7CC0C2B7EC}" type="datetimeFigureOut">
               <a:rPr lang="en-US"/>
-              <a:t>3/17/2017</a:t>
+              <a:t>1/11/20</a:t>
             </a:fld>
             <a:endParaRPr/>
           </a:p>
@@ -3203,7 +3198,7 @@
           </a:lstStyle>
           <a:p>
             <a:r>
-              <a:rPr lang="en-US" smtClean="0"/>
+              <a:rPr lang="en-US"/>
               <a:t>Click to edit Master title style</a:t>
             </a:r>
             <a:endParaRPr/>
@@ -3279,7 +3274,7 @@
           </a:lstStyle>
           <a:p>
             <a:r>
-              <a:rPr lang="en-US" smtClean="0"/>
+              <a:rPr lang="en-US"/>
               <a:t>Click icon to add picture</a:t>
             </a:r>
             <a:endParaRPr/>
@@ -3353,7 +3348,7 @@
           <a:p>
             <a:pPr lvl="0"/>
             <a:r>
-              <a:rPr lang="en-US" smtClean="0"/>
+              <a:rPr lang="en-US"/>
               <a:t>Click to edit Master text styles</a:t>
             </a:r>
           </a:p>
@@ -3441,7 +3436,7 @@
           <a:lstStyle/>
           <a:p>
             <a:r>
-              <a:rPr lang="en-US" smtClean="0"/>
+              <a:rPr lang="en-US"/>
               <a:t>Click to edit Master title style</a:t>
             </a:r>
             <a:endParaRPr/>
@@ -3475,35 +3470,35 @@
           <a:p>
             <a:pPr lvl="0"/>
             <a:r>
-              <a:rPr lang="en-US" smtClean="0"/>
+              <a:rPr lang="en-US"/>
               <a:t>Click to edit Master text styles</a:t>
             </a:r>
           </a:p>
           <a:p>
             <a:pPr lvl="1"/>
             <a:r>
-              <a:rPr lang="en-US" smtClean="0"/>
+              <a:rPr lang="en-US"/>
               <a:t>Second level</a:t>
             </a:r>
           </a:p>
           <a:p>
             <a:pPr lvl="2"/>
             <a:r>
-              <a:rPr lang="en-US" smtClean="0"/>
+              <a:rPr lang="en-US"/>
               <a:t>Third level</a:t>
             </a:r>
           </a:p>
           <a:p>
             <a:pPr lvl="3"/>
             <a:r>
-              <a:rPr lang="en-US" smtClean="0"/>
+              <a:rPr lang="en-US"/>
               <a:t>Fourth level</a:t>
             </a:r>
           </a:p>
           <a:p>
             <a:pPr lvl="4"/>
             <a:r>
-              <a:rPr lang="en-US" smtClean="0"/>
+              <a:rPr lang="en-US"/>
               <a:t>Fifth level</a:t>
             </a:r>
             <a:endParaRPr dirty="0"/>
@@ -3588,7 +3583,7 @@
             <a:fld id="{3E0FA9E5-6744-4841-888F-9E7CC0C2B7EC}" type="datetimeFigureOut">
               <a:rPr lang="en-US" smtClean="0"/>
               <a:pPr/>
-              <a:t>3/17/2017</a:t>
+              <a:t>1/11/20</a:t>
             </a:fld>
             <a:endParaRPr lang="en-US" dirty="0"/>
           </a:p>
@@ -4006,7 +4001,7 @@
       </a:lvl9pPr>
     </p:otherStyle>
   </p:txStyles>
-  <p:extLst mod="1">
+  <p:extLst>
     <p:ext uri="{27BBF7A9-308A-43DC-89C8-2F10F3537804}">
       <p15:sldGuideLst xmlns:p15="http://schemas.microsoft.com/office/powerpoint/2012/main">
         <p15:guide id="1" pos="2880" userDrawn="1">
@@ -4081,7 +4076,7 @@
         <p:spPr>
           <a:xfrm>
             <a:off x="0" y="2672719"/>
-            <a:ext cx="9144000" cy="923458"/>
+            <a:ext cx="9144000" cy="830997"/>
           </a:xfrm>
           <a:prstGeom prst="rect">
             <a:avLst/>
@@ -4098,7 +4093,7 @@
           <a:p>
             <a:pPr algn="ctr"/>
             <a:r>
-              <a:rPr lang="en-US" sz="5401" dirty="0">
+              <a:rPr lang="en-US" sz="4800" dirty="0">
                 <a:solidFill>
                   <a:schemeClr val="bg1"/>
                 </a:solidFill>
@@ -4112,7 +4107,7 @@
                 <a:latin typeface="Adobe Gothic Std B" panose="020B0800000000000000" pitchFamily="34" charset="-128"/>
                 <a:ea typeface="Adobe Gothic Std B" panose="020B0800000000000000" pitchFamily="34" charset="-128"/>
               </a:rPr>
-              <a:t>Enterprise Storage System</a:t>
+              <a:t>Object Oriented Programming</a:t>
             </a:r>
           </a:p>
         </p:txBody>
@@ -4195,25 +4190,18 @@
   <p:clrMapOvr>
     <a:masterClrMapping/>
   </p:clrMapOvr>
-  <mc:AlternateContent xmlns:mc="http://schemas.openxmlformats.org/markup-compatibility/2006">
-    <mc:Choice xmlns:p14="http://schemas.microsoft.com/office/powerpoint/2010/main" Requires="p14">
+  <mc:AlternateContent xmlns:mc="http://schemas.openxmlformats.org/markup-compatibility/2006" xmlns:p14="http://schemas.microsoft.com/office/powerpoint/2010/main">
+    <mc:Choice Requires="p14">
       <p:transition spd="slow" p14:dur="4400">
         <p14:honeycomb/>
       </p:transition>
     </mc:Choice>
-    <mc:Fallback>
+    <mc:Fallback xmlns="">
       <p:transition spd="slow">
         <p:fade/>
       </p:transition>
     </mc:Fallback>
   </mc:AlternateContent>
-  <p:timing>
-    <p:tnLst>
-      <p:par>
-        <p:cTn id="1" dur="indefinite" restart="never" nodeType="tmRoot"/>
-      </p:par>
-    </p:tnLst>
-  </p:timing>
 </p:sld>
 </file>
 
@@ -4258,7 +4246,7 @@
           <a:p>
             <a:pPr algn="ctr"/>
             <a:r>
-              <a:rPr lang="en-US" sz="6602" dirty="0" smtClean="0">
+              <a:rPr lang="en-US" sz="6602" dirty="0">
                 <a:solidFill>
                   <a:schemeClr val="accent6">
                     <a:lumMod val="50000"/>
@@ -4266,10 +4254,6 @@
                 </a:solidFill>
               </a:rPr>
               <a:t>DAS</a:t>
-            </a:r>
-            <a:r>
-              <a:rPr lang="en-US" sz="4051" dirty="0"/>
-              <a:t/>
             </a:r>
             <a:br>
               <a:rPr lang="en-US" sz="4051" dirty="0"/>
@@ -4380,25 +4364,18 @@
   <p:clrMapOvr>
     <a:masterClrMapping/>
   </p:clrMapOvr>
-  <mc:AlternateContent xmlns:mc="http://schemas.openxmlformats.org/markup-compatibility/2006">
-    <mc:Choice xmlns:p15="http://schemas.microsoft.com/office/powerpoint/2012/main" Requires="p15">
+  <mc:AlternateContent xmlns:mc="http://schemas.openxmlformats.org/markup-compatibility/2006" xmlns:p15="http://schemas.microsoft.com/office/powerpoint/2012/main">
+    <mc:Choice Requires="p15">
       <p:transition xmlns:p14="http://schemas.microsoft.com/office/powerpoint/2010/main" spd="slow" p14:dur="1250">
         <p15:prstTrans prst="peelOff"/>
       </p:transition>
     </mc:Choice>
-    <mc:Fallback>
+    <mc:Fallback xmlns="">
       <p:transition spd="slow">
         <p:fade/>
       </p:transition>
     </mc:Fallback>
   </mc:AlternateContent>
-  <p:timing>
-    <p:tnLst>
-      <p:par>
-        <p:cTn id="1" dur="indefinite" restart="never" nodeType="tmRoot"/>
-      </p:par>
-    </p:tnLst>
-  </p:timing>
 </p:sld>
 </file>
 
@@ -4442,10 +4419,9 @@
           <a:lstStyle/>
           <a:p>
             <a:r>
-              <a:rPr lang="en-US" sz="4051" dirty="0" smtClean="0"/>
+              <a:rPr lang="en-US" sz="4051" dirty="0"/>
               <a:t>Advantages of DAS</a:t>
             </a:r>
-            <a:endParaRPr lang="en-US" sz="4051" dirty="0"/>
           </a:p>
         </p:txBody>
       </p:sp>
@@ -4701,17 +4677,7 @@
                   </a:schemeClr>
                 </a:solidFill>
               </a:rPr>
-              <a:t> High </a:t>
-            </a:r>
-            <a:r>
-              <a:rPr lang="en-US" sz="3600" dirty="0" smtClean="0">
-                <a:solidFill>
-                  <a:schemeClr val="accent6">
-                    <a:lumMod val="50000"/>
-                  </a:schemeClr>
-                </a:solidFill>
-              </a:rPr>
-              <a:t>availability</a:t>
+              <a:t> High availability</a:t>
             </a:r>
           </a:p>
           <a:p>
@@ -4740,17 +4706,7 @@
                   </a:schemeClr>
                 </a:solidFill>
               </a:rPr>
-              <a:t> High access </a:t>
-            </a:r>
-            <a:r>
-              <a:rPr lang="en-US" sz="3600" dirty="0" smtClean="0">
-                <a:solidFill>
-                  <a:schemeClr val="accent6">
-                    <a:lumMod val="50000"/>
-                  </a:schemeClr>
-                </a:solidFill>
-              </a:rPr>
-              <a:t>rate</a:t>
+              <a:t> High access rate</a:t>
             </a:r>
           </a:p>
           <a:p>
@@ -4898,25 +4854,18 @@
   <p:clrMapOvr>
     <a:masterClrMapping/>
   </p:clrMapOvr>
-  <mc:AlternateContent xmlns:mc="http://schemas.openxmlformats.org/markup-compatibility/2006">
-    <mc:Choice xmlns:p14="http://schemas.microsoft.com/office/powerpoint/2010/main" Requires="p14">
+  <mc:AlternateContent xmlns:mc="http://schemas.openxmlformats.org/markup-compatibility/2006" xmlns:p14="http://schemas.microsoft.com/office/powerpoint/2010/main">
+    <mc:Choice Requires="p14">
       <p:transition spd="slow" p14:dur="1600">
         <p:blinds dir="vert"/>
       </p:transition>
     </mc:Choice>
-    <mc:Fallback>
+    <mc:Fallback xmlns="">
       <p:transition spd="slow">
         <p:blinds dir="vert"/>
       </p:transition>
     </mc:Fallback>
   </mc:AlternateContent>
-  <p:timing>
-    <p:tnLst>
-      <p:par>
-        <p:cTn id="1" dur="indefinite" restart="never" nodeType="tmRoot"/>
-      </p:par>
-    </p:tnLst>
-  </p:timing>
 </p:sld>
 </file>
 
@@ -5189,17 +5138,36 @@
                   </a:schemeClr>
                 </a:solidFill>
               </a:rPr>
-              <a:t>Not </a:t>
-            </a:r>
-            <a:r>
-              <a:rPr lang="en-GB" sz="3600" dirty="0" smtClean="0">
+              <a:t>Not Scalable</a:t>
+            </a:r>
+          </a:p>
+          <a:p>
+            <a:pPr>
+              <a:buFont typeface="Wingdings" panose="05000000000000000000" pitchFamily="2" charset="2"/>
+              <a:buChar char="q"/>
+            </a:pPr>
+            <a:endParaRPr lang="en-GB" sz="3600" dirty="0">
+              <a:solidFill>
+                <a:schemeClr val="accent6">
+                  <a:lumMod val="50000"/>
+                </a:schemeClr>
+              </a:solidFill>
+            </a:endParaRPr>
+          </a:p>
+          <a:p>
+            <a:pPr>
+              <a:buFont typeface="Wingdings" panose="05000000000000000000" pitchFamily="2" charset="2"/>
+              <a:buChar char="q"/>
+            </a:pPr>
+            <a:r>
+              <a:rPr lang="en-US" sz="3600" dirty="0">
                 <a:solidFill>
                   <a:schemeClr val="accent6">
                     <a:lumMod val="50000"/>
                   </a:schemeClr>
                 </a:solidFill>
               </a:rPr>
-              <a:t>Scalable</a:t>
+              <a:t>Allow only one user at a time</a:t>
             </a:r>
           </a:p>
           <a:p>
@@ -5207,7 +5175,7 @@
               <a:buFont typeface="Wingdings" panose="05000000000000000000" pitchFamily="2" charset="2"/>
               <a:buChar char="q"/>
             </a:pPr>
-            <a:endParaRPr lang="en-GB" sz="3600" dirty="0" smtClean="0">
+            <a:endParaRPr lang="en-US" sz="3600" dirty="0">
               <a:solidFill>
                 <a:schemeClr val="accent6">
                   <a:lumMod val="50000"/>
@@ -5221,46 +5189,7 @@
               <a:buChar char="q"/>
             </a:pPr>
             <a:r>
-              <a:rPr lang="en-US" sz="3600" dirty="0" smtClean="0">
-                <a:solidFill>
-                  <a:schemeClr val="accent6">
-                    <a:lumMod val="50000"/>
-                  </a:schemeClr>
-                </a:solidFill>
-              </a:rPr>
-              <a:t>Allow only one user at a </a:t>
-            </a:r>
-            <a:r>
-              <a:rPr lang="en-US" sz="3600" dirty="0" smtClean="0">
-                <a:solidFill>
-                  <a:schemeClr val="accent6">
-                    <a:lumMod val="50000"/>
-                  </a:schemeClr>
-                </a:solidFill>
-              </a:rPr>
-              <a:t>time</a:t>
-            </a:r>
-          </a:p>
-          <a:p>
-            <a:pPr>
-              <a:buFont typeface="Wingdings" panose="05000000000000000000" pitchFamily="2" charset="2"/>
-              <a:buChar char="q"/>
-            </a:pPr>
-            <a:endParaRPr lang="en-US" sz="3600" dirty="0" smtClean="0">
-              <a:solidFill>
-                <a:schemeClr val="accent6">
-                  <a:lumMod val="50000"/>
-                </a:schemeClr>
-              </a:solidFill>
-            </a:endParaRPr>
-          </a:p>
-          <a:p>
-            <a:pPr>
-              <a:buFont typeface="Wingdings" panose="05000000000000000000" pitchFamily="2" charset="2"/>
-              <a:buChar char="q"/>
-            </a:pPr>
-            <a:r>
-              <a:rPr lang="en-US" sz="3600" dirty="0" smtClean="0">
+              <a:rPr lang="en-US" sz="3600" dirty="0">
                 <a:solidFill>
                   <a:schemeClr val="accent6">
                     <a:lumMod val="50000"/>
@@ -5269,13 +5198,6 @@
               </a:rPr>
               <a:t>High administrative cost</a:t>
             </a:r>
-            <a:endParaRPr lang="en-US" sz="3600" dirty="0">
-              <a:solidFill>
-                <a:schemeClr val="accent6">
-                  <a:lumMod val="50000"/>
-                </a:schemeClr>
-              </a:solidFill>
-            </a:endParaRPr>
           </a:p>
         </p:txBody>
       </p:sp>
@@ -5302,14 +5224,13 @@
           <a:lstStyle/>
           <a:p>
             <a:r>
-              <a:rPr lang="en-US" sz="4000" dirty="0" err="1" smtClean="0"/>
+              <a:rPr lang="en-US" sz="4000" dirty="0" err="1"/>
               <a:t>Disdvantages</a:t>
             </a:r>
             <a:r>
-              <a:rPr lang="en-US" sz="4000" dirty="0" smtClean="0"/>
+              <a:rPr lang="en-US" sz="4000" dirty="0"/>
               <a:t> of DAS</a:t>
             </a:r>
-            <a:endParaRPr lang="en-US" sz="4000" dirty="0"/>
           </a:p>
         </p:txBody>
       </p:sp>
@@ -5407,25 +5328,18 @@
   <p:clrMapOvr>
     <a:masterClrMapping/>
   </p:clrMapOvr>
-  <mc:AlternateContent xmlns:mc="http://schemas.openxmlformats.org/markup-compatibility/2006">
-    <mc:Choice xmlns:p14="http://schemas.microsoft.com/office/powerpoint/2010/main" Requires="p14">
+  <mc:AlternateContent xmlns:mc="http://schemas.openxmlformats.org/markup-compatibility/2006" xmlns:p14="http://schemas.microsoft.com/office/powerpoint/2010/main">
+    <mc:Choice Requires="p14">
       <p:transition spd="slow" p14:dur="1400">
         <p14:ripple/>
       </p:transition>
     </mc:Choice>
-    <mc:Fallback>
+    <mc:Fallback xmlns="">
       <p:transition spd="slow">
         <p:fade/>
       </p:transition>
     </mc:Fallback>
   </mc:AlternateContent>
-  <p:timing>
-    <p:tnLst>
-      <p:par>
-        <p:cTn id="1" dur="indefinite" restart="never" nodeType="tmRoot"/>
-      </p:par>
-    </p:tnLst>
-  </p:timing>
 </p:sld>
 </file>
 
@@ -5470,7 +5384,7 @@
           <a:p>
             <a:pPr algn="ctr"/>
             <a:r>
-              <a:rPr lang="en-US" sz="6000" dirty="0" smtClean="0">
+              <a:rPr lang="en-US" sz="6000" dirty="0">
                 <a:solidFill>
                   <a:schemeClr val="accent6">
                     <a:lumMod val="50000"/>
@@ -5478,10 +5392,6 @@
                 </a:solidFill>
               </a:rPr>
               <a:t>NAS</a:t>
-            </a:r>
-            <a:r>
-              <a:rPr lang="en-US" sz="4051" dirty="0"/>
-              <a:t/>
             </a:r>
             <a:br>
               <a:rPr lang="en-US" sz="4051" dirty="0"/>
@@ -5519,16 +5429,6 @@
               <a:buChar char="v"/>
             </a:pPr>
             <a:r>
-              <a:rPr lang="en-US" sz="3600" dirty="0" smtClean="0">
-                <a:solidFill>
-                  <a:schemeClr val="accent6">
-                    <a:lumMod val="50000"/>
-                  </a:schemeClr>
-                </a:solidFill>
-              </a:rPr>
-              <a:t>Provides </a:t>
-            </a:r>
-            <a:r>
               <a:rPr lang="en-US" sz="3600" dirty="0">
                 <a:solidFill>
                   <a:schemeClr val="accent6">
@@ -5536,7 +5436,7 @@
                   </a:schemeClr>
                 </a:solidFill>
               </a:rPr>
-              <a:t>a </a:t>
+              <a:t>Provides a </a:t>
             </a:r>
             <a:r>
               <a:rPr lang="en-US" sz="3600" dirty="0">
@@ -5545,16 +5445,6 @@
                 </a:solidFill>
               </a:rPr>
               <a:t>file sharing </a:t>
-            </a:r>
-            <a:r>
-              <a:rPr lang="en-US" sz="3600" dirty="0" smtClean="0">
-                <a:solidFill>
-                  <a:schemeClr val="accent6">
-                    <a:lumMod val="50000"/>
-                  </a:schemeClr>
-                </a:solidFill>
-              </a:rPr>
-              <a:t>system or storage </a:t>
             </a:r>
             <a:r>
               <a:rPr lang="en-US" sz="3600" dirty="0">
@@ -5564,25 +5454,8 @@
                   </a:schemeClr>
                 </a:solidFill>
               </a:rPr>
-              <a:t>management </a:t>
-            </a:r>
-            <a:r>
-              <a:rPr lang="en-US" sz="3600" dirty="0" smtClean="0">
-                <a:solidFill>
-                  <a:schemeClr val="accent6">
-                    <a:lumMod val="50000"/>
-                  </a:schemeClr>
-                </a:solidFill>
-              </a:rPr>
-              <a:t>system</a:t>
-            </a:r>
-            <a:endParaRPr lang="en-US" sz="3600" dirty="0">
-              <a:solidFill>
-                <a:schemeClr val="accent6">
-                  <a:lumMod val="50000"/>
-                </a:schemeClr>
-              </a:solidFill>
-            </a:endParaRPr>
+              <a:t>system or storage management system</a:t>
+            </a:r>
           </a:p>
           <a:p>
             <a:endParaRPr lang="en-US" sz="3600" dirty="0">
@@ -5616,11 +5489,6 @@
               </a:rPr>
               <a:t>Ethernet</a:t>
             </a:r>
-            <a:endParaRPr lang="en-US" sz="3600" dirty="0">
-              <a:solidFill>
-                <a:srgbClr val="0070C0"/>
-              </a:solidFill>
-            </a:endParaRPr>
           </a:p>
         </p:txBody>
       </p:sp>
@@ -5679,25 +5547,18 @@
   <p:clrMapOvr>
     <a:masterClrMapping/>
   </p:clrMapOvr>
-  <mc:AlternateContent xmlns:mc="http://schemas.openxmlformats.org/markup-compatibility/2006">
-    <mc:Choice xmlns:p14="http://schemas.microsoft.com/office/powerpoint/2010/main" Requires="p14">
+  <mc:AlternateContent xmlns:mc="http://schemas.openxmlformats.org/markup-compatibility/2006" xmlns:p14="http://schemas.microsoft.com/office/powerpoint/2010/main">
+    <mc:Choice Requires="p14">
       <p:transition spd="slow" p14:dur="1600">
         <p14:prism isInverted="1"/>
       </p:transition>
     </mc:Choice>
-    <mc:Fallback>
+    <mc:Fallback xmlns="">
       <p:transition spd="slow">
         <p:fade/>
       </p:transition>
     </mc:Fallback>
   </mc:AlternateContent>
-  <p:timing>
-    <p:tnLst>
-      <p:par>
-        <p:cTn id="1" dur="indefinite" restart="never" nodeType="tmRoot"/>
-      </p:par>
-    </p:tnLst>
-  </p:timing>
 </p:sld>
 </file>
 
@@ -5744,7 +5605,7 @@
               <a:buChar char="Ø"/>
             </a:pPr>
             <a:r>
-              <a:rPr lang="en-US" sz="3600" dirty="0" smtClean="0">
+              <a:rPr lang="en-US" sz="3600" dirty="0">
                 <a:solidFill>
                   <a:schemeClr val="accent6">
                     <a:lumMod val="50000"/>
@@ -5773,7 +5634,7 @@
               <a:buChar char="Ø"/>
             </a:pPr>
             <a:r>
-              <a:rPr lang="en-GB" sz="3600" dirty="0" smtClean="0">
+              <a:rPr lang="en-GB" sz="3600" dirty="0">
                 <a:solidFill>
                   <a:schemeClr val="accent6">
                     <a:lumMod val="50000"/>
@@ -5788,7 +5649,7 @@
               <a:buFont typeface="Wingdings" panose="05000000000000000000" pitchFamily="2" charset="2"/>
               <a:buChar char="Ø"/>
             </a:pPr>
-            <a:endParaRPr lang="en-GB" sz="3600" dirty="0" smtClean="0">
+            <a:endParaRPr lang="en-GB" sz="3600" dirty="0">
               <a:solidFill>
                 <a:schemeClr val="accent6">
                   <a:lumMod val="50000"/>
@@ -5802,7 +5663,7 @@
               <a:buChar char="Ø"/>
             </a:pPr>
             <a:r>
-              <a:rPr lang="en-US" sz="3600" dirty="0" smtClean="0">
+              <a:rPr lang="en-US" sz="3600" dirty="0">
                 <a:solidFill>
                   <a:schemeClr val="accent6">
                     <a:lumMod val="50000"/>
@@ -5887,10 +5748,9 @@
           </a:lstStyle>
           <a:p>
             <a:r>
-              <a:rPr lang="en-US" sz="4400" dirty="0" smtClean="0"/>
+              <a:rPr lang="en-US" sz="4400" dirty="0"/>
               <a:t>Advantages of NAS</a:t>
             </a:r>
-            <a:endParaRPr lang="en-US" sz="4400" dirty="0"/>
           </a:p>
         </p:txBody>
       </p:sp>
@@ -5982,13 +5842,6 @@
   <p:transition spd="slow">
     <p:comb/>
   </p:transition>
-  <p:timing>
-    <p:tnLst>
-      <p:par>
-        <p:cTn id="1" dur="indefinite" restart="never" nodeType="tmRoot"/>
-      </p:par>
-    </p:tnLst>
-  </p:timing>
 </p:sld>
 </file>
 
@@ -6043,17 +5896,7 @@
                   </a:schemeClr>
                 </a:solidFill>
               </a:rPr>
-              <a:t>Slower </a:t>
-            </a:r>
-            <a:r>
-              <a:rPr lang="en-US" sz="3600" dirty="0" smtClean="0">
-                <a:solidFill>
-                  <a:schemeClr val="accent6">
-                    <a:lumMod val="50000"/>
-                  </a:schemeClr>
-                </a:solidFill>
-              </a:rPr>
-              <a:t>Process</a:t>
+              <a:t>Slower Process</a:t>
             </a:r>
           </a:p>
           <a:p>
@@ -6075,16 +5918,6 @@
               <a:buChar char="Ø"/>
             </a:pPr>
             <a:r>
-              <a:rPr lang="en-US" sz="3600" dirty="0" smtClean="0">
-                <a:solidFill>
-                  <a:schemeClr val="accent6">
-                    <a:lumMod val="50000"/>
-                  </a:schemeClr>
-                </a:solidFill>
-              </a:rPr>
-              <a:t>Dependency </a:t>
-            </a:r>
-            <a:r>
               <a:rPr lang="en-US" sz="3600" dirty="0">
                 <a:solidFill>
                   <a:schemeClr val="accent6">
@@ -6092,7 +5925,7 @@
                   </a:schemeClr>
                 </a:solidFill>
               </a:rPr>
-              <a:t>upon network</a:t>
+              <a:t>Dependency upon network</a:t>
             </a:r>
           </a:p>
           <a:p>
@@ -6153,14 +5986,9 @@
           </a:lstStyle>
           <a:p>
             <a:r>
-              <a:rPr lang="en-US" sz="4400" dirty="0" smtClean="0"/>
-              <a:t>Disadvantages </a:t>
-            </a:r>
-            <a:r>
-              <a:rPr lang="en-US" sz="4400" dirty="0" smtClean="0"/>
-              <a:t>of NAS</a:t>
-            </a:r>
-            <a:endParaRPr lang="en-US" sz="4400" dirty="0"/>
+              <a:rPr lang="en-US" sz="4400" dirty="0"/>
+              <a:t>Disadvantages of NAS</a:t>
+            </a:r>
           </a:p>
         </p:txBody>
       </p:sp>
@@ -6258,25 +6086,18 @@
   <p:clrMapOvr>
     <a:masterClrMapping/>
   </p:clrMapOvr>
-  <mc:AlternateContent xmlns:mc="http://schemas.openxmlformats.org/markup-compatibility/2006">
-    <mc:Choice xmlns:p14="http://schemas.microsoft.com/office/powerpoint/2010/main" Requires="p14">
+  <mc:AlternateContent xmlns:mc="http://schemas.openxmlformats.org/markup-compatibility/2006" xmlns:p14="http://schemas.microsoft.com/office/powerpoint/2010/main">
+    <mc:Choice Requires="p14">
       <p:transition spd="slow" p14:dur="1400">
         <p14:doors dir="vert"/>
       </p:transition>
     </mc:Choice>
-    <mc:Fallback>
+    <mc:Fallback xmlns="">
       <p:transition spd="slow">
         <p:fade/>
       </p:transition>
     </mc:Fallback>
   </mc:AlternateContent>
-  <p:timing>
-    <p:tnLst>
-      <p:par>
-        <p:cTn id="1" dur="indefinite" restart="never" nodeType="tmRoot"/>
-      </p:par>
-    </p:tnLst>
-  </p:timing>
 </p:sld>
 </file>
 
@@ -6340,12 +6161,8 @@
               </a:rPr>
             </a:br>
             <a:r>
-              <a:rPr lang="en-US" sz="4051" dirty="0" smtClean="0"/>
-              <a:t>Storage </a:t>
-            </a:r>
-            <a:r>
               <a:rPr lang="en-US" sz="4051" dirty="0"/>
-              <a:t>Area Network</a:t>
+              <a:t>Storage Area Network</a:t>
             </a:r>
           </a:p>
         </p:txBody>
@@ -6383,17 +6200,7 @@
                   </a:schemeClr>
                 </a:solidFill>
               </a:rPr>
-              <a:t>SAN describes a data </a:t>
-            </a:r>
-            <a:r>
-              <a:rPr lang="en-GB" sz="3600" dirty="0" smtClean="0">
-                <a:solidFill>
-                  <a:schemeClr val="accent6">
-                    <a:lumMod val="50000"/>
-                  </a:schemeClr>
-                </a:solidFill>
-              </a:rPr>
-              <a:t>network</a:t>
+              <a:t>SAN describes a data network</a:t>
             </a:r>
           </a:p>
           <a:p>
@@ -6437,17 +6244,7 @@
                   </a:schemeClr>
                 </a:solidFill>
               </a:rPr>
-              <a:t> </a:t>
-            </a:r>
-            <a:r>
-              <a:rPr lang="en-GB" sz="3600" dirty="0" smtClean="0">
-                <a:solidFill>
-                  <a:schemeClr val="accent6">
-                    <a:lumMod val="50000"/>
-                  </a:schemeClr>
-                </a:solidFill>
-              </a:rPr>
-              <a:t>storage</a:t>
+              <a:t> storage</a:t>
             </a:r>
           </a:p>
           <a:p>
@@ -6576,25 +6373,18 @@
   <p:clrMapOvr>
     <a:masterClrMapping/>
   </p:clrMapOvr>
-  <mc:AlternateContent xmlns:mc="http://schemas.openxmlformats.org/markup-compatibility/2006">
-    <mc:Choice xmlns:p14="http://schemas.microsoft.com/office/powerpoint/2010/main" Requires="p14">
+  <mc:AlternateContent xmlns:mc="http://schemas.openxmlformats.org/markup-compatibility/2006" xmlns:p14="http://schemas.microsoft.com/office/powerpoint/2010/main">
+    <mc:Choice Requires="p14">
       <p:transition spd="slow" p14:dur="1600">
         <p14:prism isInverted="1"/>
       </p:transition>
     </mc:Choice>
-    <mc:Fallback>
+    <mc:Fallback xmlns="">
       <p:transition spd="slow">
         <p:fade/>
       </p:transition>
     </mc:Fallback>
   </mc:AlternateContent>
-  <p:timing>
-    <p:tnLst>
-      <p:par>
-        <p:cTn id="1" dur="indefinite" restart="never" nodeType="tmRoot"/>
-      </p:par>
-    </p:tnLst>
-  </p:timing>
 </p:sld>
 </file>
 
@@ -6642,7 +6432,7 @@
               <a:buChar char="v"/>
             </a:pPr>
             <a:r>
-              <a:rPr lang="en-US" sz="3600" dirty="0" smtClean="0">
+              <a:rPr lang="en-US" sz="3600" dirty="0">
                 <a:solidFill>
                   <a:schemeClr val="accent6">
                     <a:lumMod val="50000"/>
@@ -6671,7 +6461,7 @@
               <a:buChar char="v"/>
             </a:pPr>
             <a:r>
-              <a:rPr lang="en-US" sz="3600" dirty="0" smtClean="0">
+              <a:rPr lang="en-US" sz="3600" dirty="0">
                 <a:solidFill>
                   <a:schemeClr val="accent6">
                     <a:lumMod val="50000"/>
@@ -6707,17 +6497,7 @@
                   </a:schemeClr>
                 </a:solidFill>
               </a:rPr>
-              <a:t>Data </a:t>
-            </a:r>
-            <a:r>
-              <a:rPr lang="en-US" sz="3600" dirty="0" smtClean="0">
-                <a:solidFill>
-                  <a:schemeClr val="accent6">
-                    <a:lumMod val="50000"/>
-                  </a:schemeClr>
-                </a:solidFill>
-              </a:rPr>
-              <a:t>Isolation</a:t>
+              <a:t>Data Isolation</a:t>
             </a:r>
           </a:p>
           <a:p>
@@ -6739,7 +6519,7 @@
               <a:buChar char="v"/>
             </a:pPr>
             <a:r>
-              <a:rPr lang="en-US" sz="3600" dirty="0" smtClean="0">
+              <a:rPr lang="en-US" sz="3600" dirty="0">
                 <a:solidFill>
                   <a:schemeClr val="accent6">
                     <a:lumMod val="50000"/>
@@ -6748,13 +6528,6 @@
               </a:rPr>
               <a:t>Uptime</a:t>
             </a:r>
-            <a:endParaRPr lang="en-US" sz="3600" dirty="0">
-              <a:solidFill>
-                <a:schemeClr val="accent6">
-                  <a:lumMod val="50000"/>
-                </a:schemeClr>
-              </a:solidFill>
-            </a:endParaRPr>
           </a:p>
         </p:txBody>
       </p:sp>
@@ -6803,13 +6576,8 @@
           <a:p>
             <a:r>
               <a:rPr lang="en-US" sz="4400" dirty="0"/>
-              <a:t>A</a:t>
-            </a:r>
-            <a:r>
-              <a:rPr lang="en-US" sz="4400" dirty="0" smtClean="0"/>
-              <a:t>dvantages of SAN</a:t>
-            </a:r>
-            <a:endParaRPr lang="en-US" sz="4400" dirty="0"/>
+              <a:t>Advantages of SAN</a:t>
+            </a:r>
           </a:p>
         </p:txBody>
       </p:sp>
@@ -6898,25 +6666,18 @@
   <p:clrMapOvr>
     <a:masterClrMapping/>
   </p:clrMapOvr>
-  <mc:AlternateContent xmlns:mc="http://schemas.openxmlformats.org/markup-compatibility/2006">
-    <mc:Choice xmlns:p14="http://schemas.microsoft.com/office/powerpoint/2010/main" Requires="p14">
+  <mc:AlternateContent xmlns:mc="http://schemas.openxmlformats.org/markup-compatibility/2006" xmlns:p14="http://schemas.microsoft.com/office/powerpoint/2010/main">
+    <mc:Choice Requires="p14">
       <p:transition spd="slow" p14:dur="1400">
         <p14:ripple/>
       </p:transition>
     </mc:Choice>
-    <mc:Fallback>
+    <mc:Fallback xmlns="">
       <p:transition spd="slow">
         <p:fade/>
       </p:transition>
     </mc:Fallback>
   </mc:AlternateContent>
-  <p:timing>
-    <p:tnLst>
-      <p:par>
-        <p:cTn id="1" dur="indefinite" restart="never" nodeType="tmRoot"/>
-      </p:par>
-    </p:tnLst>
-  </p:timing>
 </p:sld>
 </file>
 
@@ -6964,7 +6725,7 @@
               <a:buChar char="v"/>
             </a:pPr>
             <a:r>
-              <a:rPr lang="en-US" sz="4000" dirty="0" smtClean="0">
+              <a:rPr lang="en-US" sz="4000" dirty="0">
                 <a:solidFill>
                   <a:schemeClr val="accent6">
                     <a:lumMod val="50000"/>
@@ -6979,7 +6740,7 @@
               <a:buFont typeface="Wingdings" panose="05000000000000000000" pitchFamily="2" charset="2"/>
               <a:buChar char="v"/>
             </a:pPr>
-            <a:endParaRPr lang="en-US" sz="4000" dirty="0" smtClean="0">
+            <a:endParaRPr lang="en-US" sz="4000" dirty="0">
               <a:solidFill>
                 <a:schemeClr val="accent6">
                   <a:lumMod val="50000"/>
@@ -6993,7 +6754,7 @@
               <a:buChar char="v"/>
             </a:pPr>
             <a:r>
-              <a:rPr lang="en-US" sz="4000" dirty="0" smtClean="0">
+              <a:rPr lang="en-US" sz="4000" dirty="0">
                 <a:solidFill>
                   <a:schemeClr val="accent6">
                     <a:lumMod val="50000"/>
@@ -7002,13 +6763,6 @@
               </a:rPr>
               <a:t>Costly</a:t>
             </a:r>
-            <a:endParaRPr lang="en-US" sz="4000" dirty="0">
-              <a:solidFill>
-                <a:schemeClr val="accent6">
-                  <a:lumMod val="50000"/>
-                </a:schemeClr>
-              </a:solidFill>
-            </a:endParaRPr>
           </a:p>
           <a:p>
             <a:pPr>
@@ -7069,18 +6823,13 @@
           </a:lstStyle>
           <a:p>
             <a:r>
-              <a:rPr lang="en-US" sz="4400" dirty="0" err="1" smtClean="0"/>
+              <a:rPr lang="en-US" sz="4400" dirty="0" err="1"/>
               <a:t>Disdvantages</a:t>
             </a:r>
             <a:r>
-              <a:rPr lang="en-US" sz="4400" dirty="0" smtClean="0"/>
-              <a:t> of </a:t>
-            </a:r>
-            <a:r>
-              <a:rPr lang="en-US" sz="4400" dirty="0" smtClean="0"/>
-              <a:t>SAN</a:t>
-            </a:r>
-            <a:endParaRPr lang="en-US" sz="4400" dirty="0"/>
+              <a:rPr lang="en-US" sz="4400" dirty="0"/>
+              <a:t> of SAN</a:t>
+            </a:r>
           </a:p>
         </p:txBody>
       </p:sp>
@@ -7178,25 +6927,18 @@
   <p:clrMapOvr>
     <a:masterClrMapping/>
   </p:clrMapOvr>
-  <mc:AlternateContent xmlns:mc="http://schemas.openxmlformats.org/markup-compatibility/2006">
-    <mc:Choice xmlns:p14="http://schemas.microsoft.com/office/powerpoint/2010/main" Requires="p14">
+  <mc:AlternateContent xmlns:mc="http://schemas.openxmlformats.org/markup-compatibility/2006" xmlns:p14="http://schemas.microsoft.com/office/powerpoint/2010/main">
+    <mc:Choice Requires="p14">
       <p:transition spd="slow" p14:dur="1400">
         <p14:doors dir="vert"/>
       </p:transition>
     </mc:Choice>
-    <mc:Fallback>
+    <mc:Fallback xmlns="">
       <p:transition spd="slow">
         <p:fade/>
       </p:transition>
     </mc:Fallback>
   </mc:AlternateContent>
-  <p:timing>
-    <p:tnLst>
-      <p:par>
-        <p:cTn id="1" dur="indefinite" restart="never" nodeType="tmRoot"/>
-      </p:par>
-    </p:tnLst>
-  </p:timing>
 </p:sld>
 </file>
 
@@ -7256,25 +6998,18 @@
   <p:clrMapOvr>
     <a:masterClrMapping/>
   </p:clrMapOvr>
-  <mc:AlternateContent xmlns:mc="http://schemas.openxmlformats.org/markup-compatibility/2006">
-    <mc:Choice xmlns:p15="http://schemas.microsoft.com/office/powerpoint/2012/main" Requires="p15">
+  <mc:AlternateContent xmlns:mc="http://schemas.openxmlformats.org/markup-compatibility/2006" xmlns:p15="http://schemas.microsoft.com/office/powerpoint/2012/main">
+    <mc:Choice Requires="p15">
       <p:transition xmlns:p14="http://schemas.microsoft.com/office/powerpoint/2010/main" spd="slow" p14:dur="2000">
         <p15:prstTrans prst="crush"/>
       </p:transition>
     </mc:Choice>
-    <mc:Fallback>
+    <mc:Fallback xmlns="">
       <p:transition spd="slow">
         <p:fade/>
       </p:transition>
     </mc:Fallback>
   </mc:AlternateContent>
-  <p:timing>
-    <p:tnLst>
-      <p:par>
-        <p:cTn id="1" dur="indefinite" restart="never" nodeType="tmRoot"/>
-      </p:par>
-    </p:tnLst>
-  </p:timing>
 </p:sld>
 </file>
 
@@ -7369,35 +7104,8 @@
                   </a:schemeClr>
                 </a:solidFill>
               </a:rPr>
-              <a:t>What is </a:t>
-            </a:r>
-            <a:r>
-              <a:rPr lang="en-US" sz="4400" dirty="0">
-                <a:solidFill>
-                  <a:schemeClr val="accent1">
-                    <a:lumMod val="75000"/>
-                  </a:schemeClr>
-                </a:solidFill>
-              </a:rPr>
-              <a:t>E</a:t>
-            </a:r>
-            <a:r>
-              <a:rPr lang="en-US" sz="4400" dirty="0" smtClean="0">
-                <a:solidFill>
-                  <a:schemeClr val="accent1">
-                    <a:lumMod val="75000"/>
-                  </a:schemeClr>
-                </a:solidFill>
-              </a:rPr>
-              <a:t>nterprise?</a:t>
-            </a:r>
-            <a:endParaRPr lang="en-US" sz="4400" dirty="0">
-              <a:solidFill>
-                <a:schemeClr val="accent1">
-                  <a:lumMod val="75000"/>
-                </a:schemeClr>
-              </a:solidFill>
-            </a:endParaRPr>
+              <a:t>What is Enterprise?</a:t>
+            </a:r>
           </a:p>
         </p:txBody>
       </p:sp>
@@ -7430,27 +7138,7 @@
                   </a:schemeClr>
                 </a:solidFill>
               </a:rPr>
-              <a:t>Enterprise basically means </a:t>
-            </a:r>
-            <a:r>
-              <a:rPr lang="en-GB" sz="3600" dirty="0" smtClean="0">
-                <a:solidFill>
-                  <a:schemeClr val="accent6">
-                    <a:lumMod val="50000"/>
-                  </a:schemeClr>
-                </a:solidFill>
-              </a:rPr>
-              <a:t>big or large </a:t>
-            </a:r>
-            <a:r>
-              <a:rPr lang="en-GB" sz="3600" dirty="0">
-                <a:solidFill>
-                  <a:schemeClr val="accent6">
-                    <a:lumMod val="50000"/>
-                  </a:schemeClr>
-                </a:solidFill>
-              </a:rPr>
-              <a:t>business entity</a:t>
+              <a:t>Enterprise basically means big or large business entity</a:t>
             </a:r>
             <a:endParaRPr lang="en-US" sz="3600" dirty="0">
               <a:solidFill>
@@ -7484,13 +7172,6 @@
       </p:transition>
     </mc:Fallback>
   </mc:AlternateContent>
-  <p:timing>
-    <p:tnLst>
-      <p:par>
-        <p:cTn id="1" dur="indefinite" restart="never" nodeType="tmRoot"/>
-      </p:par>
-    </p:tnLst>
-  </p:timing>
 </p:sld>
 </file>
 
@@ -7585,47 +7266,7 @@
                   </a:schemeClr>
                 </a:solidFill>
               </a:rPr>
-              <a:t>What is </a:t>
-            </a:r>
-            <a:r>
-              <a:rPr lang="en-US" sz="4400" dirty="0" smtClean="0">
-                <a:solidFill>
-                  <a:schemeClr val="accent1">
-                    <a:lumMod val="75000"/>
-                  </a:schemeClr>
-                </a:solidFill>
-              </a:rPr>
-              <a:t>Enterprise </a:t>
-            </a:r>
-            <a:r>
-              <a:rPr lang="en-US" sz="4400" dirty="0">
-                <a:solidFill>
-                  <a:schemeClr val="accent1">
-                    <a:lumMod val="75000"/>
-                  </a:schemeClr>
-                </a:solidFill>
-              </a:rPr>
-              <a:t>S</a:t>
-            </a:r>
-            <a:r>
-              <a:rPr lang="en-US" sz="4400" dirty="0" smtClean="0">
-                <a:solidFill>
-                  <a:schemeClr val="accent1">
-                    <a:lumMod val="75000"/>
-                  </a:schemeClr>
-                </a:solidFill>
-              </a:rPr>
-              <a:t>torage</a:t>
-            </a:r>
-            <a:r>
-              <a:rPr lang="en-US" sz="4400" dirty="0">
-                <a:solidFill>
-                  <a:schemeClr val="accent1">
-                    <a:lumMod val="75000"/>
-                  </a:schemeClr>
-                </a:solidFill>
-              </a:rPr>
-              <a:t>?</a:t>
+              <a:t>What is Enterprise Storage?</a:t>
             </a:r>
           </a:p>
         </p:txBody>
@@ -7659,37 +7300,7 @@
                   </a:schemeClr>
                 </a:solidFill>
               </a:rPr>
-              <a:t>E</a:t>
-            </a:r>
-            <a:r>
-              <a:rPr lang="en-GB" sz="3600" dirty="0" smtClean="0">
-                <a:solidFill>
-                  <a:schemeClr val="accent6">
-                    <a:lumMod val="50000"/>
-                  </a:schemeClr>
-                </a:solidFill>
-              </a:rPr>
-              <a:t>nterprise </a:t>
-            </a:r>
-            <a:r>
-              <a:rPr lang="en-GB" sz="3600" dirty="0">
-                <a:solidFill>
-                  <a:schemeClr val="accent6">
-                    <a:lumMod val="50000"/>
-                  </a:schemeClr>
-                </a:solidFill>
-              </a:rPr>
-              <a:t>storage means the data storage system which is used for storing, manipulating, backing up data of an </a:t>
-            </a:r>
-            <a:r>
-              <a:rPr lang="en-GB" sz="3600" dirty="0" smtClean="0">
-                <a:solidFill>
-                  <a:schemeClr val="accent6">
-                    <a:lumMod val="50000"/>
-                  </a:schemeClr>
-                </a:solidFill>
-              </a:rPr>
-              <a:t>enterprise</a:t>
+              <a:t>Enterprise storage means the data storage system which is used for storing, manipulating, backing up data of an enterprise</a:t>
             </a:r>
             <a:endParaRPr lang="en-US" sz="3600" dirty="0">
               <a:solidFill>
@@ -7714,13 +7325,6 @@
   <p:transition spd="slow">
     <p:randomBar dir="vert"/>
   </p:transition>
-  <p:timing>
-    <p:tnLst>
-      <p:par>
-        <p:cTn id="1" dur="indefinite" restart="never" nodeType="tmRoot"/>
-      </p:par>
-    </p:tnLst>
-  </p:timing>
 </p:sld>
 </file>
 
@@ -7827,13 +7431,6 @@
       </p:transition>
     </mc:Fallback>
   </mc:AlternateContent>
-  <p:timing>
-    <p:tnLst>
-      <p:par>
-        <p:cTn id="1" dur="indefinite" restart="never" nodeType="tmRoot"/>
-      </p:par>
-    </p:tnLst>
-  </p:timing>
 </p:sld>
 </file>
 
@@ -8126,7 +7723,7 @@
           <a:lstStyle/>
           <a:p>
             <a:r>
-              <a:rPr lang="en-US" sz="3200" b="1" dirty="0" smtClean="0">
+              <a:rPr lang="en-US" sz="3200" b="1" dirty="0">
                 <a:solidFill>
                   <a:schemeClr val="accent6">
                     <a:lumMod val="50000"/>
@@ -8137,15 +7734,6 @@
               </a:rPr>
               <a:t>Ease of access</a:t>
             </a:r>
-            <a:endParaRPr lang="en-US" sz="3200" b="1" dirty="0">
-              <a:solidFill>
-                <a:schemeClr val="accent6">
-                  <a:lumMod val="50000"/>
-                </a:schemeClr>
-              </a:solidFill>
-              <a:latin typeface="Adobe Kaiti Std R" panose="02020400000000000000" pitchFamily="18" charset="-128"/>
-              <a:ea typeface="Adobe Kaiti Std R" panose="02020400000000000000" pitchFamily="18" charset="-128"/>
-            </a:endParaRPr>
           </a:p>
         </p:txBody>
       </p:sp>
@@ -8973,25 +8561,8 @@
                   </a:schemeClr>
                 </a:solidFill>
               </a:rPr>
-              <a:t>Types of </a:t>
-            </a:r>
-            <a:r>
-              <a:rPr lang="en-US" sz="4400" dirty="0" smtClean="0">
-                <a:solidFill>
-                  <a:schemeClr val="accent1">
-                    <a:lumMod val="75000"/>
-                  </a:schemeClr>
-                </a:solidFill>
-              </a:rPr>
-              <a:t>Enterprise Storage</a:t>
-            </a:r>
-            <a:endParaRPr lang="en-US" sz="4400" dirty="0">
-              <a:solidFill>
-                <a:schemeClr val="accent1">
-                  <a:lumMod val="75000"/>
-                </a:schemeClr>
-              </a:solidFill>
-            </a:endParaRPr>
+              <a:t>Types of Enterprise Storage</a:t>
+            </a:r>
           </a:p>
         </p:txBody>
       </p:sp>
@@ -10285,6 +9856,26 @@
 </file>
 
 <file path=customXml/item1.xml><?xml version="1.0" encoding="utf-8"?>
+<?mso-contentType ?>
+<FormTemplates xmlns="http://schemas.microsoft.com/sharepoint/v3/contenttype/forms">
+  <Display>DocumentLibraryForm</Display>
+  <Edit>DocumentLibraryForm</Edit>
+  <New>DocumentLibraryForm</New>
+</FormTemplates>
+</file>
+
+<file path=customXml/item2.xml><?xml version="1.0" encoding="utf-8"?>
+<p:properties xmlns:p="http://schemas.microsoft.com/office/2006/metadata/properties" xmlns:xsi="http://www.w3.org/2001/XMLSchema-instance" xmlns:pc="http://schemas.microsoft.com/office/infopath/2007/PartnerControls">
+  <documentManagement>
+    <VSO_x0020_item_x0020_id xmlns="40262f94-9f35-4ac3-9a90-690165a166b7" xsi:nil="true"/>
+    <Assetid_x0020_ xmlns="40262f94-9f35-4ac3-9a90-690165a166b7" xsi:nil="true"/>
+    <Item_x0020_Details xmlns="40262f94-9f35-4ac3-9a90-690165a166b7" xsi:nil="true"/>
+    <Template_x0020_details xmlns="40262f94-9f35-4ac3-9a90-690165a166b7" xsi:nil="true"/>
+  </documentManagement>
+</p:properties>
+</file>
+
+<file path=customXml/item3.xml><?xml version="1.0" encoding="utf-8"?>
 <ct:contentTypeSchema xmlns:ct="http://schemas.microsoft.com/office/2006/metadata/contentType" xmlns:ma="http://schemas.microsoft.com/office/2006/metadata/properties/metaAttributes" ct:_="" ma:_="" ma:contentTypeName="Document" ma:contentTypeID="0x010100AA3F7D94069FF64A86F7DFF56D60E3BE" ma:contentTypeVersion="6" ma:contentTypeDescription="Create a new document." ma:contentTypeScope="" ma:versionID="c32302c77d4085ecf495bdddb7f5e889">
   <xsd:schema xmlns:xsd="http://www.w3.org/2001/XMLSchema" xmlns:xs="http://www.w3.org/2001/XMLSchema" xmlns:p="http://schemas.microsoft.com/office/2006/metadata/properties" xmlns:ns2="a4f35948-e619-41b3-aa29-22878b09cfd2" xmlns:ns3="40262f94-9f35-4ac3-9a90-690165a166b7" targetNamespace="http://schemas.microsoft.com/office/2006/metadata/properties" ma:root="true" ma:fieldsID="4ab5ae46be95f9d0be6107e8200be7a2" ns2:_="" ns3:_="">
     <xsd:import namespace="a4f35948-e619-41b3-aa29-22878b09cfd2"/>
@@ -10465,41 +10056,10 @@
 </ct:contentTypeSchema>
 </file>
 
-<file path=customXml/item2.xml><?xml version="1.0" encoding="utf-8"?>
-<p:properties xmlns:p="http://schemas.microsoft.com/office/2006/metadata/properties" xmlns:xsi="http://www.w3.org/2001/XMLSchema-instance" xmlns:pc="http://schemas.microsoft.com/office/infopath/2007/PartnerControls">
-  <documentManagement>
-    <VSO_x0020_item_x0020_id xmlns="40262f94-9f35-4ac3-9a90-690165a166b7" xsi:nil="true"/>
-    <Assetid_x0020_ xmlns="40262f94-9f35-4ac3-9a90-690165a166b7" xsi:nil="true"/>
-    <Item_x0020_Details xmlns="40262f94-9f35-4ac3-9a90-690165a166b7" xsi:nil="true"/>
-    <Template_x0020_details xmlns="40262f94-9f35-4ac3-9a90-690165a166b7" xsi:nil="true"/>
-  </documentManagement>
-</p:properties>
-</file>
-
-<file path=customXml/item3.xml><?xml version="1.0" encoding="utf-8"?>
-<?mso-contentType ?>
-<FormTemplates xmlns="http://schemas.microsoft.com/sharepoint/v3/contenttype/forms">
-  <Display>DocumentLibraryForm</Display>
-  <Edit>DocumentLibraryForm</Edit>
-  <New>DocumentLibraryForm</New>
-</FormTemplates>
-</file>
-
 <file path=customXml/itemProps1.xml><?xml version="1.0" encoding="utf-8"?>
-<ds:datastoreItem xmlns:ds="http://schemas.openxmlformats.org/officeDocument/2006/customXml" ds:itemID="{7C80FAF7-F941-4D3E-A3C3-283A61107933}">
+<ds:datastoreItem xmlns:ds="http://schemas.openxmlformats.org/officeDocument/2006/customXml" ds:itemID="{02F2BE50-DDB3-465B-A26E-975A276D4362}">
   <ds:schemaRefs>
-    <ds:schemaRef ds:uri="http://schemas.microsoft.com/office/2006/metadata/contentType"/>
-    <ds:schemaRef ds:uri="http://schemas.microsoft.com/office/2006/metadata/properties/metaAttributes"/>
-    <ds:schemaRef ds:uri="http://www.w3.org/2001/XMLSchema"/>
-    <ds:schemaRef ds:uri="http://schemas.microsoft.com/office/2006/metadata/properties"/>
-    <ds:schemaRef ds:uri="a4f35948-e619-41b3-aa29-22878b09cfd2"/>
-    <ds:schemaRef ds:uri="40262f94-9f35-4ac3-9a90-690165a166b7"/>
-    <ds:schemaRef ds:uri="http://schemas.microsoft.com/office/2006/documentManagement/types"/>
-    <ds:schemaRef ds:uri="http://schemas.microsoft.com/office/infopath/2007/PartnerControls"/>
-    <ds:schemaRef ds:uri="http://schemas.openxmlformats.org/package/2006/metadata/core-properties"/>
-    <ds:schemaRef ds:uri="http://purl.org/dc/elements/1.1/"/>
-    <ds:schemaRef ds:uri="http://purl.org/dc/terms/"/>
-    <ds:schemaRef ds:uri="http://schemas.microsoft.com/internal/obd"/>
+    <ds:schemaRef ds:uri="http://schemas.microsoft.com/sharepoint/v3/contenttype/forms"/>
   </ds:schemaRefs>
 </ds:datastoreItem>
 </file>
@@ -10522,9 +10082,20 @@
 </file>
 
 <file path=customXml/itemProps3.xml><?xml version="1.0" encoding="utf-8"?>
-<ds:datastoreItem xmlns:ds="http://schemas.openxmlformats.org/officeDocument/2006/customXml" ds:itemID="{02F2BE50-DDB3-465B-A26E-975A276D4362}">
+<ds:datastoreItem xmlns:ds="http://schemas.openxmlformats.org/officeDocument/2006/customXml" ds:itemID="{7C80FAF7-F941-4D3E-A3C3-283A61107933}">
   <ds:schemaRefs>
-    <ds:schemaRef ds:uri="http://schemas.microsoft.com/sharepoint/v3/contenttype/forms"/>
+    <ds:schemaRef ds:uri="http://schemas.microsoft.com/office/2006/metadata/contentType"/>
+    <ds:schemaRef ds:uri="http://schemas.microsoft.com/office/2006/metadata/properties/metaAttributes"/>
+    <ds:schemaRef ds:uri="http://www.w3.org/2001/XMLSchema"/>
+    <ds:schemaRef ds:uri="http://schemas.microsoft.com/office/2006/metadata/properties"/>
+    <ds:schemaRef ds:uri="a4f35948-e619-41b3-aa29-22878b09cfd2"/>
+    <ds:schemaRef ds:uri="40262f94-9f35-4ac3-9a90-690165a166b7"/>
+    <ds:schemaRef ds:uri="http://schemas.microsoft.com/office/2006/documentManagement/types"/>
+    <ds:schemaRef ds:uri="http://schemas.microsoft.com/office/infopath/2007/PartnerControls"/>
+    <ds:schemaRef ds:uri="http://schemas.openxmlformats.org/package/2006/metadata/core-properties"/>
+    <ds:schemaRef ds:uri="http://purl.org/dc/elements/1.1/"/>
+    <ds:schemaRef ds:uri="http://purl.org/dc/terms/"/>
+    <ds:schemaRef ds:uri="http://schemas.microsoft.com/internal/obd"/>
   </ds:schemaRefs>
 </ds:datastoreItem>
 </file>
--- a/OOP.pptx
+++ b/OOP.pptx
@@ -4120,8 +4120,8 @@
         </p:nvSpPr>
         <p:spPr>
           <a:xfrm>
-            <a:off x="2519238" y="4401362"/>
-            <a:ext cx="4536819" cy="831253"/>
+            <a:off x="3555535" y="4149080"/>
+            <a:ext cx="2032929" cy="1200713"/>
           </a:xfrm>
           <a:prstGeom prst="rect">
             <a:avLst/>
@@ -4155,7 +4155,7 @@
                   </a:outerShdw>
                 </a:effectLst>
               </a:rPr>
-              <a:t>Presentation by </a:t>
+              <a:t>Presentation </a:t>
             </a:r>
           </a:p>
           <a:p>
@@ -4164,7 +4164,7 @@
               <a:rPr lang="en-US" sz="2401" dirty="0">
                 <a:solidFill>
                   <a:schemeClr val="bg1">
-                    <a:lumMod val="95000"/>
+                    <a:lumMod val="65000"/>
                   </a:schemeClr>
                 </a:solidFill>
                 <a:effectLst>
@@ -4175,7 +4175,27 @@
                   </a:outerShdw>
                 </a:effectLst>
               </a:rPr>
-              <a:t>Shah Mohammad Imran Hossain</a:t>
+              <a:t>by </a:t>
+            </a:r>
+          </a:p>
+          <a:p>
+            <a:pPr algn="ctr"/>
+            <a:r>
+              <a:rPr lang="en-US" sz="2401" dirty="0">
+                <a:solidFill>
+                  <a:schemeClr val="bg1">
+                    <a:lumMod val="95000"/>
+                  </a:schemeClr>
+                </a:solidFill>
+                <a:effectLst>
+                  <a:outerShdw blurRad="38100" dist="38100" dir="2700000" algn="tl">
+                    <a:srgbClr val="000000">
+                      <a:alpha val="43137"/>
+                    </a:srgbClr>
+                  </a:outerShdw>
+                </a:effectLst>
+              </a:rPr>
+              <a:t>Shad Al Munir</a:t>
             </a:r>
           </a:p>
         </p:txBody>
@@ -7084,7 +7104,7 @@
         <p:spPr>
           <a:xfrm>
             <a:off x="466475" y="1196752"/>
-            <a:ext cx="4881914" cy="769441"/>
+            <a:ext cx="8038163" cy="646331"/>
           </a:xfrm>
           <a:prstGeom prst="rect">
             <a:avLst/>
@@ -7097,14 +7117,14 @@
           <a:lstStyle/>
           <a:p>
             <a:r>
-              <a:rPr lang="en-US" sz="4400" dirty="0">
+              <a:rPr lang="en-US" sz="3600" dirty="0">
                 <a:solidFill>
                   <a:schemeClr val="accent1">
                     <a:lumMod val="75000"/>
                   </a:schemeClr>
                 </a:solidFill>
               </a:rPr>
-              <a:t>What is Enterprise?</a:t>
+              <a:t>What is Object Oriented Programming ?</a:t>
             </a:r>
           </a:p>
         </p:txBody>

--- a/OOP.pptx
+++ b/OOP.pptx
@@ -5,10 +5,10 @@
     <p:sldMasterId id="2147483648" r:id="rId4"/>
   </p:sldMasterIdLst>
   <p:notesMasterIdLst>
-    <p:notesMasterId r:id="rId24"/>
+    <p:notesMasterId r:id="rId19"/>
   </p:notesMasterIdLst>
   <p:handoutMasterIdLst>
-    <p:handoutMasterId r:id="rId25"/>
+    <p:handoutMasterId r:id="rId20"/>
   </p:handoutMasterIdLst>
   <p:sldIdLst>
     <p:sldId id="265" r:id="rId5"/>
@@ -24,12 +24,7 @@
     <p:sldId id="289" r:id="rId15"/>
     <p:sldId id="286" r:id="rId16"/>
     <p:sldId id="279" r:id="rId17"/>
-    <p:sldId id="277" r:id="rId18"/>
-    <p:sldId id="278" r:id="rId19"/>
-    <p:sldId id="293" r:id="rId20"/>
-    <p:sldId id="276" r:id="rId21"/>
-    <p:sldId id="291" r:id="rId22"/>
-    <p:sldId id="292" r:id="rId23"/>
+    <p:sldId id="292" r:id="rId18"/>
   </p:sldIdLst>
   <p:sldSz cx="9144000" cy="6858000" type="screen4x3"/>
   <p:notesSz cx="6858000" cy="9144000"/>
@@ -5599,1386 +5594,6 @@
           <a:chExt cx="0" cy="0"/>
         </a:xfrm>
       </p:grpSpPr>
-      <p:sp>
-        <p:nvSpPr>
-          <p:cNvPr id="5" name="Rectangle 4"/>
-          <p:cNvSpPr/>
-          <p:nvPr/>
-        </p:nvSpPr>
-        <p:spPr>
-          <a:xfrm>
-            <a:off x="2078704" y="2060848"/>
-            <a:ext cx="4572000" cy="3970318"/>
-          </a:xfrm>
-          <a:prstGeom prst="rect">
-            <a:avLst/>
-          </a:prstGeom>
-        </p:spPr>
-        <p:txBody>
-          <a:bodyPr>
-            <a:spAutoFit/>
-          </a:bodyPr>
-          <a:lstStyle/>
-          <a:p>
-            <a:pPr>
-              <a:buFont typeface="Wingdings" panose="05000000000000000000" pitchFamily="2" charset="2"/>
-              <a:buChar char="Ø"/>
-            </a:pPr>
-            <a:r>
-              <a:rPr lang="en-US" sz="3600" dirty="0">
-                <a:solidFill>
-                  <a:schemeClr val="accent6">
-                    <a:lumMod val="50000"/>
-                  </a:schemeClr>
-                </a:solidFill>
-              </a:rPr>
-              <a:t>Accessibility</a:t>
-            </a:r>
-          </a:p>
-          <a:p>
-            <a:pPr>
-              <a:buFont typeface="Wingdings" panose="05000000000000000000" pitchFamily="2" charset="2"/>
-              <a:buChar char="Ø"/>
-            </a:pPr>
-            <a:endParaRPr lang="en-US" sz="3600" dirty="0">
-              <a:solidFill>
-                <a:schemeClr val="accent6">
-                  <a:lumMod val="50000"/>
-                </a:schemeClr>
-              </a:solidFill>
-            </a:endParaRPr>
-          </a:p>
-          <a:p>
-            <a:pPr>
-              <a:buFont typeface="Wingdings" panose="05000000000000000000" pitchFamily="2" charset="2"/>
-              <a:buChar char="Ø"/>
-            </a:pPr>
-            <a:r>
-              <a:rPr lang="en-GB" sz="3600" dirty="0">
-                <a:solidFill>
-                  <a:schemeClr val="accent6">
-                    <a:lumMod val="50000"/>
-                  </a:schemeClr>
-                </a:solidFill>
-              </a:rPr>
-              <a:t>Scalability</a:t>
-            </a:r>
-          </a:p>
-          <a:p>
-            <a:pPr>
-              <a:buFont typeface="Wingdings" panose="05000000000000000000" pitchFamily="2" charset="2"/>
-              <a:buChar char="Ø"/>
-            </a:pPr>
-            <a:endParaRPr lang="en-GB" sz="3600" dirty="0">
-              <a:solidFill>
-                <a:schemeClr val="accent6">
-                  <a:lumMod val="50000"/>
-                </a:schemeClr>
-              </a:solidFill>
-            </a:endParaRPr>
-          </a:p>
-          <a:p>
-            <a:pPr>
-              <a:buFont typeface="Wingdings" panose="05000000000000000000" pitchFamily="2" charset="2"/>
-              <a:buChar char="Ø"/>
-            </a:pPr>
-            <a:r>
-              <a:rPr lang="en-US" sz="3600" dirty="0">
-                <a:solidFill>
-                  <a:schemeClr val="accent6">
-                    <a:lumMod val="50000"/>
-                  </a:schemeClr>
-                </a:solidFill>
-              </a:rPr>
-              <a:t>Cheaper</a:t>
-            </a:r>
-          </a:p>
-          <a:p>
-            <a:pPr>
-              <a:buFont typeface="Wingdings" panose="05000000000000000000" pitchFamily="2" charset="2"/>
-              <a:buChar char="Ø"/>
-            </a:pPr>
-            <a:endParaRPr lang="en-US" sz="3600" dirty="0">
-              <a:solidFill>
-                <a:schemeClr val="accent6">
-                  <a:lumMod val="50000"/>
-                </a:schemeClr>
-              </a:solidFill>
-            </a:endParaRPr>
-          </a:p>
-          <a:p>
-            <a:pPr>
-              <a:buFont typeface="Wingdings" panose="05000000000000000000" pitchFamily="2" charset="2"/>
-              <a:buChar char="Ø"/>
-            </a:pPr>
-            <a:r>
-              <a:rPr lang="en-US" sz="3600" dirty="0">
-                <a:solidFill>
-                  <a:schemeClr val="accent6">
-                    <a:lumMod val="50000"/>
-                  </a:schemeClr>
-                </a:solidFill>
-              </a:rPr>
-              <a:t>User friendly</a:t>
-            </a:r>
-          </a:p>
-        </p:txBody>
-      </p:sp>
-      <p:sp>
-        <p:nvSpPr>
-          <p:cNvPr id="6" name="Title 1"/>
-          <p:cNvSpPr txBox="1">
-            <a:spLocks/>
-          </p:cNvSpPr>
-          <p:nvPr/>
-        </p:nvSpPr>
-        <p:spPr>
-          <a:xfrm>
-            <a:off x="1349096" y="764704"/>
-            <a:ext cx="6031216" cy="800308"/>
-          </a:xfrm>
-          <a:prstGeom prst="rect">
-            <a:avLst/>
-          </a:prstGeom>
-        </p:spPr>
-        <p:txBody>
-          <a:bodyPr vert="horz" lIns="91440" tIns="45720" rIns="91440" bIns="45720" rtlCol="0" anchor="b">
-            <a:noAutofit/>
-          </a:bodyPr>
-          <a:lstStyle>
-            <a:lvl1pPr algn="l" defTabSz="685983" rtl="0" eaLnBrk="1" latinLnBrk="0" hangingPunct="1">
-              <a:lnSpc>
-                <a:spcPct val="80000"/>
-              </a:lnSpc>
-              <a:spcBef>
-                <a:spcPct val="0"/>
-              </a:spcBef>
-              <a:buNone/>
-              <a:defRPr sz="2701" b="1" kern="1200">
-                <a:solidFill>
-                  <a:schemeClr val="accent1">
-                    <a:lumMod val="75000"/>
-                  </a:schemeClr>
-                </a:solidFill>
-                <a:latin typeface="+mj-lt"/>
-                <a:ea typeface="+mj-ea"/>
-                <a:cs typeface="+mj-cs"/>
-              </a:defRPr>
-            </a:lvl1pPr>
-          </a:lstStyle>
-          <a:p>
-            <a:r>
-              <a:rPr lang="en-US" sz="4400" dirty="0"/>
-              <a:t>Advantages of NAS</a:t>
-            </a:r>
-          </a:p>
-        </p:txBody>
-      </p:sp>
-      <p:sp>
-        <p:nvSpPr>
-          <p:cNvPr id="7" name="Rectangle 6"/>
-          <p:cNvSpPr/>
-          <p:nvPr/>
-        </p:nvSpPr>
-        <p:spPr>
-          <a:xfrm>
-            <a:off x="574515" y="1565013"/>
-            <a:ext cx="8643211" cy="34298"/>
-          </a:xfrm>
-          <a:prstGeom prst="rect">
-            <a:avLst/>
-          </a:prstGeom>
-        </p:spPr>
-        <p:style>
-          <a:lnRef idx="1">
-            <a:schemeClr val="accent1"/>
-          </a:lnRef>
-          <a:fillRef idx="3">
-            <a:schemeClr val="accent1"/>
-          </a:fillRef>
-          <a:effectRef idx="2">
-            <a:schemeClr val="accent1"/>
-          </a:effectRef>
-          <a:fontRef idx="minor">
-            <a:schemeClr val="lt1"/>
-          </a:fontRef>
-        </p:style>
-        <p:txBody>
-          <a:bodyPr rtlCol="0" anchor="ctr"/>
-          <a:lstStyle/>
-          <a:p>
-            <a:pPr algn="ctr"/>
-            <a:endParaRPr lang="en-US" sz="1350">
-              <a:solidFill>
-                <a:schemeClr val="tx1">
-                  <a:lumMod val="65000"/>
-                  <a:lumOff val="35000"/>
-                </a:schemeClr>
-              </a:solidFill>
-            </a:endParaRPr>
-          </a:p>
-        </p:txBody>
-      </p:sp>
-      <p:pic>
-        <p:nvPicPr>
-          <p:cNvPr id="10" name="Picture 9"/>
-          <p:cNvPicPr>
-            <a:picLocks noChangeAspect="1"/>
-          </p:cNvPicPr>
-          <p:nvPr/>
-        </p:nvPicPr>
-        <p:blipFill>
-          <a:blip r:embed="rId2">
-            <a:extLst>
-              <a:ext uri="{28A0092B-C50C-407E-A947-70E740481C1C}">
-                <a14:useLocalDpi xmlns:a14="http://schemas.microsoft.com/office/drawing/2010/main" val="0"/>
-              </a:ext>
-            </a:extLst>
-          </a:blip>
-          <a:stretch>
-            <a:fillRect/>
-          </a:stretch>
-        </p:blipFill>
-        <p:spPr>
-          <a:xfrm>
-            <a:off x="219576" y="620688"/>
-            <a:ext cx="1040056" cy="1091146"/>
-          </a:xfrm>
-          <a:prstGeom prst="rect">
-            <a:avLst/>
-          </a:prstGeom>
-        </p:spPr>
-      </p:pic>
-    </p:spTree>
-    <p:extLst>
-      <p:ext uri="{BB962C8B-B14F-4D97-AF65-F5344CB8AC3E}">
-        <p14:creationId xmlns:p14="http://schemas.microsoft.com/office/powerpoint/2010/main" val="2435098642"/>
-      </p:ext>
-    </p:extLst>
-  </p:cSld>
-  <p:clrMapOvr>
-    <a:masterClrMapping/>
-  </p:clrMapOvr>
-  <p:transition spd="slow">
-    <p:comb/>
-  </p:transition>
-</p:sld>
-</file>
-
-<file path=ppt/slides/slide15.xml><?xml version="1.0" encoding="utf-8"?>
-<p:sld xmlns:a="http://schemas.openxmlformats.org/drawingml/2006/main" xmlns:r="http://schemas.openxmlformats.org/officeDocument/2006/relationships" xmlns:p="http://schemas.openxmlformats.org/presentationml/2006/main">
-  <p:cSld>
-    <p:spTree>
-      <p:nvGrpSpPr>
-        <p:cNvPr id="1" name=""/>
-        <p:cNvGrpSpPr/>
-        <p:nvPr/>
-      </p:nvGrpSpPr>
-      <p:grpSpPr>
-        <a:xfrm>
-          <a:off x="0" y="0"/>
-          <a:ext cx="0" cy="0"/>
-          <a:chOff x="0" y="0"/>
-          <a:chExt cx="0" cy="0"/>
-        </a:xfrm>
-      </p:grpSpPr>
-      <p:sp>
-        <p:nvSpPr>
-          <p:cNvPr id="3" name="Content Placeholder 2"/>
-          <p:cNvSpPr>
-            <a:spLocks noGrp="1"/>
-          </p:cNvSpPr>
-          <p:nvPr>
-            <p:ph idx="1"/>
-          </p:nvPr>
-        </p:nvSpPr>
-        <p:spPr>
-          <a:xfrm>
-            <a:off x="1907704" y="2852936"/>
-            <a:ext cx="6822711" cy="2358332"/>
-          </a:xfrm>
-        </p:spPr>
-        <p:txBody>
-          <a:bodyPr>
-            <a:noAutofit/>
-          </a:bodyPr>
-          <a:lstStyle/>
-          <a:p>
-            <a:pPr>
-              <a:buFont typeface="Wingdings" panose="05000000000000000000" pitchFamily="2" charset="2"/>
-              <a:buChar char="Ø"/>
-            </a:pPr>
-            <a:r>
-              <a:rPr lang="en-US" sz="3600" dirty="0">
-                <a:solidFill>
-                  <a:schemeClr val="accent6">
-                    <a:lumMod val="50000"/>
-                  </a:schemeClr>
-                </a:solidFill>
-              </a:rPr>
-              <a:t>Slower Process</a:t>
-            </a:r>
-          </a:p>
-          <a:p>
-            <a:pPr>
-              <a:buFont typeface="Wingdings" panose="05000000000000000000" pitchFamily="2" charset="2"/>
-              <a:buChar char="Ø"/>
-            </a:pPr>
-            <a:endParaRPr lang="en-US" sz="3600" dirty="0">
-              <a:solidFill>
-                <a:schemeClr val="accent6">
-                  <a:lumMod val="50000"/>
-                </a:schemeClr>
-              </a:solidFill>
-            </a:endParaRPr>
-          </a:p>
-          <a:p>
-            <a:pPr>
-              <a:buFont typeface="Wingdings" panose="05000000000000000000" pitchFamily="2" charset="2"/>
-              <a:buChar char="Ø"/>
-            </a:pPr>
-            <a:r>
-              <a:rPr lang="en-US" sz="3600" dirty="0">
-                <a:solidFill>
-                  <a:schemeClr val="accent6">
-                    <a:lumMod val="50000"/>
-                  </a:schemeClr>
-                </a:solidFill>
-              </a:rPr>
-              <a:t>Dependency upon network</a:t>
-            </a:r>
-          </a:p>
-          <a:p>
-            <a:pPr marL="34299" indent="0">
-              <a:buNone/>
-            </a:pPr>
-            <a:endParaRPr lang="en-US" sz="3600" dirty="0">
-              <a:solidFill>
-                <a:schemeClr val="accent6">
-                  <a:lumMod val="50000"/>
-                </a:schemeClr>
-              </a:solidFill>
-            </a:endParaRPr>
-          </a:p>
-        </p:txBody>
-      </p:sp>
-      <p:sp>
-        <p:nvSpPr>
-          <p:cNvPr id="7" name="Title 1"/>
-          <p:cNvSpPr txBox="1">
-            <a:spLocks/>
-          </p:cNvSpPr>
-          <p:nvPr/>
-        </p:nvSpPr>
-        <p:spPr>
-          <a:xfrm>
-            <a:off x="1384592" y="764704"/>
-            <a:ext cx="6427768" cy="800308"/>
-          </a:xfrm>
-          <a:prstGeom prst="rect">
-            <a:avLst/>
-          </a:prstGeom>
-        </p:spPr>
-        <p:txBody>
-          <a:bodyPr vert="horz" lIns="91440" tIns="45720" rIns="91440" bIns="45720" rtlCol="0" anchor="b">
-            <a:noAutofit/>
-          </a:bodyPr>
-          <a:lstStyle>
-            <a:lvl1pPr algn="l" defTabSz="685983" rtl="0" eaLnBrk="1" latinLnBrk="0" hangingPunct="1">
-              <a:lnSpc>
-                <a:spcPct val="80000"/>
-              </a:lnSpc>
-              <a:spcBef>
-                <a:spcPct val="0"/>
-              </a:spcBef>
-              <a:buNone/>
-              <a:defRPr sz="2701" b="1" kern="1200">
-                <a:solidFill>
-                  <a:schemeClr val="accent1">
-                    <a:lumMod val="75000"/>
-                  </a:schemeClr>
-                </a:solidFill>
-                <a:latin typeface="+mj-lt"/>
-                <a:ea typeface="+mj-ea"/>
-                <a:cs typeface="+mj-cs"/>
-              </a:defRPr>
-            </a:lvl1pPr>
-          </a:lstStyle>
-          <a:p>
-            <a:r>
-              <a:rPr lang="en-US" sz="4400" dirty="0"/>
-              <a:t>Disadvantages of NAS</a:t>
-            </a:r>
-          </a:p>
-        </p:txBody>
-      </p:sp>
-      <p:sp>
-        <p:nvSpPr>
-          <p:cNvPr id="8" name="Rectangle 7"/>
-          <p:cNvSpPr/>
-          <p:nvPr/>
-        </p:nvSpPr>
-        <p:spPr>
-          <a:xfrm>
-            <a:off x="574515" y="1565013"/>
-            <a:ext cx="8643211" cy="34298"/>
-          </a:xfrm>
-          <a:prstGeom prst="rect">
-            <a:avLst/>
-          </a:prstGeom>
-        </p:spPr>
-        <p:style>
-          <a:lnRef idx="1">
-            <a:schemeClr val="accent1"/>
-          </a:lnRef>
-          <a:fillRef idx="3">
-            <a:schemeClr val="accent1"/>
-          </a:fillRef>
-          <a:effectRef idx="2">
-            <a:schemeClr val="accent1"/>
-          </a:effectRef>
-          <a:fontRef idx="minor">
-            <a:schemeClr val="lt1"/>
-          </a:fontRef>
-        </p:style>
-        <p:txBody>
-          <a:bodyPr rtlCol="0" anchor="ctr"/>
-          <a:lstStyle/>
-          <a:p>
-            <a:pPr algn="ctr"/>
-            <a:endParaRPr lang="en-US" sz="1350">
-              <a:solidFill>
-                <a:schemeClr val="tx1">
-                  <a:lumMod val="65000"/>
-                  <a:lumOff val="35000"/>
-                </a:schemeClr>
-              </a:solidFill>
-            </a:endParaRPr>
-          </a:p>
-        </p:txBody>
-      </p:sp>
-      <p:pic>
-        <p:nvPicPr>
-          <p:cNvPr id="9" name="Picture 8"/>
-          <p:cNvPicPr>
-            <a:picLocks noChangeAspect="1"/>
-          </p:cNvPicPr>
-          <p:nvPr/>
-        </p:nvPicPr>
-        <p:blipFill>
-          <a:blip r:embed="rId2">
-            <a:extLst>
-              <a:ext uri="{BEBA8EAE-BF5A-486C-A8C5-ECC9F3942E4B}">
-                <a14:imgProps xmlns:a14="http://schemas.microsoft.com/office/drawing/2010/main">
-                  <a14:imgLayer r:embed="rId3">
-                    <a14:imgEffect>
-                      <a14:saturation sat="66000"/>
-                    </a14:imgEffect>
-                  </a14:imgLayer>
-                </a14:imgProps>
-              </a:ext>
-              <a:ext uri="{28A0092B-C50C-407E-A947-70E740481C1C}">
-                <a14:useLocalDpi xmlns:a14="http://schemas.microsoft.com/office/drawing/2010/main" val="0"/>
-              </a:ext>
-            </a:extLst>
-          </a:blip>
-          <a:stretch>
-            <a:fillRect/>
-          </a:stretch>
-        </p:blipFill>
-        <p:spPr>
-          <a:xfrm>
-            <a:off x="218745" y="908720"/>
-            <a:ext cx="1127514" cy="1184147"/>
-          </a:xfrm>
-          <a:prstGeom prst="rect">
-            <a:avLst/>
-          </a:prstGeom>
-        </p:spPr>
-      </p:pic>
-    </p:spTree>
-    <p:extLst>
-      <p:ext uri="{BB962C8B-B14F-4D97-AF65-F5344CB8AC3E}">
-        <p14:creationId xmlns:p14="http://schemas.microsoft.com/office/powerpoint/2010/main" val="2604296686"/>
-      </p:ext>
-    </p:extLst>
-  </p:cSld>
-  <p:clrMapOvr>
-    <a:masterClrMapping/>
-  </p:clrMapOvr>
-  <mc:AlternateContent xmlns:mc="http://schemas.openxmlformats.org/markup-compatibility/2006" xmlns:p14="http://schemas.microsoft.com/office/powerpoint/2010/main">
-    <mc:Choice Requires="p14">
-      <p:transition spd="slow" p14:dur="1400">
-        <p14:doors dir="vert"/>
-      </p:transition>
-    </mc:Choice>
-    <mc:Fallback xmlns="">
-      <p:transition spd="slow">
-        <p:fade/>
-      </p:transition>
-    </mc:Fallback>
-  </mc:AlternateContent>
-</p:sld>
-</file>
-
-<file path=ppt/slides/slide16.xml><?xml version="1.0" encoding="utf-8"?>
-<p:sld xmlns:a="http://schemas.openxmlformats.org/drawingml/2006/main" xmlns:r="http://schemas.openxmlformats.org/officeDocument/2006/relationships" xmlns:p="http://schemas.openxmlformats.org/presentationml/2006/main">
-  <p:cSld>
-    <p:spTree>
-      <p:nvGrpSpPr>
-        <p:cNvPr id="1" name=""/>
-        <p:cNvGrpSpPr/>
-        <p:nvPr/>
-      </p:nvGrpSpPr>
-      <p:grpSpPr>
-        <a:xfrm>
-          <a:off x="0" y="0"/>
-          <a:ext cx="0" cy="0"/>
-          <a:chOff x="0" y="0"/>
-          <a:chExt cx="0" cy="0"/>
-        </a:xfrm>
-      </p:grpSpPr>
-      <p:sp>
-        <p:nvSpPr>
-          <p:cNvPr id="2" name="Title 1"/>
-          <p:cNvSpPr>
-            <a:spLocks noGrp="1"/>
-          </p:cNvSpPr>
-          <p:nvPr>
-            <p:ph type="title"/>
-          </p:nvPr>
-        </p:nvSpPr>
-        <p:spPr>
-          <a:xfrm>
-            <a:off x="1092772" y="760542"/>
-            <a:ext cx="6516798" cy="800308"/>
-          </a:xfrm>
-        </p:spPr>
-        <p:txBody>
-          <a:bodyPr>
-            <a:noAutofit/>
-          </a:bodyPr>
-          <a:lstStyle/>
-          <a:p>
-            <a:pPr algn="ctr"/>
-            <a:r>
-              <a:rPr lang="en-US" sz="6602" dirty="0">
-                <a:solidFill>
-                  <a:schemeClr val="accent6">
-                    <a:lumMod val="50000"/>
-                  </a:schemeClr>
-                </a:solidFill>
-              </a:rPr>
-              <a:t>SAN</a:t>
-            </a:r>
-            <a:br>
-              <a:rPr lang="en-US" sz="6602" dirty="0">
-                <a:solidFill>
-                  <a:schemeClr val="accent6">
-                    <a:lumMod val="50000"/>
-                  </a:schemeClr>
-                </a:solidFill>
-              </a:rPr>
-            </a:br>
-            <a:r>
-              <a:rPr lang="en-US" sz="4051" dirty="0"/>
-              <a:t>Storage Area Network</a:t>
-            </a:r>
-          </a:p>
-        </p:txBody>
-      </p:sp>
-      <p:sp>
-        <p:nvSpPr>
-          <p:cNvPr id="3" name="Rectangle 2"/>
-          <p:cNvSpPr/>
-          <p:nvPr/>
-        </p:nvSpPr>
-        <p:spPr>
-          <a:xfrm>
-            <a:off x="894787" y="2420888"/>
-            <a:ext cx="6912768" cy="3416320"/>
-          </a:xfrm>
-          <a:prstGeom prst="rect">
-            <a:avLst/>
-          </a:prstGeom>
-        </p:spPr>
-        <p:txBody>
-          <a:bodyPr wrap="square">
-            <a:spAutoFit/>
-          </a:bodyPr>
-          <a:lstStyle/>
-          <a:p>
-            <a:pPr marL="571500" lvl="0" indent="-571500">
-              <a:buFont typeface="Wingdings" panose="05000000000000000000" pitchFamily="2" charset="2"/>
-              <a:buChar char="v"/>
-            </a:pPr>
-            <a:r>
-              <a:rPr lang="en-GB" sz="3600" dirty="0">
-                <a:solidFill>
-                  <a:schemeClr val="accent6">
-                    <a:lumMod val="50000"/>
-                  </a:schemeClr>
-                </a:solidFill>
-              </a:rPr>
-              <a:t>SAN describes a data network</a:t>
-            </a:r>
-          </a:p>
-          <a:p>
-            <a:pPr lvl="0"/>
-            <a:endParaRPr lang="en-US" sz="3600" dirty="0">
-              <a:solidFill>
-                <a:schemeClr val="accent6">
-                  <a:lumMod val="50000"/>
-                </a:schemeClr>
-              </a:solidFill>
-            </a:endParaRPr>
-          </a:p>
-          <a:p>
-            <a:pPr marL="571500" lvl="0" indent="-571500">
-              <a:buFont typeface="Wingdings" panose="05000000000000000000" pitchFamily="2" charset="2"/>
-              <a:buChar char="v"/>
-            </a:pPr>
-            <a:r>
-              <a:rPr lang="en-GB" sz="3600" dirty="0">
-                <a:solidFill>
-                  <a:schemeClr val="accent6">
-                    <a:lumMod val="50000"/>
-                  </a:schemeClr>
-                </a:solidFill>
-              </a:rPr>
-              <a:t>It provides </a:t>
-            </a:r>
-            <a:r>
-              <a:rPr lang="en-GB" sz="3600" dirty="0">
-                <a:solidFill>
-                  <a:srgbClr val="0070C0"/>
-                </a:solidFill>
-              </a:rPr>
-              <a:t>block-level</a:t>
-            </a:r>
-            <a:r>
-              <a:rPr lang="en-GB" sz="3600" dirty="0">
-                <a:solidFill>
-                  <a:schemeClr val="accent6">
-                    <a:lumMod val="50000"/>
-                  </a:schemeClr>
-                </a:solidFill>
-              </a:rPr>
-              <a:t> storage</a:t>
-            </a:r>
-          </a:p>
-          <a:p>
-            <a:pPr lvl="0"/>
-            <a:endParaRPr lang="en-US" sz="3600" dirty="0">
-              <a:solidFill>
-                <a:schemeClr val="accent6">
-                  <a:lumMod val="50000"/>
-                </a:schemeClr>
-              </a:solidFill>
-            </a:endParaRPr>
-          </a:p>
-          <a:p>
-            <a:pPr marL="571500" lvl="0" indent="-571500">
-              <a:buFont typeface="Wingdings" panose="05000000000000000000" pitchFamily="2" charset="2"/>
-              <a:buChar char="v"/>
-            </a:pPr>
-            <a:r>
-              <a:rPr lang="en-GB" sz="3200" dirty="0">
-                <a:solidFill>
-                  <a:schemeClr val="accent6">
-                    <a:lumMod val="50000"/>
-                  </a:schemeClr>
-                </a:solidFill>
-              </a:rPr>
-              <a:t>SAN runs on </a:t>
-            </a:r>
-            <a:r>
-              <a:rPr lang="en-GB" sz="3200" dirty="0">
-                <a:solidFill>
-                  <a:srgbClr val="0070C0"/>
-                </a:solidFill>
-              </a:rPr>
-              <a:t>LAN</a:t>
-            </a:r>
-            <a:r>
-              <a:rPr lang="en-GB" sz="3200" dirty="0">
-                <a:solidFill>
-                  <a:schemeClr val="accent6">
-                    <a:lumMod val="50000"/>
-                  </a:schemeClr>
-                </a:solidFill>
-              </a:rPr>
-              <a:t> or </a:t>
-            </a:r>
-            <a:r>
-              <a:rPr lang="en-GB" sz="3200" dirty="0">
-                <a:solidFill>
-                  <a:srgbClr val="0070C0"/>
-                </a:solidFill>
-              </a:rPr>
-              <a:t>WAN</a:t>
-            </a:r>
-            <a:r>
-              <a:rPr lang="en-GB" sz="3200" dirty="0">
-                <a:solidFill>
-                  <a:schemeClr val="accent6">
-                    <a:lumMod val="50000"/>
-                  </a:schemeClr>
-                </a:solidFill>
-              </a:rPr>
-              <a:t> type network</a:t>
-            </a:r>
-            <a:endParaRPr lang="en-US" sz="3200" dirty="0">
-              <a:solidFill>
-                <a:schemeClr val="accent6">
-                  <a:lumMod val="50000"/>
-                </a:schemeClr>
-              </a:solidFill>
-            </a:endParaRPr>
-          </a:p>
-        </p:txBody>
-      </p:sp>
-      <p:sp>
-        <p:nvSpPr>
-          <p:cNvPr id="4" name="Rectangle 3"/>
-          <p:cNvSpPr/>
-          <p:nvPr/>
-        </p:nvSpPr>
-        <p:spPr>
-          <a:xfrm>
-            <a:off x="-108520" y="1584805"/>
-            <a:ext cx="9505055" cy="45719"/>
-          </a:xfrm>
-          <a:prstGeom prst="rect">
-            <a:avLst/>
-          </a:prstGeom>
-        </p:spPr>
-        <p:style>
-          <a:lnRef idx="1">
-            <a:schemeClr val="accent1"/>
-          </a:lnRef>
-          <a:fillRef idx="3">
-            <a:schemeClr val="accent1"/>
-          </a:fillRef>
-          <a:effectRef idx="2">
-            <a:schemeClr val="accent1"/>
-          </a:effectRef>
-          <a:fontRef idx="minor">
-            <a:schemeClr val="lt1"/>
-          </a:fontRef>
-        </p:style>
-        <p:txBody>
-          <a:bodyPr rtlCol="0" anchor="ctr"/>
-          <a:lstStyle/>
-          <a:p>
-            <a:pPr algn="ctr"/>
-            <a:endParaRPr lang="en-US" sz="1350">
-              <a:solidFill>
-                <a:schemeClr val="tx1">
-                  <a:lumMod val="65000"/>
-                  <a:lumOff val="35000"/>
-                </a:schemeClr>
-              </a:solidFill>
-            </a:endParaRPr>
-          </a:p>
-        </p:txBody>
-      </p:sp>
-    </p:spTree>
-    <p:extLst>
-      <p:ext uri="{BB962C8B-B14F-4D97-AF65-F5344CB8AC3E}">
-        <p14:creationId xmlns:p14="http://schemas.microsoft.com/office/powerpoint/2010/main" val="3673513780"/>
-      </p:ext>
-    </p:extLst>
-  </p:cSld>
-  <p:clrMapOvr>
-    <a:masterClrMapping/>
-  </p:clrMapOvr>
-  <mc:AlternateContent xmlns:mc="http://schemas.openxmlformats.org/markup-compatibility/2006" xmlns:p14="http://schemas.microsoft.com/office/powerpoint/2010/main">
-    <mc:Choice Requires="p14">
-      <p:transition spd="slow" p14:dur="1600">
-        <p14:prism isInverted="1"/>
-      </p:transition>
-    </mc:Choice>
-    <mc:Fallback xmlns="">
-      <p:transition spd="slow">
-        <p:fade/>
-      </p:transition>
-    </mc:Fallback>
-  </mc:AlternateContent>
-</p:sld>
-</file>
-
-<file path=ppt/slides/slide17.xml><?xml version="1.0" encoding="utf-8"?>
-<p:sld xmlns:a="http://schemas.openxmlformats.org/drawingml/2006/main" xmlns:r="http://schemas.openxmlformats.org/officeDocument/2006/relationships" xmlns:p="http://schemas.openxmlformats.org/presentationml/2006/main">
-  <p:cSld>
-    <p:spTree>
-      <p:nvGrpSpPr>
-        <p:cNvPr id="1" name=""/>
-        <p:cNvGrpSpPr/>
-        <p:nvPr/>
-      </p:nvGrpSpPr>
-      <p:grpSpPr>
-        <a:xfrm>
-          <a:off x="0" y="0"/>
-          <a:ext cx="0" cy="0"/>
-          <a:chOff x="0" y="0"/>
-          <a:chExt cx="0" cy="0"/>
-        </a:xfrm>
-      </p:grpSpPr>
-      <p:sp>
-        <p:nvSpPr>
-          <p:cNvPr id="3" name="Content Placeholder 2"/>
-          <p:cNvSpPr>
-            <a:spLocks noGrp="1"/>
-          </p:cNvSpPr>
-          <p:nvPr>
-            <p:ph idx="1"/>
-          </p:nvPr>
-        </p:nvSpPr>
-        <p:spPr>
-          <a:xfrm>
-            <a:off x="2728741" y="1700808"/>
-            <a:ext cx="6516798" cy="228101"/>
-          </a:xfrm>
-        </p:spPr>
-        <p:txBody>
-          <a:bodyPr>
-            <a:noAutofit/>
-          </a:bodyPr>
-          <a:lstStyle/>
-          <a:p>
-            <a:pPr>
-              <a:buFont typeface="Wingdings" panose="05000000000000000000" pitchFamily="2" charset="2"/>
-              <a:buChar char="v"/>
-            </a:pPr>
-            <a:r>
-              <a:rPr lang="en-US" sz="3600" dirty="0">
-                <a:solidFill>
-                  <a:schemeClr val="accent6">
-                    <a:lumMod val="50000"/>
-                  </a:schemeClr>
-                </a:solidFill>
-              </a:rPr>
-              <a:t>Scalability</a:t>
-            </a:r>
-          </a:p>
-          <a:p>
-            <a:pPr>
-              <a:buFont typeface="Wingdings" panose="05000000000000000000" pitchFamily="2" charset="2"/>
-              <a:buChar char="v"/>
-            </a:pPr>
-            <a:endParaRPr lang="en-US" sz="3600" dirty="0">
-              <a:solidFill>
-                <a:schemeClr val="accent6">
-                  <a:lumMod val="50000"/>
-                </a:schemeClr>
-              </a:solidFill>
-            </a:endParaRPr>
-          </a:p>
-          <a:p>
-            <a:pPr>
-              <a:buFont typeface="Wingdings" panose="05000000000000000000" pitchFamily="2" charset="2"/>
-              <a:buChar char="v"/>
-            </a:pPr>
-            <a:r>
-              <a:rPr lang="en-US" sz="3600" dirty="0">
-                <a:solidFill>
-                  <a:schemeClr val="accent6">
-                    <a:lumMod val="50000"/>
-                  </a:schemeClr>
-                </a:solidFill>
-              </a:rPr>
-              <a:t>Performance</a:t>
-            </a:r>
-          </a:p>
-          <a:p>
-            <a:pPr>
-              <a:buFont typeface="Wingdings" panose="05000000000000000000" pitchFamily="2" charset="2"/>
-              <a:buChar char="v"/>
-            </a:pPr>
-            <a:endParaRPr lang="en-US" sz="3600" dirty="0">
-              <a:solidFill>
-                <a:schemeClr val="accent6">
-                  <a:lumMod val="50000"/>
-                </a:schemeClr>
-              </a:solidFill>
-            </a:endParaRPr>
-          </a:p>
-          <a:p>
-            <a:pPr>
-              <a:buFont typeface="Wingdings" panose="05000000000000000000" pitchFamily="2" charset="2"/>
-              <a:buChar char="v"/>
-            </a:pPr>
-            <a:r>
-              <a:rPr lang="en-US" sz="3600" dirty="0">
-                <a:solidFill>
-                  <a:schemeClr val="accent6">
-                    <a:lumMod val="50000"/>
-                  </a:schemeClr>
-                </a:solidFill>
-              </a:rPr>
-              <a:t>Data Isolation</a:t>
-            </a:r>
-          </a:p>
-          <a:p>
-            <a:pPr>
-              <a:buFont typeface="Wingdings" panose="05000000000000000000" pitchFamily="2" charset="2"/>
-              <a:buChar char="v"/>
-            </a:pPr>
-            <a:endParaRPr lang="en-US" sz="3600" dirty="0">
-              <a:solidFill>
-                <a:schemeClr val="accent6">
-                  <a:lumMod val="50000"/>
-                </a:schemeClr>
-              </a:solidFill>
-            </a:endParaRPr>
-          </a:p>
-          <a:p>
-            <a:pPr>
-              <a:buFont typeface="Wingdings" panose="05000000000000000000" pitchFamily="2" charset="2"/>
-              <a:buChar char="v"/>
-            </a:pPr>
-            <a:r>
-              <a:rPr lang="en-US" sz="3600" dirty="0">
-                <a:solidFill>
-                  <a:schemeClr val="accent6">
-                    <a:lumMod val="50000"/>
-                  </a:schemeClr>
-                </a:solidFill>
-              </a:rPr>
-              <a:t>Uptime</a:t>
-            </a:r>
-          </a:p>
-        </p:txBody>
-      </p:sp>
-      <p:sp>
-        <p:nvSpPr>
-          <p:cNvPr id="7" name="Title 1"/>
-          <p:cNvSpPr txBox="1">
-            <a:spLocks/>
-          </p:cNvSpPr>
-          <p:nvPr/>
-        </p:nvSpPr>
-        <p:spPr>
-          <a:xfrm>
-            <a:off x="1312584" y="548680"/>
-            <a:ext cx="5419656" cy="800308"/>
-          </a:xfrm>
-          <a:prstGeom prst="rect">
-            <a:avLst/>
-          </a:prstGeom>
-        </p:spPr>
-        <p:txBody>
-          <a:bodyPr vert="horz" lIns="91440" tIns="45720" rIns="91440" bIns="45720" rtlCol="0" anchor="b">
-            <a:noAutofit/>
-          </a:bodyPr>
-          <a:lstStyle>
-            <a:lvl1pPr algn="l" defTabSz="685983" rtl="0" eaLnBrk="1" latinLnBrk="0" hangingPunct="1">
-              <a:lnSpc>
-                <a:spcPct val="80000"/>
-              </a:lnSpc>
-              <a:spcBef>
-                <a:spcPct val="0"/>
-              </a:spcBef>
-              <a:buNone/>
-              <a:defRPr sz="2701" b="1" kern="1200">
-                <a:solidFill>
-                  <a:schemeClr val="accent1">
-                    <a:lumMod val="75000"/>
-                  </a:schemeClr>
-                </a:solidFill>
-                <a:latin typeface="+mj-lt"/>
-                <a:ea typeface="+mj-ea"/>
-                <a:cs typeface="+mj-cs"/>
-              </a:defRPr>
-            </a:lvl1pPr>
-          </a:lstStyle>
-          <a:p>
-            <a:r>
-              <a:rPr lang="en-US" sz="4400" dirty="0"/>
-              <a:t>Advantages of SAN</a:t>
-            </a:r>
-          </a:p>
-        </p:txBody>
-      </p:sp>
-      <p:sp>
-        <p:nvSpPr>
-          <p:cNvPr id="8" name="Rectangle 7"/>
-          <p:cNvSpPr/>
-          <p:nvPr/>
-        </p:nvSpPr>
-        <p:spPr>
-          <a:xfrm>
-            <a:off x="1240576" y="1337568"/>
-            <a:ext cx="7977150" cy="45719"/>
-          </a:xfrm>
-          <a:prstGeom prst="rect">
-            <a:avLst/>
-          </a:prstGeom>
-        </p:spPr>
-        <p:style>
-          <a:lnRef idx="1">
-            <a:schemeClr val="accent1"/>
-          </a:lnRef>
-          <a:fillRef idx="3">
-            <a:schemeClr val="accent1"/>
-          </a:fillRef>
-          <a:effectRef idx="2">
-            <a:schemeClr val="accent1"/>
-          </a:effectRef>
-          <a:fontRef idx="minor">
-            <a:schemeClr val="lt1"/>
-          </a:fontRef>
-        </p:style>
-        <p:txBody>
-          <a:bodyPr rtlCol="0" anchor="ctr"/>
-          <a:lstStyle/>
-          <a:p>
-            <a:pPr algn="ctr"/>
-            <a:endParaRPr lang="en-US" sz="1350">
-              <a:solidFill>
-                <a:schemeClr val="tx1">
-                  <a:lumMod val="65000"/>
-                  <a:lumOff val="35000"/>
-                </a:schemeClr>
-              </a:solidFill>
-            </a:endParaRPr>
-          </a:p>
-        </p:txBody>
-      </p:sp>
-      <p:pic>
-        <p:nvPicPr>
-          <p:cNvPr id="11" name="Picture 10"/>
-          <p:cNvPicPr>
-            <a:picLocks noChangeAspect="1"/>
-          </p:cNvPicPr>
-          <p:nvPr/>
-        </p:nvPicPr>
-        <p:blipFill>
-          <a:blip r:embed="rId2">
-            <a:extLst>
-              <a:ext uri="{28A0092B-C50C-407E-A947-70E740481C1C}">
-                <a14:useLocalDpi xmlns:a14="http://schemas.microsoft.com/office/drawing/2010/main" val="0"/>
-              </a:ext>
-            </a:extLst>
-          </a:blip>
-          <a:stretch>
-            <a:fillRect/>
-          </a:stretch>
-        </p:blipFill>
-        <p:spPr>
-          <a:xfrm>
-            <a:off x="219576" y="404664"/>
-            <a:ext cx="1040056" cy="1091146"/>
-          </a:xfrm>
-          <a:prstGeom prst="rect">
-            <a:avLst/>
-          </a:prstGeom>
-        </p:spPr>
-      </p:pic>
-    </p:spTree>
-    <p:extLst>
-      <p:ext uri="{BB962C8B-B14F-4D97-AF65-F5344CB8AC3E}">
-        <p14:creationId xmlns:p14="http://schemas.microsoft.com/office/powerpoint/2010/main" val="4098940746"/>
-      </p:ext>
-    </p:extLst>
-  </p:cSld>
-  <p:clrMapOvr>
-    <a:masterClrMapping/>
-  </p:clrMapOvr>
-  <mc:AlternateContent xmlns:mc="http://schemas.openxmlformats.org/markup-compatibility/2006" xmlns:p14="http://schemas.microsoft.com/office/powerpoint/2010/main">
-    <mc:Choice Requires="p14">
-      <p:transition spd="slow" p14:dur="1400">
-        <p14:ripple/>
-      </p:transition>
-    </mc:Choice>
-    <mc:Fallback xmlns="">
-      <p:transition spd="slow">
-        <p:fade/>
-      </p:transition>
-    </mc:Fallback>
-  </mc:AlternateContent>
-</p:sld>
-</file>
-
-<file path=ppt/slides/slide18.xml><?xml version="1.0" encoding="utf-8"?>
-<p:sld xmlns:a="http://schemas.openxmlformats.org/drawingml/2006/main" xmlns:r="http://schemas.openxmlformats.org/officeDocument/2006/relationships" xmlns:p="http://schemas.openxmlformats.org/presentationml/2006/main">
-  <p:cSld>
-    <p:spTree>
-      <p:nvGrpSpPr>
-        <p:cNvPr id="1" name=""/>
-        <p:cNvGrpSpPr/>
-        <p:nvPr/>
-      </p:nvGrpSpPr>
-      <p:grpSpPr>
-        <a:xfrm>
-          <a:off x="0" y="0"/>
-          <a:ext cx="0" cy="0"/>
-          <a:chOff x="0" y="0"/>
-          <a:chExt cx="0" cy="0"/>
-        </a:xfrm>
-      </p:grpSpPr>
-      <p:sp>
-        <p:nvSpPr>
-          <p:cNvPr id="3" name="Content Placeholder 2"/>
-          <p:cNvSpPr>
-            <a:spLocks noGrp="1"/>
-          </p:cNvSpPr>
-          <p:nvPr>
-            <p:ph idx="1"/>
-          </p:nvPr>
-        </p:nvSpPr>
-        <p:spPr>
-          <a:xfrm>
-            <a:off x="2051720" y="2852936"/>
-            <a:ext cx="6822711" cy="2358332"/>
-          </a:xfrm>
-        </p:spPr>
-        <p:txBody>
-          <a:bodyPr>
-            <a:noAutofit/>
-          </a:bodyPr>
-          <a:lstStyle/>
-          <a:p>
-            <a:pPr>
-              <a:buFont typeface="Wingdings" panose="05000000000000000000" pitchFamily="2" charset="2"/>
-              <a:buChar char="v"/>
-            </a:pPr>
-            <a:r>
-              <a:rPr lang="en-US" sz="4000" dirty="0">
-                <a:solidFill>
-                  <a:schemeClr val="accent6">
-                    <a:lumMod val="50000"/>
-                  </a:schemeClr>
-                </a:solidFill>
-              </a:rPr>
-              <a:t>Distance Problem</a:t>
-            </a:r>
-          </a:p>
-          <a:p>
-            <a:pPr>
-              <a:buFont typeface="Wingdings" panose="05000000000000000000" pitchFamily="2" charset="2"/>
-              <a:buChar char="v"/>
-            </a:pPr>
-            <a:endParaRPr lang="en-US" sz="4000" dirty="0">
-              <a:solidFill>
-                <a:schemeClr val="accent6">
-                  <a:lumMod val="50000"/>
-                </a:schemeClr>
-              </a:solidFill>
-            </a:endParaRPr>
-          </a:p>
-          <a:p>
-            <a:pPr>
-              <a:buFont typeface="Wingdings" panose="05000000000000000000" pitchFamily="2" charset="2"/>
-              <a:buChar char="v"/>
-            </a:pPr>
-            <a:r>
-              <a:rPr lang="en-US" sz="4000" dirty="0">
-                <a:solidFill>
-                  <a:schemeClr val="accent6">
-                    <a:lumMod val="50000"/>
-                  </a:schemeClr>
-                </a:solidFill>
-              </a:rPr>
-              <a:t>Costly</a:t>
-            </a:r>
-          </a:p>
-          <a:p>
-            <a:pPr>
-              <a:buFont typeface="Wingdings" panose="05000000000000000000" pitchFamily="2" charset="2"/>
-              <a:buChar char="v"/>
-            </a:pPr>
-            <a:endParaRPr lang="en-US" sz="4000" dirty="0">
-              <a:solidFill>
-                <a:schemeClr val="accent6">
-                  <a:lumMod val="50000"/>
-                </a:schemeClr>
-              </a:solidFill>
-            </a:endParaRPr>
-          </a:p>
-        </p:txBody>
-      </p:sp>
-      <p:sp>
-        <p:nvSpPr>
-          <p:cNvPr id="7" name="Title 1"/>
-          <p:cNvSpPr txBox="1">
-            <a:spLocks/>
-          </p:cNvSpPr>
-          <p:nvPr/>
-        </p:nvSpPr>
-        <p:spPr>
-          <a:xfrm>
-            <a:off x="1384592" y="764704"/>
-            <a:ext cx="5419656" cy="800308"/>
-          </a:xfrm>
-          <a:prstGeom prst="rect">
-            <a:avLst/>
-          </a:prstGeom>
-        </p:spPr>
-        <p:txBody>
-          <a:bodyPr vert="horz" lIns="91440" tIns="45720" rIns="91440" bIns="45720" rtlCol="0" anchor="b">
-            <a:noAutofit/>
-          </a:bodyPr>
-          <a:lstStyle>
-            <a:lvl1pPr algn="l" defTabSz="685983" rtl="0" eaLnBrk="1" latinLnBrk="0" hangingPunct="1">
-              <a:lnSpc>
-                <a:spcPct val="80000"/>
-              </a:lnSpc>
-              <a:spcBef>
-                <a:spcPct val="0"/>
-              </a:spcBef>
-              <a:buNone/>
-              <a:defRPr sz="2701" b="1" kern="1200">
-                <a:solidFill>
-                  <a:schemeClr val="accent1">
-                    <a:lumMod val="75000"/>
-                  </a:schemeClr>
-                </a:solidFill>
-                <a:latin typeface="+mj-lt"/>
-                <a:ea typeface="+mj-ea"/>
-                <a:cs typeface="+mj-cs"/>
-              </a:defRPr>
-            </a:lvl1pPr>
-          </a:lstStyle>
-          <a:p>
-            <a:r>
-              <a:rPr lang="en-US" sz="4400" dirty="0" err="1"/>
-              <a:t>Disdvantages</a:t>
-            </a:r>
-            <a:r>
-              <a:rPr lang="en-US" sz="4400" dirty="0"/>
-              <a:t> of SAN</a:t>
-            </a:r>
-          </a:p>
-        </p:txBody>
-      </p:sp>
-      <p:sp>
-        <p:nvSpPr>
-          <p:cNvPr id="8" name="Rectangle 7"/>
-          <p:cNvSpPr/>
-          <p:nvPr/>
-        </p:nvSpPr>
-        <p:spPr>
-          <a:xfrm>
-            <a:off x="574515" y="1565013"/>
-            <a:ext cx="8643211" cy="34298"/>
-          </a:xfrm>
-          <a:prstGeom prst="rect">
-            <a:avLst/>
-          </a:prstGeom>
-        </p:spPr>
-        <p:style>
-          <a:lnRef idx="1">
-            <a:schemeClr val="accent1"/>
-          </a:lnRef>
-          <a:fillRef idx="3">
-            <a:schemeClr val="accent1"/>
-          </a:fillRef>
-          <a:effectRef idx="2">
-            <a:schemeClr val="accent1"/>
-          </a:effectRef>
-          <a:fontRef idx="minor">
-            <a:schemeClr val="lt1"/>
-          </a:fontRef>
-        </p:style>
-        <p:txBody>
-          <a:bodyPr rtlCol="0" anchor="ctr"/>
-          <a:lstStyle/>
-          <a:p>
-            <a:pPr algn="ctr"/>
-            <a:endParaRPr lang="en-US" sz="1350">
-              <a:solidFill>
-                <a:schemeClr val="tx1">
-                  <a:lumMod val="65000"/>
-                  <a:lumOff val="35000"/>
-                </a:schemeClr>
-              </a:solidFill>
-            </a:endParaRPr>
-          </a:p>
-        </p:txBody>
-      </p:sp>
-      <p:pic>
-        <p:nvPicPr>
-          <p:cNvPr id="9" name="Picture 8"/>
-          <p:cNvPicPr>
-            <a:picLocks noChangeAspect="1"/>
-          </p:cNvPicPr>
-          <p:nvPr/>
-        </p:nvPicPr>
-        <p:blipFill>
-          <a:blip r:embed="rId2">
-            <a:extLst>
-              <a:ext uri="{BEBA8EAE-BF5A-486C-A8C5-ECC9F3942E4B}">
-                <a14:imgProps xmlns:a14="http://schemas.microsoft.com/office/drawing/2010/main">
-                  <a14:imgLayer r:embed="rId3">
-                    <a14:imgEffect>
-                      <a14:saturation sat="66000"/>
-                    </a14:imgEffect>
-                  </a14:imgLayer>
-                </a14:imgProps>
-              </a:ext>
-              <a:ext uri="{28A0092B-C50C-407E-A947-70E740481C1C}">
-                <a14:useLocalDpi xmlns:a14="http://schemas.microsoft.com/office/drawing/2010/main" val="0"/>
-              </a:ext>
-            </a:extLst>
-          </a:blip>
-          <a:stretch>
-            <a:fillRect/>
-          </a:stretch>
-        </p:blipFill>
-        <p:spPr>
-          <a:xfrm>
-            <a:off x="218745" y="908720"/>
-            <a:ext cx="1127514" cy="1184147"/>
-          </a:xfrm>
-          <a:prstGeom prst="rect">
-            <a:avLst/>
-          </a:prstGeom>
-        </p:spPr>
-      </p:pic>
-    </p:spTree>
-    <p:extLst>
-      <p:ext uri="{BB962C8B-B14F-4D97-AF65-F5344CB8AC3E}">
-        <p14:creationId xmlns:p14="http://schemas.microsoft.com/office/powerpoint/2010/main" val="2734568433"/>
-      </p:ext>
-    </p:extLst>
-  </p:cSld>
-  <p:clrMapOvr>
-    <a:masterClrMapping/>
-  </p:clrMapOvr>
-  <mc:AlternateContent xmlns:mc="http://schemas.openxmlformats.org/markup-compatibility/2006" xmlns:p14="http://schemas.microsoft.com/office/powerpoint/2010/main">
-    <mc:Choice Requires="p14">
-      <p:transition spd="slow" p14:dur="1400">
-        <p14:doors dir="vert"/>
-      </p:transition>
-    </mc:Choice>
-    <mc:Fallback xmlns="">
-      <p:transition spd="slow">
-        <p:fade/>
-      </p:transition>
-    </mc:Fallback>
-  </mc:AlternateContent>
-</p:sld>
-</file>
-
-<file path=ppt/slides/slide19.xml><?xml version="1.0" encoding="utf-8"?>
-<p:sld xmlns:a="http://schemas.openxmlformats.org/drawingml/2006/main" xmlns:r="http://schemas.openxmlformats.org/officeDocument/2006/relationships" xmlns:p="http://schemas.openxmlformats.org/presentationml/2006/main">
-  <p:cSld>
-    <p:spTree>
-      <p:nvGrpSpPr>
-        <p:cNvPr id="1" name=""/>
-        <p:cNvGrpSpPr/>
-        <p:nvPr/>
-      </p:nvGrpSpPr>
-      <p:grpSpPr>
-        <a:xfrm>
-          <a:off x="0" y="0"/>
-          <a:ext cx="0" cy="0"/>
-          <a:chOff x="0" y="0"/>
-          <a:chExt cx="0" cy="0"/>
-        </a:xfrm>
-      </p:grpSpPr>
       <p:pic>
         <p:nvPicPr>
           <p:cNvPr id="4" name="Picture 3"/>
@@ -7104,7 +5719,7 @@
         <p:spPr>
           <a:xfrm>
             <a:off x="466475" y="1196752"/>
-            <a:ext cx="8038163" cy="646331"/>
+            <a:ext cx="9181103" cy="646331"/>
           </a:xfrm>
           <a:prstGeom prst="rect">
             <a:avLst/>
@@ -7124,7 +5739,7 @@
                   </a:schemeClr>
                 </a:solidFill>
               </a:rPr>
-              <a:t>What is Object Oriented Programming ?</a:t>
+              <a:t>What is Object Oriented Programming(OOP) ?</a:t>
             </a:r>
           </a:p>
         </p:txBody>
@@ -7138,7 +5753,7 @@
         <p:spPr>
           <a:xfrm>
             <a:off x="971600" y="2852936"/>
-            <a:ext cx="7076628" cy="1200329"/>
+            <a:ext cx="7076628" cy="1815882"/>
           </a:xfrm>
           <a:prstGeom prst="rect">
             <a:avLst/>
@@ -7151,16 +5766,16 @@
           <a:lstStyle/>
           <a:p>
             <a:r>
-              <a:rPr lang="en-GB" sz="3600" dirty="0">
+              <a:rPr lang="en-GB" sz="2800" dirty="0">
                 <a:solidFill>
                   <a:schemeClr val="accent6">
                     <a:lumMod val="50000"/>
                   </a:schemeClr>
                 </a:solidFill>
               </a:rPr>
-              <a:t>Enterprise basically means big or large business entity</a:t>
-            </a:r>
-            <a:endParaRPr lang="en-US" sz="3600" dirty="0">
+              <a:t>OOP is a programming paradigm which mainly focuses on the concept of “objects” to construct the real world scenario to solve real world problem through programming</a:t>
+            </a:r>
+            <a:endParaRPr lang="en-US" sz="2800" dirty="0">
               <a:solidFill>
                 <a:schemeClr val="accent6">
                   <a:lumMod val="50000"/>

--- a/OOP.pptx
+++ b/OOP.pptx
@@ -5,10 +5,10 @@
     <p:sldMasterId id="2147483648" r:id="rId4"/>
   </p:sldMasterIdLst>
   <p:notesMasterIdLst>
-    <p:notesMasterId r:id="rId19"/>
+    <p:notesMasterId r:id="rId20"/>
   </p:notesMasterIdLst>
   <p:handoutMasterIdLst>
-    <p:handoutMasterId r:id="rId20"/>
+    <p:handoutMasterId r:id="rId21"/>
   </p:handoutMasterIdLst>
   <p:sldIdLst>
     <p:sldId id="265" r:id="rId5"/>
@@ -24,7 +24,8 @@
     <p:sldId id="289" r:id="rId15"/>
     <p:sldId id="286" r:id="rId16"/>
     <p:sldId id="279" r:id="rId17"/>
-    <p:sldId id="292" r:id="rId18"/>
+    <p:sldId id="277" r:id="rId18"/>
+    <p:sldId id="292" r:id="rId19"/>
   </p:sldIdLst>
   <p:sldSz cx="9144000" cy="6858000" type="screen4x3"/>
   <p:notesSz cx="6858000" cy="9144000"/>
@@ -5578,6 +5579,289 @@
 </file>
 
 <file path=ppt/slides/slide14.xml><?xml version="1.0" encoding="utf-8"?>
+<p:sld xmlns:a="http://schemas.openxmlformats.org/drawingml/2006/main" xmlns:r="http://schemas.openxmlformats.org/officeDocument/2006/relationships" xmlns:p="http://schemas.openxmlformats.org/presentationml/2006/main">
+  <p:cSld>
+    <p:spTree>
+      <p:nvGrpSpPr>
+        <p:cNvPr id="1" name=""/>
+        <p:cNvGrpSpPr/>
+        <p:nvPr/>
+      </p:nvGrpSpPr>
+      <p:grpSpPr>
+        <a:xfrm>
+          <a:off x="0" y="0"/>
+          <a:ext cx="0" cy="0"/>
+          <a:chOff x="0" y="0"/>
+          <a:chExt cx="0" cy="0"/>
+        </a:xfrm>
+      </p:grpSpPr>
+      <p:sp>
+        <p:nvSpPr>
+          <p:cNvPr id="5" name="Rectangle 4"/>
+          <p:cNvSpPr/>
+          <p:nvPr/>
+        </p:nvSpPr>
+        <p:spPr>
+          <a:xfrm>
+            <a:off x="2078704" y="2060848"/>
+            <a:ext cx="4572000" cy="3970318"/>
+          </a:xfrm>
+          <a:prstGeom prst="rect">
+            <a:avLst/>
+          </a:prstGeom>
+        </p:spPr>
+        <p:txBody>
+          <a:bodyPr>
+            <a:spAutoFit/>
+          </a:bodyPr>
+          <a:lstStyle/>
+          <a:p>
+            <a:pPr>
+              <a:buFont typeface="Wingdings" panose="05000000000000000000" pitchFamily="2" charset="2"/>
+              <a:buChar char="Ø"/>
+            </a:pPr>
+            <a:r>
+              <a:rPr lang="en-US" sz="3600" dirty="0">
+                <a:solidFill>
+                  <a:schemeClr val="accent6">
+                    <a:lumMod val="50000"/>
+                  </a:schemeClr>
+                </a:solidFill>
+              </a:rPr>
+              <a:t>Accessibility</a:t>
+            </a:r>
+          </a:p>
+          <a:p>
+            <a:pPr>
+              <a:buFont typeface="Wingdings" panose="05000000000000000000" pitchFamily="2" charset="2"/>
+              <a:buChar char="Ø"/>
+            </a:pPr>
+            <a:endParaRPr lang="en-US" sz="3600" dirty="0">
+              <a:solidFill>
+                <a:schemeClr val="accent6">
+                  <a:lumMod val="50000"/>
+                </a:schemeClr>
+              </a:solidFill>
+            </a:endParaRPr>
+          </a:p>
+          <a:p>
+            <a:pPr>
+              <a:buFont typeface="Wingdings" panose="05000000000000000000" pitchFamily="2" charset="2"/>
+              <a:buChar char="Ø"/>
+            </a:pPr>
+            <a:r>
+              <a:rPr lang="en-GB" sz="3600" dirty="0">
+                <a:solidFill>
+                  <a:schemeClr val="accent6">
+                    <a:lumMod val="50000"/>
+                  </a:schemeClr>
+                </a:solidFill>
+              </a:rPr>
+              <a:t>Scalability</a:t>
+            </a:r>
+          </a:p>
+          <a:p>
+            <a:pPr>
+              <a:buFont typeface="Wingdings" panose="05000000000000000000" pitchFamily="2" charset="2"/>
+              <a:buChar char="Ø"/>
+            </a:pPr>
+            <a:endParaRPr lang="en-GB" sz="3600" dirty="0">
+              <a:solidFill>
+                <a:schemeClr val="accent6">
+                  <a:lumMod val="50000"/>
+                </a:schemeClr>
+              </a:solidFill>
+            </a:endParaRPr>
+          </a:p>
+          <a:p>
+            <a:pPr>
+              <a:buFont typeface="Wingdings" panose="05000000000000000000" pitchFamily="2" charset="2"/>
+              <a:buChar char="Ø"/>
+            </a:pPr>
+            <a:r>
+              <a:rPr lang="en-US" sz="3600" dirty="0">
+                <a:solidFill>
+                  <a:schemeClr val="accent6">
+                    <a:lumMod val="50000"/>
+                  </a:schemeClr>
+                </a:solidFill>
+              </a:rPr>
+              <a:t>Cheaper</a:t>
+            </a:r>
+          </a:p>
+          <a:p>
+            <a:pPr>
+              <a:buFont typeface="Wingdings" panose="05000000000000000000" pitchFamily="2" charset="2"/>
+              <a:buChar char="Ø"/>
+            </a:pPr>
+            <a:endParaRPr lang="en-US" sz="3600" dirty="0">
+              <a:solidFill>
+                <a:schemeClr val="accent6">
+                  <a:lumMod val="50000"/>
+                </a:schemeClr>
+              </a:solidFill>
+            </a:endParaRPr>
+          </a:p>
+          <a:p>
+            <a:pPr>
+              <a:buFont typeface="Wingdings" panose="05000000000000000000" pitchFamily="2" charset="2"/>
+              <a:buChar char="Ø"/>
+            </a:pPr>
+            <a:r>
+              <a:rPr lang="en-US" sz="3600" dirty="0">
+                <a:solidFill>
+                  <a:schemeClr val="accent6">
+                    <a:lumMod val="50000"/>
+                  </a:schemeClr>
+                </a:solidFill>
+              </a:rPr>
+              <a:t>User friendly</a:t>
+            </a:r>
+          </a:p>
+        </p:txBody>
+      </p:sp>
+      <p:sp>
+        <p:nvSpPr>
+          <p:cNvPr id="6" name="Title 1"/>
+          <p:cNvSpPr txBox="1">
+            <a:spLocks/>
+          </p:cNvSpPr>
+          <p:nvPr/>
+        </p:nvSpPr>
+        <p:spPr>
+          <a:xfrm>
+            <a:off x="1349096" y="764704"/>
+            <a:ext cx="6031216" cy="800308"/>
+          </a:xfrm>
+          <a:prstGeom prst="rect">
+            <a:avLst/>
+          </a:prstGeom>
+        </p:spPr>
+        <p:txBody>
+          <a:bodyPr vert="horz" lIns="91440" tIns="45720" rIns="91440" bIns="45720" rtlCol="0" anchor="b">
+            <a:noAutofit/>
+          </a:bodyPr>
+          <a:lstStyle>
+            <a:lvl1pPr algn="l" defTabSz="685983" rtl="0" eaLnBrk="1" latinLnBrk="0" hangingPunct="1">
+              <a:lnSpc>
+                <a:spcPct val="80000"/>
+              </a:lnSpc>
+              <a:spcBef>
+                <a:spcPct val="0"/>
+              </a:spcBef>
+              <a:buNone/>
+              <a:defRPr sz="2701" b="1" kern="1200">
+                <a:solidFill>
+                  <a:schemeClr val="accent1">
+                    <a:lumMod val="75000"/>
+                  </a:schemeClr>
+                </a:solidFill>
+                <a:latin typeface="+mj-lt"/>
+                <a:ea typeface="+mj-ea"/>
+                <a:cs typeface="+mj-cs"/>
+              </a:defRPr>
+            </a:lvl1pPr>
+          </a:lstStyle>
+          <a:p>
+            <a:r>
+              <a:rPr lang="en-US" sz="4400" dirty="0"/>
+              <a:t>Advantages of NAS</a:t>
+            </a:r>
+          </a:p>
+        </p:txBody>
+      </p:sp>
+      <p:sp>
+        <p:nvSpPr>
+          <p:cNvPr id="7" name="Rectangle 6"/>
+          <p:cNvSpPr/>
+          <p:nvPr/>
+        </p:nvSpPr>
+        <p:spPr>
+          <a:xfrm>
+            <a:off x="574515" y="1565013"/>
+            <a:ext cx="8643211" cy="34298"/>
+          </a:xfrm>
+          <a:prstGeom prst="rect">
+            <a:avLst/>
+          </a:prstGeom>
+        </p:spPr>
+        <p:style>
+          <a:lnRef idx="1">
+            <a:schemeClr val="accent1"/>
+          </a:lnRef>
+          <a:fillRef idx="3">
+            <a:schemeClr val="accent1"/>
+          </a:fillRef>
+          <a:effectRef idx="2">
+            <a:schemeClr val="accent1"/>
+          </a:effectRef>
+          <a:fontRef idx="minor">
+            <a:schemeClr val="lt1"/>
+          </a:fontRef>
+        </p:style>
+        <p:txBody>
+          <a:bodyPr rtlCol="0" anchor="ctr"/>
+          <a:lstStyle/>
+          <a:p>
+            <a:pPr algn="ctr"/>
+            <a:endParaRPr lang="en-US" sz="1350">
+              <a:solidFill>
+                <a:schemeClr val="tx1">
+                  <a:lumMod val="65000"/>
+                  <a:lumOff val="35000"/>
+                </a:schemeClr>
+              </a:solidFill>
+            </a:endParaRPr>
+          </a:p>
+        </p:txBody>
+      </p:sp>
+      <p:pic>
+        <p:nvPicPr>
+          <p:cNvPr id="10" name="Picture 9"/>
+          <p:cNvPicPr>
+            <a:picLocks noChangeAspect="1"/>
+          </p:cNvPicPr>
+          <p:nvPr/>
+        </p:nvPicPr>
+        <p:blipFill>
+          <a:blip r:embed="rId2">
+            <a:extLst>
+              <a:ext uri="{28A0092B-C50C-407E-A947-70E740481C1C}">
+                <a14:useLocalDpi xmlns:a14="http://schemas.microsoft.com/office/drawing/2010/main" val="0"/>
+              </a:ext>
+            </a:extLst>
+          </a:blip>
+          <a:stretch>
+            <a:fillRect/>
+          </a:stretch>
+        </p:blipFill>
+        <p:spPr>
+          <a:xfrm>
+            <a:off x="219576" y="620688"/>
+            <a:ext cx="1040056" cy="1091146"/>
+          </a:xfrm>
+          <a:prstGeom prst="rect">
+            <a:avLst/>
+          </a:prstGeom>
+        </p:spPr>
+      </p:pic>
+    </p:spTree>
+    <p:extLst>
+      <p:ext uri="{BB962C8B-B14F-4D97-AF65-F5344CB8AC3E}">
+        <p14:creationId xmlns:p14="http://schemas.microsoft.com/office/powerpoint/2010/main" val="2435098642"/>
+      </p:ext>
+    </p:extLst>
+  </p:cSld>
+  <p:clrMapOvr>
+    <a:masterClrMapping/>
+  </p:clrMapOvr>
+  <p:transition spd="slow">
+    <p:comb/>
+  </p:transition>
+</p:sld>
+</file>
+
+<file path=ppt/slides/slide15.xml><?xml version="1.0" encoding="utf-8"?>
 <p:sld xmlns:a="http://schemas.openxmlformats.org/drawingml/2006/main" xmlns:r="http://schemas.openxmlformats.org/officeDocument/2006/relationships" xmlns:p="http://schemas.openxmlformats.org/presentationml/2006/main">
   <p:cSld>
     <p:spTree>

--- a/OOP.pptx
+++ b/OOP.pptx
@@ -5,10 +5,10 @@
     <p:sldMasterId id="2147483648" r:id="rId4"/>
   </p:sldMasterIdLst>
   <p:notesMasterIdLst>
-    <p:notesMasterId r:id="rId20"/>
+    <p:notesMasterId r:id="rId21"/>
   </p:notesMasterIdLst>
   <p:handoutMasterIdLst>
-    <p:handoutMasterId r:id="rId21"/>
+    <p:handoutMasterId r:id="rId22"/>
   </p:handoutMasterIdLst>
   <p:sldIdLst>
     <p:sldId id="265" r:id="rId5"/>
@@ -25,7 +25,8 @@
     <p:sldId id="286" r:id="rId16"/>
     <p:sldId id="279" r:id="rId17"/>
     <p:sldId id="277" r:id="rId18"/>
-    <p:sldId id="292" r:id="rId19"/>
+    <p:sldId id="278" r:id="rId19"/>
+    <p:sldId id="292" r:id="rId20"/>
   </p:sldIdLst>
   <p:sldSz cx="9144000" cy="6858000" type="screen4x3"/>
   <p:notesSz cx="6858000" cy="9144000"/>
@@ -5862,6 +5863,262 @@
 </file>
 
 <file path=ppt/slides/slide15.xml><?xml version="1.0" encoding="utf-8"?>
+<p:sld xmlns:a="http://schemas.openxmlformats.org/drawingml/2006/main" xmlns:r="http://schemas.openxmlformats.org/officeDocument/2006/relationships" xmlns:p="http://schemas.openxmlformats.org/presentationml/2006/main">
+  <p:cSld>
+    <p:spTree>
+      <p:nvGrpSpPr>
+        <p:cNvPr id="1" name=""/>
+        <p:cNvGrpSpPr/>
+        <p:nvPr/>
+      </p:nvGrpSpPr>
+      <p:grpSpPr>
+        <a:xfrm>
+          <a:off x="0" y="0"/>
+          <a:ext cx="0" cy="0"/>
+          <a:chOff x="0" y="0"/>
+          <a:chExt cx="0" cy="0"/>
+        </a:xfrm>
+      </p:grpSpPr>
+      <p:sp>
+        <p:nvSpPr>
+          <p:cNvPr id="3" name="Content Placeholder 2"/>
+          <p:cNvSpPr>
+            <a:spLocks noGrp="1"/>
+          </p:cNvSpPr>
+          <p:nvPr>
+            <p:ph idx="1"/>
+          </p:nvPr>
+        </p:nvSpPr>
+        <p:spPr>
+          <a:xfrm>
+            <a:off x="1907704" y="2852936"/>
+            <a:ext cx="6822711" cy="2358332"/>
+          </a:xfrm>
+        </p:spPr>
+        <p:txBody>
+          <a:bodyPr>
+            <a:noAutofit/>
+          </a:bodyPr>
+          <a:lstStyle/>
+          <a:p>
+            <a:pPr>
+              <a:buFont typeface="Wingdings" panose="05000000000000000000" pitchFamily="2" charset="2"/>
+              <a:buChar char="Ø"/>
+            </a:pPr>
+            <a:r>
+              <a:rPr lang="en-US" sz="3600" dirty="0">
+                <a:solidFill>
+                  <a:schemeClr val="accent6">
+                    <a:lumMod val="50000"/>
+                  </a:schemeClr>
+                </a:solidFill>
+              </a:rPr>
+              <a:t>Slower Process</a:t>
+            </a:r>
+          </a:p>
+          <a:p>
+            <a:pPr>
+              <a:buFont typeface="Wingdings" panose="05000000000000000000" pitchFamily="2" charset="2"/>
+              <a:buChar char="Ø"/>
+            </a:pPr>
+            <a:endParaRPr lang="en-US" sz="3600" dirty="0">
+              <a:solidFill>
+                <a:schemeClr val="accent6">
+                  <a:lumMod val="50000"/>
+                </a:schemeClr>
+              </a:solidFill>
+            </a:endParaRPr>
+          </a:p>
+          <a:p>
+            <a:pPr>
+              <a:buFont typeface="Wingdings" panose="05000000000000000000" pitchFamily="2" charset="2"/>
+              <a:buChar char="Ø"/>
+            </a:pPr>
+            <a:r>
+              <a:rPr lang="en-US" sz="3600" dirty="0">
+                <a:solidFill>
+                  <a:schemeClr val="accent6">
+                    <a:lumMod val="50000"/>
+                  </a:schemeClr>
+                </a:solidFill>
+              </a:rPr>
+              <a:t>Dependency upon network</a:t>
+            </a:r>
+          </a:p>
+          <a:p>
+            <a:pPr marL="34299" indent="0">
+              <a:buNone/>
+            </a:pPr>
+            <a:endParaRPr lang="en-US" sz="3600" dirty="0">
+              <a:solidFill>
+                <a:schemeClr val="accent6">
+                  <a:lumMod val="50000"/>
+                </a:schemeClr>
+              </a:solidFill>
+            </a:endParaRPr>
+          </a:p>
+        </p:txBody>
+      </p:sp>
+      <p:sp>
+        <p:nvSpPr>
+          <p:cNvPr id="7" name="Title 1"/>
+          <p:cNvSpPr txBox="1">
+            <a:spLocks/>
+          </p:cNvSpPr>
+          <p:nvPr/>
+        </p:nvSpPr>
+        <p:spPr>
+          <a:xfrm>
+            <a:off x="1384592" y="764704"/>
+            <a:ext cx="6427768" cy="800308"/>
+          </a:xfrm>
+          <a:prstGeom prst="rect">
+            <a:avLst/>
+          </a:prstGeom>
+        </p:spPr>
+        <p:txBody>
+          <a:bodyPr vert="horz" lIns="91440" tIns="45720" rIns="91440" bIns="45720" rtlCol="0" anchor="b">
+            <a:noAutofit/>
+          </a:bodyPr>
+          <a:lstStyle>
+            <a:lvl1pPr algn="l" defTabSz="685983" rtl="0" eaLnBrk="1" latinLnBrk="0" hangingPunct="1">
+              <a:lnSpc>
+                <a:spcPct val="80000"/>
+              </a:lnSpc>
+              <a:spcBef>
+                <a:spcPct val="0"/>
+              </a:spcBef>
+              <a:buNone/>
+              <a:defRPr sz="2701" b="1" kern="1200">
+                <a:solidFill>
+                  <a:schemeClr val="accent1">
+                    <a:lumMod val="75000"/>
+                  </a:schemeClr>
+                </a:solidFill>
+                <a:latin typeface="+mj-lt"/>
+                <a:ea typeface="+mj-ea"/>
+                <a:cs typeface="+mj-cs"/>
+              </a:defRPr>
+            </a:lvl1pPr>
+          </a:lstStyle>
+          <a:p>
+            <a:r>
+              <a:rPr lang="en-US" sz="4400" dirty="0"/>
+              <a:t>Disadvantages of NAS</a:t>
+            </a:r>
+          </a:p>
+        </p:txBody>
+      </p:sp>
+      <p:sp>
+        <p:nvSpPr>
+          <p:cNvPr id="8" name="Rectangle 7"/>
+          <p:cNvSpPr/>
+          <p:nvPr/>
+        </p:nvSpPr>
+        <p:spPr>
+          <a:xfrm>
+            <a:off x="574515" y="1565013"/>
+            <a:ext cx="8643211" cy="34298"/>
+          </a:xfrm>
+          <a:prstGeom prst="rect">
+            <a:avLst/>
+          </a:prstGeom>
+        </p:spPr>
+        <p:style>
+          <a:lnRef idx="1">
+            <a:schemeClr val="accent1"/>
+          </a:lnRef>
+          <a:fillRef idx="3">
+            <a:schemeClr val="accent1"/>
+          </a:fillRef>
+          <a:effectRef idx="2">
+            <a:schemeClr val="accent1"/>
+          </a:effectRef>
+          <a:fontRef idx="minor">
+            <a:schemeClr val="lt1"/>
+          </a:fontRef>
+        </p:style>
+        <p:txBody>
+          <a:bodyPr rtlCol="0" anchor="ctr"/>
+          <a:lstStyle/>
+          <a:p>
+            <a:pPr algn="ctr"/>
+            <a:endParaRPr lang="en-US" sz="1350">
+              <a:solidFill>
+                <a:schemeClr val="tx1">
+                  <a:lumMod val="65000"/>
+                  <a:lumOff val="35000"/>
+                </a:schemeClr>
+              </a:solidFill>
+            </a:endParaRPr>
+          </a:p>
+        </p:txBody>
+      </p:sp>
+      <p:pic>
+        <p:nvPicPr>
+          <p:cNvPr id="9" name="Picture 8"/>
+          <p:cNvPicPr>
+            <a:picLocks noChangeAspect="1"/>
+          </p:cNvPicPr>
+          <p:nvPr/>
+        </p:nvPicPr>
+        <p:blipFill>
+          <a:blip r:embed="rId2">
+            <a:extLst>
+              <a:ext uri="{BEBA8EAE-BF5A-486C-A8C5-ECC9F3942E4B}">
+                <a14:imgProps xmlns:a14="http://schemas.microsoft.com/office/drawing/2010/main">
+                  <a14:imgLayer r:embed="rId3">
+                    <a14:imgEffect>
+                      <a14:saturation sat="66000"/>
+                    </a14:imgEffect>
+                  </a14:imgLayer>
+                </a14:imgProps>
+              </a:ext>
+              <a:ext uri="{28A0092B-C50C-407E-A947-70E740481C1C}">
+                <a14:useLocalDpi xmlns:a14="http://schemas.microsoft.com/office/drawing/2010/main" val="0"/>
+              </a:ext>
+            </a:extLst>
+          </a:blip>
+          <a:stretch>
+            <a:fillRect/>
+          </a:stretch>
+        </p:blipFill>
+        <p:spPr>
+          <a:xfrm>
+            <a:off x="218745" y="908720"/>
+            <a:ext cx="1127514" cy="1184147"/>
+          </a:xfrm>
+          <a:prstGeom prst="rect">
+            <a:avLst/>
+          </a:prstGeom>
+        </p:spPr>
+      </p:pic>
+    </p:spTree>
+    <p:extLst>
+      <p:ext uri="{BB962C8B-B14F-4D97-AF65-F5344CB8AC3E}">
+        <p14:creationId xmlns:p14="http://schemas.microsoft.com/office/powerpoint/2010/main" val="2604296686"/>
+      </p:ext>
+    </p:extLst>
+  </p:cSld>
+  <p:clrMapOvr>
+    <a:masterClrMapping/>
+  </p:clrMapOvr>
+  <mc:AlternateContent xmlns:mc="http://schemas.openxmlformats.org/markup-compatibility/2006" xmlns:p14="http://schemas.microsoft.com/office/powerpoint/2010/main">
+    <mc:Choice Requires="p14">
+      <p:transition spd="slow" p14:dur="1400">
+        <p14:doors dir="vert"/>
+      </p:transition>
+    </mc:Choice>
+    <mc:Fallback xmlns="">
+      <p:transition spd="slow">
+        <p:fade/>
+      </p:transition>
+    </mc:Fallback>
+  </mc:AlternateContent>
+</p:sld>
+</file>
+
+<file path=ppt/slides/slide16.xml><?xml version="1.0" encoding="utf-8"?>
 <p:sld xmlns:a="http://schemas.openxmlformats.org/drawingml/2006/main" xmlns:r="http://schemas.openxmlformats.org/officeDocument/2006/relationships" xmlns:p="http://schemas.openxmlformats.org/presentationml/2006/main">
   <p:cSld>
     <p:spTree>

--- a/OOP.pptx
+++ b/OOP.pptx
@@ -5,10 +5,10 @@
     <p:sldMasterId id="2147483648" r:id="rId4"/>
   </p:sldMasterIdLst>
   <p:notesMasterIdLst>
-    <p:notesMasterId r:id="rId21"/>
+    <p:notesMasterId r:id="rId19"/>
   </p:notesMasterIdLst>
   <p:handoutMasterIdLst>
-    <p:handoutMasterId r:id="rId22"/>
+    <p:handoutMasterId r:id="rId20"/>
   </p:handoutMasterIdLst>
   <p:sldIdLst>
     <p:sldId id="265" r:id="rId5"/>
@@ -24,9 +24,7 @@
     <p:sldId id="289" r:id="rId15"/>
     <p:sldId id="286" r:id="rId16"/>
     <p:sldId id="279" r:id="rId17"/>
-    <p:sldId id="277" r:id="rId18"/>
-    <p:sldId id="278" r:id="rId19"/>
-    <p:sldId id="292" r:id="rId20"/>
+    <p:sldId id="292" r:id="rId18"/>
   </p:sldIdLst>
   <p:sldSz cx="9144000" cy="6858000" type="screen4x3"/>
   <p:notesSz cx="6858000" cy="9144000"/>
@@ -5580,545 +5578,6 @@
 </file>
 
 <file path=ppt/slides/slide14.xml><?xml version="1.0" encoding="utf-8"?>
-<p:sld xmlns:a="http://schemas.openxmlformats.org/drawingml/2006/main" xmlns:r="http://schemas.openxmlformats.org/officeDocument/2006/relationships" xmlns:p="http://schemas.openxmlformats.org/presentationml/2006/main">
-  <p:cSld>
-    <p:spTree>
-      <p:nvGrpSpPr>
-        <p:cNvPr id="1" name=""/>
-        <p:cNvGrpSpPr/>
-        <p:nvPr/>
-      </p:nvGrpSpPr>
-      <p:grpSpPr>
-        <a:xfrm>
-          <a:off x="0" y="0"/>
-          <a:ext cx="0" cy="0"/>
-          <a:chOff x="0" y="0"/>
-          <a:chExt cx="0" cy="0"/>
-        </a:xfrm>
-      </p:grpSpPr>
-      <p:sp>
-        <p:nvSpPr>
-          <p:cNvPr id="5" name="Rectangle 4"/>
-          <p:cNvSpPr/>
-          <p:nvPr/>
-        </p:nvSpPr>
-        <p:spPr>
-          <a:xfrm>
-            <a:off x="2078704" y="2060848"/>
-            <a:ext cx="4572000" cy="3970318"/>
-          </a:xfrm>
-          <a:prstGeom prst="rect">
-            <a:avLst/>
-          </a:prstGeom>
-        </p:spPr>
-        <p:txBody>
-          <a:bodyPr>
-            <a:spAutoFit/>
-          </a:bodyPr>
-          <a:lstStyle/>
-          <a:p>
-            <a:pPr>
-              <a:buFont typeface="Wingdings" panose="05000000000000000000" pitchFamily="2" charset="2"/>
-              <a:buChar char="Ø"/>
-            </a:pPr>
-            <a:r>
-              <a:rPr lang="en-US" sz="3600" dirty="0">
-                <a:solidFill>
-                  <a:schemeClr val="accent6">
-                    <a:lumMod val="50000"/>
-                  </a:schemeClr>
-                </a:solidFill>
-              </a:rPr>
-              <a:t>Accessibility</a:t>
-            </a:r>
-          </a:p>
-          <a:p>
-            <a:pPr>
-              <a:buFont typeface="Wingdings" panose="05000000000000000000" pitchFamily="2" charset="2"/>
-              <a:buChar char="Ø"/>
-            </a:pPr>
-            <a:endParaRPr lang="en-US" sz="3600" dirty="0">
-              <a:solidFill>
-                <a:schemeClr val="accent6">
-                  <a:lumMod val="50000"/>
-                </a:schemeClr>
-              </a:solidFill>
-            </a:endParaRPr>
-          </a:p>
-          <a:p>
-            <a:pPr>
-              <a:buFont typeface="Wingdings" panose="05000000000000000000" pitchFamily="2" charset="2"/>
-              <a:buChar char="Ø"/>
-            </a:pPr>
-            <a:r>
-              <a:rPr lang="en-GB" sz="3600" dirty="0">
-                <a:solidFill>
-                  <a:schemeClr val="accent6">
-                    <a:lumMod val="50000"/>
-                  </a:schemeClr>
-                </a:solidFill>
-              </a:rPr>
-              <a:t>Scalability</a:t>
-            </a:r>
-          </a:p>
-          <a:p>
-            <a:pPr>
-              <a:buFont typeface="Wingdings" panose="05000000000000000000" pitchFamily="2" charset="2"/>
-              <a:buChar char="Ø"/>
-            </a:pPr>
-            <a:endParaRPr lang="en-GB" sz="3600" dirty="0">
-              <a:solidFill>
-                <a:schemeClr val="accent6">
-                  <a:lumMod val="50000"/>
-                </a:schemeClr>
-              </a:solidFill>
-            </a:endParaRPr>
-          </a:p>
-          <a:p>
-            <a:pPr>
-              <a:buFont typeface="Wingdings" panose="05000000000000000000" pitchFamily="2" charset="2"/>
-              <a:buChar char="Ø"/>
-            </a:pPr>
-            <a:r>
-              <a:rPr lang="en-US" sz="3600" dirty="0">
-                <a:solidFill>
-                  <a:schemeClr val="accent6">
-                    <a:lumMod val="50000"/>
-                  </a:schemeClr>
-                </a:solidFill>
-              </a:rPr>
-              <a:t>Cheaper</a:t>
-            </a:r>
-          </a:p>
-          <a:p>
-            <a:pPr>
-              <a:buFont typeface="Wingdings" panose="05000000000000000000" pitchFamily="2" charset="2"/>
-              <a:buChar char="Ø"/>
-            </a:pPr>
-            <a:endParaRPr lang="en-US" sz="3600" dirty="0">
-              <a:solidFill>
-                <a:schemeClr val="accent6">
-                  <a:lumMod val="50000"/>
-                </a:schemeClr>
-              </a:solidFill>
-            </a:endParaRPr>
-          </a:p>
-          <a:p>
-            <a:pPr>
-              <a:buFont typeface="Wingdings" panose="05000000000000000000" pitchFamily="2" charset="2"/>
-              <a:buChar char="Ø"/>
-            </a:pPr>
-            <a:r>
-              <a:rPr lang="en-US" sz="3600" dirty="0">
-                <a:solidFill>
-                  <a:schemeClr val="accent6">
-                    <a:lumMod val="50000"/>
-                  </a:schemeClr>
-                </a:solidFill>
-              </a:rPr>
-              <a:t>User friendly</a:t>
-            </a:r>
-          </a:p>
-        </p:txBody>
-      </p:sp>
-      <p:sp>
-        <p:nvSpPr>
-          <p:cNvPr id="6" name="Title 1"/>
-          <p:cNvSpPr txBox="1">
-            <a:spLocks/>
-          </p:cNvSpPr>
-          <p:nvPr/>
-        </p:nvSpPr>
-        <p:spPr>
-          <a:xfrm>
-            <a:off x="1349096" y="764704"/>
-            <a:ext cx="6031216" cy="800308"/>
-          </a:xfrm>
-          <a:prstGeom prst="rect">
-            <a:avLst/>
-          </a:prstGeom>
-        </p:spPr>
-        <p:txBody>
-          <a:bodyPr vert="horz" lIns="91440" tIns="45720" rIns="91440" bIns="45720" rtlCol="0" anchor="b">
-            <a:noAutofit/>
-          </a:bodyPr>
-          <a:lstStyle>
-            <a:lvl1pPr algn="l" defTabSz="685983" rtl="0" eaLnBrk="1" latinLnBrk="0" hangingPunct="1">
-              <a:lnSpc>
-                <a:spcPct val="80000"/>
-              </a:lnSpc>
-              <a:spcBef>
-                <a:spcPct val="0"/>
-              </a:spcBef>
-              <a:buNone/>
-              <a:defRPr sz="2701" b="1" kern="1200">
-                <a:solidFill>
-                  <a:schemeClr val="accent1">
-                    <a:lumMod val="75000"/>
-                  </a:schemeClr>
-                </a:solidFill>
-                <a:latin typeface="+mj-lt"/>
-                <a:ea typeface="+mj-ea"/>
-                <a:cs typeface="+mj-cs"/>
-              </a:defRPr>
-            </a:lvl1pPr>
-          </a:lstStyle>
-          <a:p>
-            <a:r>
-              <a:rPr lang="en-US" sz="4400" dirty="0"/>
-              <a:t>Advantages of NAS</a:t>
-            </a:r>
-          </a:p>
-        </p:txBody>
-      </p:sp>
-      <p:sp>
-        <p:nvSpPr>
-          <p:cNvPr id="7" name="Rectangle 6"/>
-          <p:cNvSpPr/>
-          <p:nvPr/>
-        </p:nvSpPr>
-        <p:spPr>
-          <a:xfrm>
-            <a:off x="574515" y="1565013"/>
-            <a:ext cx="8643211" cy="34298"/>
-          </a:xfrm>
-          <a:prstGeom prst="rect">
-            <a:avLst/>
-          </a:prstGeom>
-        </p:spPr>
-        <p:style>
-          <a:lnRef idx="1">
-            <a:schemeClr val="accent1"/>
-          </a:lnRef>
-          <a:fillRef idx="3">
-            <a:schemeClr val="accent1"/>
-          </a:fillRef>
-          <a:effectRef idx="2">
-            <a:schemeClr val="accent1"/>
-          </a:effectRef>
-          <a:fontRef idx="minor">
-            <a:schemeClr val="lt1"/>
-          </a:fontRef>
-        </p:style>
-        <p:txBody>
-          <a:bodyPr rtlCol="0" anchor="ctr"/>
-          <a:lstStyle/>
-          <a:p>
-            <a:pPr algn="ctr"/>
-            <a:endParaRPr lang="en-US" sz="1350">
-              <a:solidFill>
-                <a:schemeClr val="tx1">
-                  <a:lumMod val="65000"/>
-                  <a:lumOff val="35000"/>
-                </a:schemeClr>
-              </a:solidFill>
-            </a:endParaRPr>
-          </a:p>
-        </p:txBody>
-      </p:sp>
-      <p:pic>
-        <p:nvPicPr>
-          <p:cNvPr id="10" name="Picture 9"/>
-          <p:cNvPicPr>
-            <a:picLocks noChangeAspect="1"/>
-          </p:cNvPicPr>
-          <p:nvPr/>
-        </p:nvPicPr>
-        <p:blipFill>
-          <a:blip r:embed="rId2">
-            <a:extLst>
-              <a:ext uri="{28A0092B-C50C-407E-A947-70E740481C1C}">
-                <a14:useLocalDpi xmlns:a14="http://schemas.microsoft.com/office/drawing/2010/main" val="0"/>
-              </a:ext>
-            </a:extLst>
-          </a:blip>
-          <a:stretch>
-            <a:fillRect/>
-          </a:stretch>
-        </p:blipFill>
-        <p:spPr>
-          <a:xfrm>
-            <a:off x="219576" y="620688"/>
-            <a:ext cx="1040056" cy="1091146"/>
-          </a:xfrm>
-          <a:prstGeom prst="rect">
-            <a:avLst/>
-          </a:prstGeom>
-        </p:spPr>
-      </p:pic>
-    </p:spTree>
-    <p:extLst>
-      <p:ext uri="{BB962C8B-B14F-4D97-AF65-F5344CB8AC3E}">
-        <p14:creationId xmlns:p14="http://schemas.microsoft.com/office/powerpoint/2010/main" val="2435098642"/>
-      </p:ext>
-    </p:extLst>
-  </p:cSld>
-  <p:clrMapOvr>
-    <a:masterClrMapping/>
-  </p:clrMapOvr>
-  <p:transition spd="slow">
-    <p:comb/>
-  </p:transition>
-</p:sld>
-</file>
-
-<file path=ppt/slides/slide15.xml><?xml version="1.0" encoding="utf-8"?>
-<p:sld xmlns:a="http://schemas.openxmlformats.org/drawingml/2006/main" xmlns:r="http://schemas.openxmlformats.org/officeDocument/2006/relationships" xmlns:p="http://schemas.openxmlformats.org/presentationml/2006/main">
-  <p:cSld>
-    <p:spTree>
-      <p:nvGrpSpPr>
-        <p:cNvPr id="1" name=""/>
-        <p:cNvGrpSpPr/>
-        <p:nvPr/>
-      </p:nvGrpSpPr>
-      <p:grpSpPr>
-        <a:xfrm>
-          <a:off x="0" y="0"/>
-          <a:ext cx="0" cy="0"/>
-          <a:chOff x="0" y="0"/>
-          <a:chExt cx="0" cy="0"/>
-        </a:xfrm>
-      </p:grpSpPr>
-      <p:sp>
-        <p:nvSpPr>
-          <p:cNvPr id="3" name="Content Placeholder 2"/>
-          <p:cNvSpPr>
-            <a:spLocks noGrp="1"/>
-          </p:cNvSpPr>
-          <p:nvPr>
-            <p:ph idx="1"/>
-          </p:nvPr>
-        </p:nvSpPr>
-        <p:spPr>
-          <a:xfrm>
-            <a:off x="1907704" y="2852936"/>
-            <a:ext cx="6822711" cy="2358332"/>
-          </a:xfrm>
-        </p:spPr>
-        <p:txBody>
-          <a:bodyPr>
-            <a:noAutofit/>
-          </a:bodyPr>
-          <a:lstStyle/>
-          <a:p>
-            <a:pPr>
-              <a:buFont typeface="Wingdings" panose="05000000000000000000" pitchFamily="2" charset="2"/>
-              <a:buChar char="Ø"/>
-            </a:pPr>
-            <a:r>
-              <a:rPr lang="en-US" sz="3600" dirty="0">
-                <a:solidFill>
-                  <a:schemeClr val="accent6">
-                    <a:lumMod val="50000"/>
-                  </a:schemeClr>
-                </a:solidFill>
-              </a:rPr>
-              <a:t>Slower Process</a:t>
-            </a:r>
-          </a:p>
-          <a:p>
-            <a:pPr>
-              <a:buFont typeface="Wingdings" panose="05000000000000000000" pitchFamily="2" charset="2"/>
-              <a:buChar char="Ø"/>
-            </a:pPr>
-            <a:endParaRPr lang="en-US" sz="3600" dirty="0">
-              <a:solidFill>
-                <a:schemeClr val="accent6">
-                  <a:lumMod val="50000"/>
-                </a:schemeClr>
-              </a:solidFill>
-            </a:endParaRPr>
-          </a:p>
-          <a:p>
-            <a:pPr>
-              <a:buFont typeface="Wingdings" panose="05000000000000000000" pitchFamily="2" charset="2"/>
-              <a:buChar char="Ø"/>
-            </a:pPr>
-            <a:r>
-              <a:rPr lang="en-US" sz="3600" dirty="0">
-                <a:solidFill>
-                  <a:schemeClr val="accent6">
-                    <a:lumMod val="50000"/>
-                  </a:schemeClr>
-                </a:solidFill>
-              </a:rPr>
-              <a:t>Dependency upon network</a:t>
-            </a:r>
-          </a:p>
-          <a:p>
-            <a:pPr marL="34299" indent="0">
-              <a:buNone/>
-            </a:pPr>
-            <a:endParaRPr lang="en-US" sz="3600" dirty="0">
-              <a:solidFill>
-                <a:schemeClr val="accent6">
-                  <a:lumMod val="50000"/>
-                </a:schemeClr>
-              </a:solidFill>
-            </a:endParaRPr>
-          </a:p>
-        </p:txBody>
-      </p:sp>
-      <p:sp>
-        <p:nvSpPr>
-          <p:cNvPr id="7" name="Title 1"/>
-          <p:cNvSpPr txBox="1">
-            <a:spLocks/>
-          </p:cNvSpPr>
-          <p:nvPr/>
-        </p:nvSpPr>
-        <p:spPr>
-          <a:xfrm>
-            <a:off x="1384592" y="764704"/>
-            <a:ext cx="6427768" cy="800308"/>
-          </a:xfrm>
-          <a:prstGeom prst="rect">
-            <a:avLst/>
-          </a:prstGeom>
-        </p:spPr>
-        <p:txBody>
-          <a:bodyPr vert="horz" lIns="91440" tIns="45720" rIns="91440" bIns="45720" rtlCol="0" anchor="b">
-            <a:noAutofit/>
-          </a:bodyPr>
-          <a:lstStyle>
-            <a:lvl1pPr algn="l" defTabSz="685983" rtl="0" eaLnBrk="1" latinLnBrk="0" hangingPunct="1">
-              <a:lnSpc>
-                <a:spcPct val="80000"/>
-              </a:lnSpc>
-              <a:spcBef>
-                <a:spcPct val="0"/>
-              </a:spcBef>
-              <a:buNone/>
-              <a:defRPr sz="2701" b="1" kern="1200">
-                <a:solidFill>
-                  <a:schemeClr val="accent1">
-                    <a:lumMod val="75000"/>
-                  </a:schemeClr>
-                </a:solidFill>
-                <a:latin typeface="+mj-lt"/>
-                <a:ea typeface="+mj-ea"/>
-                <a:cs typeface="+mj-cs"/>
-              </a:defRPr>
-            </a:lvl1pPr>
-          </a:lstStyle>
-          <a:p>
-            <a:r>
-              <a:rPr lang="en-US" sz="4400" dirty="0"/>
-              <a:t>Disadvantages of NAS</a:t>
-            </a:r>
-          </a:p>
-        </p:txBody>
-      </p:sp>
-      <p:sp>
-        <p:nvSpPr>
-          <p:cNvPr id="8" name="Rectangle 7"/>
-          <p:cNvSpPr/>
-          <p:nvPr/>
-        </p:nvSpPr>
-        <p:spPr>
-          <a:xfrm>
-            <a:off x="574515" y="1565013"/>
-            <a:ext cx="8643211" cy="34298"/>
-          </a:xfrm>
-          <a:prstGeom prst="rect">
-            <a:avLst/>
-          </a:prstGeom>
-        </p:spPr>
-        <p:style>
-          <a:lnRef idx="1">
-            <a:schemeClr val="accent1"/>
-          </a:lnRef>
-          <a:fillRef idx="3">
-            <a:schemeClr val="accent1"/>
-          </a:fillRef>
-          <a:effectRef idx="2">
-            <a:schemeClr val="accent1"/>
-          </a:effectRef>
-          <a:fontRef idx="minor">
-            <a:schemeClr val="lt1"/>
-          </a:fontRef>
-        </p:style>
-        <p:txBody>
-          <a:bodyPr rtlCol="0" anchor="ctr"/>
-          <a:lstStyle/>
-          <a:p>
-            <a:pPr algn="ctr"/>
-            <a:endParaRPr lang="en-US" sz="1350">
-              <a:solidFill>
-                <a:schemeClr val="tx1">
-                  <a:lumMod val="65000"/>
-                  <a:lumOff val="35000"/>
-                </a:schemeClr>
-              </a:solidFill>
-            </a:endParaRPr>
-          </a:p>
-        </p:txBody>
-      </p:sp>
-      <p:pic>
-        <p:nvPicPr>
-          <p:cNvPr id="9" name="Picture 8"/>
-          <p:cNvPicPr>
-            <a:picLocks noChangeAspect="1"/>
-          </p:cNvPicPr>
-          <p:nvPr/>
-        </p:nvPicPr>
-        <p:blipFill>
-          <a:blip r:embed="rId2">
-            <a:extLst>
-              <a:ext uri="{BEBA8EAE-BF5A-486C-A8C5-ECC9F3942E4B}">
-                <a14:imgProps xmlns:a14="http://schemas.microsoft.com/office/drawing/2010/main">
-                  <a14:imgLayer r:embed="rId3">
-                    <a14:imgEffect>
-                      <a14:saturation sat="66000"/>
-                    </a14:imgEffect>
-                  </a14:imgLayer>
-                </a14:imgProps>
-              </a:ext>
-              <a:ext uri="{28A0092B-C50C-407E-A947-70E740481C1C}">
-                <a14:useLocalDpi xmlns:a14="http://schemas.microsoft.com/office/drawing/2010/main" val="0"/>
-              </a:ext>
-            </a:extLst>
-          </a:blip>
-          <a:stretch>
-            <a:fillRect/>
-          </a:stretch>
-        </p:blipFill>
-        <p:spPr>
-          <a:xfrm>
-            <a:off x="218745" y="908720"/>
-            <a:ext cx="1127514" cy="1184147"/>
-          </a:xfrm>
-          <a:prstGeom prst="rect">
-            <a:avLst/>
-          </a:prstGeom>
-        </p:spPr>
-      </p:pic>
-    </p:spTree>
-    <p:extLst>
-      <p:ext uri="{BB962C8B-B14F-4D97-AF65-F5344CB8AC3E}">
-        <p14:creationId xmlns:p14="http://schemas.microsoft.com/office/powerpoint/2010/main" val="2604296686"/>
-      </p:ext>
-    </p:extLst>
-  </p:cSld>
-  <p:clrMapOvr>
-    <a:masterClrMapping/>
-  </p:clrMapOvr>
-  <mc:AlternateContent xmlns:mc="http://schemas.openxmlformats.org/markup-compatibility/2006" xmlns:p14="http://schemas.microsoft.com/office/powerpoint/2010/main">
-    <mc:Choice Requires="p14">
-      <p:transition spd="slow" p14:dur="1400">
-        <p14:doors dir="vert"/>
-      </p:transition>
-    </mc:Choice>
-    <mc:Fallback xmlns="">
-      <p:transition spd="slow">
-        <p:fade/>
-      </p:transition>
-    </mc:Fallback>
-  </mc:AlternateContent>
-</p:sld>
-</file>
-
-<file path=ppt/slides/slide16.xml><?xml version="1.0" encoding="utf-8"?>
 <p:sld xmlns:a="http://schemas.openxmlformats.org/drawingml/2006/main" xmlns:r="http://schemas.openxmlformats.org/officeDocument/2006/relationships" xmlns:p="http://schemas.openxmlformats.org/presentationml/2006/main">
   <p:cSld>
     <p:spTree>

--- a/OOP.pptx
+++ b/OOP.pptx
@@ -5,26 +5,27 @@
     <p:sldMasterId id="2147483648" r:id="rId4"/>
   </p:sldMasterIdLst>
   <p:notesMasterIdLst>
-    <p:notesMasterId r:id="rId19"/>
+    <p:notesMasterId r:id="rId20"/>
   </p:notesMasterIdLst>
   <p:handoutMasterIdLst>
-    <p:handoutMasterId r:id="rId20"/>
+    <p:handoutMasterId r:id="rId21"/>
   </p:handoutMasterIdLst>
   <p:sldIdLst>
     <p:sldId id="265" r:id="rId5"/>
     <p:sldId id="267" r:id="rId6"/>
-    <p:sldId id="282" r:id="rId7"/>
-    <p:sldId id="290" r:id="rId8"/>
-    <p:sldId id="269" r:id="rId9"/>
-    <p:sldId id="284" r:id="rId10"/>
-    <p:sldId id="283" r:id="rId11"/>
-    <p:sldId id="285" r:id="rId12"/>
-    <p:sldId id="273" r:id="rId13"/>
-    <p:sldId id="281" r:id="rId14"/>
-    <p:sldId id="289" r:id="rId15"/>
-    <p:sldId id="286" r:id="rId16"/>
-    <p:sldId id="279" r:id="rId17"/>
-    <p:sldId id="292" r:id="rId18"/>
+    <p:sldId id="290" r:id="rId7"/>
+    <p:sldId id="293" r:id="rId8"/>
+    <p:sldId id="282" r:id="rId9"/>
+    <p:sldId id="269" r:id="rId10"/>
+    <p:sldId id="284" r:id="rId11"/>
+    <p:sldId id="283" r:id="rId12"/>
+    <p:sldId id="285" r:id="rId13"/>
+    <p:sldId id="273" r:id="rId14"/>
+    <p:sldId id="281" r:id="rId15"/>
+    <p:sldId id="289" r:id="rId16"/>
+    <p:sldId id="286" r:id="rId17"/>
+    <p:sldId id="279" r:id="rId18"/>
+    <p:sldId id="292" r:id="rId19"/>
   </p:sldIdLst>
   <p:sldSz cx="9144000" cy="6858000" type="screen4x3"/>
   <p:notesSz cx="6858000" cy="9144000"/>
@@ -4239,2891 +4240,6 @@
       </p:grpSpPr>
       <p:sp>
         <p:nvSpPr>
-          <p:cNvPr id="2" name="Title 1"/>
-          <p:cNvSpPr>
-            <a:spLocks noGrp="1"/>
-          </p:cNvSpPr>
-          <p:nvPr>
-            <p:ph type="title"/>
-          </p:nvPr>
-        </p:nvSpPr>
-        <p:spPr>
-          <a:xfrm>
-            <a:off x="1118080" y="944518"/>
-            <a:ext cx="6516798" cy="800308"/>
-          </a:xfrm>
-        </p:spPr>
-        <p:txBody>
-          <a:bodyPr>
-            <a:noAutofit/>
-          </a:bodyPr>
-          <a:lstStyle/>
-          <a:p>
-            <a:pPr algn="ctr"/>
-            <a:r>
-              <a:rPr lang="en-US" sz="6602" dirty="0">
-                <a:solidFill>
-                  <a:schemeClr val="accent6">
-                    <a:lumMod val="50000"/>
-                  </a:schemeClr>
-                </a:solidFill>
-              </a:rPr>
-              <a:t>DAS</a:t>
-            </a:r>
-            <a:br>
-              <a:rPr lang="en-US" sz="4051" dirty="0"/>
-            </a:br>
-            <a:r>
-              <a:rPr lang="en-US" sz="4051" dirty="0"/>
-              <a:t>Direct Attached Storage</a:t>
-            </a:r>
-          </a:p>
-        </p:txBody>
-      </p:sp>
-      <p:sp>
-        <p:nvSpPr>
-          <p:cNvPr id="3" name="Rectangle 2"/>
-          <p:cNvSpPr/>
-          <p:nvPr/>
-        </p:nvSpPr>
-        <p:spPr>
-          <a:xfrm>
-            <a:off x="1087409" y="3068960"/>
-            <a:ext cx="6912768" cy="1323439"/>
-          </a:xfrm>
-          <a:prstGeom prst="rect">
-            <a:avLst/>
-          </a:prstGeom>
-        </p:spPr>
-        <p:txBody>
-          <a:bodyPr wrap="square">
-            <a:spAutoFit/>
-          </a:bodyPr>
-          <a:lstStyle/>
-          <a:p>
-            <a:r>
-              <a:rPr lang="en-GB" sz="4000" dirty="0">
-                <a:solidFill>
-                  <a:schemeClr val="accent6">
-                    <a:lumMod val="50000"/>
-                  </a:schemeClr>
-                </a:solidFill>
-                <a:latin typeface="Calibri" panose="020F0502020204030204" pitchFamily="34" charset="0"/>
-                <a:ea typeface="Calibri" panose="020F0502020204030204" pitchFamily="34" charset="0"/>
-                <a:cs typeface="Vrinda"/>
-              </a:rPr>
-              <a:t>DAS referred to a storage that is directly attached to a server</a:t>
-            </a:r>
-            <a:endParaRPr lang="en-US" sz="4000" dirty="0">
-              <a:solidFill>
-                <a:schemeClr val="accent6">
-                  <a:lumMod val="50000"/>
-                </a:schemeClr>
-              </a:solidFill>
-            </a:endParaRPr>
-          </a:p>
-        </p:txBody>
-      </p:sp>
-      <p:sp>
-        <p:nvSpPr>
-          <p:cNvPr id="4" name="Rectangle 3"/>
-          <p:cNvSpPr/>
-          <p:nvPr/>
-        </p:nvSpPr>
-        <p:spPr>
-          <a:xfrm>
-            <a:off x="-108520" y="1871113"/>
-            <a:ext cx="9505055" cy="45719"/>
-          </a:xfrm>
-          <a:prstGeom prst="rect">
-            <a:avLst/>
-          </a:prstGeom>
-        </p:spPr>
-        <p:style>
-          <a:lnRef idx="1">
-            <a:schemeClr val="accent1"/>
-          </a:lnRef>
-          <a:fillRef idx="3">
-            <a:schemeClr val="accent1"/>
-          </a:fillRef>
-          <a:effectRef idx="2">
-            <a:schemeClr val="accent1"/>
-          </a:effectRef>
-          <a:fontRef idx="minor">
-            <a:schemeClr val="lt1"/>
-          </a:fontRef>
-        </p:style>
-        <p:txBody>
-          <a:bodyPr rtlCol="0" anchor="ctr"/>
-          <a:lstStyle/>
-          <a:p>
-            <a:pPr algn="ctr"/>
-            <a:endParaRPr lang="en-US" sz="1350">
-              <a:solidFill>
-                <a:schemeClr val="tx1">
-                  <a:lumMod val="65000"/>
-                  <a:lumOff val="35000"/>
-                </a:schemeClr>
-              </a:solidFill>
-            </a:endParaRPr>
-          </a:p>
-        </p:txBody>
-      </p:sp>
-    </p:spTree>
-    <p:extLst>
-      <p:ext uri="{BB962C8B-B14F-4D97-AF65-F5344CB8AC3E}">
-        <p14:creationId xmlns:p14="http://schemas.microsoft.com/office/powerpoint/2010/main" val="2801517849"/>
-      </p:ext>
-    </p:extLst>
-  </p:cSld>
-  <p:clrMapOvr>
-    <a:masterClrMapping/>
-  </p:clrMapOvr>
-  <mc:AlternateContent xmlns:mc="http://schemas.openxmlformats.org/markup-compatibility/2006" xmlns:p15="http://schemas.microsoft.com/office/powerpoint/2012/main">
-    <mc:Choice Requires="p15">
-      <p:transition xmlns:p14="http://schemas.microsoft.com/office/powerpoint/2010/main" spd="slow" p14:dur="1250">
-        <p15:prstTrans prst="peelOff"/>
-      </p:transition>
-    </mc:Choice>
-    <mc:Fallback xmlns="">
-      <p:transition spd="slow">
-        <p:fade/>
-      </p:transition>
-    </mc:Fallback>
-  </mc:AlternateContent>
-</p:sld>
-</file>
-
-<file path=ppt/slides/slide11.xml><?xml version="1.0" encoding="utf-8"?>
-<p:sld xmlns:a="http://schemas.openxmlformats.org/drawingml/2006/main" xmlns:r="http://schemas.openxmlformats.org/officeDocument/2006/relationships" xmlns:p="http://schemas.openxmlformats.org/presentationml/2006/main">
-  <p:cSld>
-    <p:spTree>
-      <p:nvGrpSpPr>
-        <p:cNvPr id="1" name=""/>
-        <p:cNvGrpSpPr/>
-        <p:nvPr/>
-      </p:nvGrpSpPr>
-      <p:grpSpPr>
-        <a:xfrm>
-          <a:off x="0" y="0"/>
-          <a:ext cx="0" cy="0"/>
-          <a:chOff x="0" y="0"/>
-          <a:chExt cx="0" cy="0"/>
-        </a:xfrm>
-      </p:grpSpPr>
-      <p:sp>
-        <p:nvSpPr>
-          <p:cNvPr id="2" name="Title 1"/>
-          <p:cNvSpPr>
-            <a:spLocks noGrp="1"/>
-          </p:cNvSpPr>
-          <p:nvPr>
-            <p:ph type="title"/>
-          </p:nvPr>
-        </p:nvSpPr>
-        <p:spPr>
-          <a:xfrm>
-            <a:off x="1402466" y="764704"/>
-            <a:ext cx="4537686" cy="800308"/>
-          </a:xfrm>
-        </p:spPr>
-        <p:txBody>
-          <a:bodyPr>
-            <a:normAutofit/>
-          </a:bodyPr>
-          <a:lstStyle/>
-          <a:p>
-            <a:r>
-              <a:rPr lang="en-US" sz="4051" dirty="0"/>
-              <a:t>Advantages of DAS</a:t>
-            </a:r>
-          </a:p>
-        </p:txBody>
-      </p:sp>
-      <p:sp>
-        <p:nvSpPr>
-          <p:cNvPr id="4" name="Content Placeholder 2"/>
-          <p:cNvSpPr txBox="1">
-            <a:spLocks/>
-          </p:cNvSpPr>
-          <p:nvPr/>
-        </p:nvSpPr>
-        <p:spPr>
-          <a:xfrm>
-            <a:off x="2016355" y="2132856"/>
-            <a:ext cx="7847594" cy="2226394"/>
-          </a:xfrm>
-          <a:prstGeom prst="rect">
-            <a:avLst/>
-          </a:prstGeom>
-        </p:spPr>
-        <p:txBody>
-          <a:bodyPr vert="horz" lIns="68598" tIns="34299" rIns="68598" bIns="34299" rtlCol="0">
-            <a:noAutofit/>
-          </a:bodyPr>
-          <a:lstStyle>
-            <a:lvl1pPr marL="274320" indent="-228600" algn="l" defTabSz="914400" rtl="0" eaLnBrk="1" latinLnBrk="0" hangingPunct="1">
-              <a:lnSpc>
-                <a:spcPct val="90000"/>
-              </a:lnSpc>
-              <a:spcBef>
-                <a:spcPts val="1800"/>
-              </a:spcBef>
-              <a:buClr>
-                <a:schemeClr val="tx1">
-                  <a:lumMod val="65000"/>
-                  <a:lumOff val="35000"/>
-                </a:schemeClr>
-              </a:buClr>
-              <a:buSzPct val="80000"/>
-              <a:buFont typeface="Arial" pitchFamily="34" charset="0"/>
-              <a:buChar char="•"/>
-              <a:defRPr sz="2000" kern="1200">
-                <a:solidFill>
-                  <a:schemeClr val="tx1">
-                    <a:lumMod val="65000"/>
-                    <a:lumOff val="35000"/>
-                  </a:schemeClr>
-                </a:solidFill>
-                <a:latin typeface="+mn-lt"/>
-                <a:ea typeface="+mn-ea"/>
-                <a:cs typeface="+mn-cs"/>
-              </a:defRPr>
-            </a:lvl1pPr>
-            <a:lvl2pPr marL="594360" indent="-228600" algn="l" defTabSz="914400" rtl="0" eaLnBrk="1" latinLnBrk="0" hangingPunct="1">
-              <a:lnSpc>
-                <a:spcPct val="90000"/>
-              </a:lnSpc>
-              <a:spcBef>
-                <a:spcPts val="1000"/>
-              </a:spcBef>
-              <a:buClr>
-                <a:schemeClr val="tx1">
-                  <a:lumMod val="65000"/>
-                  <a:lumOff val="35000"/>
-                </a:schemeClr>
-              </a:buClr>
-              <a:buSzPct val="80000"/>
-              <a:buFont typeface="Arial" pitchFamily="34" charset="0"/>
-              <a:buChar char="•"/>
-              <a:defRPr sz="1800" kern="1200">
-                <a:solidFill>
-                  <a:schemeClr val="tx1">
-                    <a:lumMod val="65000"/>
-                    <a:lumOff val="35000"/>
-                  </a:schemeClr>
-                </a:solidFill>
-                <a:latin typeface="+mn-lt"/>
-                <a:ea typeface="+mn-ea"/>
-                <a:cs typeface="+mn-cs"/>
-              </a:defRPr>
-            </a:lvl2pPr>
-            <a:lvl3pPr marL="777240" indent="-182880" algn="l" defTabSz="914400" rtl="0" eaLnBrk="1" latinLnBrk="0" hangingPunct="1">
-              <a:lnSpc>
-                <a:spcPct val="90000"/>
-              </a:lnSpc>
-              <a:spcBef>
-                <a:spcPts val="600"/>
-              </a:spcBef>
-              <a:buClr>
-                <a:schemeClr val="tx1">
-                  <a:lumMod val="65000"/>
-                  <a:lumOff val="35000"/>
-                </a:schemeClr>
-              </a:buClr>
-              <a:buSzPct val="80000"/>
-              <a:buFont typeface="Arial" pitchFamily="34" charset="0"/>
-              <a:buChar char="•"/>
-              <a:defRPr sz="1600" kern="1200">
-                <a:solidFill>
-                  <a:schemeClr val="tx1">
-                    <a:lumMod val="65000"/>
-                    <a:lumOff val="35000"/>
-                  </a:schemeClr>
-                </a:solidFill>
-                <a:latin typeface="+mn-lt"/>
-                <a:ea typeface="+mn-ea"/>
-                <a:cs typeface="+mn-cs"/>
-              </a:defRPr>
-            </a:lvl3pPr>
-            <a:lvl4pPr marL="960120" indent="-182880" algn="l" defTabSz="914400" rtl="0" eaLnBrk="1" latinLnBrk="0" hangingPunct="1">
-              <a:lnSpc>
-                <a:spcPct val="90000"/>
-              </a:lnSpc>
-              <a:spcBef>
-                <a:spcPts val="600"/>
-              </a:spcBef>
-              <a:buClr>
-                <a:schemeClr val="tx1">
-                  <a:lumMod val="65000"/>
-                  <a:lumOff val="35000"/>
-                </a:schemeClr>
-              </a:buClr>
-              <a:buSzPct val="80000"/>
-              <a:buFont typeface="Arial" pitchFamily="34" charset="0"/>
-              <a:buChar char="•"/>
-              <a:defRPr sz="1400" kern="1200">
-                <a:solidFill>
-                  <a:schemeClr val="tx1">
-                    <a:lumMod val="65000"/>
-                    <a:lumOff val="35000"/>
-                  </a:schemeClr>
-                </a:solidFill>
-                <a:latin typeface="+mn-lt"/>
-                <a:ea typeface="+mn-ea"/>
-                <a:cs typeface="+mn-cs"/>
-              </a:defRPr>
-            </a:lvl4pPr>
-            <a:lvl5pPr marL="1097280" indent="-137160" algn="l" defTabSz="914400" rtl="0" eaLnBrk="1" latinLnBrk="0" hangingPunct="1">
-              <a:lnSpc>
-                <a:spcPct val="90000"/>
-              </a:lnSpc>
-              <a:spcBef>
-                <a:spcPts val="600"/>
-              </a:spcBef>
-              <a:buClr>
-                <a:schemeClr val="tx1">
-                  <a:lumMod val="65000"/>
-                  <a:lumOff val="35000"/>
-                </a:schemeClr>
-              </a:buClr>
-              <a:buSzPct val="80000"/>
-              <a:buFont typeface="Arial" pitchFamily="34" charset="0"/>
-              <a:buChar char="•"/>
-              <a:defRPr sz="1400" kern="1200">
-                <a:solidFill>
-                  <a:schemeClr val="tx1">
-                    <a:lumMod val="65000"/>
-                    <a:lumOff val="35000"/>
-                  </a:schemeClr>
-                </a:solidFill>
-                <a:latin typeface="+mn-lt"/>
-                <a:ea typeface="+mn-ea"/>
-                <a:cs typeface="+mn-cs"/>
-              </a:defRPr>
-            </a:lvl5pPr>
-            <a:lvl6pPr marL="1234440" indent="-137160" algn="l" defTabSz="914400" rtl="0" eaLnBrk="1" latinLnBrk="0" hangingPunct="1">
-              <a:spcBef>
-                <a:spcPts val="600"/>
-              </a:spcBef>
-              <a:buSzPct val="80000"/>
-              <a:buFont typeface="Arial" pitchFamily="34" charset="0"/>
-              <a:buChar char="•"/>
-              <a:defRPr sz="1400" kern="1200">
-                <a:solidFill>
-                  <a:schemeClr val="tx1">
-                    <a:lumMod val="65000"/>
-                    <a:lumOff val="35000"/>
-                  </a:schemeClr>
-                </a:solidFill>
-                <a:latin typeface="+mn-lt"/>
-                <a:ea typeface="+mn-ea"/>
-                <a:cs typeface="+mn-cs"/>
-              </a:defRPr>
-            </a:lvl6pPr>
-            <a:lvl7pPr marL="1371600" indent="-137160" algn="l" defTabSz="914400" rtl="0" eaLnBrk="1" latinLnBrk="0" hangingPunct="1">
-              <a:spcBef>
-                <a:spcPts val="600"/>
-              </a:spcBef>
-              <a:buSzPct val="80000"/>
-              <a:buFont typeface="Arial" pitchFamily="34" charset="0"/>
-              <a:buChar char="•"/>
-              <a:defRPr sz="1400" kern="1200">
-                <a:solidFill>
-                  <a:schemeClr val="tx1">
-                    <a:lumMod val="65000"/>
-                    <a:lumOff val="35000"/>
-                  </a:schemeClr>
-                </a:solidFill>
-                <a:latin typeface="+mn-lt"/>
-                <a:ea typeface="+mn-ea"/>
-                <a:cs typeface="+mn-cs"/>
-              </a:defRPr>
-            </a:lvl7pPr>
-            <a:lvl8pPr marL="1508760" indent="-137160" algn="l" defTabSz="914400" rtl="0" eaLnBrk="1" latinLnBrk="0" hangingPunct="1">
-              <a:spcBef>
-                <a:spcPts val="600"/>
-              </a:spcBef>
-              <a:buSzPct val="80000"/>
-              <a:buFont typeface="Arial" pitchFamily="34" charset="0"/>
-              <a:buChar char="•"/>
-              <a:defRPr sz="1400" kern="1200">
-                <a:solidFill>
-                  <a:schemeClr val="tx1">
-                    <a:lumMod val="65000"/>
-                    <a:lumOff val="35000"/>
-                  </a:schemeClr>
-                </a:solidFill>
-                <a:latin typeface="+mn-lt"/>
-                <a:ea typeface="+mn-ea"/>
-                <a:cs typeface="+mn-cs"/>
-              </a:defRPr>
-            </a:lvl8pPr>
-            <a:lvl9pPr marL="1645920" indent="-137160" algn="l" defTabSz="914400" rtl="0" eaLnBrk="1" latinLnBrk="0" hangingPunct="1">
-              <a:spcBef>
-                <a:spcPts val="600"/>
-              </a:spcBef>
-              <a:buSzPct val="80000"/>
-              <a:buFont typeface="Arial" pitchFamily="34" charset="0"/>
-              <a:buChar char="•"/>
-              <a:defRPr sz="1400" kern="1200">
-                <a:solidFill>
-                  <a:schemeClr val="tx1">
-                    <a:lumMod val="65000"/>
-                    <a:lumOff val="35000"/>
-                  </a:schemeClr>
-                </a:solidFill>
-                <a:latin typeface="+mn-lt"/>
-                <a:ea typeface="+mn-ea"/>
-                <a:cs typeface="+mn-cs"/>
-              </a:defRPr>
-            </a:lvl9pPr>
-          </a:lstStyle>
-          <a:p>
-            <a:pPr>
-              <a:buFont typeface="Wingdings" panose="05000000000000000000" pitchFamily="2" charset="2"/>
-              <a:buChar char="q"/>
-            </a:pPr>
-            <a:r>
-              <a:rPr lang="en-US" sz="3600" dirty="0">
-                <a:solidFill>
-                  <a:schemeClr val="accent6">
-                    <a:lumMod val="50000"/>
-                  </a:schemeClr>
-                </a:solidFill>
-              </a:rPr>
-              <a:t> High availability</a:t>
-            </a:r>
-          </a:p>
-          <a:p>
-            <a:pPr>
-              <a:buFont typeface="Wingdings" panose="05000000000000000000" pitchFamily="2" charset="2"/>
-              <a:buChar char="q"/>
-            </a:pPr>
-            <a:endParaRPr lang="en-US" sz="3600" dirty="0">
-              <a:solidFill>
-                <a:schemeClr val="accent6">
-                  <a:lumMod val="50000"/>
-                </a:schemeClr>
-              </a:solidFill>
-            </a:endParaRPr>
-          </a:p>
-          <a:p>
-            <a:pPr>
-              <a:buFont typeface="Wingdings" panose="05000000000000000000" pitchFamily="2" charset="2"/>
-              <a:buChar char="q"/>
-            </a:pPr>
-            <a:r>
-              <a:rPr lang="en-US" sz="3600" dirty="0">
-                <a:solidFill>
-                  <a:schemeClr val="accent6">
-                    <a:lumMod val="50000"/>
-                  </a:schemeClr>
-                </a:solidFill>
-              </a:rPr>
-              <a:t> High access rate</a:t>
-            </a:r>
-          </a:p>
-          <a:p>
-            <a:pPr>
-              <a:buFont typeface="Wingdings" panose="05000000000000000000" pitchFamily="2" charset="2"/>
-              <a:buChar char="q"/>
-            </a:pPr>
-            <a:endParaRPr lang="en-US" sz="3600" dirty="0">
-              <a:solidFill>
-                <a:schemeClr val="accent6">
-                  <a:lumMod val="50000"/>
-                </a:schemeClr>
-              </a:solidFill>
-            </a:endParaRPr>
-          </a:p>
-          <a:p>
-            <a:pPr>
-              <a:buFont typeface="Wingdings" panose="05000000000000000000" pitchFamily="2" charset="2"/>
-              <a:buChar char="q"/>
-            </a:pPr>
-            <a:r>
-              <a:rPr lang="en-US" sz="3600" dirty="0">
-                <a:solidFill>
-                  <a:schemeClr val="accent6">
-                    <a:lumMod val="50000"/>
-                  </a:schemeClr>
-                </a:solidFill>
-              </a:rPr>
-              <a:t> </a:t>
-            </a:r>
-            <a:r>
-              <a:rPr lang="en-GB" sz="3600" dirty="0">
-                <a:solidFill>
-                  <a:schemeClr val="accent6">
-                    <a:lumMod val="50000"/>
-                  </a:schemeClr>
-                </a:solidFill>
-              </a:rPr>
-              <a:t>Data security</a:t>
-            </a:r>
-            <a:endParaRPr lang="en-US" sz="3600" dirty="0">
-              <a:solidFill>
-                <a:schemeClr val="accent6">
-                  <a:lumMod val="50000"/>
-                </a:schemeClr>
-              </a:solidFill>
-            </a:endParaRPr>
-          </a:p>
-          <a:p>
-            <a:pPr marL="45720" indent="0">
-              <a:buNone/>
-            </a:pPr>
-            <a:endParaRPr lang="en-US" sz="3600" dirty="0">
-              <a:solidFill>
-                <a:schemeClr val="accent6">
-                  <a:lumMod val="50000"/>
-                </a:schemeClr>
-              </a:solidFill>
-            </a:endParaRPr>
-          </a:p>
-        </p:txBody>
-      </p:sp>
-      <p:sp>
-        <p:nvSpPr>
-          <p:cNvPr id="5" name="Rectangle 4"/>
-          <p:cNvSpPr/>
-          <p:nvPr/>
-        </p:nvSpPr>
-        <p:spPr>
-          <a:xfrm>
-            <a:off x="574515" y="1565013"/>
-            <a:ext cx="8643211" cy="34298"/>
-          </a:xfrm>
-          <a:prstGeom prst="rect">
-            <a:avLst/>
-          </a:prstGeom>
-        </p:spPr>
-        <p:style>
-          <a:lnRef idx="1">
-            <a:schemeClr val="accent1"/>
-          </a:lnRef>
-          <a:fillRef idx="3">
-            <a:schemeClr val="accent1"/>
-          </a:fillRef>
-          <a:effectRef idx="2">
-            <a:schemeClr val="accent1"/>
-          </a:effectRef>
-          <a:fontRef idx="minor">
-            <a:schemeClr val="lt1"/>
-          </a:fontRef>
-        </p:style>
-        <p:txBody>
-          <a:bodyPr rtlCol="0" anchor="ctr"/>
-          <a:lstStyle/>
-          <a:p>
-            <a:pPr algn="ctr"/>
-            <a:endParaRPr lang="en-US" sz="1350">
-              <a:solidFill>
-                <a:schemeClr val="tx1">
-                  <a:lumMod val="65000"/>
-                  <a:lumOff val="35000"/>
-                </a:schemeClr>
-              </a:solidFill>
-            </a:endParaRPr>
-          </a:p>
-        </p:txBody>
-      </p:sp>
-      <p:pic>
-        <p:nvPicPr>
-          <p:cNvPr id="7" name="Picture 6"/>
-          <p:cNvPicPr>
-            <a:picLocks noChangeAspect="1"/>
-          </p:cNvPicPr>
-          <p:nvPr/>
-        </p:nvPicPr>
-        <p:blipFill>
-          <a:blip r:embed="rId2">
-            <a:extLst>
-              <a:ext uri="{28A0092B-C50C-407E-A947-70E740481C1C}">
-                <a14:useLocalDpi xmlns:a14="http://schemas.microsoft.com/office/drawing/2010/main" val="0"/>
-              </a:ext>
-            </a:extLst>
-          </a:blip>
-          <a:stretch>
-            <a:fillRect/>
-          </a:stretch>
-        </p:blipFill>
-        <p:spPr>
-          <a:xfrm>
-            <a:off x="219576" y="620688"/>
-            <a:ext cx="1040056" cy="1091146"/>
-          </a:xfrm>
-          <a:prstGeom prst="rect">
-            <a:avLst/>
-          </a:prstGeom>
-        </p:spPr>
-      </p:pic>
-    </p:spTree>
-    <p:extLst>
-      <p:ext uri="{BB962C8B-B14F-4D97-AF65-F5344CB8AC3E}">
-        <p14:creationId xmlns:p14="http://schemas.microsoft.com/office/powerpoint/2010/main" val="3369188236"/>
-      </p:ext>
-    </p:extLst>
-  </p:cSld>
-  <p:clrMapOvr>
-    <a:masterClrMapping/>
-  </p:clrMapOvr>
-  <mc:AlternateContent xmlns:mc="http://schemas.openxmlformats.org/markup-compatibility/2006" xmlns:p14="http://schemas.microsoft.com/office/powerpoint/2010/main">
-    <mc:Choice Requires="p14">
-      <p:transition spd="slow" p14:dur="1600">
-        <p:blinds dir="vert"/>
-      </p:transition>
-    </mc:Choice>
-    <mc:Fallback xmlns="">
-      <p:transition spd="slow">
-        <p:blinds dir="vert"/>
-      </p:transition>
-    </mc:Fallback>
-  </mc:AlternateContent>
-</p:sld>
-</file>
-
-<file path=ppt/slides/slide12.xml><?xml version="1.0" encoding="utf-8"?>
-<p:sld xmlns:a="http://schemas.openxmlformats.org/drawingml/2006/main" xmlns:r="http://schemas.openxmlformats.org/officeDocument/2006/relationships" xmlns:p="http://schemas.openxmlformats.org/presentationml/2006/main">
-  <p:cSld>
-    <p:spTree>
-      <p:nvGrpSpPr>
-        <p:cNvPr id="1" name=""/>
-        <p:cNvGrpSpPr/>
-        <p:nvPr/>
-      </p:nvGrpSpPr>
-      <p:grpSpPr>
-        <a:xfrm>
-          <a:off x="0" y="0"/>
-          <a:ext cx="0" cy="0"/>
-          <a:chOff x="0" y="0"/>
-          <a:chExt cx="0" cy="0"/>
-        </a:xfrm>
-      </p:grpSpPr>
-      <p:sp>
-        <p:nvSpPr>
-          <p:cNvPr id="4" name="Content Placeholder 2"/>
-          <p:cNvSpPr txBox="1">
-            <a:spLocks/>
-          </p:cNvSpPr>
-          <p:nvPr/>
-        </p:nvSpPr>
-        <p:spPr>
-          <a:xfrm>
-            <a:off x="1468032" y="2132856"/>
-            <a:ext cx="9180250" cy="3018482"/>
-          </a:xfrm>
-          <a:prstGeom prst="rect">
-            <a:avLst/>
-          </a:prstGeom>
-        </p:spPr>
-        <p:txBody>
-          <a:bodyPr vert="horz" lIns="68598" tIns="34299" rIns="68598" bIns="34299" rtlCol="0">
-            <a:noAutofit/>
-          </a:bodyPr>
-          <a:lstStyle>
-            <a:lvl1pPr marL="274320" indent="-228600" algn="l" defTabSz="914400" rtl="0" eaLnBrk="1" latinLnBrk="0" hangingPunct="1">
-              <a:lnSpc>
-                <a:spcPct val="90000"/>
-              </a:lnSpc>
-              <a:spcBef>
-                <a:spcPts val="1800"/>
-              </a:spcBef>
-              <a:buClr>
-                <a:schemeClr val="tx1">
-                  <a:lumMod val="65000"/>
-                  <a:lumOff val="35000"/>
-                </a:schemeClr>
-              </a:buClr>
-              <a:buSzPct val="80000"/>
-              <a:buFont typeface="Arial" pitchFamily="34" charset="0"/>
-              <a:buChar char="•"/>
-              <a:defRPr sz="2000" kern="1200">
-                <a:solidFill>
-                  <a:schemeClr val="tx1">
-                    <a:lumMod val="65000"/>
-                    <a:lumOff val="35000"/>
-                  </a:schemeClr>
-                </a:solidFill>
-                <a:latin typeface="+mn-lt"/>
-                <a:ea typeface="+mn-ea"/>
-                <a:cs typeface="+mn-cs"/>
-              </a:defRPr>
-            </a:lvl1pPr>
-            <a:lvl2pPr marL="594360" indent="-228600" algn="l" defTabSz="914400" rtl="0" eaLnBrk="1" latinLnBrk="0" hangingPunct="1">
-              <a:lnSpc>
-                <a:spcPct val="90000"/>
-              </a:lnSpc>
-              <a:spcBef>
-                <a:spcPts val="1000"/>
-              </a:spcBef>
-              <a:buClr>
-                <a:schemeClr val="tx1">
-                  <a:lumMod val="65000"/>
-                  <a:lumOff val="35000"/>
-                </a:schemeClr>
-              </a:buClr>
-              <a:buSzPct val="80000"/>
-              <a:buFont typeface="Arial" pitchFamily="34" charset="0"/>
-              <a:buChar char="•"/>
-              <a:defRPr sz="1800" kern="1200">
-                <a:solidFill>
-                  <a:schemeClr val="tx1">
-                    <a:lumMod val="65000"/>
-                    <a:lumOff val="35000"/>
-                  </a:schemeClr>
-                </a:solidFill>
-                <a:latin typeface="+mn-lt"/>
-                <a:ea typeface="+mn-ea"/>
-                <a:cs typeface="+mn-cs"/>
-              </a:defRPr>
-            </a:lvl2pPr>
-            <a:lvl3pPr marL="777240" indent="-182880" algn="l" defTabSz="914400" rtl="0" eaLnBrk="1" latinLnBrk="0" hangingPunct="1">
-              <a:lnSpc>
-                <a:spcPct val="90000"/>
-              </a:lnSpc>
-              <a:spcBef>
-                <a:spcPts val="600"/>
-              </a:spcBef>
-              <a:buClr>
-                <a:schemeClr val="tx1">
-                  <a:lumMod val="65000"/>
-                  <a:lumOff val="35000"/>
-                </a:schemeClr>
-              </a:buClr>
-              <a:buSzPct val="80000"/>
-              <a:buFont typeface="Arial" pitchFamily="34" charset="0"/>
-              <a:buChar char="•"/>
-              <a:defRPr sz="1600" kern="1200">
-                <a:solidFill>
-                  <a:schemeClr val="tx1">
-                    <a:lumMod val="65000"/>
-                    <a:lumOff val="35000"/>
-                  </a:schemeClr>
-                </a:solidFill>
-                <a:latin typeface="+mn-lt"/>
-                <a:ea typeface="+mn-ea"/>
-                <a:cs typeface="+mn-cs"/>
-              </a:defRPr>
-            </a:lvl3pPr>
-            <a:lvl4pPr marL="960120" indent="-182880" algn="l" defTabSz="914400" rtl="0" eaLnBrk="1" latinLnBrk="0" hangingPunct="1">
-              <a:lnSpc>
-                <a:spcPct val="90000"/>
-              </a:lnSpc>
-              <a:spcBef>
-                <a:spcPts val="600"/>
-              </a:spcBef>
-              <a:buClr>
-                <a:schemeClr val="tx1">
-                  <a:lumMod val="65000"/>
-                  <a:lumOff val="35000"/>
-                </a:schemeClr>
-              </a:buClr>
-              <a:buSzPct val="80000"/>
-              <a:buFont typeface="Arial" pitchFamily="34" charset="0"/>
-              <a:buChar char="•"/>
-              <a:defRPr sz="1400" kern="1200">
-                <a:solidFill>
-                  <a:schemeClr val="tx1">
-                    <a:lumMod val="65000"/>
-                    <a:lumOff val="35000"/>
-                  </a:schemeClr>
-                </a:solidFill>
-                <a:latin typeface="+mn-lt"/>
-                <a:ea typeface="+mn-ea"/>
-                <a:cs typeface="+mn-cs"/>
-              </a:defRPr>
-            </a:lvl4pPr>
-            <a:lvl5pPr marL="1097280" indent="-137160" algn="l" defTabSz="914400" rtl="0" eaLnBrk="1" latinLnBrk="0" hangingPunct="1">
-              <a:lnSpc>
-                <a:spcPct val="90000"/>
-              </a:lnSpc>
-              <a:spcBef>
-                <a:spcPts val="600"/>
-              </a:spcBef>
-              <a:buClr>
-                <a:schemeClr val="tx1">
-                  <a:lumMod val="65000"/>
-                  <a:lumOff val="35000"/>
-                </a:schemeClr>
-              </a:buClr>
-              <a:buSzPct val="80000"/>
-              <a:buFont typeface="Arial" pitchFamily="34" charset="0"/>
-              <a:buChar char="•"/>
-              <a:defRPr sz="1400" kern="1200">
-                <a:solidFill>
-                  <a:schemeClr val="tx1">
-                    <a:lumMod val="65000"/>
-                    <a:lumOff val="35000"/>
-                  </a:schemeClr>
-                </a:solidFill>
-                <a:latin typeface="+mn-lt"/>
-                <a:ea typeface="+mn-ea"/>
-                <a:cs typeface="+mn-cs"/>
-              </a:defRPr>
-            </a:lvl5pPr>
-            <a:lvl6pPr marL="1234440" indent="-137160" algn="l" defTabSz="914400" rtl="0" eaLnBrk="1" latinLnBrk="0" hangingPunct="1">
-              <a:spcBef>
-                <a:spcPts val="600"/>
-              </a:spcBef>
-              <a:buSzPct val="80000"/>
-              <a:buFont typeface="Arial" pitchFamily="34" charset="0"/>
-              <a:buChar char="•"/>
-              <a:defRPr sz="1400" kern="1200">
-                <a:solidFill>
-                  <a:schemeClr val="tx1">
-                    <a:lumMod val="65000"/>
-                    <a:lumOff val="35000"/>
-                  </a:schemeClr>
-                </a:solidFill>
-                <a:latin typeface="+mn-lt"/>
-                <a:ea typeface="+mn-ea"/>
-                <a:cs typeface="+mn-cs"/>
-              </a:defRPr>
-            </a:lvl6pPr>
-            <a:lvl7pPr marL="1371600" indent="-137160" algn="l" defTabSz="914400" rtl="0" eaLnBrk="1" latinLnBrk="0" hangingPunct="1">
-              <a:spcBef>
-                <a:spcPts val="600"/>
-              </a:spcBef>
-              <a:buSzPct val="80000"/>
-              <a:buFont typeface="Arial" pitchFamily="34" charset="0"/>
-              <a:buChar char="•"/>
-              <a:defRPr sz="1400" kern="1200">
-                <a:solidFill>
-                  <a:schemeClr val="tx1">
-                    <a:lumMod val="65000"/>
-                    <a:lumOff val="35000"/>
-                  </a:schemeClr>
-                </a:solidFill>
-                <a:latin typeface="+mn-lt"/>
-                <a:ea typeface="+mn-ea"/>
-                <a:cs typeface="+mn-cs"/>
-              </a:defRPr>
-            </a:lvl7pPr>
-            <a:lvl8pPr marL="1508760" indent="-137160" algn="l" defTabSz="914400" rtl="0" eaLnBrk="1" latinLnBrk="0" hangingPunct="1">
-              <a:spcBef>
-                <a:spcPts val="600"/>
-              </a:spcBef>
-              <a:buSzPct val="80000"/>
-              <a:buFont typeface="Arial" pitchFamily="34" charset="0"/>
-              <a:buChar char="•"/>
-              <a:defRPr sz="1400" kern="1200">
-                <a:solidFill>
-                  <a:schemeClr val="tx1">
-                    <a:lumMod val="65000"/>
-                    <a:lumOff val="35000"/>
-                  </a:schemeClr>
-                </a:solidFill>
-                <a:latin typeface="+mn-lt"/>
-                <a:ea typeface="+mn-ea"/>
-                <a:cs typeface="+mn-cs"/>
-              </a:defRPr>
-            </a:lvl8pPr>
-            <a:lvl9pPr marL="1645920" indent="-137160" algn="l" defTabSz="914400" rtl="0" eaLnBrk="1" latinLnBrk="0" hangingPunct="1">
-              <a:spcBef>
-                <a:spcPts val="600"/>
-              </a:spcBef>
-              <a:buSzPct val="80000"/>
-              <a:buFont typeface="Arial" pitchFamily="34" charset="0"/>
-              <a:buChar char="•"/>
-              <a:defRPr sz="1400" kern="1200">
-                <a:solidFill>
-                  <a:schemeClr val="tx1">
-                    <a:lumMod val="65000"/>
-                    <a:lumOff val="35000"/>
-                  </a:schemeClr>
-                </a:solidFill>
-                <a:latin typeface="+mn-lt"/>
-                <a:ea typeface="+mn-ea"/>
-                <a:cs typeface="+mn-cs"/>
-              </a:defRPr>
-            </a:lvl9pPr>
-          </a:lstStyle>
-          <a:p>
-            <a:pPr>
-              <a:buFont typeface="Wingdings" panose="05000000000000000000" pitchFamily="2" charset="2"/>
-              <a:buChar char="q"/>
-            </a:pPr>
-            <a:r>
-              <a:rPr lang="en-GB" sz="3600" dirty="0">
-                <a:solidFill>
-                  <a:schemeClr val="accent6">
-                    <a:lumMod val="50000"/>
-                  </a:schemeClr>
-                </a:solidFill>
-              </a:rPr>
-              <a:t>Not Scalable</a:t>
-            </a:r>
-          </a:p>
-          <a:p>
-            <a:pPr>
-              <a:buFont typeface="Wingdings" panose="05000000000000000000" pitchFamily="2" charset="2"/>
-              <a:buChar char="q"/>
-            </a:pPr>
-            <a:endParaRPr lang="en-GB" sz="3600" dirty="0">
-              <a:solidFill>
-                <a:schemeClr val="accent6">
-                  <a:lumMod val="50000"/>
-                </a:schemeClr>
-              </a:solidFill>
-            </a:endParaRPr>
-          </a:p>
-          <a:p>
-            <a:pPr>
-              <a:buFont typeface="Wingdings" panose="05000000000000000000" pitchFamily="2" charset="2"/>
-              <a:buChar char="q"/>
-            </a:pPr>
-            <a:r>
-              <a:rPr lang="en-US" sz="3600" dirty="0">
-                <a:solidFill>
-                  <a:schemeClr val="accent6">
-                    <a:lumMod val="50000"/>
-                  </a:schemeClr>
-                </a:solidFill>
-              </a:rPr>
-              <a:t>Allow only one user at a time</a:t>
-            </a:r>
-          </a:p>
-          <a:p>
-            <a:pPr>
-              <a:buFont typeface="Wingdings" panose="05000000000000000000" pitchFamily="2" charset="2"/>
-              <a:buChar char="q"/>
-            </a:pPr>
-            <a:endParaRPr lang="en-US" sz="3600" dirty="0">
-              <a:solidFill>
-                <a:schemeClr val="accent6">
-                  <a:lumMod val="50000"/>
-                </a:schemeClr>
-              </a:solidFill>
-            </a:endParaRPr>
-          </a:p>
-          <a:p>
-            <a:pPr>
-              <a:buFont typeface="Wingdings" panose="05000000000000000000" pitchFamily="2" charset="2"/>
-              <a:buChar char="q"/>
-            </a:pPr>
-            <a:r>
-              <a:rPr lang="en-US" sz="3600" dirty="0">
-                <a:solidFill>
-                  <a:schemeClr val="accent6">
-                    <a:lumMod val="50000"/>
-                  </a:schemeClr>
-                </a:solidFill>
-              </a:rPr>
-              <a:t>High administrative cost</a:t>
-            </a:r>
-          </a:p>
-        </p:txBody>
-      </p:sp>
-      <p:sp>
-        <p:nvSpPr>
-          <p:cNvPr id="7" name="Title 1"/>
-          <p:cNvSpPr>
-            <a:spLocks noGrp="1"/>
-          </p:cNvSpPr>
-          <p:nvPr>
-            <p:ph type="title"/>
-          </p:nvPr>
-        </p:nvSpPr>
-        <p:spPr>
-          <a:xfrm>
-            <a:off x="1456600" y="756484"/>
-            <a:ext cx="5275640" cy="800308"/>
-          </a:xfrm>
-        </p:spPr>
-        <p:txBody>
-          <a:bodyPr>
-            <a:noAutofit/>
-          </a:bodyPr>
-          <a:lstStyle/>
-          <a:p>
-            <a:r>
-              <a:rPr lang="en-US" sz="4000" dirty="0" err="1"/>
-              <a:t>Disdvantages</a:t>
-            </a:r>
-            <a:r>
-              <a:rPr lang="en-US" sz="4000" dirty="0"/>
-              <a:t> of DAS</a:t>
-            </a:r>
-          </a:p>
-        </p:txBody>
-      </p:sp>
-      <p:sp>
-        <p:nvSpPr>
-          <p:cNvPr id="8" name="Rectangle 7"/>
-          <p:cNvSpPr/>
-          <p:nvPr/>
-        </p:nvSpPr>
-        <p:spPr>
-          <a:xfrm>
-            <a:off x="574515" y="1565013"/>
-            <a:ext cx="8643211" cy="34298"/>
-          </a:xfrm>
-          <a:prstGeom prst="rect">
-            <a:avLst/>
-          </a:prstGeom>
-        </p:spPr>
-        <p:style>
-          <a:lnRef idx="1">
-            <a:schemeClr val="accent1"/>
-          </a:lnRef>
-          <a:fillRef idx="3">
-            <a:schemeClr val="accent1"/>
-          </a:fillRef>
-          <a:effectRef idx="2">
-            <a:schemeClr val="accent1"/>
-          </a:effectRef>
-          <a:fontRef idx="minor">
-            <a:schemeClr val="lt1"/>
-          </a:fontRef>
-        </p:style>
-        <p:txBody>
-          <a:bodyPr rtlCol="0" anchor="ctr"/>
-          <a:lstStyle/>
-          <a:p>
-            <a:pPr algn="ctr"/>
-            <a:endParaRPr lang="en-US" sz="1350">
-              <a:solidFill>
-                <a:schemeClr val="tx1">
-                  <a:lumMod val="65000"/>
-                  <a:lumOff val="35000"/>
-                </a:schemeClr>
-              </a:solidFill>
-            </a:endParaRPr>
-          </a:p>
-        </p:txBody>
-      </p:sp>
-      <p:pic>
-        <p:nvPicPr>
-          <p:cNvPr id="11" name="Picture 10"/>
-          <p:cNvPicPr>
-            <a:picLocks noChangeAspect="1"/>
-          </p:cNvPicPr>
-          <p:nvPr/>
-        </p:nvPicPr>
-        <p:blipFill>
-          <a:blip r:embed="rId2">
-            <a:extLst>
-              <a:ext uri="{BEBA8EAE-BF5A-486C-A8C5-ECC9F3942E4B}">
-                <a14:imgProps xmlns:a14="http://schemas.microsoft.com/office/drawing/2010/main">
-                  <a14:imgLayer r:embed="rId3">
-                    <a14:imgEffect>
-                      <a14:saturation sat="66000"/>
-                    </a14:imgEffect>
-                  </a14:imgLayer>
-                </a14:imgProps>
-              </a:ext>
-              <a:ext uri="{28A0092B-C50C-407E-A947-70E740481C1C}">
-                <a14:useLocalDpi xmlns:a14="http://schemas.microsoft.com/office/drawing/2010/main" val="0"/>
-              </a:ext>
-            </a:extLst>
-          </a:blip>
-          <a:stretch>
-            <a:fillRect/>
-          </a:stretch>
-        </p:blipFill>
-        <p:spPr>
-          <a:xfrm>
-            <a:off x="218745" y="908720"/>
-            <a:ext cx="1127514" cy="1184147"/>
-          </a:xfrm>
-          <a:prstGeom prst="rect">
-            <a:avLst/>
-          </a:prstGeom>
-        </p:spPr>
-      </p:pic>
-    </p:spTree>
-    <p:extLst>
-      <p:ext uri="{BB962C8B-B14F-4D97-AF65-F5344CB8AC3E}">
-        <p14:creationId xmlns:p14="http://schemas.microsoft.com/office/powerpoint/2010/main" val="3877865306"/>
-      </p:ext>
-    </p:extLst>
-  </p:cSld>
-  <p:clrMapOvr>
-    <a:masterClrMapping/>
-  </p:clrMapOvr>
-  <mc:AlternateContent xmlns:mc="http://schemas.openxmlformats.org/markup-compatibility/2006" xmlns:p14="http://schemas.microsoft.com/office/powerpoint/2010/main">
-    <mc:Choice Requires="p14">
-      <p:transition spd="slow" p14:dur="1400">
-        <p14:ripple/>
-      </p:transition>
-    </mc:Choice>
-    <mc:Fallback xmlns="">
-      <p:transition spd="slow">
-        <p:fade/>
-      </p:transition>
-    </mc:Fallback>
-  </mc:AlternateContent>
-</p:sld>
-</file>
-
-<file path=ppt/slides/slide13.xml><?xml version="1.0" encoding="utf-8"?>
-<p:sld xmlns:a="http://schemas.openxmlformats.org/drawingml/2006/main" xmlns:r="http://schemas.openxmlformats.org/officeDocument/2006/relationships" xmlns:p="http://schemas.openxmlformats.org/presentationml/2006/main">
-  <p:cSld>
-    <p:spTree>
-      <p:nvGrpSpPr>
-        <p:cNvPr id="1" name=""/>
-        <p:cNvGrpSpPr/>
-        <p:nvPr/>
-      </p:nvGrpSpPr>
-      <p:grpSpPr>
-        <a:xfrm>
-          <a:off x="0" y="0"/>
-          <a:ext cx="0" cy="0"/>
-          <a:chOff x="0" y="0"/>
-          <a:chExt cx="0" cy="0"/>
-        </a:xfrm>
-      </p:grpSpPr>
-      <p:sp>
-        <p:nvSpPr>
-          <p:cNvPr id="2" name="Title 1"/>
-          <p:cNvSpPr>
-            <a:spLocks noGrp="1"/>
-          </p:cNvSpPr>
-          <p:nvPr>
-            <p:ph type="title"/>
-          </p:nvPr>
-        </p:nvSpPr>
-        <p:spPr>
-          <a:xfrm>
-            <a:off x="971600" y="-77213"/>
-            <a:ext cx="6516798" cy="1880428"/>
-          </a:xfrm>
-        </p:spPr>
-        <p:txBody>
-          <a:bodyPr>
-            <a:noAutofit/>
-          </a:bodyPr>
-          <a:lstStyle/>
-          <a:p>
-            <a:pPr algn="ctr"/>
-            <a:r>
-              <a:rPr lang="en-US" sz="6000" dirty="0">
-                <a:solidFill>
-                  <a:schemeClr val="accent6">
-                    <a:lumMod val="50000"/>
-                  </a:schemeClr>
-                </a:solidFill>
-              </a:rPr>
-              <a:t>NAS</a:t>
-            </a:r>
-            <a:br>
-              <a:rPr lang="en-US" sz="4051" dirty="0"/>
-            </a:br>
-            <a:r>
-              <a:rPr lang="en-US" sz="4051" dirty="0"/>
-              <a:t>Network Attached Storage</a:t>
-            </a:r>
-          </a:p>
-        </p:txBody>
-      </p:sp>
-      <p:sp>
-        <p:nvSpPr>
-          <p:cNvPr id="3" name="Rectangle 2"/>
-          <p:cNvSpPr/>
-          <p:nvPr/>
-        </p:nvSpPr>
-        <p:spPr>
-          <a:xfrm>
-            <a:off x="971600" y="2780928"/>
-            <a:ext cx="8028384" cy="2308324"/>
-          </a:xfrm>
-          <a:prstGeom prst="rect">
-            <a:avLst/>
-          </a:prstGeom>
-        </p:spPr>
-        <p:txBody>
-          <a:bodyPr wrap="square">
-            <a:spAutoFit/>
-          </a:bodyPr>
-          <a:lstStyle/>
-          <a:p>
-            <a:pPr marL="571500" indent="-571500">
-              <a:buFont typeface="Wingdings" panose="05000000000000000000" pitchFamily="2" charset="2"/>
-              <a:buChar char="v"/>
-            </a:pPr>
-            <a:r>
-              <a:rPr lang="en-US" sz="3600" dirty="0">
-                <a:solidFill>
-                  <a:schemeClr val="accent6">
-                    <a:lumMod val="50000"/>
-                  </a:schemeClr>
-                </a:solidFill>
-              </a:rPr>
-              <a:t>Provides a </a:t>
-            </a:r>
-            <a:r>
-              <a:rPr lang="en-US" sz="3600" dirty="0">
-                <a:solidFill>
-                  <a:srgbClr val="0070C0"/>
-                </a:solidFill>
-              </a:rPr>
-              <a:t>file sharing </a:t>
-            </a:r>
-            <a:r>
-              <a:rPr lang="en-US" sz="3600" dirty="0">
-                <a:solidFill>
-                  <a:schemeClr val="accent6">
-                    <a:lumMod val="50000"/>
-                  </a:schemeClr>
-                </a:solidFill>
-              </a:rPr>
-              <a:t>system or storage management system</a:t>
-            </a:r>
-          </a:p>
-          <a:p>
-            <a:endParaRPr lang="en-US" sz="3600" dirty="0">
-              <a:solidFill>
-                <a:schemeClr val="accent6">
-                  <a:lumMod val="50000"/>
-                </a:schemeClr>
-              </a:solidFill>
-            </a:endParaRPr>
-          </a:p>
-          <a:p>
-            <a:pPr marL="571500" indent="-571500">
-              <a:buFont typeface="Wingdings" panose="05000000000000000000" pitchFamily="2" charset="2"/>
-              <a:buChar char="v"/>
-            </a:pPr>
-            <a:r>
-              <a:rPr lang="en-US" sz="3600" dirty="0">
-                <a:solidFill>
-                  <a:schemeClr val="accent6">
-                    <a:lumMod val="50000"/>
-                  </a:schemeClr>
-                </a:solidFill>
-              </a:rPr>
-              <a:t>Act Upon </a:t>
-            </a:r>
-            <a:r>
-              <a:rPr lang="en-US" sz="3600" dirty="0">
-                <a:solidFill>
-                  <a:srgbClr val="0070C0"/>
-                </a:solidFill>
-              </a:rPr>
-              <a:t>Ethernet</a:t>
-            </a:r>
-          </a:p>
-        </p:txBody>
-      </p:sp>
-      <p:sp>
-        <p:nvSpPr>
-          <p:cNvPr id="4" name="Rectangle 3"/>
-          <p:cNvSpPr/>
-          <p:nvPr/>
-        </p:nvSpPr>
-        <p:spPr>
-          <a:xfrm>
-            <a:off x="-108520" y="1871113"/>
-            <a:ext cx="9505055" cy="45719"/>
-          </a:xfrm>
-          <a:prstGeom prst="rect">
-            <a:avLst/>
-          </a:prstGeom>
-        </p:spPr>
-        <p:style>
-          <a:lnRef idx="1">
-            <a:schemeClr val="accent1"/>
-          </a:lnRef>
-          <a:fillRef idx="3">
-            <a:schemeClr val="accent1"/>
-          </a:fillRef>
-          <a:effectRef idx="2">
-            <a:schemeClr val="accent1"/>
-          </a:effectRef>
-          <a:fontRef idx="minor">
-            <a:schemeClr val="lt1"/>
-          </a:fontRef>
-        </p:style>
-        <p:txBody>
-          <a:bodyPr rtlCol="0" anchor="ctr"/>
-          <a:lstStyle/>
-          <a:p>
-            <a:pPr algn="ctr"/>
-            <a:endParaRPr lang="en-US" sz="1350">
-              <a:solidFill>
-                <a:schemeClr val="tx1">
-                  <a:lumMod val="65000"/>
-                  <a:lumOff val="35000"/>
-                </a:schemeClr>
-              </a:solidFill>
-            </a:endParaRPr>
-          </a:p>
-        </p:txBody>
-      </p:sp>
-    </p:spTree>
-    <p:extLst>
-      <p:ext uri="{BB962C8B-B14F-4D97-AF65-F5344CB8AC3E}">
-        <p14:creationId xmlns:p14="http://schemas.microsoft.com/office/powerpoint/2010/main" val="1375462907"/>
-      </p:ext>
-    </p:extLst>
-  </p:cSld>
-  <p:clrMapOvr>
-    <a:masterClrMapping/>
-  </p:clrMapOvr>
-  <mc:AlternateContent xmlns:mc="http://schemas.openxmlformats.org/markup-compatibility/2006" xmlns:p14="http://schemas.microsoft.com/office/powerpoint/2010/main">
-    <mc:Choice Requires="p14">
-      <p:transition spd="slow" p14:dur="1600">
-        <p14:prism isInverted="1"/>
-      </p:transition>
-    </mc:Choice>
-    <mc:Fallback xmlns="">
-      <p:transition spd="slow">
-        <p:fade/>
-      </p:transition>
-    </mc:Fallback>
-  </mc:AlternateContent>
-</p:sld>
-</file>
-
-<file path=ppt/slides/slide14.xml><?xml version="1.0" encoding="utf-8"?>
-<p:sld xmlns:a="http://schemas.openxmlformats.org/drawingml/2006/main" xmlns:r="http://schemas.openxmlformats.org/officeDocument/2006/relationships" xmlns:p="http://schemas.openxmlformats.org/presentationml/2006/main">
-  <p:cSld>
-    <p:spTree>
-      <p:nvGrpSpPr>
-        <p:cNvPr id="1" name=""/>
-        <p:cNvGrpSpPr/>
-        <p:nvPr/>
-      </p:nvGrpSpPr>
-      <p:grpSpPr>
-        <a:xfrm>
-          <a:off x="0" y="0"/>
-          <a:ext cx="0" cy="0"/>
-          <a:chOff x="0" y="0"/>
-          <a:chExt cx="0" cy="0"/>
-        </a:xfrm>
-      </p:grpSpPr>
-      <p:pic>
-        <p:nvPicPr>
-          <p:cNvPr id="4" name="Picture 3"/>
-          <p:cNvPicPr>
-            <a:picLocks noChangeAspect="1"/>
-          </p:cNvPicPr>
-          <p:nvPr/>
-        </p:nvPicPr>
-        <p:blipFill rotWithShape="1">
-          <a:blip r:embed="rId2">
-            <a:extLst>
-              <a:ext uri="{28A0092B-C50C-407E-A947-70E740481C1C}">
-                <a14:useLocalDpi xmlns:a14="http://schemas.microsoft.com/office/drawing/2010/main" val="0"/>
-              </a:ext>
-            </a:extLst>
-          </a:blip>
-          <a:srcRect b="12255"/>
-          <a:stretch/>
-        </p:blipFill>
-        <p:spPr>
-          <a:xfrm>
-            <a:off x="899592" y="1484785"/>
-            <a:ext cx="6519079" cy="3816424"/>
-          </a:xfrm>
-          <a:prstGeom prst="rect">
-            <a:avLst/>
-          </a:prstGeom>
-        </p:spPr>
-      </p:pic>
-    </p:spTree>
-    <p:extLst>
-      <p:ext uri="{BB962C8B-B14F-4D97-AF65-F5344CB8AC3E}">
-        <p14:creationId xmlns:p14="http://schemas.microsoft.com/office/powerpoint/2010/main" val="1434522574"/>
-      </p:ext>
-    </p:extLst>
-  </p:cSld>
-  <p:clrMapOvr>
-    <a:masterClrMapping/>
-  </p:clrMapOvr>
-  <mc:AlternateContent xmlns:mc="http://schemas.openxmlformats.org/markup-compatibility/2006" xmlns:p15="http://schemas.microsoft.com/office/powerpoint/2012/main">
-    <mc:Choice Requires="p15">
-      <p:transition xmlns:p14="http://schemas.microsoft.com/office/powerpoint/2010/main" spd="slow" p14:dur="2000">
-        <p15:prstTrans prst="crush"/>
-      </p:transition>
-    </mc:Choice>
-    <mc:Fallback xmlns="">
-      <p:transition spd="slow">
-        <p:fade/>
-      </p:transition>
-    </mc:Fallback>
-  </mc:AlternateContent>
-</p:sld>
-</file>
-
-<file path=ppt/slides/slide2.xml><?xml version="1.0" encoding="utf-8"?>
-<p:sld xmlns:a="http://schemas.openxmlformats.org/drawingml/2006/main" xmlns:r="http://schemas.openxmlformats.org/officeDocument/2006/relationships" xmlns:p="http://schemas.openxmlformats.org/presentationml/2006/main">
-  <p:cSld>
-    <p:spTree>
-      <p:nvGrpSpPr>
-        <p:cNvPr id="1" name=""/>
-        <p:cNvGrpSpPr/>
-        <p:nvPr/>
-      </p:nvGrpSpPr>
-      <p:grpSpPr>
-        <a:xfrm>
-          <a:off x="0" y="0"/>
-          <a:ext cx="0" cy="0"/>
-          <a:chOff x="0" y="0"/>
-          <a:chExt cx="0" cy="0"/>
-        </a:xfrm>
-      </p:grpSpPr>
-      <p:sp>
-        <p:nvSpPr>
-          <p:cNvPr id="2" name="Rectangle 1"/>
-          <p:cNvSpPr/>
-          <p:nvPr/>
-        </p:nvSpPr>
-        <p:spPr>
-          <a:xfrm>
-            <a:off x="574515" y="1960466"/>
-            <a:ext cx="8697231" cy="34298"/>
-          </a:xfrm>
-          <a:prstGeom prst="rect">
-            <a:avLst/>
-          </a:prstGeom>
-        </p:spPr>
-        <p:style>
-          <a:lnRef idx="1">
-            <a:schemeClr val="accent1"/>
-          </a:lnRef>
-          <a:fillRef idx="3">
-            <a:schemeClr val="accent1"/>
-          </a:fillRef>
-          <a:effectRef idx="2">
-            <a:schemeClr val="accent1"/>
-          </a:effectRef>
-          <a:fontRef idx="minor">
-            <a:schemeClr val="lt1"/>
-          </a:fontRef>
-        </p:style>
-        <p:txBody>
-          <a:bodyPr rtlCol="0" anchor="ctr"/>
-          <a:lstStyle/>
-          <a:p>
-            <a:pPr algn="ctr"/>
-            <a:endParaRPr lang="en-US" sz="1350">
-              <a:solidFill>
-                <a:schemeClr val="tx1">
-                  <a:lumMod val="65000"/>
-                  <a:lumOff val="35000"/>
-                </a:schemeClr>
-              </a:solidFill>
-            </a:endParaRPr>
-          </a:p>
-        </p:txBody>
-      </p:sp>
-      <p:sp>
-        <p:nvSpPr>
-          <p:cNvPr id="3" name="Rectangle 2"/>
-          <p:cNvSpPr/>
-          <p:nvPr/>
-        </p:nvSpPr>
-        <p:spPr>
-          <a:xfrm>
-            <a:off x="466475" y="1196752"/>
-            <a:ext cx="9181103" cy="646331"/>
-          </a:xfrm>
-          <a:prstGeom prst="rect">
-            <a:avLst/>
-          </a:prstGeom>
-        </p:spPr>
-        <p:txBody>
-          <a:bodyPr wrap="none">
-            <a:spAutoFit/>
-          </a:bodyPr>
-          <a:lstStyle/>
-          <a:p>
-            <a:r>
-              <a:rPr lang="en-US" sz="3600" dirty="0">
-                <a:solidFill>
-                  <a:schemeClr val="accent1">
-                    <a:lumMod val="75000"/>
-                  </a:schemeClr>
-                </a:solidFill>
-              </a:rPr>
-              <a:t>What is Object Oriented Programming(OOP) ?</a:t>
-            </a:r>
-          </a:p>
-        </p:txBody>
-      </p:sp>
-      <p:sp>
-        <p:nvSpPr>
-          <p:cNvPr id="4" name="Rectangle 3"/>
-          <p:cNvSpPr/>
-          <p:nvPr/>
-        </p:nvSpPr>
-        <p:spPr>
-          <a:xfrm>
-            <a:off x="971600" y="2852936"/>
-            <a:ext cx="7076628" cy="1815882"/>
-          </a:xfrm>
-          <a:prstGeom prst="rect">
-            <a:avLst/>
-          </a:prstGeom>
-        </p:spPr>
-        <p:txBody>
-          <a:bodyPr wrap="square">
-            <a:spAutoFit/>
-          </a:bodyPr>
-          <a:lstStyle/>
-          <a:p>
-            <a:r>
-              <a:rPr lang="en-GB" sz="2800" dirty="0">
-                <a:solidFill>
-                  <a:schemeClr val="accent6">
-                    <a:lumMod val="50000"/>
-                  </a:schemeClr>
-                </a:solidFill>
-              </a:rPr>
-              <a:t>OOP is a programming paradigm which mainly focuses on the concept of “objects” to construct the real world scenario to solve real world problem through programming</a:t>
-            </a:r>
-            <a:endParaRPr lang="en-US" sz="2800" dirty="0">
-              <a:solidFill>
-                <a:schemeClr val="accent6">
-                  <a:lumMod val="50000"/>
-                </a:schemeClr>
-              </a:solidFill>
-            </a:endParaRPr>
-          </a:p>
-        </p:txBody>
-      </p:sp>
-    </p:spTree>
-    <p:extLst>
-      <p:ext uri="{BB962C8B-B14F-4D97-AF65-F5344CB8AC3E}">
-        <p14:creationId xmlns:p14="http://schemas.microsoft.com/office/powerpoint/2010/main" val="3587736867"/>
-      </p:ext>
-    </p:extLst>
-  </p:cSld>
-  <p:clrMapOvr>
-    <a:masterClrMapping/>
-  </p:clrMapOvr>
-  <mc:AlternateContent xmlns:mc="http://schemas.openxmlformats.org/markup-compatibility/2006" xmlns:p14="http://schemas.microsoft.com/office/powerpoint/2010/main">
-    <mc:Choice Requires="p14">
-      <p:transition spd="slow" p14:dur="1600">
-        <p14:gallery dir="l"/>
-      </p:transition>
-    </mc:Choice>
-    <mc:Fallback xmlns="">
-      <p:transition spd="slow">
-        <p:fade/>
-      </p:transition>
-    </mc:Fallback>
-  </mc:AlternateContent>
-</p:sld>
-</file>
-
-<file path=ppt/slides/slide3.xml><?xml version="1.0" encoding="utf-8"?>
-<p:sld xmlns:a="http://schemas.openxmlformats.org/drawingml/2006/main" xmlns:r="http://schemas.openxmlformats.org/officeDocument/2006/relationships" xmlns:p="http://schemas.openxmlformats.org/presentationml/2006/main">
-  <p:cSld>
-    <p:spTree>
-      <p:nvGrpSpPr>
-        <p:cNvPr id="1" name=""/>
-        <p:cNvGrpSpPr/>
-        <p:nvPr/>
-      </p:nvGrpSpPr>
-      <p:grpSpPr>
-        <a:xfrm>
-          <a:off x="0" y="0"/>
-          <a:ext cx="0" cy="0"/>
-          <a:chOff x="0" y="0"/>
-          <a:chExt cx="0" cy="0"/>
-        </a:xfrm>
-      </p:grpSpPr>
-      <p:sp>
-        <p:nvSpPr>
-          <p:cNvPr id="2" name="Rectangle 1"/>
-          <p:cNvSpPr/>
-          <p:nvPr/>
-        </p:nvSpPr>
-        <p:spPr>
-          <a:xfrm>
-            <a:off x="574515" y="1744442"/>
-            <a:ext cx="8697231" cy="34298"/>
-          </a:xfrm>
-          <a:prstGeom prst="rect">
-            <a:avLst/>
-          </a:prstGeom>
-        </p:spPr>
-        <p:style>
-          <a:lnRef idx="1">
-            <a:schemeClr val="accent1"/>
-          </a:lnRef>
-          <a:fillRef idx="3">
-            <a:schemeClr val="accent1"/>
-          </a:fillRef>
-          <a:effectRef idx="2">
-            <a:schemeClr val="accent1"/>
-          </a:effectRef>
-          <a:fontRef idx="minor">
-            <a:schemeClr val="lt1"/>
-          </a:fontRef>
-        </p:style>
-        <p:txBody>
-          <a:bodyPr rtlCol="0" anchor="ctr"/>
-          <a:lstStyle/>
-          <a:p>
-            <a:pPr algn="ctr"/>
-            <a:endParaRPr lang="en-US" sz="1350">
-              <a:solidFill>
-                <a:schemeClr val="tx1">
-                  <a:lumMod val="65000"/>
-                  <a:lumOff val="35000"/>
-                </a:schemeClr>
-              </a:solidFill>
-            </a:endParaRPr>
-          </a:p>
-        </p:txBody>
-      </p:sp>
-      <p:sp>
-        <p:nvSpPr>
-          <p:cNvPr id="3" name="Rectangle 2"/>
-          <p:cNvSpPr/>
-          <p:nvPr/>
-        </p:nvSpPr>
-        <p:spPr>
-          <a:xfrm>
-            <a:off x="467544" y="980728"/>
-            <a:ext cx="6828985" cy="769441"/>
-          </a:xfrm>
-          <a:prstGeom prst="rect">
-            <a:avLst/>
-          </a:prstGeom>
-        </p:spPr>
-        <p:txBody>
-          <a:bodyPr wrap="none">
-            <a:spAutoFit/>
-          </a:bodyPr>
-          <a:lstStyle/>
-          <a:p>
-            <a:r>
-              <a:rPr lang="en-US" sz="4400" dirty="0">
-                <a:solidFill>
-                  <a:schemeClr val="accent1">
-                    <a:lumMod val="75000"/>
-                  </a:schemeClr>
-                </a:solidFill>
-              </a:rPr>
-              <a:t>What is Enterprise Storage?</a:t>
-            </a:r>
-          </a:p>
-        </p:txBody>
-      </p:sp>
-      <p:sp>
-        <p:nvSpPr>
-          <p:cNvPr id="4" name="Rectangle 3"/>
-          <p:cNvSpPr/>
-          <p:nvPr/>
-        </p:nvSpPr>
-        <p:spPr>
-          <a:xfrm>
-            <a:off x="827584" y="2513883"/>
-            <a:ext cx="7076628" cy="2308324"/>
-          </a:xfrm>
-          <a:prstGeom prst="rect">
-            <a:avLst/>
-          </a:prstGeom>
-        </p:spPr>
-        <p:txBody>
-          <a:bodyPr wrap="square">
-            <a:spAutoFit/>
-          </a:bodyPr>
-          <a:lstStyle/>
-          <a:p>
-            <a:r>
-              <a:rPr lang="en-GB" sz="3600" dirty="0">
-                <a:solidFill>
-                  <a:schemeClr val="accent6">
-                    <a:lumMod val="50000"/>
-                  </a:schemeClr>
-                </a:solidFill>
-              </a:rPr>
-              <a:t>Enterprise storage means the data storage system which is used for storing, manipulating, backing up data of an enterprise</a:t>
-            </a:r>
-            <a:endParaRPr lang="en-US" sz="3600" dirty="0">
-              <a:solidFill>
-                <a:schemeClr val="accent6">
-                  <a:lumMod val="50000"/>
-                </a:schemeClr>
-              </a:solidFill>
-            </a:endParaRPr>
-          </a:p>
-        </p:txBody>
-      </p:sp>
-    </p:spTree>
-    <p:extLst>
-      <p:ext uri="{BB962C8B-B14F-4D97-AF65-F5344CB8AC3E}">
-        <p14:creationId xmlns:p14="http://schemas.microsoft.com/office/powerpoint/2010/main" val="4292339415"/>
-      </p:ext>
-    </p:extLst>
-  </p:cSld>
-  <p:clrMapOvr>
-    <a:masterClrMapping/>
-  </p:clrMapOvr>
-  <p:transition spd="slow">
-    <p:randomBar dir="vert"/>
-  </p:transition>
-</p:sld>
-</file>
-
-<file path=ppt/slides/slide4.xml><?xml version="1.0" encoding="utf-8"?>
-<p:sld xmlns:a="http://schemas.openxmlformats.org/drawingml/2006/main" xmlns:r="http://schemas.openxmlformats.org/officeDocument/2006/relationships" xmlns:p="http://schemas.openxmlformats.org/presentationml/2006/main">
-  <p:cSld>
-    <p:spTree>
-      <p:nvGrpSpPr>
-        <p:cNvPr id="1" name=""/>
-        <p:cNvGrpSpPr/>
-        <p:nvPr/>
-      </p:nvGrpSpPr>
-      <p:grpSpPr>
-        <a:xfrm>
-          <a:off x="0" y="0"/>
-          <a:ext cx="0" cy="0"/>
-          <a:chOff x="0" y="0"/>
-          <a:chExt cx="0" cy="0"/>
-        </a:xfrm>
-      </p:grpSpPr>
-      <p:sp>
-        <p:nvSpPr>
-          <p:cNvPr id="3" name="Rectangle 2"/>
-          <p:cNvSpPr/>
-          <p:nvPr/>
-        </p:nvSpPr>
-        <p:spPr>
-          <a:xfrm>
-            <a:off x="1386053" y="1340430"/>
-            <a:ext cx="6163097" cy="923330"/>
-          </a:xfrm>
-          <a:prstGeom prst="rect">
-            <a:avLst/>
-          </a:prstGeom>
-        </p:spPr>
-        <p:txBody>
-          <a:bodyPr wrap="none">
-            <a:spAutoFit/>
-          </a:bodyPr>
-          <a:lstStyle/>
-          <a:p>
-            <a:r>
-              <a:rPr lang="en-US" sz="5400" dirty="0">
-                <a:solidFill>
-                  <a:schemeClr val="accent1">
-                    <a:lumMod val="75000"/>
-                  </a:schemeClr>
-                </a:solidFill>
-              </a:rPr>
-              <a:t>Why is it important?</a:t>
-            </a:r>
-          </a:p>
-        </p:txBody>
-      </p:sp>
-      <p:pic>
-        <p:nvPicPr>
-          <p:cNvPr id="6" name="Picture 5"/>
-          <p:cNvPicPr>
-            <a:picLocks noChangeAspect="1"/>
-          </p:cNvPicPr>
-          <p:nvPr/>
-        </p:nvPicPr>
-        <p:blipFill>
-          <a:blip r:embed="rId2">
-            <a:extLst>
-              <a:ext uri="{28A0092B-C50C-407E-A947-70E740481C1C}">
-                <a14:useLocalDpi xmlns:a14="http://schemas.microsoft.com/office/drawing/2010/main" val="0"/>
-              </a:ext>
-            </a:extLst>
-          </a:blip>
-          <a:stretch>
-            <a:fillRect/>
-          </a:stretch>
-        </p:blipFill>
-        <p:spPr>
-          <a:xfrm>
-            <a:off x="2915816" y="2636912"/>
-            <a:ext cx="2381572" cy="2736304"/>
-          </a:xfrm>
-          <a:prstGeom prst="rect">
-            <a:avLst/>
-          </a:prstGeom>
-        </p:spPr>
-      </p:pic>
-    </p:spTree>
-    <p:extLst>
-      <p:ext uri="{BB962C8B-B14F-4D97-AF65-F5344CB8AC3E}">
-        <p14:creationId xmlns:p14="http://schemas.microsoft.com/office/powerpoint/2010/main" val="3024188450"/>
-      </p:ext>
-    </p:extLst>
-  </p:cSld>
-  <p:clrMapOvr>
-    <a:masterClrMapping/>
-  </p:clrMapOvr>
-  <mc:AlternateContent xmlns:mc="http://schemas.openxmlformats.org/markup-compatibility/2006" xmlns:p14="http://schemas.microsoft.com/office/powerpoint/2010/main">
-    <mc:Choice Requires="p14">
-      <p:transition spd="slow" p14:dur="1200">
-        <p14:prism/>
-      </p:transition>
-    </mc:Choice>
-    <mc:Fallback xmlns="">
-      <p:transition spd="slow">
-        <p:fade/>
-      </p:transition>
-    </mc:Fallback>
-  </mc:AlternateContent>
-</p:sld>
-</file>
-
-<file path=ppt/slides/slide5.xml><?xml version="1.0" encoding="utf-8"?>
-<p:sld xmlns:a="http://schemas.openxmlformats.org/drawingml/2006/main" xmlns:r="http://schemas.openxmlformats.org/officeDocument/2006/relationships" xmlns:p="http://schemas.openxmlformats.org/presentationml/2006/main">
-  <p:cSld>
-    <p:spTree>
-      <p:nvGrpSpPr>
-        <p:cNvPr id="1" name=""/>
-        <p:cNvGrpSpPr/>
-        <p:nvPr/>
-      </p:nvGrpSpPr>
-      <p:grpSpPr>
-        <a:xfrm>
-          <a:off x="0" y="0"/>
-          <a:ext cx="0" cy="0"/>
-          <a:chOff x="0" y="0"/>
-          <a:chExt cx="0" cy="0"/>
-        </a:xfrm>
-      </p:grpSpPr>
-      <p:sp>
-        <p:nvSpPr>
-          <p:cNvPr id="2" name="Rectangle 1"/>
-          <p:cNvSpPr/>
-          <p:nvPr/>
-        </p:nvSpPr>
-        <p:spPr>
-          <a:xfrm>
-            <a:off x="574515" y="1289747"/>
-            <a:ext cx="8643211" cy="34298"/>
-          </a:xfrm>
-          <a:prstGeom prst="rect">
-            <a:avLst/>
-          </a:prstGeom>
-        </p:spPr>
-        <p:style>
-          <a:lnRef idx="1">
-            <a:schemeClr val="accent1"/>
-          </a:lnRef>
-          <a:fillRef idx="3">
-            <a:schemeClr val="accent1"/>
-          </a:fillRef>
-          <a:effectRef idx="2">
-            <a:schemeClr val="accent1"/>
-          </a:effectRef>
-          <a:fontRef idx="minor">
-            <a:schemeClr val="lt1"/>
-          </a:fontRef>
-        </p:style>
-        <p:txBody>
-          <a:bodyPr rtlCol="0" anchor="ctr"/>
-          <a:lstStyle/>
-          <a:p>
-            <a:pPr algn="ctr"/>
-            <a:endParaRPr lang="en-US" sz="1350">
-              <a:solidFill>
-                <a:schemeClr val="tx1">
-                  <a:lumMod val="65000"/>
-                  <a:lumOff val="35000"/>
-                </a:schemeClr>
-              </a:solidFill>
-            </a:endParaRPr>
-          </a:p>
-        </p:txBody>
-      </p:sp>
-      <p:sp>
-        <p:nvSpPr>
-          <p:cNvPr id="3" name="Rectangle 2"/>
-          <p:cNvSpPr/>
-          <p:nvPr/>
-        </p:nvSpPr>
-        <p:spPr>
-          <a:xfrm>
-            <a:off x="525459" y="548680"/>
-            <a:ext cx="4605556" cy="707886"/>
-          </a:xfrm>
-          <a:prstGeom prst="rect">
-            <a:avLst/>
-          </a:prstGeom>
-        </p:spPr>
-        <p:txBody>
-          <a:bodyPr wrap="none">
-            <a:spAutoFit/>
-          </a:bodyPr>
-          <a:lstStyle/>
-          <a:p>
-            <a:r>
-              <a:rPr lang="en-US" sz="4000" dirty="0">
-                <a:solidFill>
-                  <a:schemeClr val="accent1">
-                    <a:lumMod val="75000"/>
-                  </a:schemeClr>
-                </a:solidFill>
-              </a:rPr>
-              <a:t>Why is it important?</a:t>
-            </a:r>
-          </a:p>
-        </p:txBody>
-      </p:sp>
-      <p:sp>
-        <p:nvSpPr>
-          <p:cNvPr id="4" name="Rectangle 3"/>
-          <p:cNvSpPr/>
-          <p:nvPr/>
-        </p:nvSpPr>
-        <p:spPr>
-          <a:xfrm>
-            <a:off x="2483768" y="2030860"/>
-            <a:ext cx="4104456" cy="584775"/>
-          </a:xfrm>
-          <a:prstGeom prst="rect">
-            <a:avLst/>
-          </a:prstGeom>
-        </p:spPr>
-        <p:txBody>
-          <a:bodyPr wrap="square">
-            <a:spAutoFit/>
-          </a:bodyPr>
-          <a:lstStyle/>
-          <a:p>
-            <a:r>
-              <a:rPr lang="en-US" sz="3200" b="1" dirty="0">
-                <a:solidFill>
-                  <a:schemeClr val="accent6">
-                    <a:lumMod val="50000"/>
-                  </a:schemeClr>
-                </a:solidFill>
-                <a:latin typeface="Adobe Kaiti Std R" panose="02020400000000000000" pitchFamily="18" charset="-128"/>
-                <a:ea typeface="Adobe Kaiti Std R" panose="02020400000000000000" pitchFamily="18" charset="-128"/>
-              </a:rPr>
-              <a:t>Secure data storage</a:t>
-            </a:r>
-          </a:p>
-        </p:txBody>
-      </p:sp>
-      <p:pic>
-        <p:nvPicPr>
-          <p:cNvPr id="5" name="Picture 4"/>
-          <p:cNvPicPr>
-            <a:picLocks noChangeAspect="1"/>
-          </p:cNvPicPr>
-          <p:nvPr/>
-        </p:nvPicPr>
-        <p:blipFill>
-          <a:blip r:embed="rId2">
-            <a:extLst>
-              <a:ext uri="{28A0092B-C50C-407E-A947-70E740481C1C}">
-                <a14:useLocalDpi xmlns:a14="http://schemas.microsoft.com/office/drawing/2010/main" val="0"/>
-              </a:ext>
-            </a:extLst>
-          </a:blip>
-          <a:stretch>
-            <a:fillRect/>
-          </a:stretch>
-        </p:blipFill>
-        <p:spPr>
-          <a:xfrm>
-            <a:off x="1403648" y="3501008"/>
-            <a:ext cx="6084562" cy="2320959"/>
-          </a:xfrm>
-          <a:prstGeom prst="rect">
-            <a:avLst/>
-          </a:prstGeom>
-        </p:spPr>
-      </p:pic>
-    </p:spTree>
-    <p:extLst>
-      <p:ext uri="{BB962C8B-B14F-4D97-AF65-F5344CB8AC3E}">
-        <p14:creationId xmlns:p14="http://schemas.microsoft.com/office/powerpoint/2010/main" val="2284065592"/>
-      </p:ext>
-    </p:extLst>
-  </p:cSld>
-  <p:clrMapOvr>
-    <a:masterClrMapping/>
-  </p:clrMapOvr>
-  <p:transition spd="slow">
-    <p:wheel spokes="1"/>
-  </p:transition>
-  <p:timing>
-    <p:tnLst>
-      <p:par>
-        <p:cTn id="1" dur="indefinite" restart="never" nodeType="tmRoot">
-          <p:childTnLst>
-            <p:seq concurrent="1" nextAc="seek">
-              <p:cTn id="2" dur="indefinite" nodeType="mainSeq">
-                <p:childTnLst>
-                  <p:par>
-                    <p:cTn id="3" fill="hold">
-                      <p:stCondLst>
-                        <p:cond delay="indefinite"/>
-                        <p:cond evt="onBegin" delay="0">
-                          <p:tn val="2"/>
-                        </p:cond>
-                      </p:stCondLst>
-                      <p:childTnLst>
-                        <p:par>
-                          <p:cTn id="4" fill="hold">
-                            <p:stCondLst>
-                              <p:cond delay="0"/>
-                            </p:stCondLst>
-                            <p:childTnLst>
-                              <p:par>
-                                <p:cTn id="5" presetID="6" presetClass="emph" presetSubtype="0" fill="hold" grpId="0" nodeType="afterEffect">
-                                  <p:stCondLst>
-                                    <p:cond delay="0"/>
-                                  </p:stCondLst>
-                                  <p:childTnLst>
-                                    <p:animScale>
-                                      <p:cBhvr>
-                                        <p:cTn id="6" dur="2000" fill="hold"/>
-                                        <p:tgtEl>
-                                          <p:spTgt spid="4"/>
-                                        </p:tgtEl>
-                                      </p:cBhvr>
-                                      <p:by x="150000" y="150000"/>
-                                    </p:animScale>
-                                  </p:childTnLst>
-                                </p:cTn>
-                              </p:par>
-                            </p:childTnLst>
-                          </p:cTn>
-                        </p:par>
-                      </p:childTnLst>
-                    </p:cTn>
-                  </p:par>
-                </p:childTnLst>
-              </p:cTn>
-              <p:prevCondLst>
-                <p:cond evt="onPrev" delay="0">
-                  <p:tgtEl>
-                    <p:sldTgt/>
-                  </p:tgtEl>
-                </p:cond>
-              </p:prevCondLst>
-              <p:nextCondLst>
-                <p:cond evt="onNext" delay="0">
-                  <p:tgtEl>
-                    <p:sldTgt/>
-                  </p:tgtEl>
-                </p:cond>
-              </p:nextCondLst>
-            </p:seq>
-          </p:childTnLst>
-        </p:cTn>
-      </p:par>
-    </p:tnLst>
-    <p:bldLst>
-      <p:bldP spid="4" grpId="0"/>
-    </p:bldLst>
-  </p:timing>
-</p:sld>
-</file>
-
-<file path=ppt/slides/slide6.xml><?xml version="1.0" encoding="utf-8"?>
-<p:sld xmlns:a="http://schemas.openxmlformats.org/drawingml/2006/main" xmlns:r="http://schemas.openxmlformats.org/officeDocument/2006/relationships" xmlns:p="http://schemas.openxmlformats.org/presentationml/2006/main">
-  <p:cSld>
-    <p:spTree>
-      <p:nvGrpSpPr>
-        <p:cNvPr id="1" name=""/>
-        <p:cNvGrpSpPr/>
-        <p:nvPr/>
-      </p:nvGrpSpPr>
-      <p:grpSpPr>
-        <a:xfrm>
-          <a:off x="0" y="0"/>
-          <a:ext cx="0" cy="0"/>
-          <a:chOff x="0" y="0"/>
-          <a:chExt cx="0" cy="0"/>
-        </a:xfrm>
-      </p:grpSpPr>
-      <p:sp>
-        <p:nvSpPr>
-          <p:cNvPr id="4" name="Rectangle 3"/>
-          <p:cNvSpPr/>
-          <p:nvPr/>
-        </p:nvSpPr>
-        <p:spPr>
-          <a:xfrm>
-            <a:off x="3004728" y="1836113"/>
-            <a:ext cx="2918520" cy="584775"/>
-          </a:xfrm>
-          <a:prstGeom prst="rect">
-            <a:avLst/>
-          </a:prstGeom>
-        </p:spPr>
-        <p:txBody>
-          <a:bodyPr wrap="square">
-            <a:spAutoFit/>
-          </a:bodyPr>
-          <a:lstStyle/>
-          <a:p>
-            <a:r>
-              <a:rPr lang="en-US" sz="3200" b="1" dirty="0">
-                <a:solidFill>
-                  <a:schemeClr val="accent6">
-                    <a:lumMod val="50000"/>
-                  </a:schemeClr>
-                </a:solidFill>
-                <a:latin typeface="Adobe Kaiti Std R" panose="02020400000000000000" pitchFamily="18" charset="-128"/>
-                <a:ea typeface="Adobe Kaiti Std R" panose="02020400000000000000" pitchFamily="18" charset="-128"/>
-              </a:rPr>
-              <a:t>Ease of access</a:t>
-            </a:r>
-          </a:p>
-        </p:txBody>
-      </p:sp>
-      <p:pic>
-        <p:nvPicPr>
-          <p:cNvPr id="6" name="Picture 5"/>
-          <p:cNvPicPr>
-            <a:picLocks noChangeAspect="1"/>
-          </p:cNvPicPr>
-          <p:nvPr/>
-        </p:nvPicPr>
-        <p:blipFill>
-          <a:blip r:embed="rId2">
-            <a:extLst>
-              <a:ext uri="{28A0092B-C50C-407E-A947-70E740481C1C}">
-                <a14:useLocalDpi xmlns:a14="http://schemas.microsoft.com/office/drawing/2010/main" val="0"/>
-              </a:ext>
-            </a:extLst>
-          </a:blip>
-          <a:stretch>
-            <a:fillRect/>
-          </a:stretch>
-        </p:blipFill>
-        <p:spPr>
-          <a:xfrm>
-            <a:off x="2483768" y="3356992"/>
-            <a:ext cx="3960440" cy="2849057"/>
-          </a:xfrm>
-          <a:prstGeom prst="rect">
-            <a:avLst/>
-          </a:prstGeom>
-        </p:spPr>
-      </p:pic>
-      <p:sp>
-        <p:nvSpPr>
-          <p:cNvPr id="7" name="Rectangle 6"/>
-          <p:cNvSpPr/>
-          <p:nvPr/>
-        </p:nvSpPr>
-        <p:spPr>
-          <a:xfrm>
-            <a:off x="574515" y="1289747"/>
-            <a:ext cx="8643211" cy="34298"/>
-          </a:xfrm>
-          <a:prstGeom prst="rect">
-            <a:avLst/>
-          </a:prstGeom>
-        </p:spPr>
-        <p:style>
-          <a:lnRef idx="1">
-            <a:schemeClr val="accent1"/>
-          </a:lnRef>
-          <a:fillRef idx="3">
-            <a:schemeClr val="accent1"/>
-          </a:fillRef>
-          <a:effectRef idx="2">
-            <a:schemeClr val="accent1"/>
-          </a:effectRef>
-          <a:fontRef idx="minor">
-            <a:schemeClr val="lt1"/>
-          </a:fontRef>
-        </p:style>
-        <p:txBody>
-          <a:bodyPr rtlCol="0" anchor="ctr"/>
-          <a:lstStyle/>
-          <a:p>
-            <a:pPr algn="ctr"/>
-            <a:endParaRPr lang="en-US" sz="1350">
-              <a:solidFill>
-                <a:schemeClr val="tx1">
-                  <a:lumMod val="65000"/>
-                  <a:lumOff val="35000"/>
-                </a:schemeClr>
-              </a:solidFill>
-            </a:endParaRPr>
-          </a:p>
-        </p:txBody>
-      </p:sp>
-      <p:sp>
-        <p:nvSpPr>
-          <p:cNvPr id="8" name="Rectangle 7"/>
-          <p:cNvSpPr/>
-          <p:nvPr/>
-        </p:nvSpPr>
-        <p:spPr>
-          <a:xfrm>
-            <a:off x="525459" y="548680"/>
-            <a:ext cx="4605556" cy="707886"/>
-          </a:xfrm>
-          <a:prstGeom prst="rect">
-            <a:avLst/>
-          </a:prstGeom>
-        </p:spPr>
-        <p:txBody>
-          <a:bodyPr wrap="none">
-            <a:spAutoFit/>
-          </a:bodyPr>
-          <a:lstStyle/>
-          <a:p>
-            <a:r>
-              <a:rPr lang="en-US" sz="4000" dirty="0">
-                <a:solidFill>
-                  <a:schemeClr val="accent1">
-                    <a:lumMod val="75000"/>
-                  </a:schemeClr>
-                </a:solidFill>
-              </a:rPr>
-              <a:t>Why is it important?</a:t>
-            </a:r>
-          </a:p>
-        </p:txBody>
-      </p:sp>
-    </p:spTree>
-    <p:extLst>
-      <p:ext uri="{BB962C8B-B14F-4D97-AF65-F5344CB8AC3E}">
-        <p14:creationId xmlns:p14="http://schemas.microsoft.com/office/powerpoint/2010/main" val="1303484"/>
-      </p:ext>
-    </p:extLst>
-  </p:cSld>
-  <p:clrMapOvr>
-    <a:masterClrMapping/>
-  </p:clrMapOvr>
-  <mc:AlternateContent xmlns:mc="http://schemas.openxmlformats.org/markup-compatibility/2006" xmlns:p14="http://schemas.microsoft.com/office/powerpoint/2010/main">
-    <mc:Choice Requires="p14">
-      <p:transition spd="slow" p14:dur="1500">
-        <p:split orient="vert"/>
-      </p:transition>
-    </mc:Choice>
-    <mc:Fallback xmlns="">
-      <p:transition spd="slow">
-        <p:split orient="vert"/>
-      </p:transition>
-    </mc:Fallback>
-  </mc:AlternateContent>
-  <p:timing>
-    <p:tnLst>
-      <p:par>
-        <p:cTn id="1" dur="indefinite" restart="never" nodeType="tmRoot">
-          <p:childTnLst>
-            <p:seq concurrent="1" nextAc="seek">
-              <p:cTn id="2" dur="indefinite" nodeType="mainSeq">
-                <p:childTnLst>
-                  <p:par>
-                    <p:cTn id="3" fill="hold">
-                      <p:stCondLst>
-                        <p:cond delay="indefinite"/>
-                        <p:cond evt="onBegin" delay="0">
-                          <p:tn val="2"/>
-                        </p:cond>
-                      </p:stCondLst>
-                      <p:childTnLst>
-                        <p:par>
-                          <p:cTn id="4" fill="hold">
-                            <p:stCondLst>
-                              <p:cond delay="0"/>
-                            </p:stCondLst>
-                            <p:childTnLst>
-                              <p:par>
-                                <p:cTn id="5" presetID="6" presetClass="emph" presetSubtype="0" fill="hold" grpId="0" nodeType="afterEffect">
-                                  <p:stCondLst>
-                                    <p:cond delay="0"/>
-                                  </p:stCondLst>
-                                  <p:childTnLst>
-                                    <p:animScale>
-                                      <p:cBhvr>
-                                        <p:cTn id="6" dur="2000" fill="hold"/>
-                                        <p:tgtEl>
-                                          <p:spTgt spid="4"/>
-                                        </p:tgtEl>
-                                      </p:cBhvr>
-                                      <p:by x="150000" y="150000"/>
-                                    </p:animScale>
-                                  </p:childTnLst>
-                                </p:cTn>
-                              </p:par>
-                            </p:childTnLst>
-                          </p:cTn>
-                        </p:par>
-                      </p:childTnLst>
-                    </p:cTn>
-                  </p:par>
-                </p:childTnLst>
-              </p:cTn>
-              <p:prevCondLst>
-                <p:cond evt="onPrev" delay="0">
-                  <p:tgtEl>
-                    <p:sldTgt/>
-                  </p:tgtEl>
-                </p:cond>
-              </p:prevCondLst>
-              <p:nextCondLst>
-                <p:cond evt="onNext" delay="0">
-                  <p:tgtEl>
-                    <p:sldTgt/>
-                  </p:tgtEl>
-                </p:cond>
-              </p:nextCondLst>
-            </p:seq>
-          </p:childTnLst>
-        </p:cTn>
-      </p:par>
-    </p:tnLst>
-    <p:bldLst>
-      <p:bldP spid="4" grpId="0"/>
-    </p:bldLst>
-  </p:timing>
-</p:sld>
-</file>
-
-<file path=ppt/slides/slide7.xml><?xml version="1.0" encoding="utf-8"?>
-<p:sld xmlns:a="http://schemas.openxmlformats.org/drawingml/2006/main" xmlns:r="http://schemas.openxmlformats.org/officeDocument/2006/relationships" xmlns:p="http://schemas.openxmlformats.org/presentationml/2006/main">
-  <p:cSld>
-    <p:spTree>
-      <p:nvGrpSpPr>
-        <p:cNvPr id="1" name=""/>
-        <p:cNvGrpSpPr/>
-        <p:nvPr/>
-      </p:nvGrpSpPr>
-      <p:grpSpPr>
-        <a:xfrm>
-          <a:off x="0" y="0"/>
-          <a:ext cx="0" cy="0"/>
-          <a:chOff x="0" y="0"/>
-          <a:chExt cx="0" cy="0"/>
-        </a:xfrm>
-      </p:grpSpPr>
-      <p:sp>
-        <p:nvSpPr>
-          <p:cNvPr id="4" name="Rectangle 3"/>
-          <p:cNvSpPr/>
-          <p:nvPr/>
-        </p:nvSpPr>
-        <p:spPr>
-          <a:xfrm>
-            <a:off x="2555776" y="1892603"/>
-            <a:ext cx="3816424" cy="600293"/>
-          </a:xfrm>
-          <a:prstGeom prst="rect">
-            <a:avLst/>
-          </a:prstGeom>
-        </p:spPr>
-        <p:txBody>
-          <a:bodyPr wrap="square">
-            <a:spAutoFit/>
-          </a:bodyPr>
-          <a:lstStyle/>
-          <a:p>
-            <a:r>
-              <a:rPr lang="en-US" sz="3200" b="1" dirty="0">
-                <a:solidFill>
-                  <a:schemeClr val="accent6">
-                    <a:lumMod val="50000"/>
-                  </a:schemeClr>
-                </a:solidFill>
-                <a:latin typeface="Adobe Kaiti Std R" panose="02020400000000000000" pitchFamily="18" charset="-128"/>
-                <a:ea typeface="Adobe Kaiti Std R" panose="02020400000000000000" pitchFamily="18" charset="-128"/>
-              </a:rPr>
-              <a:t>Always availability</a:t>
-            </a:r>
-          </a:p>
-        </p:txBody>
-      </p:sp>
-      <p:pic>
-        <p:nvPicPr>
-          <p:cNvPr id="6" name="Picture 5"/>
-          <p:cNvPicPr>
-            <a:picLocks noChangeAspect="1"/>
-          </p:cNvPicPr>
-          <p:nvPr/>
-        </p:nvPicPr>
-        <p:blipFill>
-          <a:blip r:embed="rId2">
-            <a:extLst>
-              <a:ext uri="{28A0092B-C50C-407E-A947-70E740481C1C}">
-                <a14:useLocalDpi xmlns:a14="http://schemas.microsoft.com/office/drawing/2010/main" val="0"/>
-              </a:ext>
-            </a:extLst>
-          </a:blip>
-          <a:stretch>
-            <a:fillRect/>
-          </a:stretch>
-        </p:blipFill>
-        <p:spPr>
-          <a:xfrm>
-            <a:off x="2016434" y="3429000"/>
-            <a:ext cx="5183140" cy="2358328"/>
-          </a:xfrm>
-          <a:prstGeom prst="rect">
-            <a:avLst/>
-          </a:prstGeom>
-        </p:spPr>
-      </p:pic>
-      <p:sp>
-        <p:nvSpPr>
-          <p:cNvPr id="9" name="Rectangle 8"/>
-          <p:cNvSpPr/>
-          <p:nvPr/>
-        </p:nvSpPr>
-        <p:spPr>
-          <a:xfrm>
-            <a:off x="574515" y="1289747"/>
-            <a:ext cx="8643211" cy="34298"/>
-          </a:xfrm>
-          <a:prstGeom prst="rect">
-            <a:avLst/>
-          </a:prstGeom>
-        </p:spPr>
-        <p:style>
-          <a:lnRef idx="1">
-            <a:schemeClr val="accent1"/>
-          </a:lnRef>
-          <a:fillRef idx="3">
-            <a:schemeClr val="accent1"/>
-          </a:fillRef>
-          <a:effectRef idx="2">
-            <a:schemeClr val="accent1"/>
-          </a:effectRef>
-          <a:fontRef idx="minor">
-            <a:schemeClr val="lt1"/>
-          </a:fontRef>
-        </p:style>
-        <p:txBody>
-          <a:bodyPr rtlCol="0" anchor="ctr"/>
-          <a:lstStyle/>
-          <a:p>
-            <a:pPr algn="ctr"/>
-            <a:endParaRPr lang="en-US" sz="1350">
-              <a:solidFill>
-                <a:schemeClr val="tx1">
-                  <a:lumMod val="65000"/>
-                  <a:lumOff val="35000"/>
-                </a:schemeClr>
-              </a:solidFill>
-            </a:endParaRPr>
-          </a:p>
-        </p:txBody>
-      </p:sp>
-      <p:sp>
-        <p:nvSpPr>
-          <p:cNvPr id="10" name="Rectangle 9"/>
-          <p:cNvSpPr/>
-          <p:nvPr/>
-        </p:nvSpPr>
-        <p:spPr>
-          <a:xfrm>
-            <a:off x="525459" y="548680"/>
-            <a:ext cx="4605556" cy="707886"/>
-          </a:xfrm>
-          <a:prstGeom prst="rect">
-            <a:avLst/>
-          </a:prstGeom>
-        </p:spPr>
-        <p:txBody>
-          <a:bodyPr wrap="none">
-            <a:spAutoFit/>
-          </a:bodyPr>
-          <a:lstStyle/>
-          <a:p>
-            <a:r>
-              <a:rPr lang="en-US" sz="4000" dirty="0">
-                <a:solidFill>
-                  <a:schemeClr val="accent1">
-                    <a:lumMod val="75000"/>
-                  </a:schemeClr>
-                </a:solidFill>
-              </a:rPr>
-              <a:t>Why is it important?</a:t>
-            </a:r>
-          </a:p>
-        </p:txBody>
-      </p:sp>
-    </p:spTree>
-    <p:extLst>
-      <p:ext uri="{BB962C8B-B14F-4D97-AF65-F5344CB8AC3E}">
-        <p14:creationId xmlns:p14="http://schemas.microsoft.com/office/powerpoint/2010/main" val="1856229167"/>
-      </p:ext>
-    </p:extLst>
-  </p:cSld>
-  <p:clrMapOvr>
-    <a:masterClrMapping/>
-  </p:clrMapOvr>
-  <mc:AlternateContent xmlns:mc="http://schemas.openxmlformats.org/markup-compatibility/2006" xmlns:p14="http://schemas.microsoft.com/office/powerpoint/2010/main">
-    <mc:Choice Requires="p14">
-      <p:transition spd="slow" p14:dur="1200">
-        <p:dissolve/>
-      </p:transition>
-    </mc:Choice>
-    <mc:Fallback xmlns="">
-      <p:transition spd="slow">
-        <p:dissolve/>
-      </p:transition>
-    </mc:Fallback>
-  </mc:AlternateContent>
-  <p:timing>
-    <p:tnLst>
-      <p:par>
-        <p:cTn id="1" dur="indefinite" restart="never" nodeType="tmRoot">
-          <p:childTnLst>
-            <p:seq concurrent="1" nextAc="seek">
-              <p:cTn id="2" dur="indefinite" nodeType="mainSeq">
-                <p:childTnLst>
-                  <p:par>
-                    <p:cTn id="3" fill="hold">
-                      <p:stCondLst>
-                        <p:cond delay="indefinite"/>
-                        <p:cond evt="onBegin" delay="0">
-                          <p:tn val="2"/>
-                        </p:cond>
-                      </p:stCondLst>
-                      <p:childTnLst>
-                        <p:par>
-                          <p:cTn id="4" fill="hold">
-                            <p:stCondLst>
-                              <p:cond delay="0"/>
-                            </p:stCondLst>
-                            <p:childTnLst>
-                              <p:par>
-                                <p:cTn id="5" presetID="6" presetClass="emph" presetSubtype="0" fill="hold" grpId="0" nodeType="afterEffect">
-                                  <p:stCondLst>
-                                    <p:cond delay="0"/>
-                                  </p:stCondLst>
-                                  <p:childTnLst>
-                                    <p:animScale>
-                                      <p:cBhvr>
-                                        <p:cTn id="6" dur="2000" fill="hold"/>
-                                        <p:tgtEl>
-                                          <p:spTgt spid="4"/>
-                                        </p:tgtEl>
-                                      </p:cBhvr>
-                                      <p:by x="150000" y="150000"/>
-                                    </p:animScale>
-                                  </p:childTnLst>
-                                </p:cTn>
-                              </p:par>
-                            </p:childTnLst>
-                          </p:cTn>
-                        </p:par>
-                      </p:childTnLst>
-                    </p:cTn>
-                  </p:par>
-                </p:childTnLst>
-              </p:cTn>
-              <p:prevCondLst>
-                <p:cond evt="onPrev" delay="0">
-                  <p:tgtEl>
-                    <p:sldTgt/>
-                  </p:tgtEl>
-                </p:cond>
-              </p:prevCondLst>
-              <p:nextCondLst>
-                <p:cond evt="onNext" delay="0">
-                  <p:tgtEl>
-                    <p:sldTgt/>
-                  </p:tgtEl>
-                </p:cond>
-              </p:nextCondLst>
-            </p:seq>
-          </p:childTnLst>
-        </p:cTn>
-      </p:par>
-    </p:tnLst>
-    <p:bldLst>
-      <p:bldP spid="4" grpId="0"/>
-    </p:bldLst>
-  </p:timing>
-</p:sld>
-</file>
-
-<file path=ppt/slides/slide8.xml><?xml version="1.0" encoding="utf-8"?>
-<p:sld xmlns:a="http://schemas.openxmlformats.org/drawingml/2006/main" xmlns:r="http://schemas.openxmlformats.org/officeDocument/2006/relationships" xmlns:p="http://schemas.openxmlformats.org/presentationml/2006/main">
-  <p:cSld>
-    <p:spTree>
-      <p:nvGrpSpPr>
-        <p:cNvPr id="1" name=""/>
-        <p:cNvGrpSpPr/>
-        <p:nvPr/>
-      </p:nvGrpSpPr>
-      <p:grpSpPr>
-        <a:xfrm>
-          <a:off x="0" y="0"/>
-          <a:ext cx="0" cy="0"/>
-          <a:chOff x="0" y="0"/>
-          <a:chExt cx="0" cy="0"/>
-        </a:xfrm>
-      </p:grpSpPr>
-      <p:sp>
-        <p:nvSpPr>
-          <p:cNvPr id="4" name="Rectangle 3"/>
-          <p:cNvSpPr/>
-          <p:nvPr/>
-        </p:nvSpPr>
-        <p:spPr>
-          <a:xfrm>
-            <a:off x="2555776" y="1916832"/>
-            <a:ext cx="3672408" cy="600293"/>
-          </a:xfrm>
-          <a:prstGeom prst="rect">
-            <a:avLst/>
-          </a:prstGeom>
-          <a:noFill/>
-          <a:ln>
-            <a:noFill/>
-          </a:ln>
-        </p:spPr>
-        <p:style>
-          <a:lnRef idx="1">
-            <a:schemeClr val="accent1"/>
-          </a:lnRef>
-          <a:fillRef idx="2">
-            <a:schemeClr val="accent1"/>
-          </a:fillRef>
-          <a:effectRef idx="1">
-            <a:schemeClr val="accent1"/>
-          </a:effectRef>
-          <a:fontRef idx="minor">
-            <a:schemeClr val="dk1"/>
-          </a:fontRef>
-        </p:style>
-        <p:txBody>
-          <a:bodyPr wrap="square">
-            <a:spAutoFit/>
-          </a:bodyPr>
-          <a:lstStyle/>
-          <a:p>
-            <a:r>
-              <a:rPr lang="en-US" sz="3200" b="1" dirty="0">
-                <a:solidFill>
-                  <a:schemeClr val="accent6">
-                    <a:lumMod val="50000"/>
-                  </a:schemeClr>
-                </a:solidFill>
-                <a:latin typeface="Adobe Kaiti Std R" panose="02020400000000000000" pitchFamily="18" charset="-128"/>
-                <a:ea typeface="Adobe Kaiti Std R" panose="02020400000000000000" pitchFamily="18" charset="-128"/>
-              </a:rPr>
-              <a:t>Saves your money</a:t>
-            </a:r>
-          </a:p>
-        </p:txBody>
-      </p:sp>
-      <p:sp>
-        <p:nvSpPr>
-          <p:cNvPr id="5" name="Rectangle 4"/>
-          <p:cNvSpPr/>
-          <p:nvPr/>
-        </p:nvSpPr>
-        <p:spPr>
-          <a:xfrm>
-            <a:off x="574515" y="1289747"/>
-            <a:ext cx="8643211" cy="34298"/>
-          </a:xfrm>
-          <a:prstGeom prst="rect">
-            <a:avLst/>
-          </a:prstGeom>
-        </p:spPr>
-        <p:style>
-          <a:lnRef idx="1">
-            <a:schemeClr val="accent1"/>
-          </a:lnRef>
-          <a:fillRef idx="3">
-            <a:schemeClr val="accent1"/>
-          </a:fillRef>
-          <a:effectRef idx="2">
-            <a:schemeClr val="accent1"/>
-          </a:effectRef>
-          <a:fontRef idx="minor">
-            <a:schemeClr val="lt1"/>
-          </a:fontRef>
-        </p:style>
-        <p:txBody>
-          <a:bodyPr rtlCol="0" anchor="ctr"/>
-          <a:lstStyle/>
-          <a:p>
-            <a:pPr algn="ctr"/>
-            <a:endParaRPr lang="en-US" sz="1350">
-              <a:solidFill>
-                <a:schemeClr val="tx1">
-                  <a:lumMod val="65000"/>
-                  <a:lumOff val="35000"/>
-                </a:schemeClr>
-              </a:solidFill>
-            </a:endParaRPr>
-          </a:p>
-        </p:txBody>
-      </p:sp>
-      <p:sp>
-        <p:nvSpPr>
-          <p:cNvPr id="6" name="Rectangle 5"/>
-          <p:cNvSpPr/>
-          <p:nvPr/>
-        </p:nvSpPr>
-        <p:spPr>
-          <a:xfrm>
-            <a:off x="525459" y="548680"/>
-            <a:ext cx="4605556" cy="707886"/>
-          </a:xfrm>
-          <a:prstGeom prst="rect">
-            <a:avLst/>
-          </a:prstGeom>
-        </p:spPr>
-        <p:txBody>
-          <a:bodyPr wrap="none">
-            <a:spAutoFit/>
-          </a:bodyPr>
-          <a:lstStyle/>
-          <a:p>
-            <a:r>
-              <a:rPr lang="en-US" sz="4000" dirty="0">
-                <a:solidFill>
-                  <a:schemeClr val="accent1">
-                    <a:lumMod val="75000"/>
-                  </a:schemeClr>
-                </a:solidFill>
-              </a:rPr>
-              <a:t>Why is it important?</a:t>
-            </a:r>
-          </a:p>
-        </p:txBody>
-      </p:sp>
-      <p:pic>
-        <p:nvPicPr>
-          <p:cNvPr id="10" name="Picture 9"/>
-          <p:cNvPicPr>
-            <a:picLocks noChangeAspect="1"/>
-          </p:cNvPicPr>
-          <p:nvPr/>
-        </p:nvPicPr>
-        <p:blipFill>
-          <a:blip r:embed="rId2">
-            <a:extLst>
-              <a:ext uri="{28A0092B-C50C-407E-A947-70E740481C1C}">
-                <a14:useLocalDpi xmlns:a14="http://schemas.microsoft.com/office/drawing/2010/main" val="0"/>
-              </a:ext>
-            </a:extLst>
-          </a:blip>
-          <a:stretch>
-            <a:fillRect/>
-          </a:stretch>
-        </p:blipFill>
-        <p:spPr>
-          <a:xfrm>
-            <a:off x="3037520" y="3573016"/>
-            <a:ext cx="2708920" cy="2708920"/>
-          </a:xfrm>
-          <a:prstGeom prst="rect">
-            <a:avLst/>
-          </a:prstGeom>
-        </p:spPr>
-      </p:pic>
-    </p:spTree>
-    <p:extLst>
-      <p:ext uri="{BB962C8B-B14F-4D97-AF65-F5344CB8AC3E}">
-        <p14:creationId xmlns:p14="http://schemas.microsoft.com/office/powerpoint/2010/main" val="4228850073"/>
-      </p:ext>
-    </p:extLst>
-  </p:cSld>
-  <p:clrMapOvr>
-    <a:masterClrMapping/>
-  </p:clrMapOvr>
-  <p:transition spd="slow">
-    <p:wheel spokes="1"/>
-  </p:transition>
-  <p:timing>
-    <p:tnLst>
-      <p:par>
-        <p:cTn id="1" dur="indefinite" restart="never" nodeType="tmRoot">
-          <p:childTnLst>
-            <p:seq concurrent="1" nextAc="seek">
-              <p:cTn id="2" dur="indefinite" nodeType="mainSeq">
-                <p:childTnLst>
-                  <p:par>
-                    <p:cTn id="3" fill="hold">
-                      <p:stCondLst>
-                        <p:cond delay="indefinite"/>
-                        <p:cond evt="onBegin" delay="0">
-                          <p:tn val="2"/>
-                        </p:cond>
-                      </p:stCondLst>
-                      <p:childTnLst>
-                        <p:par>
-                          <p:cTn id="4" fill="hold">
-                            <p:stCondLst>
-                              <p:cond delay="0"/>
-                            </p:stCondLst>
-                            <p:childTnLst>
-                              <p:par>
-                                <p:cTn id="5" presetID="6" presetClass="emph" presetSubtype="0" fill="hold" grpId="0" nodeType="afterEffect">
-                                  <p:stCondLst>
-                                    <p:cond delay="0"/>
-                                  </p:stCondLst>
-                                  <p:childTnLst>
-                                    <p:animScale>
-                                      <p:cBhvr>
-                                        <p:cTn id="6" dur="2000" fill="hold"/>
-                                        <p:tgtEl>
-                                          <p:spTgt spid="4"/>
-                                        </p:tgtEl>
-                                      </p:cBhvr>
-                                      <p:by x="150000" y="150000"/>
-                                    </p:animScale>
-                                  </p:childTnLst>
-                                </p:cTn>
-                              </p:par>
-                            </p:childTnLst>
-                          </p:cTn>
-                        </p:par>
-                      </p:childTnLst>
-                    </p:cTn>
-                  </p:par>
-                </p:childTnLst>
-              </p:cTn>
-              <p:prevCondLst>
-                <p:cond evt="onPrev" delay="0">
-                  <p:tgtEl>
-                    <p:sldTgt/>
-                  </p:tgtEl>
-                </p:cond>
-              </p:prevCondLst>
-              <p:nextCondLst>
-                <p:cond evt="onNext" delay="0">
-                  <p:tgtEl>
-                    <p:sldTgt/>
-                  </p:tgtEl>
-                </p:cond>
-              </p:nextCondLst>
-            </p:seq>
-          </p:childTnLst>
-        </p:cTn>
-      </p:par>
-    </p:tnLst>
-    <p:bldLst>
-      <p:bldP spid="4" grpId="0"/>
-    </p:bldLst>
-  </p:timing>
-</p:sld>
-</file>
-
-<file path=ppt/slides/slide9.xml><?xml version="1.0" encoding="utf-8"?>
-<p:sld xmlns:a="http://schemas.openxmlformats.org/drawingml/2006/main" xmlns:r="http://schemas.openxmlformats.org/officeDocument/2006/relationships" xmlns:p="http://schemas.openxmlformats.org/presentationml/2006/main">
-  <p:cSld>
-    <p:spTree>
-      <p:nvGrpSpPr>
-        <p:cNvPr id="1" name=""/>
-        <p:cNvGrpSpPr/>
-        <p:nvPr/>
-      </p:nvGrpSpPr>
-      <p:grpSpPr>
-        <a:xfrm>
-          <a:off x="0" y="0"/>
-          <a:ext cx="0" cy="0"/>
-          <a:chOff x="0" y="0"/>
-          <a:chExt cx="0" cy="0"/>
-        </a:xfrm>
-      </p:grpSpPr>
-      <p:sp>
-        <p:nvSpPr>
           <p:cNvPr id="5" name="Rectangle 4"/>
           <p:cNvSpPr/>
           <p:nvPr/>
@@ -7712,6 +4828,2937 @@
       <p:bldP spid="7" grpId="0" animBg="1"/>
       <p:bldP spid="9" grpId="0" animBg="1"/>
       <p:bldP spid="10" grpId="0" animBg="1"/>
+    </p:bldLst>
+  </p:timing>
+</p:sld>
+</file>
+
+<file path=ppt/slides/slide11.xml><?xml version="1.0" encoding="utf-8"?>
+<p:sld xmlns:a="http://schemas.openxmlformats.org/drawingml/2006/main" xmlns:r="http://schemas.openxmlformats.org/officeDocument/2006/relationships" xmlns:p="http://schemas.openxmlformats.org/presentationml/2006/main">
+  <p:cSld>
+    <p:spTree>
+      <p:nvGrpSpPr>
+        <p:cNvPr id="1" name=""/>
+        <p:cNvGrpSpPr/>
+        <p:nvPr/>
+      </p:nvGrpSpPr>
+      <p:grpSpPr>
+        <a:xfrm>
+          <a:off x="0" y="0"/>
+          <a:ext cx="0" cy="0"/>
+          <a:chOff x="0" y="0"/>
+          <a:chExt cx="0" cy="0"/>
+        </a:xfrm>
+      </p:grpSpPr>
+      <p:sp>
+        <p:nvSpPr>
+          <p:cNvPr id="2" name="Title 1"/>
+          <p:cNvSpPr>
+            <a:spLocks noGrp="1"/>
+          </p:cNvSpPr>
+          <p:nvPr>
+            <p:ph type="title"/>
+          </p:nvPr>
+        </p:nvSpPr>
+        <p:spPr>
+          <a:xfrm>
+            <a:off x="1118080" y="944518"/>
+            <a:ext cx="6516798" cy="800308"/>
+          </a:xfrm>
+        </p:spPr>
+        <p:txBody>
+          <a:bodyPr>
+            <a:noAutofit/>
+          </a:bodyPr>
+          <a:lstStyle/>
+          <a:p>
+            <a:pPr algn="ctr"/>
+            <a:r>
+              <a:rPr lang="en-US" sz="6602" dirty="0">
+                <a:solidFill>
+                  <a:schemeClr val="accent6">
+                    <a:lumMod val="50000"/>
+                  </a:schemeClr>
+                </a:solidFill>
+              </a:rPr>
+              <a:t>DAS</a:t>
+            </a:r>
+            <a:br>
+              <a:rPr lang="en-US" sz="4051" dirty="0"/>
+            </a:br>
+            <a:r>
+              <a:rPr lang="en-US" sz="4051" dirty="0"/>
+              <a:t>Direct Attached Storage</a:t>
+            </a:r>
+          </a:p>
+        </p:txBody>
+      </p:sp>
+      <p:sp>
+        <p:nvSpPr>
+          <p:cNvPr id="3" name="Rectangle 2"/>
+          <p:cNvSpPr/>
+          <p:nvPr/>
+        </p:nvSpPr>
+        <p:spPr>
+          <a:xfrm>
+            <a:off x="1087409" y="3068960"/>
+            <a:ext cx="6912768" cy="1323439"/>
+          </a:xfrm>
+          <a:prstGeom prst="rect">
+            <a:avLst/>
+          </a:prstGeom>
+        </p:spPr>
+        <p:txBody>
+          <a:bodyPr wrap="square">
+            <a:spAutoFit/>
+          </a:bodyPr>
+          <a:lstStyle/>
+          <a:p>
+            <a:r>
+              <a:rPr lang="en-GB" sz="4000" dirty="0">
+                <a:solidFill>
+                  <a:schemeClr val="accent6">
+                    <a:lumMod val="50000"/>
+                  </a:schemeClr>
+                </a:solidFill>
+                <a:latin typeface="Calibri" panose="020F0502020204030204" pitchFamily="34" charset="0"/>
+                <a:ea typeface="Calibri" panose="020F0502020204030204" pitchFamily="34" charset="0"/>
+                <a:cs typeface="Vrinda"/>
+              </a:rPr>
+              <a:t>DAS referred to a storage that is directly attached to a server</a:t>
+            </a:r>
+            <a:endParaRPr lang="en-US" sz="4000" dirty="0">
+              <a:solidFill>
+                <a:schemeClr val="accent6">
+                  <a:lumMod val="50000"/>
+                </a:schemeClr>
+              </a:solidFill>
+            </a:endParaRPr>
+          </a:p>
+        </p:txBody>
+      </p:sp>
+      <p:sp>
+        <p:nvSpPr>
+          <p:cNvPr id="4" name="Rectangle 3"/>
+          <p:cNvSpPr/>
+          <p:nvPr/>
+        </p:nvSpPr>
+        <p:spPr>
+          <a:xfrm>
+            <a:off x="-108520" y="1871113"/>
+            <a:ext cx="9505055" cy="45719"/>
+          </a:xfrm>
+          <a:prstGeom prst="rect">
+            <a:avLst/>
+          </a:prstGeom>
+        </p:spPr>
+        <p:style>
+          <a:lnRef idx="1">
+            <a:schemeClr val="accent1"/>
+          </a:lnRef>
+          <a:fillRef idx="3">
+            <a:schemeClr val="accent1"/>
+          </a:fillRef>
+          <a:effectRef idx="2">
+            <a:schemeClr val="accent1"/>
+          </a:effectRef>
+          <a:fontRef idx="minor">
+            <a:schemeClr val="lt1"/>
+          </a:fontRef>
+        </p:style>
+        <p:txBody>
+          <a:bodyPr rtlCol="0" anchor="ctr"/>
+          <a:lstStyle/>
+          <a:p>
+            <a:pPr algn="ctr"/>
+            <a:endParaRPr lang="en-US" sz="1350">
+              <a:solidFill>
+                <a:schemeClr val="tx1">
+                  <a:lumMod val="65000"/>
+                  <a:lumOff val="35000"/>
+                </a:schemeClr>
+              </a:solidFill>
+            </a:endParaRPr>
+          </a:p>
+        </p:txBody>
+      </p:sp>
+    </p:spTree>
+    <p:extLst>
+      <p:ext uri="{BB962C8B-B14F-4D97-AF65-F5344CB8AC3E}">
+        <p14:creationId xmlns:p14="http://schemas.microsoft.com/office/powerpoint/2010/main" val="2801517849"/>
+      </p:ext>
+    </p:extLst>
+  </p:cSld>
+  <p:clrMapOvr>
+    <a:masterClrMapping/>
+  </p:clrMapOvr>
+  <mc:AlternateContent xmlns:mc="http://schemas.openxmlformats.org/markup-compatibility/2006" xmlns:p15="http://schemas.microsoft.com/office/powerpoint/2012/main">
+    <mc:Choice Requires="p15">
+      <p:transition xmlns:p14="http://schemas.microsoft.com/office/powerpoint/2010/main" spd="slow" p14:dur="1250">
+        <p15:prstTrans prst="peelOff"/>
+      </p:transition>
+    </mc:Choice>
+    <mc:Fallback xmlns="">
+      <p:transition spd="slow">
+        <p:fade/>
+      </p:transition>
+    </mc:Fallback>
+  </mc:AlternateContent>
+</p:sld>
+</file>
+
+<file path=ppt/slides/slide12.xml><?xml version="1.0" encoding="utf-8"?>
+<p:sld xmlns:a="http://schemas.openxmlformats.org/drawingml/2006/main" xmlns:r="http://schemas.openxmlformats.org/officeDocument/2006/relationships" xmlns:p="http://schemas.openxmlformats.org/presentationml/2006/main">
+  <p:cSld>
+    <p:spTree>
+      <p:nvGrpSpPr>
+        <p:cNvPr id="1" name=""/>
+        <p:cNvGrpSpPr/>
+        <p:nvPr/>
+      </p:nvGrpSpPr>
+      <p:grpSpPr>
+        <a:xfrm>
+          <a:off x="0" y="0"/>
+          <a:ext cx="0" cy="0"/>
+          <a:chOff x="0" y="0"/>
+          <a:chExt cx="0" cy="0"/>
+        </a:xfrm>
+      </p:grpSpPr>
+      <p:sp>
+        <p:nvSpPr>
+          <p:cNvPr id="2" name="Title 1"/>
+          <p:cNvSpPr>
+            <a:spLocks noGrp="1"/>
+          </p:cNvSpPr>
+          <p:nvPr>
+            <p:ph type="title"/>
+          </p:nvPr>
+        </p:nvSpPr>
+        <p:spPr>
+          <a:xfrm>
+            <a:off x="1402466" y="764704"/>
+            <a:ext cx="4537686" cy="800308"/>
+          </a:xfrm>
+        </p:spPr>
+        <p:txBody>
+          <a:bodyPr>
+            <a:normAutofit/>
+          </a:bodyPr>
+          <a:lstStyle/>
+          <a:p>
+            <a:r>
+              <a:rPr lang="en-US" sz="4051" dirty="0"/>
+              <a:t>Advantages of DAS</a:t>
+            </a:r>
+          </a:p>
+        </p:txBody>
+      </p:sp>
+      <p:sp>
+        <p:nvSpPr>
+          <p:cNvPr id="4" name="Content Placeholder 2"/>
+          <p:cNvSpPr txBox="1">
+            <a:spLocks/>
+          </p:cNvSpPr>
+          <p:nvPr/>
+        </p:nvSpPr>
+        <p:spPr>
+          <a:xfrm>
+            <a:off x="2016355" y="2132856"/>
+            <a:ext cx="7847594" cy="2226394"/>
+          </a:xfrm>
+          <a:prstGeom prst="rect">
+            <a:avLst/>
+          </a:prstGeom>
+        </p:spPr>
+        <p:txBody>
+          <a:bodyPr vert="horz" lIns="68598" tIns="34299" rIns="68598" bIns="34299" rtlCol="0">
+            <a:noAutofit/>
+          </a:bodyPr>
+          <a:lstStyle>
+            <a:lvl1pPr marL="274320" indent="-228600" algn="l" defTabSz="914400" rtl="0" eaLnBrk="1" latinLnBrk="0" hangingPunct="1">
+              <a:lnSpc>
+                <a:spcPct val="90000"/>
+              </a:lnSpc>
+              <a:spcBef>
+                <a:spcPts val="1800"/>
+              </a:spcBef>
+              <a:buClr>
+                <a:schemeClr val="tx1">
+                  <a:lumMod val="65000"/>
+                  <a:lumOff val="35000"/>
+                </a:schemeClr>
+              </a:buClr>
+              <a:buSzPct val="80000"/>
+              <a:buFont typeface="Arial" pitchFamily="34" charset="0"/>
+              <a:buChar char="•"/>
+              <a:defRPr sz="2000" kern="1200">
+                <a:solidFill>
+                  <a:schemeClr val="tx1">
+                    <a:lumMod val="65000"/>
+                    <a:lumOff val="35000"/>
+                  </a:schemeClr>
+                </a:solidFill>
+                <a:latin typeface="+mn-lt"/>
+                <a:ea typeface="+mn-ea"/>
+                <a:cs typeface="+mn-cs"/>
+              </a:defRPr>
+            </a:lvl1pPr>
+            <a:lvl2pPr marL="594360" indent="-228600" algn="l" defTabSz="914400" rtl="0" eaLnBrk="1" latinLnBrk="0" hangingPunct="1">
+              <a:lnSpc>
+                <a:spcPct val="90000"/>
+              </a:lnSpc>
+              <a:spcBef>
+                <a:spcPts val="1000"/>
+              </a:spcBef>
+              <a:buClr>
+                <a:schemeClr val="tx1">
+                  <a:lumMod val="65000"/>
+                  <a:lumOff val="35000"/>
+                </a:schemeClr>
+              </a:buClr>
+              <a:buSzPct val="80000"/>
+              <a:buFont typeface="Arial" pitchFamily="34" charset="0"/>
+              <a:buChar char="•"/>
+              <a:defRPr sz="1800" kern="1200">
+                <a:solidFill>
+                  <a:schemeClr val="tx1">
+                    <a:lumMod val="65000"/>
+                    <a:lumOff val="35000"/>
+                  </a:schemeClr>
+                </a:solidFill>
+                <a:latin typeface="+mn-lt"/>
+                <a:ea typeface="+mn-ea"/>
+                <a:cs typeface="+mn-cs"/>
+              </a:defRPr>
+            </a:lvl2pPr>
+            <a:lvl3pPr marL="777240" indent="-182880" algn="l" defTabSz="914400" rtl="0" eaLnBrk="1" latinLnBrk="0" hangingPunct="1">
+              <a:lnSpc>
+                <a:spcPct val="90000"/>
+              </a:lnSpc>
+              <a:spcBef>
+                <a:spcPts val="600"/>
+              </a:spcBef>
+              <a:buClr>
+                <a:schemeClr val="tx1">
+                  <a:lumMod val="65000"/>
+                  <a:lumOff val="35000"/>
+                </a:schemeClr>
+              </a:buClr>
+              <a:buSzPct val="80000"/>
+              <a:buFont typeface="Arial" pitchFamily="34" charset="0"/>
+              <a:buChar char="•"/>
+              <a:defRPr sz="1600" kern="1200">
+                <a:solidFill>
+                  <a:schemeClr val="tx1">
+                    <a:lumMod val="65000"/>
+                    <a:lumOff val="35000"/>
+                  </a:schemeClr>
+                </a:solidFill>
+                <a:latin typeface="+mn-lt"/>
+                <a:ea typeface="+mn-ea"/>
+                <a:cs typeface="+mn-cs"/>
+              </a:defRPr>
+            </a:lvl3pPr>
+            <a:lvl4pPr marL="960120" indent="-182880" algn="l" defTabSz="914400" rtl="0" eaLnBrk="1" latinLnBrk="0" hangingPunct="1">
+              <a:lnSpc>
+                <a:spcPct val="90000"/>
+              </a:lnSpc>
+              <a:spcBef>
+                <a:spcPts val="600"/>
+              </a:spcBef>
+              <a:buClr>
+                <a:schemeClr val="tx1">
+                  <a:lumMod val="65000"/>
+                  <a:lumOff val="35000"/>
+                </a:schemeClr>
+              </a:buClr>
+              <a:buSzPct val="80000"/>
+              <a:buFont typeface="Arial" pitchFamily="34" charset="0"/>
+              <a:buChar char="•"/>
+              <a:defRPr sz="1400" kern="1200">
+                <a:solidFill>
+                  <a:schemeClr val="tx1">
+                    <a:lumMod val="65000"/>
+                    <a:lumOff val="35000"/>
+                  </a:schemeClr>
+                </a:solidFill>
+                <a:latin typeface="+mn-lt"/>
+                <a:ea typeface="+mn-ea"/>
+                <a:cs typeface="+mn-cs"/>
+              </a:defRPr>
+            </a:lvl4pPr>
+            <a:lvl5pPr marL="1097280" indent="-137160" algn="l" defTabSz="914400" rtl="0" eaLnBrk="1" latinLnBrk="0" hangingPunct="1">
+              <a:lnSpc>
+                <a:spcPct val="90000"/>
+              </a:lnSpc>
+              <a:spcBef>
+                <a:spcPts val="600"/>
+              </a:spcBef>
+              <a:buClr>
+                <a:schemeClr val="tx1">
+                  <a:lumMod val="65000"/>
+                  <a:lumOff val="35000"/>
+                </a:schemeClr>
+              </a:buClr>
+              <a:buSzPct val="80000"/>
+              <a:buFont typeface="Arial" pitchFamily="34" charset="0"/>
+              <a:buChar char="•"/>
+              <a:defRPr sz="1400" kern="1200">
+                <a:solidFill>
+                  <a:schemeClr val="tx1">
+                    <a:lumMod val="65000"/>
+                    <a:lumOff val="35000"/>
+                  </a:schemeClr>
+                </a:solidFill>
+                <a:latin typeface="+mn-lt"/>
+                <a:ea typeface="+mn-ea"/>
+                <a:cs typeface="+mn-cs"/>
+              </a:defRPr>
+            </a:lvl5pPr>
+            <a:lvl6pPr marL="1234440" indent="-137160" algn="l" defTabSz="914400" rtl="0" eaLnBrk="1" latinLnBrk="0" hangingPunct="1">
+              <a:spcBef>
+                <a:spcPts val="600"/>
+              </a:spcBef>
+              <a:buSzPct val="80000"/>
+              <a:buFont typeface="Arial" pitchFamily="34" charset="0"/>
+              <a:buChar char="•"/>
+              <a:defRPr sz="1400" kern="1200">
+                <a:solidFill>
+                  <a:schemeClr val="tx1">
+                    <a:lumMod val="65000"/>
+                    <a:lumOff val="35000"/>
+                  </a:schemeClr>
+                </a:solidFill>
+                <a:latin typeface="+mn-lt"/>
+                <a:ea typeface="+mn-ea"/>
+                <a:cs typeface="+mn-cs"/>
+              </a:defRPr>
+            </a:lvl6pPr>
+            <a:lvl7pPr marL="1371600" indent="-137160" algn="l" defTabSz="914400" rtl="0" eaLnBrk="1" latinLnBrk="0" hangingPunct="1">
+              <a:spcBef>
+                <a:spcPts val="600"/>
+              </a:spcBef>
+              <a:buSzPct val="80000"/>
+              <a:buFont typeface="Arial" pitchFamily="34" charset="0"/>
+              <a:buChar char="•"/>
+              <a:defRPr sz="1400" kern="1200">
+                <a:solidFill>
+                  <a:schemeClr val="tx1">
+                    <a:lumMod val="65000"/>
+                    <a:lumOff val="35000"/>
+                  </a:schemeClr>
+                </a:solidFill>
+                <a:latin typeface="+mn-lt"/>
+                <a:ea typeface="+mn-ea"/>
+                <a:cs typeface="+mn-cs"/>
+              </a:defRPr>
+            </a:lvl7pPr>
+            <a:lvl8pPr marL="1508760" indent="-137160" algn="l" defTabSz="914400" rtl="0" eaLnBrk="1" latinLnBrk="0" hangingPunct="1">
+              <a:spcBef>
+                <a:spcPts val="600"/>
+              </a:spcBef>
+              <a:buSzPct val="80000"/>
+              <a:buFont typeface="Arial" pitchFamily="34" charset="0"/>
+              <a:buChar char="•"/>
+              <a:defRPr sz="1400" kern="1200">
+                <a:solidFill>
+                  <a:schemeClr val="tx1">
+                    <a:lumMod val="65000"/>
+                    <a:lumOff val="35000"/>
+                  </a:schemeClr>
+                </a:solidFill>
+                <a:latin typeface="+mn-lt"/>
+                <a:ea typeface="+mn-ea"/>
+                <a:cs typeface="+mn-cs"/>
+              </a:defRPr>
+            </a:lvl8pPr>
+            <a:lvl9pPr marL="1645920" indent="-137160" algn="l" defTabSz="914400" rtl="0" eaLnBrk="1" latinLnBrk="0" hangingPunct="1">
+              <a:spcBef>
+                <a:spcPts val="600"/>
+              </a:spcBef>
+              <a:buSzPct val="80000"/>
+              <a:buFont typeface="Arial" pitchFamily="34" charset="0"/>
+              <a:buChar char="•"/>
+              <a:defRPr sz="1400" kern="1200">
+                <a:solidFill>
+                  <a:schemeClr val="tx1">
+                    <a:lumMod val="65000"/>
+                    <a:lumOff val="35000"/>
+                  </a:schemeClr>
+                </a:solidFill>
+                <a:latin typeface="+mn-lt"/>
+                <a:ea typeface="+mn-ea"/>
+                <a:cs typeface="+mn-cs"/>
+              </a:defRPr>
+            </a:lvl9pPr>
+          </a:lstStyle>
+          <a:p>
+            <a:pPr>
+              <a:buFont typeface="Wingdings" panose="05000000000000000000" pitchFamily="2" charset="2"/>
+              <a:buChar char="q"/>
+            </a:pPr>
+            <a:r>
+              <a:rPr lang="en-US" sz="3600" dirty="0">
+                <a:solidFill>
+                  <a:schemeClr val="accent6">
+                    <a:lumMod val="50000"/>
+                  </a:schemeClr>
+                </a:solidFill>
+              </a:rPr>
+              <a:t> High availability</a:t>
+            </a:r>
+          </a:p>
+          <a:p>
+            <a:pPr>
+              <a:buFont typeface="Wingdings" panose="05000000000000000000" pitchFamily="2" charset="2"/>
+              <a:buChar char="q"/>
+            </a:pPr>
+            <a:endParaRPr lang="en-US" sz="3600" dirty="0">
+              <a:solidFill>
+                <a:schemeClr val="accent6">
+                  <a:lumMod val="50000"/>
+                </a:schemeClr>
+              </a:solidFill>
+            </a:endParaRPr>
+          </a:p>
+          <a:p>
+            <a:pPr>
+              <a:buFont typeface="Wingdings" panose="05000000000000000000" pitchFamily="2" charset="2"/>
+              <a:buChar char="q"/>
+            </a:pPr>
+            <a:r>
+              <a:rPr lang="en-US" sz="3600" dirty="0">
+                <a:solidFill>
+                  <a:schemeClr val="accent6">
+                    <a:lumMod val="50000"/>
+                  </a:schemeClr>
+                </a:solidFill>
+              </a:rPr>
+              <a:t> High access rate</a:t>
+            </a:r>
+          </a:p>
+          <a:p>
+            <a:pPr>
+              <a:buFont typeface="Wingdings" panose="05000000000000000000" pitchFamily="2" charset="2"/>
+              <a:buChar char="q"/>
+            </a:pPr>
+            <a:endParaRPr lang="en-US" sz="3600" dirty="0">
+              <a:solidFill>
+                <a:schemeClr val="accent6">
+                  <a:lumMod val="50000"/>
+                </a:schemeClr>
+              </a:solidFill>
+            </a:endParaRPr>
+          </a:p>
+          <a:p>
+            <a:pPr>
+              <a:buFont typeface="Wingdings" panose="05000000000000000000" pitchFamily="2" charset="2"/>
+              <a:buChar char="q"/>
+            </a:pPr>
+            <a:r>
+              <a:rPr lang="en-US" sz="3600" dirty="0">
+                <a:solidFill>
+                  <a:schemeClr val="accent6">
+                    <a:lumMod val="50000"/>
+                  </a:schemeClr>
+                </a:solidFill>
+              </a:rPr>
+              <a:t> </a:t>
+            </a:r>
+            <a:r>
+              <a:rPr lang="en-GB" sz="3600" dirty="0">
+                <a:solidFill>
+                  <a:schemeClr val="accent6">
+                    <a:lumMod val="50000"/>
+                  </a:schemeClr>
+                </a:solidFill>
+              </a:rPr>
+              <a:t>Data security</a:t>
+            </a:r>
+            <a:endParaRPr lang="en-US" sz="3600" dirty="0">
+              <a:solidFill>
+                <a:schemeClr val="accent6">
+                  <a:lumMod val="50000"/>
+                </a:schemeClr>
+              </a:solidFill>
+            </a:endParaRPr>
+          </a:p>
+          <a:p>
+            <a:pPr marL="45720" indent="0">
+              <a:buNone/>
+            </a:pPr>
+            <a:endParaRPr lang="en-US" sz="3600" dirty="0">
+              <a:solidFill>
+                <a:schemeClr val="accent6">
+                  <a:lumMod val="50000"/>
+                </a:schemeClr>
+              </a:solidFill>
+            </a:endParaRPr>
+          </a:p>
+        </p:txBody>
+      </p:sp>
+      <p:sp>
+        <p:nvSpPr>
+          <p:cNvPr id="5" name="Rectangle 4"/>
+          <p:cNvSpPr/>
+          <p:nvPr/>
+        </p:nvSpPr>
+        <p:spPr>
+          <a:xfrm>
+            <a:off x="574515" y="1565013"/>
+            <a:ext cx="8643211" cy="34298"/>
+          </a:xfrm>
+          <a:prstGeom prst="rect">
+            <a:avLst/>
+          </a:prstGeom>
+        </p:spPr>
+        <p:style>
+          <a:lnRef idx="1">
+            <a:schemeClr val="accent1"/>
+          </a:lnRef>
+          <a:fillRef idx="3">
+            <a:schemeClr val="accent1"/>
+          </a:fillRef>
+          <a:effectRef idx="2">
+            <a:schemeClr val="accent1"/>
+          </a:effectRef>
+          <a:fontRef idx="minor">
+            <a:schemeClr val="lt1"/>
+          </a:fontRef>
+        </p:style>
+        <p:txBody>
+          <a:bodyPr rtlCol="0" anchor="ctr"/>
+          <a:lstStyle/>
+          <a:p>
+            <a:pPr algn="ctr"/>
+            <a:endParaRPr lang="en-US" sz="1350">
+              <a:solidFill>
+                <a:schemeClr val="tx1">
+                  <a:lumMod val="65000"/>
+                  <a:lumOff val="35000"/>
+                </a:schemeClr>
+              </a:solidFill>
+            </a:endParaRPr>
+          </a:p>
+        </p:txBody>
+      </p:sp>
+      <p:pic>
+        <p:nvPicPr>
+          <p:cNvPr id="7" name="Picture 6"/>
+          <p:cNvPicPr>
+            <a:picLocks noChangeAspect="1"/>
+          </p:cNvPicPr>
+          <p:nvPr/>
+        </p:nvPicPr>
+        <p:blipFill>
+          <a:blip r:embed="rId2">
+            <a:extLst>
+              <a:ext uri="{28A0092B-C50C-407E-A947-70E740481C1C}">
+                <a14:useLocalDpi xmlns:a14="http://schemas.microsoft.com/office/drawing/2010/main" val="0"/>
+              </a:ext>
+            </a:extLst>
+          </a:blip>
+          <a:stretch>
+            <a:fillRect/>
+          </a:stretch>
+        </p:blipFill>
+        <p:spPr>
+          <a:xfrm>
+            <a:off x="219576" y="620688"/>
+            <a:ext cx="1040056" cy="1091146"/>
+          </a:xfrm>
+          <a:prstGeom prst="rect">
+            <a:avLst/>
+          </a:prstGeom>
+        </p:spPr>
+      </p:pic>
+    </p:spTree>
+    <p:extLst>
+      <p:ext uri="{BB962C8B-B14F-4D97-AF65-F5344CB8AC3E}">
+        <p14:creationId xmlns:p14="http://schemas.microsoft.com/office/powerpoint/2010/main" val="3369188236"/>
+      </p:ext>
+    </p:extLst>
+  </p:cSld>
+  <p:clrMapOvr>
+    <a:masterClrMapping/>
+  </p:clrMapOvr>
+  <mc:AlternateContent xmlns:mc="http://schemas.openxmlformats.org/markup-compatibility/2006" xmlns:p14="http://schemas.microsoft.com/office/powerpoint/2010/main">
+    <mc:Choice Requires="p14">
+      <p:transition spd="slow" p14:dur="1600">
+        <p:blinds dir="vert"/>
+      </p:transition>
+    </mc:Choice>
+    <mc:Fallback xmlns="">
+      <p:transition spd="slow">
+        <p:blinds dir="vert"/>
+      </p:transition>
+    </mc:Fallback>
+  </mc:AlternateContent>
+</p:sld>
+</file>
+
+<file path=ppt/slides/slide13.xml><?xml version="1.0" encoding="utf-8"?>
+<p:sld xmlns:a="http://schemas.openxmlformats.org/drawingml/2006/main" xmlns:r="http://schemas.openxmlformats.org/officeDocument/2006/relationships" xmlns:p="http://schemas.openxmlformats.org/presentationml/2006/main">
+  <p:cSld>
+    <p:spTree>
+      <p:nvGrpSpPr>
+        <p:cNvPr id="1" name=""/>
+        <p:cNvGrpSpPr/>
+        <p:nvPr/>
+      </p:nvGrpSpPr>
+      <p:grpSpPr>
+        <a:xfrm>
+          <a:off x="0" y="0"/>
+          <a:ext cx="0" cy="0"/>
+          <a:chOff x="0" y="0"/>
+          <a:chExt cx="0" cy="0"/>
+        </a:xfrm>
+      </p:grpSpPr>
+      <p:sp>
+        <p:nvSpPr>
+          <p:cNvPr id="4" name="Content Placeholder 2"/>
+          <p:cNvSpPr txBox="1">
+            <a:spLocks/>
+          </p:cNvSpPr>
+          <p:nvPr/>
+        </p:nvSpPr>
+        <p:spPr>
+          <a:xfrm>
+            <a:off x="1468032" y="2132856"/>
+            <a:ext cx="9180250" cy="3018482"/>
+          </a:xfrm>
+          <a:prstGeom prst="rect">
+            <a:avLst/>
+          </a:prstGeom>
+        </p:spPr>
+        <p:txBody>
+          <a:bodyPr vert="horz" lIns="68598" tIns="34299" rIns="68598" bIns="34299" rtlCol="0">
+            <a:noAutofit/>
+          </a:bodyPr>
+          <a:lstStyle>
+            <a:lvl1pPr marL="274320" indent="-228600" algn="l" defTabSz="914400" rtl="0" eaLnBrk="1" latinLnBrk="0" hangingPunct="1">
+              <a:lnSpc>
+                <a:spcPct val="90000"/>
+              </a:lnSpc>
+              <a:spcBef>
+                <a:spcPts val="1800"/>
+              </a:spcBef>
+              <a:buClr>
+                <a:schemeClr val="tx1">
+                  <a:lumMod val="65000"/>
+                  <a:lumOff val="35000"/>
+                </a:schemeClr>
+              </a:buClr>
+              <a:buSzPct val="80000"/>
+              <a:buFont typeface="Arial" pitchFamily="34" charset="0"/>
+              <a:buChar char="•"/>
+              <a:defRPr sz="2000" kern="1200">
+                <a:solidFill>
+                  <a:schemeClr val="tx1">
+                    <a:lumMod val="65000"/>
+                    <a:lumOff val="35000"/>
+                  </a:schemeClr>
+                </a:solidFill>
+                <a:latin typeface="+mn-lt"/>
+                <a:ea typeface="+mn-ea"/>
+                <a:cs typeface="+mn-cs"/>
+              </a:defRPr>
+            </a:lvl1pPr>
+            <a:lvl2pPr marL="594360" indent="-228600" algn="l" defTabSz="914400" rtl="0" eaLnBrk="1" latinLnBrk="0" hangingPunct="1">
+              <a:lnSpc>
+                <a:spcPct val="90000"/>
+              </a:lnSpc>
+              <a:spcBef>
+                <a:spcPts val="1000"/>
+              </a:spcBef>
+              <a:buClr>
+                <a:schemeClr val="tx1">
+                  <a:lumMod val="65000"/>
+                  <a:lumOff val="35000"/>
+                </a:schemeClr>
+              </a:buClr>
+              <a:buSzPct val="80000"/>
+              <a:buFont typeface="Arial" pitchFamily="34" charset="0"/>
+              <a:buChar char="•"/>
+              <a:defRPr sz="1800" kern="1200">
+                <a:solidFill>
+                  <a:schemeClr val="tx1">
+                    <a:lumMod val="65000"/>
+                    <a:lumOff val="35000"/>
+                  </a:schemeClr>
+                </a:solidFill>
+                <a:latin typeface="+mn-lt"/>
+                <a:ea typeface="+mn-ea"/>
+                <a:cs typeface="+mn-cs"/>
+              </a:defRPr>
+            </a:lvl2pPr>
+            <a:lvl3pPr marL="777240" indent="-182880" algn="l" defTabSz="914400" rtl="0" eaLnBrk="1" latinLnBrk="0" hangingPunct="1">
+              <a:lnSpc>
+                <a:spcPct val="90000"/>
+              </a:lnSpc>
+              <a:spcBef>
+                <a:spcPts val="600"/>
+              </a:spcBef>
+              <a:buClr>
+                <a:schemeClr val="tx1">
+                  <a:lumMod val="65000"/>
+                  <a:lumOff val="35000"/>
+                </a:schemeClr>
+              </a:buClr>
+              <a:buSzPct val="80000"/>
+              <a:buFont typeface="Arial" pitchFamily="34" charset="0"/>
+              <a:buChar char="•"/>
+              <a:defRPr sz="1600" kern="1200">
+                <a:solidFill>
+                  <a:schemeClr val="tx1">
+                    <a:lumMod val="65000"/>
+                    <a:lumOff val="35000"/>
+                  </a:schemeClr>
+                </a:solidFill>
+                <a:latin typeface="+mn-lt"/>
+                <a:ea typeface="+mn-ea"/>
+                <a:cs typeface="+mn-cs"/>
+              </a:defRPr>
+            </a:lvl3pPr>
+            <a:lvl4pPr marL="960120" indent="-182880" algn="l" defTabSz="914400" rtl="0" eaLnBrk="1" latinLnBrk="0" hangingPunct="1">
+              <a:lnSpc>
+                <a:spcPct val="90000"/>
+              </a:lnSpc>
+              <a:spcBef>
+                <a:spcPts val="600"/>
+              </a:spcBef>
+              <a:buClr>
+                <a:schemeClr val="tx1">
+                  <a:lumMod val="65000"/>
+                  <a:lumOff val="35000"/>
+                </a:schemeClr>
+              </a:buClr>
+              <a:buSzPct val="80000"/>
+              <a:buFont typeface="Arial" pitchFamily="34" charset="0"/>
+              <a:buChar char="•"/>
+              <a:defRPr sz="1400" kern="1200">
+                <a:solidFill>
+                  <a:schemeClr val="tx1">
+                    <a:lumMod val="65000"/>
+                    <a:lumOff val="35000"/>
+                  </a:schemeClr>
+                </a:solidFill>
+                <a:latin typeface="+mn-lt"/>
+                <a:ea typeface="+mn-ea"/>
+                <a:cs typeface="+mn-cs"/>
+              </a:defRPr>
+            </a:lvl4pPr>
+            <a:lvl5pPr marL="1097280" indent="-137160" algn="l" defTabSz="914400" rtl="0" eaLnBrk="1" latinLnBrk="0" hangingPunct="1">
+              <a:lnSpc>
+                <a:spcPct val="90000"/>
+              </a:lnSpc>
+              <a:spcBef>
+                <a:spcPts val="600"/>
+              </a:spcBef>
+              <a:buClr>
+                <a:schemeClr val="tx1">
+                  <a:lumMod val="65000"/>
+                  <a:lumOff val="35000"/>
+                </a:schemeClr>
+              </a:buClr>
+              <a:buSzPct val="80000"/>
+              <a:buFont typeface="Arial" pitchFamily="34" charset="0"/>
+              <a:buChar char="•"/>
+              <a:defRPr sz="1400" kern="1200">
+                <a:solidFill>
+                  <a:schemeClr val="tx1">
+                    <a:lumMod val="65000"/>
+                    <a:lumOff val="35000"/>
+                  </a:schemeClr>
+                </a:solidFill>
+                <a:latin typeface="+mn-lt"/>
+                <a:ea typeface="+mn-ea"/>
+                <a:cs typeface="+mn-cs"/>
+              </a:defRPr>
+            </a:lvl5pPr>
+            <a:lvl6pPr marL="1234440" indent="-137160" algn="l" defTabSz="914400" rtl="0" eaLnBrk="1" latinLnBrk="0" hangingPunct="1">
+              <a:spcBef>
+                <a:spcPts val="600"/>
+              </a:spcBef>
+              <a:buSzPct val="80000"/>
+              <a:buFont typeface="Arial" pitchFamily="34" charset="0"/>
+              <a:buChar char="•"/>
+              <a:defRPr sz="1400" kern="1200">
+                <a:solidFill>
+                  <a:schemeClr val="tx1">
+                    <a:lumMod val="65000"/>
+                    <a:lumOff val="35000"/>
+                  </a:schemeClr>
+                </a:solidFill>
+                <a:latin typeface="+mn-lt"/>
+                <a:ea typeface="+mn-ea"/>
+                <a:cs typeface="+mn-cs"/>
+              </a:defRPr>
+            </a:lvl6pPr>
+            <a:lvl7pPr marL="1371600" indent="-137160" algn="l" defTabSz="914400" rtl="0" eaLnBrk="1" latinLnBrk="0" hangingPunct="1">
+              <a:spcBef>
+                <a:spcPts val="600"/>
+              </a:spcBef>
+              <a:buSzPct val="80000"/>
+              <a:buFont typeface="Arial" pitchFamily="34" charset="0"/>
+              <a:buChar char="•"/>
+              <a:defRPr sz="1400" kern="1200">
+                <a:solidFill>
+                  <a:schemeClr val="tx1">
+                    <a:lumMod val="65000"/>
+                    <a:lumOff val="35000"/>
+                  </a:schemeClr>
+                </a:solidFill>
+                <a:latin typeface="+mn-lt"/>
+                <a:ea typeface="+mn-ea"/>
+                <a:cs typeface="+mn-cs"/>
+              </a:defRPr>
+            </a:lvl7pPr>
+            <a:lvl8pPr marL="1508760" indent="-137160" algn="l" defTabSz="914400" rtl="0" eaLnBrk="1" latinLnBrk="0" hangingPunct="1">
+              <a:spcBef>
+                <a:spcPts val="600"/>
+              </a:spcBef>
+              <a:buSzPct val="80000"/>
+              <a:buFont typeface="Arial" pitchFamily="34" charset="0"/>
+              <a:buChar char="•"/>
+              <a:defRPr sz="1400" kern="1200">
+                <a:solidFill>
+                  <a:schemeClr val="tx1">
+                    <a:lumMod val="65000"/>
+                    <a:lumOff val="35000"/>
+                  </a:schemeClr>
+                </a:solidFill>
+                <a:latin typeface="+mn-lt"/>
+                <a:ea typeface="+mn-ea"/>
+                <a:cs typeface="+mn-cs"/>
+              </a:defRPr>
+            </a:lvl8pPr>
+            <a:lvl9pPr marL="1645920" indent="-137160" algn="l" defTabSz="914400" rtl="0" eaLnBrk="1" latinLnBrk="0" hangingPunct="1">
+              <a:spcBef>
+                <a:spcPts val="600"/>
+              </a:spcBef>
+              <a:buSzPct val="80000"/>
+              <a:buFont typeface="Arial" pitchFamily="34" charset="0"/>
+              <a:buChar char="•"/>
+              <a:defRPr sz="1400" kern="1200">
+                <a:solidFill>
+                  <a:schemeClr val="tx1">
+                    <a:lumMod val="65000"/>
+                    <a:lumOff val="35000"/>
+                  </a:schemeClr>
+                </a:solidFill>
+                <a:latin typeface="+mn-lt"/>
+                <a:ea typeface="+mn-ea"/>
+                <a:cs typeface="+mn-cs"/>
+              </a:defRPr>
+            </a:lvl9pPr>
+          </a:lstStyle>
+          <a:p>
+            <a:pPr>
+              <a:buFont typeface="Wingdings" panose="05000000000000000000" pitchFamily="2" charset="2"/>
+              <a:buChar char="q"/>
+            </a:pPr>
+            <a:r>
+              <a:rPr lang="en-GB" sz="3600" dirty="0">
+                <a:solidFill>
+                  <a:schemeClr val="accent6">
+                    <a:lumMod val="50000"/>
+                  </a:schemeClr>
+                </a:solidFill>
+              </a:rPr>
+              <a:t>Not Scalable</a:t>
+            </a:r>
+          </a:p>
+          <a:p>
+            <a:pPr>
+              <a:buFont typeface="Wingdings" panose="05000000000000000000" pitchFamily="2" charset="2"/>
+              <a:buChar char="q"/>
+            </a:pPr>
+            <a:endParaRPr lang="en-GB" sz="3600" dirty="0">
+              <a:solidFill>
+                <a:schemeClr val="accent6">
+                  <a:lumMod val="50000"/>
+                </a:schemeClr>
+              </a:solidFill>
+            </a:endParaRPr>
+          </a:p>
+          <a:p>
+            <a:pPr>
+              <a:buFont typeface="Wingdings" panose="05000000000000000000" pitchFamily="2" charset="2"/>
+              <a:buChar char="q"/>
+            </a:pPr>
+            <a:r>
+              <a:rPr lang="en-US" sz="3600" dirty="0">
+                <a:solidFill>
+                  <a:schemeClr val="accent6">
+                    <a:lumMod val="50000"/>
+                  </a:schemeClr>
+                </a:solidFill>
+              </a:rPr>
+              <a:t>Allow only one user at a time</a:t>
+            </a:r>
+          </a:p>
+          <a:p>
+            <a:pPr>
+              <a:buFont typeface="Wingdings" panose="05000000000000000000" pitchFamily="2" charset="2"/>
+              <a:buChar char="q"/>
+            </a:pPr>
+            <a:endParaRPr lang="en-US" sz="3600" dirty="0">
+              <a:solidFill>
+                <a:schemeClr val="accent6">
+                  <a:lumMod val="50000"/>
+                </a:schemeClr>
+              </a:solidFill>
+            </a:endParaRPr>
+          </a:p>
+          <a:p>
+            <a:pPr>
+              <a:buFont typeface="Wingdings" panose="05000000000000000000" pitchFamily="2" charset="2"/>
+              <a:buChar char="q"/>
+            </a:pPr>
+            <a:r>
+              <a:rPr lang="en-US" sz="3600" dirty="0">
+                <a:solidFill>
+                  <a:schemeClr val="accent6">
+                    <a:lumMod val="50000"/>
+                  </a:schemeClr>
+                </a:solidFill>
+              </a:rPr>
+              <a:t>High administrative cost</a:t>
+            </a:r>
+          </a:p>
+        </p:txBody>
+      </p:sp>
+      <p:sp>
+        <p:nvSpPr>
+          <p:cNvPr id="7" name="Title 1"/>
+          <p:cNvSpPr>
+            <a:spLocks noGrp="1"/>
+          </p:cNvSpPr>
+          <p:nvPr>
+            <p:ph type="title"/>
+          </p:nvPr>
+        </p:nvSpPr>
+        <p:spPr>
+          <a:xfrm>
+            <a:off x="1456600" y="756484"/>
+            <a:ext cx="5275640" cy="800308"/>
+          </a:xfrm>
+        </p:spPr>
+        <p:txBody>
+          <a:bodyPr>
+            <a:noAutofit/>
+          </a:bodyPr>
+          <a:lstStyle/>
+          <a:p>
+            <a:r>
+              <a:rPr lang="en-US" sz="4000" dirty="0" err="1"/>
+              <a:t>Disdvantages</a:t>
+            </a:r>
+            <a:r>
+              <a:rPr lang="en-US" sz="4000" dirty="0"/>
+              <a:t> of DAS</a:t>
+            </a:r>
+          </a:p>
+        </p:txBody>
+      </p:sp>
+      <p:sp>
+        <p:nvSpPr>
+          <p:cNvPr id="8" name="Rectangle 7"/>
+          <p:cNvSpPr/>
+          <p:nvPr/>
+        </p:nvSpPr>
+        <p:spPr>
+          <a:xfrm>
+            <a:off x="574515" y="1565013"/>
+            <a:ext cx="8643211" cy="34298"/>
+          </a:xfrm>
+          <a:prstGeom prst="rect">
+            <a:avLst/>
+          </a:prstGeom>
+        </p:spPr>
+        <p:style>
+          <a:lnRef idx="1">
+            <a:schemeClr val="accent1"/>
+          </a:lnRef>
+          <a:fillRef idx="3">
+            <a:schemeClr val="accent1"/>
+          </a:fillRef>
+          <a:effectRef idx="2">
+            <a:schemeClr val="accent1"/>
+          </a:effectRef>
+          <a:fontRef idx="minor">
+            <a:schemeClr val="lt1"/>
+          </a:fontRef>
+        </p:style>
+        <p:txBody>
+          <a:bodyPr rtlCol="0" anchor="ctr"/>
+          <a:lstStyle/>
+          <a:p>
+            <a:pPr algn="ctr"/>
+            <a:endParaRPr lang="en-US" sz="1350">
+              <a:solidFill>
+                <a:schemeClr val="tx1">
+                  <a:lumMod val="65000"/>
+                  <a:lumOff val="35000"/>
+                </a:schemeClr>
+              </a:solidFill>
+            </a:endParaRPr>
+          </a:p>
+        </p:txBody>
+      </p:sp>
+      <p:pic>
+        <p:nvPicPr>
+          <p:cNvPr id="11" name="Picture 10"/>
+          <p:cNvPicPr>
+            <a:picLocks noChangeAspect="1"/>
+          </p:cNvPicPr>
+          <p:nvPr/>
+        </p:nvPicPr>
+        <p:blipFill>
+          <a:blip r:embed="rId2">
+            <a:extLst>
+              <a:ext uri="{BEBA8EAE-BF5A-486C-A8C5-ECC9F3942E4B}">
+                <a14:imgProps xmlns:a14="http://schemas.microsoft.com/office/drawing/2010/main">
+                  <a14:imgLayer r:embed="rId3">
+                    <a14:imgEffect>
+                      <a14:saturation sat="66000"/>
+                    </a14:imgEffect>
+                  </a14:imgLayer>
+                </a14:imgProps>
+              </a:ext>
+              <a:ext uri="{28A0092B-C50C-407E-A947-70E740481C1C}">
+                <a14:useLocalDpi xmlns:a14="http://schemas.microsoft.com/office/drawing/2010/main" val="0"/>
+              </a:ext>
+            </a:extLst>
+          </a:blip>
+          <a:stretch>
+            <a:fillRect/>
+          </a:stretch>
+        </p:blipFill>
+        <p:spPr>
+          <a:xfrm>
+            <a:off x="218745" y="908720"/>
+            <a:ext cx="1127514" cy="1184147"/>
+          </a:xfrm>
+          <a:prstGeom prst="rect">
+            <a:avLst/>
+          </a:prstGeom>
+        </p:spPr>
+      </p:pic>
+    </p:spTree>
+    <p:extLst>
+      <p:ext uri="{BB962C8B-B14F-4D97-AF65-F5344CB8AC3E}">
+        <p14:creationId xmlns:p14="http://schemas.microsoft.com/office/powerpoint/2010/main" val="3877865306"/>
+      </p:ext>
+    </p:extLst>
+  </p:cSld>
+  <p:clrMapOvr>
+    <a:masterClrMapping/>
+  </p:clrMapOvr>
+  <mc:AlternateContent xmlns:mc="http://schemas.openxmlformats.org/markup-compatibility/2006" xmlns:p14="http://schemas.microsoft.com/office/powerpoint/2010/main">
+    <mc:Choice Requires="p14">
+      <p:transition spd="slow" p14:dur="1400">
+        <p14:ripple/>
+      </p:transition>
+    </mc:Choice>
+    <mc:Fallback xmlns="">
+      <p:transition spd="slow">
+        <p:fade/>
+      </p:transition>
+    </mc:Fallback>
+  </mc:AlternateContent>
+</p:sld>
+</file>
+
+<file path=ppt/slides/slide14.xml><?xml version="1.0" encoding="utf-8"?>
+<p:sld xmlns:a="http://schemas.openxmlformats.org/drawingml/2006/main" xmlns:r="http://schemas.openxmlformats.org/officeDocument/2006/relationships" xmlns:p="http://schemas.openxmlformats.org/presentationml/2006/main">
+  <p:cSld>
+    <p:spTree>
+      <p:nvGrpSpPr>
+        <p:cNvPr id="1" name=""/>
+        <p:cNvGrpSpPr/>
+        <p:nvPr/>
+      </p:nvGrpSpPr>
+      <p:grpSpPr>
+        <a:xfrm>
+          <a:off x="0" y="0"/>
+          <a:ext cx="0" cy="0"/>
+          <a:chOff x="0" y="0"/>
+          <a:chExt cx="0" cy="0"/>
+        </a:xfrm>
+      </p:grpSpPr>
+      <p:sp>
+        <p:nvSpPr>
+          <p:cNvPr id="2" name="Title 1"/>
+          <p:cNvSpPr>
+            <a:spLocks noGrp="1"/>
+          </p:cNvSpPr>
+          <p:nvPr>
+            <p:ph type="title"/>
+          </p:nvPr>
+        </p:nvSpPr>
+        <p:spPr>
+          <a:xfrm>
+            <a:off x="971600" y="-77213"/>
+            <a:ext cx="6516798" cy="1880428"/>
+          </a:xfrm>
+        </p:spPr>
+        <p:txBody>
+          <a:bodyPr>
+            <a:noAutofit/>
+          </a:bodyPr>
+          <a:lstStyle/>
+          <a:p>
+            <a:pPr algn="ctr"/>
+            <a:r>
+              <a:rPr lang="en-US" sz="6000" dirty="0">
+                <a:solidFill>
+                  <a:schemeClr val="accent6">
+                    <a:lumMod val="50000"/>
+                  </a:schemeClr>
+                </a:solidFill>
+              </a:rPr>
+              <a:t>NAS</a:t>
+            </a:r>
+            <a:br>
+              <a:rPr lang="en-US" sz="4051" dirty="0"/>
+            </a:br>
+            <a:r>
+              <a:rPr lang="en-US" sz="4051" dirty="0"/>
+              <a:t>Network Attached Storage</a:t>
+            </a:r>
+          </a:p>
+        </p:txBody>
+      </p:sp>
+      <p:sp>
+        <p:nvSpPr>
+          <p:cNvPr id="3" name="Rectangle 2"/>
+          <p:cNvSpPr/>
+          <p:nvPr/>
+        </p:nvSpPr>
+        <p:spPr>
+          <a:xfrm>
+            <a:off x="971600" y="2780928"/>
+            <a:ext cx="8028384" cy="2308324"/>
+          </a:xfrm>
+          <a:prstGeom prst="rect">
+            <a:avLst/>
+          </a:prstGeom>
+        </p:spPr>
+        <p:txBody>
+          <a:bodyPr wrap="square">
+            <a:spAutoFit/>
+          </a:bodyPr>
+          <a:lstStyle/>
+          <a:p>
+            <a:pPr marL="571500" indent="-571500">
+              <a:buFont typeface="Wingdings" panose="05000000000000000000" pitchFamily="2" charset="2"/>
+              <a:buChar char="v"/>
+            </a:pPr>
+            <a:r>
+              <a:rPr lang="en-US" sz="3600" dirty="0">
+                <a:solidFill>
+                  <a:schemeClr val="accent6">
+                    <a:lumMod val="50000"/>
+                  </a:schemeClr>
+                </a:solidFill>
+              </a:rPr>
+              <a:t>Provides a </a:t>
+            </a:r>
+            <a:r>
+              <a:rPr lang="en-US" sz="3600" dirty="0">
+                <a:solidFill>
+                  <a:srgbClr val="0070C0"/>
+                </a:solidFill>
+              </a:rPr>
+              <a:t>file sharing </a:t>
+            </a:r>
+            <a:r>
+              <a:rPr lang="en-US" sz="3600" dirty="0">
+                <a:solidFill>
+                  <a:schemeClr val="accent6">
+                    <a:lumMod val="50000"/>
+                  </a:schemeClr>
+                </a:solidFill>
+              </a:rPr>
+              <a:t>system or storage management system</a:t>
+            </a:r>
+          </a:p>
+          <a:p>
+            <a:endParaRPr lang="en-US" sz="3600" dirty="0">
+              <a:solidFill>
+                <a:schemeClr val="accent6">
+                  <a:lumMod val="50000"/>
+                </a:schemeClr>
+              </a:solidFill>
+            </a:endParaRPr>
+          </a:p>
+          <a:p>
+            <a:pPr marL="571500" indent="-571500">
+              <a:buFont typeface="Wingdings" panose="05000000000000000000" pitchFamily="2" charset="2"/>
+              <a:buChar char="v"/>
+            </a:pPr>
+            <a:r>
+              <a:rPr lang="en-US" sz="3600" dirty="0">
+                <a:solidFill>
+                  <a:schemeClr val="accent6">
+                    <a:lumMod val="50000"/>
+                  </a:schemeClr>
+                </a:solidFill>
+              </a:rPr>
+              <a:t>Act Upon </a:t>
+            </a:r>
+            <a:r>
+              <a:rPr lang="en-US" sz="3600" dirty="0">
+                <a:solidFill>
+                  <a:srgbClr val="0070C0"/>
+                </a:solidFill>
+              </a:rPr>
+              <a:t>Ethernet</a:t>
+            </a:r>
+          </a:p>
+        </p:txBody>
+      </p:sp>
+      <p:sp>
+        <p:nvSpPr>
+          <p:cNvPr id="4" name="Rectangle 3"/>
+          <p:cNvSpPr/>
+          <p:nvPr/>
+        </p:nvSpPr>
+        <p:spPr>
+          <a:xfrm>
+            <a:off x="-108520" y="1871113"/>
+            <a:ext cx="9505055" cy="45719"/>
+          </a:xfrm>
+          <a:prstGeom prst="rect">
+            <a:avLst/>
+          </a:prstGeom>
+        </p:spPr>
+        <p:style>
+          <a:lnRef idx="1">
+            <a:schemeClr val="accent1"/>
+          </a:lnRef>
+          <a:fillRef idx="3">
+            <a:schemeClr val="accent1"/>
+          </a:fillRef>
+          <a:effectRef idx="2">
+            <a:schemeClr val="accent1"/>
+          </a:effectRef>
+          <a:fontRef idx="minor">
+            <a:schemeClr val="lt1"/>
+          </a:fontRef>
+        </p:style>
+        <p:txBody>
+          <a:bodyPr rtlCol="0" anchor="ctr"/>
+          <a:lstStyle/>
+          <a:p>
+            <a:pPr algn="ctr"/>
+            <a:endParaRPr lang="en-US" sz="1350">
+              <a:solidFill>
+                <a:schemeClr val="tx1">
+                  <a:lumMod val="65000"/>
+                  <a:lumOff val="35000"/>
+                </a:schemeClr>
+              </a:solidFill>
+            </a:endParaRPr>
+          </a:p>
+        </p:txBody>
+      </p:sp>
+    </p:spTree>
+    <p:extLst>
+      <p:ext uri="{BB962C8B-B14F-4D97-AF65-F5344CB8AC3E}">
+        <p14:creationId xmlns:p14="http://schemas.microsoft.com/office/powerpoint/2010/main" val="1375462907"/>
+      </p:ext>
+    </p:extLst>
+  </p:cSld>
+  <p:clrMapOvr>
+    <a:masterClrMapping/>
+  </p:clrMapOvr>
+  <mc:AlternateContent xmlns:mc="http://schemas.openxmlformats.org/markup-compatibility/2006" xmlns:p14="http://schemas.microsoft.com/office/powerpoint/2010/main">
+    <mc:Choice Requires="p14">
+      <p:transition spd="slow" p14:dur="1600">
+        <p14:prism isInverted="1"/>
+      </p:transition>
+    </mc:Choice>
+    <mc:Fallback xmlns="">
+      <p:transition spd="slow">
+        <p:fade/>
+      </p:transition>
+    </mc:Fallback>
+  </mc:AlternateContent>
+</p:sld>
+</file>
+
+<file path=ppt/slides/slide15.xml><?xml version="1.0" encoding="utf-8"?>
+<p:sld xmlns:a="http://schemas.openxmlformats.org/drawingml/2006/main" xmlns:r="http://schemas.openxmlformats.org/officeDocument/2006/relationships" xmlns:p="http://schemas.openxmlformats.org/presentationml/2006/main">
+  <p:cSld>
+    <p:spTree>
+      <p:nvGrpSpPr>
+        <p:cNvPr id="1" name=""/>
+        <p:cNvGrpSpPr/>
+        <p:nvPr/>
+      </p:nvGrpSpPr>
+      <p:grpSpPr>
+        <a:xfrm>
+          <a:off x="0" y="0"/>
+          <a:ext cx="0" cy="0"/>
+          <a:chOff x="0" y="0"/>
+          <a:chExt cx="0" cy="0"/>
+        </a:xfrm>
+      </p:grpSpPr>
+      <p:pic>
+        <p:nvPicPr>
+          <p:cNvPr id="4" name="Picture 3"/>
+          <p:cNvPicPr>
+            <a:picLocks noChangeAspect="1"/>
+          </p:cNvPicPr>
+          <p:nvPr/>
+        </p:nvPicPr>
+        <p:blipFill rotWithShape="1">
+          <a:blip r:embed="rId2">
+            <a:extLst>
+              <a:ext uri="{28A0092B-C50C-407E-A947-70E740481C1C}">
+                <a14:useLocalDpi xmlns:a14="http://schemas.microsoft.com/office/drawing/2010/main" val="0"/>
+              </a:ext>
+            </a:extLst>
+          </a:blip>
+          <a:srcRect b="12255"/>
+          <a:stretch/>
+        </p:blipFill>
+        <p:spPr>
+          <a:xfrm>
+            <a:off x="899592" y="1484785"/>
+            <a:ext cx="6519079" cy="3816424"/>
+          </a:xfrm>
+          <a:prstGeom prst="rect">
+            <a:avLst/>
+          </a:prstGeom>
+        </p:spPr>
+      </p:pic>
+    </p:spTree>
+    <p:extLst>
+      <p:ext uri="{BB962C8B-B14F-4D97-AF65-F5344CB8AC3E}">
+        <p14:creationId xmlns:p14="http://schemas.microsoft.com/office/powerpoint/2010/main" val="1434522574"/>
+      </p:ext>
+    </p:extLst>
+  </p:cSld>
+  <p:clrMapOvr>
+    <a:masterClrMapping/>
+  </p:clrMapOvr>
+  <mc:AlternateContent xmlns:mc="http://schemas.openxmlformats.org/markup-compatibility/2006" xmlns:p15="http://schemas.microsoft.com/office/powerpoint/2012/main">
+    <mc:Choice Requires="p15">
+      <p:transition xmlns:p14="http://schemas.microsoft.com/office/powerpoint/2010/main" spd="slow" p14:dur="2000">
+        <p15:prstTrans prst="crush"/>
+      </p:transition>
+    </mc:Choice>
+    <mc:Fallback xmlns="">
+      <p:transition spd="slow">
+        <p:fade/>
+      </p:transition>
+    </mc:Fallback>
+  </mc:AlternateContent>
+</p:sld>
+</file>
+
+<file path=ppt/slides/slide2.xml><?xml version="1.0" encoding="utf-8"?>
+<p:sld xmlns:a="http://schemas.openxmlformats.org/drawingml/2006/main" xmlns:r="http://schemas.openxmlformats.org/officeDocument/2006/relationships" xmlns:p="http://schemas.openxmlformats.org/presentationml/2006/main">
+  <p:cSld>
+    <p:spTree>
+      <p:nvGrpSpPr>
+        <p:cNvPr id="1" name=""/>
+        <p:cNvGrpSpPr/>
+        <p:nvPr/>
+      </p:nvGrpSpPr>
+      <p:grpSpPr>
+        <a:xfrm>
+          <a:off x="0" y="0"/>
+          <a:ext cx="0" cy="0"/>
+          <a:chOff x="0" y="0"/>
+          <a:chExt cx="0" cy="0"/>
+        </a:xfrm>
+      </p:grpSpPr>
+      <p:sp>
+        <p:nvSpPr>
+          <p:cNvPr id="2" name="Rectangle 1"/>
+          <p:cNvSpPr/>
+          <p:nvPr/>
+        </p:nvSpPr>
+        <p:spPr>
+          <a:xfrm>
+            <a:off x="574515" y="1960466"/>
+            <a:ext cx="8697231" cy="34298"/>
+          </a:xfrm>
+          <a:prstGeom prst="rect">
+            <a:avLst/>
+          </a:prstGeom>
+        </p:spPr>
+        <p:style>
+          <a:lnRef idx="1">
+            <a:schemeClr val="accent1"/>
+          </a:lnRef>
+          <a:fillRef idx="3">
+            <a:schemeClr val="accent1"/>
+          </a:fillRef>
+          <a:effectRef idx="2">
+            <a:schemeClr val="accent1"/>
+          </a:effectRef>
+          <a:fontRef idx="minor">
+            <a:schemeClr val="lt1"/>
+          </a:fontRef>
+        </p:style>
+        <p:txBody>
+          <a:bodyPr rtlCol="0" anchor="ctr"/>
+          <a:lstStyle/>
+          <a:p>
+            <a:pPr algn="ctr"/>
+            <a:endParaRPr lang="en-US" sz="1350">
+              <a:solidFill>
+                <a:schemeClr val="tx1">
+                  <a:lumMod val="65000"/>
+                  <a:lumOff val="35000"/>
+                </a:schemeClr>
+              </a:solidFill>
+            </a:endParaRPr>
+          </a:p>
+        </p:txBody>
+      </p:sp>
+      <p:sp>
+        <p:nvSpPr>
+          <p:cNvPr id="3" name="Rectangle 2"/>
+          <p:cNvSpPr/>
+          <p:nvPr/>
+        </p:nvSpPr>
+        <p:spPr>
+          <a:xfrm>
+            <a:off x="466475" y="1196752"/>
+            <a:ext cx="9181103" cy="646331"/>
+          </a:xfrm>
+          <a:prstGeom prst="rect">
+            <a:avLst/>
+          </a:prstGeom>
+        </p:spPr>
+        <p:txBody>
+          <a:bodyPr wrap="none">
+            <a:spAutoFit/>
+          </a:bodyPr>
+          <a:lstStyle/>
+          <a:p>
+            <a:r>
+              <a:rPr lang="en-US" sz="3600" dirty="0">
+                <a:solidFill>
+                  <a:schemeClr val="accent1">
+                    <a:lumMod val="75000"/>
+                  </a:schemeClr>
+                </a:solidFill>
+              </a:rPr>
+              <a:t>What is Object Oriented Programming(OOP) ?</a:t>
+            </a:r>
+          </a:p>
+        </p:txBody>
+      </p:sp>
+      <p:sp>
+        <p:nvSpPr>
+          <p:cNvPr id="4" name="Rectangle 3"/>
+          <p:cNvSpPr/>
+          <p:nvPr/>
+        </p:nvSpPr>
+        <p:spPr>
+          <a:xfrm>
+            <a:off x="971600" y="2852936"/>
+            <a:ext cx="7076628" cy="1815882"/>
+          </a:xfrm>
+          <a:prstGeom prst="rect">
+            <a:avLst/>
+          </a:prstGeom>
+        </p:spPr>
+        <p:txBody>
+          <a:bodyPr wrap="square">
+            <a:spAutoFit/>
+          </a:bodyPr>
+          <a:lstStyle/>
+          <a:p>
+            <a:r>
+              <a:rPr lang="en-GB" sz="2800" dirty="0">
+                <a:solidFill>
+                  <a:schemeClr val="accent6">
+                    <a:lumMod val="50000"/>
+                  </a:schemeClr>
+                </a:solidFill>
+              </a:rPr>
+              <a:t>OOP is a programming paradigm which mainly focuses on the concept of “objects” to construct the real world scenario to solve real world problem through programming.</a:t>
+            </a:r>
+            <a:endParaRPr lang="en-US" sz="2800" dirty="0">
+              <a:solidFill>
+                <a:schemeClr val="accent6">
+                  <a:lumMod val="50000"/>
+                </a:schemeClr>
+              </a:solidFill>
+            </a:endParaRPr>
+          </a:p>
+        </p:txBody>
+      </p:sp>
+    </p:spTree>
+    <p:extLst>
+      <p:ext uri="{BB962C8B-B14F-4D97-AF65-F5344CB8AC3E}">
+        <p14:creationId xmlns:p14="http://schemas.microsoft.com/office/powerpoint/2010/main" val="3587736867"/>
+      </p:ext>
+    </p:extLst>
+  </p:cSld>
+  <p:clrMapOvr>
+    <a:masterClrMapping/>
+  </p:clrMapOvr>
+  <mc:AlternateContent xmlns:mc="http://schemas.openxmlformats.org/markup-compatibility/2006" xmlns:p14="http://schemas.microsoft.com/office/powerpoint/2010/main">
+    <mc:Choice Requires="p14">
+      <p:transition spd="slow" p14:dur="1600">
+        <p14:gallery dir="l"/>
+      </p:transition>
+    </mc:Choice>
+    <mc:Fallback xmlns="">
+      <p:transition spd="slow">
+        <p:fade/>
+      </p:transition>
+    </mc:Fallback>
+  </mc:AlternateContent>
+</p:sld>
+</file>
+
+<file path=ppt/slides/slide3.xml><?xml version="1.0" encoding="utf-8"?>
+<p:sld xmlns:a="http://schemas.openxmlformats.org/drawingml/2006/main" xmlns:r="http://schemas.openxmlformats.org/officeDocument/2006/relationships" xmlns:p="http://schemas.openxmlformats.org/presentationml/2006/main">
+  <p:cSld>
+    <p:spTree>
+      <p:nvGrpSpPr>
+        <p:cNvPr id="1" name=""/>
+        <p:cNvGrpSpPr/>
+        <p:nvPr/>
+      </p:nvGrpSpPr>
+      <p:grpSpPr>
+        <a:xfrm>
+          <a:off x="0" y="0"/>
+          <a:ext cx="0" cy="0"/>
+          <a:chOff x="0" y="0"/>
+          <a:chExt cx="0" cy="0"/>
+        </a:xfrm>
+      </p:grpSpPr>
+      <p:sp>
+        <p:nvSpPr>
+          <p:cNvPr id="3" name="Rectangle 2"/>
+          <p:cNvSpPr/>
+          <p:nvPr/>
+        </p:nvSpPr>
+        <p:spPr>
+          <a:xfrm>
+            <a:off x="1043608" y="5085184"/>
+            <a:ext cx="6163097" cy="923330"/>
+          </a:xfrm>
+          <a:prstGeom prst="rect">
+            <a:avLst/>
+          </a:prstGeom>
+        </p:spPr>
+        <p:txBody>
+          <a:bodyPr wrap="none">
+            <a:spAutoFit/>
+          </a:bodyPr>
+          <a:lstStyle/>
+          <a:p>
+            <a:r>
+              <a:rPr lang="en-US" sz="5400" dirty="0">
+                <a:solidFill>
+                  <a:schemeClr val="accent1">
+                    <a:lumMod val="75000"/>
+                  </a:schemeClr>
+                </a:solidFill>
+              </a:rPr>
+              <a:t>Why is it important?</a:t>
+            </a:r>
+          </a:p>
+        </p:txBody>
+      </p:sp>
+    </p:spTree>
+    <p:extLst>
+      <p:ext uri="{BB962C8B-B14F-4D97-AF65-F5344CB8AC3E}">
+        <p14:creationId xmlns:p14="http://schemas.microsoft.com/office/powerpoint/2010/main" val="3024188450"/>
+      </p:ext>
+    </p:extLst>
+  </p:cSld>
+  <p:clrMapOvr>
+    <a:masterClrMapping/>
+  </p:clrMapOvr>
+  <mc:AlternateContent xmlns:mc="http://schemas.openxmlformats.org/markup-compatibility/2006" xmlns:p14="http://schemas.microsoft.com/office/powerpoint/2010/main">
+    <mc:Choice Requires="p14">
+      <p:transition spd="slow" p14:dur="1200">
+        <p14:prism/>
+      </p:transition>
+    </mc:Choice>
+    <mc:Fallback xmlns="">
+      <p:transition spd="slow">
+        <p:fade/>
+      </p:transition>
+    </mc:Fallback>
+  </mc:AlternateContent>
+</p:sld>
+</file>
+
+<file path=ppt/slides/slide4.xml><?xml version="1.0" encoding="utf-8"?>
+<p:sld xmlns:a="http://schemas.openxmlformats.org/drawingml/2006/main" xmlns:r="http://schemas.openxmlformats.org/officeDocument/2006/relationships" xmlns:p="http://schemas.openxmlformats.org/presentationml/2006/main">
+  <p:cSld>
+    <p:spTree>
+      <p:nvGrpSpPr>
+        <p:cNvPr id="1" name=""/>
+        <p:cNvGrpSpPr/>
+        <p:nvPr/>
+      </p:nvGrpSpPr>
+      <p:grpSpPr>
+        <a:xfrm>
+          <a:off x="0" y="0"/>
+          <a:ext cx="0" cy="0"/>
+          <a:chOff x="0" y="0"/>
+          <a:chExt cx="0" cy="0"/>
+        </a:xfrm>
+      </p:grpSpPr>
+      <p:sp>
+        <p:nvSpPr>
+          <p:cNvPr id="3" name="Rectangle 2"/>
+          <p:cNvSpPr/>
+          <p:nvPr/>
+        </p:nvSpPr>
+        <p:spPr>
+          <a:xfrm>
+            <a:off x="1386053" y="1340430"/>
+            <a:ext cx="6163097" cy="923330"/>
+          </a:xfrm>
+          <a:prstGeom prst="rect">
+            <a:avLst/>
+          </a:prstGeom>
+        </p:spPr>
+        <p:txBody>
+          <a:bodyPr wrap="none">
+            <a:spAutoFit/>
+          </a:bodyPr>
+          <a:lstStyle/>
+          <a:p>
+            <a:r>
+              <a:rPr lang="en-US" sz="5400" dirty="0">
+                <a:solidFill>
+                  <a:schemeClr val="accent1">
+                    <a:lumMod val="75000"/>
+                  </a:schemeClr>
+                </a:solidFill>
+              </a:rPr>
+              <a:t>Why is it important?</a:t>
+            </a:r>
+          </a:p>
+        </p:txBody>
+      </p:sp>
+    </p:spTree>
+    <p:extLst>
+      <p:ext uri="{BB962C8B-B14F-4D97-AF65-F5344CB8AC3E}">
+        <p14:creationId xmlns:p14="http://schemas.microsoft.com/office/powerpoint/2010/main" val="3483086654"/>
+      </p:ext>
+    </p:extLst>
+  </p:cSld>
+  <p:clrMapOvr>
+    <a:masterClrMapping/>
+  </p:clrMapOvr>
+  <mc:AlternateContent xmlns:mc="http://schemas.openxmlformats.org/markup-compatibility/2006" xmlns:p14="http://schemas.microsoft.com/office/powerpoint/2010/main">
+    <mc:Choice Requires="p14">
+      <p:transition spd="slow" p14:dur="1200">
+        <p14:prism/>
+      </p:transition>
+    </mc:Choice>
+    <mc:Fallback xmlns="">
+      <p:transition spd="slow">
+        <p:fade/>
+      </p:transition>
+    </mc:Fallback>
+  </mc:AlternateContent>
+</p:sld>
+</file>
+
+<file path=ppt/slides/slide5.xml><?xml version="1.0" encoding="utf-8"?>
+<p:sld xmlns:a="http://schemas.openxmlformats.org/drawingml/2006/main" xmlns:r="http://schemas.openxmlformats.org/officeDocument/2006/relationships" xmlns:p="http://schemas.openxmlformats.org/presentationml/2006/main">
+  <p:cSld>
+    <p:spTree>
+      <p:nvGrpSpPr>
+        <p:cNvPr id="1" name=""/>
+        <p:cNvGrpSpPr/>
+        <p:nvPr/>
+      </p:nvGrpSpPr>
+      <p:grpSpPr>
+        <a:xfrm>
+          <a:off x="0" y="0"/>
+          <a:ext cx="0" cy="0"/>
+          <a:chOff x="0" y="0"/>
+          <a:chExt cx="0" cy="0"/>
+        </a:xfrm>
+      </p:grpSpPr>
+      <p:sp>
+        <p:nvSpPr>
+          <p:cNvPr id="2" name="Rectangle 1"/>
+          <p:cNvSpPr/>
+          <p:nvPr/>
+        </p:nvSpPr>
+        <p:spPr>
+          <a:xfrm>
+            <a:off x="574515" y="1744442"/>
+            <a:ext cx="8697231" cy="34298"/>
+          </a:xfrm>
+          <a:prstGeom prst="rect">
+            <a:avLst/>
+          </a:prstGeom>
+        </p:spPr>
+        <p:style>
+          <a:lnRef idx="1">
+            <a:schemeClr val="accent1"/>
+          </a:lnRef>
+          <a:fillRef idx="3">
+            <a:schemeClr val="accent1"/>
+          </a:fillRef>
+          <a:effectRef idx="2">
+            <a:schemeClr val="accent1"/>
+          </a:effectRef>
+          <a:fontRef idx="minor">
+            <a:schemeClr val="lt1"/>
+          </a:fontRef>
+        </p:style>
+        <p:txBody>
+          <a:bodyPr rtlCol="0" anchor="ctr"/>
+          <a:lstStyle/>
+          <a:p>
+            <a:pPr algn="ctr"/>
+            <a:endParaRPr lang="en-US" sz="1350">
+              <a:solidFill>
+                <a:schemeClr val="tx1">
+                  <a:lumMod val="65000"/>
+                  <a:lumOff val="35000"/>
+                </a:schemeClr>
+              </a:solidFill>
+            </a:endParaRPr>
+          </a:p>
+        </p:txBody>
+      </p:sp>
+      <p:sp>
+        <p:nvSpPr>
+          <p:cNvPr id="3" name="Rectangle 2"/>
+          <p:cNvSpPr/>
+          <p:nvPr/>
+        </p:nvSpPr>
+        <p:spPr>
+          <a:xfrm>
+            <a:off x="467544" y="980728"/>
+            <a:ext cx="6828985" cy="769441"/>
+          </a:xfrm>
+          <a:prstGeom prst="rect">
+            <a:avLst/>
+          </a:prstGeom>
+        </p:spPr>
+        <p:txBody>
+          <a:bodyPr wrap="none">
+            <a:spAutoFit/>
+          </a:bodyPr>
+          <a:lstStyle/>
+          <a:p>
+            <a:r>
+              <a:rPr lang="en-US" sz="4400" dirty="0">
+                <a:solidFill>
+                  <a:schemeClr val="accent1">
+                    <a:lumMod val="75000"/>
+                  </a:schemeClr>
+                </a:solidFill>
+              </a:rPr>
+              <a:t>What is Enterprise Storage?</a:t>
+            </a:r>
+          </a:p>
+        </p:txBody>
+      </p:sp>
+      <p:sp>
+        <p:nvSpPr>
+          <p:cNvPr id="4" name="Rectangle 3"/>
+          <p:cNvSpPr/>
+          <p:nvPr/>
+        </p:nvSpPr>
+        <p:spPr>
+          <a:xfrm>
+            <a:off x="827584" y="2513883"/>
+            <a:ext cx="7076628" cy="2308324"/>
+          </a:xfrm>
+          <a:prstGeom prst="rect">
+            <a:avLst/>
+          </a:prstGeom>
+        </p:spPr>
+        <p:txBody>
+          <a:bodyPr wrap="square">
+            <a:spAutoFit/>
+          </a:bodyPr>
+          <a:lstStyle/>
+          <a:p>
+            <a:r>
+              <a:rPr lang="en-GB" sz="3600" dirty="0">
+                <a:solidFill>
+                  <a:schemeClr val="accent6">
+                    <a:lumMod val="50000"/>
+                  </a:schemeClr>
+                </a:solidFill>
+              </a:rPr>
+              <a:t>Enterprise storage means the data storage system which is used for storing, manipulating, backing up data of an enterprise</a:t>
+            </a:r>
+            <a:endParaRPr lang="en-US" sz="3600" dirty="0">
+              <a:solidFill>
+                <a:schemeClr val="accent6">
+                  <a:lumMod val="50000"/>
+                </a:schemeClr>
+              </a:solidFill>
+            </a:endParaRPr>
+          </a:p>
+        </p:txBody>
+      </p:sp>
+    </p:spTree>
+    <p:extLst>
+      <p:ext uri="{BB962C8B-B14F-4D97-AF65-F5344CB8AC3E}">
+        <p14:creationId xmlns:p14="http://schemas.microsoft.com/office/powerpoint/2010/main" val="4292339415"/>
+      </p:ext>
+    </p:extLst>
+  </p:cSld>
+  <p:clrMapOvr>
+    <a:masterClrMapping/>
+  </p:clrMapOvr>
+  <p:transition spd="slow">
+    <p:randomBar dir="vert"/>
+  </p:transition>
+</p:sld>
+</file>
+
+<file path=ppt/slides/slide6.xml><?xml version="1.0" encoding="utf-8"?>
+<p:sld xmlns:a="http://schemas.openxmlformats.org/drawingml/2006/main" xmlns:r="http://schemas.openxmlformats.org/officeDocument/2006/relationships" xmlns:p="http://schemas.openxmlformats.org/presentationml/2006/main">
+  <p:cSld>
+    <p:spTree>
+      <p:nvGrpSpPr>
+        <p:cNvPr id="1" name=""/>
+        <p:cNvGrpSpPr/>
+        <p:nvPr/>
+      </p:nvGrpSpPr>
+      <p:grpSpPr>
+        <a:xfrm>
+          <a:off x="0" y="0"/>
+          <a:ext cx="0" cy="0"/>
+          <a:chOff x="0" y="0"/>
+          <a:chExt cx="0" cy="0"/>
+        </a:xfrm>
+      </p:grpSpPr>
+      <p:sp>
+        <p:nvSpPr>
+          <p:cNvPr id="2" name="Rectangle 1"/>
+          <p:cNvSpPr/>
+          <p:nvPr/>
+        </p:nvSpPr>
+        <p:spPr>
+          <a:xfrm>
+            <a:off x="574515" y="1289747"/>
+            <a:ext cx="8643211" cy="34298"/>
+          </a:xfrm>
+          <a:prstGeom prst="rect">
+            <a:avLst/>
+          </a:prstGeom>
+        </p:spPr>
+        <p:style>
+          <a:lnRef idx="1">
+            <a:schemeClr val="accent1"/>
+          </a:lnRef>
+          <a:fillRef idx="3">
+            <a:schemeClr val="accent1"/>
+          </a:fillRef>
+          <a:effectRef idx="2">
+            <a:schemeClr val="accent1"/>
+          </a:effectRef>
+          <a:fontRef idx="minor">
+            <a:schemeClr val="lt1"/>
+          </a:fontRef>
+        </p:style>
+        <p:txBody>
+          <a:bodyPr rtlCol="0" anchor="ctr"/>
+          <a:lstStyle/>
+          <a:p>
+            <a:pPr algn="ctr"/>
+            <a:endParaRPr lang="en-US" sz="1350">
+              <a:solidFill>
+                <a:schemeClr val="tx1">
+                  <a:lumMod val="65000"/>
+                  <a:lumOff val="35000"/>
+                </a:schemeClr>
+              </a:solidFill>
+            </a:endParaRPr>
+          </a:p>
+        </p:txBody>
+      </p:sp>
+      <p:sp>
+        <p:nvSpPr>
+          <p:cNvPr id="3" name="Rectangle 2"/>
+          <p:cNvSpPr/>
+          <p:nvPr/>
+        </p:nvSpPr>
+        <p:spPr>
+          <a:xfrm>
+            <a:off x="525459" y="548680"/>
+            <a:ext cx="4605556" cy="707886"/>
+          </a:xfrm>
+          <a:prstGeom prst="rect">
+            <a:avLst/>
+          </a:prstGeom>
+        </p:spPr>
+        <p:txBody>
+          <a:bodyPr wrap="none">
+            <a:spAutoFit/>
+          </a:bodyPr>
+          <a:lstStyle/>
+          <a:p>
+            <a:r>
+              <a:rPr lang="en-US" sz="4000" dirty="0">
+                <a:solidFill>
+                  <a:schemeClr val="accent1">
+                    <a:lumMod val="75000"/>
+                  </a:schemeClr>
+                </a:solidFill>
+              </a:rPr>
+              <a:t>Why is it important?</a:t>
+            </a:r>
+          </a:p>
+        </p:txBody>
+      </p:sp>
+      <p:sp>
+        <p:nvSpPr>
+          <p:cNvPr id="4" name="Rectangle 3"/>
+          <p:cNvSpPr/>
+          <p:nvPr/>
+        </p:nvSpPr>
+        <p:spPr>
+          <a:xfrm>
+            <a:off x="2483768" y="2030860"/>
+            <a:ext cx="4104456" cy="584775"/>
+          </a:xfrm>
+          <a:prstGeom prst="rect">
+            <a:avLst/>
+          </a:prstGeom>
+        </p:spPr>
+        <p:txBody>
+          <a:bodyPr wrap="square">
+            <a:spAutoFit/>
+          </a:bodyPr>
+          <a:lstStyle/>
+          <a:p>
+            <a:r>
+              <a:rPr lang="en-US" sz="3200" b="1" dirty="0">
+                <a:solidFill>
+                  <a:schemeClr val="accent6">
+                    <a:lumMod val="50000"/>
+                  </a:schemeClr>
+                </a:solidFill>
+                <a:latin typeface="Adobe Kaiti Std R" panose="02020400000000000000" pitchFamily="18" charset="-128"/>
+                <a:ea typeface="Adobe Kaiti Std R" panose="02020400000000000000" pitchFamily="18" charset="-128"/>
+              </a:rPr>
+              <a:t>Secure data storage</a:t>
+            </a:r>
+          </a:p>
+        </p:txBody>
+      </p:sp>
+      <p:pic>
+        <p:nvPicPr>
+          <p:cNvPr id="5" name="Picture 4"/>
+          <p:cNvPicPr>
+            <a:picLocks noChangeAspect="1"/>
+          </p:cNvPicPr>
+          <p:nvPr/>
+        </p:nvPicPr>
+        <p:blipFill>
+          <a:blip r:embed="rId2">
+            <a:extLst>
+              <a:ext uri="{28A0092B-C50C-407E-A947-70E740481C1C}">
+                <a14:useLocalDpi xmlns:a14="http://schemas.microsoft.com/office/drawing/2010/main" val="0"/>
+              </a:ext>
+            </a:extLst>
+          </a:blip>
+          <a:stretch>
+            <a:fillRect/>
+          </a:stretch>
+        </p:blipFill>
+        <p:spPr>
+          <a:xfrm>
+            <a:off x="1403648" y="3501008"/>
+            <a:ext cx="6084562" cy="2320959"/>
+          </a:xfrm>
+          <a:prstGeom prst="rect">
+            <a:avLst/>
+          </a:prstGeom>
+        </p:spPr>
+      </p:pic>
+    </p:spTree>
+    <p:extLst>
+      <p:ext uri="{BB962C8B-B14F-4D97-AF65-F5344CB8AC3E}">
+        <p14:creationId xmlns:p14="http://schemas.microsoft.com/office/powerpoint/2010/main" val="2284065592"/>
+      </p:ext>
+    </p:extLst>
+  </p:cSld>
+  <p:clrMapOvr>
+    <a:masterClrMapping/>
+  </p:clrMapOvr>
+  <p:transition spd="slow">
+    <p:wheel spokes="1"/>
+  </p:transition>
+  <p:timing>
+    <p:tnLst>
+      <p:par>
+        <p:cTn id="1" dur="indefinite" restart="never" nodeType="tmRoot">
+          <p:childTnLst>
+            <p:seq concurrent="1" nextAc="seek">
+              <p:cTn id="2" dur="indefinite" nodeType="mainSeq">
+                <p:childTnLst>
+                  <p:par>
+                    <p:cTn id="3" fill="hold">
+                      <p:stCondLst>
+                        <p:cond delay="indefinite"/>
+                        <p:cond evt="onBegin" delay="0">
+                          <p:tn val="2"/>
+                        </p:cond>
+                      </p:stCondLst>
+                      <p:childTnLst>
+                        <p:par>
+                          <p:cTn id="4" fill="hold">
+                            <p:stCondLst>
+                              <p:cond delay="0"/>
+                            </p:stCondLst>
+                            <p:childTnLst>
+                              <p:par>
+                                <p:cTn id="5" presetID="6" presetClass="emph" presetSubtype="0" fill="hold" grpId="0" nodeType="afterEffect">
+                                  <p:stCondLst>
+                                    <p:cond delay="0"/>
+                                  </p:stCondLst>
+                                  <p:childTnLst>
+                                    <p:animScale>
+                                      <p:cBhvr>
+                                        <p:cTn id="6" dur="2000" fill="hold"/>
+                                        <p:tgtEl>
+                                          <p:spTgt spid="4"/>
+                                        </p:tgtEl>
+                                      </p:cBhvr>
+                                      <p:by x="150000" y="150000"/>
+                                    </p:animScale>
+                                  </p:childTnLst>
+                                </p:cTn>
+                              </p:par>
+                            </p:childTnLst>
+                          </p:cTn>
+                        </p:par>
+                      </p:childTnLst>
+                    </p:cTn>
+                  </p:par>
+                </p:childTnLst>
+              </p:cTn>
+              <p:prevCondLst>
+                <p:cond evt="onPrev" delay="0">
+                  <p:tgtEl>
+                    <p:sldTgt/>
+                  </p:tgtEl>
+                </p:cond>
+              </p:prevCondLst>
+              <p:nextCondLst>
+                <p:cond evt="onNext" delay="0">
+                  <p:tgtEl>
+                    <p:sldTgt/>
+                  </p:tgtEl>
+                </p:cond>
+              </p:nextCondLst>
+            </p:seq>
+          </p:childTnLst>
+        </p:cTn>
+      </p:par>
+    </p:tnLst>
+    <p:bldLst>
+      <p:bldP spid="4" grpId="0"/>
+    </p:bldLst>
+  </p:timing>
+</p:sld>
+</file>
+
+<file path=ppt/slides/slide7.xml><?xml version="1.0" encoding="utf-8"?>
+<p:sld xmlns:a="http://schemas.openxmlformats.org/drawingml/2006/main" xmlns:r="http://schemas.openxmlformats.org/officeDocument/2006/relationships" xmlns:p="http://schemas.openxmlformats.org/presentationml/2006/main">
+  <p:cSld>
+    <p:spTree>
+      <p:nvGrpSpPr>
+        <p:cNvPr id="1" name=""/>
+        <p:cNvGrpSpPr/>
+        <p:nvPr/>
+      </p:nvGrpSpPr>
+      <p:grpSpPr>
+        <a:xfrm>
+          <a:off x="0" y="0"/>
+          <a:ext cx="0" cy="0"/>
+          <a:chOff x="0" y="0"/>
+          <a:chExt cx="0" cy="0"/>
+        </a:xfrm>
+      </p:grpSpPr>
+      <p:sp>
+        <p:nvSpPr>
+          <p:cNvPr id="4" name="Rectangle 3"/>
+          <p:cNvSpPr/>
+          <p:nvPr/>
+        </p:nvSpPr>
+        <p:spPr>
+          <a:xfrm>
+            <a:off x="3004728" y="1836113"/>
+            <a:ext cx="2918520" cy="584775"/>
+          </a:xfrm>
+          <a:prstGeom prst="rect">
+            <a:avLst/>
+          </a:prstGeom>
+        </p:spPr>
+        <p:txBody>
+          <a:bodyPr wrap="square">
+            <a:spAutoFit/>
+          </a:bodyPr>
+          <a:lstStyle/>
+          <a:p>
+            <a:r>
+              <a:rPr lang="en-US" sz="3200" b="1" dirty="0">
+                <a:solidFill>
+                  <a:schemeClr val="accent6">
+                    <a:lumMod val="50000"/>
+                  </a:schemeClr>
+                </a:solidFill>
+                <a:latin typeface="Adobe Kaiti Std R" panose="02020400000000000000" pitchFamily="18" charset="-128"/>
+                <a:ea typeface="Adobe Kaiti Std R" panose="02020400000000000000" pitchFamily="18" charset="-128"/>
+              </a:rPr>
+              <a:t>Ease of access</a:t>
+            </a:r>
+          </a:p>
+        </p:txBody>
+      </p:sp>
+      <p:pic>
+        <p:nvPicPr>
+          <p:cNvPr id="6" name="Picture 5"/>
+          <p:cNvPicPr>
+            <a:picLocks noChangeAspect="1"/>
+          </p:cNvPicPr>
+          <p:nvPr/>
+        </p:nvPicPr>
+        <p:blipFill>
+          <a:blip r:embed="rId2">
+            <a:extLst>
+              <a:ext uri="{28A0092B-C50C-407E-A947-70E740481C1C}">
+                <a14:useLocalDpi xmlns:a14="http://schemas.microsoft.com/office/drawing/2010/main" val="0"/>
+              </a:ext>
+            </a:extLst>
+          </a:blip>
+          <a:stretch>
+            <a:fillRect/>
+          </a:stretch>
+        </p:blipFill>
+        <p:spPr>
+          <a:xfrm>
+            <a:off x="2483768" y="3356992"/>
+            <a:ext cx="3960440" cy="2849057"/>
+          </a:xfrm>
+          <a:prstGeom prst="rect">
+            <a:avLst/>
+          </a:prstGeom>
+        </p:spPr>
+      </p:pic>
+      <p:sp>
+        <p:nvSpPr>
+          <p:cNvPr id="7" name="Rectangle 6"/>
+          <p:cNvSpPr/>
+          <p:nvPr/>
+        </p:nvSpPr>
+        <p:spPr>
+          <a:xfrm>
+            <a:off x="574515" y="1289747"/>
+            <a:ext cx="8643211" cy="34298"/>
+          </a:xfrm>
+          <a:prstGeom prst="rect">
+            <a:avLst/>
+          </a:prstGeom>
+        </p:spPr>
+        <p:style>
+          <a:lnRef idx="1">
+            <a:schemeClr val="accent1"/>
+          </a:lnRef>
+          <a:fillRef idx="3">
+            <a:schemeClr val="accent1"/>
+          </a:fillRef>
+          <a:effectRef idx="2">
+            <a:schemeClr val="accent1"/>
+          </a:effectRef>
+          <a:fontRef idx="minor">
+            <a:schemeClr val="lt1"/>
+          </a:fontRef>
+        </p:style>
+        <p:txBody>
+          <a:bodyPr rtlCol="0" anchor="ctr"/>
+          <a:lstStyle/>
+          <a:p>
+            <a:pPr algn="ctr"/>
+            <a:endParaRPr lang="en-US" sz="1350">
+              <a:solidFill>
+                <a:schemeClr val="tx1">
+                  <a:lumMod val="65000"/>
+                  <a:lumOff val="35000"/>
+                </a:schemeClr>
+              </a:solidFill>
+            </a:endParaRPr>
+          </a:p>
+        </p:txBody>
+      </p:sp>
+      <p:sp>
+        <p:nvSpPr>
+          <p:cNvPr id="8" name="Rectangle 7"/>
+          <p:cNvSpPr/>
+          <p:nvPr/>
+        </p:nvSpPr>
+        <p:spPr>
+          <a:xfrm>
+            <a:off x="525459" y="548680"/>
+            <a:ext cx="4605556" cy="707886"/>
+          </a:xfrm>
+          <a:prstGeom prst="rect">
+            <a:avLst/>
+          </a:prstGeom>
+        </p:spPr>
+        <p:txBody>
+          <a:bodyPr wrap="none">
+            <a:spAutoFit/>
+          </a:bodyPr>
+          <a:lstStyle/>
+          <a:p>
+            <a:r>
+              <a:rPr lang="en-US" sz="4000" dirty="0">
+                <a:solidFill>
+                  <a:schemeClr val="accent1">
+                    <a:lumMod val="75000"/>
+                  </a:schemeClr>
+                </a:solidFill>
+              </a:rPr>
+              <a:t>Why is it important?</a:t>
+            </a:r>
+          </a:p>
+        </p:txBody>
+      </p:sp>
+    </p:spTree>
+    <p:extLst>
+      <p:ext uri="{BB962C8B-B14F-4D97-AF65-F5344CB8AC3E}">
+        <p14:creationId xmlns:p14="http://schemas.microsoft.com/office/powerpoint/2010/main" val="1303484"/>
+      </p:ext>
+    </p:extLst>
+  </p:cSld>
+  <p:clrMapOvr>
+    <a:masterClrMapping/>
+  </p:clrMapOvr>
+  <mc:AlternateContent xmlns:mc="http://schemas.openxmlformats.org/markup-compatibility/2006" xmlns:p14="http://schemas.microsoft.com/office/powerpoint/2010/main">
+    <mc:Choice Requires="p14">
+      <p:transition spd="slow" p14:dur="1500">
+        <p:split orient="vert"/>
+      </p:transition>
+    </mc:Choice>
+    <mc:Fallback xmlns="">
+      <p:transition spd="slow">
+        <p:split orient="vert"/>
+      </p:transition>
+    </mc:Fallback>
+  </mc:AlternateContent>
+  <p:timing>
+    <p:tnLst>
+      <p:par>
+        <p:cTn id="1" dur="indefinite" restart="never" nodeType="tmRoot">
+          <p:childTnLst>
+            <p:seq concurrent="1" nextAc="seek">
+              <p:cTn id="2" dur="indefinite" nodeType="mainSeq">
+                <p:childTnLst>
+                  <p:par>
+                    <p:cTn id="3" fill="hold">
+                      <p:stCondLst>
+                        <p:cond delay="indefinite"/>
+                        <p:cond evt="onBegin" delay="0">
+                          <p:tn val="2"/>
+                        </p:cond>
+                      </p:stCondLst>
+                      <p:childTnLst>
+                        <p:par>
+                          <p:cTn id="4" fill="hold">
+                            <p:stCondLst>
+                              <p:cond delay="0"/>
+                            </p:stCondLst>
+                            <p:childTnLst>
+                              <p:par>
+                                <p:cTn id="5" presetID="6" presetClass="emph" presetSubtype="0" fill="hold" grpId="0" nodeType="afterEffect">
+                                  <p:stCondLst>
+                                    <p:cond delay="0"/>
+                                  </p:stCondLst>
+                                  <p:childTnLst>
+                                    <p:animScale>
+                                      <p:cBhvr>
+                                        <p:cTn id="6" dur="2000" fill="hold"/>
+                                        <p:tgtEl>
+                                          <p:spTgt spid="4"/>
+                                        </p:tgtEl>
+                                      </p:cBhvr>
+                                      <p:by x="150000" y="150000"/>
+                                    </p:animScale>
+                                  </p:childTnLst>
+                                </p:cTn>
+                              </p:par>
+                            </p:childTnLst>
+                          </p:cTn>
+                        </p:par>
+                      </p:childTnLst>
+                    </p:cTn>
+                  </p:par>
+                </p:childTnLst>
+              </p:cTn>
+              <p:prevCondLst>
+                <p:cond evt="onPrev" delay="0">
+                  <p:tgtEl>
+                    <p:sldTgt/>
+                  </p:tgtEl>
+                </p:cond>
+              </p:prevCondLst>
+              <p:nextCondLst>
+                <p:cond evt="onNext" delay="0">
+                  <p:tgtEl>
+                    <p:sldTgt/>
+                  </p:tgtEl>
+                </p:cond>
+              </p:nextCondLst>
+            </p:seq>
+          </p:childTnLst>
+        </p:cTn>
+      </p:par>
+    </p:tnLst>
+    <p:bldLst>
+      <p:bldP spid="4" grpId="0"/>
+    </p:bldLst>
+  </p:timing>
+</p:sld>
+</file>
+
+<file path=ppt/slides/slide8.xml><?xml version="1.0" encoding="utf-8"?>
+<p:sld xmlns:a="http://schemas.openxmlformats.org/drawingml/2006/main" xmlns:r="http://schemas.openxmlformats.org/officeDocument/2006/relationships" xmlns:p="http://schemas.openxmlformats.org/presentationml/2006/main">
+  <p:cSld>
+    <p:spTree>
+      <p:nvGrpSpPr>
+        <p:cNvPr id="1" name=""/>
+        <p:cNvGrpSpPr/>
+        <p:nvPr/>
+      </p:nvGrpSpPr>
+      <p:grpSpPr>
+        <a:xfrm>
+          <a:off x="0" y="0"/>
+          <a:ext cx="0" cy="0"/>
+          <a:chOff x="0" y="0"/>
+          <a:chExt cx="0" cy="0"/>
+        </a:xfrm>
+      </p:grpSpPr>
+      <p:sp>
+        <p:nvSpPr>
+          <p:cNvPr id="4" name="Rectangle 3"/>
+          <p:cNvSpPr/>
+          <p:nvPr/>
+        </p:nvSpPr>
+        <p:spPr>
+          <a:xfrm>
+            <a:off x="2555776" y="1892603"/>
+            <a:ext cx="3816424" cy="600293"/>
+          </a:xfrm>
+          <a:prstGeom prst="rect">
+            <a:avLst/>
+          </a:prstGeom>
+        </p:spPr>
+        <p:txBody>
+          <a:bodyPr wrap="square">
+            <a:spAutoFit/>
+          </a:bodyPr>
+          <a:lstStyle/>
+          <a:p>
+            <a:r>
+              <a:rPr lang="en-US" sz="3200" b="1" dirty="0">
+                <a:solidFill>
+                  <a:schemeClr val="accent6">
+                    <a:lumMod val="50000"/>
+                  </a:schemeClr>
+                </a:solidFill>
+                <a:latin typeface="Adobe Kaiti Std R" panose="02020400000000000000" pitchFamily="18" charset="-128"/>
+                <a:ea typeface="Adobe Kaiti Std R" panose="02020400000000000000" pitchFamily="18" charset="-128"/>
+              </a:rPr>
+              <a:t>Always availability</a:t>
+            </a:r>
+          </a:p>
+        </p:txBody>
+      </p:sp>
+      <p:pic>
+        <p:nvPicPr>
+          <p:cNvPr id="6" name="Picture 5"/>
+          <p:cNvPicPr>
+            <a:picLocks noChangeAspect="1"/>
+          </p:cNvPicPr>
+          <p:nvPr/>
+        </p:nvPicPr>
+        <p:blipFill>
+          <a:blip r:embed="rId2">
+            <a:extLst>
+              <a:ext uri="{28A0092B-C50C-407E-A947-70E740481C1C}">
+                <a14:useLocalDpi xmlns:a14="http://schemas.microsoft.com/office/drawing/2010/main" val="0"/>
+              </a:ext>
+            </a:extLst>
+          </a:blip>
+          <a:stretch>
+            <a:fillRect/>
+          </a:stretch>
+        </p:blipFill>
+        <p:spPr>
+          <a:xfrm>
+            <a:off x="2016434" y="3429000"/>
+            <a:ext cx="5183140" cy="2358328"/>
+          </a:xfrm>
+          <a:prstGeom prst="rect">
+            <a:avLst/>
+          </a:prstGeom>
+        </p:spPr>
+      </p:pic>
+      <p:sp>
+        <p:nvSpPr>
+          <p:cNvPr id="9" name="Rectangle 8"/>
+          <p:cNvSpPr/>
+          <p:nvPr/>
+        </p:nvSpPr>
+        <p:spPr>
+          <a:xfrm>
+            <a:off x="574515" y="1289747"/>
+            <a:ext cx="8643211" cy="34298"/>
+          </a:xfrm>
+          <a:prstGeom prst="rect">
+            <a:avLst/>
+          </a:prstGeom>
+        </p:spPr>
+        <p:style>
+          <a:lnRef idx="1">
+            <a:schemeClr val="accent1"/>
+          </a:lnRef>
+          <a:fillRef idx="3">
+            <a:schemeClr val="accent1"/>
+          </a:fillRef>
+          <a:effectRef idx="2">
+            <a:schemeClr val="accent1"/>
+          </a:effectRef>
+          <a:fontRef idx="minor">
+            <a:schemeClr val="lt1"/>
+          </a:fontRef>
+        </p:style>
+        <p:txBody>
+          <a:bodyPr rtlCol="0" anchor="ctr"/>
+          <a:lstStyle/>
+          <a:p>
+            <a:pPr algn="ctr"/>
+            <a:endParaRPr lang="en-US" sz="1350">
+              <a:solidFill>
+                <a:schemeClr val="tx1">
+                  <a:lumMod val="65000"/>
+                  <a:lumOff val="35000"/>
+                </a:schemeClr>
+              </a:solidFill>
+            </a:endParaRPr>
+          </a:p>
+        </p:txBody>
+      </p:sp>
+      <p:sp>
+        <p:nvSpPr>
+          <p:cNvPr id="10" name="Rectangle 9"/>
+          <p:cNvSpPr/>
+          <p:nvPr/>
+        </p:nvSpPr>
+        <p:spPr>
+          <a:xfrm>
+            <a:off x="525459" y="548680"/>
+            <a:ext cx="4605556" cy="707886"/>
+          </a:xfrm>
+          <a:prstGeom prst="rect">
+            <a:avLst/>
+          </a:prstGeom>
+        </p:spPr>
+        <p:txBody>
+          <a:bodyPr wrap="none">
+            <a:spAutoFit/>
+          </a:bodyPr>
+          <a:lstStyle/>
+          <a:p>
+            <a:r>
+              <a:rPr lang="en-US" sz="4000" dirty="0">
+                <a:solidFill>
+                  <a:schemeClr val="accent1">
+                    <a:lumMod val="75000"/>
+                  </a:schemeClr>
+                </a:solidFill>
+              </a:rPr>
+              <a:t>Why is it important?</a:t>
+            </a:r>
+          </a:p>
+        </p:txBody>
+      </p:sp>
+    </p:spTree>
+    <p:extLst>
+      <p:ext uri="{BB962C8B-B14F-4D97-AF65-F5344CB8AC3E}">
+        <p14:creationId xmlns:p14="http://schemas.microsoft.com/office/powerpoint/2010/main" val="1856229167"/>
+      </p:ext>
+    </p:extLst>
+  </p:cSld>
+  <p:clrMapOvr>
+    <a:masterClrMapping/>
+  </p:clrMapOvr>
+  <mc:AlternateContent xmlns:mc="http://schemas.openxmlformats.org/markup-compatibility/2006" xmlns:p14="http://schemas.microsoft.com/office/powerpoint/2010/main">
+    <mc:Choice Requires="p14">
+      <p:transition spd="slow" p14:dur="1200">
+        <p:dissolve/>
+      </p:transition>
+    </mc:Choice>
+    <mc:Fallback xmlns="">
+      <p:transition spd="slow">
+        <p:dissolve/>
+      </p:transition>
+    </mc:Fallback>
+  </mc:AlternateContent>
+  <p:timing>
+    <p:tnLst>
+      <p:par>
+        <p:cTn id="1" dur="indefinite" restart="never" nodeType="tmRoot">
+          <p:childTnLst>
+            <p:seq concurrent="1" nextAc="seek">
+              <p:cTn id="2" dur="indefinite" nodeType="mainSeq">
+                <p:childTnLst>
+                  <p:par>
+                    <p:cTn id="3" fill="hold">
+                      <p:stCondLst>
+                        <p:cond delay="indefinite"/>
+                        <p:cond evt="onBegin" delay="0">
+                          <p:tn val="2"/>
+                        </p:cond>
+                      </p:stCondLst>
+                      <p:childTnLst>
+                        <p:par>
+                          <p:cTn id="4" fill="hold">
+                            <p:stCondLst>
+                              <p:cond delay="0"/>
+                            </p:stCondLst>
+                            <p:childTnLst>
+                              <p:par>
+                                <p:cTn id="5" presetID="6" presetClass="emph" presetSubtype="0" fill="hold" grpId="0" nodeType="afterEffect">
+                                  <p:stCondLst>
+                                    <p:cond delay="0"/>
+                                  </p:stCondLst>
+                                  <p:childTnLst>
+                                    <p:animScale>
+                                      <p:cBhvr>
+                                        <p:cTn id="6" dur="2000" fill="hold"/>
+                                        <p:tgtEl>
+                                          <p:spTgt spid="4"/>
+                                        </p:tgtEl>
+                                      </p:cBhvr>
+                                      <p:by x="150000" y="150000"/>
+                                    </p:animScale>
+                                  </p:childTnLst>
+                                </p:cTn>
+                              </p:par>
+                            </p:childTnLst>
+                          </p:cTn>
+                        </p:par>
+                      </p:childTnLst>
+                    </p:cTn>
+                  </p:par>
+                </p:childTnLst>
+              </p:cTn>
+              <p:prevCondLst>
+                <p:cond evt="onPrev" delay="0">
+                  <p:tgtEl>
+                    <p:sldTgt/>
+                  </p:tgtEl>
+                </p:cond>
+              </p:prevCondLst>
+              <p:nextCondLst>
+                <p:cond evt="onNext" delay="0">
+                  <p:tgtEl>
+                    <p:sldTgt/>
+                  </p:tgtEl>
+                </p:cond>
+              </p:nextCondLst>
+            </p:seq>
+          </p:childTnLst>
+        </p:cTn>
+      </p:par>
+    </p:tnLst>
+    <p:bldLst>
+      <p:bldP spid="4" grpId="0"/>
+    </p:bldLst>
+  </p:timing>
+</p:sld>
+</file>
+
+<file path=ppt/slides/slide9.xml><?xml version="1.0" encoding="utf-8"?>
+<p:sld xmlns:a="http://schemas.openxmlformats.org/drawingml/2006/main" xmlns:r="http://schemas.openxmlformats.org/officeDocument/2006/relationships" xmlns:p="http://schemas.openxmlformats.org/presentationml/2006/main">
+  <p:cSld>
+    <p:spTree>
+      <p:nvGrpSpPr>
+        <p:cNvPr id="1" name=""/>
+        <p:cNvGrpSpPr/>
+        <p:nvPr/>
+      </p:nvGrpSpPr>
+      <p:grpSpPr>
+        <a:xfrm>
+          <a:off x="0" y="0"/>
+          <a:ext cx="0" cy="0"/>
+          <a:chOff x="0" y="0"/>
+          <a:chExt cx="0" cy="0"/>
+        </a:xfrm>
+      </p:grpSpPr>
+      <p:sp>
+        <p:nvSpPr>
+          <p:cNvPr id="4" name="Rectangle 3"/>
+          <p:cNvSpPr/>
+          <p:nvPr/>
+        </p:nvSpPr>
+        <p:spPr>
+          <a:xfrm>
+            <a:off x="2555776" y="1916832"/>
+            <a:ext cx="3672408" cy="600293"/>
+          </a:xfrm>
+          <a:prstGeom prst="rect">
+            <a:avLst/>
+          </a:prstGeom>
+          <a:noFill/>
+          <a:ln>
+            <a:noFill/>
+          </a:ln>
+        </p:spPr>
+        <p:style>
+          <a:lnRef idx="1">
+            <a:schemeClr val="accent1"/>
+          </a:lnRef>
+          <a:fillRef idx="2">
+            <a:schemeClr val="accent1"/>
+          </a:fillRef>
+          <a:effectRef idx="1">
+            <a:schemeClr val="accent1"/>
+          </a:effectRef>
+          <a:fontRef idx="minor">
+            <a:schemeClr val="dk1"/>
+          </a:fontRef>
+        </p:style>
+        <p:txBody>
+          <a:bodyPr wrap="square">
+            <a:spAutoFit/>
+          </a:bodyPr>
+          <a:lstStyle/>
+          <a:p>
+            <a:r>
+              <a:rPr lang="en-US" sz="3200" b="1" dirty="0">
+                <a:solidFill>
+                  <a:schemeClr val="accent6">
+                    <a:lumMod val="50000"/>
+                  </a:schemeClr>
+                </a:solidFill>
+                <a:latin typeface="Adobe Kaiti Std R" panose="02020400000000000000" pitchFamily="18" charset="-128"/>
+                <a:ea typeface="Adobe Kaiti Std R" panose="02020400000000000000" pitchFamily="18" charset="-128"/>
+              </a:rPr>
+              <a:t>Saves your money</a:t>
+            </a:r>
+          </a:p>
+        </p:txBody>
+      </p:sp>
+      <p:sp>
+        <p:nvSpPr>
+          <p:cNvPr id="5" name="Rectangle 4"/>
+          <p:cNvSpPr/>
+          <p:nvPr/>
+        </p:nvSpPr>
+        <p:spPr>
+          <a:xfrm>
+            <a:off x="574515" y="1289747"/>
+            <a:ext cx="8643211" cy="34298"/>
+          </a:xfrm>
+          <a:prstGeom prst="rect">
+            <a:avLst/>
+          </a:prstGeom>
+        </p:spPr>
+        <p:style>
+          <a:lnRef idx="1">
+            <a:schemeClr val="accent1"/>
+          </a:lnRef>
+          <a:fillRef idx="3">
+            <a:schemeClr val="accent1"/>
+          </a:fillRef>
+          <a:effectRef idx="2">
+            <a:schemeClr val="accent1"/>
+          </a:effectRef>
+          <a:fontRef idx="minor">
+            <a:schemeClr val="lt1"/>
+          </a:fontRef>
+        </p:style>
+        <p:txBody>
+          <a:bodyPr rtlCol="0" anchor="ctr"/>
+          <a:lstStyle/>
+          <a:p>
+            <a:pPr algn="ctr"/>
+            <a:endParaRPr lang="en-US" sz="1350">
+              <a:solidFill>
+                <a:schemeClr val="tx1">
+                  <a:lumMod val="65000"/>
+                  <a:lumOff val="35000"/>
+                </a:schemeClr>
+              </a:solidFill>
+            </a:endParaRPr>
+          </a:p>
+        </p:txBody>
+      </p:sp>
+      <p:sp>
+        <p:nvSpPr>
+          <p:cNvPr id="6" name="Rectangle 5"/>
+          <p:cNvSpPr/>
+          <p:nvPr/>
+        </p:nvSpPr>
+        <p:spPr>
+          <a:xfrm>
+            <a:off x="525459" y="548680"/>
+            <a:ext cx="4605556" cy="707886"/>
+          </a:xfrm>
+          <a:prstGeom prst="rect">
+            <a:avLst/>
+          </a:prstGeom>
+        </p:spPr>
+        <p:txBody>
+          <a:bodyPr wrap="none">
+            <a:spAutoFit/>
+          </a:bodyPr>
+          <a:lstStyle/>
+          <a:p>
+            <a:r>
+              <a:rPr lang="en-US" sz="4000" dirty="0">
+                <a:solidFill>
+                  <a:schemeClr val="accent1">
+                    <a:lumMod val="75000"/>
+                  </a:schemeClr>
+                </a:solidFill>
+              </a:rPr>
+              <a:t>Why is it important?</a:t>
+            </a:r>
+          </a:p>
+        </p:txBody>
+      </p:sp>
+      <p:pic>
+        <p:nvPicPr>
+          <p:cNvPr id="10" name="Picture 9"/>
+          <p:cNvPicPr>
+            <a:picLocks noChangeAspect="1"/>
+          </p:cNvPicPr>
+          <p:nvPr/>
+        </p:nvPicPr>
+        <p:blipFill>
+          <a:blip r:embed="rId2">
+            <a:extLst>
+              <a:ext uri="{28A0092B-C50C-407E-A947-70E740481C1C}">
+                <a14:useLocalDpi xmlns:a14="http://schemas.microsoft.com/office/drawing/2010/main" val="0"/>
+              </a:ext>
+            </a:extLst>
+          </a:blip>
+          <a:stretch>
+            <a:fillRect/>
+          </a:stretch>
+        </p:blipFill>
+        <p:spPr>
+          <a:xfrm>
+            <a:off x="3037520" y="3573016"/>
+            <a:ext cx="2708920" cy="2708920"/>
+          </a:xfrm>
+          <a:prstGeom prst="rect">
+            <a:avLst/>
+          </a:prstGeom>
+        </p:spPr>
+      </p:pic>
+    </p:spTree>
+    <p:extLst>
+      <p:ext uri="{BB962C8B-B14F-4D97-AF65-F5344CB8AC3E}">
+        <p14:creationId xmlns:p14="http://schemas.microsoft.com/office/powerpoint/2010/main" val="4228850073"/>
+      </p:ext>
+    </p:extLst>
+  </p:cSld>
+  <p:clrMapOvr>
+    <a:masterClrMapping/>
+  </p:clrMapOvr>
+  <p:transition spd="slow">
+    <p:wheel spokes="1"/>
+  </p:transition>
+  <p:timing>
+    <p:tnLst>
+      <p:par>
+        <p:cTn id="1" dur="indefinite" restart="never" nodeType="tmRoot">
+          <p:childTnLst>
+            <p:seq concurrent="1" nextAc="seek">
+              <p:cTn id="2" dur="indefinite" nodeType="mainSeq">
+                <p:childTnLst>
+                  <p:par>
+                    <p:cTn id="3" fill="hold">
+                      <p:stCondLst>
+                        <p:cond delay="indefinite"/>
+                        <p:cond evt="onBegin" delay="0">
+                          <p:tn val="2"/>
+                        </p:cond>
+                      </p:stCondLst>
+                      <p:childTnLst>
+                        <p:par>
+                          <p:cTn id="4" fill="hold">
+                            <p:stCondLst>
+                              <p:cond delay="0"/>
+                            </p:stCondLst>
+                            <p:childTnLst>
+                              <p:par>
+                                <p:cTn id="5" presetID="6" presetClass="emph" presetSubtype="0" fill="hold" grpId="0" nodeType="afterEffect">
+                                  <p:stCondLst>
+                                    <p:cond delay="0"/>
+                                  </p:stCondLst>
+                                  <p:childTnLst>
+                                    <p:animScale>
+                                      <p:cBhvr>
+                                        <p:cTn id="6" dur="2000" fill="hold"/>
+                                        <p:tgtEl>
+                                          <p:spTgt spid="4"/>
+                                        </p:tgtEl>
+                                      </p:cBhvr>
+                                      <p:by x="150000" y="150000"/>
+                                    </p:animScale>
+                                  </p:childTnLst>
+                                </p:cTn>
+                              </p:par>
+                            </p:childTnLst>
+                          </p:cTn>
+                        </p:par>
+                      </p:childTnLst>
+                    </p:cTn>
+                  </p:par>
+                </p:childTnLst>
+              </p:cTn>
+              <p:prevCondLst>
+                <p:cond evt="onPrev" delay="0">
+                  <p:tgtEl>
+                    <p:sldTgt/>
+                  </p:tgtEl>
+                </p:cond>
+              </p:prevCondLst>
+              <p:nextCondLst>
+                <p:cond evt="onNext" delay="0">
+                  <p:tgtEl>
+                    <p:sldTgt/>
+                  </p:tgtEl>
+                </p:cond>
+              </p:nextCondLst>
+            </p:seq>
+          </p:childTnLst>
+        </p:cTn>
+      </p:par>
+    </p:tnLst>
+    <p:bldLst>
+      <p:bldP spid="4" grpId="0"/>
     </p:bldLst>
   </p:timing>
 </p:sld>

--- a/OOP.pptx
+++ b/OOP.pptx
@@ -5,27 +5,28 @@
     <p:sldMasterId id="2147483648" r:id="rId4"/>
   </p:sldMasterIdLst>
   <p:notesMasterIdLst>
-    <p:notesMasterId r:id="rId20"/>
+    <p:notesMasterId r:id="rId21"/>
   </p:notesMasterIdLst>
   <p:handoutMasterIdLst>
-    <p:handoutMasterId r:id="rId21"/>
+    <p:handoutMasterId r:id="rId22"/>
   </p:handoutMasterIdLst>
   <p:sldIdLst>
     <p:sldId id="265" r:id="rId5"/>
     <p:sldId id="267" r:id="rId6"/>
     <p:sldId id="290" r:id="rId7"/>
-    <p:sldId id="293" r:id="rId8"/>
-    <p:sldId id="282" r:id="rId9"/>
-    <p:sldId id="269" r:id="rId10"/>
-    <p:sldId id="284" r:id="rId11"/>
-    <p:sldId id="283" r:id="rId12"/>
-    <p:sldId id="285" r:id="rId13"/>
-    <p:sldId id="273" r:id="rId14"/>
-    <p:sldId id="281" r:id="rId15"/>
-    <p:sldId id="289" r:id="rId16"/>
-    <p:sldId id="286" r:id="rId17"/>
-    <p:sldId id="279" r:id="rId18"/>
-    <p:sldId id="292" r:id="rId19"/>
+    <p:sldId id="294" r:id="rId8"/>
+    <p:sldId id="293" r:id="rId9"/>
+    <p:sldId id="282" r:id="rId10"/>
+    <p:sldId id="269" r:id="rId11"/>
+    <p:sldId id="284" r:id="rId12"/>
+    <p:sldId id="283" r:id="rId13"/>
+    <p:sldId id="285" r:id="rId14"/>
+    <p:sldId id="273" r:id="rId15"/>
+    <p:sldId id="281" r:id="rId16"/>
+    <p:sldId id="289" r:id="rId17"/>
+    <p:sldId id="286" r:id="rId18"/>
+    <p:sldId id="279" r:id="rId19"/>
+    <p:sldId id="292" r:id="rId20"/>
   </p:sldIdLst>
   <p:sldSz cx="9144000" cy="6858000" type="screen4x3"/>
   <p:notesSz cx="6858000" cy="9144000"/>
@@ -884,7 +885,7 @@
           <a:lstStyle/>
           <a:p>
             <a:fld id="{3E0FA9E5-6744-4841-888F-9E7CC0C2B7EC}" type="datetimeFigureOut">
-              <a:rPr lang="en-US"/>
+              <a:rPr lang="en-US" smtClean="0"/>
               <a:t>1/11/20</a:t>
             </a:fld>
             <a:endParaRPr/>
@@ -1070,7 +1071,7 @@
           <a:lstStyle/>
           <a:p>
             <a:fld id="{3E0FA9E5-6744-4841-888F-9E7CC0C2B7EC}" type="datetimeFigureOut">
-              <a:rPr lang="en-US"/>
+              <a:rPr lang="en-US" smtClean="0"/>
               <a:t>1/11/20</a:t>
             </a:fld>
             <a:endParaRPr/>
@@ -1266,7 +1267,7 @@
           <a:lstStyle/>
           <a:p>
             <a:fld id="{3E0FA9E5-6744-4841-888F-9E7CC0C2B7EC}" type="datetimeFigureOut">
-              <a:rPr lang="en-US"/>
+              <a:rPr lang="en-US" smtClean="0"/>
               <a:t>1/11/20</a:t>
             </a:fld>
             <a:endParaRPr/>
@@ -1452,7 +1453,7 @@
           <a:lstStyle/>
           <a:p>
             <a:fld id="{3E0FA9E5-6744-4841-888F-9E7CC0C2B7EC}" type="datetimeFigureOut">
-              <a:rPr lang="en-US"/>
+              <a:rPr lang="en-US" smtClean="0"/>
               <a:t>1/11/20</a:t>
             </a:fld>
             <a:endParaRPr/>
@@ -1736,7 +1737,7 @@
           <a:lstStyle/>
           <a:p>
             <a:fld id="{3E0FA9E5-6744-4841-888F-9E7CC0C2B7EC}" type="datetimeFigureOut">
-              <a:rPr lang="en-US"/>
+              <a:rPr lang="en-US" smtClean="0"/>
               <a:t>1/11/20</a:t>
             </a:fld>
             <a:endParaRPr/>
@@ -2044,7 +2045,7 @@
           <a:lstStyle/>
           <a:p>
             <a:fld id="{3E0FA9E5-6744-4841-888F-9E7CC0C2B7EC}" type="datetimeFigureOut">
-              <a:rPr lang="en-US"/>
+              <a:rPr lang="en-US" smtClean="0"/>
               <a:t>1/11/20</a:t>
             </a:fld>
             <a:endParaRPr/>
@@ -2496,7 +2497,7 @@
           <a:lstStyle/>
           <a:p>
             <a:fld id="{3E0FA9E5-6744-4841-888F-9E7CC0C2B7EC}" type="datetimeFigureOut">
-              <a:rPr lang="en-US"/>
+              <a:rPr lang="en-US" smtClean="0"/>
               <a:t>1/11/20</a:t>
             </a:fld>
             <a:endParaRPr/>
@@ -2630,7 +2631,7 @@
           <a:lstStyle/>
           <a:p>
             <a:fld id="{3E0FA9E5-6744-4841-888F-9E7CC0C2B7EC}" type="datetimeFigureOut">
-              <a:rPr lang="en-US"/>
+              <a:rPr lang="en-US" smtClean="0"/>
               <a:t>1/11/20</a:t>
             </a:fld>
             <a:endParaRPr/>
@@ -2755,7 +2756,7 @@
           <a:lstStyle/>
           <a:p>
             <a:fld id="{3E0FA9E5-6744-4841-888F-9E7CC0C2B7EC}" type="datetimeFigureOut">
-              <a:rPr lang="en-US"/>
+              <a:rPr lang="en-US" smtClean="0"/>
               <a:t>1/11/20</a:t>
             </a:fld>
             <a:endParaRPr/>
@@ -3081,7 +3082,7 @@
           <a:lstStyle/>
           <a:p>
             <a:fld id="{3E0FA9E5-6744-4841-888F-9E7CC0C2B7EC}" type="datetimeFigureOut">
-              <a:rPr lang="en-US"/>
+              <a:rPr lang="en-US" smtClean="0"/>
               <a:t>1/11/20</a:t>
             </a:fld>
             <a:endParaRPr/>
@@ -4240,6 +4241,274 @@
       </p:grpSpPr>
       <p:sp>
         <p:nvSpPr>
+          <p:cNvPr id="4" name="Rectangle 3"/>
+          <p:cNvSpPr/>
+          <p:nvPr/>
+        </p:nvSpPr>
+        <p:spPr>
+          <a:xfrm>
+            <a:off x="2555776" y="1916832"/>
+            <a:ext cx="3672408" cy="600293"/>
+          </a:xfrm>
+          <a:prstGeom prst="rect">
+            <a:avLst/>
+          </a:prstGeom>
+          <a:noFill/>
+          <a:ln>
+            <a:noFill/>
+          </a:ln>
+        </p:spPr>
+        <p:style>
+          <a:lnRef idx="1">
+            <a:schemeClr val="accent1"/>
+          </a:lnRef>
+          <a:fillRef idx="2">
+            <a:schemeClr val="accent1"/>
+          </a:fillRef>
+          <a:effectRef idx="1">
+            <a:schemeClr val="accent1"/>
+          </a:effectRef>
+          <a:fontRef idx="minor">
+            <a:schemeClr val="dk1"/>
+          </a:fontRef>
+        </p:style>
+        <p:txBody>
+          <a:bodyPr wrap="square">
+            <a:spAutoFit/>
+          </a:bodyPr>
+          <a:lstStyle/>
+          <a:p>
+            <a:r>
+              <a:rPr lang="en-US" sz="3200" b="1" dirty="0">
+                <a:solidFill>
+                  <a:schemeClr val="accent6">
+                    <a:lumMod val="50000"/>
+                  </a:schemeClr>
+                </a:solidFill>
+                <a:latin typeface="Adobe Kaiti Std R" panose="02020400000000000000" pitchFamily="18" charset="-128"/>
+                <a:ea typeface="Adobe Kaiti Std R" panose="02020400000000000000" pitchFamily="18" charset="-128"/>
+              </a:rPr>
+              <a:t>Saves your money</a:t>
+            </a:r>
+          </a:p>
+        </p:txBody>
+      </p:sp>
+      <p:sp>
+        <p:nvSpPr>
+          <p:cNvPr id="5" name="Rectangle 4"/>
+          <p:cNvSpPr/>
+          <p:nvPr/>
+        </p:nvSpPr>
+        <p:spPr>
+          <a:xfrm>
+            <a:off x="574515" y="1289747"/>
+            <a:ext cx="8643211" cy="34298"/>
+          </a:xfrm>
+          <a:prstGeom prst="rect">
+            <a:avLst/>
+          </a:prstGeom>
+        </p:spPr>
+        <p:style>
+          <a:lnRef idx="1">
+            <a:schemeClr val="accent1"/>
+          </a:lnRef>
+          <a:fillRef idx="3">
+            <a:schemeClr val="accent1"/>
+          </a:fillRef>
+          <a:effectRef idx="2">
+            <a:schemeClr val="accent1"/>
+          </a:effectRef>
+          <a:fontRef idx="minor">
+            <a:schemeClr val="lt1"/>
+          </a:fontRef>
+        </p:style>
+        <p:txBody>
+          <a:bodyPr rtlCol="0" anchor="ctr"/>
+          <a:lstStyle/>
+          <a:p>
+            <a:pPr algn="ctr"/>
+            <a:endParaRPr lang="en-US" sz="1350">
+              <a:solidFill>
+                <a:schemeClr val="tx1">
+                  <a:lumMod val="65000"/>
+                  <a:lumOff val="35000"/>
+                </a:schemeClr>
+              </a:solidFill>
+            </a:endParaRPr>
+          </a:p>
+        </p:txBody>
+      </p:sp>
+      <p:sp>
+        <p:nvSpPr>
+          <p:cNvPr id="6" name="Rectangle 5"/>
+          <p:cNvSpPr/>
+          <p:nvPr/>
+        </p:nvSpPr>
+        <p:spPr>
+          <a:xfrm>
+            <a:off x="525459" y="548680"/>
+            <a:ext cx="4605556" cy="707886"/>
+          </a:xfrm>
+          <a:prstGeom prst="rect">
+            <a:avLst/>
+          </a:prstGeom>
+        </p:spPr>
+        <p:txBody>
+          <a:bodyPr wrap="none">
+            <a:spAutoFit/>
+          </a:bodyPr>
+          <a:lstStyle/>
+          <a:p>
+            <a:r>
+              <a:rPr lang="en-US" sz="4000" dirty="0">
+                <a:solidFill>
+                  <a:schemeClr val="accent1">
+                    <a:lumMod val="75000"/>
+                  </a:schemeClr>
+                </a:solidFill>
+              </a:rPr>
+              <a:t>Why is it important?</a:t>
+            </a:r>
+          </a:p>
+        </p:txBody>
+      </p:sp>
+      <p:pic>
+        <p:nvPicPr>
+          <p:cNvPr id="10" name="Picture 9"/>
+          <p:cNvPicPr>
+            <a:picLocks noChangeAspect="1"/>
+          </p:cNvPicPr>
+          <p:nvPr/>
+        </p:nvPicPr>
+        <p:blipFill>
+          <a:blip r:embed="rId2">
+            <a:extLst>
+              <a:ext uri="{28A0092B-C50C-407E-A947-70E740481C1C}">
+                <a14:useLocalDpi xmlns:a14="http://schemas.microsoft.com/office/drawing/2010/main" val="0"/>
+              </a:ext>
+            </a:extLst>
+          </a:blip>
+          <a:stretch>
+            <a:fillRect/>
+          </a:stretch>
+        </p:blipFill>
+        <p:spPr>
+          <a:xfrm>
+            <a:off x="3037520" y="3573016"/>
+            <a:ext cx="2708920" cy="2708920"/>
+          </a:xfrm>
+          <a:prstGeom prst="rect">
+            <a:avLst/>
+          </a:prstGeom>
+        </p:spPr>
+      </p:pic>
+    </p:spTree>
+    <p:extLst>
+      <p:ext uri="{BB962C8B-B14F-4D97-AF65-F5344CB8AC3E}">
+        <p14:creationId xmlns:p14="http://schemas.microsoft.com/office/powerpoint/2010/main" val="4228850073"/>
+      </p:ext>
+    </p:extLst>
+  </p:cSld>
+  <p:clrMapOvr>
+    <a:masterClrMapping/>
+  </p:clrMapOvr>
+  <p:transition spd="slow">
+    <p:wheel spokes="1"/>
+  </p:transition>
+  <p:timing>
+    <p:tnLst>
+      <p:par>
+        <p:cTn id="1" dur="indefinite" restart="never" nodeType="tmRoot">
+          <p:childTnLst>
+            <p:seq concurrent="1" nextAc="seek">
+              <p:cTn id="2" dur="indefinite" nodeType="mainSeq">
+                <p:childTnLst>
+                  <p:par>
+                    <p:cTn id="3" fill="hold">
+                      <p:stCondLst>
+                        <p:cond delay="indefinite"/>
+                        <p:cond evt="onBegin" delay="0">
+                          <p:tn val="2"/>
+                        </p:cond>
+                      </p:stCondLst>
+                      <p:childTnLst>
+                        <p:par>
+                          <p:cTn id="4" fill="hold">
+                            <p:stCondLst>
+                              <p:cond delay="0"/>
+                            </p:stCondLst>
+                            <p:childTnLst>
+                              <p:par>
+                                <p:cTn id="5" presetID="6" presetClass="emph" presetSubtype="0" fill="hold" grpId="0" nodeType="afterEffect">
+                                  <p:stCondLst>
+                                    <p:cond delay="0"/>
+                                  </p:stCondLst>
+                                  <p:childTnLst>
+                                    <p:animScale>
+                                      <p:cBhvr>
+                                        <p:cTn id="6" dur="2000" fill="hold"/>
+                                        <p:tgtEl>
+                                          <p:spTgt spid="4"/>
+                                        </p:tgtEl>
+                                      </p:cBhvr>
+                                      <p:by x="150000" y="150000"/>
+                                    </p:animScale>
+                                  </p:childTnLst>
+                                </p:cTn>
+                              </p:par>
+                            </p:childTnLst>
+                          </p:cTn>
+                        </p:par>
+                      </p:childTnLst>
+                    </p:cTn>
+                  </p:par>
+                </p:childTnLst>
+              </p:cTn>
+              <p:prevCondLst>
+                <p:cond evt="onPrev" delay="0">
+                  <p:tgtEl>
+                    <p:sldTgt/>
+                  </p:tgtEl>
+                </p:cond>
+              </p:prevCondLst>
+              <p:nextCondLst>
+                <p:cond evt="onNext" delay="0">
+                  <p:tgtEl>
+                    <p:sldTgt/>
+                  </p:tgtEl>
+                </p:cond>
+              </p:nextCondLst>
+            </p:seq>
+          </p:childTnLst>
+        </p:cTn>
+      </p:par>
+    </p:tnLst>
+    <p:bldLst>
+      <p:bldP spid="4" grpId="0"/>
+    </p:bldLst>
+  </p:timing>
+</p:sld>
+</file>
+
+<file path=ppt/slides/slide11.xml><?xml version="1.0" encoding="utf-8"?>
+<p:sld xmlns:a="http://schemas.openxmlformats.org/drawingml/2006/main" xmlns:r="http://schemas.openxmlformats.org/officeDocument/2006/relationships" xmlns:p="http://schemas.openxmlformats.org/presentationml/2006/main">
+  <p:cSld>
+    <p:spTree>
+      <p:nvGrpSpPr>
+        <p:cNvPr id="1" name=""/>
+        <p:cNvGrpSpPr/>
+        <p:nvPr/>
+      </p:nvGrpSpPr>
+      <p:grpSpPr>
+        <a:xfrm>
+          <a:off x="0" y="0"/>
+          <a:ext cx="0" cy="0"/>
+          <a:chOff x="0" y="0"/>
+          <a:chExt cx="0" cy="0"/>
+        </a:xfrm>
+      </p:grpSpPr>
+      <p:sp>
+        <p:nvSpPr>
           <p:cNvPr id="5" name="Rectangle 4"/>
           <p:cNvSpPr/>
           <p:nvPr/>
@@ -4833,7 +5102,7 @@
 </p:sld>
 </file>
 
-<file path=ppt/slides/slide11.xml><?xml version="1.0" encoding="utf-8"?>
+<file path=ppt/slides/slide12.xml><?xml version="1.0" encoding="utf-8"?>
 <p:sld xmlns:a="http://schemas.openxmlformats.org/drawingml/2006/main" xmlns:r="http://schemas.openxmlformats.org/officeDocument/2006/relationships" xmlns:p="http://schemas.openxmlformats.org/presentationml/2006/main">
   <p:cSld>
     <p:spTree>
@@ -5007,7 +5276,7 @@
 </p:sld>
 </file>
 
-<file path=ppt/slides/slide12.xml><?xml version="1.0" encoding="utf-8"?>
+<file path=ppt/slides/slide13.xml><?xml version="1.0" encoding="utf-8"?>
 <p:sld xmlns:a="http://schemas.openxmlformats.org/drawingml/2006/main" xmlns:r="http://schemas.openxmlformats.org/officeDocument/2006/relationships" xmlns:p="http://schemas.openxmlformats.org/presentationml/2006/main">
   <p:cSld>
     <p:spTree>
@@ -5497,7 +5766,7 @@
 </p:sld>
 </file>
 
-<file path=ppt/slides/slide13.xml><?xml version="1.0" encoding="utf-8"?>
+<file path=ppt/slides/slide14.xml><?xml version="1.0" encoding="utf-8"?>
 <p:sld xmlns:a="http://schemas.openxmlformats.org/drawingml/2006/main" xmlns:r="http://schemas.openxmlformats.org/officeDocument/2006/relationships" xmlns:p="http://schemas.openxmlformats.org/presentationml/2006/main">
   <p:cSld>
     <p:spTree>
@@ -5971,7 +6240,7 @@
 </p:sld>
 </file>
 
-<file path=ppt/slides/slide14.xml><?xml version="1.0" encoding="utf-8"?>
+<file path=ppt/slides/slide15.xml><?xml version="1.0" encoding="utf-8"?>
 <p:sld xmlns:a="http://schemas.openxmlformats.org/drawingml/2006/main" xmlns:r="http://schemas.openxmlformats.org/officeDocument/2006/relationships" xmlns:p="http://schemas.openxmlformats.org/presentationml/2006/main">
   <p:cSld>
     <p:spTree>
@@ -6190,7 +6459,7 @@
 </p:sld>
 </file>
 
-<file path=ppt/slides/slide15.xml><?xml version="1.0" encoding="utf-8"?>
+<file path=ppt/slides/slide16.xml><?xml version="1.0" encoding="utf-8"?>
 <p:sld xmlns:a="http://schemas.openxmlformats.org/drawingml/2006/main" xmlns:r="http://schemas.openxmlformats.org/officeDocument/2006/relationships" xmlns:p="http://schemas.openxmlformats.org/presentationml/2006/main">
   <p:cSld>
     <p:spTree>
@@ -6448,8 +6717,8 @@
         </p:nvSpPr>
         <p:spPr>
           <a:xfrm>
-            <a:off x="1043608" y="5085184"/>
-            <a:ext cx="6163097" cy="923330"/>
+            <a:off x="1381759" y="5445224"/>
+            <a:ext cx="2661306" cy="923330"/>
           </a:xfrm>
           <a:prstGeom prst="rect">
             <a:avLst/>
@@ -6469,11 +6738,71 @@
                   </a:schemeClr>
                 </a:solidFill>
               </a:rPr>
-              <a:t>Why is it important?</a:t>
-            </a:r>
-          </a:p>
-        </p:txBody>
-      </p:sp>
+              <a:t>Object 1</a:t>
+            </a:r>
+          </a:p>
+        </p:txBody>
+      </p:sp>
+      <p:pic>
+        <p:nvPicPr>
+          <p:cNvPr id="4" name="Picture 3">
+            <a:extLst>
+              <a:ext uri="{FF2B5EF4-FFF2-40B4-BE49-F238E27FC236}">
+                <a16:creationId xmlns:a16="http://schemas.microsoft.com/office/drawing/2014/main" id="{0F32EBD3-5D96-40BF-8E0D-26252FCBA48E}"/>
+              </a:ext>
+            </a:extLst>
+          </p:cNvPr>
+          <p:cNvPicPr>
+            <a:picLocks noChangeAspect="1"/>
+          </p:cNvPicPr>
+          <p:nvPr/>
+        </p:nvPicPr>
+        <p:blipFill>
+          <a:blip r:embed="rId2"/>
+          <a:stretch>
+            <a:fillRect/>
+          </a:stretch>
+        </p:blipFill>
+        <p:spPr>
+          <a:xfrm>
+            <a:off x="3032506" y="188640"/>
+            <a:ext cx="3078988" cy="2656649"/>
+          </a:xfrm>
+          <a:prstGeom prst="rect">
+            <a:avLst/>
+          </a:prstGeom>
+        </p:spPr>
+      </p:pic>
+      <p:pic>
+        <p:nvPicPr>
+          <p:cNvPr id="7" name="Picture 6">
+            <a:extLst>
+              <a:ext uri="{FF2B5EF4-FFF2-40B4-BE49-F238E27FC236}">
+                <a16:creationId xmlns:a16="http://schemas.microsoft.com/office/drawing/2014/main" id="{71821A04-6F0A-4780-8A73-5330F5590B5E}"/>
+              </a:ext>
+            </a:extLst>
+          </p:cNvPr>
+          <p:cNvPicPr>
+            <a:picLocks noChangeAspect="1"/>
+          </p:cNvPicPr>
+          <p:nvPr/>
+        </p:nvPicPr>
+        <p:blipFill>
+          <a:blip r:embed="rId3"/>
+          <a:stretch>
+            <a:fillRect/>
+          </a:stretch>
+        </p:blipFill>
+        <p:spPr>
+          <a:xfrm>
+            <a:off x="237957" y="3429000"/>
+            <a:ext cx="3862117" cy="1350875"/>
+          </a:xfrm>
+          <a:prstGeom prst="rect">
+            <a:avLst/>
+          </a:prstGeom>
+        </p:spPr>
+      </p:pic>
     </p:spTree>
     <p:extLst>
       <p:ext uri="{BB962C8B-B14F-4D97-AF65-F5344CB8AC3E}">
@@ -6524,36 +6853,157 @@
         </p:nvSpPr>
         <p:spPr>
           <a:xfrm>
-            <a:off x="1386053" y="1340430"/>
-            <a:ext cx="6163097" cy="923330"/>
+            <a:off x="1115616" y="5373216"/>
+            <a:ext cx="2182129" cy="646331"/>
           </a:xfrm>
           <a:prstGeom prst="rect">
             <a:avLst/>
           </a:prstGeom>
         </p:spPr>
         <p:txBody>
-          <a:bodyPr wrap="none">
+          <a:bodyPr wrap="square">
             <a:spAutoFit/>
           </a:bodyPr>
           <a:lstStyle/>
           <a:p>
-            <a:r>
-              <a:rPr lang="en-US" sz="5400" dirty="0">
+            <a:pPr algn="ctr"/>
+            <a:r>
+              <a:rPr lang="en-US" sz="3600" dirty="0">
                 <a:solidFill>
                   <a:schemeClr val="accent1">
                     <a:lumMod val="75000"/>
                   </a:schemeClr>
                 </a:solidFill>
               </a:rPr>
-              <a:t>Why is it important?</a:t>
-            </a:r>
-          </a:p>
-        </p:txBody>
-      </p:sp>
+              <a:t>Object 1</a:t>
+            </a:r>
+          </a:p>
+        </p:txBody>
+      </p:sp>
+      <p:pic>
+        <p:nvPicPr>
+          <p:cNvPr id="4" name="Picture 3">
+            <a:extLst>
+              <a:ext uri="{FF2B5EF4-FFF2-40B4-BE49-F238E27FC236}">
+                <a16:creationId xmlns:a16="http://schemas.microsoft.com/office/drawing/2014/main" id="{0F32EBD3-5D96-40BF-8E0D-26252FCBA48E}"/>
+              </a:ext>
+            </a:extLst>
+          </p:cNvPr>
+          <p:cNvPicPr>
+            <a:picLocks noChangeAspect="1"/>
+          </p:cNvPicPr>
+          <p:nvPr/>
+        </p:nvPicPr>
+        <p:blipFill>
+          <a:blip r:embed="rId2"/>
+          <a:stretch>
+            <a:fillRect/>
+          </a:stretch>
+        </p:blipFill>
+        <p:spPr>
+          <a:xfrm>
+            <a:off x="3032506" y="188640"/>
+            <a:ext cx="3078988" cy="2656649"/>
+          </a:xfrm>
+          <a:prstGeom prst="rect">
+            <a:avLst/>
+          </a:prstGeom>
+        </p:spPr>
+      </p:pic>
+      <p:pic>
+        <p:nvPicPr>
+          <p:cNvPr id="7" name="Picture 6">
+            <a:extLst>
+              <a:ext uri="{FF2B5EF4-FFF2-40B4-BE49-F238E27FC236}">
+                <a16:creationId xmlns:a16="http://schemas.microsoft.com/office/drawing/2014/main" id="{71821A04-6F0A-4780-8A73-5330F5590B5E}"/>
+              </a:ext>
+            </a:extLst>
+          </p:cNvPr>
+          <p:cNvPicPr>
+            <a:picLocks noChangeAspect="1"/>
+          </p:cNvPicPr>
+          <p:nvPr/>
+        </p:nvPicPr>
+        <p:blipFill>
+          <a:blip r:embed="rId3"/>
+          <a:stretch>
+            <a:fillRect/>
+          </a:stretch>
+        </p:blipFill>
+        <p:spPr>
+          <a:xfrm>
+            <a:off x="898656" y="4012712"/>
+            <a:ext cx="3144409" cy="1099838"/>
+          </a:xfrm>
+          <a:prstGeom prst="rect">
+            <a:avLst/>
+          </a:prstGeom>
+        </p:spPr>
+      </p:pic>
+      <p:pic>
+        <p:nvPicPr>
+          <p:cNvPr id="6" name="Picture 5">
+            <a:extLst>
+              <a:ext uri="{FF2B5EF4-FFF2-40B4-BE49-F238E27FC236}">
+                <a16:creationId xmlns:a16="http://schemas.microsoft.com/office/drawing/2014/main" id="{81FE2B0A-83D0-4ED6-BFC1-55BFDDDD4096}"/>
+              </a:ext>
+            </a:extLst>
+          </p:cNvPr>
+          <p:cNvPicPr>
+            <a:picLocks noChangeAspect="1"/>
+          </p:cNvPicPr>
+          <p:nvPr/>
+        </p:nvPicPr>
+        <p:blipFill>
+          <a:blip r:embed="rId3"/>
+          <a:stretch>
+            <a:fillRect/>
+          </a:stretch>
+        </p:blipFill>
+        <p:spPr>
+          <a:xfrm>
+            <a:off x="5220072" y="4012712"/>
+            <a:ext cx="3144409" cy="1099838"/>
+          </a:xfrm>
+          <a:prstGeom prst="rect">
+            <a:avLst/>
+          </a:prstGeom>
+        </p:spPr>
+      </p:pic>
+      <p:pic>
+        <p:nvPicPr>
+          <p:cNvPr id="11" name="Picture 10">
+            <a:extLst>
+              <a:ext uri="{FF2B5EF4-FFF2-40B4-BE49-F238E27FC236}">
+                <a16:creationId xmlns:a16="http://schemas.microsoft.com/office/drawing/2014/main" id="{8BF188B5-69AF-4727-A364-FF2BD51B2D00}"/>
+              </a:ext>
+            </a:extLst>
+          </p:cNvPr>
+          <p:cNvPicPr>
+            <a:picLocks noChangeAspect="1"/>
+          </p:cNvPicPr>
+          <p:nvPr/>
+        </p:nvPicPr>
+        <p:blipFill>
+          <a:blip r:embed="rId4"/>
+          <a:stretch>
+            <a:fillRect/>
+          </a:stretch>
+        </p:blipFill>
+        <p:spPr>
+          <a:xfrm>
+            <a:off x="5697949" y="5214755"/>
+            <a:ext cx="2188654" cy="963251"/>
+          </a:xfrm>
+          <a:prstGeom prst="rect">
+            <a:avLst/>
+          </a:prstGeom>
+        </p:spPr>
+      </p:pic>
     </p:spTree>
     <p:extLst>
       <p:ext uri="{BB962C8B-B14F-4D97-AF65-F5344CB8AC3E}">
-        <p14:creationId xmlns:p14="http://schemas.microsoft.com/office/powerpoint/2010/main" val="3483086654"/>
+        <p14:creationId xmlns:p14="http://schemas.microsoft.com/office/powerpoint/2010/main" val="2315813332"/>
       </p:ext>
     </p:extLst>
   </p:cSld>
@@ -6594,6 +7044,82 @@
       </p:grpSpPr>
       <p:sp>
         <p:nvSpPr>
+          <p:cNvPr id="3" name="Rectangle 2"/>
+          <p:cNvSpPr/>
+          <p:nvPr/>
+        </p:nvSpPr>
+        <p:spPr>
+          <a:xfrm>
+            <a:off x="1386053" y="1340430"/>
+            <a:ext cx="6163097" cy="923330"/>
+          </a:xfrm>
+          <a:prstGeom prst="rect">
+            <a:avLst/>
+          </a:prstGeom>
+        </p:spPr>
+        <p:txBody>
+          <a:bodyPr wrap="none">
+            <a:spAutoFit/>
+          </a:bodyPr>
+          <a:lstStyle/>
+          <a:p>
+            <a:r>
+              <a:rPr lang="en-US" sz="5400" dirty="0">
+                <a:solidFill>
+                  <a:schemeClr val="accent1">
+                    <a:lumMod val="75000"/>
+                  </a:schemeClr>
+                </a:solidFill>
+              </a:rPr>
+              <a:t>Why is it important?</a:t>
+            </a:r>
+          </a:p>
+        </p:txBody>
+      </p:sp>
+    </p:spTree>
+    <p:extLst>
+      <p:ext uri="{BB962C8B-B14F-4D97-AF65-F5344CB8AC3E}">
+        <p14:creationId xmlns:p14="http://schemas.microsoft.com/office/powerpoint/2010/main" val="3483086654"/>
+      </p:ext>
+    </p:extLst>
+  </p:cSld>
+  <p:clrMapOvr>
+    <a:masterClrMapping/>
+  </p:clrMapOvr>
+  <mc:AlternateContent xmlns:mc="http://schemas.openxmlformats.org/markup-compatibility/2006" xmlns:p14="http://schemas.microsoft.com/office/powerpoint/2010/main">
+    <mc:Choice Requires="p14">
+      <p:transition spd="slow" p14:dur="1200">
+        <p14:prism/>
+      </p:transition>
+    </mc:Choice>
+    <mc:Fallback xmlns="">
+      <p:transition spd="slow">
+        <p:fade/>
+      </p:transition>
+    </mc:Fallback>
+  </mc:AlternateContent>
+</p:sld>
+</file>
+
+<file path=ppt/slides/slide6.xml><?xml version="1.0" encoding="utf-8"?>
+<p:sld xmlns:a="http://schemas.openxmlformats.org/drawingml/2006/main" xmlns:r="http://schemas.openxmlformats.org/officeDocument/2006/relationships" xmlns:p="http://schemas.openxmlformats.org/presentationml/2006/main">
+  <p:cSld>
+    <p:spTree>
+      <p:nvGrpSpPr>
+        <p:cNvPr id="1" name=""/>
+        <p:cNvGrpSpPr/>
+        <p:nvPr/>
+      </p:nvGrpSpPr>
+      <p:grpSpPr>
+        <a:xfrm>
+          <a:off x="0" y="0"/>
+          <a:ext cx="0" cy="0"/>
+          <a:chOff x="0" y="0"/>
+          <a:chExt cx="0" cy="0"/>
+        </a:xfrm>
+      </p:grpSpPr>
+      <p:sp>
+        <p:nvSpPr>
           <p:cNvPr id="2" name="Rectangle 1"/>
           <p:cNvSpPr/>
           <p:nvPr/>
@@ -6728,7 +7254,7 @@
 </p:sld>
 </file>
 
-<file path=ppt/slides/slide6.xml><?xml version="1.0" encoding="utf-8"?>
+<file path=ppt/slides/slide7.xml><?xml version="1.0" encoding="utf-8"?>
 <p:sld xmlns:a="http://schemas.openxmlformats.org/drawingml/2006/main" xmlns:r="http://schemas.openxmlformats.org/officeDocument/2006/relationships" xmlns:p="http://schemas.openxmlformats.org/presentationml/2006/main">
   <p:cSld>
     <p:spTree>
@@ -6978,7 +7504,7 @@
 </p:sld>
 </file>
 
-<file path=ppt/slides/slide7.xml><?xml version="1.0" encoding="utf-8"?>
+<file path=ppt/slides/slide8.xml><?xml version="1.0" encoding="utf-8"?>
 <p:sld xmlns:a="http://schemas.openxmlformats.org/drawingml/2006/main" xmlns:r="http://schemas.openxmlformats.org/officeDocument/2006/relationships" xmlns:p="http://schemas.openxmlformats.org/presentationml/2006/main">
   <p:cSld>
     <p:spTree>
@@ -7237,7 +7763,7 @@
 </p:sld>
 </file>
 
-<file path=ppt/slides/slide8.xml><?xml version="1.0" encoding="utf-8"?>
+<file path=ppt/slides/slide9.xml><?xml version="1.0" encoding="utf-8"?>
 <p:sld xmlns:a="http://schemas.openxmlformats.org/drawingml/2006/main" xmlns:r="http://schemas.openxmlformats.org/officeDocument/2006/relationships" xmlns:p="http://schemas.openxmlformats.org/presentationml/2006/main">
   <p:cSld>
     <p:spTree>
@@ -7421,274 +7947,6 @@
       </p:transition>
     </mc:Fallback>
   </mc:AlternateContent>
-  <p:timing>
-    <p:tnLst>
-      <p:par>
-        <p:cTn id="1" dur="indefinite" restart="never" nodeType="tmRoot">
-          <p:childTnLst>
-            <p:seq concurrent="1" nextAc="seek">
-              <p:cTn id="2" dur="indefinite" nodeType="mainSeq">
-                <p:childTnLst>
-                  <p:par>
-                    <p:cTn id="3" fill="hold">
-                      <p:stCondLst>
-                        <p:cond delay="indefinite"/>
-                        <p:cond evt="onBegin" delay="0">
-                          <p:tn val="2"/>
-                        </p:cond>
-                      </p:stCondLst>
-                      <p:childTnLst>
-                        <p:par>
-                          <p:cTn id="4" fill="hold">
-                            <p:stCondLst>
-                              <p:cond delay="0"/>
-                            </p:stCondLst>
-                            <p:childTnLst>
-                              <p:par>
-                                <p:cTn id="5" presetID="6" presetClass="emph" presetSubtype="0" fill="hold" grpId="0" nodeType="afterEffect">
-                                  <p:stCondLst>
-                                    <p:cond delay="0"/>
-                                  </p:stCondLst>
-                                  <p:childTnLst>
-                                    <p:animScale>
-                                      <p:cBhvr>
-                                        <p:cTn id="6" dur="2000" fill="hold"/>
-                                        <p:tgtEl>
-                                          <p:spTgt spid="4"/>
-                                        </p:tgtEl>
-                                      </p:cBhvr>
-                                      <p:by x="150000" y="150000"/>
-                                    </p:animScale>
-                                  </p:childTnLst>
-                                </p:cTn>
-                              </p:par>
-                            </p:childTnLst>
-                          </p:cTn>
-                        </p:par>
-                      </p:childTnLst>
-                    </p:cTn>
-                  </p:par>
-                </p:childTnLst>
-              </p:cTn>
-              <p:prevCondLst>
-                <p:cond evt="onPrev" delay="0">
-                  <p:tgtEl>
-                    <p:sldTgt/>
-                  </p:tgtEl>
-                </p:cond>
-              </p:prevCondLst>
-              <p:nextCondLst>
-                <p:cond evt="onNext" delay="0">
-                  <p:tgtEl>
-                    <p:sldTgt/>
-                  </p:tgtEl>
-                </p:cond>
-              </p:nextCondLst>
-            </p:seq>
-          </p:childTnLst>
-        </p:cTn>
-      </p:par>
-    </p:tnLst>
-    <p:bldLst>
-      <p:bldP spid="4" grpId="0"/>
-    </p:bldLst>
-  </p:timing>
-</p:sld>
-</file>
-
-<file path=ppt/slides/slide9.xml><?xml version="1.0" encoding="utf-8"?>
-<p:sld xmlns:a="http://schemas.openxmlformats.org/drawingml/2006/main" xmlns:r="http://schemas.openxmlformats.org/officeDocument/2006/relationships" xmlns:p="http://schemas.openxmlformats.org/presentationml/2006/main">
-  <p:cSld>
-    <p:spTree>
-      <p:nvGrpSpPr>
-        <p:cNvPr id="1" name=""/>
-        <p:cNvGrpSpPr/>
-        <p:nvPr/>
-      </p:nvGrpSpPr>
-      <p:grpSpPr>
-        <a:xfrm>
-          <a:off x="0" y="0"/>
-          <a:ext cx="0" cy="0"/>
-          <a:chOff x="0" y="0"/>
-          <a:chExt cx="0" cy="0"/>
-        </a:xfrm>
-      </p:grpSpPr>
-      <p:sp>
-        <p:nvSpPr>
-          <p:cNvPr id="4" name="Rectangle 3"/>
-          <p:cNvSpPr/>
-          <p:nvPr/>
-        </p:nvSpPr>
-        <p:spPr>
-          <a:xfrm>
-            <a:off x="2555776" y="1916832"/>
-            <a:ext cx="3672408" cy="600293"/>
-          </a:xfrm>
-          <a:prstGeom prst="rect">
-            <a:avLst/>
-          </a:prstGeom>
-          <a:noFill/>
-          <a:ln>
-            <a:noFill/>
-          </a:ln>
-        </p:spPr>
-        <p:style>
-          <a:lnRef idx="1">
-            <a:schemeClr val="accent1"/>
-          </a:lnRef>
-          <a:fillRef idx="2">
-            <a:schemeClr val="accent1"/>
-          </a:fillRef>
-          <a:effectRef idx="1">
-            <a:schemeClr val="accent1"/>
-          </a:effectRef>
-          <a:fontRef idx="minor">
-            <a:schemeClr val="dk1"/>
-          </a:fontRef>
-        </p:style>
-        <p:txBody>
-          <a:bodyPr wrap="square">
-            <a:spAutoFit/>
-          </a:bodyPr>
-          <a:lstStyle/>
-          <a:p>
-            <a:r>
-              <a:rPr lang="en-US" sz="3200" b="1" dirty="0">
-                <a:solidFill>
-                  <a:schemeClr val="accent6">
-                    <a:lumMod val="50000"/>
-                  </a:schemeClr>
-                </a:solidFill>
-                <a:latin typeface="Adobe Kaiti Std R" panose="02020400000000000000" pitchFamily="18" charset="-128"/>
-                <a:ea typeface="Adobe Kaiti Std R" panose="02020400000000000000" pitchFamily="18" charset="-128"/>
-              </a:rPr>
-              <a:t>Saves your money</a:t>
-            </a:r>
-          </a:p>
-        </p:txBody>
-      </p:sp>
-      <p:sp>
-        <p:nvSpPr>
-          <p:cNvPr id="5" name="Rectangle 4"/>
-          <p:cNvSpPr/>
-          <p:nvPr/>
-        </p:nvSpPr>
-        <p:spPr>
-          <a:xfrm>
-            <a:off x="574515" y="1289747"/>
-            <a:ext cx="8643211" cy="34298"/>
-          </a:xfrm>
-          <a:prstGeom prst="rect">
-            <a:avLst/>
-          </a:prstGeom>
-        </p:spPr>
-        <p:style>
-          <a:lnRef idx="1">
-            <a:schemeClr val="accent1"/>
-          </a:lnRef>
-          <a:fillRef idx="3">
-            <a:schemeClr val="accent1"/>
-          </a:fillRef>
-          <a:effectRef idx="2">
-            <a:schemeClr val="accent1"/>
-          </a:effectRef>
-          <a:fontRef idx="minor">
-            <a:schemeClr val="lt1"/>
-          </a:fontRef>
-        </p:style>
-        <p:txBody>
-          <a:bodyPr rtlCol="0" anchor="ctr"/>
-          <a:lstStyle/>
-          <a:p>
-            <a:pPr algn="ctr"/>
-            <a:endParaRPr lang="en-US" sz="1350">
-              <a:solidFill>
-                <a:schemeClr val="tx1">
-                  <a:lumMod val="65000"/>
-                  <a:lumOff val="35000"/>
-                </a:schemeClr>
-              </a:solidFill>
-            </a:endParaRPr>
-          </a:p>
-        </p:txBody>
-      </p:sp>
-      <p:sp>
-        <p:nvSpPr>
-          <p:cNvPr id="6" name="Rectangle 5"/>
-          <p:cNvSpPr/>
-          <p:nvPr/>
-        </p:nvSpPr>
-        <p:spPr>
-          <a:xfrm>
-            <a:off x="525459" y="548680"/>
-            <a:ext cx="4605556" cy="707886"/>
-          </a:xfrm>
-          <a:prstGeom prst="rect">
-            <a:avLst/>
-          </a:prstGeom>
-        </p:spPr>
-        <p:txBody>
-          <a:bodyPr wrap="none">
-            <a:spAutoFit/>
-          </a:bodyPr>
-          <a:lstStyle/>
-          <a:p>
-            <a:r>
-              <a:rPr lang="en-US" sz="4000" dirty="0">
-                <a:solidFill>
-                  <a:schemeClr val="accent1">
-                    <a:lumMod val="75000"/>
-                  </a:schemeClr>
-                </a:solidFill>
-              </a:rPr>
-              <a:t>Why is it important?</a:t>
-            </a:r>
-          </a:p>
-        </p:txBody>
-      </p:sp>
-      <p:pic>
-        <p:nvPicPr>
-          <p:cNvPr id="10" name="Picture 9"/>
-          <p:cNvPicPr>
-            <a:picLocks noChangeAspect="1"/>
-          </p:cNvPicPr>
-          <p:nvPr/>
-        </p:nvPicPr>
-        <p:blipFill>
-          <a:blip r:embed="rId2">
-            <a:extLst>
-              <a:ext uri="{28A0092B-C50C-407E-A947-70E740481C1C}">
-                <a14:useLocalDpi xmlns:a14="http://schemas.microsoft.com/office/drawing/2010/main" val="0"/>
-              </a:ext>
-            </a:extLst>
-          </a:blip>
-          <a:stretch>
-            <a:fillRect/>
-          </a:stretch>
-        </p:blipFill>
-        <p:spPr>
-          <a:xfrm>
-            <a:off x="3037520" y="3573016"/>
-            <a:ext cx="2708920" cy="2708920"/>
-          </a:xfrm>
-          <a:prstGeom prst="rect">
-            <a:avLst/>
-          </a:prstGeom>
-        </p:spPr>
-      </p:pic>
-    </p:spTree>
-    <p:extLst>
-      <p:ext uri="{BB962C8B-B14F-4D97-AF65-F5344CB8AC3E}">
-        <p14:creationId xmlns:p14="http://schemas.microsoft.com/office/powerpoint/2010/main" val="4228850073"/>
-      </p:ext>
-    </p:extLst>
-  </p:cSld>
-  <p:clrMapOvr>
-    <a:masterClrMapping/>
-  </p:clrMapOvr>
-  <p:transition spd="slow">
-    <p:wheel spokes="1"/>
-  </p:transition>
   <p:timing>
     <p:tnLst>
       <p:par>

--- a/OOP.pptx
+++ b/OOP.pptx
@@ -5,28 +5,27 @@
     <p:sldMasterId id="2147483648" r:id="rId4"/>
   </p:sldMasterIdLst>
   <p:notesMasterIdLst>
-    <p:notesMasterId r:id="rId21"/>
+    <p:notesMasterId r:id="rId20"/>
   </p:notesMasterIdLst>
   <p:handoutMasterIdLst>
-    <p:handoutMasterId r:id="rId22"/>
+    <p:handoutMasterId r:id="rId21"/>
   </p:handoutMasterIdLst>
   <p:sldIdLst>
     <p:sldId id="265" r:id="rId5"/>
     <p:sldId id="267" r:id="rId6"/>
-    <p:sldId id="290" r:id="rId7"/>
-    <p:sldId id="294" r:id="rId8"/>
-    <p:sldId id="293" r:id="rId9"/>
-    <p:sldId id="282" r:id="rId10"/>
-    <p:sldId id="269" r:id="rId11"/>
-    <p:sldId id="284" r:id="rId12"/>
-    <p:sldId id="283" r:id="rId13"/>
-    <p:sldId id="285" r:id="rId14"/>
-    <p:sldId id="273" r:id="rId15"/>
-    <p:sldId id="281" r:id="rId16"/>
-    <p:sldId id="289" r:id="rId17"/>
-    <p:sldId id="286" r:id="rId18"/>
-    <p:sldId id="279" r:id="rId19"/>
-    <p:sldId id="292" r:id="rId20"/>
+    <p:sldId id="294" r:id="rId7"/>
+    <p:sldId id="293" r:id="rId8"/>
+    <p:sldId id="282" r:id="rId9"/>
+    <p:sldId id="269" r:id="rId10"/>
+    <p:sldId id="284" r:id="rId11"/>
+    <p:sldId id="283" r:id="rId12"/>
+    <p:sldId id="285" r:id="rId13"/>
+    <p:sldId id="273" r:id="rId14"/>
+    <p:sldId id="281" r:id="rId15"/>
+    <p:sldId id="289" r:id="rId16"/>
+    <p:sldId id="286" r:id="rId17"/>
+    <p:sldId id="279" r:id="rId18"/>
+    <p:sldId id="292" r:id="rId19"/>
   </p:sldIdLst>
   <p:sldSz cx="9144000" cy="6858000" type="screen4x3"/>
   <p:notesSz cx="6858000" cy="9144000"/>
@@ -4241,274 +4240,6 @@
       </p:grpSpPr>
       <p:sp>
         <p:nvSpPr>
-          <p:cNvPr id="4" name="Rectangle 3"/>
-          <p:cNvSpPr/>
-          <p:nvPr/>
-        </p:nvSpPr>
-        <p:spPr>
-          <a:xfrm>
-            <a:off x="2555776" y="1916832"/>
-            <a:ext cx="3672408" cy="600293"/>
-          </a:xfrm>
-          <a:prstGeom prst="rect">
-            <a:avLst/>
-          </a:prstGeom>
-          <a:noFill/>
-          <a:ln>
-            <a:noFill/>
-          </a:ln>
-        </p:spPr>
-        <p:style>
-          <a:lnRef idx="1">
-            <a:schemeClr val="accent1"/>
-          </a:lnRef>
-          <a:fillRef idx="2">
-            <a:schemeClr val="accent1"/>
-          </a:fillRef>
-          <a:effectRef idx="1">
-            <a:schemeClr val="accent1"/>
-          </a:effectRef>
-          <a:fontRef idx="minor">
-            <a:schemeClr val="dk1"/>
-          </a:fontRef>
-        </p:style>
-        <p:txBody>
-          <a:bodyPr wrap="square">
-            <a:spAutoFit/>
-          </a:bodyPr>
-          <a:lstStyle/>
-          <a:p>
-            <a:r>
-              <a:rPr lang="en-US" sz="3200" b="1" dirty="0">
-                <a:solidFill>
-                  <a:schemeClr val="accent6">
-                    <a:lumMod val="50000"/>
-                  </a:schemeClr>
-                </a:solidFill>
-                <a:latin typeface="Adobe Kaiti Std R" panose="02020400000000000000" pitchFamily="18" charset="-128"/>
-                <a:ea typeface="Adobe Kaiti Std R" panose="02020400000000000000" pitchFamily="18" charset="-128"/>
-              </a:rPr>
-              <a:t>Saves your money</a:t>
-            </a:r>
-          </a:p>
-        </p:txBody>
-      </p:sp>
-      <p:sp>
-        <p:nvSpPr>
-          <p:cNvPr id="5" name="Rectangle 4"/>
-          <p:cNvSpPr/>
-          <p:nvPr/>
-        </p:nvSpPr>
-        <p:spPr>
-          <a:xfrm>
-            <a:off x="574515" y="1289747"/>
-            <a:ext cx="8643211" cy="34298"/>
-          </a:xfrm>
-          <a:prstGeom prst="rect">
-            <a:avLst/>
-          </a:prstGeom>
-        </p:spPr>
-        <p:style>
-          <a:lnRef idx="1">
-            <a:schemeClr val="accent1"/>
-          </a:lnRef>
-          <a:fillRef idx="3">
-            <a:schemeClr val="accent1"/>
-          </a:fillRef>
-          <a:effectRef idx="2">
-            <a:schemeClr val="accent1"/>
-          </a:effectRef>
-          <a:fontRef idx="minor">
-            <a:schemeClr val="lt1"/>
-          </a:fontRef>
-        </p:style>
-        <p:txBody>
-          <a:bodyPr rtlCol="0" anchor="ctr"/>
-          <a:lstStyle/>
-          <a:p>
-            <a:pPr algn="ctr"/>
-            <a:endParaRPr lang="en-US" sz="1350">
-              <a:solidFill>
-                <a:schemeClr val="tx1">
-                  <a:lumMod val="65000"/>
-                  <a:lumOff val="35000"/>
-                </a:schemeClr>
-              </a:solidFill>
-            </a:endParaRPr>
-          </a:p>
-        </p:txBody>
-      </p:sp>
-      <p:sp>
-        <p:nvSpPr>
-          <p:cNvPr id="6" name="Rectangle 5"/>
-          <p:cNvSpPr/>
-          <p:nvPr/>
-        </p:nvSpPr>
-        <p:spPr>
-          <a:xfrm>
-            <a:off x="525459" y="548680"/>
-            <a:ext cx="4605556" cy="707886"/>
-          </a:xfrm>
-          <a:prstGeom prst="rect">
-            <a:avLst/>
-          </a:prstGeom>
-        </p:spPr>
-        <p:txBody>
-          <a:bodyPr wrap="none">
-            <a:spAutoFit/>
-          </a:bodyPr>
-          <a:lstStyle/>
-          <a:p>
-            <a:r>
-              <a:rPr lang="en-US" sz="4000" dirty="0">
-                <a:solidFill>
-                  <a:schemeClr val="accent1">
-                    <a:lumMod val="75000"/>
-                  </a:schemeClr>
-                </a:solidFill>
-              </a:rPr>
-              <a:t>Why is it important?</a:t>
-            </a:r>
-          </a:p>
-        </p:txBody>
-      </p:sp>
-      <p:pic>
-        <p:nvPicPr>
-          <p:cNvPr id="10" name="Picture 9"/>
-          <p:cNvPicPr>
-            <a:picLocks noChangeAspect="1"/>
-          </p:cNvPicPr>
-          <p:nvPr/>
-        </p:nvPicPr>
-        <p:blipFill>
-          <a:blip r:embed="rId2">
-            <a:extLst>
-              <a:ext uri="{28A0092B-C50C-407E-A947-70E740481C1C}">
-                <a14:useLocalDpi xmlns:a14="http://schemas.microsoft.com/office/drawing/2010/main" val="0"/>
-              </a:ext>
-            </a:extLst>
-          </a:blip>
-          <a:stretch>
-            <a:fillRect/>
-          </a:stretch>
-        </p:blipFill>
-        <p:spPr>
-          <a:xfrm>
-            <a:off x="3037520" y="3573016"/>
-            <a:ext cx="2708920" cy="2708920"/>
-          </a:xfrm>
-          <a:prstGeom prst="rect">
-            <a:avLst/>
-          </a:prstGeom>
-        </p:spPr>
-      </p:pic>
-    </p:spTree>
-    <p:extLst>
-      <p:ext uri="{BB962C8B-B14F-4D97-AF65-F5344CB8AC3E}">
-        <p14:creationId xmlns:p14="http://schemas.microsoft.com/office/powerpoint/2010/main" val="4228850073"/>
-      </p:ext>
-    </p:extLst>
-  </p:cSld>
-  <p:clrMapOvr>
-    <a:masterClrMapping/>
-  </p:clrMapOvr>
-  <p:transition spd="slow">
-    <p:wheel spokes="1"/>
-  </p:transition>
-  <p:timing>
-    <p:tnLst>
-      <p:par>
-        <p:cTn id="1" dur="indefinite" restart="never" nodeType="tmRoot">
-          <p:childTnLst>
-            <p:seq concurrent="1" nextAc="seek">
-              <p:cTn id="2" dur="indefinite" nodeType="mainSeq">
-                <p:childTnLst>
-                  <p:par>
-                    <p:cTn id="3" fill="hold">
-                      <p:stCondLst>
-                        <p:cond delay="indefinite"/>
-                        <p:cond evt="onBegin" delay="0">
-                          <p:tn val="2"/>
-                        </p:cond>
-                      </p:stCondLst>
-                      <p:childTnLst>
-                        <p:par>
-                          <p:cTn id="4" fill="hold">
-                            <p:stCondLst>
-                              <p:cond delay="0"/>
-                            </p:stCondLst>
-                            <p:childTnLst>
-                              <p:par>
-                                <p:cTn id="5" presetID="6" presetClass="emph" presetSubtype="0" fill="hold" grpId="0" nodeType="afterEffect">
-                                  <p:stCondLst>
-                                    <p:cond delay="0"/>
-                                  </p:stCondLst>
-                                  <p:childTnLst>
-                                    <p:animScale>
-                                      <p:cBhvr>
-                                        <p:cTn id="6" dur="2000" fill="hold"/>
-                                        <p:tgtEl>
-                                          <p:spTgt spid="4"/>
-                                        </p:tgtEl>
-                                      </p:cBhvr>
-                                      <p:by x="150000" y="150000"/>
-                                    </p:animScale>
-                                  </p:childTnLst>
-                                </p:cTn>
-                              </p:par>
-                            </p:childTnLst>
-                          </p:cTn>
-                        </p:par>
-                      </p:childTnLst>
-                    </p:cTn>
-                  </p:par>
-                </p:childTnLst>
-              </p:cTn>
-              <p:prevCondLst>
-                <p:cond evt="onPrev" delay="0">
-                  <p:tgtEl>
-                    <p:sldTgt/>
-                  </p:tgtEl>
-                </p:cond>
-              </p:prevCondLst>
-              <p:nextCondLst>
-                <p:cond evt="onNext" delay="0">
-                  <p:tgtEl>
-                    <p:sldTgt/>
-                  </p:tgtEl>
-                </p:cond>
-              </p:nextCondLst>
-            </p:seq>
-          </p:childTnLst>
-        </p:cTn>
-      </p:par>
-    </p:tnLst>
-    <p:bldLst>
-      <p:bldP spid="4" grpId="0"/>
-    </p:bldLst>
-  </p:timing>
-</p:sld>
-</file>
-
-<file path=ppt/slides/slide11.xml><?xml version="1.0" encoding="utf-8"?>
-<p:sld xmlns:a="http://schemas.openxmlformats.org/drawingml/2006/main" xmlns:r="http://schemas.openxmlformats.org/officeDocument/2006/relationships" xmlns:p="http://schemas.openxmlformats.org/presentationml/2006/main">
-  <p:cSld>
-    <p:spTree>
-      <p:nvGrpSpPr>
-        <p:cNvPr id="1" name=""/>
-        <p:cNvGrpSpPr/>
-        <p:nvPr/>
-      </p:nvGrpSpPr>
-      <p:grpSpPr>
-        <a:xfrm>
-          <a:off x="0" y="0"/>
-          <a:ext cx="0" cy="0"/>
-          <a:chOff x="0" y="0"/>
-          <a:chExt cx="0" cy="0"/>
-        </a:xfrm>
-      </p:grpSpPr>
-      <p:sp>
-        <p:nvSpPr>
           <p:cNvPr id="5" name="Rectangle 4"/>
           <p:cNvSpPr/>
           <p:nvPr/>
@@ -5102,7 +4833,7 @@
 </p:sld>
 </file>
 
-<file path=ppt/slides/slide12.xml><?xml version="1.0" encoding="utf-8"?>
+<file path=ppt/slides/slide11.xml><?xml version="1.0" encoding="utf-8"?>
 <p:sld xmlns:a="http://schemas.openxmlformats.org/drawingml/2006/main" xmlns:r="http://schemas.openxmlformats.org/officeDocument/2006/relationships" xmlns:p="http://schemas.openxmlformats.org/presentationml/2006/main">
   <p:cSld>
     <p:spTree>
@@ -5276,7 +5007,7 @@
 </p:sld>
 </file>
 
-<file path=ppt/slides/slide13.xml><?xml version="1.0" encoding="utf-8"?>
+<file path=ppt/slides/slide12.xml><?xml version="1.0" encoding="utf-8"?>
 <p:sld xmlns:a="http://schemas.openxmlformats.org/drawingml/2006/main" xmlns:r="http://schemas.openxmlformats.org/officeDocument/2006/relationships" xmlns:p="http://schemas.openxmlformats.org/presentationml/2006/main">
   <p:cSld>
     <p:spTree>
@@ -5766,7 +5497,7 @@
 </p:sld>
 </file>
 
-<file path=ppt/slides/slide14.xml><?xml version="1.0" encoding="utf-8"?>
+<file path=ppt/slides/slide13.xml><?xml version="1.0" encoding="utf-8"?>
 <p:sld xmlns:a="http://schemas.openxmlformats.org/drawingml/2006/main" xmlns:r="http://schemas.openxmlformats.org/officeDocument/2006/relationships" xmlns:p="http://schemas.openxmlformats.org/presentationml/2006/main">
   <p:cSld>
     <p:spTree>
@@ -6240,7 +5971,7 @@
 </p:sld>
 </file>
 
-<file path=ppt/slides/slide15.xml><?xml version="1.0" encoding="utf-8"?>
+<file path=ppt/slides/slide14.xml><?xml version="1.0" encoding="utf-8"?>
 <p:sld xmlns:a="http://schemas.openxmlformats.org/drawingml/2006/main" xmlns:r="http://schemas.openxmlformats.org/officeDocument/2006/relationships" xmlns:p="http://schemas.openxmlformats.org/presentationml/2006/main">
   <p:cSld>
     <p:spTree>
@@ -6459,7 +6190,7 @@
 </p:sld>
 </file>
 
-<file path=ppt/slides/slide16.xml><?xml version="1.0" encoding="utf-8"?>
+<file path=ppt/slides/slide15.xml><?xml version="1.0" encoding="utf-8"?>
 <p:sld xmlns:a="http://schemas.openxmlformats.org/drawingml/2006/main" xmlns:r="http://schemas.openxmlformats.org/officeDocument/2006/relationships" xmlns:p="http://schemas.openxmlformats.org/presentationml/2006/main">
   <p:cSld>
     <p:spTree>
@@ -6693,142 +6424,6 @@
 </file>
 
 <file path=ppt/slides/slide3.xml><?xml version="1.0" encoding="utf-8"?>
-<p:sld xmlns:a="http://schemas.openxmlformats.org/drawingml/2006/main" xmlns:r="http://schemas.openxmlformats.org/officeDocument/2006/relationships" xmlns:p="http://schemas.openxmlformats.org/presentationml/2006/main">
-  <p:cSld>
-    <p:spTree>
-      <p:nvGrpSpPr>
-        <p:cNvPr id="1" name=""/>
-        <p:cNvGrpSpPr/>
-        <p:nvPr/>
-      </p:nvGrpSpPr>
-      <p:grpSpPr>
-        <a:xfrm>
-          <a:off x="0" y="0"/>
-          <a:ext cx="0" cy="0"/>
-          <a:chOff x="0" y="0"/>
-          <a:chExt cx="0" cy="0"/>
-        </a:xfrm>
-      </p:grpSpPr>
-      <p:sp>
-        <p:nvSpPr>
-          <p:cNvPr id="3" name="Rectangle 2"/>
-          <p:cNvSpPr/>
-          <p:nvPr/>
-        </p:nvSpPr>
-        <p:spPr>
-          <a:xfrm>
-            <a:off x="1381759" y="5445224"/>
-            <a:ext cx="2661306" cy="923330"/>
-          </a:xfrm>
-          <a:prstGeom prst="rect">
-            <a:avLst/>
-          </a:prstGeom>
-        </p:spPr>
-        <p:txBody>
-          <a:bodyPr wrap="none">
-            <a:spAutoFit/>
-          </a:bodyPr>
-          <a:lstStyle/>
-          <a:p>
-            <a:r>
-              <a:rPr lang="en-US" sz="5400" dirty="0">
-                <a:solidFill>
-                  <a:schemeClr val="accent1">
-                    <a:lumMod val="75000"/>
-                  </a:schemeClr>
-                </a:solidFill>
-              </a:rPr>
-              <a:t>Object 1</a:t>
-            </a:r>
-          </a:p>
-        </p:txBody>
-      </p:sp>
-      <p:pic>
-        <p:nvPicPr>
-          <p:cNvPr id="4" name="Picture 3">
-            <a:extLst>
-              <a:ext uri="{FF2B5EF4-FFF2-40B4-BE49-F238E27FC236}">
-                <a16:creationId xmlns:a16="http://schemas.microsoft.com/office/drawing/2014/main" id="{0F32EBD3-5D96-40BF-8E0D-26252FCBA48E}"/>
-              </a:ext>
-            </a:extLst>
-          </p:cNvPr>
-          <p:cNvPicPr>
-            <a:picLocks noChangeAspect="1"/>
-          </p:cNvPicPr>
-          <p:nvPr/>
-        </p:nvPicPr>
-        <p:blipFill>
-          <a:blip r:embed="rId2"/>
-          <a:stretch>
-            <a:fillRect/>
-          </a:stretch>
-        </p:blipFill>
-        <p:spPr>
-          <a:xfrm>
-            <a:off x="3032506" y="188640"/>
-            <a:ext cx="3078988" cy="2656649"/>
-          </a:xfrm>
-          <a:prstGeom prst="rect">
-            <a:avLst/>
-          </a:prstGeom>
-        </p:spPr>
-      </p:pic>
-      <p:pic>
-        <p:nvPicPr>
-          <p:cNvPr id="7" name="Picture 6">
-            <a:extLst>
-              <a:ext uri="{FF2B5EF4-FFF2-40B4-BE49-F238E27FC236}">
-                <a16:creationId xmlns:a16="http://schemas.microsoft.com/office/drawing/2014/main" id="{71821A04-6F0A-4780-8A73-5330F5590B5E}"/>
-              </a:ext>
-            </a:extLst>
-          </p:cNvPr>
-          <p:cNvPicPr>
-            <a:picLocks noChangeAspect="1"/>
-          </p:cNvPicPr>
-          <p:nvPr/>
-        </p:nvPicPr>
-        <p:blipFill>
-          <a:blip r:embed="rId3"/>
-          <a:stretch>
-            <a:fillRect/>
-          </a:stretch>
-        </p:blipFill>
-        <p:spPr>
-          <a:xfrm>
-            <a:off x="237957" y="3429000"/>
-            <a:ext cx="3862117" cy="1350875"/>
-          </a:xfrm>
-          <a:prstGeom prst="rect">
-            <a:avLst/>
-          </a:prstGeom>
-        </p:spPr>
-      </p:pic>
-    </p:spTree>
-    <p:extLst>
-      <p:ext uri="{BB962C8B-B14F-4D97-AF65-F5344CB8AC3E}">
-        <p14:creationId xmlns:p14="http://schemas.microsoft.com/office/powerpoint/2010/main" val="3024188450"/>
-      </p:ext>
-    </p:extLst>
-  </p:cSld>
-  <p:clrMapOvr>
-    <a:masterClrMapping/>
-  </p:clrMapOvr>
-  <mc:AlternateContent xmlns:mc="http://schemas.openxmlformats.org/markup-compatibility/2006" xmlns:p14="http://schemas.microsoft.com/office/powerpoint/2010/main">
-    <mc:Choice Requires="p14">
-      <p:transition spd="slow" p14:dur="1200">
-        <p14:prism/>
-      </p:transition>
-    </mc:Choice>
-    <mc:Fallback xmlns="">
-      <p:transition spd="slow">
-        <p:fade/>
-      </p:transition>
-    </mc:Fallback>
-  </mc:AlternateContent>
-</p:sld>
-</file>
-
-<file path=ppt/slides/slide4.xml><?xml version="1.0" encoding="utf-8"?>
 <p:sld xmlns:a="http://schemas.openxmlformats.org/drawingml/2006/main" xmlns:r="http://schemas.openxmlformats.org/officeDocument/2006/relationships" xmlns:p="http://schemas.openxmlformats.org/presentationml/2006/main">
   <p:cSld>
     <p:spTree>
@@ -7025,7 +6620,7 @@
 </p:sld>
 </file>
 
-<file path=ppt/slides/slide5.xml><?xml version="1.0" encoding="utf-8"?>
+<file path=ppt/slides/slide4.xml><?xml version="1.0" encoding="utf-8"?>
 <p:sld xmlns:a="http://schemas.openxmlformats.org/drawingml/2006/main" xmlns:r="http://schemas.openxmlformats.org/officeDocument/2006/relationships" xmlns:p="http://schemas.openxmlformats.org/presentationml/2006/main">
   <p:cSld>
     <p:spTree>
@@ -7101,7 +6696,7 @@
 </p:sld>
 </file>
 
-<file path=ppt/slides/slide6.xml><?xml version="1.0" encoding="utf-8"?>
+<file path=ppt/slides/slide5.xml><?xml version="1.0" encoding="utf-8"?>
 <p:sld xmlns:a="http://schemas.openxmlformats.org/drawingml/2006/main" xmlns:r="http://schemas.openxmlformats.org/officeDocument/2006/relationships" xmlns:p="http://schemas.openxmlformats.org/presentationml/2006/main">
   <p:cSld>
     <p:spTree>
@@ -7254,7 +6849,7 @@
 </p:sld>
 </file>
 
-<file path=ppt/slides/slide7.xml><?xml version="1.0" encoding="utf-8"?>
+<file path=ppt/slides/slide6.xml><?xml version="1.0" encoding="utf-8"?>
 <p:sld xmlns:a="http://schemas.openxmlformats.org/drawingml/2006/main" xmlns:r="http://schemas.openxmlformats.org/officeDocument/2006/relationships" xmlns:p="http://schemas.openxmlformats.org/presentationml/2006/main">
   <p:cSld>
     <p:spTree>
@@ -7504,7 +7099,7 @@
 </p:sld>
 </file>
 
-<file path=ppt/slides/slide8.xml><?xml version="1.0" encoding="utf-8"?>
+<file path=ppt/slides/slide7.xml><?xml version="1.0" encoding="utf-8"?>
 <p:sld xmlns:a="http://schemas.openxmlformats.org/drawingml/2006/main" xmlns:r="http://schemas.openxmlformats.org/officeDocument/2006/relationships" xmlns:p="http://schemas.openxmlformats.org/presentationml/2006/main">
   <p:cSld>
     <p:spTree>
@@ -7763,7 +7358,7 @@
 </p:sld>
 </file>
 
-<file path=ppt/slides/slide9.xml><?xml version="1.0" encoding="utf-8"?>
+<file path=ppt/slides/slide8.xml><?xml version="1.0" encoding="utf-8"?>
 <p:sld xmlns:a="http://schemas.openxmlformats.org/drawingml/2006/main" xmlns:r="http://schemas.openxmlformats.org/officeDocument/2006/relationships" xmlns:p="http://schemas.openxmlformats.org/presentationml/2006/main">
   <p:cSld>
     <p:spTree>
@@ -7947,6 +7542,274 @@
       </p:transition>
     </mc:Fallback>
   </mc:AlternateContent>
+  <p:timing>
+    <p:tnLst>
+      <p:par>
+        <p:cTn id="1" dur="indefinite" restart="never" nodeType="tmRoot">
+          <p:childTnLst>
+            <p:seq concurrent="1" nextAc="seek">
+              <p:cTn id="2" dur="indefinite" nodeType="mainSeq">
+                <p:childTnLst>
+                  <p:par>
+                    <p:cTn id="3" fill="hold">
+                      <p:stCondLst>
+                        <p:cond delay="indefinite"/>
+                        <p:cond evt="onBegin" delay="0">
+                          <p:tn val="2"/>
+                        </p:cond>
+                      </p:stCondLst>
+                      <p:childTnLst>
+                        <p:par>
+                          <p:cTn id="4" fill="hold">
+                            <p:stCondLst>
+                              <p:cond delay="0"/>
+                            </p:stCondLst>
+                            <p:childTnLst>
+                              <p:par>
+                                <p:cTn id="5" presetID="6" presetClass="emph" presetSubtype="0" fill="hold" grpId="0" nodeType="afterEffect">
+                                  <p:stCondLst>
+                                    <p:cond delay="0"/>
+                                  </p:stCondLst>
+                                  <p:childTnLst>
+                                    <p:animScale>
+                                      <p:cBhvr>
+                                        <p:cTn id="6" dur="2000" fill="hold"/>
+                                        <p:tgtEl>
+                                          <p:spTgt spid="4"/>
+                                        </p:tgtEl>
+                                      </p:cBhvr>
+                                      <p:by x="150000" y="150000"/>
+                                    </p:animScale>
+                                  </p:childTnLst>
+                                </p:cTn>
+                              </p:par>
+                            </p:childTnLst>
+                          </p:cTn>
+                        </p:par>
+                      </p:childTnLst>
+                    </p:cTn>
+                  </p:par>
+                </p:childTnLst>
+              </p:cTn>
+              <p:prevCondLst>
+                <p:cond evt="onPrev" delay="0">
+                  <p:tgtEl>
+                    <p:sldTgt/>
+                  </p:tgtEl>
+                </p:cond>
+              </p:prevCondLst>
+              <p:nextCondLst>
+                <p:cond evt="onNext" delay="0">
+                  <p:tgtEl>
+                    <p:sldTgt/>
+                  </p:tgtEl>
+                </p:cond>
+              </p:nextCondLst>
+            </p:seq>
+          </p:childTnLst>
+        </p:cTn>
+      </p:par>
+    </p:tnLst>
+    <p:bldLst>
+      <p:bldP spid="4" grpId="0"/>
+    </p:bldLst>
+  </p:timing>
+</p:sld>
+</file>
+
+<file path=ppt/slides/slide9.xml><?xml version="1.0" encoding="utf-8"?>
+<p:sld xmlns:a="http://schemas.openxmlformats.org/drawingml/2006/main" xmlns:r="http://schemas.openxmlformats.org/officeDocument/2006/relationships" xmlns:p="http://schemas.openxmlformats.org/presentationml/2006/main">
+  <p:cSld>
+    <p:spTree>
+      <p:nvGrpSpPr>
+        <p:cNvPr id="1" name=""/>
+        <p:cNvGrpSpPr/>
+        <p:nvPr/>
+      </p:nvGrpSpPr>
+      <p:grpSpPr>
+        <a:xfrm>
+          <a:off x="0" y="0"/>
+          <a:ext cx="0" cy="0"/>
+          <a:chOff x="0" y="0"/>
+          <a:chExt cx="0" cy="0"/>
+        </a:xfrm>
+      </p:grpSpPr>
+      <p:sp>
+        <p:nvSpPr>
+          <p:cNvPr id="4" name="Rectangle 3"/>
+          <p:cNvSpPr/>
+          <p:nvPr/>
+        </p:nvSpPr>
+        <p:spPr>
+          <a:xfrm>
+            <a:off x="2555776" y="1916832"/>
+            <a:ext cx="3672408" cy="600293"/>
+          </a:xfrm>
+          <a:prstGeom prst="rect">
+            <a:avLst/>
+          </a:prstGeom>
+          <a:noFill/>
+          <a:ln>
+            <a:noFill/>
+          </a:ln>
+        </p:spPr>
+        <p:style>
+          <a:lnRef idx="1">
+            <a:schemeClr val="accent1"/>
+          </a:lnRef>
+          <a:fillRef idx="2">
+            <a:schemeClr val="accent1"/>
+          </a:fillRef>
+          <a:effectRef idx="1">
+            <a:schemeClr val="accent1"/>
+          </a:effectRef>
+          <a:fontRef idx="minor">
+            <a:schemeClr val="dk1"/>
+          </a:fontRef>
+        </p:style>
+        <p:txBody>
+          <a:bodyPr wrap="square">
+            <a:spAutoFit/>
+          </a:bodyPr>
+          <a:lstStyle/>
+          <a:p>
+            <a:r>
+              <a:rPr lang="en-US" sz="3200" b="1" dirty="0">
+                <a:solidFill>
+                  <a:schemeClr val="accent6">
+                    <a:lumMod val="50000"/>
+                  </a:schemeClr>
+                </a:solidFill>
+                <a:latin typeface="Adobe Kaiti Std R" panose="02020400000000000000" pitchFamily="18" charset="-128"/>
+                <a:ea typeface="Adobe Kaiti Std R" panose="02020400000000000000" pitchFamily="18" charset="-128"/>
+              </a:rPr>
+              <a:t>Saves your money</a:t>
+            </a:r>
+          </a:p>
+        </p:txBody>
+      </p:sp>
+      <p:sp>
+        <p:nvSpPr>
+          <p:cNvPr id="5" name="Rectangle 4"/>
+          <p:cNvSpPr/>
+          <p:nvPr/>
+        </p:nvSpPr>
+        <p:spPr>
+          <a:xfrm>
+            <a:off x="574515" y="1289747"/>
+            <a:ext cx="8643211" cy="34298"/>
+          </a:xfrm>
+          <a:prstGeom prst="rect">
+            <a:avLst/>
+          </a:prstGeom>
+        </p:spPr>
+        <p:style>
+          <a:lnRef idx="1">
+            <a:schemeClr val="accent1"/>
+          </a:lnRef>
+          <a:fillRef idx="3">
+            <a:schemeClr val="accent1"/>
+          </a:fillRef>
+          <a:effectRef idx="2">
+            <a:schemeClr val="accent1"/>
+          </a:effectRef>
+          <a:fontRef idx="minor">
+            <a:schemeClr val="lt1"/>
+          </a:fontRef>
+        </p:style>
+        <p:txBody>
+          <a:bodyPr rtlCol="0" anchor="ctr"/>
+          <a:lstStyle/>
+          <a:p>
+            <a:pPr algn="ctr"/>
+            <a:endParaRPr lang="en-US" sz="1350">
+              <a:solidFill>
+                <a:schemeClr val="tx1">
+                  <a:lumMod val="65000"/>
+                  <a:lumOff val="35000"/>
+                </a:schemeClr>
+              </a:solidFill>
+            </a:endParaRPr>
+          </a:p>
+        </p:txBody>
+      </p:sp>
+      <p:sp>
+        <p:nvSpPr>
+          <p:cNvPr id="6" name="Rectangle 5"/>
+          <p:cNvSpPr/>
+          <p:nvPr/>
+        </p:nvSpPr>
+        <p:spPr>
+          <a:xfrm>
+            <a:off x="525459" y="548680"/>
+            <a:ext cx="4605556" cy="707886"/>
+          </a:xfrm>
+          <a:prstGeom prst="rect">
+            <a:avLst/>
+          </a:prstGeom>
+        </p:spPr>
+        <p:txBody>
+          <a:bodyPr wrap="none">
+            <a:spAutoFit/>
+          </a:bodyPr>
+          <a:lstStyle/>
+          <a:p>
+            <a:r>
+              <a:rPr lang="en-US" sz="4000" dirty="0">
+                <a:solidFill>
+                  <a:schemeClr val="accent1">
+                    <a:lumMod val="75000"/>
+                  </a:schemeClr>
+                </a:solidFill>
+              </a:rPr>
+              <a:t>Why is it important?</a:t>
+            </a:r>
+          </a:p>
+        </p:txBody>
+      </p:sp>
+      <p:pic>
+        <p:nvPicPr>
+          <p:cNvPr id="10" name="Picture 9"/>
+          <p:cNvPicPr>
+            <a:picLocks noChangeAspect="1"/>
+          </p:cNvPicPr>
+          <p:nvPr/>
+        </p:nvPicPr>
+        <p:blipFill>
+          <a:blip r:embed="rId2">
+            <a:extLst>
+              <a:ext uri="{28A0092B-C50C-407E-A947-70E740481C1C}">
+                <a14:useLocalDpi xmlns:a14="http://schemas.microsoft.com/office/drawing/2010/main" val="0"/>
+              </a:ext>
+            </a:extLst>
+          </a:blip>
+          <a:stretch>
+            <a:fillRect/>
+          </a:stretch>
+        </p:blipFill>
+        <p:spPr>
+          <a:xfrm>
+            <a:off x="3037520" y="3573016"/>
+            <a:ext cx="2708920" cy="2708920"/>
+          </a:xfrm>
+          <a:prstGeom prst="rect">
+            <a:avLst/>
+          </a:prstGeom>
+        </p:spPr>
+      </p:pic>
+    </p:spTree>
+    <p:extLst>
+      <p:ext uri="{BB962C8B-B14F-4D97-AF65-F5344CB8AC3E}">
+        <p14:creationId xmlns:p14="http://schemas.microsoft.com/office/powerpoint/2010/main" val="4228850073"/>
+      </p:ext>
+    </p:extLst>
+  </p:cSld>
+  <p:clrMapOvr>
+    <a:masterClrMapping/>
+  </p:clrMapOvr>
+  <p:transition spd="slow">
+    <p:wheel spokes="1"/>
+  </p:transition>
   <p:timing>
     <p:tnLst>
       <p:par>

--- a/OOP.pptx
+++ b/OOP.pptx
@@ -6449,7 +6449,7 @@
         <p:spPr>
           <a:xfrm>
             <a:off x="1115616" y="5373216"/>
-            <a:ext cx="2182129" cy="646331"/>
+            <a:ext cx="2182129" cy="523220"/>
           </a:xfrm>
           <a:prstGeom prst="rect">
             <a:avLst/>
@@ -6463,7 +6463,7 @@
           <a:p>
             <a:pPr algn="ctr"/>
             <a:r>
-              <a:rPr lang="en-US" sz="3600" dirty="0">
+              <a:rPr lang="en-US" sz="2800" dirty="0">
                 <a:solidFill>
                   <a:schemeClr val="accent1">
                     <a:lumMod val="75000"/>
@@ -6595,6 +6595,47 @@
           </a:prstGeom>
         </p:spPr>
       </p:pic>
+      <p:sp>
+        <p:nvSpPr>
+          <p:cNvPr id="19" name="Rectangle 18">
+            <a:extLst>
+              <a:ext uri="{FF2B5EF4-FFF2-40B4-BE49-F238E27FC236}">
+                <a16:creationId xmlns:a16="http://schemas.microsoft.com/office/drawing/2014/main" id="{57AC320D-6ABA-4342-860B-B0DAD2982ACE}"/>
+              </a:ext>
+            </a:extLst>
+          </p:cNvPr>
+          <p:cNvSpPr/>
+          <p:nvPr/>
+        </p:nvSpPr>
+        <p:spPr>
+          <a:xfrm>
+            <a:off x="3565188" y="2583678"/>
+            <a:ext cx="1654884" cy="523220"/>
+          </a:xfrm>
+          <a:prstGeom prst="rect">
+            <a:avLst/>
+          </a:prstGeom>
+        </p:spPr>
+        <p:txBody>
+          <a:bodyPr wrap="square">
+            <a:spAutoFit/>
+          </a:bodyPr>
+          <a:lstStyle/>
+          <a:p>
+            <a:pPr algn="ctr"/>
+            <a:r>
+              <a:rPr lang="en-US" sz="2800" dirty="0">
+                <a:solidFill>
+                  <a:schemeClr val="accent1">
+                    <a:lumMod val="75000"/>
+                  </a:schemeClr>
+                </a:solidFill>
+              </a:rPr>
+              <a:t>Class</a:t>
+            </a:r>
+          </a:p>
+        </p:txBody>
+      </p:sp>
     </p:spTree>
     <p:extLst>
       <p:ext uri="{BB962C8B-B14F-4D97-AF65-F5344CB8AC3E}">

--- a/OOP.pptx
+++ b/OOP.pptx
@@ -5,27 +5,26 @@
     <p:sldMasterId id="2147483648" r:id="rId4"/>
   </p:sldMasterIdLst>
   <p:notesMasterIdLst>
-    <p:notesMasterId r:id="rId20"/>
+    <p:notesMasterId r:id="rId19"/>
   </p:notesMasterIdLst>
   <p:handoutMasterIdLst>
-    <p:handoutMasterId r:id="rId21"/>
+    <p:handoutMasterId r:id="rId20"/>
   </p:handoutMasterIdLst>
   <p:sldIdLst>
     <p:sldId id="265" r:id="rId5"/>
     <p:sldId id="267" r:id="rId6"/>
     <p:sldId id="294" r:id="rId7"/>
-    <p:sldId id="293" r:id="rId8"/>
-    <p:sldId id="282" r:id="rId9"/>
-    <p:sldId id="269" r:id="rId10"/>
-    <p:sldId id="284" r:id="rId11"/>
-    <p:sldId id="283" r:id="rId12"/>
-    <p:sldId id="285" r:id="rId13"/>
-    <p:sldId id="273" r:id="rId14"/>
-    <p:sldId id="281" r:id="rId15"/>
-    <p:sldId id="289" r:id="rId16"/>
-    <p:sldId id="286" r:id="rId17"/>
-    <p:sldId id="279" r:id="rId18"/>
-    <p:sldId id="292" r:id="rId19"/>
+    <p:sldId id="282" r:id="rId8"/>
+    <p:sldId id="269" r:id="rId9"/>
+    <p:sldId id="284" r:id="rId10"/>
+    <p:sldId id="283" r:id="rId11"/>
+    <p:sldId id="285" r:id="rId12"/>
+    <p:sldId id="273" r:id="rId13"/>
+    <p:sldId id="281" r:id="rId14"/>
+    <p:sldId id="289" r:id="rId15"/>
+    <p:sldId id="286" r:id="rId16"/>
+    <p:sldId id="279" r:id="rId17"/>
+    <p:sldId id="292" r:id="rId18"/>
   </p:sldIdLst>
   <p:sldSz cx="9144000" cy="6858000" type="screen4x3"/>
   <p:notesSz cx="6858000" cy="9144000"/>
@@ -4240,6 +4239,3023 @@
       </p:grpSpPr>
       <p:sp>
         <p:nvSpPr>
+          <p:cNvPr id="2" name="Title 1"/>
+          <p:cNvSpPr>
+            <a:spLocks noGrp="1"/>
+          </p:cNvSpPr>
+          <p:nvPr>
+            <p:ph type="title"/>
+          </p:nvPr>
+        </p:nvSpPr>
+        <p:spPr>
+          <a:xfrm>
+            <a:off x="1118080" y="944518"/>
+            <a:ext cx="6516798" cy="800308"/>
+          </a:xfrm>
+        </p:spPr>
+        <p:txBody>
+          <a:bodyPr>
+            <a:noAutofit/>
+          </a:bodyPr>
+          <a:lstStyle/>
+          <a:p>
+            <a:pPr algn="ctr"/>
+            <a:r>
+              <a:rPr lang="en-US" sz="6602" dirty="0">
+                <a:solidFill>
+                  <a:schemeClr val="accent6">
+                    <a:lumMod val="50000"/>
+                  </a:schemeClr>
+                </a:solidFill>
+              </a:rPr>
+              <a:t>DAS</a:t>
+            </a:r>
+            <a:br>
+              <a:rPr lang="en-US" sz="4051" dirty="0"/>
+            </a:br>
+            <a:r>
+              <a:rPr lang="en-US" sz="4051" dirty="0"/>
+              <a:t>Direct Attached Storage</a:t>
+            </a:r>
+          </a:p>
+        </p:txBody>
+      </p:sp>
+      <p:sp>
+        <p:nvSpPr>
+          <p:cNvPr id="3" name="Rectangle 2"/>
+          <p:cNvSpPr/>
+          <p:nvPr/>
+        </p:nvSpPr>
+        <p:spPr>
+          <a:xfrm>
+            <a:off x="1087409" y="3068960"/>
+            <a:ext cx="6912768" cy="1323439"/>
+          </a:xfrm>
+          <a:prstGeom prst="rect">
+            <a:avLst/>
+          </a:prstGeom>
+        </p:spPr>
+        <p:txBody>
+          <a:bodyPr wrap="square">
+            <a:spAutoFit/>
+          </a:bodyPr>
+          <a:lstStyle/>
+          <a:p>
+            <a:r>
+              <a:rPr lang="en-GB" sz="4000" dirty="0">
+                <a:solidFill>
+                  <a:schemeClr val="accent6">
+                    <a:lumMod val="50000"/>
+                  </a:schemeClr>
+                </a:solidFill>
+                <a:latin typeface="Calibri" panose="020F0502020204030204" pitchFamily="34" charset="0"/>
+                <a:ea typeface="Calibri" panose="020F0502020204030204" pitchFamily="34" charset="0"/>
+                <a:cs typeface="Vrinda"/>
+              </a:rPr>
+              <a:t>DAS referred to a storage that is directly attached to a server</a:t>
+            </a:r>
+            <a:endParaRPr lang="en-US" sz="4000" dirty="0">
+              <a:solidFill>
+                <a:schemeClr val="accent6">
+                  <a:lumMod val="50000"/>
+                </a:schemeClr>
+              </a:solidFill>
+            </a:endParaRPr>
+          </a:p>
+        </p:txBody>
+      </p:sp>
+      <p:sp>
+        <p:nvSpPr>
+          <p:cNvPr id="4" name="Rectangle 3"/>
+          <p:cNvSpPr/>
+          <p:nvPr/>
+        </p:nvSpPr>
+        <p:spPr>
+          <a:xfrm>
+            <a:off x="-108520" y="1871113"/>
+            <a:ext cx="9505055" cy="45719"/>
+          </a:xfrm>
+          <a:prstGeom prst="rect">
+            <a:avLst/>
+          </a:prstGeom>
+        </p:spPr>
+        <p:style>
+          <a:lnRef idx="1">
+            <a:schemeClr val="accent1"/>
+          </a:lnRef>
+          <a:fillRef idx="3">
+            <a:schemeClr val="accent1"/>
+          </a:fillRef>
+          <a:effectRef idx="2">
+            <a:schemeClr val="accent1"/>
+          </a:effectRef>
+          <a:fontRef idx="minor">
+            <a:schemeClr val="lt1"/>
+          </a:fontRef>
+        </p:style>
+        <p:txBody>
+          <a:bodyPr rtlCol="0" anchor="ctr"/>
+          <a:lstStyle/>
+          <a:p>
+            <a:pPr algn="ctr"/>
+            <a:endParaRPr lang="en-US" sz="1350">
+              <a:solidFill>
+                <a:schemeClr val="tx1">
+                  <a:lumMod val="65000"/>
+                  <a:lumOff val="35000"/>
+                </a:schemeClr>
+              </a:solidFill>
+            </a:endParaRPr>
+          </a:p>
+        </p:txBody>
+      </p:sp>
+    </p:spTree>
+    <p:extLst>
+      <p:ext uri="{BB962C8B-B14F-4D97-AF65-F5344CB8AC3E}">
+        <p14:creationId xmlns:p14="http://schemas.microsoft.com/office/powerpoint/2010/main" val="2801517849"/>
+      </p:ext>
+    </p:extLst>
+  </p:cSld>
+  <p:clrMapOvr>
+    <a:masterClrMapping/>
+  </p:clrMapOvr>
+  <mc:AlternateContent xmlns:mc="http://schemas.openxmlformats.org/markup-compatibility/2006" xmlns:p15="http://schemas.microsoft.com/office/powerpoint/2012/main">
+    <mc:Choice Requires="p15">
+      <p:transition xmlns:p14="http://schemas.microsoft.com/office/powerpoint/2010/main" spd="slow" p14:dur="1250">
+        <p15:prstTrans prst="peelOff"/>
+      </p:transition>
+    </mc:Choice>
+    <mc:Fallback xmlns="">
+      <p:transition spd="slow">
+        <p:fade/>
+      </p:transition>
+    </mc:Fallback>
+  </mc:AlternateContent>
+</p:sld>
+</file>
+
+<file path=ppt/slides/slide11.xml><?xml version="1.0" encoding="utf-8"?>
+<p:sld xmlns:a="http://schemas.openxmlformats.org/drawingml/2006/main" xmlns:r="http://schemas.openxmlformats.org/officeDocument/2006/relationships" xmlns:p="http://schemas.openxmlformats.org/presentationml/2006/main">
+  <p:cSld>
+    <p:spTree>
+      <p:nvGrpSpPr>
+        <p:cNvPr id="1" name=""/>
+        <p:cNvGrpSpPr/>
+        <p:nvPr/>
+      </p:nvGrpSpPr>
+      <p:grpSpPr>
+        <a:xfrm>
+          <a:off x="0" y="0"/>
+          <a:ext cx="0" cy="0"/>
+          <a:chOff x="0" y="0"/>
+          <a:chExt cx="0" cy="0"/>
+        </a:xfrm>
+      </p:grpSpPr>
+      <p:sp>
+        <p:nvSpPr>
+          <p:cNvPr id="2" name="Title 1"/>
+          <p:cNvSpPr>
+            <a:spLocks noGrp="1"/>
+          </p:cNvSpPr>
+          <p:nvPr>
+            <p:ph type="title"/>
+          </p:nvPr>
+        </p:nvSpPr>
+        <p:spPr>
+          <a:xfrm>
+            <a:off x="1402466" y="764704"/>
+            <a:ext cx="4537686" cy="800308"/>
+          </a:xfrm>
+        </p:spPr>
+        <p:txBody>
+          <a:bodyPr>
+            <a:normAutofit/>
+          </a:bodyPr>
+          <a:lstStyle/>
+          <a:p>
+            <a:r>
+              <a:rPr lang="en-US" sz="4051" dirty="0"/>
+              <a:t>Advantages of DAS</a:t>
+            </a:r>
+          </a:p>
+        </p:txBody>
+      </p:sp>
+      <p:sp>
+        <p:nvSpPr>
+          <p:cNvPr id="4" name="Content Placeholder 2"/>
+          <p:cNvSpPr txBox="1">
+            <a:spLocks/>
+          </p:cNvSpPr>
+          <p:nvPr/>
+        </p:nvSpPr>
+        <p:spPr>
+          <a:xfrm>
+            <a:off x="2016355" y="2132856"/>
+            <a:ext cx="7847594" cy="2226394"/>
+          </a:xfrm>
+          <a:prstGeom prst="rect">
+            <a:avLst/>
+          </a:prstGeom>
+        </p:spPr>
+        <p:txBody>
+          <a:bodyPr vert="horz" lIns="68598" tIns="34299" rIns="68598" bIns="34299" rtlCol="0">
+            <a:noAutofit/>
+          </a:bodyPr>
+          <a:lstStyle>
+            <a:lvl1pPr marL="274320" indent="-228600" algn="l" defTabSz="914400" rtl="0" eaLnBrk="1" latinLnBrk="0" hangingPunct="1">
+              <a:lnSpc>
+                <a:spcPct val="90000"/>
+              </a:lnSpc>
+              <a:spcBef>
+                <a:spcPts val="1800"/>
+              </a:spcBef>
+              <a:buClr>
+                <a:schemeClr val="tx1">
+                  <a:lumMod val="65000"/>
+                  <a:lumOff val="35000"/>
+                </a:schemeClr>
+              </a:buClr>
+              <a:buSzPct val="80000"/>
+              <a:buFont typeface="Arial" pitchFamily="34" charset="0"/>
+              <a:buChar char="•"/>
+              <a:defRPr sz="2000" kern="1200">
+                <a:solidFill>
+                  <a:schemeClr val="tx1">
+                    <a:lumMod val="65000"/>
+                    <a:lumOff val="35000"/>
+                  </a:schemeClr>
+                </a:solidFill>
+                <a:latin typeface="+mn-lt"/>
+                <a:ea typeface="+mn-ea"/>
+                <a:cs typeface="+mn-cs"/>
+              </a:defRPr>
+            </a:lvl1pPr>
+            <a:lvl2pPr marL="594360" indent="-228600" algn="l" defTabSz="914400" rtl="0" eaLnBrk="1" latinLnBrk="0" hangingPunct="1">
+              <a:lnSpc>
+                <a:spcPct val="90000"/>
+              </a:lnSpc>
+              <a:spcBef>
+                <a:spcPts val="1000"/>
+              </a:spcBef>
+              <a:buClr>
+                <a:schemeClr val="tx1">
+                  <a:lumMod val="65000"/>
+                  <a:lumOff val="35000"/>
+                </a:schemeClr>
+              </a:buClr>
+              <a:buSzPct val="80000"/>
+              <a:buFont typeface="Arial" pitchFamily="34" charset="0"/>
+              <a:buChar char="•"/>
+              <a:defRPr sz="1800" kern="1200">
+                <a:solidFill>
+                  <a:schemeClr val="tx1">
+                    <a:lumMod val="65000"/>
+                    <a:lumOff val="35000"/>
+                  </a:schemeClr>
+                </a:solidFill>
+                <a:latin typeface="+mn-lt"/>
+                <a:ea typeface="+mn-ea"/>
+                <a:cs typeface="+mn-cs"/>
+              </a:defRPr>
+            </a:lvl2pPr>
+            <a:lvl3pPr marL="777240" indent="-182880" algn="l" defTabSz="914400" rtl="0" eaLnBrk="1" latinLnBrk="0" hangingPunct="1">
+              <a:lnSpc>
+                <a:spcPct val="90000"/>
+              </a:lnSpc>
+              <a:spcBef>
+                <a:spcPts val="600"/>
+              </a:spcBef>
+              <a:buClr>
+                <a:schemeClr val="tx1">
+                  <a:lumMod val="65000"/>
+                  <a:lumOff val="35000"/>
+                </a:schemeClr>
+              </a:buClr>
+              <a:buSzPct val="80000"/>
+              <a:buFont typeface="Arial" pitchFamily="34" charset="0"/>
+              <a:buChar char="•"/>
+              <a:defRPr sz="1600" kern="1200">
+                <a:solidFill>
+                  <a:schemeClr val="tx1">
+                    <a:lumMod val="65000"/>
+                    <a:lumOff val="35000"/>
+                  </a:schemeClr>
+                </a:solidFill>
+                <a:latin typeface="+mn-lt"/>
+                <a:ea typeface="+mn-ea"/>
+                <a:cs typeface="+mn-cs"/>
+              </a:defRPr>
+            </a:lvl3pPr>
+            <a:lvl4pPr marL="960120" indent="-182880" algn="l" defTabSz="914400" rtl="0" eaLnBrk="1" latinLnBrk="0" hangingPunct="1">
+              <a:lnSpc>
+                <a:spcPct val="90000"/>
+              </a:lnSpc>
+              <a:spcBef>
+                <a:spcPts val="600"/>
+              </a:spcBef>
+              <a:buClr>
+                <a:schemeClr val="tx1">
+                  <a:lumMod val="65000"/>
+                  <a:lumOff val="35000"/>
+                </a:schemeClr>
+              </a:buClr>
+              <a:buSzPct val="80000"/>
+              <a:buFont typeface="Arial" pitchFamily="34" charset="0"/>
+              <a:buChar char="•"/>
+              <a:defRPr sz="1400" kern="1200">
+                <a:solidFill>
+                  <a:schemeClr val="tx1">
+                    <a:lumMod val="65000"/>
+                    <a:lumOff val="35000"/>
+                  </a:schemeClr>
+                </a:solidFill>
+                <a:latin typeface="+mn-lt"/>
+                <a:ea typeface="+mn-ea"/>
+                <a:cs typeface="+mn-cs"/>
+              </a:defRPr>
+            </a:lvl4pPr>
+            <a:lvl5pPr marL="1097280" indent="-137160" algn="l" defTabSz="914400" rtl="0" eaLnBrk="1" latinLnBrk="0" hangingPunct="1">
+              <a:lnSpc>
+                <a:spcPct val="90000"/>
+              </a:lnSpc>
+              <a:spcBef>
+                <a:spcPts val="600"/>
+              </a:spcBef>
+              <a:buClr>
+                <a:schemeClr val="tx1">
+                  <a:lumMod val="65000"/>
+                  <a:lumOff val="35000"/>
+                </a:schemeClr>
+              </a:buClr>
+              <a:buSzPct val="80000"/>
+              <a:buFont typeface="Arial" pitchFamily="34" charset="0"/>
+              <a:buChar char="•"/>
+              <a:defRPr sz="1400" kern="1200">
+                <a:solidFill>
+                  <a:schemeClr val="tx1">
+                    <a:lumMod val="65000"/>
+                    <a:lumOff val="35000"/>
+                  </a:schemeClr>
+                </a:solidFill>
+                <a:latin typeface="+mn-lt"/>
+                <a:ea typeface="+mn-ea"/>
+                <a:cs typeface="+mn-cs"/>
+              </a:defRPr>
+            </a:lvl5pPr>
+            <a:lvl6pPr marL="1234440" indent="-137160" algn="l" defTabSz="914400" rtl="0" eaLnBrk="1" latinLnBrk="0" hangingPunct="1">
+              <a:spcBef>
+                <a:spcPts val="600"/>
+              </a:spcBef>
+              <a:buSzPct val="80000"/>
+              <a:buFont typeface="Arial" pitchFamily="34" charset="0"/>
+              <a:buChar char="•"/>
+              <a:defRPr sz="1400" kern="1200">
+                <a:solidFill>
+                  <a:schemeClr val="tx1">
+                    <a:lumMod val="65000"/>
+                    <a:lumOff val="35000"/>
+                  </a:schemeClr>
+                </a:solidFill>
+                <a:latin typeface="+mn-lt"/>
+                <a:ea typeface="+mn-ea"/>
+                <a:cs typeface="+mn-cs"/>
+              </a:defRPr>
+            </a:lvl6pPr>
+            <a:lvl7pPr marL="1371600" indent="-137160" algn="l" defTabSz="914400" rtl="0" eaLnBrk="1" latinLnBrk="0" hangingPunct="1">
+              <a:spcBef>
+                <a:spcPts val="600"/>
+              </a:spcBef>
+              <a:buSzPct val="80000"/>
+              <a:buFont typeface="Arial" pitchFamily="34" charset="0"/>
+              <a:buChar char="•"/>
+              <a:defRPr sz="1400" kern="1200">
+                <a:solidFill>
+                  <a:schemeClr val="tx1">
+                    <a:lumMod val="65000"/>
+                    <a:lumOff val="35000"/>
+                  </a:schemeClr>
+                </a:solidFill>
+                <a:latin typeface="+mn-lt"/>
+                <a:ea typeface="+mn-ea"/>
+                <a:cs typeface="+mn-cs"/>
+              </a:defRPr>
+            </a:lvl7pPr>
+            <a:lvl8pPr marL="1508760" indent="-137160" algn="l" defTabSz="914400" rtl="0" eaLnBrk="1" latinLnBrk="0" hangingPunct="1">
+              <a:spcBef>
+                <a:spcPts val="600"/>
+              </a:spcBef>
+              <a:buSzPct val="80000"/>
+              <a:buFont typeface="Arial" pitchFamily="34" charset="0"/>
+              <a:buChar char="•"/>
+              <a:defRPr sz="1400" kern="1200">
+                <a:solidFill>
+                  <a:schemeClr val="tx1">
+                    <a:lumMod val="65000"/>
+                    <a:lumOff val="35000"/>
+                  </a:schemeClr>
+                </a:solidFill>
+                <a:latin typeface="+mn-lt"/>
+                <a:ea typeface="+mn-ea"/>
+                <a:cs typeface="+mn-cs"/>
+              </a:defRPr>
+            </a:lvl8pPr>
+            <a:lvl9pPr marL="1645920" indent="-137160" algn="l" defTabSz="914400" rtl="0" eaLnBrk="1" latinLnBrk="0" hangingPunct="1">
+              <a:spcBef>
+                <a:spcPts val="600"/>
+              </a:spcBef>
+              <a:buSzPct val="80000"/>
+              <a:buFont typeface="Arial" pitchFamily="34" charset="0"/>
+              <a:buChar char="•"/>
+              <a:defRPr sz="1400" kern="1200">
+                <a:solidFill>
+                  <a:schemeClr val="tx1">
+                    <a:lumMod val="65000"/>
+                    <a:lumOff val="35000"/>
+                  </a:schemeClr>
+                </a:solidFill>
+                <a:latin typeface="+mn-lt"/>
+                <a:ea typeface="+mn-ea"/>
+                <a:cs typeface="+mn-cs"/>
+              </a:defRPr>
+            </a:lvl9pPr>
+          </a:lstStyle>
+          <a:p>
+            <a:pPr>
+              <a:buFont typeface="Wingdings" panose="05000000000000000000" pitchFamily="2" charset="2"/>
+              <a:buChar char="q"/>
+            </a:pPr>
+            <a:r>
+              <a:rPr lang="en-US" sz="3600" dirty="0">
+                <a:solidFill>
+                  <a:schemeClr val="accent6">
+                    <a:lumMod val="50000"/>
+                  </a:schemeClr>
+                </a:solidFill>
+              </a:rPr>
+              <a:t> High availability</a:t>
+            </a:r>
+          </a:p>
+          <a:p>
+            <a:pPr>
+              <a:buFont typeface="Wingdings" panose="05000000000000000000" pitchFamily="2" charset="2"/>
+              <a:buChar char="q"/>
+            </a:pPr>
+            <a:endParaRPr lang="en-US" sz="3600" dirty="0">
+              <a:solidFill>
+                <a:schemeClr val="accent6">
+                  <a:lumMod val="50000"/>
+                </a:schemeClr>
+              </a:solidFill>
+            </a:endParaRPr>
+          </a:p>
+          <a:p>
+            <a:pPr>
+              <a:buFont typeface="Wingdings" panose="05000000000000000000" pitchFamily="2" charset="2"/>
+              <a:buChar char="q"/>
+            </a:pPr>
+            <a:r>
+              <a:rPr lang="en-US" sz="3600" dirty="0">
+                <a:solidFill>
+                  <a:schemeClr val="accent6">
+                    <a:lumMod val="50000"/>
+                  </a:schemeClr>
+                </a:solidFill>
+              </a:rPr>
+              <a:t> High access rate</a:t>
+            </a:r>
+          </a:p>
+          <a:p>
+            <a:pPr>
+              <a:buFont typeface="Wingdings" panose="05000000000000000000" pitchFamily="2" charset="2"/>
+              <a:buChar char="q"/>
+            </a:pPr>
+            <a:endParaRPr lang="en-US" sz="3600" dirty="0">
+              <a:solidFill>
+                <a:schemeClr val="accent6">
+                  <a:lumMod val="50000"/>
+                </a:schemeClr>
+              </a:solidFill>
+            </a:endParaRPr>
+          </a:p>
+          <a:p>
+            <a:pPr>
+              <a:buFont typeface="Wingdings" panose="05000000000000000000" pitchFamily="2" charset="2"/>
+              <a:buChar char="q"/>
+            </a:pPr>
+            <a:r>
+              <a:rPr lang="en-US" sz="3600" dirty="0">
+                <a:solidFill>
+                  <a:schemeClr val="accent6">
+                    <a:lumMod val="50000"/>
+                  </a:schemeClr>
+                </a:solidFill>
+              </a:rPr>
+              <a:t> </a:t>
+            </a:r>
+            <a:r>
+              <a:rPr lang="en-GB" sz="3600" dirty="0">
+                <a:solidFill>
+                  <a:schemeClr val="accent6">
+                    <a:lumMod val="50000"/>
+                  </a:schemeClr>
+                </a:solidFill>
+              </a:rPr>
+              <a:t>Data security</a:t>
+            </a:r>
+            <a:endParaRPr lang="en-US" sz="3600" dirty="0">
+              <a:solidFill>
+                <a:schemeClr val="accent6">
+                  <a:lumMod val="50000"/>
+                </a:schemeClr>
+              </a:solidFill>
+            </a:endParaRPr>
+          </a:p>
+          <a:p>
+            <a:pPr marL="45720" indent="0">
+              <a:buNone/>
+            </a:pPr>
+            <a:endParaRPr lang="en-US" sz="3600" dirty="0">
+              <a:solidFill>
+                <a:schemeClr val="accent6">
+                  <a:lumMod val="50000"/>
+                </a:schemeClr>
+              </a:solidFill>
+            </a:endParaRPr>
+          </a:p>
+        </p:txBody>
+      </p:sp>
+      <p:sp>
+        <p:nvSpPr>
+          <p:cNvPr id="5" name="Rectangle 4"/>
+          <p:cNvSpPr/>
+          <p:nvPr/>
+        </p:nvSpPr>
+        <p:spPr>
+          <a:xfrm>
+            <a:off x="574515" y="1565013"/>
+            <a:ext cx="8643211" cy="34298"/>
+          </a:xfrm>
+          <a:prstGeom prst="rect">
+            <a:avLst/>
+          </a:prstGeom>
+        </p:spPr>
+        <p:style>
+          <a:lnRef idx="1">
+            <a:schemeClr val="accent1"/>
+          </a:lnRef>
+          <a:fillRef idx="3">
+            <a:schemeClr val="accent1"/>
+          </a:fillRef>
+          <a:effectRef idx="2">
+            <a:schemeClr val="accent1"/>
+          </a:effectRef>
+          <a:fontRef idx="minor">
+            <a:schemeClr val="lt1"/>
+          </a:fontRef>
+        </p:style>
+        <p:txBody>
+          <a:bodyPr rtlCol="0" anchor="ctr"/>
+          <a:lstStyle/>
+          <a:p>
+            <a:pPr algn="ctr"/>
+            <a:endParaRPr lang="en-US" sz="1350">
+              <a:solidFill>
+                <a:schemeClr val="tx1">
+                  <a:lumMod val="65000"/>
+                  <a:lumOff val="35000"/>
+                </a:schemeClr>
+              </a:solidFill>
+            </a:endParaRPr>
+          </a:p>
+        </p:txBody>
+      </p:sp>
+      <p:pic>
+        <p:nvPicPr>
+          <p:cNvPr id="7" name="Picture 6"/>
+          <p:cNvPicPr>
+            <a:picLocks noChangeAspect="1"/>
+          </p:cNvPicPr>
+          <p:nvPr/>
+        </p:nvPicPr>
+        <p:blipFill>
+          <a:blip r:embed="rId2">
+            <a:extLst>
+              <a:ext uri="{28A0092B-C50C-407E-A947-70E740481C1C}">
+                <a14:useLocalDpi xmlns:a14="http://schemas.microsoft.com/office/drawing/2010/main" val="0"/>
+              </a:ext>
+            </a:extLst>
+          </a:blip>
+          <a:stretch>
+            <a:fillRect/>
+          </a:stretch>
+        </p:blipFill>
+        <p:spPr>
+          <a:xfrm>
+            <a:off x="219576" y="620688"/>
+            <a:ext cx="1040056" cy="1091146"/>
+          </a:xfrm>
+          <a:prstGeom prst="rect">
+            <a:avLst/>
+          </a:prstGeom>
+        </p:spPr>
+      </p:pic>
+    </p:spTree>
+    <p:extLst>
+      <p:ext uri="{BB962C8B-B14F-4D97-AF65-F5344CB8AC3E}">
+        <p14:creationId xmlns:p14="http://schemas.microsoft.com/office/powerpoint/2010/main" val="3369188236"/>
+      </p:ext>
+    </p:extLst>
+  </p:cSld>
+  <p:clrMapOvr>
+    <a:masterClrMapping/>
+  </p:clrMapOvr>
+  <mc:AlternateContent xmlns:mc="http://schemas.openxmlformats.org/markup-compatibility/2006" xmlns:p14="http://schemas.microsoft.com/office/powerpoint/2010/main">
+    <mc:Choice Requires="p14">
+      <p:transition spd="slow" p14:dur="1600">
+        <p:blinds dir="vert"/>
+      </p:transition>
+    </mc:Choice>
+    <mc:Fallback xmlns="">
+      <p:transition spd="slow">
+        <p:blinds dir="vert"/>
+      </p:transition>
+    </mc:Fallback>
+  </mc:AlternateContent>
+</p:sld>
+</file>
+
+<file path=ppt/slides/slide12.xml><?xml version="1.0" encoding="utf-8"?>
+<p:sld xmlns:a="http://schemas.openxmlformats.org/drawingml/2006/main" xmlns:r="http://schemas.openxmlformats.org/officeDocument/2006/relationships" xmlns:p="http://schemas.openxmlformats.org/presentationml/2006/main">
+  <p:cSld>
+    <p:spTree>
+      <p:nvGrpSpPr>
+        <p:cNvPr id="1" name=""/>
+        <p:cNvGrpSpPr/>
+        <p:nvPr/>
+      </p:nvGrpSpPr>
+      <p:grpSpPr>
+        <a:xfrm>
+          <a:off x="0" y="0"/>
+          <a:ext cx="0" cy="0"/>
+          <a:chOff x="0" y="0"/>
+          <a:chExt cx="0" cy="0"/>
+        </a:xfrm>
+      </p:grpSpPr>
+      <p:sp>
+        <p:nvSpPr>
+          <p:cNvPr id="4" name="Content Placeholder 2"/>
+          <p:cNvSpPr txBox="1">
+            <a:spLocks/>
+          </p:cNvSpPr>
+          <p:nvPr/>
+        </p:nvSpPr>
+        <p:spPr>
+          <a:xfrm>
+            <a:off x="1468032" y="2132856"/>
+            <a:ext cx="9180250" cy="3018482"/>
+          </a:xfrm>
+          <a:prstGeom prst="rect">
+            <a:avLst/>
+          </a:prstGeom>
+        </p:spPr>
+        <p:txBody>
+          <a:bodyPr vert="horz" lIns="68598" tIns="34299" rIns="68598" bIns="34299" rtlCol="0">
+            <a:noAutofit/>
+          </a:bodyPr>
+          <a:lstStyle>
+            <a:lvl1pPr marL="274320" indent="-228600" algn="l" defTabSz="914400" rtl="0" eaLnBrk="1" latinLnBrk="0" hangingPunct="1">
+              <a:lnSpc>
+                <a:spcPct val="90000"/>
+              </a:lnSpc>
+              <a:spcBef>
+                <a:spcPts val="1800"/>
+              </a:spcBef>
+              <a:buClr>
+                <a:schemeClr val="tx1">
+                  <a:lumMod val="65000"/>
+                  <a:lumOff val="35000"/>
+                </a:schemeClr>
+              </a:buClr>
+              <a:buSzPct val="80000"/>
+              <a:buFont typeface="Arial" pitchFamily="34" charset="0"/>
+              <a:buChar char="•"/>
+              <a:defRPr sz="2000" kern="1200">
+                <a:solidFill>
+                  <a:schemeClr val="tx1">
+                    <a:lumMod val="65000"/>
+                    <a:lumOff val="35000"/>
+                  </a:schemeClr>
+                </a:solidFill>
+                <a:latin typeface="+mn-lt"/>
+                <a:ea typeface="+mn-ea"/>
+                <a:cs typeface="+mn-cs"/>
+              </a:defRPr>
+            </a:lvl1pPr>
+            <a:lvl2pPr marL="594360" indent="-228600" algn="l" defTabSz="914400" rtl="0" eaLnBrk="1" latinLnBrk="0" hangingPunct="1">
+              <a:lnSpc>
+                <a:spcPct val="90000"/>
+              </a:lnSpc>
+              <a:spcBef>
+                <a:spcPts val="1000"/>
+              </a:spcBef>
+              <a:buClr>
+                <a:schemeClr val="tx1">
+                  <a:lumMod val="65000"/>
+                  <a:lumOff val="35000"/>
+                </a:schemeClr>
+              </a:buClr>
+              <a:buSzPct val="80000"/>
+              <a:buFont typeface="Arial" pitchFamily="34" charset="0"/>
+              <a:buChar char="•"/>
+              <a:defRPr sz="1800" kern="1200">
+                <a:solidFill>
+                  <a:schemeClr val="tx1">
+                    <a:lumMod val="65000"/>
+                    <a:lumOff val="35000"/>
+                  </a:schemeClr>
+                </a:solidFill>
+                <a:latin typeface="+mn-lt"/>
+                <a:ea typeface="+mn-ea"/>
+                <a:cs typeface="+mn-cs"/>
+              </a:defRPr>
+            </a:lvl2pPr>
+            <a:lvl3pPr marL="777240" indent="-182880" algn="l" defTabSz="914400" rtl="0" eaLnBrk="1" latinLnBrk="0" hangingPunct="1">
+              <a:lnSpc>
+                <a:spcPct val="90000"/>
+              </a:lnSpc>
+              <a:spcBef>
+                <a:spcPts val="600"/>
+              </a:spcBef>
+              <a:buClr>
+                <a:schemeClr val="tx1">
+                  <a:lumMod val="65000"/>
+                  <a:lumOff val="35000"/>
+                </a:schemeClr>
+              </a:buClr>
+              <a:buSzPct val="80000"/>
+              <a:buFont typeface="Arial" pitchFamily="34" charset="0"/>
+              <a:buChar char="•"/>
+              <a:defRPr sz="1600" kern="1200">
+                <a:solidFill>
+                  <a:schemeClr val="tx1">
+                    <a:lumMod val="65000"/>
+                    <a:lumOff val="35000"/>
+                  </a:schemeClr>
+                </a:solidFill>
+                <a:latin typeface="+mn-lt"/>
+                <a:ea typeface="+mn-ea"/>
+                <a:cs typeface="+mn-cs"/>
+              </a:defRPr>
+            </a:lvl3pPr>
+            <a:lvl4pPr marL="960120" indent="-182880" algn="l" defTabSz="914400" rtl="0" eaLnBrk="1" latinLnBrk="0" hangingPunct="1">
+              <a:lnSpc>
+                <a:spcPct val="90000"/>
+              </a:lnSpc>
+              <a:spcBef>
+                <a:spcPts val="600"/>
+              </a:spcBef>
+              <a:buClr>
+                <a:schemeClr val="tx1">
+                  <a:lumMod val="65000"/>
+                  <a:lumOff val="35000"/>
+                </a:schemeClr>
+              </a:buClr>
+              <a:buSzPct val="80000"/>
+              <a:buFont typeface="Arial" pitchFamily="34" charset="0"/>
+              <a:buChar char="•"/>
+              <a:defRPr sz="1400" kern="1200">
+                <a:solidFill>
+                  <a:schemeClr val="tx1">
+                    <a:lumMod val="65000"/>
+                    <a:lumOff val="35000"/>
+                  </a:schemeClr>
+                </a:solidFill>
+                <a:latin typeface="+mn-lt"/>
+                <a:ea typeface="+mn-ea"/>
+                <a:cs typeface="+mn-cs"/>
+              </a:defRPr>
+            </a:lvl4pPr>
+            <a:lvl5pPr marL="1097280" indent="-137160" algn="l" defTabSz="914400" rtl="0" eaLnBrk="1" latinLnBrk="0" hangingPunct="1">
+              <a:lnSpc>
+                <a:spcPct val="90000"/>
+              </a:lnSpc>
+              <a:spcBef>
+                <a:spcPts val="600"/>
+              </a:spcBef>
+              <a:buClr>
+                <a:schemeClr val="tx1">
+                  <a:lumMod val="65000"/>
+                  <a:lumOff val="35000"/>
+                </a:schemeClr>
+              </a:buClr>
+              <a:buSzPct val="80000"/>
+              <a:buFont typeface="Arial" pitchFamily="34" charset="0"/>
+              <a:buChar char="•"/>
+              <a:defRPr sz="1400" kern="1200">
+                <a:solidFill>
+                  <a:schemeClr val="tx1">
+                    <a:lumMod val="65000"/>
+                    <a:lumOff val="35000"/>
+                  </a:schemeClr>
+                </a:solidFill>
+                <a:latin typeface="+mn-lt"/>
+                <a:ea typeface="+mn-ea"/>
+                <a:cs typeface="+mn-cs"/>
+              </a:defRPr>
+            </a:lvl5pPr>
+            <a:lvl6pPr marL="1234440" indent="-137160" algn="l" defTabSz="914400" rtl="0" eaLnBrk="1" latinLnBrk="0" hangingPunct="1">
+              <a:spcBef>
+                <a:spcPts val="600"/>
+              </a:spcBef>
+              <a:buSzPct val="80000"/>
+              <a:buFont typeface="Arial" pitchFamily="34" charset="0"/>
+              <a:buChar char="•"/>
+              <a:defRPr sz="1400" kern="1200">
+                <a:solidFill>
+                  <a:schemeClr val="tx1">
+                    <a:lumMod val="65000"/>
+                    <a:lumOff val="35000"/>
+                  </a:schemeClr>
+                </a:solidFill>
+                <a:latin typeface="+mn-lt"/>
+                <a:ea typeface="+mn-ea"/>
+                <a:cs typeface="+mn-cs"/>
+              </a:defRPr>
+            </a:lvl6pPr>
+            <a:lvl7pPr marL="1371600" indent="-137160" algn="l" defTabSz="914400" rtl="0" eaLnBrk="1" latinLnBrk="0" hangingPunct="1">
+              <a:spcBef>
+                <a:spcPts val="600"/>
+              </a:spcBef>
+              <a:buSzPct val="80000"/>
+              <a:buFont typeface="Arial" pitchFamily="34" charset="0"/>
+              <a:buChar char="•"/>
+              <a:defRPr sz="1400" kern="1200">
+                <a:solidFill>
+                  <a:schemeClr val="tx1">
+                    <a:lumMod val="65000"/>
+                    <a:lumOff val="35000"/>
+                  </a:schemeClr>
+                </a:solidFill>
+                <a:latin typeface="+mn-lt"/>
+                <a:ea typeface="+mn-ea"/>
+                <a:cs typeface="+mn-cs"/>
+              </a:defRPr>
+            </a:lvl7pPr>
+            <a:lvl8pPr marL="1508760" indent="-137160" algn="l" defTabSz="914400" rtl="0" eaLnBrk="1" latinLnBrk="0" hangingPunct="1">
+              <a:spcBef>
+                <a:spcPts val="600"/>
+              </a:spcBef>
+              <a:buSzPct val="80000"/>
+              <a:buFont typeface="Arial" pitchFamily="34" charset="0"/>
+              <a:buChar char="•"/>
+              <a:defRPr sz="1400" kern="1200">
+                <a:solidFill>
+                  <a:schemeClr val="tx1">
+                    <a:lumMod val="65000"/>
+                    <a:lumOff val="35000"/>
+                  </a:schemeClr>
+                </a:solidFill>
+                <a:latin typeface="+mn-lt"/>
+                <a:ea typeface="+mn-ea"/>
+                <a:cs typeface="+mn-cs"/>
+              </a:defRPr>
+            </a:lvl8pPr>
+            <a:lvl9pPr marL="1645920" indent="-137160" algn="l" defTabSz="914400" rtl="0" eaLnBrk="1" latinLnBrk="0" hangingPunct="1">
+              <a:spcBef>
+                <a:spcPts val="600"/>
+              </a:spcBef>
+              <a:buSzPct val="80000"/>
+              <a:buFont typeface="Arial" pitchFamily="34" charset="0"/>
+              <a:buChar char="•"/>
+              <a:defRPr sz="1400" kern="1200">
+                <a:solidFill>
+                  <a:schemeClr val="tx1">
+                    <a:lumMod val="65000"/>
+                    <a:lumOff val="35000"/>
+                  </a:schemeClr>
+                </a:solidFill>
+                <a:latin typeface="+mn-lt"/>
+                <a:ea typeface="+mn-ea"/>
+                <a:cs typeface="+mn-cs"/>
+              </a:defRPr>
+            </a:lvl9pPr>
+          </a:lstStyle>
+          <a:p>
+            <a:pPr>
+              <a:buFont typeface="Wingdings" panose="05000000000000000000" pitchFamily="2" charset="2"/>
+              <a:buChar char="q"/>
+            </a:pPr>
+            <a:r>
+              <a:rPr lang="en-GB" sz="3600" dirty="0">
+                <a:solidFill>
+                  <a:schemeClr val="accent6">
+                    <a:lumMod val="50000"/>
+                  </a:schemeClr>
+                </a:solidFill>
+              </a:rPr>
+              <a:t>Not Scalable</a:t>
+            </a:r>
+          </a:p>
+          <a:p>
+            <a:pPr>
+              <a:buFont typeface="Wingdings" panose="05000000000000000000" pitchFamily="2" charset="2"/>
+              <a:buChar char="q"/>
+            </a:pPr>
+            <a:endParaRPr lang="en-GB" sz="3600" dirty="0">
+              <a:solidFill>
+                <a:schemeClr val="accent6">
+                  <a:lumMod val="50000"/>
+                </a:schemeClr>
+              </a:solidFill>
+            </a:endParaRPr>
+          </a:p>
+          <a:p>
+            <a:pPr>
+              <a:buFont typeface="Wingdings" panose="05000000000000000000" pitchFamily="2" charset="2"/>
+              <a:buChar char="q"/>
+            </a:pPr>
+            <a:r>
+              <a:rPr lang="en-US" sz="3600" dirty="0">
+                <a:solidFill>
+                  <a:schemeClr val="accent6">
+                    <a:lumMod val="50000"/>
+                  </a:schemeClr>
+                </a:solidFill>
+              </a:rPr>
+              <a:t>Allow only one user at a time</a:t>
+            </a:r>
+          </a:p>
+          <a:p>
+            <a:pPr>
+              <a:buFont typeface="Wingdings" panose="05000000000000000000" pitchFamily="2" charset="2"/>
+              <a:buChar char="q"/>
+            </a:pPr>
+            <a:endParaRPr lang="en-US" sz="3600" dirty="0">
+              <a:solidFill>
+                <a:schemeClr val="accent6">
+                  <a:lumMod val="50000"/>
+                </a:schemeClr>
+              </a:solidFill>
+            </a:endParaRPr>
+          </a:p>
+          <a:p>
+            <a:pPr>
+              <a:buFont typeface="Wingdings" panose="05000000000000000000" pitchFamily="2" charset="2"/>
+              <a:buChar char="q"/>
+            </a:pPr>
+            <a:r>
+              <a:rPr lang="en-US" sz="3600" dirty="0">
+                <a:solidFill>
+                  <a:schemeClr val="accent6">
+                    <a:lumMod val="50000"/>
+                  </a:schemeClr>
+                </a:solidFill>
+              </a:rPr>
+              <a:t>High administrative cost</a:t>
+            </a:r>
+          </a:p>
+        </p:txBody>
+      </p:sp>
+      <p:sp>
+        <p:nvSpPr>
+          <p:cNvPr id="7" name="Title 1"/>
+          <p:cNvSpPr>
+            <a:spLocks noGrp="1"/>
+          </p:cNvSpPr>
+          <p:nvPr>
+            <p:ph type="title"/>
+          </p:nvPr>
+        </p:nvSpPr>
+        <p:spPr>
+          <a:xfrm>
+            <a:off x="1456600" y="756484"/>
+            <a:ext cx="5275640" cy="800308"/>
+          </a:xfrm>
+        </p:spPr>
+        <p:txBody>
+          <a:bodyPr>
+            <a:noAutofit/>
+          </a:bodyPr>
+          <a:lstStyle/>
+          <a:p>
+            <a:r>
+              <a:rPr lang="en-US" sz="4000" dirty="0" err="1"/>
+              <a:t>Disdvantages</a:t>
+            </a:r>
+            <a:r>
+              <a:rPr lang="en-US" sz="4000" dirty="0"/>
+              <a:t> of DAS</a:t>
+            </a:r>
+          </a:p>
+        </p:txBody>
+      </p:sp>
+      <p:sp>
+        <p:nvSpPr>
+          <p:cNvPr id="8" name="Rectangle 7"/>
+          <p:cNvSpPr/>
+          <p:nvPr/>
+        </p:nvSpPr>
+        <p:spPr>
+          <a:xfrm>
+            <a:off x="574515" y="1565013"/>
+            <a:ext cx="8643211" cy="34298"/>
+          </a:xfrm>
+          <a:prstGeom prst="rect">
+            <a:avLst/>
+          </a:prstGeom>
+        </p:spPr>
+        <p:style>
+          <a:lnRef idx="1">
+            <a:schemeClr val="accent1"/>
+          </a:lnRef>
+          <a:fillRef idx="3">
+            <a:schemeClr val="accent1"/>
+          </a:fillRef>
+          <a:effectRef idx="2">
+            <a:schemeClr val="accent1"/>
+          </a:effectRef>
+          <a:fontRef idx="minor">
+            <a:schemeClr val="lt1"/>
+          </a:fontRef>
+        </p:style>
+        <p:txBody>
+          <a:bodyPr rtlCol="0" anchor="ctr"/>
+          <a:lstStyle/>
+          <a:p>
+            <a:pPr algn="ctr"/>
+            <a:endParaRPr lang="en-US" sz="1350">
+              <a:solidFill>
+                <a:schemeClr val="tx1">
+                  <a:lumMod val="65000"/>
+                  <a:lumOff val="35000"/>
+                </a:schemeClr>
+              </a:solidFill>
+            </a:endParaRPr>
+          </a:p>
+        </p:txBody>
+      </p:sp>
+      <p:pic>
+        <p:nvPicPr>
+          <p:cNvPr id="11" name="Picture 10"/>
+          <p:cNvPicPr>
+            <a:picLocks noChangeAspect="1"/>
+          </p:cNvPicPr>
+          <p:nvPr/>
+        </p:nvPicPr>
+        <p:blipFill>
+          <a:blip r:embed="rId2">
+            <a:extLst>
+              <a:ext uri="{BEBA8EAE-BF5A-486C-A8C5-ECC9F3942E4B}">
+                <a14:imgProps xmlns:a14="http://schemas.microsoft.com/office/drawing/2010/main">
+                  <a14:imgLayer r:embed="rId3">
+                    <a14:imgEffect>
+                      <a14:saturation sat="66000"/>
+                    </a14:imgEffect>
+                  </a14:imgLayer>
+                </a14:imgProps>
+              </a:ext>
+              <a:ext uri="{28A0092B-C50C-407E-A947-70E740481C1C}">
+                <a14:useLocalDpi xmlns:a14="http://schemas.microsoft.com/office/drawing/2010/main" val="0"/>
+              </a:ext>
+            </a:extLst>
+          </a:blip>
+          <a:stretch>
+            <a:fillRect/>
+          </a:stretch>
+        </p:blipFill>
+        <p:spPr>
+          <a:xfrm>
+            <a:off x="218745" y="908720"/>
+            <a:ext cx="1127514" cy="1184147"/>
+          </a:xfrm>
+          <a:prstGeom prst="rect">
+            <a:avLst/>
+          </a:prstGeom>
+        </p:spPr>
+      </p:pic>
+    </p:spTree>
+    <p:extLst>
+      <p:ext uri="{BB962C8B-B14F-4D97-AF65-F5344CB8AC3E}">
+        <p14:creationId xmlns:p14="http://schemas.microsoft.com/office/powerpoint/2010/main" val="3877865306"/>
+      </p:ext>
+    </p:extLst>
+  </p:cSld>
+  <p:clrMapOvr>
+    <a:masterClrMapping/>
+  </p:clrMapOvr>
+  <mc:AlternateContent xmlns:mc="http://schemas.openxmlformats.org/markup-compatibility/2006" xmlns:p14="http://schemas.microsoft.com/office/powerpoint/2010/main">
+    <mc:Choice Requires="p14">
+      <p:transition spd="slow" p14:dur="1400">
+        <p14:ripple/>
+      </p:transition>
+    </mc:Choice>
+    <mc:Fallback xmlns="">
+      <p:transition spd="slow">
+        <p:fade/>
+      </p:transition>
+    </mc:Fallback>
+  </mc:AlternateContent>
+</p:sld>
+</file>
+
+<file path=ppt/slides/slide13.xml><?xml version="1.0" encoding="utf-8"?>
+<p:sld xmlns:a="http://schemas.openxmlformats.org/drawingml/2006/main" xmlns:r="http://schemas.openxmlformats.org/officeDocument/2006/relationships" xmlns:p="http://schemas.openxmlformats.org/presentationml/2006/main">
+  <p:cSld>
+    <p:spTree>
+      <p:nvGrpSpPr>
+        <p:cNvPr id="1" name=""/>
+        <p:cNvGrpSpPr/>
+        <p:nvPr/>
+      </p:nvGrpSpPr>
+      <p:grpSpPr>
+        <a:xfrm>
+          <a:off x="0" y="0"/>
+          <a:ext cx="0" cy="0"/>
+          <a:chOff x="0" y="0"/>
+          <a:chExt cx="0" cy="0"/>
+        </a:xfrm>
+      </p:grpSpPr>
+      <p:sp>
+        <p:nvSpPr>
+          <p:cNvPr id="2" name="Title 1"/>
+          <p:cNvSpPr>
+            <a:spLocks noGrp="1"/>
+          </p:cNvSpPr>
+          <p:nvPr>
+            <p:ph type="title"/>
+          </p:nvPr>
+        </p:nvSpPr>
+        <p:spPr>
+          <a:xfrm>
+            <a:off x="971600" y="-77213"/>
+            <a:ext cx="6516798" cy="1880428"/>
+          </a:xfrm>
+        </p:spPr>
+        <p:txBody>
+          <a:bodyPr>
+            <a:noAutofit/>
+          </a:bodyPr>
+          <a:lstStyle/>
+          <a:p>
+            <a:pPr algn="ctr"/>
+            <a:r>
+              <a:rPr lang="en-US" sz="6000" dirty="0">
+                <a:solidFill>
+                  <a:schemeClr val="accent6">
+                    <a:lumMod val="50000"/>
+                  </a:schemeClr>
+                </a:solidFill>
+              </a:rPr>
+              <a:t>NAS</a:t>
+            </a:r>
+            <a:br>
+              <a:rPr lang="en-US" sz="4051" dirty="0"/>
+            </a:br>
+            <a:r>
+              <a:rPr lang="en-US" sz="4051" dirty="0"/>
+              <a:t>Network Attached Storage</a:t>
+            </a:r>
+          </a:p>
+        </p:txBody>
+      </p:sp>
+      <p:sp>
+        <p:nvSpPr>
+          <p:cNvPr id="3" name="Rectangle 2"/>
+          <p:cNvSpPr/>
+          <p:nvPr/>
+        </p:nvSpPr>
+        <p:spPr>
+          <a:xfrm>
+            <a:off x="971600" y="2780928"/>
+            <a:ext cx="8028384" cy="2308324"/>
+          </a:xfrm>
+          <a:prstGeom prst="rect">
+            <a:avLst/>
+          </a:prstGeom>
+        </p:spPr>
+        <p:txBody>
+          <a:bodyPr wrap="square">
+            <a:spAutoFit/>
+          </a:bodyPr>
+          <a:lstStyle/>
+          <a:p>
+            <a:pPr marL="571500" indent="-571500">
+              <a:buFont typeface="Wingdings" panose="05000000000000000000" pitchFamily="2" charset="2"/>
+              <a:buChar char="v"/>
+            </a:pPr>
+            <a:r>
+              <a:rPr lang="en-US" sz="3600" dirty="0">
+                <a:solidFill>
+                  <a:schemeClr val="accent6">
+                    <a:lumMod val="50000"/>
+                  </a:schemeClr>
+                </a:solidFill>
+              </a:rPr>
+              <a:t>Provides a </a:t>
+            </a:r>
+            <a:r>
+              <a:rPr lang="en-US" sz="3600" dirty="0">
+                <a:solidFill>
+                  <a:srgbClr val="0070C0"/>
+                </a:solidFill>
+              </a:rPr>
+              <a:t>file sharing </a:t>
+            </a:r>
+            <a:r>
+              <a:rPr lang="en-US" sz="3600" dirty="0">
+                <a:solidFill>
+                  <a:schemeClr val="accent6">
+                    <a:lumMod val="50000"/>
+                  </a:schemeClr>
+                </a:solidFill>
+              </a:rPr>
+              <a:t>system or storage management system</a:t>
+            </a:r>
+          </a:p>
+          <a:p>
+            <a:endParaRPr lang="en-US" sz="3600" dirty="0">
+              <a:solidFill>
+                <a:schemeClr val="accent6">
+                  <a:lumMod val="50000"/>
+                </a:schemeClr>
+              </a:solidFill>
+            </a:endParaRPr>
+          </a:p>
+          <a:p>
+            <a:pPr marL="571500" indent="-571500">
+              <a:buFont typeface="Wingdings" panose="05000000000000000000" pitchFamily="2" charset="2"/>
+              <a:buChar char="v"/>
+            </a:pPr>
+            <a:r>
+              <a:rPr lang="en-US" sz="3600" dirty="0">
+                <a:solidFill>
+                  <a:schemeClr val="accent6">
+                    <a:lumMod val="50000"/>
+                  </a:schemeClr>
+                </a:solidFill>
+              </a:rPr>
+              <a:t>Act Upon </a:t>
+            </a:r>
+            <a:r>
+              <a:rPr lang="en-US" sz="3600" dirty="0">
+                <a:solidFill>
+                  <a:srgbClr val="0070C0"/>
+                </a:solidFill>
+              </a:rPr>
+              <a:t>Ethernet</a:t>
+            </a:r>
+          </a:p>
+        </p:txBody>
+      </p:sp>
+      <p:sp>
+        <p:nvSpPr>
+          <p:cNvPr id="4" name="Rectangle 3"/>
+          <p:cNvSpPr/>
+          <p:nvPr/>
+        </p:nvSpPr>
+        <p:spPr>
+          <a:xfrm>
+            <a:off x="-108520" y="1871113"/>
+            <a:ext cx="9505055" cy="45719"/>
+          </a:xfrm>
+          <a:prstGeom prst="rect">
+            <a:avLst/>
+          </a:prstGeom>
+        </p:spPr>
+        <p:style>
+          <a:lnRef idx="1">
+            <a:schemeClr val="accent1"/>
+          </a:lnRef>
+          <a:fillRef idx="3">
+            <a:schemeClr val="accent1"/>
+          </a:fillRef>
+          <a:effectRef idx="2">
+            <a:schemeClr val="accent1"/>
+          </a:effectRef>
+          <a:fontRef idx="minor">
+            <a:schemeClr val="lt1"/>
+          </a:fontRef>
+        </p:style>
+        <p:txBody>
+          <a:bodyPr rtlCol="0" anchor="ctr"/>
+          <a:lstStyle/>
+          <a:p>
+            <a:pPr algn="ctr"/>
+            <a:endParaRPr lang="en-US" sz="1350">
+              <a:solidFill>
+                <a:schemeClr val="tx1">
+                  <a:lumMod val="65000"/>
+                  <a:lumOff val="35000"/>
+                </a:schemeClr>
+              </a:solidFill>
+            </a:endParaRPr>
+          </a:p>
+        </p:txBody>
+      </p:sp>
+    </p:spTree>
+    <p:extLst>
+      <p:ext uri="{BB962C8B-B14F-4D97-AF65-F5344CB8AC3E}">
+        <p14:creationId xmlns:p14="http://schemas.microsoft.com/office/powerpoint/2010/main" val="1375462907"/>
+      </p:ext>
+    </p:extLst>
+  </p:cSld>
+  <p:clrMapOvr>
+    <a:masterClrMapping/>
+  </p:clrMapOvr>
+  <mc:AlternateContent xmlns:mc="http://schemas.openxmlformats.org/markup-compatibility/2006" xmlns:p14="http://schemas.microsoft.com/office/powerpoint/2010/main">
+    <mc:Choice Requires="p14">
+      <p:transition spd="slow" p14:dur="1600">
+        <p14:prism isInverted="1"/>
+      </p:transition>
+    </mc:Choice>
+    <mc:Fallback xmlns="">
+      <p:transition spd="slow">
+        <p:fade/>
+      </p:transition>
+    </mc:Fallback>
+  </mc:AlternateContent>
+</p:sld>
+</file>
+
+<file path=ppt/slides/slide14.xml><?xml version="1.0" encoding="utf-8"?>
+<p:sld xmlns:a="http://schemas.openxmlformats.org/drawingml/2006/main" xmlns:r="http://schemas.openxmlformats.org/officeDocument/2006/relationships" xmlns:p="http://schemas.openxmlformats.org/presentationml/2006/main">
+  <p:cSld>
+    <p:spTree>
+      <p:nvGrpSpPr>
+        <p:cNvPr id="1" name=""/>
+        <p:cNvGrpSpPr/>
+        <p:nvPr/>
+      </p:nvGrpSpPr>
+      <p:grpSpPr>
+        <a:xfrm>
+          <a:off x="0" y="0"/>
+          <a:ext cx="0" cy="0"/>
+          <a:chOff x="0" y="0"/>
+          <a:chExt cx="0" cy="0"/>
+        </a:xfrm>
+      </p:grpSpPr>
+      <p:pic>
+        <p:nvPicPr>
+          <p:cNvPr id="4" name="Picture 3"/>
+          <p:cNvPicPr>
+            <a:picLocks noChangeAspect="1"/>
+          </p:cNvPicPr>
+          <p:nvPr/>
+        </p:nvPicPr>
+        <p:blipFill rotWithShape="1">
+          <a:blip r:embed="rId2">
+            <a:extLst>
+              <a:ext uri="{28A0092B-C50C-407E-A947-70E740481C1C}">
+                <a14:useLocalDpi xmlns:a14="http://schemas.microsoft.com/office/drawing/2010/main" val="0"/>
+              </a:ext>
+            </a:extLst>
+          </a:blip>
+          <a:srcRect b="12255"/>
+          <a:stretch/>
+        </p:blipFill>
+        <p:spPr>
+          <a:xfrm>
+            <a:off x="899592" y="1484785"/>
+            <a:ext cx="6519079" cy="3816424"/>
+          </a:xfrm>
+          <a:prstGeom prst="rect">
+            <a:avLst/>
+          </a:prstGeom>
+        </p:spPr>
+      </p:pic>
+    </p:spTree>
+    <p:extLst>
+      <p:ext uri="{BB962C8B-B14F-4D97-AF65-F5344CB8AC3E}">
+        <p14:creationId xmlns:p14="http://schemas.microsoft.com/office/powerpoint/2010/main" val="1434522574"/>
+      </p:ext>
+    </p:extLst>
+  </p:cSld>
+  <p:clrMapOvr>
+    <a:masterClrMapping/>
+  </p:clrMapOvr>
+  <mc:AlternateContent xmlns:mc="http://schemas.openxmlformats.org/markup-compatibility/2006" xmlns:p15="http://schemas.microsoft.com/office/powerpoint/2012/main">
+    <mc:Choice Requires="p15">
+      <p:transition xmlns:p14="http://schemas.microsoft.com/office/powerpoint/2010/main" spd="slow" p14:dur="2000">
+        <p15:prstTrans prst="crush"/>
+      </p:transition>
+    </mc:Choice>
+    <mc:Fallback xmlns="">
+      <p:transition spd="slow">
+        <p:fade/>
+      </p:transition>
+    </mc:Fallback>
+  </mc:AlternateContent>
+</p:sld>
+</file>
+
+<file path=ppt/slides/slide2.xml><?xml version="1.0" encoding="utf-8"?>
+<p:sld xmlns:a="http://schemas.openxmlformats.org/drawingml/2006/main" xmlns:r="http://schemas.openxmlformats.org/officeDocument/2006/relationships" xmlns:p="http://schemas.openxmlformats.org/presentationml/2006/main">
+  <p:cSld>
+    <p:spTree>
+      <p:nvGrpSpPr>
+        <p:cNvPr id="1" name=""/>
+        <p:cNvGrpSpPr/>
+        <p:nvPr/>
+      </p:nvGrpSpPr>
+      <p:grpSpPr>
+        <a:xfrm>
+          <a:off x="0" y="0"/>
+          <a:ext cx="0" cy="0"/>
+          <a:chOff x="0" y="0"/>
+          <a:chExt cx="0" cy="0"/>
+        </a:xfrm>
+      </p:grpSpPr>
+      <p:sp>
+        <p:nvSpPr>
+          <p:cNvPr id="2" name="Rectangle 1"/>
+          <p:cNvSpPr/>
+          <p:nvPr/>
+        </p:nvSpPr>
+        <p:spPr>
+          <a:xfrm>
+            <a:off x="574515" y="1960466"/>
+            <a:ext cx="8697231" cy="34298"/>
+          </a:xfrm>
+          <a:prstGeom prst="rect">
+            <a:avLst/>
+          </a:prstGeom>
+        </p:spPr>
+        <p:style>
+          <a:lnRef idx="1">
+            <a:schemeClr val="accent1"/>
+          </a:lnRef>
+          <a:fillRef idx="3">
+            <a:schemeClr val="accent1"/>
+          </a:fillRef>
+          <a:effectRef idx="2">
+            <a:schemeClr val="accent1"/>
+          </a:effectRef>
+          <a:fontRef idx="minor">
+            <a:schemeClr val="lt1"/>
+          </a:fontRef>
+        </p:style>
+        <p:txBody>
+          <a:bodyPr rtlCol="0" anchor="ctr"/>
+          <a:lstStyle/>
+          <a:p>
+            <a:pPr algn="ctr"/>
+            <a:endParaRPr lang="en-US" sz="1350">
+              <a:solidFill>
+                <a:schemeClr val="tx1">
+                  <a:lumMod val="65000"/>
+                  <a:lumOff val="35000"/>
+                </a:schemeClr>
+              </a:solidFill>
+            </a:endParaRPr>
+          </a:p>
+        </p:txBody>
+      </p:sp>
+      <p:sp>
+        <p:nvSpPr>
+          <p:cNvPr id="3" name="Rectangle 2"/>
+          <p:cNvSpPr/>
+          <p:nvPr/>
+        </p:nvSpPr>
+        <p:spPr>
+          <a:xfrm>
+            <a:off x="466475" y="1196752"/>
+            <a:ext cx="9181103" cy="646331"/>
+          </a:xfrm>
+          <a:prstGeom prst="rect">
+            <a:avLst/>
+          </a:prstGeom>
+        </p:spPr>
+        <p:txBody>
+          <a:bodyPr wrap="none">
+            <a:spAutoFit/>
+          </a:bodyPr>
+          <a:lstStyle/>
+          <a:p>
+            <a:r>
+              <a:rPr lang="en-US" sz="3600" dirty="0">
+                <a:solidFill>
+                  <a:schemeClr val="accent1">
+                    <a:lumMod val="75000"/>
+                  </a:schemeClr>
+                </a:solidFill>
+              </a:rPr>
+              <a:t>What is Object Oriented Programming(OOP) ?</a:t>
+            </a:r>
+          </a:p>
+        </p:txBody>
+      </p:sp>
+      <p:sp>
+        <p:nvSpPr>
+          <p:cNvPr id="4" name="Rectangle 3"/>
+          <p:cNvSpPr/>
+          <p:nvPr/>
+        </p:nvSpPr>
+        <p:spPr>
+          <a:xfrm>
+            <a:off x="971600" y="2852936"/>
+            <a:ext cx="7076628" cy="1815882"/>
+          </a:xfrm>
+          <a:prstGeom prst="rect">
+            <a:avLst/>
+          </a:prstGeom>
+        </p:spPr>
+        <p:txBody>
+          <a:bodyPr wrap="square">
+            <a:spAutoFit/>
+          </a:bodyPr>
+          <a:lstStyle/>
+          <a:p>
+            <a:r>
+              <a:rPr lang="en-GB" sz="2800" dirty="0">
+                <a:solidFill>
+                  <a:schemeClr val="accent6">
+                    <a:lumMod val="50000"/>
+                  </a:schemeClr>
+                </a:solidFill>
+              </a:rPr>
+              <a:t>OOP is a programming paradigm which mainly focuses on the concept of “objects” to construct the real world scenario to solve real world problem through programming.</a:t>
+            </a:r>
+            <a:endParaRPr lang="en-US" sz="2800" dirty="0">
+              <a:solidFill>
+                <a:schemeClr val="accent6">
+                  <a:lumMod val="50000"/>
+                </a:schemeClr>
+              </a:solidFill>
+            </a:endParaRPr>
+          </a:p>
+        </p:txBody>
+      </p:sp>
+    </p:spTree>
+    <p:extLst>
+      <p:ext uri="{BB962C8B-B14F-4D97-AF65-F5344CB8AC3E}">
+        <p14:creationId xmlns:p14="http://schemas.microsoft.com/office/powerpoint/2010/main" val="3587736867"/>
+      </p:ext>
+    </p:extLst>
+  </p:cSld>
+  <p:clrMapOvr>
+    <a:masterClrMapping/>
+  </p:clrMapOvr>
+  <mc:AlternateContent xmlns:mc="http://schemas.openxmlformats.org/markup-compatibility/2006" xmlns:p14="http://schemas.microsoft.com/office/powerpoint/2010/main">
+    <mc:Choice Requires="p14">
+      <p:transition spd="slow" p14:dur="1600">
+        <p14:gallery dir="l"/>
+      </p:transition>
+    </mc:Choice>
+    <mc:Fallback xmlns="">
+      <p:transition spd="slow">
+        <p:fade/>
+      </p:transition>
+    </mc:Fallback>
+  </mc:AlternateContent>
+</p:sld>
+</file>
+
+<file path=ppt/slides/slide3.xml><?xml version="1.0" encoding="utf-8"?>
+<p:sld xmlns:a="http://schemas.openxmlformats.org/drawingml/2006/main" xmlns:r="http://schemas.openxmlformats.org/officeDocument/2006/relationships" xmlns:p="http://schemas.openxmlformats.org/presentationml/2006/main">
+  <p:cSld>
+    <p:spTree>
+      <p:nvGrpSpPr>
+        <p:cNvPr id="1" name=""/>
+        <p:cNvGrpSpPr/>
+        <p:nvPr/>
+      </p:nvGrpSpPr>
+      <p:grpSpPr>
+        <a:xfrm>
+          <a:off x="0" y="0"/>
+          <a:ext cx="0" cy="0"/>
+          <a:chOff x="0" y="0"/>
+          <a:chExt cx="0" cy="0"/>
+        </a:xfrm>
+      </p:grpSpPr>
+      <p:sp>
+        <p:nvSpPr>
+          <p:cNvPr id="3" name="Rectangle 2"/>
+          <p:cNvSpPr/>
+          <p:nvPr/>
+        </p:nvSpPr>
+        <p:spPr>
+          <a:xfrm>
+            <a:off x="1115616" y="5373216"/>
+            <a:ext cx="2182129" cy="523220"/>
+          </a:xfrm>
+          <a:prstGeom prst="rect">
+            <a:avLst/>
+          </a:prstGeom>
+        </p:spPr>
+        <p:txBody>
+          <a:bodyPr wrap="square">
+            <a:spAutoFit/>
+          </a:bodyPr>
+          <a:lstStyle/>
+          <a:p>
+            <a:pPr algn="ctr"/>
+            <a:r>
+              <a:rPr lang="en-US" sz="2800" dirty="0">
+                <a:solidFill>
+                  <a:schemeClr val="accent1">
+                    <a:lumMod val="75000"/>
+                  </a:schemeClr>
+                </a:solidFill>
+              </a:rPr>
+              <a:t>Object 1</a:t>
+            </a:r>
+          </a:p>
+        </p:txBody>
+      </p:sp>
+      <p:pic>
+        <p:nvPicPr>
+          <p:cNvPr id="4" name="Picture 3">
+            <a:extLst>
+              <a:ext uri="{FF2B5EF4-FFF2-40B4-BE49-F238E27FC236}">
+                <a16:creationId xmlns:a16="http://schemas.microsoft.com/office/drawing/2014/main" id="{0F32EBD3-5D96-40BF-8E0D-26252FCBA48E}"/>
+              </a:ext>
+            </a:extLst>
+          </p:cNvPr>
+          <p:cNvPicPr>
+            <a:picLocks noChangeAspect="1"/>
+          </p:cNvPicPr>
+          <p:nvPr/>
+        </p:nvPicPr>
+        <p:blipFill>
+          <a:blip r:embed="rId2"/>
+          <a:stretch>
+            <a:fillRect/>
+          </a:stretch>
+        </p:blipFill>
+        <p:spPr>
+          <a:xfrm>
+            <a:off x="3032506" y="188640"/>
+            <a:ext cx="3078988" cy="2656649"/>
+          </a:xfrm>
+          <a:prstGeom prst="rect">
+            <a:avLst/>
+          </a:prstGeom>
+        </p:spPr>
+      </p:pic>
+      <p:pic>
+        <p:nvPicPr>
+          <p:cNvPr id="7" name="Picture 6">
+            <a:extLst>
+              <a:ext uri="{FF2B5EF4-FFF2-40B4-BE49-F238E27FC236}">
+                <a16:creationId xmlns:a16="http://schemas.microsoft.com/office/drawing/2014/main" id="{71821A04-6F0A-4780-8A73-5330F5590B5E}"/>
+              </a:ext>
+            </a:extLst>
+          </p:cNvPr>
+          <p:cNvPicPr>
+            <a:picLocks noChangeAspect="1"/>
+          </p:cNvPicPr>
+          <p:nvPr/>
+        </p:nvPicPr>
+        <p:blipFill>
+          <a:blip r:embed="rId3"/>
+          <a:stretch>
+            <a:fillRect/>
+          </a:stretch>
+        </p:blipFill>
+        <p:spPr>
+          <a:xfrm>
+            <a:off x="898656" y="4012712"/>
+            <a:ext cx="3144409" cy="1099838"/>
+          </a:xfrm>
+          <a:prstGeom prst="rect">
+            <a:avLst/>
+          </a:prstGeom>
+        </p:spPr>
+      </p:pic>
+      <p:pic>
+        <p:nvPicPr>
+          <p:cNvPr id="6" name="Picture 5">
+            <a:extLst>
+              <a:ext uri="{FF2B5EF4-FFF2-40B4-BE49-F238E27FC236}">
+                <a16:creationId xmlns:a16="http://schemas.microsoft.com/office/drawing/2014/main" id="{81FE2B0A-83D0-4ED6-BFC1-55BFDDDD4096}"/>
+              </a:ext>
+            </a:extLst>
+          </p:cNvPr>
+          <p:cNvPicPr>
+            <a:picLocks noChangeAspect="1"/>
+          </p:cNvPicPr>
+          <p:nvPr/>
+        </p:nvPicPr>
+        <p:blipFill>
+          <a:blip r:embed="rId3"/>
+          <a:stretch>
+            <a:fillRect/>
+          </a:stretch>
+        </p:blipFill>
+        <p:spPr>
+          <a:xfrm>
+            <a:off x="5220072" y="4012712"/>
+            <a:ext cx="3144409" cy="1099838"/>
+          </a:xfrm>
+          <a:prstGeom prst="rect">
+            <a:avLst/>
+          </a:prstGeom>
+        </p:spPr>
+      </p:pic>
+      <p:pic>
+        <p:nvPicPr>
+          <p:cNvPr id="11" name="Picture 10">
+            <a:extLst>
+              <a:ext uri="{FF2B5EF4-FFF2-40B4-BE49-F238E27FC236}">
+                <a16:creationId xmlns:a16="http://schemas.microsoft.com/office/drawing/2014/main" id="{8BF188B5-69AF-4727-A364-FF2BD51B2D00}"/>
+              </a:ext>
+            </a:extLst>
+          </p:cNvPr>
+          <p:cNvPicPr>
+            <a:picLocks noChangeAspect="1"/>
+          </p:cNvPicPr>
+          <p:nvPr/>
+        </p:nvPicPr>
+        <p:blipFill>
+          <a:blip r:embed="rId4"/>
+          <a:stretch>
+            <a:fillRect/>
+          </a:stretch>
+        </p:blipFill>
+        <p:spPr>
+          <a:xfrm>
+            <a:off x="5697949" y="5214755"/>
+            <a:ext cx="2188654" cy="963251"/>
+          </a:xfrm>
+          <a:prstGeom prst="rect">
+            <a:avLst/>
+          </a:prstGeom>
+        </p:spPr>
+      </p:pic>
+      <p:sp>
+        <p:nvSpPr>
+          <p:cNvPr id="19" name="Rectangle 18">
+            <a:extLst>
+              <a:ext uri="{FF2B5EF4-FFF2-40B4-BE49-F238E27FC236}">
+                <a16:creationId xmlns:a16="http://schemas.microsoft.com/office/drawing/2014/main" id="{57AC320D-6ABA-4342-860B-B0DAD2982ACE}"/>
+              </a:ext>
+            </a:extLst>
+          </p:cNvPr>
+          <p:cNvSpPr/>
+          <p:nvPr/>
+        </p:nvSpPr>
+        <p:spPr>
+          <a:xfrm>
+            <a:off x="3565188" y="2583678"/>
+            <a:ext cx="1654884" cy="523220"/>
+          </a:xfrm>
+          <a:prstGeom prst="rect">
+            <a:avLst/>
+          </a:prstGeom>
+        </p:spPr>
+        <p:txBody>
+          <a:bodyPr wrap="square">
+            <a:spAutoFit/>
+          </a:bodyPr>
+          <a:lstStyle/>
+          <a:p>
+            <a:pPr algn="ctr"/>
+            <a:r>
+              <a:rPr lang="en-US" sz="2800" dirty="0">
+                <a:solidFill>
+                  <a:schemeClr val="accent1">
+                    <a:lumMod val="75000"/>
+                  </a:schemeClr>
+                </a:solidFill>
+              </a:rPr>
+              <a:t>Class</a:t>
+            </a:r>
+          </a:p>
+        </p:txBody>
+      </p:sp>
+    </p:spTree>
+    <p:extLst>
+      <p:ext uri="{BB962C8B-B14F-4D97-AF65-F5344CB8AC3E}">
+        <p14:creationId xmlns:p14="http://schemas.microsoft.com/office/powerpoint/2010/main" val="2315813332"/>
+      </p:ext>
+    </p:extLst>
+  </p:cSld>
+  <p:clrMapOvr>
+    <a:masterClrMapping/>
+  </p:clrMapOvr>
+  <mc:AlternateContent xmlns:mc="http://schemas.openxmlformats.org/markup-compatibility/2006" xmlns:p14="http://schemas.microsoft.com/office/powerpoint/2010/main">
+    <mc:Choice Requires="p14">
+      <p:transition spd="slow" p14:dur="1200">
+        <p14:prism/>
+      </p:transition>
+    </mc:Choice>
+    <mc:Fallback xmlns="">
+      <p:transition spd="slow">
+        <p:fade/>
+      </p:transition>
+    </mc:Fallback>
+  </mc:AlternateContent>
+</p:sld>
+</file>
+
+<file path=ppt/slides/slide4.xml><?xml version="1.0" encoding="utf-8"?>
+<p:sld xmlns:a="http://schemas.openxmlformats.org/drawingml/2006/main" xmlns:r="http://schemas.openxmlformats.org/officeDocument/2006/relationships" xmlns:p="http://schemas.openxmlformats.org/presentationml/2006/main">
+  <p:cSld>
+    <p:spTree>
+      <p:nvGrpSpPr>
+        <p:cNvPr id="1" name=""/>
+        <p:cNvGrpSpPr/>
+        <p:nvPr/>
+      </p:nvGrpSpPr>
+      <p:grpSpPr>
+        <a:xfrm>
+          <a:off x="0" y="0"/>
+          <a:ext cx="0" cy="0"/>
+          <a:chOff x="0" y="0"/>
+          <a:chExt cx="0" cy="0"/>
+        </a:xfrm>
+      </p:grpSpPr>
+      <p:sp>
+        <p:nvSpPr>
+          <p:cNvPr id="2" name="Rectangle 1"/>
+          <p:cNvSpPr/>
+          <p:nvPr/>
+        </p:nvSpPr>
+        <p:spPr>
+          <a:xfrm>
+            <a:off x="574515" y="1744442"/>
+            <a:ext cx="8697231" cy="34298"/>
+          </a:xfrm>
+          <a:prstGeom prst="rect">
+            <a:avLst/>
+          </a:prstGeom>
+        </p:spPr>
+        <p:style>
+          <a:lnRef idx="1">
+            <a:schemeClr val="accent1"/>
+          </a:lnRef>
+          <a:fillRef idx="3">
+            <a:schemeClr val="accent1"/>
+          </a:fillRef>
+          <a:effectRef idx="2">
+            <a:schemeClr val="accent1"/>
+          </a:effectRef>
+          <a:fontRef idx="minor">
+            <a:schemeClr val="lt1"/>
+          </a:fontRef>
+        </p:style>
+        <p:txBody>
+          <a:bodyPr rtlCol="0" anchor="ctr"/>
+          <a:lstStyle/>
+          <a:p>
+            <a:pPr algn="ctr"/>
+            <a:endParaRPr lang="en-US" sz="1350">
+              <a:solidFill>
+                <a:schemeClr val="tx1">
+                  <a:lumMod val="65000"/>
+                  <a:lumOff val="35000"/>
+                </a:schemeClr>
+              </a:solidFill>
+            </a:endParaRPr>
+          </a:p>
+        </p:txBody>
+      </p:sp>
+      <p:sp>
+        <p:nvSpPr>
+          <p:cNvPr id="3" name="Rectangle 2"/>
+          <p:cNvSpPr/>
+          <p:nvPr/>
+        </p:nvSpPr>
+        <p:spPr>
+          <a:xfrm>
+            <a:off x="467544" y="980728"/>
+            <a:ext cx="6828985" cy="769441"/>
+          </a:xfrm>
+          <a:prstGeom prst="rect">
+            <a:avLst/>
+          </a:prstGeom>
+        </p:spPr>
+        <p:txBody>
+          <a:bodyPr wrap="none">
+            <a:spAutoFit/>
+          </a:bodyPr>
+          <a:lstStyle/>
+          <a:p>
+            <a:r>
+              <a:rPr lang="en-US" sz="4400" dirty="0">
+                <a:solidFill>
+                  <a:schemeClr val="accent1">
+                    <a:lumMod val="75000"/>
+                  </a:schemeClr>
+                </a:solidFill>
+              </a:rPr>
+              <a:t>What is Enterprise Storage?</a:t>
+            </a:r>
+          </a:p>
+        </p:txBody>
+      </p:sp>
+      <p:sp>
+        <p:nvSpPr>
+          <p:cNvPr id="4" name="Rectangle 3"/>
+          <p:cNvSpPr/>
+          <p:nvPr/>
+        </p:nvSpPr>
+        <p:spPr>
+          <a:xfrm>
+            <a:off x="827584" y="2513883"/>
+            <a:ext cx="7076628" cy="2308324"/>
+          </a:xfrm>
+          <a:prstGeom prst="rect">
+            <a:avLst/>
+          </a:prstGeom>
+        </p:spPr>
+        <p:txBody>
+          <a:bodyPr wrap="square">
+            <a:spAutoFit/>
+          </a:bodyPr>
+          <a:lstStyle/>
+          <a:p>
+            <a:r>
+              <a:rPr lang="en-GB" sz="3600" dirty="0">
+                <a:solidFill>
+                  <a:schemeClr val="accent6">
+                    <a:lumMod val="50000"/>
+                  </a:schemeClr>
+                </a:solidFill>
+              </a:rPr>
+              <a:t>Enterprise storage means the data storage system which is used for storing, manipulating, backing up data of an enterprise</a:t>
+            </a:r>
+            <a:endParaRPr lang="en-US" sz="3600" dirty="0">
+              <a:solidFill>
+                <a:schemeClr val="accent6">
+                  <a:lumMod val="50000"/>
+                </a:schemeClr>
+              </a:solidFill>
+            </a:endParaRPr>
+          </a:p>
+        </p:txBody>
+      </p:sp>
+    </p:spTree>
+    <p:extLst>
+      <p:ext uri="{BB962C8B-B14F-4D97-AF65-F5344CB8AC3E}">
+        <p14:creationId xmlns:p14="http://schemas.microsoft.com/office/powerpoint/2010/main" val="4292339415"/>
+      </p:ext>
+    </p:extLst>
+  </p:cSld>
+  <p:clrMapOvr>
+    <a:masterClrMapping/>
+  </p:clrMapOvr>
+  <p:transition spd="slow">
+    <p:randomBar dir="vert"/>
+  </p:transition>
+</p:sld>
+</file>
+
+<file path=ppt/slides/slide5.xml><?xml version="1.0" encoding="utf-8"?>
+<p:sld xmlns:a="http://schemas.openxmlformats.org/drawingml/2006/main" xmlns:r="http://schemas.openxmlformats.org/officeDocument/2006/relationships" xmlns:p="http://schemas.openxmlformats.org/presentationml/2006/main">
+  <p:cSld>
+    <p:spTree>
+      <p:nvGrpSpPr>
+        <p:cNvPr id="1" name=""/>
+        <p:cNvGrpSpPr/>
+        <p:nvPr/>
+      </p:nvGrpSpPr>
+      <p:grpSpPr>
+        <a:xfrm>
+          <a:off x="0" y="0"/>
+          <a:ext cx="0" cy="0"/>
+          <a:chOff x="0" y="0"/>
+          <a:chExt cx="0" cy="0"/>
+        </a:xfrm>
+      </p:grpSpPr>
+      <p:sp>
+        <p:nvSpPr>
+          <p:cNvPr id="2" name="Rectangle 1"/>
+          <p:cNvSpPr/>
+          <p:nvPr/>
+        </p:nvSpPr>
+        <p:spPr>
+          <a:xfrm>
+            <a:off x="574515" y="1289747"/>
+            <a:ext cx="8643211" cy="34298"/>
+          </a:xfrm>
+          <a:prstGeom prst="rect">
+            <a:avLst/>
+          </a:prstGeom>
+        </p:spPr>
+        <p:style>
+          <a:lnRef idx="1">
+            <a:schemeClr val="accent1"/>
+          </a:lnRef>
+          <a:fillRef idx="3">
+            <a:schemeClr val="accent1"/>
+          </a:fillRef>
+          <a:effectRef idx="2">
+            <a:schemeClr val="accent1"/>
+          </a:effectRef>
+          <a:fontRef idx="minor">
+            <a:schemeClr val="lt1"/>
+          </a:fontRef>
+        </p:style>
+        <p:txBody>
+          <a:bodyPr rtlCol="0" anchor="ctr"/>
+          <a:lstStyle/>
+          <a:p>
+            <a:pPr algn="ctr"/>
+            <a:endParaRPr lang="en-US" sz="1350">
+              <a:solidFill>
+                <a:schemeClr val="tx1">
+                  <a:lumMod val="65000"/>
+                  <a:lumOff val="35000"/>
+                </a:schemeClr>
+              </a:solidFill>
+            </a:endParaRPr>
+          </a:p>
+        </p:txBody>
+      </p:sp>
+      <p:sp>
+        <p:nvSpPr>
+          <p:cNvPr id="3" name="Rectangle 2"/>
+          <p:cNvSpPr/>
+          <p:nvPr/>
+        </p:nvSpPr>
+        <p:spPr>
+          <a:xfrm>
+            <a:off x="525459" y="548680"/>
+            <a:ext cx="4605556" cy="707886"/>
+          </a:xfrm>
+          <a:prstGeom prst="rect">
+            <a:avLst/>
+          </a:prstGeom>
+        </p:spPr>
+        <p:txBody>
+          <a:bodyPr wrap="none">
+            <a:spAutoFit/>
+          </a:bodyPr>
+          <a:lstStyle/>
+          <a:p>
+            <a:r>
+              <a:rPr lang="en-US" sz="4000" dirty="0">
+                <a:solidFill>
+                  <a:schemeClr val="accent1">
+                    <a:lumMod val="75000"/>
+                  </a:schemeClr>
+                </a:solidFill>
+              </a:rPr>
+              <a:t>Why is it important?</a:t>
+            </a:r>
+          </a:p>
+        </p:txBody>
+      </p:sp>
+      <p:sp>
+        <p:nvSpPr>
+          <p:cNvPr id="4" name="Rectangle 3"/>
+          <p:cNvSpPr/>
+          <p:nvPr/>
+        </p:nvSpPr>
+        <p:spPr>
+          <a:xfrm>
+            <a:off x="2483768" y="2030860"/>
+            <a:ext cx="4104456" cy="584775"/>
+          </a:xfrm>
+          <a:prstGeom prst="rect">
+            <a:avLst/>
+          </a:prstGeom>
+        </p:spPr>
+        <p:txBody>
+          <a:bodyPr wrap="square">
+            <a:spAutoFit/>
+          </a:bodyPr>
+          <a:lstStyle/>
+          <a:p>
+            <a:r>
+              <a:rPr lang="en-US" sz="3200" b="1" dirty="0">
+                <a:solidFill>
+                  <a:schemeClr val="accent6">
+                    <a:lumMod val="50000"/>
+                  </a:schemeClr>
+                </a:solidFill>
+                <a:latin typeface="Adobe Kaiti Std R" panose="02020400000000000000" pitchFamily="18" charset="-128"/>
+                <a:ea typeface="Adobe Kaiti Std R" panose="02020400000000000000" pitchFamily="18" charset="-128"/>
+              </a:rPr>
+              <a:t>Secure data storage</a:t>
+            </a:r>
+          </a:p>
+        </p:txBody>
+      </p:sp>
+      <p:pic>
+        <p:nvPicPr>
+          <p:cNvPr id="5" name="Picture 4"/>
+          <p:cNvPicPr>
+            <a:picLocks noChangeAspect="1"/>
+          </p:cNvPicPr>
+          <p:nvPr/>
+        </p:nvPicPr>
+        <p:blipFill>
+          <a:blip r:embed="rId2">
+            <a:extLst>
+              <a:ext uri="{28A0092B-C50C-407E-A947-70E740481C1C}">
+                <a14:useLocalDpi xmlns:a14="http://schemas.microsoft.com/office/drawing/2010/main" val="0"/>
+              </a:ext>
+            </a:extLst>
+          </a:blip>
+          <a:stretch>
+            <a:fillRect/>
+          </a:stretch>
+        </p:blipFill>
+        <p:spPr>
+          <a:xfrm>
+            <a:off x="1403648" y="3501008"/>
+            <a:ext cx="6084562" cy="2320959"/>
+          </a:xfrm>
+          <a:prstGeom prst="rect">
+            <a:avLst/>
+          </a:prstGeom>
+        </p:spPr>
+      </p:pic>
+    </p:spTree>
+    <p:extLst>
+      <p:ext uri="{BB962C8B-B14F-4D97-AF65-F5344CB8AC3E}">
+        <p14:creationId xmlns:p14="http://schemas.microsoft.com/office/powerpoint/2010/main" val="2284065592"/>
+      </p:ext>
+    </p:extLst>
+  </p:cSld>
+  <p:clrMapOvr>
+    <a:masterClrMapping/>
+  </p:clrMapOvr>
+  <p:transition spd="slow">
+    <p:wheel spokes="1"/>
+  </p:transition>
+  <p:timing>
+    <p:tnLst>
+      <p:par>
+        <p:cTn id="1" dur="indefinite" restart="never" nodeType="tmRoot">
+          <p:childTnLst>
+            <p:seq concurrent="1" nextAc="seek">
+              <p:cTn id="2" dur="indefinite" nodeType="mainSeq">
+                <p:childTnLst>
+                  <p:par>
+                    <p:cTn id="3" fill="hold">
+                      <p:stCondLst>
+                        <p:cond delay="indefinite"/>
+                        <p:cond evt="onBegin" delay="0">
+                          <p:tn val="2"/>
+                        </p:cond>
+                      </p:stCondLst>
+                      <p:childTnLst>
+                        <p:par>
+                          <p:cTn id="4" fill="hold">
+                            <p:stCondLst>
+                              <p:cond delay="0"/>
+                            </p:stCondLst>
+                            <p:childTnLst>
+                              <p:par>
+                                <p:cTn id="5" presetID="6" presetClass="emph" presetSubtype="0" fill="hold" grpId="0" nodeType="afterEffect">
+                                  <p:stCondLst>
+                                    <p:cond delay="0"/>
+                                  </p:stCondLst>
+                                  <p:childTnLst>
+                                    <p:animScale>
+                                      <p:cBhvr>
+                                        <p:cTn id="6" dur="2000" fill="hold"/>
+                                        <p:tgtEl>
+                                          <p:spTgt spid="4"/>
+                                        </p:tgtEl>
+                                      </p:cBhvr>
+                                      <p:by x="150000" y="150000"/>
+                                    </p:animScale>
+                                  </p:childTnLst>
+                                </p:cTn>
+                              </p:par>
+                            </p:childTnLst>
+                          </p:cTn>
+                        </p:par>
+                      </p:childTnLst>
+                    </p:cTn>
+                  </p:par>
+                </p:childTnLst>
+              </p:cTn>
+              <p:prevCondLst>
+                <p:cond evt="onPrev" delay="0">
+                  <p:tgtEl>
+                    <p:sldTgt/>
+                  </p:tgtEl>
+                </p:cond>
+              </p:prevCondLst>
+              <p:nextCondLst>
+                <p:cond evt="onNext" delay="0">
+                  <p:tgtEl>
+                    <p:sldTgt/>
+                  </p:tgtEl>
+                </p:cond>
+              </p:nextCondLst>
+            </p:seq>
+          </p:childTnLst>
+        </p:cTn>
+      </p:par>
+    </p:tnLst>
+    <p:bldLst>
+      <p:bldP spid="4" grpId="0"/>
+    </p:bldLst>
+  </p:timing>
+</p:sld>
+</file>
+
+<file path=ppt/slides/slide6.xml><?xml version="1.0" encoding="utf-8"?>
+<p:sld xmlns:a="http://schemas.openxmlformats.org/drawingml/2006/main" xmlns:r="http://schemas.openxmlformats.org/officeDocument/2006/relationships" xmlns:p="http://schemas.openxmlformats.org/presentationml/2006/main">
+  <p:cSld>
+    <p:spTree>
+      <p:nvGrpSpPr>
+        <p:cNvPr id="1" name=""/>
+        <p:cNvGrpSpPr/>
+        <p:nvPr/>
+      </p:nvGrpSpPr>
+      <p:grpSpPr>
+        <a:xfrm>
+          <a:off x="0" y="0"/>
+          <a:ext cx="0" cy="0"/>
+          <a:chOff x="0" y="0"/>
+          <a:chExt cx="0" cy="0"/>
+        </a:xfrm>
+      </p:grpSpPr>
+      <p:sp>
+        <p:nvSpPr>
+          <p:cNvPr id="4" name="Rectangle 3"/>
+          <p:cNvSpPr/>
+          <p:nvPr/>
+        </p:nvSpPr>
+        <p:spPr>
+          <a:xfrm>
+            <a:off x="3004728" y="1836113"/>
+            <a:ext cx="2918520" cy="584775"/>
+          </a:xfrm>
+          <a:prstGeom prst="rect">
+            <a:avLst/>
+          </a:prstGeom>
+        </p:spPr>
+        <p:txBody>
+          <a:bodyPr wrap="square">
+            <a:spAutoFit/>
+          </a:bodyPr>
+          <a:lstStyle/>
+          <a:p>
+            <a:r>
+              <a:rPr lang="en-US" sz="3200" b="1" dirty="0">
+                <a:solidFill>
+                  <a:schemeClr val="accent6">
+                    <a:lumMod val="50000"/>
+                  </a:schemeClr>
+                </a:solidFill>
+                <a:latin typeface="Adobe Kaiti Std R" panose="02020400000000000000" pitchFamily="18" charset="-128"/>
+                <a:ea typeface="Adobe Kaiti Std R" panose="02020400000000000000" pitchFamily="18" charset="-128"/>
+              </a:rPr>
+              <a:t>Ease of access</a:t>
+            </a:r>
+          </a:p>
+        </p:txBody>
+      </p:sp>
+      <p:pic>
+        <p:nvPicPr>
+          <p:cNvPr id="6" name="Picture 5"/>
+          <p:cNvPicPr>
+            <a:picLocks noChangeAspect="1"/>
+          </p:cNvPicPr>
+          <p:nvPr/>
+        </p:nvPicPr>
+        <p:blipFill>
+          <a:blip r:embed="rId2">
+            <a:extLst>
+              <a:ext uri="{28A0092B-C50C-407E-A947-70E740481C1C}">
+                <a14:useLocalDpi xmlns:a14="http://schemas.microsoft.com/office/drawing/2010/main" val="0"/>
+              </a:ext>
+            </a:extLst>
+          </a:blip>
+          <a:stretch>
+            <a:fillRect/>
+          </a:stretch>
+        </p:blipFill>
+        <p:spPr>
+          <a:xfrm>
+            <a:off x="2483768" y="3356992"/>
+            <a:ext cx="3960440" cy="2849057"/>
+          </a:xfrm>
+          <a:prstGeom prst="rect">
+            <a:avLst/>
+          </a:prstGeom>
+        </p:spPr>
+      </p:pic>
+      <p:sp>
+        <p:nvSpPr>
+          <p:cNvPr id="7" name="Rectangle 6"/>
+          <p:cNvSpPr/>
+          <p:nvPr/>
+        </p:nvSpPr>
+        <p:spPr>
+          <a:xfrm>
+            <a:off x="574515" y="1289747"/>
+            <a:ext cx="8643211" cy="34298"/>
+          </a:xfrm>
+          <a:prstGeom prst="rect">
+            <a:avLst/>
+          </a:prstGeom>
+        </p:spPr>
+        <p:style>
+          <a:lnRef idx="1">
+            <a:schemeClr val="accent1"/>
+          </a:lnRef>
+          <a:fillRef idx="3">
+            <a:schemeClr val="accent1"/>
+          </a:fillRef>
+          <a:effectRef idx="2">
+            <a:schemeClr val="accent1"/>
+          </a:effectRef>
+          <a:fontRef idx="minor">
+            <a:schemeClr val="lt1"/>
+          </a:fontRef>
+        </p:style>
+        <p:txBody>
+          <a:bodyPr rtlCol="0" anchor="ctr"/>
+          <a:lstStyle/>
+          <a:p>
+            <a:pPr algn="ctr"/>
+            <a:endParaRPr lang="en-US" sz="1350">
+              <a:solidFill>
+                <a:schemeClr val="tx1">
+                  <a:lumMod val="65000"/>
+                  <a:lumOff val="35000"/>
+                </a:schemeClr>
+              </a:solidFill>
+            </a:endParaRPr>
+          </a:p>
+        </p:txBody>
+      </p:sp>
+      <p:sp>
+        <p:nvSpPr>
+          <p:cNvPr id="8" name="Rectangle 7"/>
+          <p:cNvSpPr/>
+          <p:nvPr/>
+        </p:nvSpPr>
+        <p:spPr>
+          <a:xfrm>
+            <a:off x="525459" y="548680"/>
+            <a:ext cx="4605556" cy="707886"/>
+          </a:xfrm>
+          <a:prstGeom prst="rect">
+            <a:avLst/>
+          </a:prstGeom>
+        </p:spPr>
+        <p:txBody>
+          <a:bodyPr wrap="none">
+            <a:spAutoFit/>
+          </a:bodyPr>
+          <a:lstStyle/>
+          <a:p>
+            <a:r>
+              <a:rPr lang="en-US" sz="4000" dirty="0">
+                <a:solidFill>
+                  <a:schemeClr val="accent1">
+                    <a:lumMod val="75000"/>
+                  </a:schemeClr>
+                </a:solidFill>
+              </a:rPr>
+              <a:t>Why is it important?</a:t>
+            </a:r>
+          </a:p>
+        </p:txBody>
+      </p:sp>
+    </p:spTree>
+    <p:extLst>
+      <p:ext uri="{BB962C8B-B14F-4D97-AF65-F5344CB8AC3E}">
+        <p14:creationId xmlns:p14="http://schemas.microsoft.com/office/powerpoint/2010/main" val="1303484"/>
+      </p:ext>
+    </p:extLst>
+  </p:cSld>
+  <p:clrMapOvr>
+    <a:masterClrMapping/>
+  </p:clrMapOvr>
+  <mc:AlternateContent xmlns:mc="http://schemas.openxmlformats.org/markup-compatibility/2006" xmlns:p14="http://schemas.microsoft.com/office/powerpoint/2010/main">
+    <mc:Choice Requires="p14">
+      <p:transition spd="slow" p14:dur="1500">
+        <p:split orient="vert"/>
+      </p:transition>
+    </mc:Choice>
+    <mc:Fallback xmlns="">
+      <p:transition spd="slow">
+        <p:split orient="vert"/>
+      </p:transition>
+    </mc:Fallback>
+  </mc:AlternateContent>
+  <p:timing>
+    <p:tnLst>
+      <p:par>
+        <p:cTn id="1" dur="indefinite" restart="never" nodeType="tmRoot">
+          <p:childTnLst>
+            <p:seq concurrent="1" nextAc="seek">
+              <p:cTn id="2" dur="indefinite" nodeType="mainSeq">
+                <p:childTnLst>
+                  <p:par>
+                    <p:cTn id="3" fill="hold">
+                      <p:stCondLst>
+                        <p:cond delay="indefinite"/>
+                        <p:cond evt="onBegin" delay="0">
+                          <p:tn val="2"/>
+                        </p:cond>
+                      </p:stCondLst>
+                      <p:childTnLst>
+                        <p:par>
+                          <p:cTn id="4" fill="hold">
+                            <p:stCondLst>
+                              <p:cond delay="0"/>
+                            </p:stCondLst>
+                            <p:childTnLst>
+                              <p:par>
+                                <p:cTn id="5" presetID="6" presetClass="emph" presetSubtype="0" fill="hold" grpId="0" nodeType="afterEffect">
+                                  <p:stCondLst>
+                                    <p:cond delay="0"/>
+                                  </p:stCondLst>
+                                  <p:childTnLst>
+                                    <p:animScale>
+                                      <p:cBhvr>
+                                        <p:cTn id="6" dur="2000" fill="hold"/>
+                                        <p:tgtEl>
+                                          <p:spTgt spid="4"/>
+                                        </p:tgtEl>
+                                      </p:cBhvr>
+                                      <p:by x="150000" y="150000"/>
+                                    </p:animScale>
+                                  </p:childTnLst>
+                                </p:cTn>
+                              </p:par>
+                            </p:childTnLst>
+                          </p:cTn>
+                        </p:par>
+                      </p:childTnLst>
+                    </p:cTn>
+                  </p:par>
+                </p:childTnLst>
+              </p:cTn>
+              <p:prevCondLst>
+                <p:cond evt="onPrev" delay="0">
+                  <p:tgtEl>
+                    <p:sldTgt/>
+                  </p:tgtEl>
+                </p:cond>
+              </p:prevCondLst>
+              <p:nextCondLst>
+                <p:cond evt="onNext" delay="0">
+                  <p:tgtEl>
+                    <p:sldTgt/>
+                  </p:tgtEl>
+                </p:cond>
+              </p:nextCondLst>
+            </p:seq>
+          </p:childTnLst>
+        </p:cTn>
+      </p:par>
+    </p:tnLst>
+    <p:bldLst>
+      <p:bldP spid="4" grpId="0"/>
+    </p:bldLst>
+  </p:timing>
+</p:sld>
+</file>
+
+<file path=ppt/slides/slide7.xml><?xml version="1.0" encoding="utf-8"?>
+<p:sld xmlns:a="http://schemas.openxmlformats.org/drawingml/2006/main" xmlns:r="http://schemas.openxmlformats.org/officeDocument/2006/relationships" xmlns:p="http://schemas.openxmlformats.org/presentationml/2006/main">
+  <p:cSld>
+    <p:spTree>
+      <p:nvGrpSpPr>
+        <p:cNvPr id="1" name=""/>
+        <p:cNvGrpSpPr/>
+        <p:nvPr/>
+      </p:nvGrpSpPr>
+      <p:grpSpPr>
+        <a:xfrm>
+          <a:off x="0" y="0"/>
+          <a:ext cx="0" cy="0"/>
+          <a:chOff x="0" y="0"/>
+          <a:chExt cx="0" cy="0"/>
+        </a:xfrm>
+      </p:grpSpPr>
+      <p:sp>
+        <p:nvSpPr>
+          <p:cNvPr id="4" name="Rectangle 3"/>
+          <p:cNvSpPr/>
+          <p:nvPr/>
+        </p:nvSpPr>
+        <p:spPr>
+          <a:xfrm>
+            <a:off x="2555776" y="1892603"/>
+            <a:ext cx="3816424" cy="600293"/>
+          </a:xfrm>
+          <a:prstGeom prst="rect">
+            <a:avLst/>
+          </a:prstGeom>
+        </p:spPr>
+        <p:txBody>
+          <a:bodyPr wrap="square">
+            <a:spAutoFit/>
+          </a:bodyPr>
+          <a:lstStyle/>
+          <a:p>
+            <a:r>
+              <a:rPr lang="en-US" sz="3200" b="1" dirty="0">
+                <a:solidFill>
+                  <a:schemeClr val="accent6">
+                    <a:lumMod val="50000"/>
+                  </a:schemeClr>
+                </a:solidFill>
+                <a:latin typeface="Adobe Kaiti Std R" panose="02020400000000000000" pitchFamily="18" charset="-128"/>
+                <a:ea typeface="Adobe Kaiti Std R" panose="02020400000000000000" pitchFamily="18" charset="-128"/>
+              </a:rPr>
+              <a:t>Always availability</a:t>
+            </a:r>
+          </a:p>
+        </p:txBody>
+      </p:sp>
+      <p:pic>
+        <p:nvPicPr>
+          <p:cNvPr id="6" name="Picture 5"/>
+          <p:cNvPicPr>
+            <a:picLocks noChangeAspect="1"/>
+          </p:cNvPicPr>
+          <p:nvPr/>
+        </p:nvPicPr>
+        <p:blipFill>
+          <a:blip r:embed="rId2">
+            <a:extLst>
+              <a:ext uri="{28A0092B-C50C-407E-A947-70E740481C1C}">
+                <a14:useLocalDpi xmlns:a14="http://schemas.microsoft.com/office/drawing/2010/main" val="0"/>
+              </a:ext>
+            </a:extLst>
+          </a:blip>
+          <a:stretch>
+            <a:fillRect/>
+          </a:stretch>
+        </p:blipFill>
+        <p:spPr>
+          <a:xfrm>
+            <a:off x="2016434" y="3429000"/>
+            <a:ext cx="5183140" cy="2358328"/>
+          </a:xfrm>
+          <a:prstGeom prst="rect">
+            <a:avLst/>
+          </a:prstGeom>
+        </p:spPr>
+      </p:pic>
+      <p:sp>
+        <p:nvSpPr>
+          <p:cNvPr id="9" name="Rectangle 8"/>
+          <p:cNvSpPr/>
+          <p:nvPr/>
+        </p:nvSpPr>
+        <p:spPr>
+          <a:xfrm>
+            <a:off x="574515" y="1289747"/>
+            <a:ext cx="8643211" cy="34298"/>
+          </a:xfrm>
+          <a:prstGeom prst="rect">
+            <a:avLst/>
+          </a:prstGeom>
+        </p:spPr>
+        <p:style>
+          <a:lnRef idx="1">
+            <a:schemeClr val="accent1"/>
+          </a:lnRef>
+          <a:fillRef idx="3">
+            <a:schemeClr val="accent1"/>
+          </a:fillRef>
+          <a:effectRef idx="2">
+            <a:schemeClr val="accent1"/>
+          </a:effectRef>
+          <a:fontRef idx="minor">
+            <a:schemeClr val="lt1"/>
+          </a:fontRef>
+        </p:style>
+        <p:txBody>
+          <a:bodyPr rtlCol="0" anchor="ctr"/>
+          <a:lstStyle/>
+          <a:p>
+            <a:pPr algn="ctr"/>
+            <a:endParaRPr lang="en-US" sz="1350">
+              <a:solidFill>
+                <a:schemeClr val="tx1">
+                  <a:lumMod val="65000"/>
+                  <a:lumOff val="35000"/>
+                </a:schemeClr>
+              </a:solidFill>
+            </a:endParaRPr>
+          </a:p>
+        </p:txBody>
+      </p:sp>
+      <p:sp>
+        <p:nvSpPr>
+          <p:cNvPr id="10" name="Rectangle 9"/>
+          <p:cNvSpPr/>
+          <p:nvPr/>
+        </p:nvSpPr>
+        <p:spPr>
+          <a:xfrm>
+            <a:off x="525459" y="548680"/>
+            <a:ext cx="4605556" cy="707886"/>
+          </a:xfrm>
+          <a:prstGeom prst="rect">
+            <a:avLst/>
+          </a:prstGeom>
+        </p:spPr>
+        <p:txBody>
+          <a:bodyPr wrap="none">
+            <a:spAutoFit/>
+          </a:bodyPr>
+          <a:lstStyle/>
+          <a:p>
+            <a:r>
+              <a:rPr lang="en-US" sz="4000" dirty="0">
+                <a:solidFill>
+                  <a:schemeClr val="accent1">
+                    <a:lumMod val="75000"/>
+                  </a:schemeClr>
+                </a:solidFill>
+              </a:rPr>
+              <a:t>Why is it important?</a:t>
+            </a:r>
+          </a:p>
+        </p:txBody>
+      </p:sp>
+    </p:spTree>
+    <p:extLst>
+      <p:ext uri="{BB962C8B-B14F-4D97-AF65-F5344CB8AC3E}">
+        <p14:creationId xmlns:p14="http://schemas.microsoft.com/office/powerpoint/2010/main" val="1856229167"/>
+      </p:ext>
+    </p:extLst>
+  </p:cSld>
+  <p:clrMapOvr>
+    <a:masterClrMapping/>
+  </p:clrMapOvr>
+  <mc:AlternateContent xmlns:mc="http://schemas.openxmlformats.org/markup-compatibility/2006" xmlns:p14="http://schemas.microsoft.com/office/powerpoint/2010/main">
+    <mc:Choice Requires="p14">
+      <p:transition spd="slow" p14:dur="1200">
+        <p:dissolve/>
+      </p:transition>
+    </mc:Choice>
+    <mc:Fallback xmlns="">
+      <p:transition spd="slow">
+        <p:dissolve/>
+      </p:transition>
+    </mc:Fallback>
+  </mc:AlternateContent>
+  <p:timing>
+    <p:tnLst>
+      <p:par>
+        <p:cTn id="1" dur="indefinite" restart="never" nodeType="tmRoot">
+          <p:childTnLst>
+            <p:seq concurrent="1" nextAc="seek">
+              <p:cTn id="2" dur="indefinite" nodeType="mainSeq">
+                <p:childTnLst>
+                  <p:par>
+                    <p:cTn id="3" fill="hold">
+                      <p:stCondLst>
+                        <p:cond delay="indefinite"/>
+                        <p:cond evt="onBegin" delay="0">
+                          <p:tn val="2"/>
+                        </p:cond>
+                      </p:stCondLst>
+                      <p:childTnLst>
+                        <p:par>
+                          <p:cTn id="4" fill="hold">
+                            <p:stCondLst>
+                              <p:cond delay="0"/>
+                            </p:stCondLst>
+                            <p:childTnLst>
+                              <p:par>
+                                <p:cTn id="5" presetID="6" presetClass="emph" presetSubtype="0" fill="hold" grpId="0" nodeType="afterEffect">
+                                  <p:stCondLst>
+                                    <p:cond delay="0"/>
+                                  </p:stCondLst>
+                                  <p:childTnLst>
+                                    <p:animScale>
+                                      <p:cBhvr>
+                                        <p:cTn id="6" dur="2000" fill="hold"/>
+                                        <p:tgtEl>
+                                          <p:spTgt spid="4"/>
+                                        </p:tgtEl>
+                                      </p:cBhvr>
+                                      <p:by x="150000" y="150000"/>
+                                    </p:animScale>
+                                  </p:childTnLst>
+                                </p:cTn>
+                              </p:par>
+                            </p:childTnLst>
+                          </p:cTn>
+                        </p:par>
+                      </p:childTnLst>
+                    </p:cTn>
+                  </p:par>
+                </p:childTnLst>
+              </p:cTn>
+              <p:prevCondLst>
+                <p:cond evt="onPrev" delay="0">
+                  <p:tgtEl>
+                    <p:sldTgt/>
+                  </p:tgtEl>
+                </p:cond>
+              </p:prevCondLst>
+              <p:nextCondLst>
+                <p:cond evt="onNext" delay="0">
+                  <p:tgtEl>
+                    <p:sldTgt/>
+                  </p:tgtEl>
+                </p:cond>
+              </p:nextCondLst>
+            </p:seq>
+          </p:childTnLst>
+        </p:cTn>
+      </p:par>
+    </p:tnLst>
+    <p:bldLst>
+      <p:bldP spid="4" grpId="0"/>
+    </p:bldLst>
+  </p:timing>
+</p:sld>
+</file>
+
+<file path=ppt/slides/slide8.xml><?xml version="1.0" encoding="utf-8"?>
+<p:sld xmlns:a="http://schemas.openxmlformats.org/drawingml/2006/main" xmlns:r="http://schemas.openxmlformats.org/officeDocument/2006/relationships" xmlns:p="http://schemas.openxmlformats.org/presentationml/2006/main">
+  <p:cSld>
+    <p:spTree>
+      <p:nvGrpSpPr>
+        <p:cNvPr id="1" name=""/>
+        <p:cNvGrpSpPr/>
+        <p:nvPr/>
+      </p:nvGrpSpPr>
+      <p:grpSpPr>
+        <a:xfrm>
+          <a:off x="0" y="0"/>
+          <a:ext cx="0" cy="0"/>
+          <a:chOff x="0" y="0"/>
+          <a:chExt cx="0" cy="0"/>
+        </a:xfrm>
+      </p:grpSpPr>
+      <p:sp>
+        <p:nvSpPr>
+          <p:cNvPr id="4" name="Rectangle 3"/>
+          <p:cNvSpPr/>
+          <p:nvPr/>
+        </p:nvSpPr>
+        <p:spPr>
+          <a:xfrm>
+            <a:off x="2555776" y="1916832"/>
+            <a:ext cx="3672408" cy="600293"/>
+          </a:xfrm>
+          <a:prstGeom prst="rect">
+            <a:avLst/>
+          </a:prstGeom>
+          <a:noFill/>
+          <a:ln>
+            <a:noFill/>
+          </a:ln>
+        </p:spPr>
+        <p:style>
+          <a:lnRef idx="1">
+            <a:schemeClr val="accent1"/>
+          </a:lnRef>
+          <a:fillRef idx="2">
+            <a:schemeClr val="accent1"/>
+          </a:fillRef>
+          <a:effectRef idx="1">
+            <a:schemeClr val="accent1"/>
+          </a:effectRef>
+          <a:fontRef idx="minor">
+            <a:schemeClr val="dk1"/>
+          </a:fontRef>
+        </p:style>
+        <p:txBody>
+          <a:bodyPr wrap="square">
+            <a:spAutoFit/>
+          </a:bodyPr>
+          <a:lstStyle/>
+          <a:p>
+            <a:r>
+              <a:rPr lang="en-US" sz="3200" b="1" dirty="0">
+                <a:solidFill>
+                  <a:schemeClr val="accent6">
+                    <a:lumMod val="50000"/>
+                  </a:schemeClr>
+                </a:solidFill>
+                <a:latin typeface="Adobe Kaiti Std R" panose="02020400000000000000" pitchFamily="18" charset="-128"/>
+                <a:ea typeface="Adobe Kaiti Std R" panose="02020400000000000000" pitchFamily="18" charset="-128"/>
+              </a:rPr>
+              <a:t>Saves your money</a:t>
+            </a:r>
+          </a:p>
+        </p:txBody>
+      </p:sp>
+      <p:sp>
+        <p:nvSpPr>
+          <p:cNvPr id="5" name="Rectangle 4"/>
+          <p:cNvSpPr/>
+          <p:nvPr/>
+        </p:nvSpPr>
+        <p:spPr>
+          <a:xfrm>
+            <a:off x="574515" y="1289747"/>
+            <a:ext cx="8643211" cy="34298"/>
+          </a:xfrm>
+          <a:prstGeom prst="rect">
+            <a:avLst/>
+          </a:prstGeom>
+        </p:spPr>
+        <p:style>
+          <a:lnRef idx="1">
+            <a:schemeClr val="accent1"/>
+          </a:lnRef>
+          <a:fillRef idx="3">
+            <a:schemeClr val="accent1"/>
+          </a:fillRef>
+          <a:effectRef idx="2">
+            <a:schemeClr val="accent1"/>
+          </a:effectRef>
+          <a:fontRef idx="minor">
+            <a:schemeClr val="lt1"/>
+          </a:fontRef>
+        </p:style>
+        <p:txBody>
+          <a:bodyPr rtlCol="0" anchor="ctr"/>
+          <a:lstStyle/>
+          <a:p>
+            <a:pPr algn="ctr"/>
+            <a:endParaRPr lang="en-US" sz="1350">
+              <a:solidFill>
+                <a:schemeClr val="tx1">
+                  <a:lumMod val="65000"/>
+                  <a:lumOff val="35000"/>
+                </a:schemeClr>
+              </a:solidFill>
+            </a:endParaRPr>
+          </a:p>
+        </p:txBody>
+      </p:sp>
+      <p:sp>
+        <p:nvSpPr>
+          <p:cNvPr id="6" name="Rectangle 5"/>
+          <p:cNvSpPr/>
+          <p:nvPr/>
+        </p:nvSpPr>
+        <p:spPr>
+          <a:xfrm>
+            <a:off x="525459" y="548680"/>
+            <a:ext cx="4605556" cy="707886"/>
+          </a:xfrm>
+          <a:prstGeom prst="rect">
+            <a:avLst/>
+          </a:prstGeom>
+        </p:spPr>
+        <p:txBody>
+          <a:bodyPr wrap="none">
+            <a:spAutoFit/>
+          </a:bodyPr>
+          <a:lstStyle/>
+          <a:p>
+            <a:r>
+              <a:rPr lang="en-US" sz="4000" dirty="0">
+                <a:solidFill>
+                  <a:schemeClr val="accent1">
+                    <a:lumMod val="75000"/>
+                  </a:schemeClr>
+                </a:solidFill>
+              </a:rPr>
+              <a:t>Why is it important?</a:t>
+            </a:r>
+          </a:p>
+        </p:txBody>
+      </p:sp>
+      <p:pic>
+        <p:nvPicPr>
+          <p:cNvPr id="10" name="Picture 9"/>
+          <p:cNvPicPr>
+            <a:picLocks noChangeAspect="1"/>
+          </p:cNvPicPr>
+          <p:nvPr/>
+        </p:nvPicPr>
+        <p:blipFill>
+          <a:blip r:embed="rId2">
+            <a:extLst>
+              <a:ext uri="{28A0092B-C50C-407E-A947-70E740481C1C}">
+                <a14:useLocalDpi xmlns:a14="http://schemas.microsoft.com/office/drawing/2010/main" val="0"/>
+              </a:ext>
+            </a:extLst>
+          </a:blip>
+          <a:stretch>
+            <a:fillRect/>
+          </a:stretch>
+        </p:blipFill>
+        <p:spPr>
+          <a:xfrm>
+            <a:off x="3037520" y="3573016"/>
+            <a:ext cx="2708920" cy="2708920"/>
+          </a:xfrm>
+          <a:prstGeom prst="rect">
+            <a:avLst/>
+          </a:prstGeom>
+        </p:spPr>
+      </p:pic>
+    </p:spTree>
+    <p:extLst>
+      <p:ext uri="{BB962C8B-B14F-4D97-AF65-F5344CB8AC3E}">
+        <p14:creationId xmlns:p14="http://schemas.microsoft.com/office/powerpoint/2010/main" val="4228850073"/>
+      </p:ext>
+    </p:extLst>
+  </p:cSld>
+  <p:clrMapOvr>
+    <a:masterClrMapping/>
+  </p:clrMapOvr>
+  <p:transition spd="slow">
+    <p:wheel spokes="1"/>
+  </p:transition>
+  <p:timing>
+    <p:tnLst>
+      <p:par>
+        <p:cTn id="1" dur="indefinite" restart="never" nodeType="tmRoot">
+          <p:childTnLst>
+            <p:seq concurrent="1" nextAc="seek">
+              <p:cTn id="2" dur="indefinite" nodeType="mainSeq">
+                <p:childTnLst>
+                  <p:par>
+                    <p:cTn id="3" fill="hold">
+                      <p:stCondLst>
+                        <p:cond delay="indefinite"/>
+                        <p:cond evt="onBegin" delay="0">
+                          <p:tn val="2"/>
+                        </p:cond>
+                      </p:stCondLst>
+                      <p:childTnLst>
+                        <p:par>
+                          <p:cTn id="4" fill="hold">
+                            <p:stCondLst>
+                              <p:cond delay="0"/>
+                            </p:stCondLst>
+                            <p:childTnLst>
+                              <p:par>
+                                <p:cTn id="5" presetID="6" presetClass="emph" presetSubtype="0" fill="hold" grpId="0" nodeType="afterEffect">
+                                  <p:stCondLst>
+                                    <p:cond delay="0"/>
+                                  </p:stCondLst>
+                                  <p:childTnLst>
+                                    <p:animScale>
+                                      <p:cBhvr>
+                                        <p:cTn id="6" dur="2000" fill="hold"/>
+                                        <p:tgtEl>
+                                          <p:spTgt spid="4"/>
+                                        </p:tgtEl>
+                                      </p:cBhvr>
+                                      <p:by x="150000" y="150000"/>
+                                    </p:animScale>
+                                  </p:childTnLst>
+                                </p:cTn>
+                              </p:par>
+                            </p:childTnLst>
+                          </p:cTn>
+                        </p:par>
+                      </p:childTnLst>
+                    </p:cTn>
+                  </p:par>
+                </p:childTnLst>
+              </p:cTn>
+              <p:prevCondLst>
+                <p:cond evt="onPrev" delay="0">
+                  <p:tgtEl>
+                    <p:sldTgt/>
+                  </p:tgtEl>
+                </p:cond>
+              </p:prevCondLst>
+              <p:nextCondLst>
+                <p:cond evt="onNext" delay="0">
+                  <p:tgtEl>
+                    <p:sldTgt/>
+                  </p:tgtEl>
+                </p:cond>
+              </p:nextCondLst>
+            </p:seq>
+          </p:childTnLst>
+        </p:cTn>
+      </p:par>
+    </p:tnLst>
+    <p:bldLst>
+      <p:bldP spid="4" grpId="0"/>
+    </p:bldLst>
+  </p:timing>
+</p:sld>
+</file>
+
+<file path=ppt/slides/slide9.xml><?xml version="1.0" encoding="utf-8"?>
+<p:sld xmlns:a="http://schemas.openxmlformats.org/drawingml/2006/main" xmlns:r="http://schemas.openxmlformats.org/officeDocument/2006/relationships" xmlns:p="http://schemas.openxmlformats.org/presentationml/2006/main">
+  <p:cSld>
+    <p:spTree>
+      <p:nvGrpSpPr>
+        <p:cNvPr id="1" name=""/>
+        <p:cNvGrpSpPr/>
+        <p:nvPr/>
+      </p:nvGrpSpPr>
+      <p:grpSpPr>
+        <a:xfrm>
+          <a:off x="0" y="0"/>
+          <a:ext cx="0" cy="0"/>
+          <a:chOff x="0" y="0"/>
+          <a:chExt cx="0" cy="0"/>
+        </a:xfrm>
+      </p:grpSpPr>
+      <p:sp>
+        <p:nvSpPr>
           <p:cNvPr id="5" name="Rectangle 4"/>
           <p:cNvSpPr/>
           <p:nvPr/>
@@ -4828,3099 +7844,6 @@
       <p:bldP spid="7" grpId="0" animBg="1"/>
       <p:bldP spid="9" grpId="0" animBg="1"/>
       <p:bldP spid="10" grpId="0" animBg="1"/>
-    </p:bldLst>
-  </p:timing>
-</p:sld>
-</file>
-
-<file path=ppt/slides/slide11.xml><?xml version="1.0" encoding="utf-8"?>
-<p:sld xmlns:a="http://schemas.openxmlformats.org/drawingml/2006/main" xmlns:r="http://schemas.openxmlformats.org/officeDocument/2006/relationships" xmlns:p="http://schemas.openxmlformats.org/presentationml/2006/main">
-  <p:cSld>
-    <p:spTree>
-      <p:nvGrpSpPr>
-        <p:cNvPr id="1" name=""/>
-        <p:cNvGrpSpPr/>
-        <p:nvPr/>
-      </p:nvGrpSpPr>
-      <p:grpSpPr>
-        <a:xfrm>
-          <a:off x="0" y="0"/>
-          <a:ext cx="0" cy="0"/>
-          <a:chOff x="0" y="0"/>
-          <a:chExt cx="0" cy="0"/>
-        </a:xfrm>
-      </p:grpSpPr>
-      <p:sp>
-        <p:nvSpPr>
-          <p:cNvPr id="2" name="Title 1"/>
-          <p:cNvSpPr>
-            <a:spLocks noGrp="1"/>
-          </p:cNvSpPr>
-          <p:nvPr>
-            <p:ph type="title"/>
-          </p:nvPr>
-        </p:nvSpPr>
-        <p:spPr>
-          <a:xfrm>
-            <a:off x="1118080" y="944518"/>
-            <a:ext cx="6516798" cy="800308"/>
-          </a:xfrm>
-        </p:spPr>
-        <p:txBody>
-          <a:bodyPr>
-            <a:noAutofit/>
-          </a:bodyPr>
-          <a:lstStyle/>
-          <a:p>
-            <a:pPr algn="ctr"/>
-            <a:r>
-              <a:rPr lang="en-US" sz="6602" dirty="0">
-                <a:solidFill>
-                  <a:schemeClr val="accent6">
-                    <a:lumMod val="50000"/>
-                  </a:schemeClr>
-                </a:solidFill>
-              </a:rPr>
-              <a:t>DAS</a:t>
-            </a:r>
-            <a:br>
-              <a:rPr lang="en-US" sz="4051" dirty="0"/>
-            </a:br>
-            <a:r>
-              <a:rPr lang="en-US" sz="4051" dirty="0"/>
-              <a:t>Direct Attached Storage</a:t>
-            </a:r>
-          </a:p>
-        </p:txBody>
-      </p:sp>
-      <p:sp>
-        <p:nvSpPr>
-          <p:cNvPr id="3" name="Rectangle 2"/>
-          <p:cNvSpPr/>
-          <p:nvPr/>
-        </p:nvSpPr>
-        <p:spPr>
-          <a:xfrm>
-            <a:off x="1087409" y="3068960"/>
-            <a:ext cx="6912768" cy="1323439"/>
-          </a:xfrm>
-          <a:prstGeom prst="rect">
-            <a:avLst/>
-          </a:prstGeom>
-        </p:spPr>
-        <p:txBody>
-          <a:bodyPr wrap="square">
-            <a:spAutoFit/>
-          </a:bodyPr>
-          <a:lstStyle/>
-          <a:p>
-            <a:r>
-              <a:rPr lang="en-GB" sz="4000" dirty="0">
-                <a:solidFill>
-                  <a:schemeClr val="accent6">
-                    <a:lumMod val="50000"/>
-                  </a:schemeClr>
-                </a:solidFill>
-                <a:latin typeface="Calibri" panose="020F0502020204030204" pitchFamily="34" charset="0"/>
-                <a:ea typeface="Calibri" panose="020F0502020204030204" pitchFamily="34" charset="0"/>
-                <a:cs typeface="Vrinda"/>
-              </a:rPr>
-              <a:t>DAS referred to a storage that is directly attached to a server</a:t>
-            </a:r>
-            <a:endParaRPr lang="en-US" sz="4000" dirty="0">
-              <a:solidFill>
-                <a:schemeClr val="accent6">
-                  <a:lumMod val="50000"/>
-                </a:schemeClr>
-              </a:solidFill>
-            </a:endParaRPr>
-          </a:p>
-        </p:txBody>
-      </p:sp>
-      <p:sp>
-        <p:nvSpPr>
-          <p:cNvPr id="4" name="Rectangle 3"/>
-          <p:cNvSpPr/>
-          <p:nvPr/>
-        </p:nvSpPr>
-        <p:spPr>
-          <a:xfrm>
-            <a:off x="-108520" y="1871113"/>
-            <a:ext cx="9505055" cy="45719"/>
-          </a:xfrm>
-          <a:prstGeom prst="rect">
-            <a:avLst/>
-          </a:prstGeom>
-        </p:spPr>
-        <p:style>
-          <a:lnRef idx="1">
-            <a:schemeClr val="accent1"/>
-          </a:lnRef>
-          <a:fillRef idx="3">
-            <a:schemeClr val="accent1"/>
-          </a:fillRef>
-          <a:effectRef idx="2">
-            <a:schemeClr val="accent1"/>
-          </a:effectRef>
-          <a:fontRef idx="minor">
-            <a:schemeClr val="lt1"/>
-          </a:fontRef>
-        </p:style>
-        <p:txBody>
-          <a:bodyPr rtlCol="0" anchor="ctr"/>
-          <a:lstStyle/>
-          <a:p>
-            <a:pPr algn="ctr"/>
-            <a:endParaRPr lang="en-US" sz="1350">
-              <a:solidFill>
-                <a:schemeClr val="tx1">
-                  <a:lumMod val="65000"/>
-                  <a:lumOff val="35000"/>
-                </a:schemeClr>
-              </a:solidFill>
-            </a:endParaRPr>
-          </a:p>
-        </p:txBody>
-      </p:sp>
-    </p:spTree>
-    <p:extLst>
-      <p:ext uri="{BB962C8B-B14F-4D97-AF65-F5344CB8AC3E}">
-        <p14:creationId xmlns:p14="http://schemas.microsoft.com/office/powerpoint/2010/main" val="2801517849"/>
-      </p:ext>
-    </p:extLst>
-  </p:cSld>
-  <p:clrMapOvr>
-    <a:masterClrMapping/>
-  </p:clrMapOvr>
-  <mc:AlternateContent xmlns:mc="http://schemas.openxmlformats.org/markup-compatibility/2006" xmlns:p15="http://schemas.microsoft.com/office/powerpoint/2012/main">
-    <mc:Choice Requires="p15">
-      <p:transition xmlns:p14="http://schemas.microsoft.com/office/powerpoint/2010/main" spd="slow" p14:dur="1250">
-        <p15:prstTrans prst="peelOff"/>
-      </p:transition>
-    </mc:Choice>
-    <mc:Fallback xmlns="">
-      <p:transition spd="slow">
-        <p:fade/>
-      </p:transition>
-    </mc:Fallback>
-  </mc:AlternateContent>
-</p:sld>
-</file>
-
-<file path=ppt/slides/slide12.xml><?xml version="1.0" encoding="utf-8"?>
-<p:sld xmlns:a="http://schemas.openxmlformats.org/drawingml/2006/main" xmlns:r="http://schemas.openxmlformats.org/officeDocument/2006/relationships" xmlns:p="http://schemas.openxmlformats.org/presentationml/2006/main">
-  <p:cSld>
-    <p:spTree>
-      <p:nvGrpSpPr>
-        <p:cNvPr id="1" name=""/>
-        <p:cNvGrpSpPr/>
-        <p:nvPr/>
-      </p:nvGrpSpPr>
-      <p:grpSpPr>
-        <a:xfrm>
-          <a:off x="0" y="0"/>
-          <a:ext cx="0" cy="0"/>
-          <a:chOff x="0" y="0"/>
-          <a:chExt cx="0" cy="0"/>
-        </a:xfrm>
-      </p:grpSpPr>
-      <p:sp>
-        <p:nvSpPr>
-          <p:cNvPr id="2" name="Title 1"/>
-          <p:cNvSpPr>
-            <a:spLocks noGrp="1"/>
-          </p:cNvSpPr>
-          <p:nvPr>
-            <p:ph type="title"/>
-          </p:nvPr>
-        </p:nvSpPr>
-        <p:spPr>
-          <a:xfrm>
-            <a:off x="1402466" y="764704"/>
-            <a:ext cx="4537686" cy="800308"/>
-          </a:xfrm>
-        </p:spPr>
-        <p:txBody>
-          <a:bodyPr>
-            <a:normAutofit/>
-          </a:bodyPr>
-          <a:lstStyle/>
-          <a:p>
-            <a:r>
-              <a:rPr lang="en-US" sz="4051" dirty="0"/>
-              <a:t>Advantages of DAS</a:t>
-            </a:r>
-          </a:p>
-        </p:txBody>
-      </p:sp>
-      <p:sp>
-        <p:nvSpPr>
-          <p:cNvPr id="4" name="Content Placeholder 2"/>
-          <p:cNvSpPr txBox="1">
-            <a:spLocks/>
-          </p:cNvSpPr>
-          <p:nvPr/>
-        </p:nvSpPr>
-        <p:spPr>
-          <a:xfrm>
-            <a:off x="2016355" y="2132856"/>
-            <a:ext cx="7847594" cy="2226394"/>
-          </a:xfrm>
-          <a:prstGeom prst="rect">
-            <a:avLst/>
-          </a:prstGeom>
-        </p:spPr>
-        <p:txBody>
-          <a:bodyPr vert="horz" lIns="68598" tIns="34299" rIns="68598" bIns="34299" rtlCol="0">
-            <a:noAutofit/>
-          </a:bodyPr>
-          <a:lstStyle>
-            <a:lvl1pPr marL="274320" indent="-228600" algn="l" defTabSz="914400" rtl="0" eaLnBrk="1" latinLnBrk="0" hangingPunct="1">
-              <a:lnSpc>
-                <a:spcPct val="90000"/>
-              </a:lnSpc>
-              <a:spcBef>
-                <a:spcPts val="1800"/>
-              </a:spcBef>
-              <a:buClr>
-                <a:schemeClr val="tx1">
-                  <a:lumMod val="65000"/>
-                  <a:lumOff val="35000"/>
-                </a:schemeClr>
-              </a:buClr>
-              <a:buSzPct val="80000"/>
-              <a:buFont typeface="Arial" pitchFamily="34" charset="0"/>
-              <a:buChar char="•"/>
-              <a:defRPr sz="2000" kern="1200">
-                <a:solidFill>
-                  <a:schemeClr val="tx1">
-                    <a:lumMod val="65000"/>
-                    <a:lumOff val="35000"/>
-                  </a:schemeClr>
-                </a:solidFill>
-                <a:latin typeface="+mn-lt"/>
-                <a:ea typeface="+mn-ea"/>
-                <a:cs typeface="+mn-cs"/>
-              </a:defRPr>
-            </a:lvl1pPr>
-            <a:lvl2pPr marL="594360" indent="-228600" algn="l" defTabSz="914400" rtl="0" eaLnBrk="1" latinLnBrk="0" hangingPunct="1">
-              <a:lnSpc>
-                <a:spcPct val="90000"/>
-              </a:lnSpc>
-              <a:spcBef>
-                <a:spcPts val="1000"/>
-              </a:spcBef>
-              <a:buClr>
-                <a:schemeClr val="tx1">
-                  <a:lumMod val="65000"/>
-                  <a:lumOff val="35000"/>
-                </a:schemeClr>
-              </a:buClr>
-              <a:buSzPct val="80000"/>
-              <a:buFont typeface="Arial" pitchFamily="34" charset="0"/>
-              <a:buChar char="•"/>
-              <a:defRPr sz="1800" kern="1200">
-                <a:solidFill>
-                  <a:schemeClr val="tx1">
-                    <a:lumMod val="65000"/>
-                    <a:lumOff val="35000"/>
-                  </a:schemeClr>
-                </a:solidFill>
-                <a:latin typeface="+mn-lt"/>
-                <a:ea typeface="+mn-ea"/>
-                <a:cs typeface="+mn-cs"/>
-              </a:defRPr>
-            </a:lvl2pPr>
-            <a:lvl3pPr marL="777240" indent="-182880" algn="l" defTabSz="914400" rtl="0" eaLnBrk="1" latinLnBrk="0" hangingPunct="1">
-              <a:lnSpc>
-                <a:spcPct val="90000"/>
-              </a:lnSpc>
-              <a:spcBef>
-                <a:spcPts val="600"/>
-              </a:spcBef>
-              <a:buClr>
-                <a:schemeClr val="tx1">
-                  <a:lumMod val="65000"/>
-                  <a:lumOff val="35000"/>
-                </a:schemeClr>
-              </a:buClr>
-              <a:buSzPct val="80000"/>
-              <a:buFont typeface="Arial" pitchFamily="34" charset="0"/>
-              <a:buChar char="•"/>
-              <a:defRPr sz="1600" kern="1200">
-                <a:solidFill>
-                  <a:schemeClr val="tx1">
-                    <a:lumMod val="65000"/>
-                    <a:lumOff val="35000"/>
-                  </a:schemeClr>
-                </a:solidFill>
-                <a:latin typeface="+mn-lt"/>
-                <a:ea typeface="+mn-ea"/>
-                <a:cs typeface="+mn-cs"/>
-              </a:defRPr>
-            </a:lvl3pPr>
-            <a:lvl4pPr marL="960120" indent="-182880" algn="l" defTabSz="914400" rtl="0" eaLnBrk="1" latinLnBrk="0" hangingPunct="1">
-              <a:lnSpc>
-                <a:spcPct val="90000"/>
-              </a:lnSpc>
-              <a:spcBef>
-                <a:spcPts val="600"/>
-              </a:spcBef>
-              <a:buClr>
-                <a:schemeClr val="tx1">
-                  <a:lumMod val="65000"/>
-                  <a:lumOff val="35000"/>
-                </a:schemeClr>
-              </a:buClr>
-              <a:buSzPct val="80000"/>
-              <a:buFont typeface="Arial" pitchFamily="34" charset="0"/>
-              <a:buChar char="•"/>
-              <a:defRPr sz="1400" kern="1200">
-                <a:solidFill>
-                  <a:schemeClr val="tx1">
-                    <a:lumMod val="65000"/>
-                    <a:lumOff val="35000"/>
-                  </a:schemeClr>
-                </a:solidFill>
-                <a:latin typeface="+mn-lt"/>
-                <a:ea typeface="+mn-ea"/>
-                <a:cs typeface="+mn-cs"/>
-              </a:defRPr>
-            </a:lvl4pPr>
-            <a:lvl5pPr marL="1097280" indent="-137160" algn="l" defTabSz="914400" rtl="0" eaLnBrk="1" latinLnBrk="0" hangingPunct="1">
-              <a:lnSpc>
-                <a:spcPct val="90000"/>
-              </a:lnSpc>
-              <a:spcBef>
-                <a:spcPts val="600"/>
-              </a:spcBef>
-              <a:buClr>
-                <a:schemeClr val="tx1">
-                  <a:lumMod val="65000"/>
-                  <a:lumOff val="35000"/>
-                </a:schemeClr>
-              </a:buClr>
-              <a:buSzPct val="80000"/>
-              <a:buFont typeface="Arial" pitchFamily="34" charset="0"/>
-              <a:buChar char="•"/>
-              <a:defRPr sz="1400" kern="1200">
-                <a:solidFill>
-                  <a:schemeClr val="tx1">
-                    <a:lumMod val="65000"/>
-                    <a:lumOff val="35000"/>
-                  </a:schemeClr>
-                </a:solidFill>
-                <a:latin typeface="+mn-lt"/>
-                <a:ea typeface="+mn-ea"/>
-                <a:cs typeface="+mn-cs"/>
-              </a:defRPr>
-            </a:lvl5pPr>
-            <a:lvl6pPr marL="1234440" indent="-137160" algn="l" defTabSz="914400" rtl="0" eaLnBrk="1" latinLnBrk="0" hangingPunct="1">
-              <a:spcBef>
-                <a:spcPts val="600"/>
-              </a:spcBef>
-              <a:buSzPct val="80000"/>
-              <a:buFont typeface="Arial" pitchFamily="34" charset="0"/>
-              <a:buChar char="•"/>
-              <a:defRPr sz="1400" kern="1200">
-                <a:solidFill>
-                  <a:schemeClr val="tx1">
-                    <a:lumMod val="65000"/>
-                    <a:lumOff val="35000"/>
-                  </a:schemeClr>
-                </a:solidFill>
-                <a:latin typeface="+mn-lt"/>
-                <a:ea typeface="+mn-ea"/>
-                <a:cs typeface="+mn-cs"/>
-              </a:defRPr>
-            </a:lvl6pPr>
-            <a:lvl7pPr marL="1371600" indent="-137160" algn="l" defTabSz="914400" rtl="0" eaLnBrk="1" latinLnBrk="0" hangingPunct="1">
-              <a:spcBef>
-                <a:spcPts val="600"/>
-              </a:spcBef>
-              <a:buSzPct val="80000"/>
-              <a:buFont typeface="Arial" pitchFamily="34" charset="0"/>
-              <a:buChar char="•"/>
-              <a:defRPr sz="1400" kern="1200">
-                <a:solidFill>
-                  <a:schemeClr val="tx1">
-                    <a:lumMod val="65000"/>
-                    <a:lumOff val="35000"/>
-                  </a:schemeClr>
-                </a:solidFill>
-                <a:latin typeface="+mn-lt"/>
-                <a:ea typeface="+mn-ea"/>
-                <a:cs typeface="+mn-cs"/>
-              </a:defRPr>
-            </a:lvl7pPr>
-            <a:lvl8pPr marL="1508760" indent="-137160" algn="l" defTabSz="914400" rtl="0" eaLnBrk="1" latinLnBrk="0" hangingPunct="1">
-              <a:spcBef>
-                <a:spcPts val="600"/>
-              </a:spcBef>
-              <a:buSzPct val="80000"/>
-              <a:buFont typeface="Arial" pitchFamily="34" charset="0"/>
-              <a:buChar char="•"/>
-              <a:defRPr sz="1400" kern="1200">
-                <a:solidFill>
-                  <a:schemeClr val="tx1">
-                    <a:lumMod val="65000"/>
-                    <a:lumOff val="35000"/>
-                  </a:schemeClr>
-                </a:solidFill>
-                <a:latin typeface="+mn-lt"/>
-                <a:ea typeface="+mn-ea"/>
-                <a:cs typeface="+mn-cs"/>
-              </a:defRPr>
-            </a:lvl8pPr>
-            <a:lvl9pPr marL="1645920" indent="-137160" algn="l" defTabSz="914400" rtl="0" eaLnBrk="1" latinLnBrk="0" hangingPunct="1">
-              <a:spcBef>
-                <a:spcPts val="600"/>
-              </a:spcBef>
-              <a:buSzPct val="80000"/>
-              <a:buFont typeface="Arial" pitchFamily="34" charset="0"/>
-              <a:buChar char="•"/>
-              <a:defRPr sz="1400" kern="1200">
-                <a:solidFill>
-                  <a:schemeClr val="tx1">
-                    <a:lumMod val="65000"/>
-                    <a:lumOff val="35000"/>
-                  </a:schemeClr>
-                </a:solidFill>
-                <a:latin typeface="+mn-lt"/>
-                <a:ea typeface="+mn-ea"/>
-                <a:cs typeface="+mn-cs"/>
-              </a:defRPr>
-            </a:lvl9pPr>
-          </a:lstStyle>
-          <a:p>
-            <a:pPr>
-              <a:buFont typeface="Wingdings" panose="05000000000000000000" pitchFamily="2" charset="2"/>
-              <a:buChar char="q"/>
-            </a:pPr>
-            <a:r>
-              <a:rPr lang="en-US" sz="3600" dirty="0">
-                <a:solidFill>
-                  <a:schemeClr val="accent6">
-                    <a:lumMod val="50000"/>
-                  </a:schemeClr>
-                </a:solidFill>
-              </a:rPr>
-              <a:t> High availability</a:t>
-            </a:r>
-          </a:p>
-          <a:p>
-            <a:pPr>
-              <a:buFont typeface="Wingdings" panose="05000000000000000000" pitchFamily="2" charset="2"/>
-              <a:buChar char="q"/>
-            </a:pPr>
-            <a:endParaRPr lang="en-US" sz="3600" dirty="0">
-              <a:solidFill>
-                <a:schemeClr val="accent6">
-                  <a:lumMod val="50000"/>
-                </a:schemeClr>
-              </a:solidFill>
-            </a:endParaRPr>
-          </a:p>
-          <a:p>
-            <a:pPr>
-              <a:buFont typeface="Wingdings" panose="05000000000000000000" pitchFamily="2" charset="2"/>
-              <a:buChar char="q"/>
-            </a:pPr>
-            <a:r>
-              <a:rPr lang="en-US" sz="3600" dirty="0">
-                <a:solidFill>
-                  <a:schemeClr val="accent6">
-                    <a:lumMod val="50000"/>
-                  </a:schemeClr>
-                </a:solidFill>
-              </a:rPr>
-              <a:t> High access rate</a:t>
-            </a:r>
-          </a:p>
-          <a:p>
-            <a:pPr>
-              <a:buFont typeface="Wingdings" panose="05000000000000000000" pitchFamily="2" charset="2"/>
-              <a:buChar char="q"/>
-            </a:pPr>
-            <a:endParaRPr lang="en-US" sz="3600" dirty="0">
-              <a:solidFill>
-                <a:schemeClr val="accent6">
-                  <a:lumMod val="50000"/>
-                </a:schemeClr>
-              </a:solidFill>
-            </a:endParaRPr>
-          </a:p>
-          <a:p>
-            <a:pPr>
-              <a:buFont typeface="Wingdings" panose="05000000000000000000" pitchFamily="2" charset="2"/>
-              <a:buChar char="q"/>
-            </a:pPr>
-            <a:r>
-              <a:rPr lang="en-US" sz="3600" dirty="0">
-                <a:solidFill>
-                  <a:schemeClr val="accent6">
-                    <a:lumMod val="50000"/>
-                  </a:schemeClr>
-                </a:solidFill>
-              </a:rPr>
-              <a:t> </a:t>
-            </a:r>
-            <a:r>
-              <a:rPr lang="en-GB" sz="3600" dirty="0">
-                <a:solidFill>
-                  <a:schemeClr val="accent6">
-                    <a:lumMod val="50000"/>
-                  </a:schemeClr>
-                </a:solidFill>
-              </a:rPr>
-              <a:t>Data security</a:t>
-            </a:r>
-            <a:endParaRPr lang="en-US" sz="3600" dirty="0">
-              <a:solidFill>
-                <a:schemeClr val="accent6">
-                  <a:lumMod val="50000"/>
-                </a:schemeClr>
-              </a:solidFill>
-            </a:endParaRPr>
-          </a:p>
-          <a:p>
-            <a:pPr marL="45720" indent="0">
-              <a:buNone/>
-            </a:pPr>
-            <a:endParaRPr lang="en-US" sz="3600" dirty="0">
-              <a:solidFill>
-                <a:schemeClr val="accent6">
-                  <a:lumMod val="50000"/>
-                </a:schemeClr>
-              </a:solidFill>
-            </a:endParaRPr>
-          </a:p>
-        </p:txBody>
-      </p:sp>
-      <p:sp>
-        <p:nvSpPr>
-          <p:cNvPr id="5" name="Rectangle 4"/>
-          <p:cNvSpPr/>
-          <p:nvPr/>
-        </p:nvSpPr>
-        <p:spPr>
-          <a:xfrm>
-            <a:off x="574515" y="1565013"/>
-            <a:ext cx="8643211" cy="34298"/>
-          </a:xfrm>
-          <a:prstGeom prst="rect">
-            <a:avLst/>
-          </a:prstGeom>
-        </p:spPr>
-        <p:style>
-          <a:lnRef idx="1">
-            <a:schemeClr val="accent1"/>
-          </a:lnRef>
-          <a:fillRef idx="3">
-            <a:schemeClr val="accent1"/>
-          </a:fillRef>
-          <a:effectRef idx="2">
-            <a:schemeClr val="accent1"/>
-          </a:effectRef>
-          <a:fontRef idx="minor">
-            <a:schemeClr val="lt1"/>
-          </a:fontRef>
-        </p:style>
-        <p:txBody>
-          <a:bodyPr rtlCol="0" anchor="ctr"/>
-          <a:lstStyle/>
-          <a:p>
-            <a:pPr algn="ctr"/>
-            <a:endParaRPr lang="en-US" sz="1350">
-              <a:solidFill>
-                <a:schemeClr val="tx1">
-                  <a:lumMod val="65000"/>
-                  <a:lumOff val="35000"/>
-                </a:schemeClr>
-              </a:solidFill>
-            </a:endParaRPr>
-          </a:p>
-        </p:txBody>
-      </p:sp>
-      <p:pic>
-        <p:nvPicPr>
-          <p:cNvPr id="7" name="Picture 6"/>
-          <p:cNvPicPr>
-            <a:picLocks noChangeAspect="1"/>
-          </p:cNvPicPr>
-          <p:nvPr/>
-        </p:nvPicPr>
-        <p:blipFill>
-          <a:blip r:embed="rId2">
-            <a:extLst>
-              <a:ext uri="{28A0092B-C50C-407E-A947-70E740481C1C}">
-                <a14:useLocalDpi xmlns:a14="http://schemas.microsoft.com/office/drawing/2010/main" val="0"/>
-              </a:ext>
-            </a:extLst>
-          </a:blip>
-          <a:stretch>
-            <a:fillRect/>
-          </a:stretch>
-        </p:blipFill>
-        <p:spPr>
-          <a:xfrm>
-            <a:off x="219576" y="620688"/>
-            <a:ext cx="1040056" cy="1091146"/>
-          </a:xfrm>
-          <a:prstGeom prst="rect">
-            <a:avLst/>
-          </a:prstGeom>
-        </p:spPr>
-      </p:pic>
-    </p:spTree>
-    <p:extLst>
-      <p:ext uri="{BB962C8B-B14F-4D97-AF65-F5344CB8AC3E}">
-        <p14:creationId xmlns:p14="http://schemas.microsoft.com/office/powerpoint/2010/main" val="3369188236"/>
-      </p:ext>
-    </p:extLst>
-  </p:cSld>
-  <p:clrMapOvr>
-    <a:masterClrMapping/>
-  </p:clrMapOvr>
-  <mc:AlternateContent xmlns:mc="http://schemas.openxmlformats.org/markup-compatibility/2006" xmlns:p14="http://schemas.microsoft.com/office/powerpoint/2010/main">
-    <mc:Choice Requires="p14">
-      <p:transition spd="slow" p14:dur="1600">
-        <p:blinds dir="vert"/>
-      </p:transition>
-    </mc:Choice>
-    <mc:Fallback xmlns="">
-      <p:transition spd="slow">
-        <p:blinds dir="vert"/>
-      </p:transition>
-    </mc:Fallback>
-  </mc:AlternateContent>
-</p:sld>
-</file>
-
-<file path=ppt/slides/slide13.xml><?xml version="1.0" encoding="utf-8"?>
-<p:sld xmlns:a="http://schemas.openxmlformats.org/drawingml/2006/main" xmlns:r="http://schemas.openxmlformats.org/officeDocument/2006/relationships" xmlns:p="http://schemas.openxmlformats.org/presentationml/2006/main">
-  <p:cSld>
-    <p:spTree>
-      <p:nvGrpSpPr>
-        <p:cNvPr id="1" name=""/>
-        <p:cNvGrpSpPr/>
-        <p:nvPr/>
-      </p:nvGrpSpPr>
-      <p:grpSpPr>
-        <a:xfrm>
-          <a:off x="0" y="0"/>
-          <a:ext cx="0" cy="0"/>
-          <a:chOff x="0" y="0"/>
-          <a:chExt cx="0" cy="0"/>
-        </a:xfrm>
-      </p:grpSpPr>
-      <p:sp>
-        <p:nvSpPr>
-          <p:cNvPr id="4" name="Content Placeholder 2"/>
-          <p:cNvSpPr txBox="1">
-            <a:spLocks/>
-          </p:cNvSpPr>
-          <p:nvPr/>
-        </p:nvSpPr>
-        <p:spPr>
-          <a:xfrm>
-            <a:off x="1468032" y="2132856"/>
-            <a:ext cx="9180250" cy="3018482"/>
-          </a:xfrm>
-          <a:prstGeom prst="rect">
-            <a:avLst/>
-          </a:prstGeom>
-        </p:spPr>
-        <p:txBody>
-          <a:bodyPr vert="horz" lIns="68598" tIns="34299" rIns="68598" bIns="34299" rtlCol="0">
-            <a:noAutofit/>
-          </a:bodyPr>
-          <a:lstStyle>
-            <a:lvl1pPr marL="274320" indent="-228600" algn="l" defTabSz="914400" rtl="0" eaLnBrk="1" latinLnBrk="0" hangingPunct="1">
-              <a:lnSpc>
-                <a:spcPct val="90000"/>
-              </a:lnSpc>
-              <a:spcBef>
-                <a:spcPts val="1800"/>
-              </a:spcBef>
-              <a:buClr>
-                <a:schemeClr val="tx1">
-                  <a:lumMod val="65000"/>
-                  <a:lumOff val="35000"/>
-                </a:schemeClr>
-              </a:buClr>
-              <a:buSzPct val="80000"/>
-              <a:buFont typeface="Arial" pitchFamily="34" charset="0"/>
-              <a:buChar char="•"/>
-              <a:defRPr sz="2000" kern="1200">
-                <a:solidFill>
-                  <a:schemeClr val="tx1">
-                    <a:lumMod val="65000"/>
-                    <a:lumOff val="35000"/>
-                  </a:schemeClr>
-                </a:solidFill>
-                <a:latin typeface="+mn-lt"/>
-                <a:ea typeface="+mn-ea"/>
-                <a:cs typeface="+mn-cs"/>
-              </a:defRPr>
-            </a:lvl1pPr>
-            <a:lvl2pPr marL="594360" indent="-228600" algn="l" defTabSz="914400" rtl="0" eaLnBrk="1" latinLnBrk="0" hangingPunct="1">
-              <a:lnSpc>
-                <a:spcPct val="90000"/>
-              </a:lnSpc>
-              <a:spcBef>
-                <a:spcPts val="1000"/>
-              </a:spcBef>
-              <a:buClr>
-                <a:schemeClr val="tx1">
-                  <a:lumMod val="65000"/>
-                  <a:lumOff val="35000"/>
-                </a:schemeClr>
-              </a:buClr>
-              <a:buSzPct val="80000"/>
-              <a:buFont typeface="Arial" pitchFamily="34" charset="0"/>
-              <a:buChar char="•"/>
-              <a:defRPr sz="1800" kern="1200">
-                <a:solidFill>
-                  <a:schemeClr val="tx1">
-                    <a:lumMod val="65000"/>
-                    <a:lumOff val="35000"/>
-                  </a:schemeClr>
-                </a:solidFill>
-                <a:latin typeface="+mn-lt"/>
-                <a:ea typeface="+mn-ea"/>
-                <a:cs typeface="+mn-cs"/>
-              </a:defRPr>
-            </a:lvl2pPr>
-            <a:lvl3pPr marL="777240" indent="-182880" algn="l" defTabSz="914400" rtl="0" eaLnBrk="1" latinLnBrk="0" hangingPunct="1">
-              <a:lnSpc>
-                <a:spcPct val="90000"/>
-              </a:lnSpc>
-              <a:spcBef>
-                <a:spcPts val="600"/>
-              </a:spcBef>
-              <a:buClr>
-                <a:schemeClr val="tx1">
-                  <a:lumMod val="65000"/>
-                  <a:lumOff val="35000"/>
-                </a:schemeClr>
-              </a:buClr>
-              <a:buSzPct val="80000"/>
-              <a:buFont typeface="Arial" pitchFamily="34" charset="0"/>
-              <a:buChar char="•"/>
-              <a:defRPr sz="1600" kern="1200">
-                <a:solidFill>
-                  <a:schemeClr val="tx1">
-                    <a:lumMod val="65000"/>
-                    <a:lumOff val="35000"/>
-                  </a:schemeClr>
-                </a:solidFill>
-                <a:latin typeface="+mn-lt"/>
-                <a:ea typeface="+mn-ea"/>
-                <a:cs typeface="+mn-cs"/>
-              </a:defRPr>
-            </a:lvl3pPr>
-            <a:lvl4pPr marL="960120" indent="-182880" algn="l" defTabSz="914400" rtl="0" eaLnBrk="1" latinLnBrk="0" hangingPunct="1">
-              <a:lnSpc>
-                <a:spcPct val="90000"/>
-              </a:lnSpc>
-              <a:spcBef>
-                <a:spcPts val="600"/>
-              </a:spcBef>
-              <a:buClr>
-                <a:schemeClr val="tx1">
-                  <a:lumMod val="65000"/>
-                  <a:lumOff val="35000"/>
-                </a:schemeClr>
-              </a:buClr>
-              <a:buSzPct val="80000"/>
-              <a:buFont typeface="Arial" pitchFamily="34" charset="0"/>
-              <a:buChar char="•"/>
-              <a:defRPr sz="1400" kern="1200">
-                <a:solidFill>
-                  <a:schemeClr val="tx1">
-                    <a:lumMod val="65000"/>
-                    <a:lumOff val="35000"/>
-                  </a:schemeClr>
-                </a:solidFill>
-                <a:latin typeface="+mn-lt"/>
-                <a:ea typeface="+mn-ea"/>
-                <a:cs typeface="+mn-cs"/>
-              </a:defRPr>
-            </a:lvl4pPr>
-            <a:lvl5pPr marL="1097280" indent="-137160" algn="l" defTabSz="914400" rtl="0" eaLnBrk="1" latinLnBrk="0" hangingPunct="1">
-              <a:lnSpc>
-                <a:spcPct val="90000"/>
-              </a:lnSpc>
-              <a:spcBef>
-                <a:spcPts val="600"/>
-              </a:spcBef>
-              <a:buClr>
-                <a:schemeClr val="tx1">
-                  <a:lumMod val="65000"/>
-                  <a:lumOff val="35000"/>
-                </a:schemeClr>
-              </a:buClr>
-              <a:buSzPct val="80000"/>
-              <a:buFont typeface="Arial" pitchFamily="34" charset="0"/>
-              <a:buChar char="•"/>
-              <a:defRPr sz="1400" kern="1200">
-                <a:solidFill>
-                  <a:schemeClr val="tx1">
-                    <a:lumMod val="65000"/>
-                    <a:lumOff val="35000"/>
-                  </a:schemeClr>
-                </a:solidFill>
-                <a:latin typeface="+mn-lt"/>
-                <a:ea typeface="+mn-ea"/>
-                <a:cs typeface="+mn-cs"/>
-              </a:defRPr>
-            </a:lvl5pPr>
-            <a:lvl6pPr marL="1234440" indent="-137160" algn="l" defTabSz="914400" rtl="0" eaLnBrk="1" latinLnBrk="0" hangingPunct="1">
-              <a:spcBef>
-                <a:spcPts val="600"/>
-              </a:spcBef>
-              <a:buSzPct val="80000"/>
-              <a:buFont typeface="Arial" pitchFamily="34" charset="0"/>
-              <a:buChar char="•"/>
-              <a:defRPr sz="1400" kern="1200">
-                <a:solidFill>
-                  <a:schemeClr val="tx1">
-                    <a:lumMod val="65000"/>
-                    <a:lumOff val="35000"/>
-                  </a:schemeClr>
-                </a:solidFill>
-                <a:latin typeface="+mn-lt"/>
-                <a:ea typeface="+mn-ea"/>
-                <a:cs typeface="+mn-cs"/>
-              </a:defRPr>
-            </a:lvl6pPr>
-            <a:lvl7pPr marL="1371600" indent="-137160" algn="l" defTabSz="914400" rtl="0" eaLnBrk="1" latinLnBrk="0" hangingPunct="1">
-              <a:spcBef>
-                <a:spcPts val="600"/>
-              </a:spcBef>
-              <a:buSzPct val="80000"/>
-              <a:buFont typeface="Arial" pitchFamily="34" charset="0"/>
-              <a:buChar char="•"/>
-              <a:defRPr sz="1400" kern="1200">
-                <a:solidFill>
-                  <a:schemeClr val="tx1">
-                    <a:lumMod val="65000"/>
-                    <a:lumOff val="35000"/>
-                  </a:schemeClr>
-                </a:solidFill>
-                <a:latin typeface="+mn-lt"/>
-                <a:ea typeface="+mn-ea"/>
-                <a:cs typeface="+mn-cs"/>
-              </a:defRPr>
-            </a:lvl7pPr>
-            <a:lvl8pPr marL="1508760" indent="-137160" algn="l" defTabSz="914400" rtl="0" eaLnBrk="1" latinLnBrk="0" hangingPunct="1">
-              <a:spcBef>
-                <a:spcPts val="600"/>
-              </a:spcBef>
-              <a:buSzPct val="80000"/>
-              <a:buFont typeface="Arial" pitchFamily="34" charset="0"/>
-              <a:buChar char="•"/>
-              <a:defRPr sz="1400" kern="1200">
-                <a:solidFill>
-                  <a:schemeClr val="tx1">
-                    <a:lumMod val="65000"/>
-                    <a:lumOff val="35000"/>
-                  </a:schemeClr>
-                </a:solidFill>
-                <a:latin typeface="+mn-lt"/>
-                <a:ea typeface="+mn-ea"/>
-                <a:cs typeface="+mn-cs"/>
-              </a:defRPr>
-            </a:lvl8pPr>
-            <a:lvl9pPr marL="1645920" indent="-137160" algn="l" defTabSz="914400" rtl="0" eaLnBrk="1" latinLnBrk="0" hangingPunct="1">
-              <a:spcBef>
-                <a:spcPts val="600"/>
-              </a:spcBef>
-              <a:buSzPct val="80000"/>
-              <a:buFont typeface="Arial" pitchFamily="34" charset="0"/>
-              <a:buChar char="•"/>
-              <a:defRPr sz="1400" kern="1200">
-                <a:solidFill>
-                  <a:schemeClr val="tx1">
-                    <a:lumMod val="65000"/>
-                    <a:lumOff val="35000"/>
-                  </a:schemeClr>
-                </a:solidFill>
-                <a:latin typeface="+mn-lt"/>
-                <a:ea typeface="+mn-ea"/>
-                <a:cs typeface="+mn-cs"/>
-              </a:defRPr>
-            </a:lvl9pPr>
-          </a:lstStyle>
-          <a:p>
-            <a:pPr>
-              <a:buFont typeface="Wingdings" panose="05000000000000000000" pitchFamily="2" charset="2"/>
-              <a:buChar char="q"/>
-            </a:pPr>
-            <a:r>
-              <a:rPr lang="en-GB" sz="3600" dirty="0">
-                <a:solidFill>
-                  <a:schemeClr val="accent6">
-                    <a:lumMod val="50000"/>
-                  </a:schemeClr>
-                </a:solidFill>
-              </a:rPr>
-              <a:t>Not Scalable</a:t>
-            </a:r>
-          </a:p>
-          <a:p>
-            <a:pPr>
-              <a:buFont typeface="Wingdings" panose="05000000000000000000" pitchFamily="2" charset="2"/>
-              <a:buChar char="q"/>
-            </a:pPr>
-            <a:endParaRPr lang="en-GB" sz="3600" dirty="0">
-              <a:solidFill>
-                <a:schemeClr val="accent6">
-                  <a:lumMod val="50000"/>
-                </a:schemeClr>
-              </a:solidFill>
-            </a:endParaRPr>
-          </a:p>
-          <a:p>
-            <a:pPr>
-              <a:buFont typeface="Wingdings" panose="05000000000000000000" pitchFamily="2" charset="2"/>
-              <a:buChar char="q"/>
-            </a:pPr>
-            <a:r>
-              <a:rPr lang="en-US" sz="3600" dirty="0">
-                <a:solidFill>
-                  <a:schemeClr val="accent6">
-                    <a:lumMod val="50000"/>
-                  </a:schemeClr>
-                </a:solidFill>
-              </a:rPr>
-              <a:t>Allow only one user at a time</a:t>
-            </a:r>
-          </a:p>
-          <a:p>
-            <a:pPr>
-              <a:buFont typeface="Wingdings" panose="05000000000000000000" pitchFamily="2" charset="2"/>
-              <a:buChar char="q"/>
-            </a:pPr>
-            <a:endParaRPr lang="en-US" sz="3600" dirty="0">
-              <a:solidFill>
-                <a:schemeClr val="accent6">
-                  <a:lumMod val="50000"/>
-                </a:schemeClr>
-              </a:solidFill>
-            </a:endParaRPr>
-          </a:p>
-          <a:p>
-            <a:pPr>
-              <a:buFont typeface="Wingdings" panose="05000000000000000000" pitchFamily="2" charset="2"/>
-              <a:buChar char="q"/>
-            </a:pPr>
-            <a:r>
-              <a:rPr lang="en-US" sz="3600" dirty="0">
-                <a:solidFill>
-                  <a:schemeClr val="accent6">
-                    <a:lumMod val="50000"/>
-                  </a:schemeClr>
-                </a:solidFill>
-              </a:rPr>
-              <a:t>High administrative cost</a:t>
-            </a:r>
-          </a:p>
-        </p:txBody>
-      </p:sp>
-      <p:sp>
-        <p:nvSpPr>
-          <p:cNvPr id="7" name="Title 1"/>
-          <p:cNvSpPr>
-            <a:spLocks noGrp="1"/>
-          </p:cNvSpPr>
-          <p:nvPr>
-            <p:ph type="title"/>
-          </p:nvPr>
-        </p:nvSpPr>
-        <p:spPr>
-          <a:xfrm>
-            <a:off x="1456600" y="756484"/>
-            <a:ext cx="5275640" cy="800308"/>
-          </a:xfrm>
-        </p:spPr>
-        <p:txBody>
-          <a:bodyPr>
-            <a:noAutofit/>
-          </a:bodyPr>
-          <a:lstStyle/>
-          <a:p>
-            <a:r>
-              <a:rPr lang="en-US" sz="4000" dirty="0" err="1"/>
-              <a:t>Disdvantages</a:t>
-            </a:r>
-            <a:r>
-              <a:rPr lang="en-US" sz="4000" dirty="0"/>
-              <a:t> of DAS</a:t>
-            </a:r>
-          </a:p>
-        </p:txBody>
-      </p:sp>
-      <p:sp>
-        <p:nvSpPr>
-          <p:cNvPr id="8" name="Rectangle 7"/>
-          <p:cNvSpPr/>
-          <p:nvPr/>
-        </p:nvSpPr>
-        <p:spPr>
-          <a:xfrm>
-            <a:off x="574515" y="1565013"/>
-            <a:ext cx="8643211" cy="34298"/>
-          </a:xfrm>
-          <a:prstGeom prst="rect">
-            <a:avLst/>
-          </a:prstGeom>
-        </p:spPr>
-        <p:style>
-          <a:lnRef idx="1">
-            <a:schemeClr val="accent1"/>
-          </a:lnRef>
-          <a:fillRef idx="3">
-            <a:schemeClr val="accent1"/>
-          </a:fillRef>
-          <a:effectRef idx="2">
-            <a:schemeClr val="accent1"/>
-          </a:effectRef>
-          <a:fontRef idx="minor">
-            <a:schemeClr val="lt1"/>
-          </a:fontRef>
-        </p:style>
-        <p:txBody>
-          <a:bodyPr rtlCol="0" anchor="ctr"/>
-          <a:lstStyle/>
-          <a:p>
-            <a:pPr algn="ctr"/>
-            <a:endParaRPr lang="en-US" sz="1350">
-              <a:solidFill>
-                <a:schemeClr val="tx1">
-                  <a:lumMod val="65000"/>
-                  <a:lumOff val="35000"/>
-                </a:schemeClr>
-              </a:solidFill>
-            </a:endParaRPr>
-          </a:p>
-        </p:txBody>
-      </p:sp>
-      <p:pic>
-        <p:nvPicPr>
-          <p:cNvPr id="11" name="Picture 10"/>
-          <p:cNvPicPr>
-            <a:picLocks noChangeAspect="1"/>
-          </p:cNvPicPr>
-          <p:nvPr/>
-        </p:nvPicPr>
-        <p:blipFill>
-          <a:blip r:embed="rId2">
-            <a:extLst>
-              <a:ext uri="{BEBA8EAE-BF5A-486C-A8C5-ECC9F3942E4B}">
-                <a14:imgProps xmlns:a14="http://schemas.microsoft.com/office/drawing/2010/main">
-                  <a14:imgLayer r:embed="rId3">
-                    <a14:imgEffect>
-                      <a14:saturation sat="66000"/>
-                    </a14:imgEffect>
-                  </a14:imgLayer>
-                </a14:imgProps>
-              </a:ext>
-              <a:ext uri="{28A0092B-C50C-407E-A947-70E740481C1C}">
-                <a14:useLocalDpi xmlns:a14="http://schemas.microsoft.com/office/drawing/2010/main" val="0"/>
-              </a:ext>
-            </a:extLst>
-          </a:blip>
-          <a:stretch>
-            <a:fillRect/>
-          </a:stretch>
-        </p:blipFill>
-        <p:spPr>
-          <a:xfrm>
-            <a:off x="218745" y="908720"/>
-            <a:ext cx="1127514" cy="1184147"/>
-          </a:xfrm>
-          <a:prstGeom prst="rect">
-            <a:avLst/>
-          </a:prstGeom>
-        </p:spPr>
-      </p:pic>
-    </p:spTree>
-    <p:extLst>
-      <p:ext uri="{BB962C8B-B14F-4D97-AF65-F5344CB8AC3E}">
-        <p14:creationId xmlns:p14="http://schemas.microsoft.com/office/powerpoint/2010/main" val="3877865306"/>
-      </p:ext>
-    </p:extLst>
-  </p:cSld>
-  <p:clrMapOvr>
-    <a:masterClrMapping/>
-  </p:clrMapOvr>
-  <mc:AlternateContent xmlns:mc="http://schemas.openxmlformats.org/markup-compatibility/2006" xmlns:p14="http://schemas.microsoft.com/office/powerpoint/2010/main">
-    <mc:Choice Requires="p14">
-      <p:transition spd="slow" p14:dur="1400">
-        <p14:ripple/>
-      </p:transition>
-    </mc:Choice>
-    <mc:Fallback xmlns="">
-      <p:transition spd="slow">
-        <p:fade/>
-      </p:transition>
-    </mc:Fallback>
-  </mc:AlternateContent>
-</p:sld>
-</file>
-
-<file path=ppt/slides/slide14.xml><?xml version="1.0" encoding="utf-8"?>
-<p:sld xmlns:a="http://schemas.openxmlformats.org/drawingml/2006/main" xmlns:r="http://schemas.openxmlformats.org/officeDocument/2006/relationships" xmlns:p="http://schemas.openxmlformats.org/presentationml/2006/main">
-  <p:cSld>
-    <p:spTree>
-      <p:nvGrpSpPr>
-        <p:cNvPr id="1" name=""/>
-        <p:cNvGrpSpPr/>
-        <p:nvPr/>
-      </p:nvGrpSpPr>
-      <p:grpSpPr>
-        <a:xfrm>
-          <a:off x="0" y="0"/>
-          <a:ext cx="0" cy="0"/>
-          <a:chOff x="0" y="0"/>
-          <a:chExt cx="0" cy="0"/>
-        </a:xfrm>
-      </p:grpSpPr>
-      <p:sp>
-        <p:nvSpPr>
-          <p:cNvPr id="2" name="Title 1"/>
-          <p:cNvSpPr>
-            <a:spLocks noGrp="1"/>
-          </p:cNvSpPr>
-          <p:nvPr>
-            <p:ph type="title"/>
-          </p:nvPr>
-        </p:nvSpPr>
-        <p:spPr>
-          <a:xfrm>
-            <a:off x="971600" y="-77213"/>
-            <a:ext cx="6516798" cy="1880428"/>
-          </a:xfrm>
-        </p:spPr>
-        <p:txBody>
-          <a:bodyPr>
-            <a:noAutofit/>
-          </a:bodyPr>
-          <a:lstStyle/>
-          <a:p>
-            <a:pPr algn="ctr"/>
-            <a:r>
-              <a:rPr lang="en-US" sz="6000" dirty="0">
-                <a:solidFill>
-                  <a:schemeClr val="accent6">
-                    <a:lumMod val="50000"/>
-                  </a:schemeClr>
-                </a:solidFill>
-              </a:rPr>
-              <a:t>NAS</a:t>
-            </a:r>
-            <a:br>
-              <a:rPr lang="en-US" sz="4051" dirty="0"/>
-            </a:br>
-            <a:r>
-              <a:rPr lang="en-US" sz="4051" dirty="0"/>
-              <a:t>Network Attached Storage</a:t>
-            </a:r>
-          </a:p>
-        </p:txBody>
-      </p:sp>
-      <p:sp>
-        <p:nvSpPr>
-          <p:cNvPr id="3" name="Rectangle 2"/>
-          <p:cNvSpPr/>
-          <p:nvPr/>
-        </p:nvSpPr>
-        <p:spPr>
-          <a:xfrm>
-            <a:off x="971600" y="2780928"/>
-            <a:ext cx="8028384" cy="2308324"/>
-          </a:xfrm>
-          <a:prstGeom prst="rect">
-            <a:avLst/>
-          </a:prstGeom>
-        </p:spPr>
-        <p:txBody>
-          <a:bodyPr wrap="square">
-            <a:spAutoFit/>
-          </a:bodyPr>
-          <a:lstStyle/>
-          <a:p>
-            <a:pPr marL="571500" indent="-571500">
-              <a:buFont typeface="Wingdings" panose="05000000000000000000" pitchFamily="2" charset="2"/>
-              <a:buChar char="v"/>
-            </a:pPr>
-            <a:r>
-              <a:rPr lang="en-US" sz="3600" dirty="0">
-                <a:solidFill>
-                  <a:schemeClr val="accent6">
-                    <a:lumMod val="50000"/>
-                  </a:schemeClr>
-                </a:solidFill>
-              </a:rPr>
-              <a:t>Provides a </a:t>
-            </a:r>
-            <a:r>
-              <a:rPr lang="en-US" sz="3600" dirty="0">
-                <a:solidFill>
-                  <a:srgbClr val="0070C0"/>
-                </a:solidFill>
-              </a:rPr>
-              <a:t>file sharing </a:t>
-            </a:r>
-            <a:r>
-              <a:rPr lang="en-US" sz="3600" dirty="0">
-                <a:solidFill>
-                  <a:schemeClr val="accent6">
-                    <a:lumMod val="50000"/>
-                  </a:schemeClr>
-                </a:solidFill>
-              </a:rPr>
-              <a:t>system or storage management system</a:t>
-            </a:r>
-          </a:p>
-          <a:p>
-            <a:endParaRPr lang="en-US" sz="3600" dirty="0">
-              <a:solidFill>
-                <a:schemeClr val="accent6">
-                  <a:lumMod val="50000"/>
-                </a:schemeClr>
-              </a:solidFill>
-            </a:endParaRPr>
-          </a:p>
-          <a:p>
-            <a:pPr marL="571500" indent="-571500">
-              <a:buFont typeface="Wingdings" panose="05000000000000000000" pitchFamily="2" charset="2"/>
-              <a:buChar char="v"/>
-            </a:pPr>
-            <a:r>
-              <a:rPr lang="en-US" sz="3600" dirty="0">
-                <a:solidFill>
-                  <a:schemeClr val="accent6">
-                    <a:lumMod val="50000"/>
-                  </a:schemeClr>
-                </a:solidFill>
-              </a:rPr>
-              <a:t>Act Upon </a:t>
-            </a:r>
-            <a:r>
-              <a:rPr lang="en-US" sz="3600" dirty="0">
-                <a:solidFill>
-                  <a:srgbClr val="0070C0"/>
-                </a:solidFill>
-              </a:rPr>
-              <a:t>Ethernet</a:t>
-            </a:r>
-          </a:p>
-        </p:txBody>
-      </p:sp>
-      <p:sp>
-        <p:nvSpPr>
-          <p:cNvPr id="4" name="Rectangle 3"/>
-          <p:cNvSpPr/>
-          <p:nvPr/>
-        </p:nvSpPr>
-        <p:spPr>
-          <a:xfrm>
-            <a:off x="-108520" y="1871113"/>
-            <a:ext cx="9505055" cy="45719"/>
-          </a:xfrm>
-          <a:prstGeom prst="rect">
-            <a:avLst/>
-          </a:prstGeom>
-        </p:spPr>
-        <p:style>
-          <a:lnRef idx="1">
-            <a:schemeClr val="accent1"/>
-          </a:lnRef>
-          <a:fillRef idx="3">
-            <a:schemeClr val="accent1"/>
-          </a:fillRef>
-          <a:effectRef idx="2">
-            <a:schemeClr val="accent1"/>
-          </a:effectRef>
-          <a:fontRef idx="minor">
-            <a:schemeClr val="lt1"/>
-          </a:fontRef>
-        </p:style>
-        <p:txBody>
-          <a:bodyPr rtlCol="0" anchor="ctr"/>
-          <a:lstStyle/>
-          <a:p>
-            <a:pPr algn="ctr"/>
-            <a:endParaRPr lang="en-US" sz="1350">
-              <a:solidFill>
-                <a:schemeClr val="tx1">
-                  <a:lumMod val="65000"/>
-                  <a:lumOff val="35000"/>
-                </a:schemeClr>
-              </a:solidFill>
-            </a:endParaRPr>
-          </a:p>
-        </p:txBody>
-      </p:sp>
-    </p:spTree>
-    <p:extLst>
-      <p:ext uri="{BB962C8B-B14F-4D97-AF65-F5344CB8AC3E}">
-        <p14:creationId xmlns:p14="http://schemas.microsoft.com/office/powerpoint/2010/main" val="1375462907"/>
-      </p:ext>
-    </p:extLst>
-  </p:cSld>
-  <p:clrMapOvr>
-    <a:masterClrMapping/>
-  </p:clrMapOvr>
-  <mc:AlternateContent xmlns:mc="http://schemas.openxmlformats.org/markup-compatibility/2006" xmlns:p14="http://schemas.microsoft.com/office/powerpoint/2010/main">
-    <mc:Choice Requires="p14">
-      <p:transition spd="slow" p14:dur="1600">
-        <p14:prism isInverted="1"/>
-      </p:transition>
-    </mc:Choice>
-    <mc:Fallback xmlns="">
-      <p:transition spd="slow">
-        <p:fade/>
-      </p:transition>
-    </mc:Fallback>
-  </mc:AlternateContent>
-</p:sld>
-</file>
-
-<file path=ppt/slides/slide15.xml><?xml version="1.0" encoding="utf-8"?>
-<p:sld xmlns:a="http://schemas.openxmlformats.org/drawingml/2006/main" xmlns:r="http://schemas.openxmlformats.org/officeDocument/2006/relationships" xmlns:p="http://schemas.openxmlformats.org/presentationml/2006/main">
-  <p:cSld>
-    <p:spTree>
-      <p:nvGrpSpPr>
-        <p:cNvPr id="1" name=""/>
-        <p:cNvGrpSpPr/>
-        <p:nvPr/>
-      </p:nvGrpSpPr>
-      <p:grpSpPr>
-        <a:xfrm>
-          <a:off x="0" y="0"/>
-          <a:ext cx="0" cy="0"/>
-          <a:chOff x="0" y="0"/>
-          <a:chExt cx="0" cy="0"/>
-        </a:xfrm>
-      </p:grpSpPr>
-      <p:pic>
-        <p:nvPicPr>
-          <p:cNvPr id="4" name="Picture 3"/>
-          <p:cNvPicPr>
-            <a:picLocks noChangeAspect="1"/>
-          </p:cNvPicPr>
-          <p:nvPr/>
-        </p:nvPicPr>
-        <p:blipFill rotWithShape="1">
-          <a:blip r:embed="rId2">
-            <a:extLst>
-              <a:ext uri="{28A0092B-C50C-407E-A947-70E740481C1C}">
-                <a14:useLocalDpi xmlns:a14="http://schemas.microsoft.com/office/drawing/2010/main" val="0"/>
-              </a:ext>
-            </a:extLst>
-          </a:blip>
-          <a:srcRect b="12255"/>
-          <a:stretch/>
-        </p:blipFill>
-        <p:spPr>
-          <a:xfrm>
-            <a:off x="899592" y="1484785"/>
-            <a:ext cx="6519079" cy="3816424"/>
-          </a:xfrm>
-          <a:prstGeom prst="rect">
-            <a:avLst/>
-          </a:prstGeom>
-        </p:spPr>
-      </p:pic>
-    </p:spTree>
-    <p:extLst>
-      <p:ext uri="{BB962C8B-B14F-4D97-AF65-F5344CB8AC3E}">
-        <p14:creationId xmlns:p14="http://schemas.microsoft.com/office/powerpoint/2010/main" val="1434522574"/>
-      </p:ext>
-    </p:extLst>
-  </p:cSld>
-  <p:clrMapOvr>
-    <a:masterClrMapping/>
-  </p:clrMapOvr>
-  <mc:AlternateContent xmlns:mc="http://schemas.openxmlformats.org/markup-compatibility/2006" xmlns:p15="http://schemas.microsoft.com/office/powerpoint/2012/main">
-    <mc:Choice Requires="p15">
-      <p:transition xmlns:p14="http://schemas.microsoft.com/office/powerpoint/2010/main" spd="slow" p14:dur="2000">
-        <p15:prstTrans prst="crush"/>
-      </p:transition>
-    </mc:Choice>
-    <mc:Fallback xmlns="">
-      <p:transition spd="slow">
-        <p:fade/>
-      </p:transition>
-    </mc:Fallback>
-  </mc:AlternateContent>
-</p:sld>
-</file>
-
-<file path=ppt/slides/slide2.xml><?xml version="1.0" encoding="utf-8"?>
-<p:sld xmlns:a="http://schemas.openxmlformats.org/drawingml/2006/main" xmlns:r="http://schemas.openxmlformats.org/officeDocument/2006/relationships" xmlns:p="http://schemas.openxmlformats.org/presentationml/2006/main">
-  <p:cSld>
-    <p:spTree>
-      <p:nvGrpSpPr>
-        <p:cNvPr id="1" name=""/>
-        <p:cNvGrpSpPr/>
-        <p:nvPr/>
-      </p:nvGrpSpPr>
-      <p:grpSpPr>
-        <a:xfrm>
-          <a:off x="0" y="0"/>
-          <a:ext cx="0" cy="0"/>
-          <a:chOff x="0" y="0"/>
-          <a:chExt cx="0" cy="0"/>
-        </a:xfrm>
-      </p:grpSpPr>
-      <p:sp>
-        <p:nvSpPr>
-          <p:cNvPr id="2" name="Rectangle 1"/>
-          <p:cNvSpPr/>
-          <p:nvPr/>
-        </p:nvSpPr>
-        <p:spPr>
-          <a:xfrm>
-            <a:off x="574515" y="1960466"/>
-            <a:ext cx="8697231" cy="34298"/>
-          </a:xfrm>
-          <a:prstGeom prst="rect">
-            <a:avLst/>
-          </a:prstGeom>
-        </p:spPr>
-        <p:style>
-          <a:lnRef idx="1">
-            <a:schemeClr val="accent1"/>
-          </a:lnRef>
-          <a:fillRef idx="3">
-            <a:schemeClr val="accent1"/>
-          </a:fillRef>
-          <a:effectRef idx="2">
-            <a:schemeClr val="accent1"/>
-          </a:effectRef>
-          <a:fontRef idx="minor">
-            <a:schemeClr val="lt1"/>
-          </a:fontRef>
-        </p:style>
-        <p:txBody>
-          <a:bodyPr rtlCol="0" anchor="ctr"/>
-          <a:lstStyle/>
-          <a:p>
-            <a:pPr algn="ctr"/>
-            <a:endParaRPr lang="en-US" sz="1350">
-              <a:solidFill>
-                <a:schemeClr val="tx1">
-                  <a:lumMod val="65000"/>
-                  <a:lumOff val="35000"/>
-                </a:schemeClr>
-              </a:solidFill>
-            </a:endParaRPr>
-          </a:p>
-        </p:txBody>
-      </p:sp>
-      <p:sp>
-        <p:nvSpPr>
-          <p:cNvPr id="3" name="Rectangle 2"/>
-          <p:cNvSpPr/>
-          <p:nvPr/>
-        </p:nvSpPr>
-        <p:spPr>
-          <a:xfrm>
-            <a:off x="466475" y="1196752"/>
-            <a:ext cx="9181103" cy="646331"/>
-          </a:xfrm>
-          <a:prstGeom prst="rect">
-            <a:avLst/>
-          </a:prstGeom>
-        </p:spPr>
-        <p:txBody>
-          <a:bodyPr wrap="none">
-            <a:spAutoFit/>
-          </a:bodyPr>
-          <a:lstStyle/>
-          <a:p>
-            <a:r>
-              <a:rPr lang="en-US" sz="3600" dirty="0">
-                <a:solidFill>
-                  <a:schemeClr val="accent1">
-                    <a:lumMod val="75000"/>
-                  </a:schemeClr>
-                </a:solidFill>
-              </a:rPr>
-              <a:t>What is Object Oriented Programming(OOP) ?</a:t>
-            </a:r>
-          </a:p>
-        </p:txBody>
-      </p:sp>
-      <p:sp>
-        <p:nvSpPr>
-          <p:cNvPr id="4" name="Rectangle 3"/>
-          <p:cNvSpPr/>
-          <p:nvPr/>
-        </p:nvSpPr>
-        <p:spPr>
-          <a:xfrm>
-            <a:off x="971600" y="2852936"/>
-            <a:ext cx="7076628" cy="1815882"/>
-          </a:xfrm>
-          <a:prstGeom prst="rect">
-            <a:avLst/>
-          </a:prstGeom>
-        </p:spPr>
-        <p:txBody>
-          <a:bodyPr wrap="square">
-            <a:spAutoFit/>
-          </a:bodyPr>
-          <a:lstStyle/>
-          <a:p>
-            <a:r>
-              <a:rPr lang="en-GB" sz="2800" dirty="0">
-                <a:solidFill>
-                  <a:schemeClr val="accent6">
-                    <a:lumMod val="50000"/>
-                  </a:schemeClr>
-                </a:solidFill>
-              </a:rPr>
-              <a:t>OOP is a programming paradigm which mainly focuses on the concept of “objects” to construct the real world scenario to solve real world problem through programming.</a:t>
-            </a:r>
-            <a:endParaRPr lang="en-US" sz="2800" dirty="0">
-              <a:solidFill>
-                <a:schemeClr val="accent6">
-                  <a:lumMod val="50000"/>
-                </a:schemeClr>
-              </a:solidFill>
-            </a:endParaRPr>
-          </a:p>
-        </p:txBody>
-      </p:sp>
-    </p:spTree>
-    <p:extLst>
-      <p:ext uri="{BB962C8B-B14F-4D97-AF65-F5344CB8AC3E}">
-        <p14:creationId xmlns:p14="http://schemas.microsoft.com/office/powerpoint/2010/main" val="3587736867"/>
-      </p:ext>
-    </p:extLst>
-  </p:cSld>
-  <p:clrMapOvr>
-    <a:masterClrMapping/>
-  </p:clrMapOvr>
-  <mc:AlternateContent xmlns:mc="http://schemas.openxmlformats.org/markup-compatibility/2006" xmlns:p14="http://schemas.microsoft.com/office/powerpoint/2010/main">
-    <mc:Choice Requires="p14">
-      <p:transition spd="slow" p14:dur="1600">
-        <p14:gallery dir="l"/>
-      </p:transition>
-    </mc:Choice>
-    <mc:Fallback xmlns="">
-      <p:transition spd="slow">
-        <p:fade/>
-      </p:transition>
-    </mc:Fallback>
-  </mc:AlternateContent>
-</p:sld>
-</file>
-
-<file path=ppt/slides/slide3.xml><?xml version="1.0" encoding="utf-8"?>
-<p:sld xmlns:a="http://schemas.openxmlformats.org/drawingml/2006/main" xmlns:r="http://schemas.openxmlformats.org/officeDocument/2006/relationships" xmlns:p="http://schemas.openxmlformats.org/presentationml/2006/main">
-  <p:cSld>
-    <p:spTree>
-      <p:nvGrpSpPr>
-        <p:cNvPr id="1" name=""/>
-        <p:cNvGrpSpPr/>
-        <p:nvPr/>
-      </p:nvGrpSpPr>
-      <p:grpSpPr>
-        <a:xfrm>
-          <a:off x="0" y="0"/>
-          <a:ext cx="0" cy="0"/>
-          <a:chOff x="0" y="0"/>
-          <a:chExt cx="0" cy="0"/>
-        </a:xfrm>
-      </p:grpSpPr>
-      <p:sp>
-        <p:nvSpPr>
-          <p:cNvPr id="3" name="Rectangle 2"/>
-          <p:cNvSpPr/>
-          <p:nvPr/>
-        </p:nvSpPr>
-        <p:spPr>
-          <a:xfrm>
-            <a:off x="1115616" y="5373216"/>
-            <a:ext cx="2182129" cy="523220"/>
-          </a:xfrm>
-          <a:prstGeom prst="rect">
-            <a:avLst/>
-          </a:prstGeom>
-        </p:spPr>
-        <p:txBody>
-          <a:bodyPr wrap="square">
-            <a:spAutoFit/>
-          </a:bodyPr>
-          <a:lstStyle/>
-          <a:p>
-            <a:pPr algn="ctr"/>
-            <a:r>
-              <a:rPr lang="en-US" sz="2800" dirty="0">
-                <a:solidFill>
-                  <a:schemeClr val="accent1">
-                    <a:lumMod val="75000"/>
-                  </a:schemeClr>
-                </a:solidFill>
-              </a:rPr>
-              <a:t>Object 1</a:t>
-            </a:r>
-          </a:p>
-        </p:txBody>
-      </p:sp>
-      <p:pic>
-        <p:nvPicPr>
-          <p:cNvPr id="4" name="Picture 3">
-            <a:extLst>
-              <a:ext uri="{FF2B5EF4-FFF2-40B4-BE49-F238E27FC236}">
-                <a16:creationId xmlns:a16="http://schemas.microsoft.com/office/drawing/2014/main" id="{0F32EBD3-5D96-40BF-8E0D-26252FCBA48E}"/>
-              </a:ext>
-            </a:extLst>
-          </p:cNvPr>
-          <p:cNvPicPr>
-            <a:picLocks noChangeAspect="1"/>
-          </p:cNvPicPr>
-          <p:nvPr/>
-        </p:nvPicPr>
-        <p:blipFill>
-          <a:blip r:embed="rId2"/>
-          <a:stretch>
-            <a:fillRect/>
-          </a:stretch>
-        </p:blipFill>
-        <p:spPr>
-          <a:xfrm>
-            <a:off x="3032506" y="188640"/>
-            <a:ext cx="3078988" cy="2656649"/>
-          </a:xfrm>
-          <a:prstGeom prst="rect">
-            <a:avLst/>
-          </a:prstGeom>
-        </p:spPr>
-      </p:pic>
-      <p:pic>
-        <p:nvPicPr>
-          <p:cNvPr id="7" name="Picture 6">
-            <a:extLst>
-              <a:ext uri="{FF2B5EF4-FFF2-40B4-BE49-F238E27FC236}">
-                <a16:creationId xmlns:a16="http://schemas.microsoft.com/office/drawing/2014/main" id="{71821A04-6F0A-4780-8A73-5330F5590B5E}"/>
-              </a:ext>
-            </a:extLst>
-          </p:cNvPr>
-          <p:cNvPicPr>
-            <a:picLocks noChangeAspect="1"/>
-          </p:cNvPicPr>
-          <p:nvPr/>
-        </p:nvPicPr>
-        <p:blipFill>
-          <a:blip r:embed="rId3"/>
-          <a:stretch>
-            <a:fillRect/>
-          </a:stretch>
-        </p:blipFill>
-        <p:spPr>
-          <a:xfrm>
-            <a:off x="898656" y="4012712"/>
-            <a:ext cx="3144409" cy="1099838"/>
-          </a:xfrm>
-          <a:prstGeom prst="rect">
-            <a:avLst/>
-          </a:prstGeom>
-        </p:spPr>
-      </p:pic>
-      <p:pic>
-        <p:nvPicPr>
-          <p:cNvPr id="6" name="Picture 5">
-            <a:extLst>
-              <a:ext uri="{FF2B5EF4-FFF2-40B4-BE49-F238E27FC236}">
-                <a16:creationId xmlns:a16="http://schemas.microsoft.com/office/drawing/2014/main" id="{81FE2B0A-83D0-4ED6-BFC1-55BFDDDD4096}"/>
-              </a:ext>
-            </a:extLst>
-          </p:cNvPr>
-          <p:cNvPicPr>
-            <a:picLocks noChangeAspect="1"/>
-          </p:cNvPicPr>
-          <p:nvPr/>
-        </p:nvPicPr>
-        <p:blipFill>
-          <a:blip r:embed="rId3"/>
-          <a:stretch>
-            <a:fillRect/>
-          </a:stretch>
-        </p:blipFill>
-        <p:spPr>
-          <a:xfrm>
-            <a:off x="5220072" y="4012712"/>
-            <a:ext cx="3144409" cy="1099838"/>
-          </a:xfrm>
-          <a:prstGeom prst="rect">
-            <a:avLst/>
-          </a:prstGeom>
-        </p:spPr>
-      </p:pic>
-      <p:pic>
-        <p:nvPicPr>
-          <p:cNvPr id="11" name="Picture 10">
-            <a:extLst>
-              <a:ext uri="{FF2B5EF4-FFF2-40B4-BE49-F238E27FC236}">
-                <a16:creationId xmlns:a16="http://schemas.microsoft.com/office/drawing/2014/main" id="{8BF188B5-69AF-4727-A364-FF2BD51B2D00}"/>
-              </a:ext>
-            </a:extLst>
-          </p:cNvPr>
-          <p:cNvPicPr>
-            <a:picLocks noChangeAspect="1"/>
-          </p:cNvPicPr>
-          <p:nvPr/>
-        </p:nvPicPr>
-        <p:blipFill>
-          <a:blip r:embed="rId4"/>
-          <a:stretch>
-            <a:fillRect/>
-          </a:stretch>
-        </p:blipFill>
-        <p:spPr>
-          <a:xfrm>
-            <a:off x="5697949" y="5214755"/>
-            <a:ext cx="2188654" cy="963251"/>
-          </a:xfrm>
-          <a:prstGeom prst="rect">
-            <a:avLst/>
-          </a:prstGeom>
-        </p:spPr>
-      </p:pic>
-      <p:sp>
-        <p:nvSpPr>
-          <p:cNvPr id="19" name="Rectangle 18">
-            <a:extLst>
-              <a:ext uri="{FF2B5EF4-FFF2-40B4-BE49-F238E27FC236}">
-                <a16:creationId xmlns:a16="http://schemas.microsoft.com/office/drawing/2014/main" id="{57AC320D-6ABA-4342-860B-B0DAD2982ACE}"/>
-              </a:ext>
-            </a:extLst>
-          </p:cNvPr>
-          <p:cNvSpPr/>
-          <p:nvPr/>
-        </p:nvSpPr>
-        <p:spPr>
-          <a:xfrm>
-            <a:off x="3565188" y="2583678"/>
-            <a:ext cx="1654884" cy="523220"/>
-          </a:xfrm>
-          <a:prstGeom prst="rect">
-            <a:avLst/>
-          </a:prstGeom>
-        </p:spPr>
-        <p:txBody>
-          <a:bodyPr wrap="square">
-            <a:spAutoFit/>
-          </a:bodyPr>
-          <a:lstStyle/>
-          <a:p>
-            <a:pPr algn="ctr"/>
-            <a:r>
-              <a:rPr lang="en-US" sz="2800" dirty="0">
-                <a:solidFill>
-                  <a:schemeClr val="accent1">
-                    <a:lumMod val="75000"/>
-                  </a:schemeClr>
-                </a:solidFill>
-              </a:rPr>
-              <a:t>Class</a:t>
-            </a:r>
-          </a:p>
-        </p:txBody>
-      </p:sp>
-    </p:spTree>
-    <p:extLst>
-      <p:ext uri="{BB962C8B-B14F-4D97-AF65-F5344CB8AC3E}">
-        <p14:creationId xmlns:p14="http://schemas.microsoft.com/office/powerpoint/2010/main" val="2315813332"/>
-      </p:ext>
-    </p:extLst>
-  </p:cSld>
-  <p:clrMapOvr>
-    <a:masterClrMapping/>
-  </p:clrMapOvr>
-  <mc:AlternateContent xmlns:mc="http://schemas.openxmlformats.org/markup-compatibility/2006" xmlns:p14="http://schemas.microsoft.com/office/powerpoint/2010/main">
-    <mc:Choice Requires="p14">
-      <p:transition spd="slow" p14:dur="1200">
-        <p14:prism/>
-      </p:transition>
-    </mc:Choice>
-    <mc:Fallback xmlns="">
-      <p:transition spd="slow">
-        <p:fade/>
-      </p:transition>
-    </mc:Fallback>
-  </mc:AlternateContent>
-</p:sld>
-</file>
-
-<file path=ppt/slides/slide4.xml><?xml version="1.0" encoding="utf-8"?>
-<p:sld xmlns:a="http://schemas.openxmlformats.org/drawingml/2006/main" xmlns:r="http://schemas.openxmlformats.org/officeDocument/2006/relationships" xmlns:p="http://schemas.openxmlformats.org/presentationml/2006/main">
-  <p:cSld>
-    <p:spTree>
-      <p:nvGrpSpPr>
-        <p:cNvPr id="1" name=""/>
-        <p:cNvGrpSpPr/>
-        <p:nvPr/>
-      </p:nvGrpSpPr>
-      <p:grpSpPr>
-        <a:xfrm>
-          <a:off x="0" y="0"/>
-          <a:ext cx="0" cy="0"/>
-          <a:chOff x="0" y="0"/>
-          <a:chExt cx="0" cy="0"/>
-        </a:xfrm>
-      </p:grpSpPr>
-      <p:sp>
-        <p:nvSpPr>
-          <p:cNvPr id="3" name="Rectangle 2"/>
-          <p:cNvSpPr/>
-          <p:nvPr/>
-        </p:nvSpPr>
-        <p:spPr>
-          <a:xfrm>
-            <a:off x="1386053" y="1340430"/>
-            <a:ext cx="6163097" cy="923330"/>
-          </a:xfrm>
-          <a:prstGeom prst="rect">
-            <a:avLst/>
-          </a:prstGeom>
-        </p:spPr>
-        <p:txBody>
-          <a:bodyPr wrap="none">
-            <a:spAutoFit/>
-          </a:bodyPr>
-          <a:lstStyle/>
-          <a:p>
-            <a:r>
-              <a:rPr lang="en-US" sz="5400" dirty="0">
-                <a:solidFill>
-                  <a:schemeClr val="accent1">
-                    <a:lumMod val="75000"/>
-                  </a:schemeClr>
-                </a:solidFill>
-              </a:rPr>
-              <a:t>Why is it important?</a:t>
-            </a:r>
-          </a:p>
-        </p:txBody>
-      </p:sp>
-    </p:spTree>
-    <p:extLst>
-      <p:ext uri="{BB962C8B-B14F-4D97-AF65-F5344CB8AC3E}">
-        <p14:creationId xmlns:p14="http://schemas.microsoft.com/office/powerpoint/2010/main" val="3483086654"/>
-      </p:ext>
-    </p:extLst>
-  </p:cSld>
-  <p:clrMapOvr>
-    <a:masterClrMapping/>
-  </p:clrMapOvr>
-  <mc:AlternateContent xmlns:mc="http://schemas.openxmlformats.org/markup-compatibility/2006" xmlns:p14="http://schemas.microsoft.com/office/powerpoint/2010/main">
-    <mc:Choice Requires="p14">
-      <p:transition spd="slow" p14:dur="1200">
-        <p14:prism/>
-      </p:transition>
-    </mc:Choice>
-    <mc:Fallback xmlns="">
-      <p:transition spd="slow">
-        <p:fade/>
-      </p:transition>
-    </mc:Fallback>
-  </mc:AlternateContent>
-</p:sld>
-</file>
-
-<file path=ppt/slides/slide5.xml><?xml version="1.0" encoding="utf-8"?>
-<p:sld xmlns:a="http://schemas.openxmlformats.org/drawingml/2006/main" xmlns:r="http://schemas.openxmlformats.org/officeDocument/2006/relationships" xmlns:p="http://schemas.openxmlformats.org/presentationml/2006/main">
-  <p:cSld>
-    <p:spTree>
-      <p:nvGrpSpPr>
-        <p:cNvPr id="1" name=""/>
-        <p:cNvGrpSpPr/>
-        <p:nvPr/>
-      </p:nvGrpSpPr>
-      <p:grpSpPr>
-        <a:xfrm>
-          <a:off x="0" y="0"/>
-          <a:ext cx="0" cy="0"/>
-          <a:chOff x="0" y="0"/>
-          <a:chExt cx="0" cy="0"/>
-        </a:xfrm>
-      </p:grpSpPr>
-      <p:sp>
-        <p:nvSpPr>
-          <p:cNvPr id="2" name="Rectangle 1"/>
-          <p:cNvSpPr/>
-          <p:nvPr/>
-        </p:nvSpPr>
-        <p:spPr>
-          <a:xfrm>
-            <a:off x="574515" y="1744442"/>
-            <a:ext cx="8697231" cy="34298"/>
-          </a:xfrm>
-          <a:prstGeom prst="rect">
-            <a:avLst/>
-          </a:prstGeom>
-        </p:spPr>
-        <p:style>
-          <a:lnRef idx="1">
-            <a:schemeClr val="accent1"/>
-          </a:lnRef>
-          <a:fillRef idx="3">
-            <a:schemeClr val="accent1"/>
-          </a:fillRef>
-          <a:effectRef idx="2">
-            <a:schemeClr val="accent1"/>
-          </a:effectRef>
-          <a:fontRef idx="minor">
-            <a:schemeClr val="lt1"/>
-          </a:fontRef>
-        </p:style>
-        <p:txBody>
-          <a:bodyPr rtlCol="0" anchor="ctr"/>
-          <a:lstStyle/>
-          <a:p>
-            <a:pPr algn="ctr"/>
-            <a:endParaRPr lang="en-US" sz="1350">
-              <a:solidFill>
-                <a:schemeClr val="tx1">
-                  <a:lumMod val="65000"/>
-                  <a:lumOff val="35000"/>
-                </a:schemeClr>
-              </a:solidFill>
-            </a:endParaRPr>
-          </a:p>
-        </p:txBody>
-      </p:sp>
-      <p:sp>
-        <p:nvSpPr>
-          <p:cNvPr id="3" name="Rectangle 2"/>
-          <p:cNvSpPr/>
-          <p:nvPr/>
-        </p:nvSpPr>
-        <p:spPr>
-          <a:xfrm>
-            <a:off x="467544" y="980728"/>
-            <a:ext cx="6828985" cy="769441"/>
-          </a:xfrm>
-          <a:prstGeom prst="rect">
-            <a:avLst/>
-          </a:prstGeom>
-        </p:spPr>
-        <p:txBody>
-          <a:bodyPr wrap="none">
-            <a:spAutoFit/>
-          </a:bodyPr>
-          <a:lstStyle/>
-          <a:p>
-            <a:r>
-              <a:rPr lang="en-US" sz="4400" dirty="0">
-                <a:solidFill>
-                  <a:schemeClr val="accent1">
-                    <a:lumMod val="75000"/>
-                  </a:schemeClr>
-                </a:solidFill>
-              </a:rPr>
-              <a:t>What is Enterprise Storage?</a:t>
-            </a:r>
-          </a:p>
-        </p:txBody>
-      </p:sp>
-      <p:sp>
-        <p:nvSpPr>
-          <p:cNvPr id="4" name="Rectangle 3"/>
-          <p:cNvSpPr/>
-          <p:nvPr/>
-        </p:nvSpPr>
-        <p:spPr>
-          <a:xfrm>
-            <a:off x="827584" y="2513883"/>
-            <a:ext cx="7076628" cy="2308324"/>
-          </a:xfrm>
-          <a:prstGeom prst="rect">
-            <a:avLst/>
-          </a:prstGeom>
-        </p:spPr>
-        <p:txBody>
-          <a:bodyPr wrap="square">
-            <a:spAutoFit/>
-          </a:bodyPr>
-          <a:lstStyle/>
-          <a:p>
-            <a:r>
-              <a:rPr lang="en-GB" sz="3600" dirty="0">
-                <a:solidFill>
-                  <a:schemeClr val="accent6">
-                    <a:lumMod val="50000"/>
-                  </a:schemeClr>
-                </a:solidFill>
-              </a:rPr>
-              <a:t>Enterprise storage means the data storage system which is used for storing, manipulating, backing up data of an enterprise</a:t>
-            </a:r>
-            <a:endParaRPr lang="en-US" sz="3600" dirty="0">
-              <a:solidFill>
-                <a:schemeClr val="accent6">
-                  <a:lumMod val="50000"/>
-                </a:schemeClr>
-              </a:solidFill>
-            </a:endParaRPr>
-          </a:p>
-        </p:txBody>
-      </p:sp>
-    </p:spTree>
-    <p:extLst>
-      <p:ext uri="{BB962C8B-B14F-4D97-AF65-F5344CB8AC3E}">
-        <p14:creationId xmlns:p14="http://schemas.microsoft.com/office/powerpoint/2010/main" val="4292339415"/>
-      </p:ext>
-    </p:extLst>
-  </p:cSld>
-  <p:clrMapOvr>
-    <a:masterClrMapping/>
-  </p:clrMapOvr>
-  <p:transition spd="slow">
-    <p:randomBar dir="vert"/>
-  </p:transition>
-</p:sld>
-</file>
-
-<file path=ppt/slides/slide6.xml><?xml version="1.0" encoding="utf-8"?>
-<p:sld xmlns:a="http://schemas.openxmlformats.org/drawingml/2006/main" xmlns:r="http://schemas.openxmlformats.org/officeDocument/2006/relationships" xmlns:p="http://schemas.openxmlformats.org/presentationml/2006/main">
-  <p:cSld>
-    <p:spTree>
-      <p:nvGrpSpPr>
-        <p:cNvPr id="1" name=""/>
-        <p:cNvGrpSpPr/>
-        <p:nvPr/>
-      </p:nvGrpSpPr>
-      <p:grpSpPr>
-        <a:xfrm>
-          <a:off x="0" y="0"/>
-          <a:ext cx="0" cy="0"/>
-          <a:chOff x="0" y="0"/>
-          <a:chExt cx="0" cy="0"/>
-        </a:xfrm>
-      </p:grpSpPr>
-      <p:sp>
-        <p:nvSpPr>
-          <p:cNvPr id="2" name="Rectangle 1"/>
-          <p:cNvSpPr/>
-          <p:nvPr/>
-        </p:nvSpPr>
-        <p:spPr>
-          <a:xfrm>
-            <a:off x="574515" y="1289747"/>
-            <a:ext cx="8643211" cy="34298"/>
-          </a:xfrm>
-          <a:prstGeom prst="rect">
-            <a:avLst/>
-          </a:prstGeom>
-        </p:spPr>
-        <p:style>
-          <a:lnRef idx="1">
-            <a:schemeClr val="accent1"/>
-          </a:lnRef>
-          <a:fillRef idx="3">
-            <a:schemeClr val="accent1"/>
-          </a:fillRef>
-          <a:effectRef idx="2">
-            <a:schemeClr val="accent1"/>
-          </a:effectRef>
-          <a:fontRef idx="minor">
-            <a:schemeClr val="lt1"/>
-          </a:fontRef>
-        </p:style>
-        <p:txBody>
-          <a:bodyPr rtlCol="0" anchor="ctr"/>
-          <a:lstStyle/>
-          <a:p>
-            <a:pPr algn="ctr"/>
-            <a:endParaRPr lang="en-US" sz="1350">
-              <a:solidFill>
-                <a:schemeClr val="tx1">
-                  <a:lumMod val="65000"/>
-                  <a:lumOff val="35000"/>
-                </a:schemeClr>
-              </a:solidFill>
-            </a:endParaRPr>
-          </a:p>
-        </p:txBody>
-      </p:sp>
-      <p:sp>
-        <p:nvSpPr>
-          <p:cNvPr id="3" name="Rectangle 2"/>
-          <p:cNvSpPr/>
-          <p:nvPr/>
-        </p:nvSpPr>
-        <p:spPr>
-          <a:xfrm>
-            <a:off x="525459" y="548680"/>
-            <a:ext cx="4605556" cy="707886"/>
-          </a:xfrm>
-          <a:prstGeom prst="rect">
-            <a:avLst/>
-          </a:prstGeom>
-        </p:spPr>
-        <p:txBody>
-          <a:bodyPr wrap="none">
-            <a:spAutoFit/>
-          </a:bodyPr>
-          <a:lstStyle/>
-          <a:p>
-            <a:r>
-              <a:rPr lang="en-US" sz="4000" dirty="0">
-                <a:solidFill>
-                  <a:schemeClr val="accent1">
-                    <a:lumMod val="75000"/>
-                  </a:schemeClr>
-                </a:solidFill>
-              </a:rPr>
-              <a:t>Why is it important?</a:t>
-            </a:r>
-          </a:p>
-        </p:txBody>
-      </p:sp>
-      <p:sp>
-        <p:nvSpPr>
-          <p:cNvPr id="4" name="Rectangle 3"/>
-          <p:cNvSpPr/>
-          <p:nvPr/>
-        </p:nvSpPr>
-        <p:spPr>
-          <a:xfrm>
-            <a:off x="2483768" y="2030860"/>
-            <a:ext cx="4104456" cy="584775"/>
-          </a:xfrm>
-          <a:prstGeom prst="rect">
-            <a:avLst/>
-          </a:prstGeom>
-        </p:spPr>
-        <p:txBody>
-          <a:bodyPr wrap="square">
-            <a:spAutoFit/>
-          </a:bodyPr>
-          <a:lstStyle/>
-          <a:p>
-            <a:r>
-              <a:rPr lang="en-US" sz="3200" b="1" dirty="0">
-                <a:solidFill>
-                  <a:schemeClr val="accent6">
-                    <a:lumMod val="50000"/>
-                  </a:schemeClr>
-                </a:solidFill>
-                <a:latin typeface="Adobe Kaiti Std R" panose="02020400000000000000" pitchFamily="18" charset="-128"/>
-                <a:ea typeface="Adobe Kaiti Std R" panose="02020400000000000000" pitchFamily="18" charset="-128"/>
-              </a:rPr>
-              <a:t>Secure data storage</a:t>
-            </a:r>
-          </a:p>
-        </p:txBody>
-      </p:sp>
-      <p:pic>
-        <p:nvPicPr>
-          <p:cNvPr id="5" name="Picture 4"/>
-          <p:cNvPicPr>
-            <a:picLocks noChangeAspect="1"/>
-          </p:cNvPicPr>
-          <p:nvPr/>
-        </p:nvPicPr>
-        <p:blipFill>
-          <a:blip r:embed="rId2">
-            <a:extLst>
-              <a:ext uri="{28A0092B-C50C-407E-A947-70E740481C1C}">
-                <a14:useLocalDpi xmlns:a14="http://schemas.microsoft.com/office/drawing/2010/main" val="0"/>
-              </a:ext>
-            </a:extLst>
-          </a:blip>
-          <a:stretch>
-            <a:fillRect/>
-          </a:stretch>
-        </p:blipFill>
-        <p:spPr>
-          <a:xfrm>
-            <a:off x="1403648" y="3501008"/>
-            <a:ext cx="6084562" cy="2320959"/>
-          </a:xfrm>
-          <a:prstGeom prst="rect">
-            <a:avLst/>
-          </a:prstGeom>
-        </p:spPr>
-      </p:pic>
-    </p:spTree>
-    <p:extLst>
-      <p:ext uri="{BB962C8B-B14F-4D97-AF65-F5344CB8AC3E}">
-        <p14:creationId xmlns:p14="http://schemas.microsoft.com/office/powerpoint/2010/main" val="2284065592"/>
-      </p:ext>
-    </p:extLst>
-  </p:cSld>
-  <p:clrMapOvr>
-    <a:masterClrMapping/>
-  </p:clrMapOvr>
-  <p:transition spd="slow">
-    <p:wheel spokes="1"/>
-  </p:transition>
-  <p:timing>
-    <p:tnLst>
-      <p:par>
-        <p:cTn id="1" dur="indefinite" restart="never" nodeType="tmRoot">
-          <p:childTnLst>
-            <p:seq concurrent="1" nextAc="seek">
-              <p:cTn id="2" dur="indefinite" nodeType="mainSeq">
-                <p:childTnLst>
-                  <p:par>
-                    <p:cTn id="3" fill="hold">
-                      <p:stCondLst>
-                        <p:cond delay="indefinite"/>
-                        <p:cond evt="onBegin" delay="0">
-                          <p:tn val="2"/>
-                        </p:cond>
-                      </p:stCondLst>
-                      <p:childTnLst>
-                        <p:par>
-                          <p:cTn id="4" fill="hold">
-                            <p:stCondLst>
-                              <p:cond delay="0"/>
-                            </p:stCondLst>
-                            <p:childTnLst>
-                              <p:par>
-                                <p:cTn id="5" presetID="6" presetClass="emph" presetSubtype="0" fill="hold" grpId="0" nodeType="afterEffect">
-                                  <p:stCondLst>
-                                    <p:cond delay="0"/>
-                                  </p:stCondLst>
-                                  <p:childTnLst>
-                                    <p:animScale>
-                                      <p:cBhvr>
-                                        <p:cTn id="6" dur="2000" fill="hold"/>
-                                        <p:tgtEl>
-                                          <p:spTgt spid="4"/>
-                                        </p:tgtEl>
-                                      </p:cBhvr>
-                                      <p:by x="150000" y="150000"/>
-                                    </p:animScale>
-                                  </p:childTnLst>
-                                </p:cTn>
-                              </p:par>
-                            </p:childTnLst>
-                          </p:cTn>
-                        </p:par>
-                      </p:childTnLst>
-                    </p:cTn>
-                  </p:par>
-                </p:childTnLst>
-              </p:cTn>
-              <p:prevCondLst>
-                <p:cond evt="onPrev" delay="0">
-                  <p:tgtEl>
-                    <p:sldTgt/>
-                  </p:tgtEl>
-                </p:cond>
-              </p:prevCondLst>
-              <p:nextCondLst>
-                <p:cond evt="onNext" delay="0">
-                  <p:tgtEl>
-                    <p:sldTgt/>
-                  </p:tgtEl>
-                </p:cond>
-              </p:nextCondLst>
-            </p:seq>
-          </p:childTnLst>
-        </p:cTn>
-      </p:par>
-    </p:tnLst>
-    <p:bldLst>
-      <p:bldP spid="4" grpId="0"/>
-    </p:bldLst>
-  </p:timing>
-</p:sld>
-</file>
-
-<file path=ppt/slides/slide7.xml><?xml version="1.0" encoding="utf-8"?>
-<p:sld xmlns:a="http://schemas.openxmlformats.org/drawingml/2006/main" xmlns:r="http://schemas.openxmlformats.org/officeDocument/2006/relationships" xmlns:p="http://schemas.openxmlformats.org/presentationml/2006/main">
-  <p:cSld>
-    <p:spTree>
-      <p:nvGrpSpPr>
-        <p:cNvPr id="1" name=""/>
-        <p:cNvGrpSpPr/>
-        <p:nvPr/>
-      </p:nvGrpSpPr>
-      <p:grpSpPr>
-        <a:xfrm>
-          <a:off x="0" y="0"/>
-          <a:ext cx="0" cy="0"/>
-          <a:chOff x="0" y="0"/>
-          <a:chExt cx="0" cy="0"/>
-        </a:xfrm>
-      </p:grpSpPr>
-      <p:sp>
-        <p:nvSpPr>
-          <p:cNvPr id="4" name="Rectangle 3"/>
-          <p:cNvSpPr/>
-          <p:nvPr/>
-        </p:nvSpPr>
-        <p:spPr>
-          <a:xfrm>
-            <a:off x="3004728" y="1836113"/>
-            <a:ext cx="2918520" cy="584775"/>
-          </a:xfrm>
-          <a:prstGeom prst="rect">
-            <a:avLst/>
-          </a:prstGeom>
-        </p:spPr>
-        <p:txBody>
-          <a:bodyPr wrap="square">
-            <a:spAutoFit/>
-          </a:bodyPr>
-          <a:lstStyle/>
-          <a:p>
-            <a:r>
-              <a:rPr lang="en-US" sz="3200" b="1" dirty="0">
-                <a:solidFill>
-                  <a:schemeClr val="accent6">
-                    <a:lumMod val="50000"/>
-                  </a:schemeClr>
-                </a:solidFill>
-                <a:latin typeface="Adobe Kaiti Std R" panose="02020400000000000000" pitchFamily="18" charset="-128"/>
-                <a:ea typeface="Adobe Kaiti Std R" panose="02020400000000000000" pitchFamily="18" charset="-128"/>
-              </a:rPr>
-              <a:t>Ease of access</a:t>
-            </a:r>
-          </a:p>
-        </p:txBody>
-      </p:sp>
-      <p:pic>
-        <p:nvPicPr>
-          <p:cNvPr id="6" name="Picture 5"/>
-          <p:cNvPicPr>
-            <a:picLocks noChangeAspect="1"/>
-          </p:cNvPicPr>
-          <p:nvPr/>
-        </p:nvPicPr>
-        <p:blipFill>
-          <a:blip r:embed="rId2">
-            <a:extLst>
-              <a:ext uri="{28A0092B-C50C-407E-A947-70E740481C1C}">
-                <a14:useLocalDpi xmlns:a14="http://schemas.microsoft.com/office/drawing/2010/main" val="0"/>
-              </a:ext>
-            </a:extLst>
-          </a:blip>
-          <a:stretch>
-            <a:fillRect/>
-          </a:stretch>
-        </p:blipFill>
-        <p:spPr>
-          <a:xfrm>
-            <a:off x="2483768" y="3356992"/>
-            <a:ext cx="3960440" cy="2849057"/>
-          </a:xfrm>
-          <a:prstGeom prst="rect">
-            <a:avLst/>
-          </a:prstGeom>
-        </p:spPr>
-      </p:pic>
-      <p:sp>
-        <p:nvSpPr>
-          <p:cNvPr id="7" name="Rectangle 6"/>
-          <p:cNvSpPr/>
-          <p:nvPr/>
-        </p:nvSpPr>
-        <p:spPr>
-          <a:xfrm>
-            <a:off x="574515" y="1289747"/>
-            <a:ext cx="8643211" cy="34298"/>
-          </a:xfrm>
-          <a:prstGeom prst="rect">
-            <a:avLst/>
-          </a:prstGeom>
-        </p:spPr>
-        <p:style>
-          <a:lnRef idx="1">
-            <a:schemeClr val="accent1"/>
-          </a:lnRef>
-          <a:fillRef idx="3">
-            <a:schemeClr val="accent1"/>
-          </a:fillRef>
-          <a:effectRef idx="2">
-            <a:schemeClr val="accent1"/>
-          </a:effectRef>
-          <a:fontRef idx="minor">
-            <a:schemeClr val="lt1"/>
-          </a:fontRef>
-        </p:style>
-        <p:txBody>
-          <a:bodyPr rtlCol="0" anchor="ctr"/>
-          <a:lstStyle/>
-          <a:p>
-            <a:pPr algn="ctr"/>
-            <a:endParaRPr lang="en-US" sz="1350">
-              <a:solidFill>
-                <a:schemeClr val="tx1">
-                  <a:lumMod val="65000"/>
-                  <a:lumOff val="35000"/>
-                </a:schemeClr>
-              </a:solidFill>
-            </a:endParaRPr>
-          </a:p>
-        </p:txBody>
-      </p:sp>
-      <p:sp>
-        <p:nvSpPr>
-          <p:cNvPr id="8" name="Rectangle 7"/>
-          <p:cNvSpPr/>
-          <p:nvPr/>
-        </p:nvSpPr>
-        <p:spPr>
-          <a:xfrm>
-            <a:off x="525459" y="548680"/>
-            <a:ext cx="4605556" cy="707886"/>
-          </a:xfrm>
-          <a:prstGeom prst="rect">
-            <a:avLst/>
-          </a:prstGeom>
-        </p:spPr>
-        <p:txBody>
-          <a:bodyPr wrap="none">
-            <a:spAutoFit/>
-          </a:bodyPr>
-          <a:lstStyle/>
-          <a:p>
-            <a:r>
-              <a:rPr lang="en-US" sz="4000" dirty="0">
-                <a:solidFill>
-                  <a:schemeClr val="accent1">
-                    <a:lumMod val="75000"/>
-                  </a:schemeClr>
-                </a:solidFill>
-              </a:rPr>
-              <a:t>Why is it important?</a:t>
-            </a:r>
-          </a:p>
-        </p:txBody>
-      </p:sp>
-    </p:spTree>
-    <p:extLst>
-      <p:ext uri="{BB962C8B-B14F-4D97-AF65-F5344CB8AC3E}">
-        <p14:creationId xmlns:p14="http://schemas.microsoft.com/office/powerpoint/2010/main" val="1303484"/>
-      </p:ext>
-    </p:extLst>
-  </p:cSld>
-  <p:clrMapOvr>
-    <a:masterClrMapping/>
-  </p:clrMapOvr>
-  <mc:AlternateContent xmlns:mc="http://schemas.openxmlformats.org/markup-compatibility/2006" xmlns:p14="http://schemas.microsoft.com/office/powerpoint/2010/main">
-    <mc:Choice Requires="p14">
-      <p:transition spd="slow" p14:dur="1500">
-        <p:split orient="vert"/>
-      </p:transition>
-    </mc:Choice>
-    <mc:Fallback xmlns="">
-      <p:transition spd="slow">
-        <p:split orient="vert"/>
-      </p:transition>
-    </mc:Fallback>
-  </mc:AlternateContent>
-  <p:timing>
-    <p:tnLst>
-      <p:par>
-        <p:cTn id="1" dur="indefinite" restart="never" nodeType="tmRoot">
-          <p:childTnLst>
-            <p:seq concurrent="1" nextAc="seek">
-              <p:cTn id="2" dur="indefinite" nodeType="mainSeq">
-                <p:childTnLst>
-                  <p:par>
-                    <p:cTn id="3" fill="hold">
-                      <p:stCondLst>
-                        <p:cond delay="indefinite"/>
-                        <p:cond evt="onBegin" delay="0">
-                          <p:tn val="2"/>
-                        </p:cond>
-                      </p:stCondLst>
-                      <p:childTnLst>
-                        <p:par>
-                          <p:cTn id="4" fill="hold">
-                            <p:stCondLst>
-                              <p:cond delay="0"/>
-                            </p:stCondLst>
-                            <p:childTnLst>
-                              <p:par>
-                                <p:cTn id="5" presetID="6" presetClass="emph" presetSubtype="0" fill="hold" grpId="0" nodeType="afterEffect">
-                                  <p:stCondLst>
-                                    <p:cond delay="0"/>
-                                  </p:stCondLst>
-                                  <p:childTnLst>
-                                    <p:animScale>
-                                      <p:cBhvr>
-                                        <p:cTn id="6" dur="2000" fill="hold"/>
-                                        <p:tgtEl>
-                                          <p:spTgt spid="4"/>
-                                        </p:tgtEl>
-                                      </p:cBhvr>
-                                      <p:by x="150000" y="150000"/>
-                                    </p:animScale>
-                                  </p:childTnLst>
-                                </p:cTn>
-                              </p:par>
-                            </p:childTnLst>
-                          </p:cTn>
-                        </p:par>
-                      </p:childTnLst>
-                    </p:cTn>
-                  </p:par>
-                </p:childTnLst>
-              </p:cTn>
-              <p:prevCondLst>
-                <p:cond evt="onPrev" delay="0">
-                  <p:tgtEl>
-                    <p:sldTgt/>
-                  </p:tgtEl>
-                </p:cond>
-              </p:prevCondLst>
-              <p:nextCondLst>
-                <p:cond evt="onNext" delay="0">
-                  <p:tgtEl>
-                    <p:sldTgt/>
-                  </p:tgtEl>
-                </p:cond>
-              </p:nextCondLst>
-            </p:seq>
-          </p:childTnLst>
-        </p:cTn>
-      </p:par>
-    </p:tnLst>
-    <p:bldLst>
-      <p:bldP spid="4" grpId="0"/>
-    </p:bldLst>
-  </p:timing>
-</p:sld>
-</file>
-
-<file path=ppt/slides/slide8.xml><?xml version="1.0" encoding="utf-8"?>
-<p:sld xmlns:a="http://schemas.openxmlformats.org/drawingml/2006/main" xmlns:r="http://schemas.openxmlformats.org/officeDocument/2006/relationships" xmlns:p="http://schemas.openxmlformats.org/presentationml/2006/main">
-  <p:cSld>
-    <p:spTree>
-      <p:nvGrpSpPr>
-        <p:cNvPr id="1" name=""/>
-        <p:cNvGrpSpPr/>
-        <p:nvPr/>
-      </p:nvGrpSpPr>
-      <p:grpSpPr>
-        <a:xfrm>
-          <a:off x="0" y="0"/>
-          <a:ext cx="0" cy="0"/>
-          <a:chOff x="0" y="0"/>
-          <a:chExt cx="0" cy="0"/>
-        </a:xfrm>
-      </p:grpSpPr>
-      <p:sp>
-        <p:nvSpPr>
-          <p:cNvPr id="4" name="Rectangle 3"/>
-          <p:cNvSpPr/>
-          <p:nvPr/>
-        </p:nvSpPr>
-        <p:spPr>
-          <a:xfrm>
-            <a:off x="2555776" y="1892603"/>
-            <a:ext cx="3816424" cy="600293"/>
-          </a:xfrm>
-          <a:prstGeom prst="rect">
-            <a:avLst/>
-          </a:prstGeom>
-        </p:spPr>
-        <p:txBody>
-          <a:bodyPr wrap="square">
-            <a:spAutoFit/>
-          </a:bodyPr>
-          <a:lstStyle/>
-          <a:p>
-            <a:r>
-              <a:rPr lang="en-US" sz="3200" b="1" dirty="0">
-                <a:solidFill>
-                  <a:schemeClr val="accent6">
-                    <a:lumMod val="50000"/>
-                  </a:schemeClr>
-                </a:solidFill>
-                <a:latin typeface="Adobe Kaiti Std R" panose="02020400000000000000" pitchFamily="18" charset="-128"/>
-                <a:ea typeface="Adobe Kaiti Std R" panose="02020400000000000000" pitchFamily="18" charset="-128"/>
-              </a:rPr>
-              <a:t>Always availability</a:t>
-            </a:r>
-          </a:p>
-        </p:txBody>
-      </p:sp>
-      <p:pic>
-        <p:nvPicPr>
-          <p:cNvPr id="6" name="Picture 5"/>
-          <p:cNvPicPr>
-            <a:picLocks noChangeAspect="1"/>
-          </p:cNvPicPr>
-          <p:nvPr/>
-        </p:nvPicPr>
-        <p:blipFill>
-          <a:blip r:embed="rId2">
-            <a:extLst>
-              <a:ext uri="{28A0092B-C50C-407E-A947-70E740481C1C}">
-                <a14:useLocalDpi xmlns:a14="http://schemas.microsoft.com/office/drawing/2010/main" val="0"/>
-              </a:ext>
-            </a:extLst>
-          </a:blip>
-          <a:stretch>
-            <a:fillRect/>
-          </a:stretch>
-        </p:blipFill>
-        <p:spPr>
-          <a:xfrm>
-            <a:off x="2016434" y="3429000"/>
-            <a:ext cx="5183140" cy="2358328"/>
-          </a:xfrm>
-          <a:prstGeom prst="rect">
-            <a:avLst/>
-          </a:prstGeom>
-        </p:spPr>
-      </p:pic>
-      <p:sp>
-        <p:nvSpPr>
-          <p:cNvPr id="9" name="Rectangle 8"/>
-          <p:cNvSpPr/>
-          <p:nvPr/>
-        </p:nvSpPr>
-        <p:spPr>
-          <a:xfrm>
-            <a:off x="574515" y="1289747"/>
-            <a:ext cx="8643211" cy="34298"/>
-          </a:xfrm>
-          <a:prstGeom prst="rect">
-            <a:avLst/>
-          </a:prstGeom>
-        </p:spPr>
-        <p:style>
-          <a:lnRef idx="1">
-            <a:schemeClr val="accent1"/>
-          </a:lnRef>
-          <a:fillRef idx="3">
-            <a:schemeClr val="accent1"/>
-          </a:fillRef>
-          <a:effectRef idx="2">
-            <a:schemeClr val="accent1"/>
-          </a:effectRef>
-          <a:fontRef idx="minor">
-            <a:schemeClr val="lt1"/>
-          </a:fontRef>
-        </p:style>
-        <p:txBody>
-          <a:bodyPr rtlCol="0" anchor="ctr"/>
-          <a:lstStyle/>
-          <a:p>
-            <a:pPr algn="ctr"/>
-            <a:endParaRPr lang="en-US" sz="1350">
-              <a:solidFill>
-                <a:schemeClr val="tx1">
-                  <a:lumMod val="65000"/>
-                  <a:lumOff val="35000"/>
-                </a:schemeClr>
-              </a:solidFill>
-            </a:endParaRPr>
-          </a:p>
-        </p:txBody>
-      </p:sp>
-      <p:sp>
-        <p:nvSpPr>
-          <p:cNvPr id="10" name="Rectangle 9"/>
-          <p:cNvSpPr/>
-          <p:nvPr/>
-        </p:nvSpPr>
-        <p:spPr>
-          <a:xfrm>
-            <a:off x="525459" y="548680"/>
-            <a:ext cx="4605556" cy="707886"/>
-          </a:xfrm>
-          <a:prstGeom prst="rect">
-            <a:avLst/>
-          </a:prstGeom>
-        </p:spPr>
-        <p:txBody>
-          <a:bodyPr wrap="none">
-            <a:spAutoFit/>
-          </a:bodyPr>
-          <a:lstStyle/>
-          <a:p>
-            <a:r>
-              <a:rPr lang="en-US" sz="4000" dirty="0">
-                <a:solidFill>
-                  <a:schemeClr val="accent1">
-                    <a:lumMod val="75000"/>
-                  </a:schemeClr>
-                </a:solidFill>
-              </a:rPr>
-              <a:t>Why is it important?</a:t>
-            </a:r>
-          </a:p>
-        </p:txBody>
-      </p:sp>
-    </p:spTree>
-    <p:extLst>
-      <p:ext uri="{BB962C8B-B14F-4D97-AF65-F5344CB8AC3E}">
-        <p14:creationId xmlns:p14="http://schemas.microsoft.com/office/powerpoint/2010/main" val="1856229167"/>
-      </p:ext>
-    </p:extLst>
-  </p:cSld>
-  <p:clrMapOvr>
-    <a:masterClrMapping/>
-  </p:clrMapOvr>
-  <mc:AlternateContent xmlns:mc="http://schemas.openxmlformats.org/markup-compatibility/2006" xmlns:p14="http://schemas.microsoft.com/office/powerpoint/2010/main">
-    <mc:Choice Requires="p14">
-      <p:transition spd="slow" p14:dur="1200">
-        <p:dissolve/>
-      </p:transition>
-    </mc:Choice>
-    <mc:Fallback xmlns="">
-      <p:transition spd="slow">
-        <p:dissolve/>
-      </p:transition>
-    </mc:Fallback>
-  </mc:AlternateContent>
-  <p:timing>
-    <p:tnLst>
-      <p:par>
-        <p:cTn id="1" dur="indefinite" restart="never" nodeType="tmRoot">
-          <p:childTnLst>
-            <p:seq concurrent="1" nextAc="seek">
-              <p:cTn id="2" dur="indefinite" nodeType="mainSeq">
-                <p:childTnLst>
-                  <p:par>
-                    <p:cTn id="3" fill="hold">
-                      <p:stCondLst>
-                        <p:cond delay="indefinite"/>
-                        <p:cond evt="onBegin" delay="0">
-                          <p:tn val="2"/>
-                        </p:cond>
-                      </p:stCondLst>
-                      <p:childTnLst>
-                        <p:par>
-                          <p:cTn id="4" fill="hold">
-                            <p:stCondLst>
-                              <p:cond delay="0"/>
-                            </p:stCondLst>
-                            <p:childTnLst>
-                              <p:par>
-                                <p:cTn id="5" presetID="6" presetClass="emph" presetSubtype="0" fill="hold" grpId="0" nodeType="afterEffect">
-                                  <p:stCondLst>
-                                    <p:cond delay="0"/>
-                                  </p:stCondLst>
-                                  <p:childTnLst>
-                                    <p:animScale>
-                                      <p:cBhvr>
-                                        <p:cTn id="6" dur="2000" fill="hold"/>
-                                        <p:tgtEl>
-                                          <p:spTgt spid="4"/>
-                                        </p:tgtEl>
-                                      </p:cBhvr>
-                                      <p:by x="150000" y="150000"/>
-                                    </p:animScale>
-                                  </p:childTnLst>
-                                </p:cTn>
-                              </p:par>
-                            </p:childTnLst>
-                          </p:cTn>
-                        </p:par>
-                      </p:childTnLst>
-                    </p:cTn>
-                  </p:par>
-                </p:childTnLst>
-              </p:cTn>
-              <p:prevCondLst>
-                <p:cond evt="onPrev" delay="0">
-                  <p:tgtEl>
-                    <p:sldTgt/>
-                  </p:tgtEl>
-                </p:cond>
-              </p:prevCondLst>
-              <p:nextCondLst>
-                <p:cond evt="onNext" delay="0">
-                  <p:tgtEl>
-                    <p:sldTgt/>
-                  </p:tgtEl>
-                </p:cond>
-              </p:nextCondLst>
-            </p:seq>
-          </p:childTnLst>
-        </p:cTn>
-      </p:par>
-    </p:tnLst>
-    <p:bldLst>
-      <p:bldP spid="4" grpId="0"/>
-    </p:bldLst>
-  </p:timing>
-</p:sld>
-</file>
-
-<file path=ppt/slides/slide9.xml><?xml version="1.0" encoding="utf-8"?>
-<p:sld xmlns:a="http://schemas.openxmlformats.org/drawingml/2006/main" xmlns:r="http://schemas.openxmlformats.org/officeDocument/2006/relationships" xmlns:p="http://schemas.openxmlformats.org/presentationml/2006/main">
-  <p:cSld>
-    <p:spTree>
-      <p:nvGrpSpPr>
-        <p:cNvPr id="1" name=""/>
-        <p:cNvGrpSpPr/>
-        <p:nvPr/>
-      </p:nvGrpSpPr>
-      <p:grpSpPr>
-        <a:xfrm>
-          <a:off x="0" y="0"/>
-          <a:ext cx="0" cy="0"/>
-          <a:chOff x="0" y="0"/>
-          <a:chExt cx="0" cy="0"/>
-        </a:xfrm>
-      </p:grpSpPr>
-      <p:sp>
-        <p:nvSpPr>
-          <p:cNvPr id="4" name="Rectangle 3"/>
-          <p:cNvSpPr/>
-          <p:nvPr/>
-        </p:nvSpPr>
-        <p:spPr>
-          <a:xfrm>
-            <a:off x="2555776" y="1916832"/>
-            <a:ext cx="3672408" cy="600293"/>
-          </a:xfrm>
-          <a:prstGeom prst="rect">
-            <a:avLst/>
-          </a:prstGeom>
-          <a:noFill/>
-          <a:ln>
-            <a:noFill/>
-          </a:ln>
-        </p:spPr>
-        <p:style>
-          <a:lnRef idx="1">
-            <a:schemeClr val="accent1"/>
-          </a:lnRef>
-          <a:fillRef idx="2">
-            <a:schemeClr val="accent1"/>
-          </a:fillRef>
-          <a:effectRef idx="1">
-            <a:schemeClr val="accent1"/>
-          </a:effectRef>
-          <a:fontRef idx="minor">
-            <a:schemeClr val="dk1"/>
-          </a:fontRef>
-        </p:style>
-        <p:txBody>
-          <a:bodyPr wrap="square">
-            <a:spAutoFit/>
-          </a:bodyPr>
-          <a:lstStyle/>
-          <a:p>
-            <a:r>
-              <a:rPr lang="en-US" sz="3200" b="1" dirty="0">
-                <a:solidFill>
-                  <a:schemeClr val="accent6">
-                    <a:lumMod val="50000"/>
-                  </a:schemeClr>
-                </a:solidFill>
-                <a:latin typeface="Adobe Kaiti Std R" panose="02020400000000000000" pitchFamily="18" charset="-128"/>
-                <a:ea typeface="Adobe Kaiti Std R" panose="02020400000000000000" pitchFamily="18" charset="-128"/>
-              </a:rPr>
-              <a:t>Saves your money</a:t>
-            </a:r>
-          </a:p>
-        </p:txBody>
-      </p:sp>
-      <p:sp>
-        <p:nvSpPr>
-          <p:cNvPr id="5" name="Rectangle 4"/>
-          <p:cNvSpPr/>
-          <p:nvPr/>
-        </p:nvSpPr>
-        <p:spPr>
-          <a:xfrm>
-            <a:off x="574515" y="1289747"/>
-            <a:ext cx="8643211" cy="34298"/>
-          </a:xfrm>
-          <a:prstGeom prst="rect">
-            <a:avLst/>
-          </a:prstGeom>
-        </p:spPr>
-        <p:style>
-          <a:lnRef idx="1">
-            <a:schemeClr val="accent1"/>
-          </a:lnRef>
-          <a:fillRef idx="3">
-            <a:schemeClr val="accent1"/>
-          </a:fillRef>
-          <a:effectRef idx="2">
-            <a:schemeClr val="accent1"/>
-          </a:effectRef>
-          <a:fontRef idx="minor">
-            <a:schemeClr val="lt1"/>
-          </a:fontRef>
-        </p:style>
-        <p:txBody>
-          <a:bodyPr rtlCol="0" anchor="ctr"/>
-          <a:lstStyle/>
-          <a:p>
-            <a:pPr algn="ctr"/>
-            <a:endParaRPr lang="en-US" sz="1350">
-              <a:solidFill>
-                <a:schemeClr val="tx1">
-                  <a:lumMod val="65000"/>
-                  <a:lumOff val="35000"/>
-                </a:schemeClr>
-              </a:solidFill>
-            </a:endParaRPr>
-          </a:p>
-        </p:txBody>
-      </p:sp>
-      <p:sp>
-        <p:nvSpPr>
-          <p:cNvPr id="6" name="Rectangle 5"/>
-          <p:cNvSpPr/>
-          <p:nvPr/>
-        </p:nvSpPr>
-        <p:spPr>
-          <a:xfrm>
-            <a:off x="525459" y="548680"/>
-            <a:ext cx="4605556" cy="707886"/>
-          </a:xfrm>
-          <a:prstGeom prst="rect">
-            <a:avLst/>
-          </a:prstGeom>
-        </p:spPr>
-        <p:txBody>
-          <a:bodyPr wrap="none">
-            <a:spAutoFit/>
-          </a:bodyPr>
-          <a:lstStyle/>
-          <a:p>
-            <a:r>
-              <a:rPr lang="en-US" sz="4000" dirty="0">
-                <a:solidFill>
-                  <a:schemeClr val="accent1">
-                    <a:lumMod val="75000"/>
-                  </a:schemeClr>
-                </a:solidFill>
-              </a:rPr>
-              <a:t>Why is it important?</a:t>
-            </a:r>
-          </a:p>
-        </p:txBody>
-      </p:sp>
-      <p:pic>
-        <p:nvPicPr>
-          <p:cNvPr id="10" name="Picture 9"/>
-          <p:cNvPicPr>
-            <a:picLocks noChangeAspect="1"/>
-          </p:cNvPicPr>
-          <p:nvPr/>
-        </p:nvPicPr>
-        <p:blipFill>
-          <a:blip r:embed="rId2">
-            <a:extLst>
-              <a:ext uri="{28A0092B-C50C-407E-A947-70E740481C1C}">
-                <a14:useLocalDpi xmlns:a14="http://schemas.microsoft.com/office/drawing/2010/main" val="0"/>
-              </a:ext>
-            </a:extLst>
-          </a:blip>
-          <a:stretch>
-            <a:fillRect/>
-          </a:stretch>
-        </p:blipFill>
-        <p:spPr>
-          <a:xfrm>
-            <a:off x="3037520" y="3573016"/>
-            <a:ext cx="2708920" cy="2708920"/>
-          </a:xfrm>
-          <a:prstGeom prst="rect">
-            <a:avLst/>
-          </a:prstGeom>
-        </p:spPr>
-      </p:pic>
-    </p:spTree>
-    <p:extLst>
-      <p:ext uri="{BB962C8B-B14F-4D97-AF65-F5344CB8AC3E}">
-        <p14:creationId xmlns:p14="http://schemas.microsoft.com/office/powerpoint/2010/main" val="4228850073"/>
-      </p:ext>
-    </p:extLst>
-  </p:cSld>
-  <p:clrMapOvr>
-    <a:masterClrMapping/>
-  </p:clrMapOvr>
-  <p:transition spd="slow">
-    <p:wheel spokes="1"/>
-  </p:transition>
-  <p:timing>
-    <p:tnLst>
-      <p:par>
-        <p:cTn id="1" dur="indefinite" restart="never" nodeType="tmRoot">
-          <p:childTnLst>
-            <p:seq concurrent="1" nextAc="seek">
-              <p:cTn id="2" dur="indefinite" nodeType="mainSeq">
-                <p:childTnLst>
-                  <p:par>
-                    <p:cTn id="3" fill="hold">
-                      <p:stCondLst>
-                        <p:cond delay="indefinite"/>
-                        <p:cond evt="onBegin" delay="0">
-                          <p:tn val="2"/>
-                        </p:cond>
-                      </p:stCondLst>
-                      <p:childTnLst>
-                        <p:par>
-                          <p:cTn id="4" fill="hold">
-                            <p:stCondLst>
-                              <p:cond delay="0"/>
-                            </p:stCondLst>
-                            <p:childTnLst>
-                              <p:par>
-                                <p:cTn id="5" presetID="6" presetClass="emph" presetSubtype="0" fill="hold" grpId="0" nodeType="afterEffect">
-                                  <p:stCondLst>
-                                    <p:cond delay="0"/>
-                                  </p:stCondLst>
-                                  <p:childTnLst>
-                                    <p:animScale>
-                                      <p:cBhvr>
-                                        <p:cTn id="6" dur="2000" fill="hold"/>
-                                        <p:tgtEl>
-                                          <p:spTgt spid="4"/>
-                                        </p:tgtEl>
-                                      </p:cBhvr>
-                                      <p:by x="150000" y="150000"/>
-                                    </p:animScale>
-                                  </p:childTnLst>
-                                </p:cTn>
-                              </p:par>
-                            </p:childTnLst>
-                          </p:cTn>
-                        </p:par>
-                      </p:childTnLst>
-                    </p:cTn>
-                  </p:par>
-                </p:childTnLst>
-              </p:cTn>
-              <p:prevCondLst>
-                <p:cond evt="onPrev" delay="0">
-                  <p:tgtEl>
-                    <p:sldTgt/>
-                  </p:tgtEl>
-                </p:cond>
-              </p:prevCondLst>
-              <p:nextCondLst>
-                <p:cond evt="onNext" delay="0">
-                  <p:tgtEl>
-                    <p:sldTgt/>
-                  </p:tgtEl>
-                </p:cond>
-              </p:nextCondLst>
-            </p:seq>
-          </p:childTnLst>
-        </p:cTn>
-      </p:par>
-    </p:tnLst>
-    <p:bldLst>
-      <p:bldP spid="4" grpId="0"/>
     </p:bldLst>
   </p:timing>
 </p:sld>

--- a/OOP.pptx
+++ b/OOP.pptx
@@ -11,10 +11,10 @@
     <p:handoutMasterId r:id="rId20"/>
   </p:handoutMasterIdLst>
   <p:sldIdLst>
-    <p:sldId id="265" r:id="rId5"/>
-    <p:sldId id="267" r:id="rId6"/>
-    <p:sldId id="294" r:id="rId7"/>
-    <p:sldId id="282" r:id="rId8"/>
+    <p:sldId id="267" r:id="rId5"/>
+    <p:sldId id="294" r:id="rId6"/>
+    <p:sldId id="282" r:id="rId7"/>
+    <p:sldId id="295" r:id="rId8"/>
     <p:sldId id="269" r:id="rId9"/>
     <p:sldId id="284" r:id="rId10"/>
     <p:sldId id="283" r:id="rId11"/>
@@ -882,9 +882,9 @@
           <a:bodyPr/>
           <a:lstStyle/>
           <a:p>
-            <a:fld id="{3E0FA9E5-6744-4841-888F-9E7CC0C2B7EC}" type="datetimeFigureOut">
+            <a:fld id="{6B2E0257-9E0E-49BF-98FD-946C8DEC6D91}" type="datetime1">
               <a:rPr lang="en-US" smtClean="0"/>
-              <a:t>1/11/20</a:t>
+              <a:t>1/12/20</a:t>
             </a:fld>
             <a:endParaRPr/>
           </a:p>
@@ -1068,9 +1068,9 @@
           <a:bodyPr/>
           <a:lstStyle/>
           <a:p>
-            <a:fld id="{3E0FA9E5-6744-4841-888F-9E7CC0C2B7EC}" type="datetimeFigureOut">
+            <a:fld id="{97431B29-D0A6-476D-B857-3BEA01DDE1C2}" type="datetime1">
               <a:rPr lang="en-US" smtClean="0"/>
-              <a:t>1/11/20</a:t>
+              <a:t>1/12/20</a:t>
             </a:fld>
             <a:endParaRPr/>
           </a:p>
@@ -1264,9 +1264,9 @@
           <a:bodyPr/>
           <a:lstStyle/>
           <a:p>
-            <a:fld id="{3E0FA9E5-6744-4841-888F-9E7CC0C2B7EC}" type="datetimeFigureOut">
+            <a:fld id="{E45BB58D-9127-4C31-B5C4-E2A4F469E4C0}" type="datetime1">
               <a:rPr lang="en-US" smtClean="0"/>
-              <a:t>1/11/20</a:t>
+              <a:t>1/12/20</a:t>
             </a:fld>
             <a:endParaRPr/>
           </a:p>
@@ -1450,9 +1450,9 @@
           <a:bodyPr/>
           <a:lstStyle/>
           <a:p>
-            <a:fld id="{3E0FA9E5-6744-4841-888F-9E7CC0C2B7EC}" type="datetimeFigureOut">
+            <a:fld id="{2AC25321-C03F-4302-8F0F-926504B36450}" type="datetime1">
               <a:rPr lang="en-US" smtClean="0"/>
-              <a:t>1/11/20</a:t>
+              <a:t>1/12/20</a:t>
             </a:fld>
             <a:endParaRPr/>
           </a:p>
@@ -1734,9 +1734,9 @@
           <a:bodyPr/>
           <a:lstStyle/>
           <a:p>
-            <a:fld id="{3E0FA9E5-6744-4841-888F-9E7CC0C2B7EC}" type="datetimeFigureOut">
+            <a:fld id="{21FA090E-0412-420F-AF47-1789F3854625}" type="datetime1">
               <a:rPr lang="en-US" smtClean="0"/>
-              <a:t>1/11/20</a:t>
+              <a:t>1/12/20</a:t>
             </a:fld>
             <a:endParaRPr/>
           </a:p>
@@ -2042,9 +2042,9 @@
           <a:bodyPr/>
           <a:lstStyle/>
           <a:p>
-            <a:fld id="{3E0FA9E5-6744-4841-888F-9E7CC0C2B7EC}" type="datetimeFigureOut">
+            <a:fld id="{0ED56556-F93D-4F3D-B3D8-8D8723B5FC35}" type="datetime1">
               <a:rPr lang="en-US" smtClean="0"/>
-              <a:t>1/11/20</a:t>
+              <a:t>1/12/20</a:t>
             </a:fld>
             <a:endParaRPr/>
           </a:p>
@@ -2494,9 +2494,9 @@
           <a:bodyPr/>
           <a:lstStyle/>
           <a:p>
-            <a:fld id="{3E0FA9E5-6744-4841-888F-9E7CC0C2B7EC}" type="datetimeFigureOut">
+            <a:fld id="{B8E5DCB9-BCB3-4177-B980-70C7A97908F0}" type="datetime1">
               <a:rPr lang="en-US" smtClean="0"/>
-              <a:t>1/11/20</a:t>
+              <a:t>1/12/20</a:t>
             </a:fld>
             <a:endParaRPr/>
           </a:p>
@@ -2628,9 +2628,9 @@
           <a:bodyPr/>
           <a:lstStyle/>
           <a:p>
-            <a:fld id="{3E0FA9E5-6744-4841-888F-9E7CC0C2B7EC}" type="datetimeFigureOut">
+            <a:fld id="{78A8AEB0-84DD-4ACB-83BA-5041EB7A1BE2}" type="datetime1">
               <a:rPr lang="en-US" smtClean="0"/>
-              <a:t>1/11/20</a:t>
+              <a:t>1/12/20</a:t>
             </a:fld>
             <a:endParaRPr/>
           </a:p>
@@ -2753,9 +2753,9 @@
           <a:bodyPr/>
           <a:lstStyle/>
           <a:p>
-            <a:fld id="{3E0FA9E5-6744-4841-888F-9E7CC0C2B7EC}" type="datetimeFigureOut">
+            <a:fld id="{9A6331F9-F66D-4FE7-84AE-06FC77C878F2}" type="datetime1">
               <a:rPr lang="en-US" smtClean="0"/>
-              <a:t>1/11/20</a:t>
+              <a:t>1/12/20</a:t>
             </a:fld>
             <a:endParaRPr/>
           </a:p>
@@ -3079,9 +3079,9 @@
           <a:bodyPr/>
           <a:lstStyle/>
           <a:p>
-            <a:fld id="{3E0FA9E5-6744-4841-888F-9E7CC0C2B7EC}" type="datetimeFigureOut">
+            <a:fld id="{BA4C59B7-306F-4EE3-B311-A76FE574CAE9}" type="datetime1">
               <a:rPr lang="en-US" smtClean="0"/>
-              <a:t>1/11/20</a:t>
+              <a:t>1/12/20</a:t>
             </a:fld>
             <a:endParaRPr/>
           </a:p>
@@ -3575,10 +3575,9 @@
             </a:lvl1pPr>
           </a:lstStyle>
           <a:p>
-            <a:fld id="{3E0FA9E5-6744-4841-888F-9E7CC0C2B7EC}" type="datetimeFigureOut">
+            <a:fld id="{0F74488D-6012-4834-A510-A9BC30B6F19D}" type="datetime1">
               <a:rPr lang="en-US" smtClean="0"/>
-              <a:pPr/>
-              <a:t>1/11/20</a:t>
+              <a:t>1/12/20</a:t>
             </a:fld>
             <a:endParaRPr lang="en-US" dirty="0"/>
           </a:p>
@@ -3660,6 +3659,7 @@
       </p:transition>
     </mc:Fallback>
   </mc:AlternateContent>
+  <p:hf sldNum="0" hdr="0" ftr="0" dt="0"/>
   <p:txStyles>
     <p:titleStyle>
       <a:lvl1pPr algn="l" defTabSz="685983" rtl="0" eaLnBrk="1" latinLnBrk="0" hangingPunct="1">
@@ -4032,173 +4032,130 @@
           <a:chExt cx="0" cy="0"/>
         </a:xfrm>
       </p:grpSpPr>
-      <p:pic>
-        <p:nvPicPr>
-          <p:cNvPr id="3" name="Picture 2"/>
-          <p:cNvPicPr>
-            <a:picLocks noChangeAspect="1"/>
-          </p:cNvPicPr>
+      <p:sp>
+        <p:nvSpPr>
+          <p:cNvPr id="2" name="Rectangle 1"/>
+          <p:cNvSpPr/>
           <p:nvPr/>
-        </p:nvPicPr>
-        <p:blipFill>
-          <a:blip r:embed="rId2">
-            <a:extLst>
-              <a:ext uri="{28A0092B-C50C-407E-A947-70E740481C1C}">
-                <a14:useLocalDpi xmlns:a14="http://schemas.microsoft.com/office/drawing/2010/main" val="0"/>
-              </a:ext>
-            </a:extLst>
-          </a:blip>
-          <a:stretch>
-            <a:fillRect/>
-          </a:stretch>
-        </p:blipFill>
+        </p:nvSpPr>
         <p:spPr>
           <a:xfrm>
-            <a:off x="0" y="0"/>
-            <a:ext cx="9144000" cy="6858000"/>
+            <a:off x="574515" y="1960466"/>
+            <a:ext cx="8697231" cy="34298"/>
           </a:xfrm>
           <a:prstGeom prst="rect">
             <a:avLst/>
           </a:prstGeom>
         </p:spPr>
-      </p:pic>
-      <p:sp>
-        <p:nvSpPr>
-          <p:cNvPr id="5" name="TextBox 4"/>
-          <p:cNvSpPr txBox="1"/>
+        <p:style>
+          <a:lnRef idx="1">
+            <a:schemeClr val="accent1"/>
+          </a:lnRef>
+          <a:fillRef idx="3">
+            <a:schemeClr val="accent1"/>
+          </a:fillRef>
+          <a:effectRef idx="2">
+            <a:schemeClr val="accent1"/>
+          </a:effectRef>
+          <a:fontRef idx="minor">
+            <a:schemeClr val="lt1"/>
+          </a:fontRef>
+        </p:style>
+        <p:txBody>
+          <a:bodyPr rtlCol="0" anchor="ctr"/>
+          <a:lstStyle/>
+          <a:p>
+            <a:pPr algn="ctr"/>
+            <a:endParaRPr lang="en-US" sz="1350">
+              <a:solidFill>
+                <a:schemeClr val="tx1">
+                  <a:lumMod val="65000"/>
+                  <a:lumOff val="35000"/>
+                </a:schemeClr>
+              </a:solidFill>
+            </a:endParaRPr>
+          </a:p>
+        </p:txBody>
+      </p:sp>
+      <p:sp>
+        <p:nvSpPr>
+          <p:cNvPr id="3" name="Rectangle 2"/>
+          <p:cNvSpPr/>
           <p:nvPr/>
         </p:nvSpPr>
         <p:spPr>
           <a:xfrm>
-            <a:off x="0" y="2672719"/>
-            <a:ext cx="9144000" cy="830997"/>
+            <a:off x="466475" y="1196752"/>
+            <a:ext cx="9181103" cy="646331"/>
           </a:xfrm>
           <a:prstGeom prst="rect">
             <a:avLst/>
           </a:prstGeom>
-          <a:solidFill>
-            <a:srgbClr val="294968"/>
-          </a:solidFill>
         </p:spPr>
         <p:txBody>
-          <a:bodyPr wrap="square" rtlCol="0">
+          <a:bodyPr wrap="none">
             <a:spAutoFit/>
           </a:bodyPr>
           <a:lstStyle/>
           <a:p>
-            <a:pPr algn="ctr"/>
-            <a:r>
-              <a:rPr lang="en-US" sz="4800" dirty="0">
+            <a:r>
+              <a:rPr lang="en-US" sz="3600" dirty="0">
                 <a:solidFill>
-                  <a:schemeClr val="bg1"/>
+                  <a:schemeClr val="accent1">
+                    <a:lumMod val="75000"/>
+                  </a:schemeClr>
                 </a:solidFill>
-                <a:effectLst>
-                  <a:outerShdw blurRad="38100" dist="38100" dir="2700000" algn="tl">
-                    <a:srgbClr val="000000">
-                      <a:alpha val="43137"/>
-                    </a:srgbClr>
-                  </a:outerShdw>
-                </a:effectLst>
-                <a:latin typeface="Adobe Gothic Std B" panose="020B0800000000000000" pitchFamily="34" charset="-128"/>
-                <a:ea typeface="Adobe Gothic Std B" panose="020B0800000000000000" pitchFamily="34" charset="-128"/>
               </a:rPr>
-              <a:t>Object Oriented Programming</a:t>
-            </a:r>
-          </a:p>
-        </p:txBody>
-      </p:sp>
-      <p:sp>
-        <p:nvSpPr>
-          <p:cNvPr id="2" name="TextBox 1"/>
-          <p:cNvSpPr txBox="1"/>
+              <a:t>What is Object Oriented Programming(OOP) ?</a:t>
+            </a:r>
+          </a:p>
+        </p:txBody>
+      </p:sp>
+      <p:sp>
+        <p:nvSpPr>
+          <p:cNvPr id="4" name="Rectangle 3"/>
+          <p:cNvSpPr/>
           <p:nvPr/>
         </p:nvSpPr>
         <p:spPr>
           <a:xfrm>
-            <a:off x="3555535" y="4149080"/>
-            <a:ext cx="2032929" cy="1200713"/>
+            <a:off x="971600" y="2852936"/>
+            <a:ext cx="7076628" cy="1815882"/>
           </a:xfrm>
           <a:prstGeom prst="rect">
             <a:avLst/>
           </a:prstGeom>
-          <a:solidFill>
-            <a:schemeClr val="tx1">
-              <a:lumMod val="95000"/>
-              <a:lumOff val="5000"/>
-            </a:schemeClr>
-          </a:solidFill>
         </p:spPr>
         <p:txBody>
-          <a:bodyPr wrap="none" rtlCol="0">
+          <a:bodyPr wrap="square">
             <a:spAutoFit/>
           </a:bodyPr>
           <a:lstStyle/>
           <a:p>
-            <a:pPr algn="ctr"/>
-            <a:r>
-              <a:rPr lang="en-US" sz="2401" dirty="0">
+            <a:r>
+              <a:rPr lang="en-GB" sz="2800" dirty="0">
                 <a:solidFill>
-                  <a:schemeClr val="bg1">
-                    <a:lumMod val="65000"/>
+                  <a:schemeClr val="accent6">
+                    <a:lumMod val="50000"/>
                   </a:schemeClr>
                 </a:solidFill>
-                <a:effectLst>
-                  <a:outerShdw blurRad="38100" dist="38100" dir="2700000" algn="tl">
-                    <a:srgbClr val="000000">
-                      <a:alpha val="43137"/>
-                    </a:srgbClr>
-                  </a:outerShdw>
-                </a:effectLst>
               </a:rPr>
-              <a:t>Presentation </a:t>
-            </a:r>
-          </a:p>
-          <a:p>
-            <a:pPr algn="ctr"/>
-            <a:r>
-              <a:rPr lang="en-US" sz="2401" dirty="0">
-                <a:solidFill>
-                  <a:schemeClr val="bg1">
-                    <a:lumMod val="65000"/>
-                  </a:schemeClr>
-                </a:solidFill>
-                <a:effectLst>
-                  <a:outerShdw blurRad="38100" dist="38100" dir="2700000" algn="tl">
-                    <a:srgbClr val="000000">
-                      <a:alpha val="43137"/>
-                    </a:srgbClr>
-                  </a:outerShdw>
-                </a:effectLst>
-              </a:rPr>
-              <a:t>by </a:t>
-            </a:r>
-          </a:p>
-          <a:p>
-            <a:pPr algn="ctr"/>
-            <a:r>
-              <a:rPr lang="en-US" sz="2401" dirty="0">
-                <a:solidFill>
-                  <a:schemeClr val="bg1">
-                    <a:lumMod val="95000"/>
-                  </a:schemeClr>
-                </a:solidFill>
-                <a:effectLst>
-                  <a:outerShdw blurRad="38100" dist="38100" dir="2700000" algn="tl">
-                    <a:srgbClr val="000000">
-                      <a:alpha val="43137"/>
-                    </a:srgbClr>
-                  </a:outerShdw>
-                </a:effectLst>
-              </a:rPr>
-              <a:t>Shad Al Munir</a:t>
-            </a:r>
+              <a:t>OOP is a programming paradigm which mainly focuses on the concept of “objects” to construct the real world scenario to solve real world problem through programming.</a:t>
+            </a:r>
+            <a:endParaRPr lang="en-US" sz="2800" dirty="0">
+              <a:solidFill>
+                <a:schemeClr val="accent6">
+                  <a:lumMod val="50000"/>
+                </a:schemeClr>
+              </a:solidFill>
+            </a:endParaRPr>
           </a:p>
         </p:txBody>
       </p:sp>
     </p:spTree>
     <p:extLst>
       <p:ext uri="{BB962C8B-B14F-4D97-AF65-F5344CB8AC3E}">
-        <p14:creationId xmlns:p14="http://schemas.microsoft.com/office/powerpoint/2010/main" val="1437231395"/>
+        <p14:creationId xmlns:p14="http://schemas.microsoft.com/office/powerpoint/2010/main" val="3587736867"/>
       </p:ext>
     </p:extLst>
   </p:cSld>
@@ -4207,8 +4164,8 @@
   </p:clrMapOvr>
   <mc:AlternateContent xmlns:mc="http://schemas.openxmlformats.org/markup-compatibility/2006" xmlns:p14="http://schemas.microsoft.com/office/powerpoint/2010/main">
     <mc:Choice Requires="p14">
-      <p:transition spd="slow" p14:dur="4400">
-        <p14:honeycomb/>
+      <p:transition spd="slow" p14:dur="1600">
+        <p14:gallery dir="l"/>
       </p:transition>
     </mc:Choice>
     <mc:Fallback xmlns="">
@@ -5667,168 +5624,6 @@
       </p:grpSpPr>
       <p:sp>
         <p:nvSpPr>
-          <p:cNvPr id="2" name="Rectangle 1"/>
-          <p:cNvSpPr/>
-          <p:nvPr/>
-        </p:nvSpPr>
-        <p:spPr>
-          <a:xfrm>
-            <a:off x="574515" y="1960466"/>
-            <a:ext cx="8697231" cy="34298"/>
-          </a:xfrm>
-          <a:prstGeom prst="rect">
-            <a:avLst/>
-          </a:prstGeom>
-        </p:spPr>
-        <p:style>
-          <a:lnRef idx="1">
-            <a:schemeClr val="accent1"/>
-          </a:lnRef>
-          <a:fillRef idx="3">
-            <a:schemeClr val="accent1"/>
-          </a:fillRef>
-          <a:effectRef idx="2">
-            <a:schemeClr val="accent1"/>
-          </a:effectRef>
-          <a:fontRef idx="minor">
-            <a:schemeClr val="lt1"/>
-          </a:fontRef>
-        </p:style>
-        <p:txBody>
-          <a:bodyPr rtlCol="0" anchor="ctr"/>
-          <a:lstStyle/>
-          <a:p>
-            <a:pPr algn="ctr"/>
-            <a:endParaRPr lang="en-US" sz="1350">
-              <a:solidFill>
-                <a:schemeClr val="tx1">
-                  <a:lumMod val="65000"/>
-                  <a:lumOff val="35000"/>
-                </a:schemeClr>
-              </a:solidFill>
-            </a:endParaRPr>
-          </a:p>
-        </p:txBody>
-      </p:sp>
-      <p:sp>
-        <p:nvSpPr>
-          <p:cNvPr id="3" name="Rectangle 2"/>
-          <p:cNvSpPr/>
-          <p:nvPr/>
-        </p:nvSpPr>
-        <p:spPr>
-          <a:xfrm>
-            <a:off x="466475" y="1196752"/>
-            <a:ext cx="9181103" cy="646331"/>
-          </a:xfrm>
-          <a:prstGeom prst="rect">
-            <a:avLst/>
-          </a:prstGeom>
-        </p:spPr>
-        <p:txBody>
-          <a:bodyPr wrap="none">
-            <a:spAutoFit/>
-          </a:bodyPr>
-          <a:lstStyle/>
-          <a:p>
-            <a:r>
-              <a:rPr lang="en-US" sz="3600" dirty="0">
-                <a:solidFill>
-                  <a:schemeClr val="accent1">
-                    <a:lumMod val="75000"/>
-                  </a:schemeClr>
-                </a:solidFill>
-              </a:rPr>
-              <a:t>What is Object Oriented Programming(OOP) ?</a:t>
-            </a:r>
-          </a:p>
-        </p:txBody>
-      </p:sp>
-      <p:sp>
-        <p:nvSpPr>
-          <p:cNvPr id="4" name="Rectangle 3"/>
-          <p:cNvSpPr/>
-          <p:nvPr/>
-        </p:nvSpPr>
-        <p:spPr>
-          <a:xfrm>
-            <a:off x="971600" y="2852936"/>
-            <a:ext cx="7076628" cy="1815882"/>
-          </a:xfrm>
-          <a:prstGeom prst="rect">
-            <a:avLst/>
-          </a:prstGeom>
-        </p:spPr>
-        <p:txBody>
-          <a:bodyPr wrap="square">
-            <a:spAutoFit/>
-          </a:bodyPr>
-          <a:lstStyle/>
-          <a:p>
-            <a:r>
-              <a:rPr lang="en-GB" sz="2800" dirty="0">
-                <a:solidFill>
-                  <a:schemeClr val="accent6">
-                    <a:lumMod val="50000"/>
-                  </a:schemeClr>
-                </a:solidFill>
-              </a:rPr>
-              <a:t>OOP is a programming paradigm which mainly focuses on the concept of “objects” to construct the real world scenario to solve real world problem through programming.</a:t>
-            </a:r>
-            <a:endParaRPr lang="en-US" sz="2800" dirty="0">
-              <a:solidFill>
-                <a:schemeClr val="accent6">
-                  <a:lumMod val="50000"/>
-                </a:schemeClr>
-              </a:solidFill>
-            </a:endParaRPr>
-          </a:p>
-        </p:txBody>
-      </p:sp>
-    </p:spTree>
-    <p:extLst>
-      <p:ext uri="{BB962C8B-B14F-4D97-AF65-F5344CB8AC3E}">
-        <p14:creationId xmlns:p14="http://schemas.microsoft.com/office/powerpoint/2010/main" val="3587736867"/>
-      </p:ext>
-    </p:extLst>
-  </p:cSld>
-  <p:clrMapOvr>
-    <a:masterClrMapping/>
-  </p:clrMapOvr>
-  <mc:AlternateContent xmlns:mc="http://schemas.openxmlformats.org/markup-compatibility/2006" xmlns:p14="http://schemas.microsoft.com/office/powerpoint/2010/main">
-    <mc:Choice Requires="p14">
-      <p:transition spd="slow" p14:dur="1600">
-        <p14:gallery dir="l"/>
-      </p:transition>
-    </mc:Choice>
-    <mc:Fallback xmlns="">
-      <p:transition spd="slow">
-        <p:fade/>
-      </p:transition>
-    </mc:Fallback>
-  </mc:AlternateContent>
-</p:sld>
-</file>
-
-<file path=ppt/slides/slide3.xml><?xml version="1.0" encoding="utf-8"?>
-<p:sld xmlns:a="http://schemas.openxmlformats.org/drawingml/2006/main" xmlns:r="http://schemas.openxmlformats.org/officeDocument/2006/relationships" xmlns:p="http://schemas.openxmlformats.org/presentationml/2006/main">
-  <p:cSld>
-    <p:spTree>
-      <p:nvGrpSpPr>
-        <p:cNvPr id="1" name=""/>
-        <p:cNvGrpSpPr/>
-        <p:nvPr/>
-      </p:nvGrpSpPr>
-      <p:grpSpPr>
-        <a:xfrm>
-          <a:off x="0" y="0"/>
-          <a:ext cx="0" cy="0"/>
-          <a:chOff x="0" y="0"/>
-          <a:chExt cx="0" cy="0"/>
-        </a:xfrm>
-      </p:grpSpPr>
-      <p:sp>
-        <p:nvSpPr>
           <p:cNvPr id="3" name="Rectangle 2"/>
           <p:cNvSpPr/>
           <p:nvPr/>
@@ -6048,7 +5843,7 @@
 </p:sld>
 </file>
 
-<file path=ppt/slides/slide4.xml><?xml version="1.0" encoding="utf-8"?>
+<file path=ppt/slides/slide3.xml><?xml version="1.0" encoding="utf-8"?>
 <p:sld xmlns:a="http://schemas.openxmlformats.org/drawingml/2006/main" xmlns:r="http://schemas.openxmlformats.org/officeDocument/2006/relationships" xmlns:p="http://schemas.openxmlformats.org/presentationml/2006/main">
   <p:cSld>
     <p:spTree>
@@ -6119,7 +5914,7 @@
         <p:spPr>
           <a:xfrm>
             <a:off x="467544" y="980728"/>
-            <a:ext cx="6828985" cy="769441"/>
+            <a:ext cx="4374916" cy="769441"/>
           </a:xfrm>
           <a:prstGeom prst="rect">
             <a:avLst/>
@@ -6139,7 +5934,7 @@
                   </a:schemeClr>
                 </a:solidFill>
               </a:rPr>
-              <a:t>What is Enterprise Storage?</a:t>
+              <a:t>Principles of OOP</a:t>
             </a:r>
           </a:p>
         </p:txBody>
@@ -6153,7 +5948,7 @@
         <p:spPr>
           <a:xfrm>
             <a:off x="827584" y="2513883"/>
-            <a:ext cx="7076628" cy="2308324"/>
+            <a:ext cx="7076628" cy="3314690"/>
           </a:xfrm>
           <a:prstGeom prst="rect">
             <a:avLst/>
@@ -6165,17 +5960,229 @@
           </a:bodyPr>
           <a:lstStyle/>
           <a:p>
-            <a:r>
-              <a:rPr lang="en-GB" sz="3600" dirty="0">
+            <a:pPr marL="571500" indent="-571500">
+              <a:lnSpc>
+                <a:spcPct val="150000"/>
+              </a:lnSpc>
+              <a:buFont typeface="Wingdings" panose="05000000000000000000" pitchFamily="2" charset="2"/>
+              <a:buChar char="v"/>
+            </a:pPr>
+            <a:r>
+              <a:rPr lang="en-US" sz="3600" dirty="0">
                 <a:solidFill>
                   <a:schemeClr val="accent6">
                     <a:lumMod val="50000"/>
                   </a:schemeClr>
                 </a:solidFill>
               </a:rPr>
-              <a:t>Enterprise storage means the data storage system which is used for storing, manipulating, backing up data of an enterprise</a:t>
-            </a:r>
-            <a:endParaRPr lang="en-US" sz="3600" dirty="0">
+              <a:t>Abstraction</a:t>
+            </a:r>
+          </a:p>
+          <a:p>
+            <a:pPr marL="571500" indent="-571500">
+              <a:lnSpc>
+                <a:spcPct val="150000"/>
+              </a:lnSpc>
+              <a:buFont typeface="Wingdings" panose="05000000000000000000" pitchFamily="2" charset="2"/>
+              <a:buChar char="v"/>
+            </a:pPr>
+            <a:r>
+              <a:rPr lang="en-US" sz="3600" dirty="0">
+                <a:solidFill>
+                  <a:schemeClr val="accent6">
+                    <a:lumMod val="50000"/>
+                  </a:schemeClr>
+                </a:solidFill>
+              </a:rPr>
+              <a:t>Encapsulation</a:t>
+            </a:r>
+          </a:p>
+          <a:p>
+            <a:pPr marL="571500" indent="-571500">
+              <a:lnSpc>
+                <a:spcPct val="150000"/>
+              </a:lnSpc>
+              <a:buFont typeface="Wingdings" panose="05000000000000000000" pitchFamily="2" charset="2"/>
+              <a:buChar char="v"/>
+            </a:pPr>
+            <a:r>
+              <a:rPr lang="en-US" sz="3600" dirty="0">
+                <a:solidFill>
+                  <a:schemeClr val="accent6">
+                    <a:lumMod val="50000"/>
+                  </a:schemeClr>
+                </a:solidFill>
+              </a:rPr>
+              <a:t>Inheritance</a:t>
+            </a:r>
+          </a:p>
+          <a:p>
+            <a:pPr marL="571500" indent="-571500">
+              <a:lnSpc>
+                <a:spcPct val="150000"/>
+              </a:lnSpc>
+              <a:buFont typeface="Wingdings" panose="05000000000000000000" pitchFamily="2" charset="2"/>
+              <a:buChar char="v"/>
+            </a:pPr>
+            <a:r>
+              <a:rPr lang="en-US" sz="3600" dirty="0">
+                <a:solidFill>
+                  <a:schemeClr val="accent6">
+                    <a:lumMod val="50000"/>
+                  </a:schemeClr>
+                </a:solidFill>
+              </a:rPr>
+              <a:t>Polymorphism</a:t>
+            </a:r>
+          </a:p>
+        </p:txBody>
+      </p:sp>
+    </p:spTree>
+    <p:extLst>
+      <p:ext uri="{BB962C8B-B14F-4D97-AF65-F5344CB8AC3E}">
+        <p14:creationId xmlns:p14="http://schemas.microsoft.com/office/powerpoint/2010/main" val="4292339415"/>
+      </p:ext>
+    </p:extLst>
+  </p:cSld>
+  <p:clrMapOvr>
+    <a:masterClrMapping/>
+  </p:clrMapOvr>
+  <p:transition spd="slow">
+    <p:randomBar dir="vert"/>
+  </p:transition>
+</p:sld>
+</file>
+
+<file path=ppt/slides/slide4.xml><?xml version="1.0" encoding="utf-8"?>
+<p:sld xmlns:a="http://schemas.openxmlformats.org/drawingml/2006/main" xmlns:r="http://schemas.openxmlformats.org/officeDocument/2006/relationships" xmlns:p="http://schemas.openxmlformats.org/presentationml/2006/main">
+  <p:cSld>
+    <p:spTree>
+      <p:nvGrpSpPr>
+        <p:cNvPr id="1" name=""/>
+        <p:cNvGrpSpPr/>
+        <p:nvPr/>
+      </p:nvGrpSpPr>
+      <p:grpSpPr>
+        <a:xfrm>
+          <a:off x="0" y="0"/>
+          <a:ext cx="0" cy="0"/>
+          <a:chOff x="0" y="0"/>
+          <a:chExt cx="0" cy="0"/>
+        </a:xfrm>
+      </p:grpSpPr>
+      <p:sp>
+        <p:nvSpPr>
+          <p:cNvPr id="2" name="Rectangle 1"/>
+          <p:cNvSpPr/>
+          <p:nvPr/>
+        </p:nvSpPr>
+        <p:spPr>
+          <a:xfrm>
+            <a:off x="574515" y="1744442"/>
+            <a:ext cx="8697231" cy="34298"/>
+          </a:xfrm>
+          <a:prstGeom prst="rect">
+            <a:avLst/>
+          </a:prstGeom>
+        </p:spPr>
+        <p:style>
+          <a:lnRef idx="1">
+            <a:schemeClr val="accent1"/>
+          </a:lnRef>
+          <a:fillRef idx="3">
+            <a:schemeClr val="accent1"/>
+          </a:fillRef>
+          <a:effectRef idx="2">
+            <a:schemeClr val="accent1"/>
+          </a:effectRef>
+          <a:fontRef idx="minor">
+            <a:schemeClr val="lt1"/>
+          </a:fontRef>
+        </p:style>
+        <p:txBody>
+          <a:bodyPr rtlCol="0" anchor="ctr"/>
+          <a:lstStyle/>
+          <a:p>
+            <a:pPr algn="ctr"/>
+            <a:endParaRPr lang="en-US" sz="1350">
+              <a:solidFill>
+                <a:schemeClr val="tx1">
+                  <a:lumMod val="65000"/>
+                  <a:lumOff val="35000"/>
+                </a:schemeClr>
+              </a:solidFill>
+            </a:endParaRPr>
+          </a:p>
+        </p:txBody>
+      </p:sp>
+      <p:sp>
+        <p:nvSpPr>
+          <p:cNvPr id="3" name="Rectangle 2"/>
+          <p:cNvSpPr/>
+          <p:nvPr/>
+        </p:nvSpPr>
+        <p:spPr>
+          <a:xfrm>
+            <a:off x="467544" y="980728"/>
+            <a:ext cx="4374916" cy="769441"/>
+          </a:xfrm>
+          <a:prstGeom prst="rect">
+            <a:avLst/>
+          </a:prstGeom>
+        </p:spPr>
+        <p:txBody>
+          <a:bodyPr wrap="square">
+            <a:spAutoFit/>
+          </a:bodyPr>
+          <a:lstStyle/>
+          <a:p>
+            <a:r>
+              <a:rPr lang="en-US" sz="4400" dirty="0">
+                <a:solidFill>
+                  <a:schemeClr val="accent1">
+                    <a:lumMod val="75000"/>
+                  </a:schemeClr>
+                </a:solidFill>
+              </a:rPr>
+              <a:t>Abstraction</a:t>
+            </a:r>
+          </a:p>
+        </p:txBody>
+      </p:sp>
+      <p:sp>
+        <p:nvSpPr>
+          <p:cNvPr id="4" name="Rectangle 3"/>
+          <p:cNvSpPr/>
+          <p:nvPr/>
+        </p:nvSpPr>
+        <p:spPr>
+          <a:xfrm>
+            <a:off x="827584" y="2513883"/>
+            <a:ext cx="7076628" cy="2246769"/>
+          </a:xfrm>
+          <a:prstGeom prst="rect">
+            <a:avLst/>
+          </a:prstGeom>
+        </p:spPr>
+        <p:txBody>
+          <a:bodyPr wrap="square">
+            <a:spAutoFit/>
+          </a:bodyPr>
+          <a:lstStyle/>
+          <a:p>
+            <a:r>
+              <a:rPr lang="en-US" sz="2800" dirty="0">
+                <a:solidFill>
+                  <a:schemeClr val="accent6">
+                    <a:lumMod val="50000"/>
+                  </a:schemeClr>
+                </a:solidFill>
+              </a:rPr>
+              <a:t>Abstraction means Implementation hiding</a:t>
+            </a:r>
+          </a:p>
+          <a:p>
+            <a:endParaRPr lang="en-US" sz="2800" dirty="0">
               <a:solidFill>
                 <a:schemeClr val="accent6">
                   <a:lumMod val="50000"/>
@@ -6183,12 +6190,41 @@
               </a:solidFill>
             </a:endParaRPr>
           </a:p>
+          <a:p>
+            <a:r>
+              <a:rPr lang="en-US" sz="2800" dirty="0">
+                <a:solidFill>
+                  <a:schemeClr val="accent6">
+                    <a:lumMod val="50000"/>
+                  </a:schemeClr>
+                </a:solidFill>
+              </a:rPr>
+              <a:t>When a user calls printf() and use it C program without knowing how it is implemented, Then it </a:t>
+            </a:r>
+            <a:r>
+              <a:rPr lang="en-US" sz="2800">
+                <a:solidFill>
+                  <a:schemeClr val="accent6">
+                    <a:lumMod val="50000"/>
+                  </a:schemeClr>
+                </a:solidFill>
+              </a:rPr>
+              <a:t>is Abstraction</a:t>
+            </a:r>
+            <a:endParaRPr lang="en-US" sz="2800" dirty="0">
+              <a:solidFill>
+                <a:schemeClr val="accent6">
+                  <a:lumMod val="50000"/>
+                </a:schemeClr>
+              </a:solidFill>
+            </a:endParaRPr>
+          </a:p>
         </p:txBody>
       </p:sp>
     </p:spTree>
     <p:extLst>
       <p:ext uri="{BB962C8B-B14F-4D97-AF65-F5344CB8AC3E}">
-        <p14:creationId xmlns:p14="http://schemas.microsoft.com/office/powerpoint/2010/main" val="4292339415"/>
+        <p14:creationId xmlns:p14="http://schemas.microsoft.com/office/powerpoint/2010/main" val="3021019536"/>
       </p:ext>
     </p:extLst>
   </p:cSld>

--- a/OOP.pptx
+++ b/OOP.pptx
@@ -5,26 +5,27 @@
     <p:sldMasterId id="2147483648" r:id="rId4"/>
   </p:sldMasterIdLst>
   <p:notesMasterIdLst>
-    <p:notesMasterId r:id="rId19"/>
+    <p:notesMasterId r:id="rId20"/>
   </p:notesMasterIdLst>
   <p:handoutMasterIdLst>
-    <p:handoutMasterId r:id="rId20"/>
+    <p:handoutMasterId r:id="rId21"/>
   </p:handoutMasterIdLst>
   <p:sldIdLst>
     <p:sldId id="267" r:id="rId5"/>
     <p:sldId id="294" r:id="rId6"/>
     <p:sldId id="282" r:id="rId7"/>
     <p:sldId id="295" r:id="rId8"/>
-    <p:sldId id="269" r:id="rId9"/>
-    <p:sldId id="284" r:id="rId10"/>
-    <p:sldId id="283" r:id="rId11"/>
-    <p:sldId id="285" r:id="rId12"/>
-    <p:sldId id="273" r:id="rId13"/>
-    <p:sldId id="281" r:id="rId14"/>
-    <p:sldId id="289" r:id="rId15"/>
-    <p:sldId id="286" r:id="rId16"/>
-    <p:sldId id="279" r:id="rId17"/>
-    <p:sldId id="292" r:id="rId18"/>
+    <p:sldId id="296" r:id="rId9"/>
+    <p:sldId id="269" r:id="rId10"/>
+    <p:sldId id="284" r:id="rId11"/>
+    <p:sldId id="283" r:id="rId12"/>
+    <p:sldId id="285" r:id="rId13"/>
+    <p:sldId id="273" r:id="rId14"/>
+    <p:sldId id="281" r:id="rId15"/>
+    <p:sldId id="289" r:id="rId16"/>
+    <p:sldId id="286" r:id="rId17"/>
+    <p:sldId id="279" r:id="rId18"/>
+    <p:sldId id="292" r:id="rId19"/>
   </p:sldIdLst>
   <p:sldSz cx="9144000" cy="6858000" type="screen4x3"/>
   <p:notesSz cx="6858000" cy="9144000"/>
@@ -4196,3102 +4197,6 @@
       </p:grpSpPr>
       <p:sp>
         <p:nvSpPr>
-          <p:cNvPr id="2" name="Title 1"/>
-          <p:cNvSpPr>
-            <a:spLocks noGrp="1"/>
-          </p:cNvSpPr>
-          <p:nvPr>
-            <p:ph type="title"/>
-          </p:nvPr>
-        </p:nvSpPr>
-        <p:spPr>
-          <a:xfrm>
-            <a:off x="1118080" y="944518"/>
-            <a:ext cx="6516798" cy="800308"/>
-          </a:xfrm>
-        </p:spPr>
-        <p:txBody>
-          <a:bodyPr>
-            <a:noAutofit/>
-          </a:bodyPr>
-          <a:lstStyle/>
-          <a:p>
-            <a:pPr algn="ctr"/>
-            <a:r>
-              <a:rPr lang="en-US" sz="6602" dirty="0">
-                <a:solidFill>
-                  <a:schemeClr val="accent6">
-                    <a:lumMod val="50000"/>
-                  </a:schemeClr>
-                </a:solidFill>
-              </a:rPr>
-              <a:t>DAS</a:t>
-            </a:r>
-            <a:br>
-              <a:rPr lang="en-US" sz="4051" dirty="0"/>
-            </a:br>
-            <a:r>
-              <a:rPr lang="en-US" sz="4051" dirty="0"/>
-              <a:t>Direct Attached Storage</a:t>
-            </a:r>
-          </a:p>
-        </p:txBody>
-      </p:sp>
-      <p:sp>
-        <p:nvSpPr>
-          <p:cNvPr id="3" name="Rectangle 2"/>
-          <p:cNvSpPr/>
-          <p:nvPr/>
-        </p:nvSpPr>
-        <p:spPr>
-          <a:xfrm>
-            <a:off x="1087409" y="3068960"/>
-            <a:ext cx="6912768" cy="1323439"/>
-          </a:xfrm>
-          <a:prstGeom prst="rect">
-            <a:avLst/>
-          </a:prstGeom>
-        </p:spPr>
-        <p:txBody>
-          <a:bodyPr wrap="square">
-            <a:spAutoFit/>
-          </a:bodyPr>
-          <a:lstStyle/>
-          <a:p>
-            <a:r>
-              <a:rPr lang="en-GB" sz="4000" dirty="0">
-                <a:solidFill>
-                  <a:schemeClr val="accent6">
-                    <a:lumMod val="50000"/>
-                  </a:schemeClr>
-                </a:solidFill>
-                <a:latin typeface="Calibri" panose="020F0502020204030204" pitchFamily="34" charset="0"/>
-                <a:ea typeface="Calibri" panose="020F0502020204030204" pitchFamily="34" charset="0"/>
-                <a:cs typeface="Vrinda"/>
-              </a:rPr>
-              <a:t>DAS referred to a storage that is directly attached to a server</a:t>
-            </a:r>
-            <a:endParaRPr lang="en-US" sz="4000" dirty="0">
-              <a:solidFill>
-                <a:schemeClr val="accent6">
-                  <a:lumMod val="50000"/>
-                </a:schemeClr>
-              </a:solidFill>
-            </a:endParaRPr>
-          </a:p>
-        </p:txBody>
-      </p:sp>
-      <p:sp>
-        <p:nvSpPr>
-          <p:cNvPr id="4" name="Rectangle 3"/>
-          <p:cNvSpPr/>
-          <p:nvPr/>
-        </p:nvSpPr>
-        <p:spPr>
-          <a:xfrm>
-            <a:off x="-108520" y="1871113"/>
-            <a:ext cx="9505055" cy="45719"/>
-          </a:xfrm>
-          <a:prstGeom prst="rect">
-            <a:avLst/>
-          </a:prstGeom>
-        </p:spPr>
-        <p:style>
-          <a:lnRef idx="1">
-            <a:schemeClr val="accent1"/>
-          </a:lnRef>
-          <a:fillRef idx="3">
-            <a:schemeClr val="accent1"/>
-          </a:fillRef>
-          <a:effectRef idx="2">
-            <a:schemeClr val="accent1"/>
-          </a:effectRef>
-          <a:fontRef idx="minor">
-            <a:schemeClr val="lt1"/>
-          </a:fontRef>
-        </p:style>
-        <p:txBody>
-          <a:bodyPr rtlCol="0" anchor="ctr"/>
-          <a:lstStyle/>
-          <a:p>
-            <a:pPr algn="ctr"/>
-            <a:endParaRPr lang="en-US" sz="1350">
-              <a:solidFill>
-                <a:schemeClr val="tx1">
-                  <a:lumMod val="65000"/>
-                  <a:lumOff val="35000"/>
-                </a:schemeClr>
-              </a:solidFill>
-            </a:endParaRPr>
-          </a:p>
-        </p:txBody>
-      </p:sp>
-    </p:spTree>
-    <p:extLst>
-      <p:ext uri="{BB962C8B-B14F-4D97-AF65-F5344CB8AC3E}">
-        <p14:creationId xmlns:p14="http://schemas.microsoft.com/office/powerpoint/2010/main" val="2801517849"/>
-      </p:ext>
-    </p:extLst>
-  </p:cSld>
-  <p:clrMapOvr>
-    <a:masterClrMapping/>
-  </p:clrMapOvr>
-  <mc:AlternateContent xmlns:mc="http://schemas.openxmlformats.org/markup-compatibility/2006" xmlns:p15="http://schemas.microsoft.com/office/powerpoint/2012/main">
-    <mc:Choice Requires="p15">
-      <p:transition xmlns:p14="http://schemas.microsoft.com/office/powerpoint/2010/main" spd="slow" p14:dur="1250">
-        <p15:prstTrans prst="peelOff"/>
-      </p:transition>
-    </mc:Choice>
-    <mc:Fallback xmlns="">
-      <p:transition spd="slow">
-        <p:fade/>
-      </p:transition>
-    </mc:Fallback>
-  </mc:AlternateContent>
-</p:sld>
-</file>
-
-<file path=ppt/slides/slide11.xml><?xml version="1.0" encoding="utf-8"?>
-<p:sld xmlns:a="http://schemas.openxmlformats.org/drawingml/2006/main" xmlns:r="http://schemas.openxmlformats.org/officeDocument/2006/relationships" xmlns:p="http://schemas.openxmlformats.org/presentationml/2006/main">
-  <p:cSld>
-    <p:spTree>
-      <p:nvGrpSpPr>
-        <p:cNvPr id="1" name=""/>
-        <p:cNvGrpSpPr/>
-        <p:nvPr/>
-      </p:nvGrpSpPr>
-      <p:grpSpPr>
-        <a:xfrm>
-          <a:off x="0" y="0"/>
-          <a:ext cx="0" cy="0"/>
-          <a:chOff x="0" y="0"/>
-          <a:chExt cx="0" cy="0"/>
-        </a:xfrm>
-      </p:grpSpPr>
-      <p:sp>
-        <p:nvSpPr>
-          <p:cNvPr id="2" name="Title 1"/>
-          <p:cNvSpPr>
-            <a:spLocks noGrp="1"/>
-          </p:cNvSpPr>
-          <p:nvPr>
-            <p:ph type="title"/>
-          </p:nvPr>
-        </p:nvSpPr>
-        <p:spPr>
-          <a:xfrm>
-            <a:off x="1402466" y="764704"/>
-            <a:ext cx="4537686" cy="800308"/>
-          </a:xfrm>
-        </p:spPr>
-        <p:txBody>
-          <a:bodyPr>
-            <a:normAutofit/>
-          </a:bodyPr>
-          <a:lstStyle/>
-          <a:p>
-            <a:r>
-              <a:rPr lang="en-US" sz="4051" dirty="0"/>
-              <a:t>Advantages of DAS</a:t>
-            </a:r>
-          </a:p>
-        </p:txBody>
-      </p:sp>
-      <p:sp>
-        <p:nvSpPr>
-          <p:cNvPr id="4" name="Content Placeholder 2"/>
-          <p:cNvSpPr txBox="1">
-            <a:spLocks/>
-          </p:cNvSpPr>
-          <p:nvPr/>
-        </p:nvSpPr>
-        <p:spPr>
-          <a:xfrm>
-            <a:off x="2016355" y="2132856"/>
-            <a:ext cx="7847594" cy="2226394"/>
-          </a:xfrm>
-          <a:prstGeom prst="rect">
-            <a:avLst/>
-          </a:prstGeom>
-        </p:spPr>
-        <p:txBody>
-          <a:bodyPr vert="horz" lIns="68598" tIns="34299" rIns="68598" bIns="34299" rtlCol="0">
-            <a:noAutofit/>
-          </a:bodyPr>
-          <a:lstStyle>
-            <a:lvl1pPr marL="274320" indent="-228600" algn="l" defTabSz="914400" rtl="0" eaLnBrk="1" latinLnBrk="0" hangingPunct="1">
-              <a:lnSpc>
-                <a:spcPct val="90000"/>
-              </a:lnSpc>
-              <a:spcBef>
-                <a:spcPts val="1800"/>
-              </a:spcBef>
-              <a:buClr>
-                <a:schemeClr val="tx1">
-                  <a:lumMod val="65000"/>
-                  <a:lumOff val="35000"/>
-                </a:schemeClr>
-              </a:buClr>
-              <a:buSzPct val="80000"/>
-              <a:buFont typeface="Arial" pitchFamily="34" charset="0"/>
-              <a:buChar char="•"/>
-              <a:defRPr sz="2000" kern="1200">
-                <a:solidFill>
-                  <a:schemeClr val="tx1">
-                    <a:lumMod val="65000"/>
-                    <a:lumOff val="35000"/>
-                  </a:schemeClr>
-                </a:solidFill>
-                <a:latin typeface="+mn-lt"/>
-                <a:ea typeface="+mn-ea"/>
-                <a:cs typeface="+mn-cs"/>
-              </a:defRPr>
-            </a:lvl1pPr>
-            <a:lvl2pPr marL="594360" indent="-228600" algn="l" defTabSz="914400" rtl="0" eaLnBrk="1" latinLnBrk="0" hangingPunct="1">
-              <a:lnSpc>
-                <a:spcPct val="90000"/>
-              </a:lnSpc>
-              <a:spcBef>
-                <a:spcPts val="1000"/>
-              </a:spcBef>
-              <a:buClr>
-                <a:schemeClr val="tx1">
-                  <a:lumMod val="65000"/>
-                  <a:lumOff val="35000"/>
-                </a:schemeClr>
-              </a:buClr>
-              <a:buSzPct val="80000"/>
-              <a:buFont typeface="Arial" pitchFamily="34" charset="0"/>
-              <a:buChar char="•"/>
-              <a:defRPr sz="1800" kern="1200">
-                <a:solidFill>
-                  <a:schemeClr val="tx1">
-                    <a:lumMod val="65000"/>
-                    <a:lumOff val="35000"/>
-                  </a:schemeClr>
-                </a:solidFill>
-                <a:latin typeface="+mn-lt"/>
-                <a:ea typeface="+mn-ea"/>
-                <a:cs typeface="+mn-cs"/>
-              </a:defRPr>
-            </a:lvl2pPr>
-            <a:lvl3pPr marL="777240" indent="-182880" algn="l" defTabSz="914400" rtl="0" eaLnBrk="1" latinLnBrk="0" hangingPunct="1">
-              <a:lnSpc>
-                <a:spcPct val="90000"/>
-              </a:lnSpc>
-              <a:spcBef>
-                <a:spcPts val="600"/>
-              </a:spcBef>
-              <a:buClr>
-                <a:schemeClr val="tx1">
-                  <a:lumMod val="65000"/>
-                  <a:lumOff val="35000"/>
-                </a:schemeClr>
-              </a:buClr>
-              <a:buSzPct val="80000"/>
-              <a:buFont typeface="Arial" pitchFamily="34" charset="0"/>
-              <a:buChar char="•"/>
-              <a:defRPr sz="1600" kern="1200">
-                <a:solidFill>
-                  <a:schemeClr val="tx1">
-                    <a:lumMod val="65000"/>
-                    <a:lumOff val="35000"/>
-                  </a:schemeClr>
-                </a:solidFill>
-                <a:latin typeface="+mn-lt"/>
-                <a:ea typeface="+mn-ea"/>
-                <a:cs typeface="+mn-cs"/>
-              </a:defRPr>
-            </a:lvl3pPr>
-            <a:lvl4pPr marL="960120" indent="-182880" algn="l" defTabSz="914400" rtl="0" eaLnBrk="1" latinLnBrk="0" hangingPunct="1">
-              <a:lnSpc>
-                <a:spcPct val="90000"/>
-              </a:lnSpc>
-              <a:spcBef>
-                <a:spcPts val="600"/>
-              </a:spcBef>
-              <a:buClr>
-                <a:schemeClr val="tx1">
-                  <a:lumMod val="65000"/>
-                  <a:lumOff val="35000"/>
-                </a:schemeClr>
-              </a:buClr>
-              <a:buSzPct val="80000"/>
-              <a:buFont typeface="Arial" pitchFamily="34" charset="0"/>
-              <a:buChar char="•"/>
-              <a:defRPr sz="1400" kern="1200">
-                <a:solidFill>
-                  <a:schemeClr val="tx1">
-                    <a:lumMod val="65000"/>
-                    <a:lumOff val="35000"/>
-                  </a:schemeClr>
-                </a:solidFill>
-                <a:latin typeface="+mn-lt"/>
-                <a:ea typeface="+mn-ea"/>
-                <a:cs typeface="+mn-cs"/>
-              </a:defRPr>
-            </a:lvl4pPr>
-            <a:lvl5pPr marL="1097280" indent="-137160" algn="l" defTabSz="914400" rtl="0" eaLnBrk="1" latinLnBrk="0" hangingPunct="1">
-              <a:lnSpc>
-                <a:spcPct val="90000"/>
-              </a:lnSpc>
-              <a:spcBef>
-                <a:spcPts val="600"/>
-              </a:spcBef>
-              <a:buClr>
-                <a:schemeClr val="tx1">
-                  <a:lumMod val="65000"/>
-                  <a:lumOff val="35000"/>
-                </a:schemeClr>
-              </a:buClr>
-              <a:buSzPct val="80000"/>
-              <a:buFont typeface="Arial" pitchFamily="34" charset="0"/>
-              <a:buChar char="•"/>
-              <a:defRPr sz="1400" kern="1200">
-                <a:solidFill>
-                  <a:schemeClr val="tx1">
-                    <a:lumMod val="65000"/>
-                    <a:lumOff val="35000"/>
-                  </a:schemeClr>
-                </a:solidFill>
-                <a:latin typeface="+mn-lt"/>
-                <a:ea typeface="+mn-ea"/>
-                <a:cs typeface="+mn-cs"/>
-              </a:defRPr>
-            </a:lvl5pPr>
-            <a:lvl6pPr marL="1234440" indent="-137160" algn="l" defTabSz="914400" rtl="0" eaLnBrk="1" latinLnBrk="0" hangingPunct="1">
-              <a:spcBef>
-                <a:spcPts val="600"/>
-              </a:spcBef>
-              <a:buSzPct val="80000"/>
-              <a:buFont typeface="Arial" pitchFamily="34" charset="0"/>
-              <a:buChar char="•"/>
-              <a:defRPr sz="1400" kern="1200">
-                <a:solidFill>
-                  <a:schemeClr val="tx1">
-                    <a:lumMod val="65000"/>
-                    <a:lumOff val="35000"/>
-                  </a:schemeClr>
-                </a:solidFill>
-                <a:latin typeface="+mn-lt"/>
-                <a:ea typeface="+mn-ea"/>
-                <a:cs typeface="+mn-cs"/>
-              </a:defRPr>
-            </a:lvl6pPr>
-            <a:lvl7pPr marL="1371600" indent="-137160" algn="l" defTabSz="914400" rtl="0" eaLnBrk="1" latinLnBrk="0" hangingPunct="1">
-              <a:spcBef>
-                <a:spcPts val="600"/>
-              </a:spcBef>
-              <a:buSzPct val="80000"/>
-              <a:buFont typeface="Arial" pitchFamily="34" charset="0"/>
-              <a:buChar char="•"/>
-              <a:defRPr sz="1400" kern="1200">
-                <a:solidFill>
-                  <a:schemeClr val="tx1">
-                    <a:lumMod val="65000"/>
-                    <a:lumOff val="35000"/>
-                  </a:schemeClr>
-                </a:solidFill>
-                <a:latin typeface="+mn-lt"/>
-                <a:ea typeface="+mn-ea"/>
-                <a:cs typeface="+mn-cs"/>
-              </a:defRPr>
-            </a:lvl7pPr>
-            <a:lvl8pPr marL="1508760" indent="-137160" algn="l" defTabSz="914400" rtl="0" eaLnBrk="1" latinLnBrk="0" hangingPunct="1">
-              <a:spcBef>
-                <a:spcPts val="600"/>
-              </a:spcBef>
-              <a:buSzPct val="80000"/>
-              <a:buFont typeface="Arial" pitchFamily="34" charset="0"/>
-              <a:buChar char="•"/>
-              <a:defRPr sz="1400" kern="1200">
-                <a:solidFill>
-                  <a:schemeClr val="tx1">
-                    <a:lumMod val="65000"/>
-                    <a:lumOff val="35000"/>
-                  </a:schemeClr>
-                </a:solidFill>
-                <a:latin typeface="+mn-lt"/>
-                <a:ea typeface="+mn-ea"/>
-                <a:cs typeface="+mn-cs"/>
-              </a:defRPr>
-            </a:lvl8pPr>
-            <a:lvl9pPr marL="1645920" indent="-137160" algn="l" defTabSz="914400" rtl="0" eaLnBrk="1" latinLnBrk="0" hangingPunct="1">
-              <a:spcBef>
-                <a:spcPts val="600"/>
-              </a:spcBef>
-              <a:buSzPct val="80000"/>
-              <a:buFont typeface="Arial" pitchFamily="34" charset="0"/>
-              <a:buChar char="•"/>
-              <a:defRPr sz="1400" kern="1200">
-                <a:solidFill>
-                  <a:schemeClr val="tx1">
-                    <a:lumMod val="65000"/>
-                    <a:lumOff val="35000"/>
-                  </a:schemeClr>
-                </a:solidFill>
-                <a:latin typeface="+mn-lt"/>
-                <a:ea typeface="+mn-ea"/>
-                <a:cs typeface="+mn-cs"/>
-              </a:defRPr>
-            </a:lvl9pPr>
-          </a:lstStyle>
-          <a:p>
-            <a:pPr>
-              <a:buFont typeface="Wingdings" panose="05000000000000000000" pitchFamily="2" charset="2"/>
-              <a:buChar char="q"/>
-            </a:pPr>
-            <a:r>
-              <a:rPr lang="en-US" sz="3600" dirty="0">
-                <a:solidFill>
-                  <a:schemeClr val="accent6">
-                    <a:lumMod val="50000"/>
-                  </a:schemeClr>
-                </a:solidFill>
-              </a:rPr>
-              <a:t> High availability</a:t>
-            </a:r>
-          </a:p>
-          <a:p>
-            <a:pPr>
-              <a:buFont typeface="Wingdings" panose="05000000000000000000" pitchFamily="2" charset="2"/>
-              <a:buChar char="q"/>
-            </a:pPr>
-            <a:endParaRPr lang="en-US" sz="3600" dirty="0">
-              <a:solidFill>
-                <a:schemeClr val="accent6">
-                  <a:lumMod val="50000"/>
-                </a:schemeClr>
-              </a:solidFill>
-            </a:endParaRPr>
-          </a:p>
-          <a:p>
-            <a:pPr>
-              <a:buFont typeface="Wingdings" panose="05000000000000000000" pitchFamily="2" charset="2"/>
-              <a:buChar char="q"/>
-            </a:pPr>
-            <a:r>
-              <a:rPr lang="en-US" sz="3600" dirty="0">
-                <a:solidFill>
-                  <a:schemeClr val="accent6">
-                    <a:lumMod val="50000"/>
-                  </a:schemeClr>
-                </a:solidFill>
-              </a:rPr>
-              <a:t> High access rate</a:t>
-            </a:r>
-          </a:p>
-          <a:p>
-            <a:pPr>
-              <a:buFont typeface="Wingdings" panose="05000000000000000000" pitchFamily="2" charset="2"/>
-              <a:buChar char="q"/>
-            </a:pPr>
-            <a:endParaRPr lang="en-US" sz="3600" dirty="0">
-              <a:solidFill>
-                <a:schemeClr val="accent6">
-                  <a:lumMod val="50000"/>
-                </a:schemeClr>
-              </a:solidFill>
-            </a:endParaRPr>
-          </a:p>
-          <a:p>
-            <a:pPr>
-              <a:buFont typeface="Wingdings" panose="05000000000000000000" pitchFamily="2" charset="2"/>
-              <a:buChar char="q"/>
-            </a:pPr>
-            <a:r>
-              <a:rPr lang="en-US" sz="3600" dirty="0">
-                <a:solidFill>
-                  <a:schemeClr val="accent6">
-                    <a:lumMod val="50000"/>
-                  </a:schemeClr>
-                </a:solidFill>
-              </a:rPr>
-              <a:t> </a:t>
-            </a:r>
-            <a:r>
-              <a:rPr lang="en-GB" sz="3600" dirty="0">
-                <a:solidFill>
-                  <a:schemeClr val="accent6">
-                    <a:lumMod val="50000"/>
-                  </a:schemeClr>
-                </a:solidFill>
-              </a:rPr>
-              <a:t>Data security</a:t>
-            </a:r>
-            <a:endParaRPr lang="en-US" sz="3600" dirty="0">
-              <a:solidFill>
-                <a:schemeClr val="accent6">
-                  <a:lumMod val="50000"/>
-                </a:schemeClr>
-              </a:solidFill>
-            </a:endParaRPr>
-          </a:p>
-          <a:p>
-            <a:pPr marL="45720" indent="0">
-              <a:buNone/>
-            </a:pPr>
-            <a:endParaRPr lang="en-US" sz="3600" dirty="0">
-              <a:solidFill>
-                <a:schemeClr val="accent6">
-                  <a:lumMod val="50000"/>
-                </a:schemeClr>
-              </a:solidFill>
-            </a:endParaRPr>
-          </a:p>
-        </p:txBody>
-      </p:sp>
-      <p:sp>
-        <p:nvSpPr>
-          <p:cNvPr id="5" name="Rectangle 4"/>
-          <p:cNvSpPr/>
-          <p:nvPr/>
-        </p:nvSpPr>
-        <p:spPr>
-          <a:xfrm>
-            <a:off x="574515" y="1565013"/>
-            <a:ext cx="8643211" cy="34298"/>
-          </a:xfrm>
-          <a:prstGeom prst="rect">
-            <a:avLst/>
-          </a:prstGeom>
-        </p:spPr>
-        <p:style>
-          <a:lnRef idx="1">
-            <a:schemeClr val="accent1"/>
-          </a:lnRef>
-          <a:fillRef idx="3">
-            <a:schemeClr val="accent1"/>
-          </a:fillRef>
-          <a:effectRef idx="2">
-            <a:schemeClr val="accent1"/>
-          </a:effectRef>
-          <a:fontRef idx="minor">
-            <a:schemeClr val="lt1"/>
-          </a:fontRef>
-        </p:style>
-        <p:txBody>
-          <a:bodyPr rtlCol="0" anchor="ctr"/>
-          <a:lstStyle/>
-          <a:p>
-            <a:pPr algn="ctr"/>
-            <a:endParaRPr lang="en-US" sz="1350">
-              <a:solidFill>
-                <a:schemeClr val="tx1">
-                  <a:lumMod val="65000"/>
-                  <a:lumOff val="35000"/>
-                </a:schemeClr>
-              </a:solidFill>
-            </a:endParaRPr>
-          </a:p>
-        </p:txBody>
-      </p:sp>
-      <p:pic>
-        <p:nvPicPr>
-          <p:cNvPr id="7" name="Picture 6"/>
-          <p:cNvPicPr>
-            <a:picLocks noChangeAspect="1"/>
-          </p:cNvPicPr>
-          <p:nvPr/>
-        </p:nvPicPr>
-        <p:blipFill>
-          <a:blip r:embed="rId2">
-            <a:extLst>
-              <a:ext uri="{28A0092B-C50C-407E-A947-70E740481C1C}">
-                <a14:useLocalDpi xmlns:a14="http://schemas.microsoft.com/office/drawing/2010/main" val="0"/>
-              </a:ext>
-            </a:extLst>
-          </a:blip>
-          <a:stretch>
-            <a:fillRect/>
-          </a:stretch>
-        </p:blipFill>
-        <p:spPr>
-          <a:xfrm>
-            <a:off x="219576" y="620688"/>
-            <a:ext cx="1040056" cy="1091146"/>
-          </a:xfrm>
-          <a:prstGeom prst="rect">
-            <a:avLst/>
-          </a:prstGeom>
-        </p:spPr>
-      </p:pic>
-    </p:spTree>
-    <p:extLst>
-      <p:ext uri="{BB962C8B-B14F-4D97-AF65-F5344CB8AC3E}">
-        <p14:creationId xmlns:p14="http://schemas.microsoft.com/office/powerpoint/2010/main" val="3369188236"/>
-      </p:ext>
-    </p:extLst>
-  </p:cSld>
-  <p:clrMapOvr>
-    <a:masterClrMapping/>
-  </p:clrMapOvr>
-  <mc:AlternateContent xmlns:mc="http://schemas.openxmlformats.org/markup-compatibility/2006" xmlns:p14="http://schemas.microsoft.com/office/powerpoint/2010/main">
-    <mc:Choice Requires="p14">
-      <p:transition spd="slow" p14:dur="1600">
-        <p:blinds dir="vert"/>
-      </p:transition>
-    </mc:Choice>
-    <mc:Fallback xmlns="">
-      <p:transition spd="slow">
-        <p:blinds dir="vert"/>
-      </p:transition>
-    </mc:Fallback>
-  </mc:AlternateContent>
-</p:sld>
-</file>
-
-<file path=ppt/slides/slide12.xml><?xml version="1.0" encoding="utf-8"?>
-<p:sld xmlns:a="http://schemas.openxmlformats.org/drawingml/2006/main" xmlns:r="http://schemas.openxmlformats.org/officeDocument/2006/relationships" xmlns:p="http://schemas.openxmlformats.org/presentationml/2006/main">
-  <p:cSld>
-    <p:spTree>
-      <p:nvGrpSpPr>
-        <p:cNvPr id="1" name=""/>
-        <p:cNvGrpSpPr/>
-        <p:nvPr/>
-      </p:nvGrpSpPr>
-      <p:grpSpPr>
-        <a:xfrm>
-          <a:off x="0" y="0"/>
-          <a:ext cx="0" cy="0"/>
-          <a:chOff x="0" y="0"/>
-          <a:chExt cx="0" cy="0"/>
-        </a:xfrm>
-      </p:grpSpPr>
-      <p:sp>
-        <p:nvSpPr>
-          <p:cNvPr id="4" name="Content Placeholder 2"/>
-          <p:cNvSpPr txBox="1">
-            <a:spLocks/>
-          </p:cNvSpPr>
-          <p:nvPr/>
-        </p:nvSpPr>
-        <p:spPr>
-          <a:xfrm>
-            <a:off x="1468032" y="2132856"/>
-            <a:ext cx="9180250" cy="3018482"/>
-          </a:xfrm>
-          <a:prstGeom prst="rect">
-            <a:avLst/>
-          </a:prstGeom>
-        </p:spPr>
-        <p:txBody>
-          <a:bodyPr vert="horz" lIns="68598" tIns="34299" rIns="68598" bIns="34299" rtlCol="0">
-            <a:noAutofit/>
-          </a:bodyPr>
-          <a:lstStyle>
-            <a:lvl1pPr marL="274320" indent="-228600" algn="l" defTabSz="914400" rtl="0" eaLnBrk="1" latinLnBrk="0" hangingPunct="1">
-              <a:lnSpc>
-                <a:spcPct val="90000"/>
-              </a:lnSpc>
-              <a:spcBef>
-                <a:spcPts val="1800"/>
-              </a:spcBef>
-              <a:buClr>
-                <a:schemeClr val="tx1">
-                  <a:lumMod val="65000"/>
-                  <a:lumOff val="35000"/>
-                </a:schemeClr>
-              </a:buClr>
-              <a:buSzPct val="80000"/>
-              <a:buFont typeface="Arial" pitchFamily="34" charset="0"/>
-              <a:buChar char="•"/>
-              <a:defRPr sz="2000" kern="1200">
-                <a:solidFill>
-                  <a:schemeClr val="tx1">
-                    <a:lumMod val="65000"/>
-                    <a:lumOff val="35000"/>
-                  </a:schemeClr>
-                </a:solidFill>
-                <a:latin typeface="+mn-lt"/>
-                <a:ea typeface="+mn-ea"/>
-                <a:cs typeface="+mn-cs"/>
-              </a:defRPr>
-            </a:lvl1pPr>
-            <a:lvl2pPr marL="594360" indent="-228600" algn="l" defTabSz="914400" rtl="0" eaLnBrk="1" latinLnBrk="0" hangingPunct="1">
-              <a:lnSpc>
-                <a:spcPct val="90000"/>
-              </a:lnSpc>
-              <a:spcBef>
-                <a:spcPts val="1000"/>
-              </a:spcBef>
-              <a:buClr>
-                <a:schemeClr val="tx1">
-                  <a:lumMod val="65000"/>
-                  <a:lumOff val="35000"/>
-                </a:schemeClr>
-              </a:buClr>
-              <a:buSzPct val="80000"/>
-              <a:buFont typeface="Arial" pitchFamily="34" charset="0"/>
-              <a:buChar char="•"/>
-              <a:defRPr sz="1800" kern="1200">
-                <a:solidFill>
-                  <a:schemeClr val="tx1">
-                    <a:lumMod val="65000"/>
-                    <a:lumOff val="35000"/>
-                  </a:schemeClr>
-                </a:solidFill>
-                <a:latin typeface="+mn-lt"/>
-                <a:ea typeface="+mn-ea"/>
-                <a:cs typeface="+mn-cs"/>
-              </a:defRPr>
-            </a:lvl2pPr>
-            <a:lvl3pPr marL="777240" indent="-182880" algn="l" defTabSz="914400" rtl="0" eaLnBrk="1" latinLnBrk="0" hangingPunct="1">
-              <a:lnSpc>
-                <a:spcPct val="90000"/>
-              </a:lnSpc>
-              <a:spcBef>
-                <a:spcPts val="600"/>
-              </a:spcBef>
-              <a:buClr>
-                <a:schemeClr val="tx1">
-                  <a:lumMod val="65000"/>
-                  <a:lumOff val="35000"/>
-                </a:schemeClr>
-              </a:buClr>
-              <a:buSzPct val="80000"/>
-              <a:buFont typeface="Arial" pitchFamily="34" charset="0"/>
-              <a:buChar char="•"/>
-              <a:defRPr sz="1600" kern="1200">
-                <a:solidFill>
-                  <a:schemeClr val="tx1">
-                    <a:lumMod val="65000"/>
-                    <a:lumOff val="35000"/>
-                  </a:schemeClr>
-                </a:solidFill>
-                <a:latin typeface="+mn-lt"/>
-                <a:ea typeface="+mn-ea"/>
-                <a:cs typeface="+mn-cs"/>
-              </a:defRPr>
-            </a:lvl3pPr>
-            <a:lvl4pPr marL="960120" indent="-182880" algn="l" defTabSz="914400" rtl="0" eaLnBrk="1" latinLnBrk="0" hangingPunct="1">
-              <a:lnSpc>
-                <a:spcPct val="90000"/>
-              </a:lnSpc>
-              <a:spcBef>
-                <a:spcPts val="600"/>
-              </a:spcBef>
-              <a:buClr>
-                <a:schemeClr val="tx1">
-                  <a:lumMod val="65000"/>
-                  <a:lumOff val="35000"/>
-                </a:schemeClr>
-              </a:buClr>
-              <a:buSzPct val="80000"/>
-              <a:buFont typeface="Arial" pitchFamily="34" charset="0"/>
-              <a:buChar char="•"/>
-              <a:defRPr sz="1400" kern="1200">
-                <a:solidFill>
-                  <a:schemeClr val="tx1">
-                    <a:lumMod val="65000"/>
-                    <a:lumOff val="35000"/>
-                  </a:schemeClr>
-                </a:solidFill>
-                <a:latin typeface="+mn-lt"/>
-                <a:ea typeface="+mn-ea"/>
-                <a:cs typeface="+mn-cs"/>
-              </a:defRPr>
-            </a:lvl4pPr>
-            <a:lvl5pPr marL="1097280" indent="-137160" algn="l" defTabSz="914400" rtl="0" eaLnBrk="1" latinLnBrk="0" hangingPunct="1">
-              <a:lnSpc>
-                <a:spcPct val="90000"/>
-              </a:lnSpc>
-              <a:spcBef>
-                <a:spcPts val="600"/>
-              </a:spcBef>
-              <a:buClr>
-                <a:schemeClr val="tx1">
-                  <a:lumMod val="65000"/>
-                  <a:lumOff val="35000"/>
-                </a:schemeClr>
-              </a:buClr>
-              <a:buSzPct val="80000"/>
-              <a:buFont typeface="Arial" pitchFamily="34" charset="0"/>
-              <a:buChar char="•"/>
-              <a:defRPr sz="1400" kern="1200">
-                <a:solidFill>
-                  <a:schemeClr val="tx1">
-                    <a:lumMod val="65000"/>
-                    <a:lumOff val="35000"/>
-                  </a:schemeClr>
-                </a:solidFill>
-                <a:latin typeface="+mn-lt"/>
-                <a:ea typeface="+mn-ea"/>
-                <a:cs typeface="+mn-cs"/>
-              </a:defRPr>
-            </a:lvl5pPr>
-            <a:lvl6pPr marL="1234440" indent="-137160" algn="l" defTabSz="914400" rtl="0" eaLnBrk="1" latinLnBrk="0" hangingPunct="1">
-              <a:spcBef>
-                <a:spcPts val="600"/>
-              </a:spcBef>
-              <a:buSzPct val="80000"/>
-              <a:buFont typeface="Arial" pitchFamily="34" charset="0"/>
-              <a:buChar char="•"/>
-              <a:defRPr sz="1400" kern="1200">
-                <a:solidFill>
-                  <a:schemeClr val="tx1">
-                    <a:lumMod val="65000"/>
-                    <a:lumOff val="35000"/>
-                  </a:schemeClr>
-                </a:solidFill>
-                <a:latin typeface="+mn-lt"/>
-                <a:ea typeface="+mn-ea"/>
-                <a:cs typeface="+mn-cs"/>
-              </a:defRPr>
-            </a:lvl6pPr>
-            <a:lvl7pPr marL="1371600" indent="-137160" algn="l" defTabSz="914400" rtl="0" eaLnBrk="1" latinLnBrk="0" hangingPunct="1">
-              <a:spcBef>
-                <a:spcPts val="600"/>
-              </a:spcBef>
-              <a:buSzPct val="80000"/>
-              <a:buFont typeface="Arial" pitchFamily="34" charset="0"/>
-              <a:buChar char="•"/>
-              <a:defRPr sz="1400" kern="1200">
-                <a:solidFill>
-                  <a:schemeClr val="tx1">
-                    <a:lumMod val="65000"/>
-                    <a:lumOff val="35000"/>
-                  </a:schemeClr>
-                </a:solidFill>
-                <a:latin typeface="+mn-lt"/>
-                <a:ea typeface="+mn-ea"/>
-                <a:cs typeface="+mn-cs"/>
-              </a:defRPr>
-            </a:lvl7pPr>
-            <a:lvl8pPr marL="1508760" indent="-137160" algn="l" defTabSz="914400" rtl="0" eaLnBrk="1" latinLnBrk="0" hangingPunct="1">
-              <a:spcBef>
-                <a:spcPts val="600"/>
-              </a:spcBef>
-              <a:buSzPct val="80000"/>
-              <a:buFont typeface="Arial" pitchFamily="34" charset="0"/>
-              <a:buChar char="•"/>
-              <a:defRPr sz="1400" kern="1200">
-                <a:solidFill>
-                  <a:schemeClr val="tx1">
-                    <a:lumMod val="65000"/>
-                    <a:lumOff val="35000"/>
-                  </a:schemeClr>
-                </a:solidFill>
-                <a:latin typeface="+mn-lt"/>
-                <a:ea typeface="+mn-ea"/>
-                <a:cs typeface="+mn-cs"/>
-              </a:defRPr>
-            </a:lvl8pPr>
-            <a:lvl9pPr marL="1645920" indent="-137160" algn="l" defTabSz="914400" rtl="0" eaLnBrk="1" latinLnBrk="0" hangingPunct="1">
-              <a:spcBef>
-                <a:spcPts val="600"/>
-              </a:spcBef>
-              <a:buSzPct val="80000"/>
-              <a:buFont typeface="Arial" pitchFamily="34" charset="0"/>
-              <a:buChar char="•"/>
-              <a:defRPr sz="1400" kern="1200">
-                <a:solidFill>
-                  <a:schemeClr val="tx1">
-                    <a:lumMod val="65000"/>
-                    <a:lumOff val="35000"/>
-                  </a:schemeClr>
-                </a:solidFill>
-                <a:latin typeface="+mn-lt"/>
-                <a:ea typeface="+mn-ea"/>
-                <a:cs typeface="+mn-cs"/>
-              </a:defRPr>
-            </a:lvl9pPr>
-          </a:lstStyle>
-          <a:p>
-            <a:pPr>
-              <a:buFont typeface="Wingdings" panose="05000000000000000000" pitchFamily="2" charset="2"/>
-              <a:buChar char="q"/>
-            </a:pPr>
-            <a:r>
-              <a:rPr lang="en-GB" sz="3600" dirty="0">
-                <a:solidFill>
-                  <a:schemeClr val="accent6">
-                    <a:lumMod val="50000"/>
-                  </a:schemeClr>
-                </a:solidFill>
-              </a:rPr>
-              <a:t>Not Scalable</a:t>
-            </a:r>
-          </a:p>
-          <a:p>
-            <a:pPr>
-              <a:buFont typeface="Wingdings" panose="05000000000000000000" pitchFamily="2" charset="2"/>
-              <a:buChar char="q"/>
-            </a:pPr>
-            <a:endParaRPr lang="en-GB" sz="3600" dirty="0">
-              <a:solidFill>
-                <a:schemeClr val="accent6">
-                  <a:lumMod val="50000"/>
-                </a:schemeClr>
-              </a:solidFill>
-            </a:endParaRPr>
-          </a:p>
-          <a:p>
-            <a:pPr>
-              <a:buFont typeface="Wingdings" panose="05000000000000000000" pitchFamily="2" charset="2"/>
-              <a:buChar char="q"/>
-            </a:pPr>
-            <a:r>
-              <a:rPr lang="en-US" sz="3600" dirty="0">
-                <a:solidFill>
-                  <a:schemeClr val="accent6">
-                    <a:lumMod val="50000"/>
-                  </a:schemeClr>
-                </a:solidFill>
-              </a:rPr>
-              <a:t>Allow only one user at a time</a:t>
-            </a:r>
-          </a:p>
-          <a:p>
-            <a:pPr>
-              <a:buFont typeface="Wingdings" panose="05000000000000000000" pitchFamily="2" charset="2"/>
-              <a:buChar char="q"/>
-            </a:pPr>
-            <a:endParaRPr lang="en-US" sz="3600" dirty="0">
-              <a:solidFill>
-                <a:schemeClr val="accent6">
-                  <a:lumMod val="50000"/>
-                </a:schemeClr>
-              </a:solidFill>
-            </a:endParaRPr>
-          </a:p>
-          <a:p>
-            <a:pPr>
-              <a:buFont typeface="Wingdings" panose="05000000000000000000" pitchFamily="2" charset="2"/>
-              <a:buChar char="q"/>
-            </a:pPr>
-            <a:r>
-              <a:rPr lang="en-US" sz="3600" dirty="0">
-                <a:solidFill>
-                  <a:schemeClr val="accent6">
-                    <a:lumMod val="50000"/>
-                  </a:schemeClr>
-                </a:solidFill>
-              </a:rPr>
-              <a:t>High administrative cost</a:t>
-            </a:r>
-          </a:p>
-        </p:txBody>
-      </p:sp>
-      <p:sp>
-        <p:nvSpPr>
-          <p:cNvPr id="7" name="Title 1"/>
-          <p:cNvSpPr>
-            <a:spLocks noGrp="1"/>
-          </p:cNvSpPr>
-          <p:nvPr>
-            <p:ph type="title"/>
-          </p:nvPr>
-        </p:nvSpPr>
-        <p:spPr>
-          <a:xfrm>
-            <a:off x="1456600" y="756484"/>
-            <a:ext cx="5275640" cy="800308"/>
-          </a:xfrm>
-        </p:spPr>
-        <p:txBody>
-          <a:bodyPr>
-            <a:noAutofit/>
-          </a:bodyPr>
-          <a:lstStyle/>
-          <a:p>
-            <a:r>
-              <a:rPr lang="en-US" sz="4000" dirty="0" err="1"/>
-              <a:t>Disdvantages</a:t>
-            </a:r>
-            <a:r>
-              <a:rPr lang="en-US" sz="4000" dirty="0"/>
-              <a:t> of DAS</a:t>
-            </a:r>
-          </a:p>
-        </p:txBody>
-      </p:sp>
-      <p:sp>
-        <p:nvSpPr>
-          <p:cNvPr id="8" name="Rectangle 7"/>
-          <p:cNvSpPr/>
-          <p:nvPr/>
-        </p:nvSpPr>
-        <p:spPr>
-          <a:xfrm>
-            <a:off x="574515" y="1565013"/>
-            <a:ext cx="8643211" cy="34298"/>
-          </a:xfrm>
-          <a:prstGeom prst="rect">
-            <a:avLst/>
-          </a:prstGeom>
-        </p:spPr>
-        <p:style>
-          <a:lnRef idx="1">
-            <a:schemeClr val="accent1"/>
-          </a:lnRef>
-          <a:fillRef idx="3">
-            <a:schemeClr val="accent1"/>
-          </a:fillRef>
-          <a:effectRef idx="2">
-            <a:schemeClr val="accent1"/>
-          </a:effectRef>
-          <a:fontRef idx="minor">
-            <a:schemeClr val="lt1"/>
-          </a:fontRef>
-        </p:style>
-        <p:txBody>
-          <a:bodyPr rtlCol="0" anchor="ctr"/>
-          <a:lstStyle/>
-          <a:p>
-            <a:pPr algn="ctr"/>
-            <a:endParaRPr lang="en-US" sz="1350">
-              <a:solidFill>
-                <a:schemeClr val="tx1">
-                  <a:lumMod val="65000"/>
-                  <a:lumOff val="35000"/>
-                </a:schemeClr>
-              </a:solidFill>
-            </a:endParaRPr>
-          </a:p>
-        </p:txBody>
-      </p:sp>
-      <p:pic>
-        <p:nvPicPr>
-          <p:cNvPr id="11" name="Picture 10"/>
-          <p:cNvPicPr>
-            <a:picLocks noChangeAspect="1"/>
-          </p:cNvPicPr>
-          <p:nvPr/>
-        </p:nvPicPr>
-        <p:blipFill>
-          <a:blip r:embed="rId2">
-            <a:extLst>
-              <a:ext uri="{BEBA8EAE-BF5A-486C-A8C5-ECC9F3942E4B}">
-                <a14:imgProps xmlns:a14="http://schemas.microsoft.com/office/drawing/2010/main">
-                  <a14:imgLayer r:embed="rId3">
-                    <a14:imgEffect>
-                      <a14:saturation sat="66000"/>
-                    </a14:imgEffect>
-                  </a14:imgLayer>
-                </a14:imgProps>
-              </a:ext>
-              <a:ext uri="{28A0092B-C50C-407E-A947-70E740481C1C}">
-                <a14:useLocalDpi xmlns:a14="http://schemas.microsoft.com/office/drawing/2010/main" val="0"/>
-              </a:ext>
-            </a:extLst>
-          </a:blip>
-          <a:stretch>
-            <a:fillRect/>
-          </a:stretch>
-        </p:blipFill>
-        <p:spPr>
-          <a:xfrm>
-            <a:off x="218745" y="908720"/>
-            <a:ext cx="1127514" cy="1184147"/>
-          </a:xfrm>
-          <a:prstGeom prst="rect">
-            <a:avLst/>
-          </a:prstGeom>
-        </p:spPr>
-      </p:pic>
-    </p:spTree>
-    <p:extLst>
-      <p:ext uri="{BB962C8B-B14F-4D97-AF65-F5344CB8AC3E}">
-        <p14:creationId xmlns:p14="http://schemas.microsoft.com/office/powerpoint/2010/main" val="3877865306"/>
-      </p:ext>
-    </p:extLst>
-  </p:cSld>
-  <p:clrMapOvr>
-    <a:masterClrMapping/>
-  </p:clrMapOvr>
-  <mc:AlternateContent xmlns:mc="http://schemas.openxmlformats.org/markup-compatibility/2006" xmlns:p14="http://schemas.microsoft.com/office/powerpoint/2010/main">
-    <mc:Choice Requires="p14">
-      <p:transition spd="slow" p14:dur="1400">
-        <p14:ripple/>
-      </p:transition>
-    </mc:Choice>
-    <mc:Fallback xmlns="">
-      <p:transition spd="slow">
-        <p:fade/>
-      </p:transition>
-    </mc:Fallback>
-  </mc:AlternateContent>
-</p:sld>
-</file>
-
-<file path=ppt/slides/slide13.xml><?xml version="1.0" encoding="utf-8"?>
-<p:sld xmlns:a="http://schemas.openxmlformats.org/drawingml/2006/main" xmlns:r="http://schemas.openxmlformats.org/officeDocument/2006/relationships" xmlns:p="http://schemas.openxmlformats.org/presentationml/2006/main">
-  <p:cSld>
-    <p:spTree>
-      <p:nvGrpSpPr>
-        <p:cNvPr id="1" name=""/>
-        <p:cNvGrpSpPr/>
-        <p:nvPr/>
-      </p:nvGrpSpPr>
-      <p:grpSpPr>
-        <a:xfrm>
-          <a:off x="0" y="0"/>
-          <a:ext cx="0" cy="0"/>
-          <a:chOff x="0" y="0"/>
-          <a:chExt cx="0" cy="0"/>
-        </a:xfrm>
-      </p:grpSpPr>
-      <p:sp>
-        <p:nvSpPr>
-          <p:cNvPr id="2" name="Title 1"/>
-          <p:cNvSpPr>
-            <a:spLocks noGrp="1"/>
-          </p:cNvSpPr>
-          <p:nvPr>
-            <p:ph type="title"/>
-          </p:nvPr>
-        </p:nvSpPr>
-        <p:spPr>
-          <a:xfrm>
-            <a:off x="971600" y="-77213"/>
-            <a:ext cx="6516798" cy="1880428"/>
-          </a:xfrm>
-        </p:spPr>
-        <p:txBody>
-          <a:bodyPr>
-            <a:noAutofit/>
-          </a:bodyPr>
-          <a:lstStyle/>
-          <a:p>
-            <a:pPr algn="ctr"/>
-            <a:r>
-              <a:rPr lang="en-US" sz="6000" dirty="0">
-                <a:solidFill>
-                  <a:schemeClr val="accent6">
-                    <a:lumMod val="50000"/>
-                  </a:schemeClr>
-                </a:solidFill>
-              </a:rPr>
-              <a:t>NAS</a:t>
-            </a:r>
-            <a:br>
-              <a:rPr lang="en-US" sz="4051" dirty="0"/>
-            </a:br>
-            <a:r>
-              <a:rPr lang="en-US" sz="4051" dirty="0"/>
-              <a:t>Network Attached Storage</a:t>
-            </a:r>
-          </a:p>
-        </p:txBody>
-      </p:sp>
-      <p:sp>
-        <p:nvSpPr>
-          <p:cNvPr id="3" name="Rectangle 2"/>
-          <p:cNvSpPr/>
-          <p:nvPr/>
-        </p:nvSpPr>
-        <p:spPr>
-          <a:xfrm>
-            <a:off x="971600" y="2780928"/>
-            <a:ext cx="8028384" cy="2308324"/>
-          </a:xfrm>
-          <a:prstGeom prst="rect">
-            <a:avLst/>
-          </a:prstGeom>
-        </p:spPr>
-        <p:txBody>
-          <a:bodyPr wrap="square">
-            <a:spAutoFit/>
-          </a:bodyPr>
-          <a:lstStyle/>
-          <a:p>
-            <a:pPr marL="571500" indent="-571500">
-              <a:buFont typeface="Wingdings" panose="05000000000000000000" pitchFamily="2" charset="2"/>
-              <a:buChar char="v"/>
-            </a:pPr>
-            <a:r>
-              <a:rPr lang="en-US" sz="3600" dirty="0">
-                <a:solidFill>
-                  <a:schemeClr val="accent6">
-                    <a:lumMod val="50000"/>
-                  </a:schemeClr>
-                </a:solidFill>
-              </a:rPr>
-              <a:t>Provides a </a:t>
-            </a:r>
-            <a:r>
-              <a:rPr lang="en-US" sz="3600" dirty="0">
-                <a:solidFill>
-                  <a:srgbClr val="0070C0"/>
-                </a:solidFill>
-              </a:rPr>
-              <a:t>file sharing </a:t>
-            </a:r>
-            <a:r>
-              <a:rPr lang="en-US" sz="3600" dirty="0">
-                <a:solidFill>
-                  <a:schemeClr val="accent6">
-                    <a:lumMod val="50000"/>
-                  </a:schemeClr>
-                </a:solidFill>
-              </a:rPr>
-              <a:t>system or storage management system</a:t>
-            </a:r>
-          </a:p>
-          <a:p>
-            <a:endParaRPr lang="en-US" sz="3600" dirty="0">
-              <a:solidFill>
-                <a:schemeClr val="accent6">
-                  <a:lumMod val="50000"/>
-                </a:schemeClr>
-              </a:solidFill>
-            </a:endParaRPr>
-          </a:p>
-          <a:p>
-            <a:pPr marL="571500" indent="-571500">
-              <a:buFont typeface="Wingdings" panose="05000000000000000000" pitchFamily="2" charset="2"/>
-              <a:buChar char="v"/>
-            </a:pPr>
-            <a:r>
-              <a:rPr lang="en-US" sz="3600" dirty="0">
-                <a:solidFill>
-                  <a:schemeClr val="accent6">
-                    <a:lumMod val="50000"/>
-                  </a:schemeClr>
-                </a:solidFill>
-              </a:rPr>
-              <a:t>Act Upon </a:t>
-            </a:r>
-            <a:r>
-              <a:rPr lang="en-US" sz="3600" dirty="0">
-                <a:solidFill>
-                  <a:srgbClr val="0070C0"/>
-                </a:solidFill>
-              </a:rPr>
-              <a:t>Ethernet</a:t>
-            </a:r>
-          </a:p>
-        </p:txBody>
-      </p:sp>
-      <p:sp>
-        <p:nvSpPr>
-          <p:cNvPr id="4" name="Rectangle 3"/>
-          <p:cNvSpPr/>
-          <p:nvPr/>
-        </p:nvSpPr>
-        <p:spPr>
-          <a:xfrm>
-            <a:off x="-108520" y="1871113"/>
-            <a:ext cx="9505055" cy="45719"/>
-          </a:xfrm>
-          <a:prstGeom prst="rect">
-            <a:avLst/>
-          </a:prstGeom>
-        </p:spPr>
-        <p:style>
-          <a:lnRef idx="1">
-            <a:schemeClr val="accent1"/>
-          </a:lnRef>
-          <a:fillRef idx="3">
-            <a:schemeClr val="accent1"/>
-          </a:fillRef>
-          <a:effectRef idx="2">
-            <a:schemeClr val="accent1"/>
-          </a:effectRef>
-          <a:fontRef idx="minor">
-            <a:schemeClr val="lt1"/>
-          </a:fontRef>
-        </p:style>
-        <p:txBody>
-          <a:bodyPr rtlCol="0" anchor="ctr"/>
-          <a:lstStyle/>
-          <a:p>
-            <a:pPr algn="ctr"/>
-            <a:endParaRPr lang="en-US" sz="1350">
-              <a:solidFill>
-                <a:schemeClr val="tx1">
-                  <a:lumMod val="65000"/>
-                  <a:lumOff val="35000"/>
-                </a:schemeClr>
-              </a:solidFill>
-            </a:endParaRPr>
-          </a:p>
-        </p:txBody>
-      </p:sp>
-    </p:spTree>
-    <p:extLst>
-      <p:ext uri="{BB962C8B-B14F-4D97-AF65-F5344CB8AC3E}">
-        <p14:creationId xmlns:p14="http://schemas.microsoft.com/office/powerpoint/2010/main" val="1375462907"/>
-      </p:ext>
-    </p:extLst>
-  </p:cSld>
-  <p:clrMapOvr>
-    <a:masterClrMapping/>
-  </p:clrMapOvr>
-  <mc:AlternateContent xmlns:mc="http://schemas.openxmlformats.org/markup-compatibility/2006" xmlns:p14="http://schemas.microsoft.com/office/powerpoint/2010/main">
-    <mc:Choice Requires="p14">
-      <p:transition spd="slow" p14:dur="1600">
-        <p14:prism isInverted="1"/>
-      </p:transition>
-    </mc:Choice>
-    <mc:Fallback xmlns="">
-      <p:transition spd="slow">
-        <p:fade/>
-      </p:transition>
-    </mc:Fallback>
-  </mc:AlternateContent>
-</p:sld>
-</file>
-
-<file path=ppt/slides/slide14.xml><?xml version="1.0" encoding="utf-8"?>
-<p:sld xmlns:a="http://schemas.openxmlformats.org/drawingml/2006/main" xmlns:r="http://schemas.openxmlformats.org/officeDocument/2006/relationships" xmlns:p="http://schemas.openxmlformats.org/presentationml/2006/main">
-  <p:cSld>
-    <p:spTree>
-      <p:nvGrpSpPr>
-        <p:cNvPr id="1" name=""/>
-        <p:cNvGrpSpPr/>
-        <p:nvPr/>
-      </p:nvGrpSpPr>
-      <p:grpSpPr>
-        <a:xfrm>
-          <a:off x="0" y="0"/>
-          <a:ext cx="0" cy="0"/>
-          <a:chOff x="0" y="0"/>
-          <a:chExt cx="0" cy="0"/>
-        </a:xfrm>
-      </p:grpSpPr>
-      <p:pic>
-        <p:nvPicPr>
-          <p:cNvPr id="4" name="Picture 3"/>
-          <p:cNvPicPr>
-            <a:picLocks noChangeAspect="1"/>
-          </p:cNvPicPr>
-          <p:nvPr/>
-        </p:nvPicPr>
-        <p:blipFill rotWithShape="1">
-          <a:blip r:embed="rId2">
-            <a:extLst>
-              <a:ext uri="{28A0092B-C50C-407E-A947-70E740481C1C}">
-                <a14:useLocalDpi xmlns:a14="http://schemas.microsoft.com/office/drawing/2010/main" val="0"/>
-              </a:ext>
-            </a:extLst>
-          </a:blip>
-          <a:srcRect b="12255"/>
-          <a:stretch/>
-        </p:blipFill>
-        <p:spPr>
-          <a:xfrm>
-            <a:off x="899592" y="1484785"/>
-            <a:ext cx="6519079" cy="3816424"/>
-          </a:xfrm>
-          <a:prstGeom prst="rect">
-            <a:avLst/>
-          </a:prstGeom>
-        </p:spPr>
-      </p:pic>
-    </p:spTree>
-    <p:extLst>
-      <p:ext uri="{BB962C8B-B14F-4D97-AF65-F5344CB8AC3E}">
-        <p14:creationId xmlns:p14="http://schemas.microsoft.com/office/powerpoint/2010/main" val="1434522574"/>
-      </p:ext>
-    </p:extLst>
-  </p:cSld>
-  <p:clrMapOvr>
-    <a:masterClrMapping/>
-  </p:clrMapOvr>
-  <mc:AlternateContent xmlns:mc="http://schemas.openxmlformats.org/markup-compatibility/2006" xmlns:p15="http://schemas.microsoft.com/office/powerpoint/2012/main">
-    <mc:Choice Requires="p15">
-      <p:transition xmlns:p14="http://schemas.microsoft.com/office/powerpoint/2010/main" spd="slow" p14:dur="2000">
-        <p15:prstTrans prst="crush"/>
-      </p:transition>
-    </mc:Choice>
-    <mc:Fallback xmlns="">
-      <p:transition spd="slow">
-        <p:fade/>
-      </p:transition>
-    </mc:Fallback>
-  </mc:AlternateContent>
-</p:sld>
-</file>
-
-<file path=ppt/slides/slide2.xml><?xml version="1.0" encoding="utf-8"?>
-<p:sld xmlns:a="http://schemas.openxmlformats.org/drawingml/2006/main" xmlns:r="http://schemas.openxmlformats.org/officeDocument/2006/relationships" xmlns:p="http://schemas.openxmlformats.org/presentationml/2006/main">
-  <p:cSld>
-    <p:spTree>
-      <p:nvGrpSpPr>
-        <p:cNvPr id="1" name=""/>
-        <p:cNvGrpSpPr/>
-        <p:nvPr/>
-      </p:nvGrpSpPr>
-      <p:grpSpPr>
-        <a:xfrm>
-          <a:off x="0" y="0"/>
-          <a:ext cx="0" cy="0"/>
-          <a:chOff x="0" y="0"/>
-          <a:chExt cx="0" cy="0"/>
-        </a:xfrm>
-      </p:grpSpPr>
-      <p:sp>
-        <p:nvSpPr>
-          <p:cNvPr id="3" name="Rectangle 2"/>
-          <p:cNvSpPr/>
-          <p:nvPr/>
-        </p:nvSpPr>
-        <p:spPr>
-          <a:xfrm>
-            <a:off x="1115616" y="5373216"/>
-            <a:ext cx="2182129" cy="523220"/>
-          </a:xfrm>
-          <a:prstGeom prst="rect">
-            <a:avLst/>
-          </a:prstGeom>
-        </p:spPr>
-        <p:txBody>
-          <a:bodyPr wrap="square">
-            <a:spAutoFit/>
-          </a:bodyPr>
-          <a:lstStyle/>
-          <a:p>
-            <a:pPr algn="ctr"/>
-            <a:r>
-              <a:rPr lang="en-US" sz="2800" dirty="0">
-                <a:solidFill>
-                  <a:schemeClr val="accent1">
-                    <a:lumMod val="75000"/>
-                  </a:schemeClr>
-                </a:solidFill>
-              </a:rPr>
-              <a:t>Object 1</a:t>
-            </a:r>
-          </a:p>
-        </p:txBody>
-      </p:sp>
-      <p:pic>
-        <p:nvPicPr>
-          <p:cNvPr id="4" name="Picture 3">
-            <a:extLst>
-              <a:ext uri="{FF2B5EF4-FFF2-40B4-BE49-F238E27FC236}">
-                <a16:creationId xmlns:a16="http://schemas.microsoft.com/office/drawing/2014/main" id="{0F32EBD3-5D96-40BF-8E0D-26252FCBA48E}"/>
-              </a:ext>
-            </a:extLst>
-          </p:cNvPr>
-          <p:cNvPicPr>
-            <a:picLocks noChangeAspect="1"/>
-          </p:cNvPicPr>
-          <p:nvPr/>
-        </p:nvPicPr>
-        <p:blipFill>
-          <a:blip r:embed="rId2"/>
-          <a:stretch>
-            <a:fillRect/>
-          </a:stretch>
-        </p:blipFill>
-        <p:spPr>
-          <a:xfrm>
-            <a:off x="3032506" y="188640"/>
-            <a:ext cx="3078988" cy="2656649"/>
-          </a:xfrm>
-          <a:prstGeom prst="rect">
-            <a:avLst/>
-          </a:prstGeom>
-        </p:spPr>
-      </p:pic>
-      <p:pic>
-        <p:nvPicPr>
-          <p:cNvPr id="7" name="Picture 6">
-            <a:extLst>
-              <a:ext uri="{FF2B5EF4-FFF2-40B4-BE49-F238E27FC236}">
-                <a16:creationId xmlns:a16="http://schemas.microsoft.com/office/drawing/2014/main" id="{71821A04-6F0A-4780-8A73-5330F5590B5E}"/>
-              </a:ext>
-            </a:extLst>
-          </p:cNvPr>
-          <p:cNvPicPr>
-            <a:picLocks noChangeAspect="1"/>
-          </p:cNvPicPr>
-          <p:nvPr/>
-        </p:nvPicPr>
-        <p:blipFill>
-          <a:blip r:embed="rId3"/>
-          <a:stretch>
-            <a:fillRect/>
-          </a:stretch>
-        </p:blipFill>
-        <p:spPr>
-          <a:xfrm>
-            <a:off x="898656" y="4012712"/>
-            <a:ext cx="3144409" cy="1099838"/>
-          </a:xfrm>
-          <a:prstGeom prst="rect">
-            <a:avLst/>
-          </a:prstGeom>
-        </p:spPr>
-      </p:pic>
-      <p:pic>
-        <p:nvPicPr>
-          <p:cNvPr id="6" name="Picture 5">
-            <a:extLst>
-              <a:ext uri="{FF2B5EF4-FFF2-40B4-BE49-F238E27FC236}">
-                <a16:creationId xmlns:a16="http://schemas.microsoft.com/office/drawing/2014/main" id="{81FE2B0A-83D0-4ED6-BFC1-55BFDDDD4096}"/>
-              </a:ext>
-            </a:extLst>
-          </p:cNvPr>
-          <p:cNvPicPr>
-            <a:picLocks noChangeAspect="1"/>
-          </p:cNvPicPr>
-          <p:nvPr/>
-        </p:nvPicPr>
-        <p:blipFill>
-          <a:blip r:embed="rId3"/>
-          <a:stretch>
-            <a:fillRect/>
-          </a:stretch>
-        </p:blipFill>
-        <p:spPr>
-          <a:xfrm>
-            <a:off x="5220072" y="4012712"/>
-            <a:ext cx="3144409" cy="1099838"/>
-          </a:xfrm>
-          <a:prstGeom prst="rect">
-            <a:avLst/>
-          </a:prstGeom>
-        </p:spPr>
-      </p:pic>
-      <p:pic>
-        <p:nvPicPr>
-          <p:cNvPr id="11" name="Picture 10">
-            <a:extLst>
-              <a:ext uri="{FF2B5EF4-FFF2-40B4-BE49-F238E27FC236}">
-                <a16:creationId xmlns:a16="http://schemas.microsoft.com/office/drawing/2014/main" id="{8BF188B5-69AF-4727-A364-FF2BD51B2D00}"/>
-              </a:ext>
-            </a:extLst>
-          </p:cNvPr>
-          <p:cNvPicPr>
-            <a:picLocks noChangeAspect="1"/>
-          </p:cNvPicPr>
-          <p:nvPr/>
-        </p:nvPicPr>
-        <p:blipFill>
-          <a:blip r:embed="rId4"/>
-          <a:stretch>
-            <a:fillRect/>
-          </a:stretch>
-        </p:blipFill>
-        <p:spPr>
-          <a:xfrm>
-            <a:off x="5697949" y="5214755"/>
-            <a:ext cx="2188654" cy="963251"/>
-          </a:xfrm>
-          <a:prstGeom prst="rect">
-            <a:avLst/>
-          </a:prstGeom>
-        </p:spPr>
-      </p:pic>
-      <p:sp>
-        <p:nvSpPr>
-          <p:cNvPr id="19" name="Rectangle 18">
-            <a:extLst>
-              <a:ext uri="{FF2B5EF4-FFF2-40B4-BE49-F238E27FC236}">
-                <a16:creationId xmlns:a16="http://schemas.microsoft.com/office/drawing/2014/main" id="{57AC320D-6ABA-4342-860B-B0DAD2982ACE}"/>
-              </a:ext>
-            </a:extLst>
-          </p:cNvPr>
-          <p:cNvSpPr/>
-          <p:nvPr/>
-        </p:nvSpPr>
-        <p:spPr>
-          <a:xfrm>
-            <a:off x="3565188" y="2583678"/>
-            <a:ext cx="1654884" cy="523220"/>
-          </a:xfrm>
-          <a:prstGeom prst="rect">
-            <a:avLst/>
-          </a:prstGeom>
-        </p:spPr>
-        <p:txBody>
-          <a:bodyPr wrap="square">
-            <a:spAutoFit/>
-          </a:bodyPr>
-          <a:lstStyle/>
-          <a:p>
-            <a:pPr algn="ctr"/>
-            <a:r>
-              <a:rPr lang="en-US" sz="2800" dirty="0">
-                <a:solidFill>
-                  <a:schemeClr val="accent1">
-                    <a:lumMod val="75000"/>
-                  </a:schemeClr>
-                </a:solidFill>
-              </a:rPr>
-              <a:t>Class</a:t>
-            </a:r>
-          </a:p>
-        </p:txBody>
-      </p:sp>
-    </p:spTree>
-    <p:extLst>
-      <p:ext uri="{BB962C8B-B14F-4D97-AF65-F5344CB8AC3E}">
-        <p14:creationId xmlns:p14="http://schemas.microsoft.com/office/powerpoint/2010/main" val="2315813332"/>
-      </p:ext>
-    </p:extLst>
-  </p:cSld>
-  <p:clrMapOvr>
-    <a:masterClrMapping/>
-  </p:clrMapOvr>
-  <mc:AlternateContent xmlns:mc="http://schemas.openxmlformats.org/markup-compatibility/2006" xmlns:p14="http://schemas.microsoft.com/office/powerpoint/2010/main">
-    <mc:Choice Requires="p14">
-      <p:transition spd="slow" p14:dur="1200">
-        <p14:prism/>
-      </p:transition>
-    </mc:Choice>
-    <mc:Fallback xmlns="">
-      <p:transition spd="slow">
-        <p:fade/>
-      </p:transition>
-    </mc:Fallback>
-  </mc:AlternateContent>
-</p:sld>
-</file>
-
-<file path=ppt/slides/slide3.xml><?xml version="1.0" encoding="utf-8"?>
-<p:sld xmlns:a="http://schemas.openxmlformats.org/drawingml/2006/main" xmlns:r="http://schemas.openxmlformats.org/officeDocument/2006/relationships" xmlns:p="http://schemas.openxmlformats.org/presentationml/2006/main">
-  <p:cSld>
-    <p:spTree>
-      <p:nvGrpSpPr>
-        <p:cNvPr id="1" name=""/>
-        <p:cNvGrpSpPr/>
-        <p:nvPr/>
-      </p:nvGrpSpPr>
-      <p:grpSpPr>
-        <a:xfrm>
-          <a:off x="0" y="0"/>
-          <a:ext cx="0" cy="0"/>
-          <a:chOff x="0" y="0"/>
-          <a:chExt cx="0" cy="0"/>
-        </a:xfrm>
-      </p:grpSpPr>
-      <p:sp>
-        <p:nvSpPr>
-          <p:cNvPr id="2" name="Rectangle 1"/>
-          <p:cNvSpPr/>
-          <p:nvPr/>
-        </p:nvSpPr>
-        <p:spPr>
-          <a:xfrm>
-            <a:off x="574515" y="1744442"/>
-            <a:ext cx="8697231" cy="34298"/>
-          </a:xfrm>
-          <a:prstGeom prst="rect">
-            <a:avLst/>
-          </a:prstGeom>
-        </p:spPr>
-        <p:style>
-          <a:lnRef idx="1">
-            <a:schemeClr val="accent1"/>
-          </a:lnRef>
-          <a:fillRef idx="3">
-            <a:schemeClr val="accent1"/>
-          </a:fillRef>
-          <a:effectRef idx="2">
-            <a:schemeClr val="accent1"/>
-          </a:effectRef>
-          <a:fontRef idx="minor">
-            <a:schemeClr val="lt1"/>
-          </a:fontRef>
-        </p:style>
-        <p:txBody>
-          <a:bodyPr rtlCol="0" anchor="ctr"/>
-          <a:lstStyle/>
-          <a:p>
-            <a:pPr algn="ctr"/>
-            <a:endParaRPr lang="en-US" sz="1350">
-              <a:solidFill>
-                <a:schemeClr val="tx1">
-                  <a:lumMod val="65000"/>
-                  <a:lumOff val="35000"/>
-                </a:schemeClr>
-              </a:solidFill>
-            </a:endParaRPr>
-          </a:p>
-        </p:txBody>
-      </p:sp>
-      <p:sp>
-        <p:nvSpPr>
-          <p:cNvPr id="3" name="Rectangle 2"/>
-          <p:cNvSpPr/>
-          <p:nvPr/>
-        </p:nvSpPr>
-        <p:spPr>
-          <a:xfrm>
-            <a:off x="467544" y="980728"/>
-            <a:ext cx="4374916" cy="769441"/>
-          </a:xfrm>
-          <a:prstGeom prst="rect">
-            <a:avLst/>
-          </a:prstGeom>
-        </p:spPr>
-        <p:txBody>
-          <a:bodyPr wrap="none">
-            <a:spAutoFit/>
-          </a:bodyPr>
-          <a:lstStyle/>
-          <a:p>
-            <a:r>
-              <a:rPr lang="en-US" sz="4400" dirty="0">
-                <a:solidFill>
-                  <a:schemeClr val="accent1">
-                    <a:lumMod val="75000"/>
-                  </a:schemeClr>
-                </a:solidFill>
-              </a:rPr>
-              <a:t>Principles of OOP</a:t>
-            </a:r>
-          </a:p>
-        </p:txBody>
-      </p:sp>
-      <p:sp>
-        <p:nvSpPr>
-          <p:cNvPr id="4" name="Rectangle 3"/>
-          <p:cNvSpPr/>
-          <p:nvPr/>
-        </p:nvSpPr>
-        <p:spPr>
-          <a:xfrm>
-            <a:off x="827584" y="2513883"/>
-            <a:ext cx="7076628" cy="3314690"/>
-          </a:xfrm>
-          <a:prstGeom prst="rect">
-            <a:avLst/>
-          </a:prstGeom>
-        </p:spPr>
-        <p:txBody>
-          <a:bodyPr wrap="square">
-            <a:spAutoFit/>
-          </a:bodyPr>
-          <a:lstStyle/>
-          <a:p>
-            <a:pPr marL="571500" indent="-571500">
-              <a:lnSpc>
-                <a:spcPct val="150000"/>
-              </a:lnSpc>
-              <a:buFont typeface="Wingdings" panose="05000000000000000000" pitchFamily="2" charset="2"/>
-              <a:buChar char="v"/>
-            </a:pPr>
-            <a:r>
-              <a:rPr lang="en-US" sz="3600" dirty="0">
-                <a:solidFill>
-                  <a:schemeClr val="accent6">
-                    <a:lumMod val="50000"/>
-                  </a:schemeClr>
-                </a:solidFill>
-              </a:rPr>
-              <a:t>Abstraction</a:t>
-            </a:r>
-          </a:p>
-          <a:p>
-            <a:pPr marL="571500" indent="-571500">
-              <a:lnSpc>
-                <a:spcPct val="150000"/>
-              </a:lnSpc>
-              <a:buFont typeface="Wingdings" panose="05000000000000000000" pitchFamily="2" charset="2"/>
-              <a:buChar char="v"/>
-            </a:pPr>
-            <a:r>
-              <a:rPr lang="en-US" sz="3600" dirty="0">
-                <a:solidFill>
-                  <a:schemeClr val="accent6">
-                    <a:lumMod val="50000"/>
-                  </a:schemeClr>
-                </a:solidFill>
-              </a:rPr>
-              <a:t>Encapsulation</a:t>
-            </a:r>
-          </a:p>
-          <a:p>
-            <a:pPr marL="571500" indent="-571500">
-              <a:lnSpc>
-                <a:spcPct val="150000"/>
-              </a:lnSpc>
-              <a:buFont typeface="Wingdings" panose="05000000000000000000" pitchFamily="2" charset="2"/>
-              <a:buChar char="v"/>
-            </a:pPr>
-            <a:r>
-              <a:rPr lang="en-US" sz="3600" dirty="0">
-                <a:solidFill>
-                  <a:schemeClr val="accent6">
-                    <a:lumMod val="50000"/>
-                  </a:schemeClr>
-                </a:solidFill>
-              </a:rPr>
-              <a:t>Inheritance</a:t>
-            </a:r>
-          </a:p>
-          <a:p>
-            <a:pPr marL="571500" indent="-571500">
-              <a:lnSpc>
-                <a:spcPct val="150000"/>
-              </a:lnSpc>
-              <a:buFont typeface="Wingdings" panose="05000000000000000000" pitchFamily="2" charset="2"/>
-              <a:buChar char="v"/>
-            </a:pPr>
-            <a:r>
-              <a:rPr lang="en-US" sz="3600" dirty="0">
-                <a:solidFill>
-                  <a:schemeClr val="accent6">
-                    <a:lumMod val="50000"/>
-                  </a:schemeClr>
-                </a:solidFill>
-              </a:rPr>
-              <a:t>Polymorphism</a:t>
-            </a:r>
-          </a:p>
-        </p:txBody>
-      </p:sp>
-    </p:spTree>
-    <p:extLst>
-      <p:ext uri="{BB962C8B-B14F-4D97-AF65-F5344CB8AC3E}">
-        <p14:creationId xmlns:p14="http://schemas.microsoft.com/office/powerpoint/2010/main" val="4292339415"/>
-      </p:ext>
-    </p:extLst>
-  </p:cSld>
-  <p:clrMapOvr>
-    <a:masterClrMapping/>
-  </p:clrMapOvr>
-  <p:transition spd="slow">
-    <p:randomBar dir="vert"/>
-  </p:transition>
-</p:sld>
-</file>
-
-<file path=ppt/slides/slide4.xml><?xml version="1.0" encoding="utf-8"?>
-<p:sld xmlns:a="http://schemas.openxmlformats.org/drawingml/2006/main" xmlns:r="http://schemas.openxmlformats.org/officeDocument/2006/relationships" xmlns:p="http://schemas.openxmlformats.org/presentationml/2006/main">
-  <p:cSld>
-    <p:spTree>
-      <p:nvGrpSpPr>
-        <p:cNvPr id="1" name=""/>
-        <p:cNvGrpSpPr/>
-        <p:nvPr/>
-      </p:nvGrpSpPr>
-      <p:grpSpPr>
-        <a:xfrm>
-          <a:off x="0" y="0"/>
-          <a:ext cx="0" cy="0"/>
-          <a:chOff x="0" y="0"/>
-          <a:chExt cx="0" cy="0"/>
-        </a:xfrm>
-      </p:grpSpPr>
-      <p:sp>
-        <p:nvSpPr>
-          <p:cNvPr id="2" name="Rectangle 1"/>
-          <p:cNvSpPr/>
-          <p:nvPr/>
-        </p:nvSpPr>
-        <p:spPr>
-          <a:xfrm>
-            <a:off x="574515" y="1744442"/>
-            <a:ext cx="8697231" cy="34298"/>
-          </a:xfrm>
-          <a:prstGeom prst="rect">
-            <a:avLst/>
-          </a:prstGeom>
-        </p:spPr>
-        <p:style>
-          <a:lnRef idx="1">
-            <a:schemeClr val="accent1"/>
-          </a:lnRef>
-          <a:fillRef idx="3">
-            <a:schemeClr val="accent1"/>
-          </a:fillRef>
-          <a:effectRef idx="2">
-            <a:schemeClr val="accent1"/>
-          </a:effectRef>
-          <a:fontRef idx="minor">
-            <a:schemeClr val="lt1"/>
-          </a:fontRef>
-        </p:style>
-        <p:txBody>
-          <a:bodyPr rtlCol="0" anchor="ctr"/>
-          <a:lstStyle/>
-          <a:p>
-            <a:pPr algn="ctr"/>
-            <a:endParaRPr lang="en-US" sz="1350">
-              <a:solidFill>
-                <a:schemeClr val="tx1">
-                  <a:lumMod val="65000"/>
-                  <a:lumOff val="35000"/>
-                </a:schemeClr>
-              </a:solidFill>
-            </a:endParaRPr>
-          </a:p>
-        </p:txBody>
-      </p:sp>
-      <p:sp>
-        <p:nvSpPr>
-          <p:cNvPr id="3" name="Rectangle 2"/>
-          <p:cNvSpPr/>
-          <p:nvPr/>
-        </p:nvSpPr>
-        <p:spPr>
-          <a:xfrm>
-            <a:off x="467544" y="980728"/>
-            <a:ext cx="4374916" cy="769441"/>
-          </a:xfrm>
-          <a:prstGeom prst="rect">
-            <a:avLst/>
-          </a:prstGeom>
-        </p:spPr>
-        <p:txBody>
-          <a:bodyPr wrap="square">
-            <a:spAutoFit/>
-          </a:bodyPr>
-          <a:lstStyle/>
-          <a:p>
-            <a:r>
-              <a:rPr lang="en-US" sz="4400" dirty="0">
-                <a:solidFill>
-                  <a:schemeClr val="accent1">
-                    <a:lumMod val="75000"/>
-                  </a:schemeClr>
-                </a:solidFill>
-              </a:rPr>
-              <a:t>Abstraction</a:t>
-            </a:r>
-          </a:p>
-        </p:txBody>
-      </p:sp>
-      <p:sp>
-        <p:nvSpPr>
-          <p:cNvPr id="4" name="Rectangle 3"/>
-          <p:cNvSpPr/>
-          <p:nvPr/>
-        </p:nvSpPr>
-        <p:spPr>
-          <a:xfrm>
-            <a:off x="827584" y="2513883"/>
-            <a:ext cx="7076628" cy="2246769"/>
-          </a:xfrm>
-          <a:prstGeom prst="rect">
-            <a:avLst/>
-          </a:prstGeom>
-        </p:spPr>
-        <p:txBody>
-          <a:bodyPr wrap="square">
-            <a:spAutoFit/>
-          </a:bodyPr>
-          <a:lstStyle/>
-          <a:p>
-            <a:r>
-              <a:rPr lang="en-US" sz="2800" dirty="0">
-                <a:solidFill>
-                  <a:schemeClr val="accent6">
-                    <a:lumMod val="50000"/>
-                  </a:schemeClr>
-                </a:solidFill>
-              </a:rPr>
-              <a:t>Abstraction means Implementation hiding</a:t>
-            </a:r>
-          </a:p>
-          <a:p>
-            <a:endParaRPr lang="en-US" sz="2800" dirty="0">
-              <a:solidFill>
-                <a:schemeClr val="accent6">
-                  <a:lumMod val="50000"/>
-                </a:schemeClr>
-              </a:solidFill>
-            </a:endParaRPr>
-          </a:p>
-          <a:p>
-            <a:r>
-              <a:rPr lang="en-US" sz="2800" dirty="0">
-                <a:solidFill>
-                  <a:schemeClr val="accent6">
-                    <a:lumMod val="50000"/>
-                  </a:schemeClr>
-                </a:solidFill>
-              </a:rPr>
-              <a:t>When a user calls printf() and use it C program without knowing how it is implemented, Then it </a:t>
-            </a:r>
-            <a:r>
-              <a:rPr lang="en-US" sz="2800">
-                <a:solidFill>
-                  <a:schemeClr val="accent6">
-                    <a:lumMod val="50000"/>
-                  </a:schemeClr>
-                </a:solidFill>
-              </a:rPr>
-              <a:t>is Abstraction</a:t>
-            </a:r>
-            <a:endParaRPr lang="en-US" sz="2800" dirty="0">
-              <a:solidFill>
-                <a:schemeClr val="accent6">
-                  <a:lumMod val="50000"/>
-                </a:schemeClr>
-              </a:solidFill>
-            </a:endParaRPr>
-          </a:p>
-        </p:txBody>
-      </p:sp>
-    </p:spTree>
-    <p:extLst>
-      <p:ext uri="{BB962C8B-B14F-4D97-AF65-F5344CB8AC3E}">
-        <p14:creationId xmlns:p14="http://schemas.microsoft.com/office/powerpoint/2010/main" val="3021019536"/>
-      </p:ext>
-    </p:extLst>
-  </p:cSld>
-  <p:clrMapOvr>
-    <a:masterClrMapping/>
-  </p:clrMapOvr>
-  <p:transition spd="slow">
-    <p:randomBar dir="vert"/>
-  </p:transition>
-</p:sld>
-</file>
-
-<file path=ppt/slides/slide5.xml><?xml version="1.0" encoding="utf-8"?>
-<p:sld xmlns:a="http://schemas.openxmlformats.org/drawingml/2006/main" xmlns:r="http://schemas.openxmlformats.org/officeDocument/2006/relationships" xmlns:p="http://schemas.openxmlformats.org/presentationml/2006/main">
-  <p:cSld>
-    <p:spTree>
-      <p:nvGrpSpPr>
-        <p:cNvPr id="1" name=""/>
-        <p:cNvGrpSpPr/>
-        <p:nvPr/>
-      </p:nvGrpSpPr>
-      <p:grpSpPr>
-        <a:xfrm>
-          <a:off x="0" y="0"/>
-          <a:ext cx="0" cy="0"/>
-          <a:chOff x="0" y="0"/>
-          <a:chExt cx="0" cy="0"/>
-        </a:xfrm>
-      </p:grpSpPr>
-      <p:sp>
-        <p:nvSpPr>
-          <p:cNvPr id="2" name="Rectangle 1"/>
-          <p:cNvSpPr/>
-          <p:nvPr/>
-        </p:nvSpPr>
-        <p:spPr>
-          <a:xfrm>
-            <a:off x="574515" y="1289747"/>
-            <a:ext cx="8643211" cy="34298"/>
-          </a:xfrm>
-          <a:prstGeom prst="rect">
-            <a:avLst/>
-          </a:prstGeom>
-        </p:spPr>
-        <p:style>
-          <a:lnRef idx="1">
-            <a:schemeClr val="accent1"/>
-          </a:lnRef>
-          <a:fillRef idx="3">
-            <a:schemeClr val="accent1"/>
-          </a:fillRef>
-          <a:effectRef idx="2">
-            <a:schemeClr val="accent1"/>
-          </a:effectRef>
-          <a:fontRef idx="minor">
-            <a:schemeClr val="lt1"/>
-          </a:fontRef>
-        </p:style>
-        <p:txBody>
-          <a:bodyPr rtlCol="0" anchor="ctr"/>
-          <a:lstStyle/>
-          <a:p>
-            <a:pPr algn="ctr"/>
-            <a:endParaRPr lang="en-US" sz="1350">
-              <a:solidFill>
-                <a:schemeClr val="tx1">
-                  <a:lumMod val="65000"/>
-                  <a:lumOff val="35000"/>
-                </a:schemeClr>
-              </a:solidFill>
-            </a:endParaRPr>
-          </a:p>
-        </p:txBody>
-      </p:sp>
-      <p:sp>
-        <p:nvSpPr>
-          <p:cNvPr id="3" name="Rectangle 2"/>
-          <p:cNvSpPr/>
-          <p:nvPr/>
-        </p:nvSpPr>
-        <p:spPr>
-          <a:xfrm>
-            <a:off x="525459" y="548680"/>
-            <a:ext cx="4605556" cy="707886"/>
-          </a:xfrm>
-          <a:prstGeom prst="rect">
-            <a:avLst/>
-          </a:prstGeom>
-        </p:spPr>
-        <p:txBody>
-          <a:bodyPr wrap="none">
-            <a:spAutoFit/>
-          </a:bodyPr>
-          <a:lstStyle/>
-          <a:p>
-            <a:r>
-              <a:rPr lang="en-US" sz="4000" dirty="0">
-                <a:solidFill>
-                  <a:schemeClr val="accent1">
-                    <a:lumMod val="75000"/>
-                  </a:schemeClr>
-                </a:solidFill>
-              </a:rPr>
-              <a:t>Why is it important?</a:t>
-            </a:r>
-          </a:p>
-        </p:txBody>
-      </p:sp>
-      <p:sp>
-        <p:nvSpPr>
-          <p:cNvPr id="4" name="Rectangle 3"/>
-          <p:cNvSpPr/>
-          <p:nvPr/>
-        </p:nvSpPr>
-        <p:spPr>
-          <a:xfrm>
-            <a:off x="2483768" y="2030860"/>
-            <a:ext cx="4104456" cy="584775"/>
-          </a:xfrm>
-          <a:prstGeom prst="rect">
-            <a:avLst/>
-          </a:prstGeom>
-        </p:spPr>
-        <p:txBody>
-          <a:bodyPr wrap="square">
-            <a:spAutoFit/>
-          </a:bodyPr>
-          <a:lstStyle/>
-          <a:p>
-            <a:r>
-              <a:rPr lang="en-US" sz="3200" b="1" dirty="0">
-                <a:solidFill>
-                  <a:schemeClr val="accent6">
-                    <a:lumMod val="50000"/>
-                  </a:schemeClr>
-                </a:solidFill>
-                <a:latin typeface="Adobe Kaiti Std R" panose="02020400000000000000" pitchFamily="18" charset="-128"/>
-                <a:ea typeface="Adobe Kaiti Std R" panose="02020400000000000000" pitchFamily="18" charset="-128"/>
-              </a:rPr>
-              <a:t>Secure data storage</a:t>
-            </a:r>
-          </a:p>
-        </p:txBody>
-      </p:sp>
-      <p:pic>
-        <p:nvPicPr>
-          <p:cNvPr id="5" name="Picture 4"/>
-          <p:cNvPicPr>
-            <a:picLocks noChangeAspect="1"/>
-          </p:cNvPicPr>
-          <p:nvPr/>
-        </p:nvPicPr>
-        <p:blipFill>
-          <a:blip r:embed="rId2">
-            <a:extLst>
-              <a:ext uri="{28A0092B-C50C-407E-A947-70E740481C1C}">
-                <a14:useLocalDpi xmlns:a14="http://schemas.microsoft.com/office/drawing/2010/main" val="0"/>
-              </a:ext>
-            </a:extLst>
-          </a:blip>
-          <a:stretch>
-            <a:fillRect/>
-          </a:stretch>
-        </p:blipFill>
-        <p:spPr>
-          <a:xfrm>
-            <a:off x="1403648" y="3501008"/>
-            <a:ext cx="6084562" cy="2320959"/>
-          </a:xfrm>
-          <a:prstGeom prst="rect">
-            <a:avLst/>
-          </a:prstGeom>
-        </p:spPr>
-      </p:pic>
-    </p:spTree>
-    <p:extLst>
-      <p:ext uri="{BB962C8B-B14F-4D97-AF65-F5344CB8AC3E}">
-        <p14:creationId xmlns:p14="http://schemas.microsoft.com/office/powerpoint/2010/main" val="2284065592"/>
-      </p:ext>
-    </p:extLst>
-  </p:cSld>
-  <p:clrMapOvr>
-    <a:masterClrMapping/>
-  </p:clrMapOvr>
-  <p:transition spd="slow">
-    <p:wheel spokes="1"/>
-  </p:transition>
-  <p:timing>
-    <p:tnLst>
-      <p:par>
-        <p:cTn id="1" dur="indefinite" restart="never" nodeType="tmRoot">
-          <p:childTnLst>
-            <p:seq concurrent="1" nextAc="seek">
-              <p:cTn id="2" dur="indefinite" nodeType="mainSeq">
-                <p:childTnLst>
-                  <p:par>
-                    <p:cTn id="3" fill="hold">
-                      <p:stCondLst>
-                        <p:cond delay="indefinite"/>
-                        <p:cond evt="onBegin" delay="0">
-                          <p:tn val="2"/>
-                        </p:cond>
-                      </p:stCondLst>
-                      <p:childTnLst>
-                        <p:par>
-                          <p:cTn id="4" fill="hold">
-                            <p:stCondLst>
-                              <p:cond delay="0"/>
-                            </p:stCondLst>
-                            <p:childTnLst>
-                              <p:par>
-                                <p:cTn id="5" presetID="6" presetClass="emph" presetSubtype="0" fill="hold" grpId="0" nodeType="afterEffect">
-                                  <p:stCondLst>
-                                    <p:cond delay="0"/>
-                                  </p:stCondLst>
-                                  <p:childTnLst>
-                                    <p:animScale>
-                                      <p:cBhvr>
-                                        <p:cTn id="6" dur="2000" fill="hold"/>
-                                        <p:tgtEl>
-                                          <p:spTgt spid="4"/>
-                                        </p:tgtEl>
-                                      </p:cBhvr>
-                                      <p:by x="150000" y="150000"/>
-                                    </p:animScale>
-                                  </p:childTnLst>
-                                </p:cTn>
-                              </p:par>
-                            </p:childTnLst>
-                          </p:cTn>
-                        </p:par>
-                      </p:childTnLst>
-                    </p:cTn>
-                  </p:par>
-                </p:childTnLst>
-              </p:cTn>
-              <p:prevCondLst>
-                <p:cond evt="onPrev" delay="0">
-                  <p:tgtEl>
-                    <p:sldTgt/>
-                  </p:tgtEl>
-                </p:cond>
-              </p:prevCondLst>
-              <p:nextCondLst>
-                <p:cond evt="onNext" delay="0">
-                  <p:tgtEl>
-                    <p:sldTgt/>
-                  </p:tgtEl>
-                </p:cond>
-              </p:nextCondLst>
-            </p:seq>
-          </p:childTnLst>
-        </p:cTn>
-      </p:par>
-    </p:tnLst>
-    <p:bldLst>
-      <p:bldP spid="4" grpId="0"/>
-    </p:bldLst>
-  </p:timing>
-</p:sld>
-</file>
-
-<file path=ppt/slides/slide6.xml><?xml version="1.0" encoding="utf-8"?>
-<p:sld xmlns:a="http://schemas.openxmlformats.org/drawingml/2006/main" xmlns:r="http://schemas.openxmlformats.org/officeDocument/2006/relationships" xmlns:p="http://schemas.openxmlformats.org/presentationml/2006/main">
-  <p:cSld>
-    <p:spTree>
-      <p:nvGrpSpPr>
-        <p:cNvPr id="1" name=""/>
-        <p:cNvGrpSpPr/>
-        <p:nvPr/>
-      </p:nvGrpSpPr>
-      <p:grpSpPr>
-        <a:xfrm>
-          <a:off x="0" y="0"/>
-          <a:ext cx="0" cy="0"/>
-          <a:chOff x="0" y="0"/>
-          <a:chExt cx="0" cy="0"/>
-        </a:xfrm>
-      </p:grpSpPr>
-      <p:sp>
-        <p:nvSpPr>
-          <p:cNvPr id="4" name="Rectangle 3"/>
-          <p:cNvSpPr/>
-          <p:nvPr/>
-        </p:nvSpPr>
-        <p:spPr>
-          <a:xfrm>
-            <a:off x="3004728" y="1836113"/>
-            <a:ext cx="2918520" cy="584775"/>
-          </a:xfrm>
-          <a:prstGeom prst="rect">
-            <a:avLst/>
-          </a:prstGeom>
-        </p:spPr>
-        <p:txBody>
-          <a:bodyPr wrap="square">
-            <a:spAutoFit/>
-          </a:bodyPr>
-          <a:lstStyle/>
-          <a:p>
-            <a:r>
-              <a:rPr lang="en-US" sz="3200" b="1" dirty="0">
-                <a:solidFill>
-                  <a:schemeClr val="accent6">
-                    <a:lumMod val="50000"/>
-                  </a:schemeClr>
-                </a:solidFill>
-                <a:latin typeface="Adobe Kaiti Std R" panose="02020400000000000000" pitchFamily="18" charset="-128"/>
-                <a:ea typeface="Adobe Kaiti Std R" panose="02020400000000000000" pitchFamily="18" charset="-128"/>
-              </a:rPr>
-              <a:t>Ease of access</a:t>
-            </a:r>
-          </a:p>
-        </p:txBody>
-      </p:sp>
-      <p:pic>
-        <p:nvPicPr>
-          <p:cNvPr id="6" name="Picture 5"/>
-          <p:cNvPicPr>
-            <a:picLocks noChangeAspect="1"/>
-          </p:cNvPicPr>
-          <p:nvPr/>
-        </p:nvPicPr>
-        <p:blipFill>
-          <a:blip r:embed="rId2">
-            <a:extLst>
-              <a:ext uri="{28A0092B-C50C-407E-A947-70E740481C1C}">
-                <a14:useLocalDpi xmlns:a14="http://schemas.microsoft.com/office/drawing/2010/main" val="0"/>
-              </a:ext>
-            </a:extLst>
-          </a:blip>
-          <a:stretch>
-            <a:fillRect/>
-          </a:stretch>
-        </p:blipFill>
-        <p:spPr>
-          <a:xfrm>
-            <a:off x="2483768" y="3356992"/>
-            <a:ext cx="3960440" cy="2849057"/>
-          </a:xfrm>
-          <a:prstGeom prst="rect">
-            <a:avLst/>
-          </a:prstGeom>
-        </p:spPr>
-      </p:pic>
-      <p:sp>
-        <p:nvSpPr>
-          <p:cNvPr id="7" name="Rectangle 6"/>
-          <p:cNvSpPr/>
-          <p:nvPr/>
-        </p:nvSpPr>
-        <p:spPr>
-          <a:xfrm>
-            <a:off x="574515" y="1289747"/>
-            <a:ext cx="8643211" cy="34298"/>
-          </a:xfrm>
-          <a:prstGeom prst="rect">
-            <a:avLst/>
-          </a:prstGeom>
-        </p:spPr>
-        <p:style>
-          <a:lnRef idx="1">
-            <a:schemeClr val="accent1"/>
-          </a:lnRef>
-          <a:fillRef idx="3">
-            <a:schemeClr val="accent1"/>
-          </a:fillRef>
-          <a:effectRef idx="2">
-            <a:schemeClr val="accent1"/>
-          </a:effectRef>
-          <a:fontRef idx="minor">
-            <a:schemeClr val="lt1"/>
-          </a:fontRef>
-        </p:style>
-        <p:txBody>
-          <a:bodyPr rtlCol="0" anchor="ctr"/>
-          <a:lstStyle/>
-          <a:p>
-            <a:pPr algn="ctr"/>
-            <a:endParaRPr lang="en-US" sz="1350">
-              <a:solidFill>
-                <a:schemeClr val="tx1">
-                  <a:lumMod val="65000"/>
-                  <a:lumOff val="35000"/>
-                </a:schemeClr>
-              </a:solidFill>
-            </a:endParaRPr>
-          </a:p>
-        </p:txBody>
-      </p:sp>
-      <p:sp>
-        <p:nvSpPr>
-          <p:cNvPr id="8" name="Rectangle 7"/>
-          <p:cNvSpPr/>
-          <p:nvPr/>
-        </p:nvSpPr>
-        <p:spPr>
-          <a:xfrm>
-            <a:off x="525459" y="548680"/>
-            <a:ext cx="4605556" cy="707886"/>
-          </a:xfrm>
-          <a:prstGeom prst="rect">
-            <a:avLst/>
-          </a:prstGeom>
-        </p:spPr>
-        <p:txBody>
-          <a:bodyPr wrap="none">
-            <a:spAutoFit/>
-          </a:bodyPr>
-          <a:lstStyle/>
-          <a:p>
-            <a:r>
-              <a:rPr lang="en-US" sz="4000" dirty="0">
-                <a:solidFill>
-                  <a:schemeClr val="accent1">
-                    <a:lumMod val="75000"/>
-                  </a:schemeClr>
-                </a:solidFill>
-              </a:rPr>
-              <a:t>Why is it important?</a:t>
-            </a:r>
-          </a:p>
-        </p:txBody>
-      </p:sp>
-    </p:spTree>
-    <p:extLst>
-      <p:ext uri="{BB962C8B-B14F-4D97-AF65-F5344CB8AC3E}">
-        <p14:creationId xmlns:p14="http://schemas.microsoft.com/office/powerpoint/2010/main" val="1303484"/>
-      </p:ext>
-    </p:extLst>
-  </p:cSld>
-  <p:clrMapOvr>
-    <a:masterClrMapping/>
-  </p:clrMapOvr>
-  <mc:AlternateContent xmlns:mc="http://schemas.openxmlformats.org/markup-compatibility/2006" xmlns:p14="http://schemas.microsoft.com/office/powerpoint/2010/main">
-    <mc:Choice Requires="p14">
-      <p:transition spd="slow" p14:dur="1500">
-        <p:split orient="vert"/>
-      </p:transition>
-    </mc:Choice>
-    <mc:Fallback xmlns="">
-      <p:transition spd="slow">
-        <p:split orient="vert"/>
-      </p:transition>
-    </mc:Fallback>
-  </mc:AlternateContent>
-  <p:timing>
-    <p:tnLst>
-      <p:par>
-        <p:cTn id="1" dur="indefinite" restart="never" nodeType="tmRoot">
-          <p:childTnLst>
-            <p:seq concurrent="1" nextAc="seek">
-              <p:cTn id="2" dur="indefinite" nodeType="mainSeq">
-                <p:childTnLst>
-                  <p:par>
-                    <p:cTn id="3" fill="hold">
-                      <p:stCondLst>
-                        <p:cond delay="indefinite"/>
-                        <p:cond evt="onBegin" delay="0">
-                          <p:tn val="2"/>
-                        </p:cond>
-                      </p:stCondLst>
-                      <p:childTnLst>
-                        <p:par>
-                          <p:cTn id="4" fill="hold">
-                            <p:stCondLst>
-                              <p:cond delay="0"/>
-                            </p:stCondLst>
-                            <p:childTnLst>
-                              <p:par>
-                                <p:cTn id="5" presetID="6" presetClass="emph" presetSubtype="0" fill="hold" grpId="0" nodeType="afterEffect">
-                                  <p:stCondLst>
-                                    <p:cond delay="0"/>
-                                  </p:stCondLst>
-                                  <p:childTnLst>
-                                    <p:animScale>
-                                      <p:cBhvr>
-                                        <p:cTn id="6" dur="2000" fill="hold"/>
-                                        <p:tgtEl>
-                                          <p:spTgt spid="4"/>
-                                        </p:tgtEl>
-                                      </p:cBhvr>
-                                      <p:by x="150000" y="150000"/>
-                                    </p:animScale>
-                                  </p:childTnLst>
-                                </p:cTn>
-                              </p:par>
-                            </p:childTnLst>
-                          </p:cTn>
-                        </p:par>
-                      </p:childTnLst>
-                    </p:cTn>
-                  </p:par>
-                </p:childTnLst>
-              </p:cTn>
-              <p:prevCondLst>
-                <p:cond evt="onPrev" delay="0">
-                  <p:tgtEl>
-                    <p:sldTgt/>
-                  </p:tgtEl>
-                </p:cond>
-              </p:prevCondLst>
-              <p:nextCondLst>
-                <p:cond evt="onNext" delay="0">
-                  <p:tgtEl>
-                    <p:sldTgt/>
-                  </p:tgtEl>
-                </p:cond>
-              </p:nextCondLst>
-            </p:seq>
-          </p:childTnLst>
-        </p:cTn>
-      </p:par>
-    </p:tnLst>
-    <p:bldLst>
-      <p:bldP spid="4" grpId="0"/>
-    </p:bldLst>
-  </p:timing>
-</p:sld>
-</file>
-
-<file path=ppt/slides/slide7.xml><?xml version="1.0" encoding="utf-8"?>
-<p:sld xmlns:a="http://schemas.openxmlformats.org/drawingml/2006/main" xmlns:r="http://schemas.openxmlformats.org/officeDocument/2006/relationships" xmlns:p="http://schemas.openxmlformats.org/presentationml/2006/main">
-  <p:cSld>
-    <p:spTree>
-      <p:nvGrpSpPr>
-        <p:cNvPr id="1" name=""/>
-        <p:cNvGrpSpPr/>
-        <p:nvPr/>
-      </p:nvGrpSpPr>
-      <p:grpSpPr>
-        <a:xfrm>
-          <a:off x="0" y="0"/>
-          <a:ext cx="0" cy="0"/>
-          <a:chOff x="0" y="0"/>
-          <a:chExt cx="0" cy="0"/>
-        </a:xfrm>
-      </p:grpSpPr>
-      <p:sp>
-        <p:nvSpPr>
-          <p:cNvPr id="4" name="Rectangle 3"/>
-          <p:cNvSpPr/>
-          <p:nvPr/>
-        </p:nvSpPr>
-        <p:spPr>
-          <a:xfrm>
-            <a:off x="2555776" y="1892603"/>
-            <a:ext cx="3816424" cy="600293"/>
-          </a:xfrm>
-          <a:prstGeom prst="rect">
-            <a:avLst/>
-          </a:prstGeom>
-        </p:spPr>
-        <p:txBody>
-          <a:bodyPr wrap="square">
-            <a:spAutoFit/>
-          </a:bodyPr>
-          <a:lstStyle/>
-          <a:p>
-            <a:r>
-              <a:rPr lang="en-US" sz="3200" b="1" dirty="0">
-                <a:solidFill>
-                  <a:schemeClr val="accent6">
-                    <a:lumMod val="50000"/>
-                  </a:schemeClr>
-                </a:solidFill>
-                <a:latin typeface="Adobe Kaiti Std R" panose="02020400000000000000" pitchFamily="18" charset="-128"/>
-                <a:ea typeface="Adobe Kaiti Std R" panose="02020400000000000000" pitchFamily="18" charset="-128"/>
-              </a:rPr>
-              <a:t>Always availability</a:t>
-            </a:r>
-          </a:p>
-        </p:txBody>
-      </p:sp>
-      <p:pic>
-        <p:nvPicPr>
-          <p:cNvPr id="6" name="Picture 5"/>
-          <p:cNvPicPr>
-            <a:picLocks noChangeAspect="1"/>
-          </p:cNvPicPr>
-          <p:nvPr/>
-        </p:nvPicPr>
-        <p:blipFill>
-          <a:blip r:embed="rId2">
-            <a:extLst>
-              <a:ext uri="{28A0092B-C50C-407E-A947-70E740481C1C}">
-                <a14:useLocalDpi xmlns:a14="http://schemas.microsoft.com/office/drawing/2010/main" val="0"/>
-              </a:ext>
-            </a:extLst>
-          </a:blip>
-          <a:stretch>
-            <a:fillRect/>
-          </a:stretch>
-        </p:blipFill>
-        <p:spPr>
-          <a:xfrm>
-            <a:off x="2016434" y="3429000"/>
-            <a:ext cx="5183140" cy="2358328"/>
-          </a:xfrm>
-          <a:prstGeom prst="rect">
-            <a:avLst/>
-          </a:prstGeom>
-        </p:spPr>
-      </p:pic>
-      <p:sp>
-        <p:nvSpPr>
-          <p:cNvPr id="9" name="Rectangle 8"/>
-          <p:cNvSpPr/>
-          <p:nvPr/>
-        </p:nvSpPr>
-        <p:spPr>
-          <a:xfrm>
-            <a:off x="574515" y="1289747"/>
-            <a:ext cx="8643211" cy="34298"/>
-          </a:xfrm>
-          <a:prstGeom prst="rect">
-            <a:avLst/>
-          </a:prstGeom>
-        </p:spPr>
-        <p:style>
-          <a:lnRef idx="1">
-            <a:schemeClr val="accent1"/>
-          </a:lnRef>
-          <a:fillRef idx="3">
-            <a:schemeClr val="accent1"/>
-          </a:fillRef>
-          <a:effectRef idx="2">
-            <a:schemeClr val="accent1"/>
-          </a:effectRef>
-          <a:fontRef idx="minor">
-            <a:schemeClr val="lt1"/>
-          </a:fontRef>
-        </p:style>
-        <p:txBody>
-          <a:bodyPr rtlCol="0" anchor="ctr"/>
-          <a:lstStyle/>
-          <a:p>
-            <a:pPr algn="ctr"/>
-            <a:endParaRPr lang="en-US" sz="1350">
-              <a:solidFill>
-                <a:schemeClr val="tx1">
-                  <a:lumMod val="65000"/>
-                  <a:lumOff val="35000"/>
-                </a:schemeClr>
-              </a:solidFill>
-            </a:endParaRPr>
-          </a:p>
-        </p:txBody>
-      </p:sp>
-      <p:sp>
-        <p:nvSpPr>
-          <p:cNvPr id="10" name="Rectangle 9"/>
-          <p:cNvSpPr/>
-          <p:nvPr/>
-        </p:nvSpPr>
-        <p:spPr>
-          <a:xfrm>
-            <a:off x="525459" y="548680"/>
-            <a:ext cx="4605556" cy="707886"/>
-          </a:xfrm>
-          <a:prstGeom prst="rect">
-            <a:avLst/>
-          </a:prstGeom>
-        </p:spPr>
-        <p:txBody>
-          <a:bodyPr wrap="none">
-            <a:spAutoFit/>
-          </a:bodyPr>
-          <a:lstStyle/>
-          <a:p>
-            <a:r>
-              <a:rPr lang="en-US" sz="4000" dirty="0">
-                <a:solidFill>
-                  <a:schemeClr val="accent1">
-                    <a:lumMod val="75000"/>
-                  </a:schemeClr>
-                </a:solidFill>
-              </a:rPr>
-              <a:t>Why is it important?</a:t>
-            </a:r>
-          </a:p>
-        </p:txBody>
-      </p:sp>
-    </p:spTree>
-    <p:extLst>
-      <p:ext uri="{BB962C8B-B14F-4D97-AF65-F5344CB8AC3E}">
-        <p14:creationId xmlns:p14="http://schemas.microsoft.com/office/powerpoint/2010/main" val="1856229167"/>
-      </p:ext>
-    </p:extLst>
-  </p:cSld>
-  <p:clrMapOvr>
-    <a:masterClrMapping/>
-  </p:clrMapOvr>
-  <mc:AlternateContent xmlns:mc="http://schemas.openxmlformats.org/markup-compatibility/2006" xmlns:p14="http://schemas.microsoft.com/office/powerpoint/2010/main">
-    <mc:Choice Requires="p14">
-      <p:transition spd="slow" p14:dur="1200">
-        <p:dissolve/>
-      </p:transition>
-    </mc:Choice>
-    <mc:Fallback xmlns="">
-      <p:transition spd="slow">
-        <p:dissolve/>
-      </p:transition>
-    </mc:Fallback>
-  </mc:AlternateContent>
-  <p:timing>
-    <p:tnLst>
-      <p:par>
-        <p:cTn id="1" dur="indefinite" restart="never" nodeType="tmRoot">
-          <p:childTnLst>
-            <p:seq concurrent="1" nextAc="seek">
-              <p:cTn id="2" dur="indefinite" nodeType="mainSeq">
-                <p:childTnLst>
-                  <p:par>
-                    <p:cTn id="3" fill="hold">
-                      <p:stCondLst>
-                        <p:cond delay="indefinite"/>
-                        <p:cond evt="onBegin" delay="0">
-                          <p:tn val="2"/>
-                        </p:cond>
-                      </p:stCondLst>
-                      <p:childTnLst>
-                        <p:par>
-                          <p:cTn id="4" fill="hold">
-                            <p:stCondLst>
-                              <p:cond delay="0"/>
-                            </p:stCondLst>
-                            <p:childTnLst>
-                              <p:par>
-                                <p:cTn id="5" presetID="6" presetClass="emph" presetSubtype="0" fill="hold" grpId="0" nodeType="afterEffect">
-                                  <p:stCondLst>
-                                    <p:cond delay="0"/>
-                                  </p:stCondLst>
-                                  <p:childTnLst>
-                                    <p:animScale>
-                                      <p:cBhvr>
-                                        <p:cTn id="6" dur="2000" fill="hold"/>
-                                        <p:tgtEl>
-                                          <p:spTgt spid="4"/>
-                                        </p:tgtEl>
-                                      </p:cBhvr>
-                                      <p:by x="150000" y="150000"/>
-                                    </p:animScale>
-                                  </p:childTnLst>
-                                </p:cTn>
-                              </p:par>
-                            </p:childTnLst>
-                          </p:cTn>
-                        </p:par>
-                      </p:childTnLst>
-                    </p:cTn>
-                  </p:par>
-                </p:childTnLst>
-              </p:cTn>
-              <p:prevCondLst>
-                <p:cond evt="onPrev" delay="0">
-                  <p:tgtEl>
-                    <p:sldTgt/>
-                  </p:tgtEl>
-                </p:cond>
-              </p:prevCondLst>
-              <p:nextCondLst>
-                <p:cond evt="onNext" delay="0">
-                  <p:tgtEl>
-                    <p:sldTgt/>
-                  </p:tgtEl>
-                </p:cond>
-              </p:nextCondLst>
-            </p:seq>
-          </p:childTnLst>
-        </p:cTn>
-      </p:par>
-    </p:tnLst>
-    <p:bldLst>
-      <p:bldP spid="4" grpId="0"/>
-    </p:bldLst>
-  </p:timing>
-</p:sld>
-</file>
-
-<file path=ppt/slides/slide8.xml><?xml version="1.0" encoding="utf-8"?>
-<p:sld xmlns:a="http://schemas.openxmlformats.org/drawingml/2006/main" xmlns:r="http://schemas.openxmlformats.org/officeDocument/2006/relationships" xmlns:p="http://schemas.openxmlformats.org/presentationml/2006/main">
-  <p:cSld>
-    <p:spTree>
-      <p:nvGrpSpPr>
-        <p:cNvPr id="1" name=""/>
-        <p:cNvGrpSpPr/>
-        <p:nvPr/>
-      </p:nvGrpSpPr>
-      <p:grpSpPr>
-        <a:xfrm>
-          <a:off x="0" y="0"/>
-          <a:ext cx="0" cy="0"/>
-          <a:chOff x="0" y="0"/>
-          <a:chExt cx="0" cy="0"/>
-        </a:xfrm>
-      </p:grpSpPr>
-      <p:sp>
-        <p:nvSpPr>
-          <p:cNvPr id="4" name="Rectangle 3"/>
-          <p:cNvSpPr/>
-          <p:nvPr/>
-        </p:nvSpPr>
-        <p:spPr>
-          <a:xfrm>
-            <a:off x="2555776" y="1916832"/>
-            <a:ext cx="3672408" cy="600293"/>
-          </a:xfrm>
-          <a:prstGeom prst="rect">
-            <a:avLst/>
-          </a:prstGeom>
-          <a:noFill/>
-          <a:ln>
-            <a:noFill/>
-          </a:ln>
-        </p:spPr>
-        <p:style>
-          <a:lnRef idx="1">
-            <a:schemeClr val="accent1"/>
-          </a:lnRef>
-          <a:fillRef idx="2">
-            <a:schemeClr val="accent1"/>
-          </a:fillRef>
-          <a:effectRef idx="1">
-            <a:schemeClr val="accent1"/>
-          </a:effectRef>
-          <a:fontRef idx="minor">
-            <a:schemeClr val="dk1"/>
-          </a:fontRef>
-        </p:style>
-        <p:txBody>
-          <a:bodyPr wrap="square">
-            <a:spAutoFit/>
-          </a:bodyPr>
-          <a:lstStyle/>
-          <a:p>
-            <a:r>
-              <a:rPr lang="en-US" sz="3200" b="1" dirty="0">
-                <a:solidFill>
-                  <a:schemeClr val="accent6">
-                    <a:lumMod val="50000"/>
-                  </a:schemeClr>
-                </a:solidFill>
-                <a:latin typeface="Adobe Kaiti Std R" panose="02020400000000000000" pitchFamily="18" charset="-128"/>
-                <a:ea typeface="Adobe Kaiti Std R" panose="02020400000000000000" pitchFamily="18" charset="-128"/>
-              </a:rPr>
-              <a:t>Saves your money</a:t>
-            </a:r>
-          </a:p>
-        </p:txBody>
-      </p:sp>
-      <p:sp>
-        <p:nvSpPr>
-          <p:cNvPr id="5" name="Rectangle 4"/>
-          <p:cNvSpPr/>
-          <p:nvPr/>
-        </p:nvSpPr>
-        <p:spPr>
-          <a:xfrm>
-            <a:off x="574515" y="1289747"/>
-            <a:ext cx="8643211" cy="34298"/>
-          </a:xfrm>
-          <a:prstGeom prst="rect">
-            <a:avLst/>
-          </a:prstGeom>
-        </p:spPr>
-        <p:style>
-          <a:lnRef idx="1">
-            <a:schemeClr val="accent1"/>
-          </a:lnRef>
-          <a:fillRef idx="3">
-            <a:schemeClr val="accent1"/>
-          </a:fillRef>
-          <a:effectRef idx="2">
-            <a:schemeClr val="accent1"/>
-          </a:effectRef>
-          <a:fontRef idx="minor">
-            <a:schemeClr val="lt1"/>
-          </a:fontRef>
-        </p:style>
-        <p:txBody>
-          <a:bodyPr rtlCol="0" anchor="ctr"/>
-          <a:lstStyle/>
-          <a:p>
-            <a:pPr algn="ctr"/>
-            <a:endParaRPr lang="en-US" sz="1350">
-              <a:solidFill>
-                <a:schemeClr val="tx1">
-                  <a:lumMod val="65000"/>
-                  <a:lumOff val="35000"/>
-                </a:schemeClr>
-              </a:solidFill>
-            </a:endParaRPr>
-          </a:p>
-        </p:txBody>
-      </p:sp>
-      <p:sp>
-        <p:nvSpPr>
-          <p:cNvPr id="6" name="Rectangle 5"/>
-          <p:cNvSpPr/>
-          <p:nvPr/>
-        </p:nvSpPr>
-        <p:spPr>
-          <a:xfrm>
-            <a:off x="525459" y="548680"/>
-            <a:ext cx="4605556" cy="707886"/>
-          </a:xfrm>
-          <a:prstGeom prst="rect">
-            <a:avLst/>
-          </a:prstGeom>
-        </p:spPr>
-        <p:txBody>
-          <a:bodyPr wrap="none">
-            <a:spAutoFit/>
-          </a:bodyPr>
-          <a:lstStyle/>
-          <a:p>
-            <a:r>
-              <a:rPr lang="en-US" sz="4000" dirty="0">
-                <a:solidFill>
-                  <a:schemeClr val="accent1">
-                    <a:lumMod val="75000"/>
-                  </a:schemeClr>
-                </a:solidFill>
-              </a:rPr>
-              <a:t>Why is it important?</a:t>
-            </a:r>
-          </a:p>
-        </p:txBody>
-      </p:sp>
-      <p:pic>
-        <p:nvPicPr>
-          <p:cNvPr id="10" name="Picture 9"/>
-          <p:cNvPicPr>
-            <a:picLocks noChangeAspect="1"/>
-          </p:cNvPicPr>
-          <p:nvPr/>
-        </p:nvPicPr>
-        <p:blipFill>
-          <a:blip r:embed="rId2">
-            <a:extLst>
-              <a:ext uri="{28A0092B-C50C-407E-A947-70E740481C1C}">
-                <a14:useLocalDpi xmlns:a14="http://schemas.microsoft.com/office/drawing/2010/main" val="0"/>
-              </a:ext>
-            </a:extLst>
-          </a:blip>
-          <a:stretch>
-            <a:fillRect/>
-          </a:stretch>
-        </p:blipFill>
-        <p:spPr>
-          <a:xfrm>
-            <a:off x="3037520" y="3573016"/>
-            <a:ext cx="2708920" cy="2708920"/>
-          </a:xfrm>
-          <a:prstGeom prst="rect">
-            <a:avLst/>
-          </a:prstGeom>
-        </p:spPr>
-      </p:pic>
-    </p:spTree>
-    <p:extLst>
-      <p:ext uri="{BB962C8B-B14F-4D97-AF65-F5344CB8AC3E}">
-        <p14:creationId xmlns:p14="http://schemas.microsoft.com/office/powerpoint/2010/main" val="4228850073"/>
-      </p:ext>
-    </p:extLst>
-  </p:cSld>
-  <p:clrMapOvr>
-    <a:masterClrMapping/>
-  </p:clrMapOvr>
-  <p:transition spd="slow">
-    <p:wheel spokes="1"/>
-  </p:transition>
-  <p:timing>
-    <p:tnLst>
-      <p:par>
-        <p:cTn id="1" dur="indefinite" restart="never" nodeType="tmRoot">
-          <p:childTnLst>
-            <p:seq concurrent="1" nextAc="seek">
-              <p:cTn id="2" dur="indefinite" nodeType="mainSeq">
-                <p:childTnLst>
-                  <p:par>
-                    <p:cTn id="3" fill="hold">
-                      <p:stCondLst>
-                        <p:cond delay="indefinite"/>
-                        <p:cond evt="onBegin" delay="0">
-                          <p:tn val="2"/>
-                        </p:cond>
-                      </p:stCondLst>
-                      <p:childTnLst>
-                        <p:par>
-                          <p:cTn id="4" fill="hold">
-                            <p:stCondLst>
-                              <p:cond delay="0"/>
-                            </p:stCondLst>
-                            <p:childTnLst>
-                              <p:par>
-                                <p:cTn id="5" presetID="6" presetClass="emph" presetSubtype="0" fill="hold" grpId="0" nodeType="afterEffect">
-                                  <p:stCondLst>
-                                    <p:cond delay="0"/>
-                                  </p:stCondLst>
-                                  <p:childTnLst>
-                                    <p:animScale>
-                                      <p:cBhvr>
-                                        <p:cTn id="6" dur="2000" fill="hold"/>
-                                        <p:tgtEl>
-                                          <p:spTgt spid="4"/>
-                                        </p:tgtEl>
-                                      </p:cBhvr>
-                                      <p:by x="150000" y="150000"/>
-                                    </p:animScale>
-                                  </p:childTnLst>
-                                </p:cTn>
-                              </p:par>
-                            </p:childTnLst>
-                          </p:cTn>
-                        </p:par>
-                      </p:childTnLst>
-                    </p:cTn>
-                  </p:par>
-                </p:childTnLst>
-              </p:cTn>
-              <p:prevCondLst>
-                <p:cond evt="onPrev" delay="0">
-                  <p:tgtEl>
-                    <p:sldTgt/>
-                  </p:tgtEl>
-                </p:cond>
-              </p:prevCondLst>
-              <p:nextCondLst>
-                <p:cond evt="onNext" delay="0">
-                  <p:tgtEl>
-                    <p:sldTgt/>
-                  </p:tgtEl>
-                </p:cond>
-              </p:nextCondLst>
-            </p:seq>
-          </p:childTnLst>
-        </p:cTn>
-      </p:par>
-    </p:tnLst>
-    <p:bldLst>
-      <p:bldP spid="4" grpId="0"/>
-    </p:bldLst>
-  </p:timing>
-</p:sld>
-</file>
-
-<file path=ppt/slides/slide9.xml><?xml version="1.0" encoding="utf-8"?>
-<p:sld xmlns:a="http://schemas.openxmlformats.org/drawingml/2006/main" xmlns:r="http://schemas.openxmlformats.org/officeDocument/2006/relationships" xmlns:p="http://schemas.openxmlformats.org/presentationml/2006/main">
-  <p:cSld>
-    <p:spTree>
-      <p:nvGrpSpPr>
-        <p:cNvPr id="1" name=""/>
-        <p:cNvGrpSpPr/>
-        <p:nvPr/>
-      </p:nvGrpSpPr>
-      <p:grpSpPr>
-        <a:xfrm>
-          <a:off x="0" y="0"/>
-          <a:ext cx="0" cy="0"/>
-          <a:chOff x="0" y="0"/>
-          <a:chExt cx="0" cy="0"/>
-        </a:xfrm>
-      </p:grpSpPr>
-      <p:sp>
-        <p:nvSpPr>
           <p:cNvPr id="5" name="Rectangle 4"/>
           <p:cNvSpPr/>
           <p:nvPr/>
@@ -7880,6 +4785,3252 @@
       <p:bldP spid="7" grpId="0" animBg="1"/>
       <p:bldP spid="9" grpId="0" animBg="1"/>
       <p:bldP spid="10" grpId="0" animBg="1"/>
+    </p:bldLst>
+  </p:timing>
+</p:sld>
+</file>
+
+<file path=ppt/slides/slide11.xml><?xml version="1.0" encoding="utf-8"?>
+<p:sld xmlns:a="http://schemas.openxmlformats.org/drawingml/2006/main" xmlns:r="http://schemas.openxmlformats.org/officeDocument/2006/relationships" xmlns:p="http://schemas.openxmlformats.org/presentationml/2006/main">
+  <p:cSld>
+    <p:spTree>
+      <p:nvGrpSpPr>
+        <p:cNvPr id="1" name=""/>
+        <p:cNvGrpSpPr/>
+        <p:nvPr/>
+      </p:nvGrpSpPr>
+      <p:grpSpPr>
+        <a:xfrm>
+          <a:off x="0" y="0"/>
+          <a:ext cx="0" cy="0"/>
+          <a:chOff x="0" y="0"/>
+          <a:chExt cx="0" cy="0"/>
+        </a:xfrm>
+      </p:grpSpPr>
+      <p:sp>
+        <p:nvSpPr>
+          <p:cNvPr id="2" name="Title 1"/>
+          <p:cNvSpPr>
+            <a:spLocks noGrp="1"/>
+          </p:cNvSpPr>
+          <p:nvPr>
+            <p:ph type="title"/>
+          </p:nvPr>
+        </p:nvSpPr>
+        <p:spPr>
+          <a:xfrm>
+            <a:off x="1118080" y="944518"/>
+            <a:ext cx="6516798" cy="800308"/>
+          </a:xfrm>
+        </p:spPr>
+        <p:txBody>
+          <a:bodyPr>
+            <a:noAutofit/>
+          </a:bodyPr>
+          <a:lstStyle/>
+          <a:p>
+            <a:pPr algn="ctr"/>
+            <a:r>
+              <a:rPr lang="en-US" sz="6602" dirty="0">
+                <a:solidFill>
+                  <a:schemeClr val="accent6">
+                    <a:lumMod val="50000"/>
+                  </a:schemeClr>
+                </a:solidFill>
+              </a:rPr>
+              <a:t>DAS</a:t>
+            </a:r>
+            <a:br>
+              <a:rPr lang="en-US" sz="4051" dirty="0"/>
+            </a:br>
+            <a:r>
+              <a:rPr lang="en-US" sz="4051" dirty="0"/>
+              <a:t>Direct Attached Storage</a:t>
+            </a:r>
+          </a:p>
+        </p:txBody>
+      </p:sp>
+      <p:sp>
+        <p:nvSpPr>
+          <p:cNvPr id="3" name="Rectangle 2"/>
+          <p:cNvSpPr/>
+          <p:nvPr/>
+        </p:nvSpPr>
+        <p:spPr>
+          <a:xfrm>
+            <a:off x="1087409" y="3068960"/>
+            <a:ext cx="6912768" cy="1323439"/>
+          </a:xfrm>
+          <a:prstGeom prst="rect">
+            <a:avLst/>
+          </a:prstGeom>
+        </p:spPr>
+        <p:txBody>
+          <a:bodyPr wrap="square">
+            <a:spAutoFit/>
+          </a:bodyPr>
+          <a:lstStyle/>
+          <a:p>
+            <a:r>
+              <a:rPr lang="en-GB" sz="4000" dirty="0">
+                <a:solidFill>
+                  <a:schemeClr val="accent6">
+                    <a:lumMod val="50000"/>
+                  </a:schemeClr>
+                </a:solidFill>
+                <a:latin typeface="Calibri" panose="020F0502020204030204" pitchFamily="34" charset="0"/>
+                <a:ea typeface="Calibri" panose="020F0502020204030204" pitchFamily="34" charset="0"/>
+                <a:cs typeface="Vrinda"/>
+              </a:rPr>
+              <a:t>DAS referred to a storage that is directly attached to a server</a:t>
+            </a:r>
+            <a:endParaRPr lang="en-US" sz="4000" dirty="0">
+              <a:solidFill>
+                <a:schemeClr val="accent6">
+                  <a:lumMod val="50000"/>
+                </a:schemeClr>
+              </a:solidFill>
+            </a:endParaRPr>
+          </a:p>
+        </p:txBody>
+      </p:sp>
+      <p:sp>
+        <p:nvSpPr>
+          <p:cNvPr id="4" name="Rectangle 3"/>
+          <p:cNvSpPr/>
+          <p:nvPr/>
+        </p:nvSpPr>
+        <p:spPr>
+          <a:xfrm>
+            <a:off x="-108520" y="1871113"/>
+            <a:ext cx="9505055" cy="45719"/>
+          </a:xfrm>
+          <a:prstGeom prst="rect">
+            <a:avLst/>
+          </a:prstGeom>
+        </p:spPr>
+        <p:style>
+          <a:lnRef idx="1">
+            <a:schemeClr val="accent1"/>
+          </a:lnRef>
+          <a:fillRef idx="3">
+            <a:schemeClr val="accent1"/>
+          </a:fillRef>
+          <a:effectRef idx="2">
+            <a:schemeClr val="accent1"/>
+          </a:effectRef>
+          <a:fontRef idx="minor">
+            <a:schemeClr val="lt1"/>
+          </a:fontRef>
+        </p:style>
+        <p:txBody>
+          <a:bodyPr rtlCol="0" anchor="ctr"/>
+          <a:lstStyle/>
+          <a:p>
+            <a:pPr algn="ctr"/>
+            <a:endParaRPr lang="en-US" sz="1350">
+              <a:solidFill>
+                <a:schemeClr val="tx1">
+                  <a:lumMod val="65000"/>
+                  <a:lumOff val="35000"/>
+                </a:schemeClr>
+              </a:solidFill>
+            </a:endParaRPr>
+          </a:p>
+        </p:txBody>
+      </p:sp>
+    </p:spTree>
+    <p:extLst>
+      <p:ext uri="{BB962C8B-B14F-4D97-AF65-F5344CB8AC3E}">
+        <p14:creationId xmlns:p14="http://schemas.microsoft.com/office/powerpoint/2010/main" val="2801517849"/>
+      </p:ext>
+    </p:extLst>
+  </p:cSld>
+  <p:clrMapOvr>
+    <a:masterClrMapping/>
+  </p:clrMapOvr>
+  <mc:AlternateContent xmlns:mc="http://schemas.openxmlformats.org/markup-compatibility/2006" xmlns:p15="http://schemas.microsoft.com/office/powerpoint/2012/main">
+    <mc:Choice Requires="p15">
+      <p:transition xmlns:p14="http://schemas.microsoft.com/office/powerpoint/2010/main" spd="slow" p14:dur="1250">
+        <p15:prstTrans prst="peelOff"/>
+      </p:transition>
+    </mc:Choice>
+    <mc:Fallback xmlns="">
+      <p:transition spd="slow">
+        <p:fade/>
+      </p:transition>
+    </mc:Fallback>
+  </mc:AlternateContent>
+</p:sld>
+</file>
+
+<file path=ppt/slides/slide12.xml><?xml version="1.0" encoding="utf-8"?>
+<p:sld xmlns:a="http://schemas.openxmlformats.org/drawingml/2006/main" xmlns:r="http://schemas.openxmlformats.org/officeDocument/2006/relationships" xmlns:p="http://schemas.openxmlformats.org/presentationml/2006/main">
+  <p:cSld>
+    <p:spTree>
+      <p:nvGrpSpPr>
+        <p:cNvPr id="1" name=""/>
+        <p:cNvGrpSpPr/>
+        <p:nvPr/>
+      </p:nvGrpSpPr>
+      <p:grpSpPr>
+        <a:xfrm>
+          <a:off x="0" y="0"/>
+          <a:ext cx="0" cy="0"/>
+          <a:chOff x="0" y="0"/>
+          <a:chExt cx="0" cy="0"/>
+        </a:xfrm>
+      </p:grpSpPr>
+      <p:sp>
+        <p:nvSpPr>
+          <p:cNvPr id="2" name="Title 1"/>
+          <p:cNvSpPr>
+            <a:spLocks noGrp="1"/>
+          </p:cNvSpPr>
+          <p:nvPr>
+            <p:ph type="title"/>
+          </p:nvPr>
+        </p:nvSpPr>
+        <p:spPr>
+          <a:xfrm>
+            <a:off x="1402466" y="764704"/>
+            <a:ext cx="4537686" cy="800308"/>
+          </a:xfrm>
+        </p:spPr>
+        <p:txBody>
+          <a:bodyPr>
+            <a:normAutofit/>
+          </a:bodyPr>
+          <a:lstStyle/>
+          <a:p>
+            <a:r>
+              <a:rPr lang="en-US" sz="4051" dirty="0"/>
+              <a:t>Advantages of DAS</a:t>
+            </a:r>
+          </a:p>
+        </p:txBody>
+      </p:sp>
+      <p:sp>
+        <p:nvSpPr>
+          <p:cNvPr id="4" name="Content Placeholder 2"/>
+          <p:cNvSpPr txBox="1">
+            <a:spLocks/>
+          </p:cNvSpPr>
+          <p:nvPr/>
+        </p:nvSpPr>
+        <p:spPr>
+          <a:xfrm>
+            <a:off x="2016355" y="2132856"/>
+            <a:ext cx="7847594" cy="2226394"/>
+          </a:xfrm>
+          <a:prstGeom prst="rect">
+            <a:avLst/>
+          </a:prstGeom>
+        </p:spPr>
+        <p:txBody>
+          <a:bodyPr vert="horz" lIns="68598" tIns="34299" rIns="68598" bIns="34299" rtlCol="0">
+            <a:noAutofit/>
+          </a:bodyPr>
+          <a:lstStyle>
+            <a:lvl1pPr marL="274320" indent="-228600" algn="l" defTabSz="914400" rtl="0" eaLnBrk="1" latinLnBrk="0" hangingPunct="1">
+              <a:lnSpc>
+                <a:spcPct val="90000"/>
+              </a:lnSpc>
+              <a:spcBef>
+                <a:spcPts val="1800"/>
+              </a:spcBef>
+              <a:buClr>
+                <a:schemeClr val="tx1">
+                  <a:lumMod val="65000"/>
+                  <a:lumOff val="35000"/>
+                </a:schemeClr>
+              </a:buClr>
+              <a:buSzPct val="80000"/>
+              <a:buFont typeface="Arial" pitchFamily="34" charset="0"/>
+              <a:buChar char="•"/>
+              <a:defRPr sz="2000" kern="1200">
+                <a:solidFill>
+                  <a:schemeClr val="tx1">
+                    <a:lumMod val="65000"/>
+                    <a:lumOff val="35000"/>
+                  </a:schemeClr>
+                </a:solidFill>
+                <a:latin typeface="+mn-lt"/>
+                <a:ea typeface="+mn-ea"/>
+                <a:cs typeface="+mn-cs"/>
+              </a:defRPr>
+            </a:lvl1pPr>
+            <a:lvl2pPr marL="594360" indent="-228600" algn="l" defTabSz="914400" rtl="0" eaLnBrk="1" latinLnBrk="0" hangingPunct="1">
+              <a:lnSpc>
+                <a:spcPct val="90000"/>
+              </a:lnSpc>
+              <a:spcBef>
+                <a:spcPts val="1000"/>
+              </a:spcBef>
+              <a:buClr>
+                <a:schemeClr val="tx1">
+                  <a:lumMod val="65000"/>
+                  <a:lumOff val="35000"/>
+                </a:schemeClr>
+              </a:buClr>
+              <a:buSzPct val="80000"/>
+              <a:buFont typeface="Arial" pitchFamily="34" charset="0"/>
+              <a:buChar char="•"/>
+              <a:defRPr sz="1800" kern="1200">
+                <a:solidFill>
+                  <a:schemeClr val="tx1">
+                    <a:lumMod val="65000"/>
+                    <a:lumOff val="35000"/>
+                  </a:schemeClr>
+                </a:solidFill>
+                <a:latin typeface="+mn-lt"/>
+                <a:ea typeface="+mn-ea"/>
+                <a:cs typeface="+mn-cs"/>
+              </a:defRPr>
+            </a:lvl2pPr>
+            <a:lvl3pPr marL="777240" indent="-182880" algn="l" defTabSz="914400" rtl="0" eaLnBrk="1" latinLnBrk="0" hangingPunct="1">
+              <a:lnSpc>
+                <a:spcPct val="90000"/>
+              </a:lnSpc>
+              <a:spcBef>
+                <a:spcPts val="600"/>
+              </a:spcBef>
+              <a:buClr>
+                <a:schemeClr val="tx1">
+                  <a:lumMod val="65000"/>
+                  <a:lumOff val="35000"/>
+                </a:schemeClr>
+              </a:buClr>
+              <a:buSzPct val="80000"/>
+              <a:buFont typeface="Arial" pitchFamily="34" charset="0"/>
+              <a:buChar char="•"/>
+              <a:defRPr sz="1600" kern="1200">
+                <a:solidFill>
+                  <a:schemeClr val="tx1">
+                    <a:lumMod val="65000"/>
+                    <a:lumOff val="35000"/>
+                  </a:schemeClr>
+                </a:solidFill>
+                <a:latin typeface="+mn-lt"/>
+                <a:ea typeface="+mn-ea"/>
+                <a:cs typeface="+mn-cs"/>
+              </a:defRPr>
+            </a:lvl3pPr>
+            <a:lvl4pPr marL="960120" indent="-182880" algn="l" defTabSz="914400" rtl="0" eaLnBrk="1" latinLnBrk="0" hangingPunct="1">
+              <a:lnSpc>
+                <a:spcPct val="90000"/>
+              </a:lnSpc>
+              <a:spcBef>
+                <a:spcPts val="600"/>
+              </a:spcBef>
+              <a:buClr>
+                <a:schemeClr val="tx1">
+                  <a:lumMod val="65000"/>
+                  <a:lumOff val="35000"/>
+                </a:schemeClr>
+              </a:buClr>
+              <a:buSzPct val="80000"/>
+              <a:buFont typeface="Arial" pitchFamily="34" charset="0"/>
+              <a:buChar char="•"/>
+              <a:defRPr sz="1400" kern="1200">
+                <a:solidFill>
+                  <a:schemeClr val="tx1">
+                    <a:lumMod val="65000"/>
+                    <a:lumOff val="35000"/>
+                  </a:schemeClr>
+                </a:solidFill>
+                <a:latin typeface="+mn-lt"/>
+                <a:ea typeface="+mn-ea"/>
+                <a:cs typeface="+mn-cs"/>
+              </a:defRPr>
+            </a:lvl4pPr>
+            <a:lvl5pPr marL="1097280" indent="-137160" algn="l" defTabSz="914400" rtl="0" eaLnBrk="1" latinLnBrk="0" hangingPunct="1">
+              <a:lnSpc>
+                <a:spcPct val="90000"/>
+              </a:lnSpc>
+              <a:spcBef>
+                <a:spcPts val="600"/>
+              </a:spcBef>
+              <a:buClr>
+                <a:schemeClr val="tx1">
+                  <a:lumMod val="65000"/>
+                  <a:lumOff val="35000"/>
+                </a:schemeClr>
+              </a:buClr>
+              <a:buSzPct val="80000"/>
+              <a:buFont typeface="Arial" pitchFamily="34" charset="0"/>
+              <a:buChar char="•"/>
+              <a:defRPr sz="1400" kern="1200">
+                <a:solidFill>
+                  <a:schemeClr val="tx1">
+                    <a:lumMod val="65000"/>
+                    <a:lumOff val="35000"/>
+                  </a:schemeClr>
+                </a:solidFill>
+                <a:latin typeface="+mn-lt"/>
+                <a:ea typeface="+mn-ea"/>
+                <a:cs typeface="+mn-cs"/>
+              </a:defRPr>
+            </a:lvl5pPr>
+            <a:lvl6pPr marL="1234440" indent="-137160" algn="l" defTabSz="914400" rtl="0" eaLnBrk="1" latinLnBrk="0" hangingPunct="1">
+              <a:spcBef>
+                <a:spcPts val="600"/>
+              </a:spcBef>
+              <a:buSzPct val="80000"/>
+              <a:buFont typeface="Arial" pitchFamily="34" charset="0"/>
+              <a:buChar char="•"/>
+              <a:defRPr sz="1400" kern="1200">
+                <a:solidFill>
+                  <a:schemeClr val="tx1">
+                    <a:lumMod val="65000"/>
+                    <a:lumOff val="35000"/>
+                  </a:schemeClr>
+                </a:solidFill>
+                <a:latin typeface="+mn-lt"/>
+                <a:ea typeface="+mn-ea"/>
+                <a:cs typeface="+mn-cs"/>
+              </a:defRPr>
+            </a:lvl6pPr>
+            <a:lvl7pPr marL="1371600" indent="-137160" algn="l" defTabSz="914400" rtl="0" eaLnBrk="1" latinLnBrk="0" hangingPunct="1">
+              <a:spcBef>
+                <a:spcPts val="600"/>
+              </a:spcBef>
+              <a:buSzPct val="80000"/>
+              <a:buFont typeface="Arial" pitchFamily="34" charset="0"/>
+              <a:buChar char="•"/>
+              <a:defRPr sz="1400" kern="1200">
+                <a:solidFill>
+                  <a:schemeClr val="tx1">
+                    <a:lumMod val="65000"/>
+                    <a:lumOff val="35000"/>
+                  </a:schemeClr>
+                </a:solidFill>
+                <a:latin typeface="+mn-lt"/>
+                <a:ea typeface="+mn-ea"/>
+                <a:cs typeface="+mn-cs"/>
+              </a:defRPr>
+            </a:lvl7pPr>
+            <a:lvl8pPr marL="1508760" indent="-137160" algn="l" defTabSz="914400" rtl="0" eaLnBrk="1" latinLnBrk="0" hangingPunct="1">
+              <a:spcBef>
+                <a:spcPts val="600"/>
+              </a:spcBef>
+              <a:buSzPct val="80000"/>
+              <a:buFont typeface="Arial" pitchFamily="34" charset="0"/>
+              <a:buChar char="•"/>
+              <a:defRPr sz="1400" kern="1200">
+                <a:solidFill>
+                  <a:schemeClr val="tx1">
+                    <a:lumMod val="65000"/>
+                    <a:lumOff val="35000"/>
+                  </a:schemeClr>
+                </a:solidFill>
+                <a:latin typeface="+mn-lt"/>
+                <a:ea typeface="+mn-ea"/>
+                <a:cs typeface="+mn-cs"/>
+              </a:defRPr>
+            </a:lvl8pPr>
+            <a:lvl9pPr marL="1645920" indent="-137160" algn="l" defTabSz="914400" rtl="0" eaLnBrk="1" latinLnBrk="0" hangingPunct="1">
+              <a:spcBef>
+                <a:spcPts val="600"/>
+              </a:spcBef>
+              <a:buSzPct val="80000"/>
+              <a:buFont typeface="Arial" pitchFamily="34" charset="0"/>
+              <a:buChar char="•"/>
+              <a:defRPr sz="1400" kern="1200">
+                <a:solidFill>
+                  <a:schemeClr val="tx1">
+                    <a:lumMod val="65000"/>
+                    <a:lumOff val="35000"/>
+                  </a:schemeClr>
+                </a:solidFill>
+                <a:latin typeface="+mn-lt"/>
+                <a:ea typeface="+mn-ea"/>
+                <a:cs typeface="+mn-cs"/>
+              </a:defRPr>
+            </a:lvl9pPr>
+          </a:lstStyle>
+          <a:p>
+            <a:pPr>
+              <a:buFont typeface="Wingdings" panose="05000000000000000000" pitchFamily="2" charset="2"/>
+              <a:buChar char="q"/>
+            </a:pPr>
+            <a:r>
+              <a:rPr lang="en-US" sz="3600" dirty="0">
+                <a:solidFill>
+                  <a:schemeClr val="accent6">
+                    <a:lumMod val="50000"/>
+                  </a:schemeClr>
+                </a:solidFill>
+              </a:rPr>
+              <a:t> High availability</a:t>
+            </a:r>
+          </a:p>
+          <a:p>
+            <a:pPr>
+              <a:buFont typeface="Wingdings" panose="05000000000000000000" pitchFamily="2" charset="2"/>
+              <a:buChar char="q"/>
+            </a:pPr>
+            <a:endParaRPr lang="en-US" sz="3600" dirty="0">
+              <a:solidFill>
+                <a:schemeClr val="accent6">
+                  <a:lumMod val="50000"/>
+                </a:schemeClr>
+              </a:solidFill>
+            </a:endParaRPr>
+          </a:p>
+          <a:p>
+            <a:pPr>
+              <a:buFont typeface="Wingdings" panose="05000000000000000000" pitchFamily="2" charset="2"/>
+              <a:buChar char="q"/>
+            </a:pPr>
+            <a:r>
+              <a:rPr lang="en-US" sz="3600" dirty="0">
+                <a:solidFill>
+                  <a:schemeClr val="accent6">
+                    <a:lumMod val="50000"/>
+                  </a:schemeClr>
+                </a:solidFill>
+              </a:rPr>
+              <a:t> High access rate</a:t>
+            </a:r>
+          </a:p>
+          <a:p>
+            <a:pPr>
+              <a:buFont typeface="Wingdings" panose="05000000000000000000" pitchFamily="2" charset="2"/>
+              <a:buChar char="q"/>
+            </a:pPr>
+            <a:endParaRPr lang="en-US" sz="3600" dirty="0">
+              <a:solidFill>
+                <a:schemeClr val="accent6">
+                  <a:lumMod val="50000"/>
+                </a:schemeClr>
+              </a:solidFill>
+            </a:endParaRPr>
+          </a:p>
+          <a:p>
+            <a:pPr>
+              <a:buFont typeface="Wingdings" panose="05000000000000000000" pitchFamily="2" charset="2"/>
+              <a:buChar char="q"/>
+            </a:pPr>
+            <a:r>
+              <a:rPr lang="en-US" sz="3600" dirty="0">
+                <a:solidFill>
+                  <a:schemeClr val="accent6">
+                    <a:lumMod val="50000"/>
+                  </a:schemeClr>
+                </a:solidFill>
+              </a:rPr>
+              <a:t> </a:t>
+            </a:r>
+            <a:r>
+              <a:rPr lang="en-GB" sz="3600" dirty="0">
+                <a:solidFill>
+                  <a:schemeClr val="accent6">
+                    <a:lumMod val="50000"/>
+                  </a:schemeClr>
+                </a:solidFill>
+              </a:rPr>
+              <a:t>Data security</a:t>
+            </a:r>
+            <a:endParaRPr lang="en-US" sz="3600" dirty="0">
+              <a:solidFill>
+                <a:schemeClr val="accent6">
+                  <a:lumMod val="50000"/>
+                </a:schemeClr>
+              </a:solidFill>
+            </a:endParaRPr>
+          </a:p>
+          <a:p>
+            <a:pPr marL="45720" indent="0">
+              <a:buNone/>
+            </a:pPr>
+            <a:endParaRPr lang="en-US" sz="3600" dirty="0">
+              <a:solidFill>
+                <a:schemeClr val="accent6">
+                  <a:lumMod val="50000"/>
+                </a:schemeClr>
+              </a:solidFill>
+            </a:endParaRPr>
+          </a:p>
+        </p:txBody>
+      </p:sp>
+      <p:sp>
+        <p:nvSpPr>
+          <p:cNvPr id="5" name="Rectangle 4"/>
+          <p:cNvSpPr/>
+          <p:nvPr/>
+        </p:nvSpPr>
+        <p:spPr>
+          <a:xfrm>
+            <a:off x="574515" y="1565013"/>
+            <a:ext cx="8643211" cy="34298"/>
+          </a:xfrm>
+          <a:prstGeom prst="rect">
+            <a:avLst/>
+          </a:prstGeom>
+        </p:spPr>
+        <p:style>
+          <a:lnRef idx="1">
+            <a:schemeClr val="accent1"/>
+          </a:lnRef>
+          <a:fillRef idx="3">
+            <a:schemeClr val="accent1"/>
+          </a:fillRef>
+          <a:effectRef idx="2">
+            <a:schemeClr val="accent1"/>
+          </a:effectRef>
+          <a:fontRef idx="minor">
+            <a:schemeClr val="lt1"/>
+          </a:fontRef>
+        </p:style>
+        <p:txBody>
+          <a:bodyPr rtlCol="0" anchor="ctr"/>
+          <a:lstStyle/>
+          <a:p>
+            <a:pPr algn="ctr"/>
+            <a:endParaRPr lang="en-US" sz="1350">
+              <a:solidFill>
+                <a:schemeClr val="tx1">
+                  <a:lumMod val="65000"/>
+                  <a:lumOff val="35000"/>
+                </a:schemeClr>
+              </a:solidFill>
+            </a:endParaRPr>
+          </a:p>
+        </p:txBody>
+      </p:sp>
+      <p:pic>
+        <p:nvPicPr>
+          <p:cNvPr id="7" name="Picture 6"/>
+          <p:cNvPicPr>
+            <a:picLocks noChangeAspect="1"/>
+          </p:cNvPicPr>
+          <p:nvPr/>
+        </p:nvPicPr>
+        <p:blipFill>
+          <a:blip r:embed="rId2">
+            <a:extLst>
+              <a:ext uri="{28A0092B-C50C-407E-A947-70E740481C1C}">
+                <a14:useLocalDpi xmlns:a14="http://schemas.microsoft.com/office/drawing/2010/main" val="0"/>
+              </a:ext>
+            </a:extLst>
+          </a:blip>
+          <a:stretch>
+            <a:fillRect/>
+          </a:stretch>
+        </p:blipFill>
+        <p:spPr>
+          <a:xfrm>
+            <a:off x="219576" y="620688"/>
+            <a:ext cx="1040056" cy="1091146"/>
+          </a:xfrm>
+          <a:prstGeom prst="rect">
+            <a:avLst/>
+          </a:prstGeom>
+        </p:spPr>
+      </p:pic>
+    </p:spTree>
+    <p:extLst>
+      <p:ext uri="{BB962C8B-B14F-4D97-AF65-F5344CB8AC3E}">
+        <p14:creationId xmlns:p14="http://schemas.microsoft.com/office/powerpoint/2010/main" val="3369188236"/>
+      </p:ext>
+    </p:extLst>
+  </p:cSld>
+  <p:clrMapOvr>
+    <a:masterClrMapping/>
+  </p:clrMapOvr>
+  <mc:AlternateContent xmlns:mc="http://schemas.openxmlformats.org/markup-compatibility/2006" xmlns:p14="http://schemas.microsoft.com/office/powerpoint/2010/main">
+    <mc:Choice Requires="p14">
+      <p:transition spd="slow" p14:dur="1600">
+        <p:blinds dir="vert"/>
+      </p:transition>
+    </mc:Choice>
+    <mc:Fallback xmlns="">
+      <p:transition spd="slow">
+        <p:blinds dir="vert"/>
+      </p:transition>
+    </mc:Fallback>
+  </mc:AlternateContent>
+</p:sld>
+</file>
+
+<file path=ppt/slides/slide13.xml><?xml version="1.0" encoding="utf-8"?>
+<p:sld xmlns:a="http://schemas.openxmlformats.org/drawingml/2006/main" xmlns:r="http://schemas.openxmlformats.org/officeDocument/2006/relationships" xmlns:p="http://schemas.openxmlformats.org/presentationml/2006/main">
+  <p:cSld>
+    <p:spTree>
+      <p:nvGrpSpPr>
+        <p:cNvPr id="1" name=""/>
+        <p:cNvGrpSpPr/>
+        <p:nvPr/>
+      </p:nvGrpSpPr>
+      <p:grpSpPr>
+        <a:xfrm>
+          <a:off x="0" y="0"/>
+          <a:ext cx="0" cy="0"/>
+          <a:chOff x="0" y="0"/>
+          <a:chExt cx="0" cy="0"/>
+        </a:xfrm>
+      </p:grpSpPr>
+      <p:sp>
+        <p:nvSpPr>
+          <p:cNvPr id="4" name="Content Placeholder 2"/>
+          <p:cNvSpPr txBox="1">
+            <a:spLocks/>
+          </p:cNvSpPr>
+          <p:nvPr/>
+        </p:nvSpPr>
+        <p:spPr>
+          <a:xfrm>
+            <a:off x="1468032" y="2132856"/>
+            <a:ext cx="9180250" cy="3018482"/>
+          </a:xfrm>
+          <a:prstGeom prst="rect">
+            <a:avLst/>
+          </a:prstGeom>
+        </p:spPr>
+        <p:txBody>
+          <a:bodyPr vert="horz" lIns="68598" tIns="34299" rIns="68598" bIns="34299" rtlCol="0">
+            <a:noAutofit/>
+          </a:bodyPr>
+          <a:lstStyle>
+            <a:lvl1pPr marL="274320" indent="-228600" algn="l" defTabSz="914400" rtl="0" eaLnBrk="1" latinLnBrk="0" hangingPunct="1">
+              <a:lnSpc>
+                <a:spcPct val="90000"/>
+              </a:lnSpc>
+              <a:spcBef>
+                <a:spcPts val="1800"/>
+              </a:spcBef>
+              <a:buClr>
+                <a:schemeClr val="tx1">
+                  <a:lumMod val="65000"/>
+                  <a:lumOff val="35000"/>
+                </a:schemeClr>
+              </a:buClr>
+              <a:buSzPct val="80000"/>
+              <a:buFont typeface="Arial" pitchFamily="34" charset="0"/>
+              <a:buChar char="•"/>
+              <a:defRPr sz="2000" kern="1200">
+                <a:solidFill>
+                  <a:schemeClr val="tx1">
+                    <a:lumMod val="65000"/>
+                    <a:lumOff val="35000"/>
+                  </a:schemeClr>
+                </a:solidFill>
+                <a:latin typeface="+mn-lt"/>
+                <a:ea typeface="+mn-ea"/>
+                <a:cs typeface="+mn-cs"/>
+              </a:defRPr>
+            </a:lvl1pPr>
+            <a:lvl2pPr marL="594360" indent="-228600" algn="l" defTabSz="914400" rtl="0" eaLnBrk="1" latinLnBrk="0" hangingPunct="1">
+              <a:lnSpc>
+                <a:spcPct val="90000"/>
+              </a:lnSpc>
+              <a:spcBef>
+                <a:spcPts val="1000"/>
+              </a:spcBef>
+              <a:buClr>
+                <a:schemeClr val="tx1">
+                  <a:lumMod val="65000"/>
+                  <a:lumOff val="35000"/>
+                </a:schemeClr>
+              </a:buClr>
+              <a:buSzPct val="80000"/>
+              <a:buFont typeface="Arial" pitchFamily="34" charset="0"/>
+              <a:buChar char="•"/>
+              <a:defRPr sz="1800" kern="1200">
+                <a:solidFill>
+                  <a:schemeClr val="tx1">
+                    <a:lumMod val="65000"/>
+                    <a:lumOff val="35000"/>
+                  </a:schemeClr>
+                </a:solidFill>
+                <a:latin typeface="+mn-lt"/>
+                <a:ea typeface="+mn-ea"/>
+                <a:cs typeface="+mn-cs"/>
+              </a:defRPr>
+            </a:lvl2pPr>
+            <a:lvl3pPr marL="777240" indent="-182880" algn="l" defTabSz="914400" rtl="0" eaLnBrk="1" latinLnBrk="0" hangingPunct="1">
+              <a:lnSpc>
+                <a:spcPct val="90000"/>
+              </a:lnSpc>
+              <a:spcBef>
+                <a:spcPts val="600"/>
+              </a:spcBef>
+              <a:buClr>
+                <a:schemeClr val="tx1">
+                  <a:lumMod val="65000"/>
+                  <a:lumOff val="35000"/>
+                </a:schemeClr>
+              </a:buClr>
+              <a:buSzPct val="80000"/>
+              <a:buFont typeface="Arial" pitchFamily="34" charset="0"/>
+              <a:buChar char="•"/>
+              <a:defRPr sz="1600" kern="1200">
+                <a:solidFill>
+                  <a:schemeClr val="tx1">
+                    <a:lumMod val="65000"/>
+                    <a:lumOff val="35000"/>
+                  </a:schemeClr>
+                </a:solidFill>
+                <a:latin typeface="+mn-lt"/>
+                <a:ea typeface="+mn-ea"/>
+                <a:cs typeface="+mn-cs"/>
+              </a:defRPr>
+            </a:lvl3pPr>
+            <a:lvl4pPr marL="960120" indent="-182880" algn="l" defTabSz="914400" rtl="0" eaLnBrk="1" latinLnBrk="0" hangingPunct="1">
+              <a:lnSpc>
+                <a:spcPct val="90000"/>
+              </a:lnSpc>
+              <a:spcBef>
+                <a:spcPts val="600"/>
+              </a:spcBef>
+              <a:buClr>
+                <a:schemeClr val="tx1">
+                  <a:lumMod val="65000"/>
+                  <a:lumOff val="35000"/>
+                </a:schemeClr>
+              </a:buClr>
+              <a:buSzPct val="80000"/>
+              <a:buFont typeface="Arial" pitchFamily="34" charset="0"/>
+              <a:buChar char="•"/>
+              <a:defRPr sz="1400" kern="1200">
+                <a:solidFill>
+                  <a:schemeClr val="tx1">
+                    <a:lumMod val="65000"/>
+                    <a:lumOff val="35000"/>
+                  </a:schemeClr>
+                </a:solidFill>
+                <a:latin typeface="+mn-lt"/>
+                <a:ea typeface="+mn-ea"/>
+                <a:cs typeface="+mn-cs"/>
+              </a:defRPr>
+            </a:lvl4pPr>
+            <a:lvl5pPr marL="1097280" indent="-137160" algn="l" defTabSz="914400" rtl="0" eaLnBrk="1" latinLnBrk="0" hangingPunct="1">
+              <a:lnSpc>
+                <a:spcPct val="90000"/>
+              </a:lnSpc>
+              <a:spcBef>
+                <a:spcPts val="600"/>
+              </a:spcBef>
+              <a:buClr>
+                <a:schemeClr val="tx1">
+                  <a:lumMod val="65000"/>
+                  <a:lumOff val="35000"/>
+                </a:schemeClr>
+              </a:buClr>
+              <a:buSzPct val="80000"/>
+              <a:buFont typeface="Arial" pitchFamily="34" charset="0"/>
+              <a:buChar char="•"/>
+              <a:defRPr sz="1400" kern="1200">
+                <a:solidFill>
+                  <a:schemeClr val="tx1">
+                    <a:lumMod val="65000"/>
+                    <a:lumOff val="35000"/>
+                  </a:schemeClr>
+                </a:solidFill>
+                <a:latin typeface="+mn-lt"/>
+                <a:ea typeface="+mn-ea"/>
+                <a:cs typeface="+mn-cs"/>
+              </a:defRPr>
+            </a:lvl5pPr>
+            <a:lvl6pPr marL="1234440" indent="-137160" algn="l" defTabSz="914400" rtl="0" eaLnBrk="1" latinLnBrk="0" hangingPunct="1">
+              <a:spcBef>
+                <a:spcPts val="600"/>
+              </a:spcBef>
+              <a:buSzPct val="80000"/>
+              <a:buFont typeface="Arial" pitchFamily="34" charset="0"/>
+              <a:buChar char="•"/>
+              <a:defRPr sz="1400" kern="1200">
+                <a:solidFill>
+                  <a:schemeClr val="tx1">
+                    <a:lumMod val="65000"/>
+                    <a:lumOff val="35000"/>
+                  </a:schemeClr>
+                </a:solidFill>
+                <a:latin typeface="+mn-lt"/>
+                <a:ea typeface="+mn-ea"/>
+                <a:cs typeface="+mn-cs"/>
+              </a:defRPr>
+            </a:lvl6pPr>
+            <a:lvl7pPr marL="1371600" indent="-137160" algn="l" defTabSz="914400" rtl="0" eaLnBrk="1" latinLnBrk="0" hangingPunct="1">
+              <a:spcBef>
+                <a:spcPts val="600"/>
+              </a:spcBef>
+              <a:buSzPct val="80000"/>
+              <a:buFont typeface="Arial" pitchFamily="34" charset="0"/>
+              <a:buChar char="•"/>
+              <a:defRPr sz="1400" kern="1200">
+                <a:solidFill>
+                  <a:schemeClr val="tx1">
+                    <a:lumMod val="65000"/>
+                    <a:lumOff val="35000"/>
+                  </a:schemeClr>
+                </a:solidFill>
+                <a:latin typeface="+mn-lt"/>
+                <a:ea typeface="+mn-ea"/>
+                <a:cs typeface="+mn-cs"/>
+              </a:defRPr>
+            </a:lvl7pPr>
+            <a:lvl8pPr marL="1508760" indent="-137160" algn="l" defTabSz="914400" rtl="0" eaLnBrk="1" latinLnBrk="0" hangingPunct="1">
+              <a:spcBef>
+                <a:spcPts val="600"/>
+              </a:spcBef>
+              <a:buSzPct val="80000"/>
+              <a:buFont typeface="Arial" pitchFamily="34" charset="0"/>
+              <a:buChar char="•"/>
+              <a:defRPr sz="1400" kern="1200">
+                <a:solidFill>
+                  <a:schemeClr val="tx1">
+                    <a:lumMod val="65000"/>
+                    <a:lumOff val="35000"/>
+                  </a:schemeClr>
+                </a:solidFill>
+                <a:latin typeface="+mn-lt"/>
+                <a:ea typeface="+mn-ea"/>
+                <a:cs typeface="+mn-cs"/>
+              </a:defRPr>
+            </a:lvl8pPr>
+            <a:lvl9pPr marL="1645920" indent="-137160" algn="l" defTabSz="914400" rtl="0" eaLnBrk="1" latinLnBrk="0" hangingPunct="1">
+              <a:spcBef>
+                <a:spcPts val="600"/>
+              </a:spcBef>
+              <a:buSzPct val="80000"/>
+              <a:buFont typeface="Arial" pitchFamily="34" charset="0"/>
+              <a:buChar char="•"/>
+              <a:defRPr sz="1400" kern="1200">
+                <a:solidFill>
+                  <a:schemeClr val="tx1">
+                    <a:lumMod val="65000"/>
+                    <a:lumOff val="35000"/>
+                  </a:schemeClr>
+                </a:solidFill>
+                <a:latin typeface="+mn-lt"/>
+                <a:ea typeface="+mn-ea"/>
+                <a:cs typeface="+mn-cs"/>
+              </a:defRPr>
+            </a:lvl9pPr>
+          </a:lstStyle>
+          <a:p>
+            <a:pPr>
+              <a:buFont typeface="Wingdings" panose="05000000000000000000" pitchFamily="2" charset="2"/>
+              <a:buChar char="q"/>
+            </a:pPr>
+            <a:r>
+              <a:rPr lang="en-GB" sz="3600" dirty="0">
+                <a:solidFill>
+                  <a:schemeClr val="accent6">
+                    <a:lumMod val="50000"/>
+                  </a:schemeClr>
+                </a:solidFill>
+              </a:rPr>
+              <a:t>Not Scalable</a:t>
+            </a:r>
+          </a:p>
+          <a:p>
+            <a:pPr>
+              <a:buFont typeface="Wingdings" panose="05000000000000000000" pitchFamily="2" charset="2"/>
+              <a:buChar char="q"/>
+            </a:pPr>
+            <a:endParaRPr lang="en-GB" sz="3600" dirty="0">
+              <a:solidFill>
+                <a:schemeClr val="accent6">
+                  <a:lumMod val="50000"/>
+                </a:schemeClr>
+              </a:solidFill>
+            </a:endParaRPr>
+          </a:p>
+          <a:p>
+            <a:pPr>
+              <a:buFont typeface="Wingdings" panose="05000000000000000000" pitchFamily="2" charset="2"/>
+              <a:buChar char="q"/>
+            </a:pPr>
+            <a:r>
+              <a:rPr lang="en-US" sz="3600" dirty="0">
+                <a:solidFill>
+                  <a:schemeClr val="accent6">
+                    <a:lumMod val="50000"/>
+                  </a:schemeClr>
+                </a:solidFill>
+              </a:rPr>
+              <a:t>Allow only one user at a time</a:t>
+            </a:r>
+          </a:p>
+          <a:p>
+            <a:pPr>
+              <a:buFont typeface="Wingdings" panose="05000000000000000000" pitchFamily="2" charset="2"/>
+              <a:buChar char="q"/>
+            </a:pPr>
+            <a:endParaRPr lang="en-US" sz="3600" dirty="0">
+              <a:solidFill>
+                <a:schemeClr val="accent6">
+                  <a:lumMod val="50000"/>
+                </a:schemeClr>
+              </a:solidFill>
+            </a:endParaRPr>
+          </a:p>
+          <a:p>
+            <a:pPr>
+              <a:buFont typeface="Wingdings" panose="05000000000000000000" pitchFamily="2" charset="2"/>
+              <a:buChar char="q"/>
+            </a:pPr>
+            <a:r>
+              <a:rPr lang="en-US" sz="3600" dirty="0">
+                <a:solidFill>
+                  <a:schemeClr val="accent6">
+                    <a:lumMod val="50000"/>
+                  </a:schemeClr>
+                </a:solidFill>
+              </a:rPr>
+              <a:t>High administrative cost</a:t>
+            </a:r>
+          </a:p>
+        </p:txBody>
+      </p:sp>
+      <p:sp>
+        <p:nvSpPr>
+          <p:cNvPr id="7" name="Title 1"/>
+          <p:cNvSpPr>
+            <a:spLocks noGrp="1"/>
+          </p:cNvSpPr>
+          <p:nvPr>
+            <p:ph type="title"/>
+          </p:nvPr>
+        </p:nvSpPr>
+        <p:spPr>
+          <a:xfrm>
+            <a:off x="1456600" y="756484"/>
+            <a:ext cx="5275640" cy="800308"/>
+          </a:xfrm>
+        </p:spPr>
+        <p:txBody>
+          <a:bodyPr>
+            <a:noAutofit/>
+          </a:bodyPr>
+          <a:lstStyle/>
+          <a:p>
+            <a:r>
+              <a:rPr lang="en-US" sz="4000" dirty="0" err="1"/>
+              <a:t>Disdvantages</a:t>
+            </a:r>
+            <a:r>
+              <a:rPr lang="en-US" sz="4000" dirty="0"/>
+              <a:t> of DAS</a:t>
+            </a:r>
+          </a:p>
+        </p:txBody>
+      </p:sp>
+      <p:sp>
+        <p:nvSpPr>
+          <p:cNvPr id="8" name="Rectangle 7"/>
+          <p:cNvSpPr/>
+          <p:nvPr/>
+        </p:nvSpPr>
+        <p:spPr>
+          <a:xfrm>
+            <a:off x="574515" y="1565013"/>
+            <a:ext cx="8643211" cy="34298"/>
+          </a:xfrm>
+          <a:prstGeom prst="rect">
+            <a:avLst/>
+          </a:prstGeom>
+        </p:spPr>
+        <p:style>
+          <a:lnRef idx="1">
+            <a:schemeClr val="accent1"/>
+          </a:lnRef>
+          <a:fillRef idx="3">
+            <a:schemeClr val="accent1"/>
+          </a:fillRef>
+          <a:effectRef idx="2">
+            <a:schemeClr val="accent1"/>
+          </a:effectRef>
+          <a:fontRef idx="minor">
+            <a:schemeClr val="lt1"/>
+          </a:fontRef>
+        </p:style>
+        <p:txBody>
+          <a:bodyPr rtlCol="0" anchor="ctr"/>
+          <a:lstStyle/>
+          <a:p>
+            <a:pPr algn="ctr"/>
+            <a:endParaRPr lang="en-US" sz="1350">
+              <a:solidFill>
+                <a:schemeClr val="tx1">
+                  <a:lumMod val="65000"/>
+                  <a:lumOff val="35000"/>
+                </a:schemeClr>
+              </a:solidFill>
+            </a:endParaRPr>
+          </a:p>
+        </p:txBody>
+      </p:sp>
+      <p:pic>
+        <p:nvPicPr>
+          <p:cNvPr id="11" name="Picture 10"/>
+          <p:cNvPicPr>
+            <a:picLocks noChangeAspect="1"/>
+          </p:cNvPicPr>
+          <p:nvPr/>
+        </p:nvPicPr>
+        <p:blipFill>
+          <a:blip r:embed="rId2">
+            <a:extLst>
+              <a:ext uri="{BEBA8EAE-BF5A-486C-A8C5-ECC9F3942E4B}">
+                <a14:imgProps xmlns:a14="http://schemas.microsoft.com/office/drawing/2010/main">
+                  <a14:imgLayer r:embed="rId3">
+                    <a14:imgEffect>
+                      <a14:saturation sat="66000"/>
+                    </a14:imgEffect>
+                  </a14:imgLayer>
+                </a14:imgProps>
+              </a:ext>
+              <a:ext uri="{28A0092B-C50C-407E-A947-70E740481C1C}">
+                <a14:useLocalDpi xmlns:a14="http://schemas.microsoft.com/office/drawing/2010/main" val="0"/>
+              </a:ext>
+            </a:extLst>
+          </a:blip>
+          <a:stretch>
+            <a:fillRect/>
+          </a:stretch>
+        </p:blipFill>
+        <p:spPr>
+          <a:xfrm>
+            <a:off x="218745" y="908720"/>
+            <a:ext cx="1127514" cy="1184147"/>
+          </a:xfrm>
+          <a:prstGeom prst="rect">
+            <a:avLst/>
+          </a:prstGeom>
+        </p:spPr>
+      </p:pic>
+    </p:spTree>
+    <p:extLst>
+      <p:ext uri="{BB962C8B-B14F-4D97-AF65-F5344CB8AC3E}">
+        <p14:creationId xmlns:p14="http://schemas.microsoft.com/office/powerpoint/2010/main" val="3877865306"/>
+      </p:ext>
+    </p:extLst>
+  </p:cSld>
+  <p:clrMapOvr>
+    <a:masterClrMapping/>
+  </p:clrMapOvr>
+  <mc:AlternateContent xmlns:mc="http://schemas.openxmlformats.org/markup-compatibility/2006" xmlns:p14="http://schemas.microsoft.com/office/powerpoint/2010/main">
+    <mc:Choice Requires="p14">
+      <p:transition spd="slow" p14:dur="1400">
+        <p14:ripple/>
+      </p:transition>
+    </mc:Choice>
+    <mc:Fallback xmlns="">
+      <p:transition spd="slow">
+        <p:fade/>
+      </p:transition>
+    </mc:Fallback>
+  </mc:AlternateContent>
+</p:sld>
+</file>
+
+<file path=ppt/slides/slide14.xml><?xml version="1.0" encoding="utf-8"?>
+<p:sld xmlns:a="http://schemas.openxmlformats.org/drawingml/2006/main" xmlns:r="http://schemas.openxmlformats.org/officeDocument/2006/relationships" xmlns:p="http://schemas.openxmlformats.org/presentationml/2006/main">
+  <p:cSld>
+    <p:spTree>
+      <p:nvGrpSpPr>
+        <p:cNvPr id="1" name=""/>
+        <p:cNvGrpSpPr/>
+        <p:nvPr/>
+      </p:nvGrpSpPr>
+      <p:grpSpPr>
+        <a:xfrm>
+          <a:off x="0" y="0"/>
+          <a:ext cx="0" cy="0"/>
+          <a:chOff x="0" y="0"/>
+          <a:chExt cx="0" cy="0"/>
+        </a:xfrm>
+      </p:grpSpPr>
+      <p:sp>
+        <p:nvSpPr>
+          <p:cNvPr id="2" name="Title 1"/>
+          <p:cNvSpPr>
+            <a:spLocks noGrp="1"/>
+          </p:cNvSpPr>
+          <p:nvPr>
+            <p:ph type="title"/>
+          </p:nvPr>
+        </p:nvSpPr>
+        <p:spPr>
+          <a:xfrm>
+            <a:off x="971600" y="-77213"/>
+            <a:ext cx="6516798" cy="1880428"/>
+          </a:xfrm>
+        </p:spPr>
+        <p:txBody>
+          <a:bodyPr>
+            <a:noAutofit/>
+          </a:bodyPr>
+          <a:lstStyle/>
+          <a:p>
+            <a:pPr algn="ctr"/>
+            <a:r>
+              <a:rPr lang="en-US" sz="6000" dirty="0">
+                <a:solidFill>
+                  <a:schemeClr val="accent6">
+                    <a:lumMod val="50000"/>
+                  </a:schemeClr>
+                </a:solidFill>
+              </a:rPr>
+              <a:t>NAS</a:t>
+            </a:r>
+            <a:br>
+              <a:rPr lang="en-US" sz="4051" dirty="0"/>
+            </a:br>
+            <a:r>
+              <a:rPr lang="en-US" sz="4051" dirty="0"/>
+              <a:t>Network Attached Storage</a:t>
+            </a:r>
+          </a:p>
+        </p:txBody>
+      </p:sp>
+      <p:sp>
+        <p:nvSpPr>
+          <p:cNvPr id="3" name="Rectangle 2"/>
+          <p:cNvSpPr/>
+          <p:nvPr/>
+        </p:nvSpPr>
+        <p:spPr>
+          <a:xfrm>
+            <a:off x="971600" y="2780928"/>
+            <a:ext cx="8028384" cy="2308324"/>
+          </a:xfrm>
+          <a:prstGeom prst="rect">
+            <a:avLst/>
+          </a:prstGeom>
+        </p:spPr>
+        <p:txBody>
+          <a:bodyPr wrap="square">
+            <a:spAutoFit/>
+          </a:bodyPr>
+          <a:lstStyle/>
+          <a:p>
+            <a:pPr marL="571500" indent="-571500">
+              <a:buFont typeface="Wingdings" panose="05000000000000000000" pitchFamily="2" charset="2"/>
+              <a:buChar char="v"/>
+            </a:pPr>
+            <a:r>
+              <a:rPr lang="en-US" sz="3600" dirty="0">
+                <a:solidFill>
+                  <a:schemeClr val="accent6">
+                    <a:lumMod val="50000"/>
+                  </a:schemeClr>
+                </a:solidFill>
+              </a:rPr>
+              <a:t>Provides a </a:t>
+            </a:r>
+            <a:r>
+              <a:rPr lang="en-US" sz="3600" dirty="0">
+                <a:solidFill>
+                  <a:srgbClr val="0070C0"/>
+                </a:solidFill>
+              </a:rPr>
+              <a:t>file sharing </a:t>
+            </a:r>
+            <a:r>
+              <a:rPr lang="en-US" sz="3600" dirty="0">
+                <a:solidFill>
+                  <a:schemeClr val="accent6">
+                    <a:lumMod val="50000"/>
+                  </a:schemeClr>
+                </a:solidFill>
+              </a:rPr>
+              <a:t>system or storage management system</a:t>
+            </a:r>
+          </a:p>
+          <a:p>
+            <a:endParaRPr lang="en-US" sz="3600" dirty="0">
+              <a:solidFill>
+                <a:schemeClr val="accent6">
+                  <a:lumMod val="50000"/>
+                </a:schemeClr>
+              </a:solidFill>
+            </a:endParaRPr>
+          </a:p>
+          <a:p>
+            <a:pPr marL="571500" indent="-571500">
+              <a:buFont typeface="Wingdings" panose="05000000000000000000" pitchFamily="2" charset="2"/>
+              <a:buChar char="v"/>
+            </a:pPr>
+            <a:r>
+              <a:rPr lang="en-US" sz="3600" dirty="0">
+                <a:solidFill>
+                  <a:schemeClr val="accent6">
+                    <a:lumMod val="50000"/>
+                  </a:schemeClr>
+                </a:solidFill>
+              </a:rPr>
+              <a:t>Act Upon </a:t>
+            </a:r>
+            <a:r>
+              <a:rPr lang="en-US" sz="3600" dirty="0">
+                <a:solidFill>
+                  <a:srgbClr val="0070C0"/>
+                </a:solidFill>
+              </a:rPr>
+              <a:t>Ethernet</a:t>
+            </a:r>
+          </a:p>
+        </p:txBody>
+      </p:sp>
+      <p:sp>
+        <p:nvSpPr>
+          <p:cNvPr id="4" name="Rectangle 3"/>
+          <p:cNvSpPr/>
+          <p:nvPr/>
+        </p:nvSpPr>
+        <p:spPr>
+          <a:xfrm>
+            <a:off x="-108520" y="1871113"/>
+            <a:ext cx="9505055" cy="45719"/>
+          </a:xfrm>
+          <a:prstGeom prst="rect">
+            <a:avLst/>
+          </a:prstGeom>
+        </p:spPr>
+        <p:style>
+          <a:lnRef idx="1">
+            <a:schemeClr val="accent1"/>
+          </a:lnRef>
+          <a:fillRef idx="3">
+            <a:schemeClr val="accent1"/>
+          </a:fillRef>
+          <a:effectRef idx="2">
+            <a:schemeClr val="accent1"/>
+          </a:effectRef>
+          <a:fontRef idx="minor">
+            <a:schemeClr val="lt1"/>
+          </a:fontRef>
+        </p:style>
+        <p:txBody>
+          <a:bodyPr rtlCol="0" anchor="ctr"/>
+          <a:lstStyle/>
+          <a:p>
+            <a:pPr algn="ctr"/>
+            <a:endParaRPr lang="en-US" sz="1350">
+              <a:solidFill>
+                <a:schemeClr val="tx1">
+                  <a:lumMod val="65000"/>
+                  <a:lumOff val="35000"/>
+                </a:schemeClr>
+              </a:solidFill>
+            </a:endParaRPr>
+          </a:p>
+        </p:txBody>
+      </p:sp>
+    </p:spTree>
+    <p:extLst>
+      <p:ext uri="{BB962C8B-B14F-4D97-AF65-F5344CB8AC3E}">
+        <p14:creationId xmlns:p14="http://schemas.microsoft.com/office/powerpoint/2010/main" val="1375462907"/>
+      </p:ext>
+    </p:extLst>
+  </p:cSld>
+  <p:clrMapOvr>
+    <a:masterClrMapping/>
+  </p:clrMapOvr>
+  <mc:AlternateContent xmlns:mc="http://schemas.openxmlformats.org/markup-compatibility/2006" xmlns:p14="http://schemas.microsoft.com/office/powerpoint/2010/main">
+    <mc:Choice Requires="p14">
+      <p:transition spd="slow" p14:dur="1600">
+        <p14:prism isInverted="1"/>
+      </p:transition>
+    </mc:Choice>
+    <mc:Fallback xmlns="">
+      <p:transition spd="slow">
+        <p:fade/>
+      </p:transition>
+    </mc:Fallback>
+  </mc:AlternateContent>
+</p:sld>
+</file>
+
+<file path=ppt/slides/slide15.xml><?xml version="1.0" encoding="utf-8"?>
+<p:sld xmlns:a="http://schemas.openxmlformats.org/drawingml/2006/main" xmlns:r="http://schemas.openxmlformats.org/officeDocument/2006/relationships" xmlns:p="http://schemas.openxmlformats.org/presentationml/2006/main">
+  <p:cSld>
+    <p:spTree>
+      <p:nvGrpSpPr>
+        <p:cNvPr id="1" name=""/>
+        <p:cNvGrpSpPr/>
+        <p:nvPr/>
+      </p:nvGrpSpPr>
+      <p:grpSpPr>
+        <a:xfrm>
+          <a:off x="0" y="0"/>
+          <a:ext cx="0" cy="0"/>
+          <a:chOff x="0" y="0"/>
+          <a:chExt cx="0" cy="0"/>
+        </a:xfrm>
+      </p:grpSpPr>
+      <p:pic>
+        <p:nvPicPr>
+          <p:cNvPr id="4" name="Picture 3"/>
+          <p:cNvPicPr>
+            <a:picLocks noChangeAspect="1"/>
+          </p:cNvPicPr>
+          <p:nvPr/>
+        </p:nvPicPr>
+        <p:blipFill rotWithShape="1">
+          <a:blip r:embed="rId2">
+            <a:extLst>
+              <a:ext uri="{28A0092B-C50C-407E-A947-70E740481C1C}">
+                <a14:useLocalDpi xmlns:a14="http://schemas.microsoft.com/office/drawing/2010/main" val="0"/>
+              </a:ext>
+            </a:extLst>
+          </a:blip>
+          <a:srcRect b="12255"/>
+          <a:stretch/>
+        </p:blipFill>
+        <p:spPr>
+          <a:xfrm>
+            <a:off x="899592" y="1484785"/>
+            <a:ext cx="6519079" cy="3816424"/>
+          </a:xfrm>
+          <a:prstGeom prst="rect">
+            <a:avLst/>
+          </a:prstGeom>
+        </p:spPr>
+      </p:pic>
+    </p:spTree>
+    <p:extLst>
+      <p:ext uri="{BB962C8B-B14F-4D97-AF65-F5344CB8AC3E}">
+        <p14:creationId xmlns:p14="http://schemas.microsoft.com/office/powerpoint/2010/main" val="1434522574"/>
+      </p:ext>
+    </p:extLst>
+  </p:cSld>
+  <p:clrMapOvr>
+    <a:masterClrMapping/>
+  </p:clrMapOvr>
+  <mc:AlternateContent xmlns:mc="http://schemas.openxmlformats.org/markup-compatibility/2006" xmlns:p15="http://schemas.microsoft.com/office/powerpoint/2012/main">
+    <mc:Choice Requires="p15">
+      <p:transition xmlns:p14="http://schemas.microsoft.com/office/powerpoint/2010/main" spd="slow" p14:dur="2000">
+        <p15:prstTrans prst="crush"/>
+      </p:transition>
+    </mc:Choice>
+    <mc:Fallback xmlns="">
+      <p:transition spd="slow">
+        <p:fade/>
+      </p:transition>
+    </mc:Fallback>
+  </mc:AlternateContent>
+</p:sld>
+</file>
+
+<file path=ppt/slides/slide2.xml><?xml version="1.0" encoding="utf-8"?>
+<p:sld xmlns:a="http://schemas.openxmlformats.org/drawingml/2006/main" xmlns:r="http://schemas.openxmlformats.org/officeDocument/2006/relationships" xmlns:p="http://schemas.openxmlformats.org/presentationml/2006/main">
+  <p:cSld>
+    <p:spTree>
+      <p:nvGrpSpPr>
+        <p:cNvPr id="1" name=""/>
+        <p:cNvGrpSpPr/>
+        <p:nvPr/>
+      </p:nvGrpSpPr>
+      <p:grpSpPr>
+        <a:xfrm>
+          <a:off x="0" y="0"/>
+          <a:ext cx="0" cy="0"/>
+          <a:chOff x="0" y="0"/>
+          <a:chExt cx="0" cy="0"/>
+        </a:xfrm>
+      </p:grpSpPr>
+      <p:sp>
+        <p:nvSpPr>
+          <p:cNvPr id="3" name="Rectangle 2"/>
+          <p:cNvSpPr/>
+          <p:nvPr/>
+        </p:nvSpPr>
+        <p:spPr>
+          <a:xfrm>
+            <a:off x="1115616" y="5373216"/>
+            <a:ext cx="2182129" cy="523220"/>
+          </a:xfrm>
+          <a:prstGeom prst="rect">
+            <a:avLst/>
+          </a:prstGeom>
+        </p:spPr>
+        <p:txBody>
+          <a:bodyPr wrap="square">
+            <a:spAutoFit/>
+          </a:bodyPr>
+          <a:lstStyle/>
+          <a:p>
+            <a:pPr algn="ctr"/>
+            <a:r>
+              <a:rPr lang="en-US" sz="2800" dirty="0">
+                <a:solidFill>
+                  <a:schemeClr val="accent1">
+                    <a:lumMod val="75000"/>
+                  </a:schemeClr>
+                </a:solidFill>
+              </a:rPr>
+              <a:t>Object 1</a:t>
+            </a:r>
+          </a:p>
+        </p:txBody>
+      </p:sp>
+      <p:pic>
+        <p:nvPicPr>
+          <p:cNvPr id="4" name="Picture 3">
+            <a:extLst>
+              <a:ext uri="{FF2B5EF4-FFF2-40B4-BE49-F238E27FC236}">
+                <a16:creationId xmlns:a16="http://schemas.microsoft.com/office/drawing/2014/main" id="{0F32EBD3-5D96-40BF-8E0D-26252FCBA48E}"/>
+              </a:ext>
+            </a:extLst>
+          </p:cNvPr>
+          <p:cNvPicPr>
+            <a:picLocks noChangeAspect="1"/>
+          </p:cNvPicPr>
+          <p:nvPr/>
+        </p:nvPicPr>
+        <p:blipFill>
+          <a:blip r:embed="rId2"/>
+          <a:stretch>
+            <a:fillRect/>
+          </a:stretch>
+        </p:blipFill>
+        <p:spPr>
+          <a:xfrm>
+            <a:off x="3032506" y="188640"/>
+            <a:ext cx="3078988" cy="2656649"/>
+          </a:xfrm>
+          <a:prstGeom prst="rect">
+            <a:avLst/>
+          </a:prstGeom>
+        </p:spPr>
+      </p:pic>
+      <p:pic>
+        <p:nvPicPr>
+          <p:cNvPr id="7" name="Picture 6">
+            <a:extLst>
+              <a:ext uri="{FF2B5EF4-FFF2-40B4-BE49-F238E27FC236}">
+                <a16:creationId xmlns:a16="http://schemas.microsoft.com/office/drawing/2014/main" id="{71821A04-6F0A-4780-8A73-5330F5590B5E}"/>
+              </a:ext>
+            </a:extLst>
+          </p:cNvPr>
+          <p:cNvPicPr>
+            <a:picLocks noChangeAspect="1"/>
+          </p:cNvPicPr>
+          <p:nvPr/>
+        </p:nvPicPr>
+        <p:blipFill>
+          <a:blip r:embed="rId3"/>
+          <a:stretch>
+            <a:fillRect/>
+          </a:stretch>
+        </p:blipFill>
+        <p:spPr>
+          <a:xfrm>
+            <a:off x="898656" y="4012712"/>
+            <a:ext cx="3144409" cy="1099838"/>
+          </a:xfrm>
+          <a:prstGeom prst="rect">
+            <a:avLst/>
+          </a:prstGeom>
+        </p:spPr>
+      </p:pic>
+      <p:pic>
+        <p:nvPicPr>
+          <p:cNvPr id="6" name="Picture 5">
+            <a:extLst>
+              <a:ext uri="{FF2B5EF4-FFF2-40B4-BE49-F238E27FC236}">
+                <a16:creationId xmlns:a16="http://schemas.microsoft.com/office/drawing/2014/main" id="{81FE2B0A-83D0-4ED6-BFC1-55BFDDDD4096}"/>
+              </a:ext>
+            </a:extLst>
+          </p:cNvPr>
+          <p:cNvPicPr>
+            <a:picLocks noChangeAspect="1"/>
+          </p:cNvPicPr>
+          <p:nvPr/>
+        </p:nvPicPr>
+        <p:blipFill>
+          <a:blip r:embed="rId3"/>
+          <a:stretch>
+            <a:fillRect/>
+          </a:stretch>
+        </p:blipFill>
+        <p:spPr>
+          <a:xfrm>
+            <a:off x="5220072" y="4012712"/>
+            <a:ext cx="3144409" cy="1099838"/>
+          </a:xfrm>
+          <a:prstGeom prst="rect">
+            <a:avLst/>
+          </a:prstGeom>
+        </p:spPr>
+      </p:pic>
+      <p:pic>
+        <p:nvPicPr>
+          <p:cNvPr id="11" name="Picture 10">
+            <a:extLst>
+              <a:ext uri="{FF2B5EF4-FFF2-40B4-BE49-F238E27FC236}">
+                <a16:creationId xmlns:a16="http://schemas.microsoft.com/office/drawing/2014/main" id="{8BF188B5-69AF-4727-A364-FF2BD51B2D00}"/>
+              </a:ext>
+            </a:extLst>
+          </p:cNvPr>
+          <p:cNvPicPr>
+            <a:picLocks noChangeAspect="1"/>
+          </p:cNvPicPr>
+          <p:nvPr/>
+        </p:nvPicPr>
+        <p:blipFill>
+          <a:blip r:embed="rId4"/>
+          <a:stretch>
+            <a:fillRect/>
+          </a:stretch>
+        </p:blipFill>
+        <p:spPr>
+          <a:xfrm>
+            <a:off x="5697949" y="5214755"/>
+            <a:ext cx="2188654" cy="963251"/>
+          </a:xfrm>
+          <a:prstGeom prst="rect">
+            <a:avLst/>
+          </a:prstGeom>
+        </p:spPr>
+      </p:pic>
+      <p:sp>
+        <p:nvSpPr>
+          <p:cNvPr id="19" name="Rectangle 18">
+            <a:extLst>
+              <a:ext uri="{FF2B5EF4-FFF2-40B4-BE49-F238E27FC236}">
+                <a16:creationId xmlns:a16="http://schemas.microsoft.com/office/drawing/2014/main" id="{57AC320D-6ABA-4342-860B-B0DAD2982ACE}"/>
+              </a:ext>
+            </a:extLst>
+          </p:cNvPr>
+          <p:cNvSpPr/>
+          <p:nvPr/>
+        </p:nvSpPr>
+        <p:spPr>
+          <a:xfrm>
+            <a:off x="3565188" y="2583678"/>
+            <a:ext cx="1654884" cy="523220"/>
+          </a:xfrm>
+          <a:prstGeom prst="rect">
+            <a:avLst/>
+          </a:prstGeom>
+        </p:spPr>
+        <p:txBody>
+          <a:bodyPr wrap="square">
+            <a:spAutoFit/>
+          </a:bodyPr>
+          <a:lstStyle/>
+          <a:p>
+            <a:pPr algn="ctr"/>
+            <a:r>
+              <a:rPr lang="en-US" sz="2800" dirty="0">
+                <a:solidFill>
+                  <a:schemeClr val="accent1">
+                    <a:lumMod val="75000"/>
+                  </a:schemeClr>
+                </a:solidFill>
+              </a:rPr>
+              <a:t>Class</a:t>
+            </a:r>
+          </a:p>
+        </p:txBody>
+      </p:sp>
+    </p:spTree>
+    <p:extLst>
+      <p:ext uri="{BB962C8B-B14F-4D97-AF65-F5344CB8AC3E}">
+        <p14:creationId xmlns:p14="http://schemas.microsoft.com/office/powerpoint/2010/main" val="2315813332"/>
+      </p:ext>
+    </p:extLst>
+  </p:cSld>
+  <p:clrMapOvr>
+    <a:masterClrMapping/>
+  </p:clrMapOvr>
+  <mc:AlternateContent xmlns:mc="http://schemas.openxmlformats.org/markup-compatibility/2006" xmlns:p14="http://schemas.microsoft.com/office/powerpoint/2010/main">
+    <mc:Choice Requires="p14">
+      <p:transition spd="slow" p14:dur="1200">
+        <p14:prism/>
+      </p:transition>
+    </mc:Choice>
+    <mc:Fallback xmlns="">
+      <p:transition spd="slow">
+        <p:fade/>
+      </p:transition>
+    </mc:Fallback>
+  </mc:AlternateContent>
+</p:sld>
+</file>
+
+<file path=ppt/slides/slide3.xml><?xml version="1.0" encoding="utf-8"?>
+<p:sld xmlns:a="http://schemas.openxmlformats.org/drawingml/2006/main" xmlns:r="http://schemas.openxmlformats.org/officeDocument/2006/relationships" xmlns:p="http://schemas.openxmlformats.org/presentationml/2006/main">
+  <p:cSld>
+    <p:spTree>
+      <p:nvGrpSpPr>
+        <p:cNvPr id="1" name=""/>
+        <p:cNvGrpSpPr/>
+        <p:nvPr/>
+      </p:nvGrpSpPr>
+      <p:grpSpPr>
+        <a:xfrm>
+          <a:off x="0" y="0"/>
+          <a:ext cx="0" cy="0"/>
+          <a:chOff x="0" y="0"/>
+          <a:chExt cx="0" cy="0"/>
+        </a:xfrm>
+      </p:grpSpPr>
+      <p:sp>
+        <p:nvSpPr>
+          <p:cNvPr id="2" name="Rectangle 1"/>
+          <p:cNvSpPr/>
+          <p:nvPr/>
+        </p:nvSpPr>
+        <p:spPr>
+          <a:xfrm>
+            <a:off x="574515" y="1744442"/>
+            <a:ext cx="8697231" cy="34298"/>
+          </a:xfrm>
+          <a:prstGeom prst="rect">
+            <a:avLst/>
+          </a:prstGeom>
+        </p:spPr>
+        <p:style>
+          <a:lnRef idx="1">
+            <a:schemeClr val="accent1"/>
+          </a:lnRef>
+          <a:fillRef idx="3">
+            <a:schemeClr val="accent1"/>
+          </a:fillRef>
+          <a:effectRef idx="2">
+            <a:schemeClr val="accent1"/>
+          </a:effectRef>
+          <a:fontRef idx="minor">
+            <a:schemeClr val="lt1"/>
+          </a:fontRef>
+        </p:style>
+        <p:txBody>
+          <a:bodyPr rtlCol="0" anchor="ctr"/>
+          <a:lstStyle/>
+          <a:p>
+            <a:pPr algn="ctr"/>
+            <a:endParaRPr lang="en-US" sz="1350">
+              <a:solidFill>
+                <a:schemeClr val="tx1">
+                  <a:lumMod val="65000"/>
+                  <a:lumOff val="35000"/>
+                </a:schemeClr>
+              </a:solidFill>
+            </a:endParaRPr>
+          </a:p>
+        </p:txBody>
+      </p:sp>
+      <p:sp>
+        <p:nvSpPr>
+          <p:cNvPr id="3" name="Rectangle 2"/>
+          <p:cNvSpPr/>
+          <p:nvPr/>
+        </p:nvSpPr>
+        <p:spPr>
+          <a:xfrm>
+            <a:off x="467544" y="980728"/>
+            <a:ext cx="4374916" cy="769441"/>
+          </a:xfrm>
+          <a:prstGeom prst="rect">
+            <a:avLst/>
+          </a:prstGeom>
+        </p:spPr>
+        <p:txBody>
+          <a:bodyPr wrap="none">
+            <a:spAutoFit/>
+          </a:bodyPr>
+          <a:lstStyle/>
+          <a:p>
+            <a:r>
+              <a:rPr lang="en-US" sz="4400" dirty="0">
+                <a:solidFill>
+                  <a:schemeClr val="accent1">
+                    <a:lumMod val="75000"/>
+                  </a:schemeClr>
+                </a:solidFill>
+              </a:rPr>
+              <a:t>Principles of OOP</a:t>
+            </a:r>
+          </a:p>
+        </p:txBody>
+      </p:sp>
+      <p:sp>
+        <p:nvSpPr>
+          <p:cNvPr id="4" name="Rectangle 3"/>
+          <p:cNvSpPr/>
+          <p:nvPr/>
+        </p:nvSpPr>
+        <p:spPr>
+          <a:xfrm>
+            <a:off x="827584" y="2513883"/>
+            <a:ext cx="7076628" cy="3314690"/>
+          </a:xfrm>
+          <a:prstGeom prst="rect">
+            <a:avLst/>
+          </a:prstGeom>
+        </p:spPr>
+        <p:txBody>
+          <a:bodyPr wrap="square">
+            <a:spAutoFit/>
+          </a:bodyPr>
+          <a:lstStyle/>
+          <a:p>
+            <a:pPr marL="571500" indent="-571500">
+              <a:lnSpc>
+                <a:spcPct val="150000"/>
+              </a:lnSpc>
+              <a:buFont typeface="Wingdings" panose="05000000000000000000" pitchFamily="2" charset="2"/>
+              <a:buChar char="v"/>
+            </a:pPr>
+            <a:r>
+              <a:rPr lang="en-US" sz="3600" dirty="0">
+                <a:solidFill>
+                  <a:schemeClr val="accent6">
+                    <a:lumMod val="50000"/>
+                  </a:schemeClr>
+                </a:solidFill>
+              </a:rPr>
+              <a:t>Abstraction</a:t>
+            </a:r>
+          </a:p>
+          <a:p>
+            <a:pPr marL="571500" indent="-571500">
+              <a:lnSpc>
+                <a:spcPct val="150000"/>
+              </a:lnSpc>
+              <a:buFont typeface="Wingdings" panose="05000000000000000000" pitchFamily="2" charset="2"/>
+              <a:buChar char="v"/>
+            </a:pPr>
+            <a:r>
+              <a:rPr lang="en-US" sz="3600" dirty="0">
+                <a:solidFill>
+                  <a:schemeClr val="accent6">
+                    <a:lumMod val="50000"/>
+                  </a:schemeClr>
+                </a:solidFill>
+              </a:rPr>
+              <a:t>Encapsulation</a:t>
+            </a:r>
+          </a:p>
+          <a:p>
+            <a:pPr marL="571500" indent="-571500">
+              <a:lnSpc>
+                <a:spcPct val="150000"/>
+              </a:lnSpc>
+              <a:buFont typeface="Wingdings" panose="05000000000000000000" pitchFamily="2" charset="2"/>
+              <a:buChar char="v"/>
+            </a:pPr>
+            <a:r>
+              <a:rPr lang="en-US" sz="3600" dirty="0">
+                <a:solidFill>
+                  <a:schemeClr val="accent6">
+                    <a:lumMod val="50000"/>
+                  </a:schemeClr>
+                </a:solidFill>
+              </a:rPr>
+              <a:t>Inheritance</a:t>
+            </a:r>
+          </a:p>
+          <a:p>
+            <a:pPr marL="571500" indent="-571500">
+              <a:lnSpc>
+                <a:spcPct val="150000"/>
+              </a:lnSpc>
+              <a:buFont typeface="Wingdings" panose="05000000000000000000" pitchFamily="2" charset="2"/>
+              <a:buChar char="v"/>
+            </a:pPr>
+            <a:r>
+              <a:rPr lang="en-US" sz="3600" dirty="0">
+                <a:solidFill>
+                  <a:schemeClr val="accent6">
+                    <a:lumMod val="50000"/>
+                  </a:schemeClr>
+                </a:solidFill>
+              </a:rPr>
+              <a:t>Polymorphism</a:t>
+            </a:r>
+          </a:p>
+        </p:txBody>
+      </p:sp>
+    </p:spTree>
+    <p:extLst>
+      <p:ext uri="{BB962C8B-B14F-4D97-AF65-F5344CB8AC3E}">
+        <p14:creationId xmlns:p14="http://schemas.microsoft.com/office/powerpoint/2010/main" val="4292339415"/>
+      </p:ext>
+    </p:extLst>
+  </p:cSld>
+  <p:clrMapOvr>
+    <a:masterClrMapping/>
+  </p:clrMapOvr>
+  <p:transition spd="slow">
+    <p:randomBar dir="vert"/>
+  </p:transition>
+</p:sld>
+</file>
+
+<file path=ppt/slides/slide4.xml><?xml version="1.0" encoding="utf-8"?>
+<p:sld xmlns:a="http://schemas.openxmlformats.org/drawingml/2006/main" xmlns:r="http://schemas.openxmlformats.org/officeDocument/2006/relationships" xmlns:p="http://schemas.openxmlformats.org/presentationml/2006/main">
+  <p:cSld>
+    <p:spTree>
+      <p:nvGrpSpPr>
+        <p:cNvPr id="1" name=""/>
+        <p:cNvGrpSpPr/>
+        <p:nvPr/>
+      </p:nvGrpSpPr>
+      <p:grpSpPr>
+        <a:xfrm>
+          <a:off x="0" y="0"/>
+          <a:ext cx="0" cy="0"/>
+          <a:chOff x="0" y="0"/>
+          <a:chExt cx="0" cy="0"/>
+        </a:xfrm>
+      </p:grpSpPr>
+      <p:sp>
+        <p:nvSpPr>
+          <p:cNvPr id="2" name="Rectangle 1"/>
+          <p:cNvSpPr/>
+          <p:nvPr/>
+        </p:nvSpPr>
+        <p:spPr>
+          <a:xfrm>
+            <a:off x="574515" y="1744442"/>
+            <a:ext cx="8697231" cy="34298"/>
+          </a:xfrm>
+          <a:prstGeom prst="rect">
+            <a:avLst/>
+          </a:prstGeom>
+        </p:spPr>
+        <p:style>
+          <a:lnRef idx="1">
+            <a:schemeClr val="accent1"/>
+          </a:lnRef>
+          <a:fillRef idx="3">
+            <a:schemeClr val="accent1"/>
+          </a:fillRef>
+          <a:effectRef idx="2">
+            <a:schemeClr val="accent1"/>
+          </a:effectRef>
+          <a:fontRef idx="minor">
+            <a:schemeClr val="lt1"/>
+          </a:fontRef>
+        </p:style>
+        <p:txBody>
+          <a:bodyPr rtlCol="0" anchor="ctr"/>
+          <a:lstStyle/>
+          <a:p>
+            <a:pPr algn="ctr"/>
+            <a:endParaRPr lang="en-US" sz="1350">
+              <a:solidFill>
+                <a:schemeClr val="tx1">
+                  <a:lumMod val="65000"/>
+                  <a:lumOff val="35000"/>
+                </a:schemeClr>
+              </a:solidFill>
+            </a:endParaRPr>
+          </a:p>
+        </p:txBody>
+      </p:sp>
+      <p:sp>
+        <p:nvSpPr>
+          <p:cNvPr id="3" name="Rectangle 2"/>
+          <p:cNvSpPr/>
+          <p:nvPr/>
+        </p:nvSpPr>
+        <p:spPr>
+          <a:xfrm>
+            <a:off x="467544" y="980728"/>
+            <a:ext cx="4374916" cy="769441"/>
+          </a:xfrm>
+          <a:prstGeom prst="rect">
+            <a:avLst/>
+          </a:prstGeom>
+        </p:spPr>
+        <p:txBody>
+          <a:bodyPr wrap="square">
+            <a:spAutoFit/>
+          </a:bodyPr>
+          <a:lstStyle/>
+          <a:p>
+            <a:r>
+              <a:rPr lang="en-US" sz="4400" dirty="0">
+                <a:solidFill>
+                  <a:schemeClr val="accent1">
+                    <a:lumMod val="75000"/>
+                  </a:schemeClr>
+                </a:solidFill>
+              </a:rPr>
+              <a:t>Abstraction</a:t>
+            </a:r>
+          </a:p>
+        </p:txBody>
+      </p:sp>
+      <p:sp>
+        <p:nvSpPr>
+          <p:cNvPr id="4" name="Rectangle 3"/>
+          <p:cNvSpPr/>
+          <p:nvPr/>
+        </p:nvSpPr>
+        <p:spPr>
+          <a:xfrm>
+            <a:off x="827584" y="2513883"/>
+            <a:ext cx="7076628" cy="2246769"/>
+          </a:xfrm>
+          <a:prstGeom prst="rect">
+            <a:avLst/>
+          </a:prstGeom>
+        </p:spPr>
+        <p:txBody>
+          <a:bodyPr wrap="square">
+            <a:spAutoFit/>
+          </a:bodyPr>
+          <a:lstStyle/>
+          <a:p>
+            <a:r>
+              <a:rPr lang="en-US" sz="2800" dirty="0">
+                <a:solidFill>
+                  <a:schemeClr val="accent6">
+                    <a:lumMod val="50000"/>
+                  </a:schemeClr>
+                </a:solidFill>
+              </a:rPr>
+              <a:t>Abstraction means Implementation hiding</a:t>
+            </a:r>
+          </a:p>
+          <a:p>
+            <a:endParaRPr lang="en-US" sz="2800" dirty="0">
+              <a:solidFill>
+                <a:schemeClr val="accent6">
+                  <a:lumMod val="50000"/>
+                </a:schemeClr>
+              </a:solidFill>
+            </a:endParaRPr>
+          </a:p>
+          <a:p>
+            <a:r>
+              <a:rPr lang="en-US" sz="2800" dirty="0">
+                <a:solidFill>
+                  <a:schemeClr val="accent6">
+                    <a:lumMod val="50000"/>
+                  </a:schemeClr>
+                </a:solidFill>
+              </a:rPr>
+              <a:t>When a user calls printf() and use it C program without knowing how it is implemented, Then it is Abstraction</a:t>
+            </a:r>
+          </a:p>
+        </p:txBody>
+      </p:sp>
+    </p:spTree>
+    <p:extLst>
+      <p:ext uri="{BB962C8B-B14F-4D97-AF65-F5344CB8AC3E}">
+        <p14:creationId xmlns:p14="http://schemas.microsoft.com/office/powerpoint/2010/main" val="3021019536"/>
+      </p:ext>
+    </p:extLst>
+  </p:cSld>
+  <p:clrMapOvr>
+    <a:masterClrMapping/>
+  </p:clrMapOvr>
+  <p:transition spd="slow">
+    <p:randomBar dir="vert"/>
+  </p:transition>
+</p:sld>
+</file>
+
+<file path=ppt/slides/slide5.xml><?xml version="1.0" encoding="utf-8"?>
+<p:sld xmlns:a="http://schemas.openxmlformats.org/drawingml/2006/main" xmlns:r="http://schemas.openxmlformats.org/officeDocument/2006/relationships" xmlns:p="http://schemas.openxmlformats.org/presentationml/2006/main">
+  <p:cSld>
+    <p:spTree>
+      <p:nvGrpSpPr>
+        <p:cNvPr id="1" name=""/>
+        <p:cNvGrpSpPr/>
+        <p:nvPr/>
+      </p:nvGrpSpPr>
+      <p:grpSpPr>
+        <a:xfrm>
+          <a:off x="0" y="0"/>
+          <a:ext cx="0" cy="0"/>
+          <a:chOff x="0" y="0"/>
+          <a:chExt cx="0" cy="0"/>
+        </a:xfrm>
+      </p:grpSpPr>
+      <p:sp>
+        <p:nvSpPr>
+          <p:cNvPr id="2" name="Rectangle 1"/>
+          <p:cNvSpPr/>
+          <p:nvPr/>
+        </p:nvSpPr>
+        <p:spPr>
+          <a:xfrm>
+            <a:off x="574515" y="1744442"/>
+            <a:ext cx="8697231" cy="34298"/>
+          </a:xfrm>
+          <a:prstGeom prst="rect">
+            <a:avLst/>
+          </a:prstGeom>
+        </p:spPr>
+        <p:style>
+          <a:lnRef idx="1">
+            <a:schemeClr val="accent1"/>
+          </a:lnRef>
+          <a:fillRef idx="3">
+            <a:schemeClr val="accent1"/>
+          </a:fillRef>
+          <a:effectRef idx="2">
+            <a:schemeClr val="accent1"/>
+          </a:effectRef>
+          <a:fontRef idx="minor">
+            <a:schemeClr val="lt1"/>
+          </a:fontRef>
+        </p:style>
+        <p:txBody>
+          <a:bodyPr rtlCol="0" anchor="ctr"/>
+          <a:lstStyle/>
+          <a:p>
+            <a:pPr algn="ctr"/>
+            <a:endParaRPr lang="en-US" sz="1350">
+              <a:solidFill>
+                <a:schemeClr val="tx1">
+                  <a:lumMod val="65000"/>
+                  <a:lumOff val="35000"/>
+                </a:schemeClr>
+              </a:solidFill>
+            </a:endParaRPr>
+          </a:p>
+        </p:txBody>
+      </p:sp>
+      <p:sp>
+        <p:nvSpPr>
+          <p:cNvPr id="3" name="Rectangle 2"/>
+          <p:cNvSpPr/>
+          <p:nvPr/>
+        </p:nvSpPr>
+        <p:spPr>
+          <a:xfrm>
+            <a:off x="467544" y="980728"/>
+            <a:ext cx="4374916" cy="769441"/>
+          </a:xfrm>
+          <a:prstGeom prst="rect">
+            <a:avLst/>
+          </a:prstGeom>
+        </p:spPr>
+        <p:txBody>
+          <a:bodyPr wrap="square">
+            <a:spAutoFit/>
+          </a:bodyPr>
+          <a:lstStyle/>
+          <a:p>
+            <a:r>
+              <a:rPr lang="en-US" sz="4400" dirty="0">
+                <a:solidFill>
+                  <a:schemeClr val="accent1">
+                    <a:lumMod val="75000"/>
+                  </a:schemeClr>
+                </a:solidFill>
+              </a:rPr>
+              <a:t>Abstraction</a:t>
+            </a:r>
+          </a:p>
+        </p:txBody>
+      </p:sp>
+      <p:sp>
+        <p:nvSpPr>
+          <p:cNvPr id="4" name="Rectangle 3"/>
+          <p:cNvSpPr/>
+          <p:nvPr/>
+        </p:nvSpPr>
+        <p:spPr>
+          <a:xfrm>
+            <a:off x="827584" y="2513883"/>
+            <a:ext cx="7076628" cy="2246769"/>
+          </a:xfrm>
+          <a:prstGeom prst="rect">
+            <a:avLst/>
+          </a:prstGeom>
+        </p:spPr>
+        <p:txBody>
+          <a:bodyPr wrap="square">
+            <a:spAutoFit/>
+          </a:bodyPr>
+          <a:lstStyle/>
+          <a:p>
+            <a:r>
+              <a:rPr lang="en-US" sz="2800" dirty="0">
+                <a:solidFill>
+                  <a:schemeClr val="accent6">
+                    <a:lumMod val="50000"/>
+                  </a:schemeClr>
+                </a:solidFill>
+              </a:rPr>
+              <a:t>Abstraction means Implementation hiding</a:t>
+            </a:r>
+          </a:p>
+          <a:p>
+            <a:endParaRPr lang="en-US" sz="2800" dirty="0">
+              <a:solidFill>
+                <a:schemeClr val="accent6">
+                  <a:lumMod val="50000"/>
+                </a:schemeClr>
+              </a:solidFill>
+            </a:endParaRPr>
+          </a:p>
+          <a:p>
+            <a:r>
+              <a:rPr lang="en-US" sz="2800" dirty="0">
+                <a:solidFill>
+                  <a:schemeClr val="accent6">
+                    <a:lumMod val="50000"/>
+                  </a:schemeClr>
+                </a:solidFill>
+              </a:rPr>
+              <a:t>When a user calls printf() and use it C program without knowing how it is implemented, Then it is Abstraction</a:t>
+            </a:r>
+          </a:p>
+        </p:txBody>
+      </p:sp>
+    </p:spTree>
+    <p:extLst>
+      <p:ext uri="{BB962C8B-B14F-4D97-AF65-F5344CB8AC3E}">
+        <p14:creationId xmlns:p14="http://schemas.microsoft.com/office/powerpoint/2010/main" val="3347875562"/>
+      </p:ext>
+    </p:extLst>
+  </p:cSld>
+  <p:clrMapOvr>
+    <a:masterClrMapping/>
+  </p:clrMapOvr>
+  <p:transition spd="slow">
+    <p:randomBar dir="vert"/>
+  </p:transition>
+</p:sld>
+</file>
+
+<file path=ppt/slides/slide6.xml><?xml version="1.0" encoding="utf-8"?>
+<p:sld xmlns:a="http://schemas.openxmlformats.org/drawingml/2006/main" xmlns:r="http://schemas.openxmlformats.org/officeDocument/2006/relationships" xmlns:p="http://schemas.openxmlformats.org/presentationml/2006/main">
+  <p:cSld>
+    <p:spTree>
+      <p:nvGrpSpPr>
+        <p:cNvPr id="1" name=""/>
+        <p:cNvGrpSpPr/>
+        <p:nvPr/>
+      </p:nvGrpSpPr>
+      <p:grpSpPr>
+        <a:xfrm>
+          <a:off x="0" y="0"/>
+          <a:ext cx="0" cy="0"/>
+          <a:chOff x="0" y="0"/>
+          <a:chExt cx="0" cy="0"/>
+        </a:xfrm>
+      </p:grpSpPr>
+      <p:sp>
+        <p:nvSpPr>
+          <p:cNvPr id="2" name="Rectangle 1"/>
+          <p:cNvSpPr/>
+          <p:nvPr/>
+        </p:nvSpPr>
+        <p:spPr>
+          <a:xfrm>
+            <a:off x="574515" y="1289747"/>
+            <a:ext cx="8643211" cy="34298"/>
+          </a:xfrm>
+          <a:prstGeom prst="rect">
+            <a:avLst/>
+          </a:prstGeom>
+        </p:spPr>
+        <p:style>
+          <a:lnRef idx="1">
+            <a:schemeClr val="accent1"/>
+          </a:lnRef>
+          <a:fillRef idx="3">
+            <a:schemeClr val="accent1"/>
+          </a:fillRef>
+          <a:effectRef idx="2">
+            <a:schemeClr val="accent1"/>
+          </a:effectRef>
+          <a:fontRef idx="minor">
+            <a:schemeClr val="lt1"/>
+          </a:fontRef>
+        </p:style>
+        <p:txBody>
+          <a:bodyPr rtlCol="0" anchor="ctr"/>
+          <a:lstStyle/>
+          <a:p>
+            <a:pPr algn="ctr"/>
+            <a:endParaRPr lang="en-US" sz="1350">
+              <a:solidFill>
+                <a:schemeClr val="tx1">
+                  <a:lumMod val="65000"/>
+                  <a:lumOff val="35000"/>
+                </a:schemeClr>
+              </a:solidFill>
+            </a:endParaRPr>
+          </a:p>
+        </p:txBody>
+      </p:sp>
+      <p:sp>
+        <p:nvSpPr>
+          <p:cNvPr id="3" name="Rectangle 2"/>
+          <p:cNvSpPr/>
+          <p:nvPr/>
+        </p:nvSpPr>
+        <p:spPr>
+          <a:xfrm>
+            <a:off x="525459" y="548680"/>
+            <a:ext cx="4605556" cy="707886"/>
+          </a:xfrm>
+          <a:prstGeom prst="rect">
+            <a:avLst/>
+          </a:prstGeom>
+        </p:spPr>
+        <p:txBody>
+          <a:bodyPr wrap="none">
+            <a:spAutoFit/>
+          </a:bodyPr>
+          <a:lstStyle/>
+          <a:p>
+            <a:r>
+              <a:rPr lang="en-US" sz="4000" dirty="0">
+                <a:solidFill>
+                  <a:schemeClr val="accent1">
+                    <a:lumMod val="75000"/>
+                  </a:schemeClr>
+                </a:solidFill>
+              </a:rPr>
+              <a:t>Why is it important?</a:t>
+            </a:r>
+          </a:p>
+        </p:txBody>
+      </p:sp>
+      <p:sp>
+        <p:nvSpPr>
+          <p:cNvPr id="4" name="Rectangle 3"/>
+          <p:cNvSpPr/>
+          <p:nvPr/>
+        </p:nvSpPr>
+        <p:spPr>
+          <a:xfrm>
+            <a:off x="2483768" y="2030860"/>
+            <a:ext cx="4104456" cy="584775"/>
+          </a:xfrm>
+          <a:prstGeom prst="rect">
+            <a:avLst/>
+          </a:prstGeom>
+        </p:spPr>
+        <p:txBody>
+          <a:bodyPr wrap="square">
+            <a:spAutoFit/>
+          </a:bodyPr>
+          <a:lstStyle/>
+          <a:p>
+            <a:r>
+              <a:rPr lang="en-US" sz="3200" b="1" dirty="0">
+                <a:solidFill>
+                  <a:schemeClr val="accent6">
+                    <a:lumMod val="50000"/>
+                  </a:schemeClr>
+                </a:solidFill>
+                <a:latin typeface="Adobe Kaiti Std R" panose="02020400000000000000" pitchFamily="18" charset="-128"/>
+                <a:ea typeface="Adobe Kaiti Std R" panose="02020400000000000000" pitchFamily="18" charset="-128"/>
+              </a:rPr>
+              <a:t>Secure data storage</a:t>
+            </a:r>
+          </a:p>
+        </p:txBody>
+      </p:sp>
+      <p:pic>
+        <p:nvPicPr>
+          <p:cNvPr id="5" name="Picture 4"/>
+          <p:cNvPicPr>
+            <a:picLocks noChangeAspect="1"/>
+          </p:cNvPicPr>
+          <p:nvPr/>
+        </p:nvPicPr>
+        <p:blipFill>
+          <a:blip r:embed="rId2">
+            <a:extLst>
+              <a:ext uri="{28A0092B-C50C-407E-A947-70E740481C1C}">
+                <a14:useLocalDpi xmlns:a14="http://schemas.microsoft.com/office/drawing/2010/main" val="0"/>
+              </a:ext>
+            </a:extLst>
+          </a:blip>
+          <a:stretch>
+            <a:fillRect/>
+          </a:stretch>
+        </p:blipFill>
+        <p:spPr>
+          <a:xfrm>
+            <a:off x="1403648" y="3501008"/>
+            <a:ext cx="6084562" cy="2320959"/>
+          </a:xfrm>
+          <a:prstGeom prst="rect">
+            <a:avLst/>
+          </a:prstGeom>
+        </p:spPr>
+      </p:pic>
+    </p:spTree>
+    <p:extLst>
+      <p:ext uri="{BB962C8B-B14F-4D97-AF65-F5344CB8AC3E}">
+        <p14:creationId xmlns:p14="http://schemas.microsoft.com/office/powerpoint/2010/main" val="2284065592"/>
+      </p:ext>
+    </p:extLst>
+  </p:cSld>
+  <p:clrMapOvr>
+    <a:masterClrMapping/>
+  </p:clrMapOvr>
+  <p:transition spd="slow">
+    <p:wheel spokes="1"/>
+  </p:transition>
+  <p:timing>
+    <p:tnLst>
+      <p:par>
+        <p:cTn id="1" dur="indefinite" restart="never" nodeType="tmRoot">
+          <p:childTnLst>
+            <p:seq concurrent="1" nextAc="seek">
+              <p:cTn id="2" dur="indefinite" nodeType="mainSeq">
+                <p:childTnLst>
+                  <p:par>
+                    <p:cTn id="3" fill="hold">
+                      <p:stCondLst>
+                        <p:cond delay="indefinite"/>
+                        <p:cond evt="onBegin" delay="0">
+                          <p:tn val="2"/>
+                        </p:cond>
+                      </p:stCondLst>
+                      <p:childTnLst>
+                        <p:par>
+                          <p:cTn id="4" fill="hold">
+                            <p:stCondLst>
+                              <p:cond delay="0"/>
+                            </p:stCondLst>
+                            <p:childTnLst>
+                              <p:par>
+                                <p:cTn id="5" presetID="6" presetClass="emph" presetSubtype="0" fill="hold" grpId="0" nodeType="afterEffect">
+                                  <p:stCondLst>
+                                    <p:cond delay="0"/>
+                                  </p:stCondLst>
+                                  <p:childTnLst>
+                                    <p:animScale>
+                                      <p:cBhvr>
+                                        <p:cTn id="6" dur="2000" fill="hold"/>
+                                        <p:tgtEl>
+                                          <p:spTgt spid="4"/>
+                                        </p:tgtEl>
+                                      </p:cBhvr>
+                                      <p:by x="150000" y="150000"/>
+                                    </p:animScale>
+                                  </p:childTnLst>
+                                </p:cTn>
+                              </p:par>
+                            </p:childTnLst>
+                          </p:cTn>
+                        </p:par>
+                      </p:childTnLst>
+                    </p:cTn>
+                  </p:par>
+                </p:childTnLst>
+              </p:cTn>
+              <p:prevCondLst>
+                <p:cond evt="onPrev" delay="0">
+                  <p:tgtEl>
+                    <p:sldTgt/>
+                  </p:tgtEl>
+                </p:cond>
+              </p:prevCondLst>
+              <p:nextCondLst>
+                <p:cond evt="onNext" delay="0">
+                  <p:tgtEl>
+                    <p:sldTgt/>
+                  </p:tgtEl>
+                </p:cond>
+              </p:nextCondLst>
+            </p:seq>
+          </p:childTnLst>
+        </p:cTn>
+      </p:par>
+    </p:tnLst>
+    <p:bldLst>
+      <p:bldP spid="4" grpId="0"/>
+    </p:bldLst>
+  </p:timing>
+</p:sld>
+</file>
+
+<file path=ppt/slides/slide7.xml><?xml version="1.0" encoding="utf-8"?>
+<p:sld xmlns:a="http://schemas.openxmlformats.org/drawingml/2006/main" xmlns:r="http://schemas.openxmlformats.org/officeDocument/2006/relationships" xmlns:p="http://schemas.openxmlformats.org/presentationml/2006/main">
+  <p:cSld>
+    <p:spTree>
+      <p:nvGrpSpPr>
+        <p:cNvPr id="1" name=""/>
+        <p:cNvGrpSpPr/>
+        <p:nvPr/>
+      </p:nvGrpSpPr>
+      <p:grpSpPr>
+        <a:xfrm>
+          <a:off x="0" y="0"/>
+          <a:ext cx="0" cy="0"/>
+          <a:chOff x="0" y="0"/>
+          <a:chExt cx="0" cy="0"/>
+        </a:xfrm>
+      </p:grpSpPr>
+      <p:sp>
+        <p:nvSpPr>
+          <p:cNvPr id="4" name="Rectangle 3"/>
+          <p:cNvSpPr/>
+          <p:nvPr/>
+        </p:nvSpPr>
+        <p:spPr>
+          <a:xfrm>
+            <a:off x="3004728" y="1836113"/>
+            <a:ext cx="2918520" cy="584775"/>
+          </a:xfrm>
+          <a:prstGeom prst="rect">
+            <a:avLst/>
+          </a:prstGeom>
+        </p:spPr>
+        <p:txBody>
+          <a:bodyPr wrap="square">
+            <a:spAutoFit/>
+          </a:bodyPr>
+          <a:lstStyle/>
+          <a:p>
+            <a:r>
+              <a:rPr lang="en-US" sz="3200" b="1" dirty="0">
+                <a:solidFill>
+                  <a:schemeClr val="accent6">
+                    <a:lumMod val="50000"/>
+                  </a:schemeClr>
+                </a:solidFill>
+                <a:latin typeface="Adobe Kaiti Std R" panose="02020400000000000000" pitchFamily="18" charset="-128"/>
+                <a:ea typeface="Adobe Kaiti Std R" panose="02020400000000000000" pitchFamily="18" charset="-128"/>
+              </a:rPr>
+              <a:t>Ease of access</a:t>
+            </a:r>
+          </a:p>
+        </p:txBody>
+      </p:sp>
+      <p:pic>
+        <p:nvPicPr>
+          <p:cNvPr id="6" name="Picture 5"/>
+          <p:cNvPicPr>
+            <a:picLocks noChangeAspect="1"/>
+          </p:cNvPicPr>
+          <p:nvPr/>
+        </p:nvPicPr>
+        <p:blipFill>
+          <a:blip r:embed="rId2">
+            <a:extLst>
+              <a:ext uri="{28A0092B-C50C-407E-A947-70E740481C1C}">
+                <a14:useLocalDpi xmlns:a14="http://schemas.microsoft.com/office/drawing/2010/main" val="0"/>
+              </a:ext>
+            </a:extLst>
+          </a:blip>
+          <a:stretch>
+            <a:fillRect/>
+          </a:stretch>
+        </p:blipFill>
+        <p:spPr>
+          <a:xfrm>
+            <a:off x="2483768" y="3356992"/>
+            <a:ext cx="3960440" cy="2849057"/>
+          </a:xfrm>
+          <a:prstGeom prst="rect">
+            <a:avLst/>
+          </a:prstGeom>
+        </p:spPr>
+      </p:pic>
+      <p:sp>
+        <p:nvSpPr>
+          <p:cNvPr id="7" name="Rectangle 6"/>
+          <p:cNvSpPr/>
+          <p:nvPr/>
+        </p:nvSpPr>
+        <p:spPr>
+          <a:xfrm>
+            <a:off x="574515" y="1289747"/>
+            <a:ext cx="8643211" cy="34298"/>
+          </a:xfrm>
+          <a:prstGeom prst="rect">
+            <a:avLst/>
+          </a:prstGeom>
+        </p:spPr>
+        <p:style>
+          <a:lnRef idx="1">
+            <a:schemeClr val="accent1"/>
+          </a:lnRef>
+          <a:fillRef idx="3">
+            <a:schemeClr val="accent1"/>
+          </a:fillRef>
+          <a:effectRef idx="2">
+            <a:schemeClr val="accent1"/>
+          </a:effectRef>
+          <a:fontRef idx="minor">
+            <a:schemeClr val="lt1"/>
+          </a:fontRef>
+        </p:style>
+        <p:txBody>
+          <a:bodyPr rtlCol="0" anchor="ctr"/>
+          <a:lstStyle/>
+          <a:p>
+            <a:pPr algn="ctr"/>
+            <a:endParaRPr lang="en-US" sz="1350">
+              <a:solidFill>
+                <a:schemeClr val="tx1">
+                  <a:lumMod val="65000"/>
+                  <a:lumOff val="35000"/>
+                </a:schemeClr>
+              </a:solidFill>
+            </a:endParaRPr>
+          </a:p>
+        </p:txBody>
+      </p:sp>
+      <p:sp>
+        <p:nvSpPr>
+          <p:cNvPr id="8" name="Rectangle 7"/>
+          <p:cNvSpPr/>
+          <p:nvPr/>
+        </p:nvSpPr>
+        <p:spPr>
+          <a:xfrm>
+            <a:off x="525459" y="548680"/>
+            <a:ext cx="4605556" cy="707886"/>
+          </a:xfrm>
+          <a:prstGeom prst="rect">
+            <a:avLst/>
+          </a:prstGeom>
+        </p:spPr>
+        <p:txBody>
+          <a:bodyPr wrap="none">
+            <a:spAutoFit/>
+          </a:bodyPr>
+          <a:lstStyle/>
+          <a:p>
+            <a:r>
+              <a:rPr lang="en-US" sz="4000" dirty="0">
+                <a:solidFill>
+                  <a:schemeClr val="accent1">
+                    <a:lumMod val="75000"/>
+                  </a:schemeClr>
+                </a:solidFill>
+              </a:rPr>
+              <a:t>Why is it important?</a:t>
+            </a:r>
+          </a:p>
+        </p:txBody>
+      </p:sp>
+    </p:spTree>
+    <p:extLst>
+      <p:ext uri="{BB962C8B-B14F-4D97-AF65-F5344CB8AC3E}">
+        <p14:creationId xmlns:p14="http://schemas.microsoft.com/office/powerpoint/2010/main" val="1303484"/>
+      </p:ext>
+    </p:extLst>
+  </p:cSld>
+  <p:clrMapOvr>
+    <a:masterClrMapping/>
+  </p:clrMapOvr>
+  <mc:AlternateContent xmlns:mc="http://schemas.openxmlformats.org/markup-compatibility/2006" xmlns:p14="http://schemas.microsoft.com/office/powerpoint/2010/main">
+    <mc:Choice Requires="p14">
+      <p:transition spd="slow" p14:dur="1500">
+        <p:split orient="vert"/>
+      </p:transition>
+    </mc:Choice>
+    <mc:Fallback xmlns="">
+      <p:transition spd="slow">
+        <p:split orient="vert"/>
+      </p:transition>
+    </mc:Fallback>
+  </mc:AlternateContent>
+  <p:timing>
+    <p:tnLst>
+      <p:par>
+        <p:cTn id="1" dur="indefinite" restart="never" nodeType="tmRoot">
+          <p:childTnLst>
+            <p:seq concurrent="1" nextAc="seek">
+              <p:cTn id="2" dur="indefinite" nodeType="mainSeq">
+                <p:childTnLst>
+                  <p:par>
+                    <p:cTn id="3" fill="hold">
+                      <p:stCondLst>
+                        <p:cond delay="indefinite"/>
+                        <p:cond evt="onBegin" delay="0">
+                          <p:tn val="2"/>
+                        </p:cond>
+                      </p:stCondLst>
+                      <p:childTnLst>
+                        <p:par>
+                          <p:cTn id="4" fill="hold">
+                            <p:stCondLst>
+                              <p:cond delay="0"/>
+                            </p:stCondLst>
+                            <p:childTnLst>
+                              <p:par>
+                                <p:cTn id="5" presetID="6" presetClass="emph" presetSubtype="0" fill="hold" grpId="0" nodeType="afterEffect">
+                                  <p:stCondLst>
+                                    <p:cond delay="0"/>
+                                  </p:stCondLst>
+                                  <p:childTnLst>
+                                    <p:animScale>
+                                      <p:cBhvr>
+                                        <p:cTn id="6" dur="2000" fill="hold"/>
+                                        <p:tgtEl>
+                                          <p:spTgt spid="4"/>
+                                        </p:tgtEl>
+                                      </p:cBhvr>
+                                      <p:by x="150000" y="150000"/>
+                                    </p:animScale>
+                                  </p:childTnLst>
+                                </p:cTn>
+                              </p:par>
+                            </p:childTnLst>
+                          </p:cTn>
+                        </p:par>
+                      </p:childTnLst>
+                    </p:cTn>
+                  </p:par>
+                </p:childTnLst>
+              </p:cTn>
+              <p:prevCondLst>
+                <p:cond evt="onPrev" delay="0">
+                  <p:tgtEl>
+                    <p:sldTgt/>
+                  </p:tgtEl>
+                </p:cond>
+              </p:prevCondLst>
+              <p:nextCondLst>
+                <p:cond evt="onNext" delay="0">
+                  <p:tgtEl>
+                    <p:sldTgt/>
+                  </p:tgtEl>
+                </p:cond>
+              </p:nextCondLst>
+            </p:seq>
+          </p:childTnLst>
+        </p:cTn>
+      </p:par>
+    </p:tnLst>
+    <p:bldLst>
+      <p:bldP spid="4" grpId="0"/>
+    </p:bldLst>
+  </p:timing>
+</p:sld>
+</file>
+
+<file path=ppt/slides/slide8.xml><?xml version="1.0" encoding="utf-8"?>
+<p:sld xmlns:a="http://schemas.openxmlformats.org/drawingml/2006/main" xmlns:r="http://schemas.openxmlformats.org/officeDocument/2006/relationships" xmlns:p="http://schemas.openxmlformats.org/presentationml/2006/main">
+  <p:cSld>
+    <p:spTree>
+      <p:nvGrpSpPr>
+        <p:cNvPr id="1" name=""/>
+        <p:cNvGrpSpPr/>
+        <p:nvPr/>
+      </p:nvGrpSpPr>
+      <p:grpSpPr>
+        <a:xfrm>
+          <a:off x="0" y="0"/>
+          <a:ext cx="0" cy="0"/>
+          <a:chOff x="0" y="0"/>
+          <a:chExt cx="0" cy="0"/>
+        </a:xfrm>
+      </p:grpSpPr>
+      <p:sp>
+        <p:nvSpPr>
+          <p:cNvPr id="4" name="Rectangle 3"/>
+          <p:cNvSpPr/>
+          <p:nvPr/>
+        </p:nvSpPr>
+        <p:spPr>
+          <a:xfrm>
+            <a:off x="2555776" y="1892603"/>
+            <a:ext cx="3816424" cy="600293"/>
+          </a:xfrm>
+          <a:prstGeom prst="rect">
+            <a:avLst/>
+          </a:prstGeom>
+        </p:spPr>
+        <p:txBody>
+          <a:bodyPr wrap="square">
+            <a:spAutoFit/>
+          </a:bodyPr>
+          <a:lstStyle/>
+          <a:p>
+            <a:r>
+              <a:rPr lang="en-US" sz="3200" b="1" dirty="0">
+                <a:solidFill>
+                  <a:schemeClr val="accent6">
+                    <a:lumMod val="50000"/>
+                  </a:schemeClr>
+                </a:solidFill>
+                <a:latin typeface="Adobe Kaiti Std R" panose="02020400000000000000" pitchFamily="18" charset="-128"/>
+                <a:ea typeface="Adobe Kaiti Std R" panose="02020400000000000000" pitchFamily="18" charset="-128"/>
+              </a:rPr>
+              <a:t>Always availability</a:t>
+            </a:r>
+          </a:p>
+        </p:txBody>
+      </p:sp>
+      <p:pic>
+        <p:nvPicPr>
+          <p:cNvPr id="6" name="Picture 5"/>
+          <p:cNvPicPr>
+            <a:picLocks noChangeAspect="1"/>
+          </p:cNvPicPr>
+          <p:nvPr/>
+        </p:nvPicPr>
+        <p:blipFill>
+          <a:blip r:embed="rId2">
+            <a:extLst>
+              <a:ext uri="{28A0092B-C50C-407E-A947-70E740481C1C}">
+                <a14:useLocalDpi xmlns:a14="http://schemas.microsoft.com/office/drawing/2010/main" val="0"/>
+              </a:ext>
+            </a:extLst>
+          </a:blip>
+          <a:stretch>
+            <a:fillRect/>
+          </a:stretch>
+        </p:blipFill>
+        <p:spPr>
+          <a:xfrm>
+            <a:off x="2016434" y="3429000"/>
+            <a:ext cx="5183140" cy="2358328"/>
+          </a:xfrm>
+          <a:prstGeom prst="rect">
+            <a:avLst/>
+          </a:prstGeom>
+        </p:spPr>
+      </p:pic>
+      <p:sp>
+        <p:nvSpPr>
+          <p:cNvPr id="9" name="Rectangle 8"/>
+          <p:cNvSpPr/>
+          <p:nvPr/>
+        </p:nvSpPr>
+        <p:spPr>
+          <a:xfrm>
+            <a:off x="574515" y="1289747"/>
+            <a:ext cx="8643211" cy="34298"/>
+          </a:xfrm>
+          <a:prstGeom prst="rect">
+            <a:avLst/>
+          </a:prstGeom>
+        </p:spPr>
+        <p:style>
+          <a:lnRef idx="1">
+            <a:schemeClr val="accent1"/>
+          </a:lnRef>
+          <a:fillRef idx="3">
+            <a:schemeClr val="accent1"/>
+          </a:fillRef>
+          <a:effectRef idx="2">
+            <a:schemeClr val="accent1"/>
+          </a:effectRef>
+          <a:fontRef idx="minor">
+            <a:schemeClr val="lt1"/>
+          </a:fontRef>
+        </p:style>
+        <p:txBody>
+          <a:bodyPr rtlCol="0" anchor="ctr"/>
+          <a:lstStyle/>
+          <a:p>
+            <a:pPr algn="ctr"/>
+            <a:endParaRPr lang="en-US" sz="1350">
+              <a:solidFill>
+                <a:schemeClr val="tx1">
+                  <a:lumMod val="65000"/>
+                  <a:lumOff val="35000"/>
+                </a:schemeClr>
+              </a:solidFill>
+            </a:endParaRPr>
+          </a:p>
+        </p:txBody>
+      </p:sp>
+      <p:sp>
+        <p:nvSpPr>
+          <p:cNvPr id="10" name="Rectangle 9"/>
+          <p:cNvSpPr/>
+          <p:nvPr/>
+        </p:nvSpPr>
+        <p:spPr>
+          <a:xfrm>
+            <a:off x="525459" y="548680"/>
+            <a:ext cx="4605556" cy="707886"/>
+          </a:xfrm>
+          <a:prstGeom prst="rect">
+            <a:avLst/>
+          </a:prstGeom>
+        </p:spPr>
+        <p:txBody>
+          <a:bodyPr wrap="none">
+            <a:spAutoFit/>
+          </a:bodyPr>
+          <a:lstStyle/>
+          <a:p>
+            <a:r>
+              <a:rPr lang="en-US" sz="4000" dirty="0">
+                <a:solidFill>
+                  <a:schemeClr val="accent1">
+                    <a:lumMod val="75000"/>
+                  </a:schemeClr>
+                </a:solidFill>
+              </a:rPr>
+              <a:t>Why is it important?</a:t>
+            </a:r>
+          </a:p>
+        </p:txBody>
+      </p:sp>
+    </p:spTree>
+    <p:extLst>
+      <p:ext uri="{BB962C8B-B14F-4D97-AF65-F5344CB8AC3E}">
+        <p14:creationId xmlns:p14="http://schemas.microsoft.com/office/powerpoint/2010/main" val="1856229167"/>
+      </p:ext>
+    </p:extLst>
+  </p:cSld>
+  <p:clrMapOvr>
+    <a:masterClrMapping/>
+  </p:clrMapOvr>
+  <mc:AlternateContent xmlns:mc="http://schemas.openxmlformats.org/markup-compatibility/2006" xmlns:p14="http://schemas.microsoft.com/office/powerpoint/2010/main">
+    <mc:Choice Requires="p14">
+      <p:transition spd="slow" p14:dur="1200">
+        <p:dissolve/>
+      </p:transition>
+    </mc:Choice>
+    <mc:Fallback xmlns="">
+      <p:transition spd="slow">
+        <p:dissolve/>
+      </p:transition>
+    </mc:Fallback>
+  </mc:AlternateContent>
+  <p:timing>
+    <p:tnLst>
+      <p:par>
+        <p:cTn id="1" dur="indefinite" restart="never" nodeType="tmRoot">
+          <p:childTnLst>
+            <p:seq concurrent="1" nextAc="seek">
+              <p:cTn id="2" dur="indefinite" nodeType="mainSeq">
+                <p:childTnLst>
+                  <p:par>
+                    <p:cTn id="3" fill="hold">
+                      <p:stCondLst>
+                        <p:cond delay="indefinite"/>
+                        <p:cond evt="onBegin" delay="0">
+                          <p:tn val="2"/>
+                        </p:cond>
+                      </p:stCondLst>
+                      <p:childTnLst>
+                        <p:par>
+                          <p:cTn id="4" fill="hold">
+                            <p:stCondLst>
+                              <p:cond delay="0"/>
+                            </p:stCondLst>
+                            <p:childTnLst>
+                              <p:par>
+                                <p:cTn id="5" presetID="6" presetClass="emph" presetSubtype="0" fill="hold" grpId="0" nodeType="afterEffect">
+                                  <p:stCondLst>
+                                    <p:cond delay="0"/>
+                                  </p:stCondLst>
+                                  <p:childTnLst>
+                                    <p:animScale>
+                                      <p:cBhvr>
+                                        <p:cTn id="6" dur="2000" fill="hold"/>
+                                        <p:tgtEl>
+                                          <p:spTgt spid="4"/>
+                                        </p:tgtEl>
+                                      </p:cBhvr>
+                                      <p:by x="150000" y="150000"/>
+                                    </p:animScale>
+                                  </p:childTnLst>
+                                </p:cTn>
+                              </p:par>
+                            </p:childTnLst>
+                          </p:cTn>
+                        </p:par>
+                      </p:childTnLst>
+                    </p:cTn>
+                  </p:par>
+                </p:childTnLst>
+              </p:cTn>
+              <p:prevCondLst>
+                <p:cond evt="onPrev" delay="0">
+                  <p:tgtEl>
+                    <p:sldTgt/>
+                  </p:tgtEl>
+                </p:cond>
+              </p:prevCondLst>
+              <p:nextCondLst>
+                <p:cond evt="onNext" delay="0">
+                  <p:tgtEl>
+                    <p:sldTgt/>
+                  </p:tgtEl>
+                </p:cond>
+              </p:nextCondLst>
+            </p:seq>
+          </p:childTnLst>
+        </p:cTn>
+      </p:par>
+    </p:tnLst>
+    <p:bldLst>
+      <p:bldP spid="4" grpId="0"/>
+    </p:bldLst>
+  </p:timing>
+</p:sld>
+</file>
+
+<file path=ppt/slides/slide9.xml><?xml version="1.0" encoding="utf-8"?>
+<p:sld xmlns:a="http://schemas.openxmlformats.org/drawingml/2006/main" xmlns:r="http://schemas.openxmlformats.org/officeDocument/2006/relationships" xmlns:p="http://schemas.openxmlformats.org/presentationml/2006/main">
+  <p:cSld>
+    <p:spTree>
+      <p:nvGrpSpPr>
+        <p:cNvPr id="1" name=""/>
+        <p:cNvGrpSpPr/>
+        <p:nvPr/>
+      </p:nvGrpSpPr>
+      <p:grpSpPr>
+        <a:xfrm>
+          <a:off x="0" y="0"/>
+          <a:ext cx="0" cy="0"/>
+          <a:chOff x="0" y="0"/>
+          <a:chExt cx="0" cy="0"/>
+        </a:xfrm>
+      </p:grpSpPr>
+      <p:sp>
+        <p:nvSpPr>
+          <p:cNvPr id="4" name="Rectangle 3"/>
+          <p:cNvSpPr/>
+          <p:nvPr/>
+        </p:nvSpPr>
+        <p:spPr>
+          <a:xfrm>
+            <a:off x="2555776" y="1916832"/>
+            <a:ext cx="3672408" cy="600293"/>
+          </a:xfrm>
+          <a:prstGeom prst="rect">
+            <a:avLst/>
+          </a:prstGeom>
+          <a:noFill/>
+          <a:ln>
+            <a:noFill/>
+          </a:ln>
+        </p:spPr>
+        <p:style>
+          <a:lnRef idx="1">
+            <a:schemeClr val="accent1"/>
+          </a:lnRef>
+          <a:fillRef idx="2">
+            <a:schemeClr val="accent1"/>
+          </a:fillRef>
+          <a:effectRef idx="1">
+            <a:schemeClr val="accent1"/>
+          </a:effectRef>
+          <a:fontRef idx="minor">
+            <a:schemeClr val="dk1"/>
+          </a:fontRef>
+        </p:style>
+        <p:txBody>
+          <a:bodyPr wrap="square">
+            <a:spAutoFit/>
+          </a:bodyPr>
+          <a:lstStyle/>
+          <a:p>
+            <a:r>
+              <a:rPr lang="en-US" sz="3200" b="1" dirty="0">
+                <a:solidFill>
+                  <a:schemeClr val="accent6">
+                    <a:lumMod val="50000"/>
+                  </a:schemeClr>
+                </a:solidFill>
+                <a:latin typeface="Adobe Kaiti Std R" panose="02020400000000000000" pitchFamily="18" charset="-128"/>
+                <a:ea typeface="Adobe Kaiti Std R" panose="02020400000000000000" pitchFamily="18" charset="-128"/>
+              </a:rPr>
+              <a:t>Saves your money</a:t>
+            </a:r>
+          </a:p>
+        </p:txBody>
+      </p:sp>
+      <p:sp>
+        <p:nvSpPr>
+          <p:cNvPr id="5" name="Rectangle 4"/>
+          <p:cNvSpPr/>
+          <p:nvPr/>
+        </p:nvSpPr>
+        <p:spPr>
+          <a:xfrm>
+            <a:off x="574515" y="1289747"/>
+            <a:ext cx="8643211" cy="34298"/>
+          </a:xfrm>
+          <a:prstGeom prst="rect">
+            <a:avLst/>
+          </a:prstGeom>
+        </p:spPr>
+        <p:style>
+          <a:lnRef idx="1">
+            <a:schemeClr val="accent1"/>
+          </a:lnRef>
+          <a:fillRef idx="3">
+            <a:schemeClr val="accent1"/>
+          </a:fillRef>
+          <a:effectRef idx="2">
+            <a:schemeClr val="accent1"/>
+          </a:effectRef>
+          <a:fontRef idx="minor">
+            <a:schemeClr val="lt1"/>
+          </a:fontRef>
+        </p:style>
+        <p:txBody>
+          <a:bodyPr rtlCol="0" anchor="ctr"/>
+          <a:lstStyle/>
+          <a:p>
+            <a:pPr algn="ctr"/>
+            <a:endParaRPr lang="en-US" sz="1350">
+              <a:solidFill>
+                <a:schemeClr val="tx1">
+                  <a:lumMod val="65000"/>
+                  <a:lumOff val="35000"/>
+                </a:schemeClr>
+              </a:solidFill>
+            </a:endParaRPr>
+          </a:p>
+        </p:txBody>
+      </p:sp>
+      <p:sp>
+        <p:nvSpPr>
+          <p:cNvPr id="6" name="Rectangle 5"/>
+          <p:cNvSpPr/>
+          <p:nvPr/>
+        </p:nvSpPr>
+        <p:spPr>
+          <a:xfrm>
+            <a:off x="525459" y="548680"/>
+            <a:ext cx="4605556" cy="707886"/>
+          </a:xfrm>
+          <a:prstGeom prst="rect">
+            <a:avLst/>
+          </a:prstGeom>
+        </p:spPr>
+        <p:txBody>
+          <a:bodyPr wrap="none">
+            <a:spAutoFit/>
+          </a:bodyPr>
+          <a:lstStyle/>
+          <a:p>
+            <a:r>
+              <a:rPr lang="en-US" sz="4000" dirty="0">
+                <a:solidFill>
+                  <a:schemeClr val="accent1">
+                    <a:lumMod val="75000"/>
+                  </a:schemeClr>
+                </a:solidFill>
+              </a:rPr>
+              <a:t>Why is it important?</a:t>
+            </a:r>
+          </a:p>
+        </p:txBody>
+      </p:sp>
+      <p:pic>
+        <p:nvPicPr>
+          <p:cNvPr id="10" name="Picture 9"/>
+          <p:cNvPicPr>
+            <a:picLocks noChangeAspect="1"/>
+          </p:cNvPicPr>
+          <p:nvPr/>
+        </p:nvPicPr>
+        <p:blipFill>
+          <a:blip r:embed="rId2">
+            <a:extLst>
+              <a:ext uri="{28A0092B-C50C-407E-A947-70E740481C1C}">
+                <a14:useLocalDpi xmlns:a14="http://schemas.microsoft.com/office/drawing/2010/main" val="0"/>
+              </a:ext>
+            </a:extLst>
+          </a:blip>
+          <a:stretch>
+            <a:fillRect/>
+          </a:stretch>
+        </p:blipFill>
+        <p:spPr>
+          <a:xfrm>
+            <a:off x="3037520" y="3573016"/>
+            <a:ext cx="2708920" cy="2708920"/>
+          </a:xfrm>
+          <a:prstGeom prst="rect">
+            <a:avLst/>
+          </a:prstGeom>
+        </p:spPr>
+      </p:pic>
+    </p:spTree>
+    <p:extLst>
+      <p:ext uri="{BB962C8B-B14F-4D97-AF65-F5344CB8AC3E}">
+        <p14:creationId xmlns:p14="http://schemas.microsoft.com/office/powerpoint/2010/main" val="4228850073"/>
+      </p:ext>
+    </p:extLst>
+  </p:cSld>
+  <p:clrMapOvr>
+    <a:masterClrMapping/>
+  </p:clrMapOvr>
+  <p:transition spd="slow">
+    <p:wheel spokes="1"/>
+  </p:transition>
+  <p:timing>
+    <p:tnLst>
+      <p:par>
+        <p:cTn id="1" dur="indefinite" restart="never" nodeType="tmRoot">
+          <p:childTnLst>
+            <p:seq concurrent="1" nextAc="seek">
+              <p:cTn id="2" dur="indefinite" nodeType="mainSeq">
+                <p:childTnLst>
+                  <p:par>
+                    <p:cTn id="3" fill="hold">
+                      <p:stCondLst>
+                        <p:cond delay="indefinite"/>
+                        <p:cond evt="onBegin" delay="0">
+                          <p:tn val="2"/>
+                        </p:cond>
+                      </p:stCondLst>
+                      <p:childTnLst>
+                        <p:par>
+                          <p:cTn id="4" fill="hold">
+                            <p:stCondLst>
+                              <p:cond delay="0"/>
+                            </p:stCondLst>
+                            <p:childTnLst>
+                              <p:par>
+                                <p:cTn id="5" presetID="6" presetClass="emph" presetSubtype="0" fill="hold" grpId="0" nodeType="afterEffect">
+                                  <p:stCondLst>
+                                    <p:cond delay="0"/>
+                                  </p:stCondLst>
+                                  <p:childTnLst>
+                                    <p:animScale>
+                                      <p:cBhvr>
+                                        <p:cTn id="6" dur="2000" fill="hold"/>
+                                        <p:tgtEl>
+                                          <p:spTgt spid="4"/>
+                                        </p:tgtEl>
+                                      </p:cBhvr>
+                                      <p:by x="150000" y="150000"/>
+                                    </p:animScale>
+                                  </p:childTnLst>
+                                </p:cTn>
+                              </p:par>
+                            </p:childTnLst>
+                          </p:cTn>
+                        </p:par>
+                      </p:childTnLst>
+                    </p:cTn>
+                  </p:par>
+                </p:childTnLst>
+              </p:cTn>
+              <p:prevCondLst>
+                <p:cond evt="onPrev" delay="0">
+                  <p:tgtEl>
+                    <p:sldTgt/>
+                  </p:tgtEl>
+                </p:cond>
+              </p:prevCondLst>
+              <p:nextCondLst>
+                <p:cond evt="onNext" delay="0">
+                  <p:tgtEl>
+                    <p:sldTgt/>
+                  </p:tgtEl>
+                </p:cond>
+              </p:nextCondLst>
+            </p:seq>
+          </p:childTnLst>
+        </p:cTn>
+      </p:par>
+    </p:tnLst>
+    <p:bldLst>
+      <p:bldP spid="4" grpId="0"/>
     </p:bldLst>
   </p:timing>
 </p:sld>

--- a/OOP.pptx
+++ b/OOP.pptx
@@ -6791,7 +6791,7 @@
                   </a:schemeClr>
                 </a:solidFill>
               </a:rPr>
-              <a:t>Abstraction means Implementation hiding</a:t>
+              <a:t>Abstraction means implementation hiding</a:t>
             </a:r>
           </a:p>
           <a:p>
@@ -6924,7 +6924,7 @@
                   </a:schemeClr>
                 </a:solidFill>
               </a:rPr>
-              <a:t>Abstraction</a:t>
+              <a:t>Encapsulation</a:t>
             </a:r>
           </a:p>
         </p:txBody>
@@ -6958,7 +6958,7 @@
                   </a:schemeClr>
                 </a:solidFill>
               </a:rPr>
-              <a:t>Abstraction means Implementation hiding</a:t>
+              <a:t>Encapsulation means data hiding</a:t>
             </a:r>
           </a:p>
           <a:p>

--- a/OOP.pptx
+++ b/OOP.pptx
@@ -5,10 +5,10 @@
     <p:sldMasterId id="2147483648" r:id="rId4"/>
   </p:sldMasterIdLst>
   <p:notesMasterIdLst>
-    <p:notesMasterId r:id="rId20"/>
+    <p:notesMasterId r:id="rId21"/>
   </p:notesMasterIdLst>
   <p:handoutMasterIdLst>
-    <p:handoutMasterId r:id="rId21"/>
+    <p:handoutMasterId r:id="rId22"/>
   </p:handoutMasterIdLst>
   <p:sldIdLst>
     <p:sldId id="267" r:id="rId5"/>
@@ -16,16 +16,17 @@
     <p:sldId id="282" r:id="rId7"/>
     <p:sldId id="295" r:id="rId8"/>
     <p:sldId id="296" r:id="rId9"/>
-    <p:sldId id="269" r:id="rId10"/>
-    <p:sldId id="284" r:id="rId11"/>
-    <p:sldId id="283" r:id="rId12"/>
-    <p:sldId id="285" r:id="rId13"/>
-    <p:sldId id="273" r:id="rId14"/>
-    <p:sldId id="281" r:id="rId15"/>
-    <p:sldId id="289" r:id="rId16"/>
-    <p:sldId id="286" r:id="rId17"/>
-    <p:sldId id="279" r:id="rId18"/>
-    <p:sldId id="292" r:id="rId19"/>
+    <p:sldId id="297" r:id="rId10"/>
+    <p:sldId id="269" r:id="rId11"/>
+    <p:sldId id="284" r:id="rId12"/>
+    <p:sldId id="283" r:id="rId13"/>
+    <p:sldId id="285" r:id="rId14"/>
+    <p:sldId id="273" r:id="rId15"/>
+    <p:sldId id="281" r:id="rId16"/>
+    <p:sldId id="289" r:id="rId17"/>
+    <p:sldId id="286" r:id="rId18"/>
+    <p:sldId id="279" r:id="rId19"/>
+    <p:sldId id="292" r:id="rId20"/>
   </p:sldIdLst>
   <p:sldSz cx="9144000" cy="6858000" type="screen4x3"/>
   <p:notesSz cx="6858000" cy="9144000"/>
@@ -4197,6 +4198,274 @@
       </p:grpSpPr>
       <p:sp>
         <p:nvSpPr>
+          <p:cNvPr id="4" name="Rectangle 3"/>
+          <p:cNvSpPr/>
+          <p:nvPr/>
+        </p:nvSpPr>
+        <p:spPr>
+          <a:xfrm>
+            <a:off x="2555776" y="1916832"/>
+            <a:ext cx="3672408" cy="600293"/>
+          </a:xfrm>
+          <a:prstGeom prst="rect">
+            <a:avLst/>
+          </a:prstGeom>
+          <a:noFill/>
+          <a:ln>
+            <a:noFill/>
+          </a:ln>
+        </p:spPr>
+        <p:style>
+          <a:lnRef idx="1">
+            <a:schemeClr val="accent1"/>
+          </a:lnRef>
+          <a:fillRef idx="2">
+            <a:schemeClr val="accent1"/>
+          </a:fillRef>
+          <a:effectRef idx="1">
+            <a:schemeClr val="accent1"/>
+          </a:effectRef>
+          <a:fontRef idx="minor">
+            <a:schemeClr val="dk1"/>
+          </a:fontRef>
+        </p:style>
+        <p:txBody>
+          <a:bodyPr wrap="square">
+            <a:spAutoFit/>
+          </a:bodyPr>
+          <a:lstStyle/>
+          <a:p>
+            <a:r>
+              <a:rPr lang="en-US" sz="3200" b="1" dirty="0">
+                <a:solidFill>
+                  <a:schemeClr val="accent6">
+                    <a:lumMod val="50000"/>
+                  </a:schemeClr>
+                </a:solidFill>
+                <a:latin typeface="Adobe Kaiti Std R" panose="02020400000000000000" pitchFamily="18" charset="-128"/>
+                <a:ea typeface="Adobe Kaiti Std R" panose="02020400000000000000" pitchFamily="18" charset="-128"/>
+              </a:rPr>
+              <a:t>Saves your money</a:t>
+            </a:r>
+          </a:p>
+        </p:txBody>
+      </p:sp>
+      <p:sp>
+        <p:nvSpPr>
+          <p:cNvPr id="5" name="Rectangle 4"/>
+          <p:cNvSpPr/>
+          <p:nvPr/>
+        </p:nvSpPr>
+        <p:spPr>
+          <a:xfrm>
+            <a:off x="574515" y="1289747"/>
+            <a:ext cx="8643211" cy="34298"/>
+          </a:xfrm>
+          <a:prstGeom prst="rect">
+            <a:avLst/>
+          </a:prstGeom>
+        </p:spPr>
+        <p:style>
+          <a:lnRef idx="1">
+            <a:schemeClr val="accent1"/>
+          </a:lnRef>
+          <a:fillRef idx="3">
+            <a:schemeClr val="accent1"/>
+          </a:fillRef>
+          <a:effectRef idx="2">
+            <a:schemeClr val="accent1"/>
+          </a:effectRef>
+          <a:fontRef idx="minor">
+            <a:schemeClr val="lt1"/>
+          </a:fontRef>
+        </p:style>
+        <p:txBody>
+          <a:bodyPr rtlCol="0" anchor="ctr"/>
+          <a:lstStyle/>
+          <a:p>
+            <a:pPr algn="ctr"/>
+            <a:endParaRPr lang="en-US" sz="1350">
+              <a:solidFill>
+                <a:schemeClr val="tx1">
+                  <a:lumMod val="65000"/>
+                  <a:lumOff val="35000"/>
+                </a:schemeClr>
+              </a:solidFill>
+            </a:endParaRPr>
+          </a:p>
+        </p:txBody>
+      </p:sp>
+      <p:sp>
+        <p:nvSpPr>
+          <p:cNvPr id="6" name="Rectangle 5"/>
+          <p:cNvSpPr/>
+          <p:nvPr/>
+        </p:nvSpPr>
+        <p:spPr>
+          <a:xfrm>
+            <a:off x="525459" y="548680"/>
+            <a:ext cx="4605556" cy="707886"/>
+          </a:xfrm>
+          <a:prstGeom prst="rect">
+            <a:avLst/>
+          </a:prstGeom>
+        </p:spPr>
+        <p:txBody>
+          <a:bodyPr wrap="none">
+            <a:spAutoFit/>
+          </a:bodyPr>
+          <a:lstStyle/>
+          <a:p>
+            <a:r>
+              <a:rPr lang="en-US" sz="4000" dirty="0">
+                <a:solidFill>
+                  <a:schemeClr val="accent1">
+                    <a:lumMod val="75000"/>
+                  </a:schemeClr>
+                </a:solidFill>
+              </a:rPr>
+              <a:t>Why is it important?</a:t>
+            </a:r>
+          </a:p>
+        </p:txBody>
+      </p:sp>
+      <p:pic>
+        <p:nvPicPr>
+          <p:cNvPr id="10" name="Picture 9"/>
+          <p:cNvPicPr>
+            <a:picLocks noChangeAspect="1"/>
+          </p:cNvPicPr>
+          <p:nvPr/>
+        </p:nvPicPr>
+        <p:blipFill>
+          <a:blip r:embed="rId2">
+            <a:extLst>
+              <a:ext uri="{28A0092B-C50C-407E-A947-70E740481C1C}">
+                <a14:useLocalDpi xmlns:a14="http://schemas.microsoft.com/office/drawing/2010/main" val="0"/>
+              </a:ext>
+            </a:extLst>
+          </a:blip>
+          <a:stretch>
+            <a:fillRect/>
+          </a:stretch>
+        </p:blipFill>
+        <p:spPr>
+          <a:xfrm>
+            <a:off x="3037520" y="3573016"/>
+            <a:ext cx="2708920" cy="2708920"/>
+          </a:xfrm>
+          <a:prstGeom prst="rect">
+            <a:avLst/>
+          </a:prstGeom>
+        </p:spPr>
+      </p:pic>
+    </p:spTree>
+    <p:extLst>
+      <p:ext uri="{BB962C8B-B14F-4D97-AF65-F5344CB8AC3E}">
+        <p14:creationId xmlns:p14="http://schemas.microsoft.com/office/powerpoint/2010/main" val="4228850073"/>
+      </p:ext>
+    </p:extLst>
+  </p:cSld>
+  <p:clrMapOvr>
+    <a:masterClrMapping/>
+  </p:clrMapOvr>
+  <p:transition spd="slow">
+    <p:wheel spokes="1"/>
+  </p:transition>
+  <p:timing>
+    <p:tnLst>
+      <p:par>
+        <p:cTn id="1" dur="indefinite" restart="never" nodeType="tmRoot">
+          <p:childTnLst>
+            <p:seq concurrent="1" nextAc="seek">
+              <p:cTn id="2" dur="indefinite" nodeType="mainSeq">
+                <p:childTnLst>
+                  <p:par>
+                    <p:cTn id="3" fill="hold">
+                      <p:stCondLst>
+                        <p:cond delay="indefinite"/>
+                        <p:cond evt="onBegin" delay="0">
+                          <p:tn val="2"/>
+                        </p:cond>
+                      </p:stCondLst>
+                      <p:childTnLst>
+                        <p:par>
+                          <p:cTn id="4" fill="hold">
+                            <p:stCondLst>
+                              <p:cond delay="0"/>
+                            </p:stCondLst>
+                            <p:childTnLst>
+                              <p:par>
+                                <p:cTn id="5" presetID="6" presetClass="emph" presetSubtype="0" fill="hold" grpId="0" nodeType="afterEffect">
+                                  <p:stCondLst>
+                                    <p:cond delay="0"/>
+                                  </p:stCondLst>
+                                  <p:childTnLst>
+                                    <p:animScale>
+                                      <p:cBhvr>
+                                        <p:cTn id="6" dur="2000" fill="hold"/>
+                                        <p:tgtEl>
+                                          <p:spTgt spid="4"/>
+                                        </p:tgtEl>
+                                      </p:cBhvr>
+                                      <p:by x="150000" y="150000"/>
+                                    </p:animScale>
+                                  </p:childTnLst>
+                                </p:cTn>
+                              </p:par>
+                            </p:childTnLst>
+                          </p:cTn>
+                        </p:par>
+                      </p:childTnLst>
+                    </p:cTn>
+                  </p:par>
+                </p:childTnLst>
+              </p:cTn>
+              <p:prevCondLst>
+                <p:cond evt="onPrev" delay="0">
+                  <p:tgtEl>
+                    <p:sldTgt/>
+                  </p:tgtEl>
+                </p:cond>
+              </p:prevCondLst>
+              <p:nextCondLst>
+                <p:cond evt="onNext" delay="0">
+                  <p:tgtEl>
+                    <p:sldTgt/>
+                  </p:tgtEl>
+                </p:cond>
+              </p:nextCondLst>
+            </p:seq>
+          </p:childTnLst>
+        </p:cTn>
+      </p:par>
+    </p:tnLst>
+    <p:bldLst>
+      <p:bldP spid="4" grpId="0"/>
+    </p:bldLst>
+  </p:timing>
+</p:sld>
+</file>
+
+<file path=ppt/slides/slide11.xml><?xml version="1.0" encoding="utf-8"?>
+<p:sld xmlns:a="http://schemas.openxmlformats.org/drawingml/2006/main" xmlns:r="http://schemas.openxmlformats.org/officeDocument/2006/relationships" xmlns:p="http://schemas.openxmlformats.org/presentationml/2006/main">
+  <p:cSld>
+    <p:spTree>
+      <p:nvGrpSpPr>
+        <p:cNvPr id="1" name=""/>
+        <p:cNvGrpSpPr/>
+        <p:nvPr/>
+      </p:nvGrpSpPr>
+      <p:grpSpPr>
+        <a:xfrm>
+          <a:off x="0" y="0"/>
+          <a:ext cx="0" cy="0"/>
+          <a:chOff x="0" y="0"/>
+          <a:chExt cx="0" cy="0"/>
+        </a:xfrm>
+      </p:grpSpPr>
+      <p:sp>
+        <p:nvSpPr>
           <p:cNvPr id="5" name="Rectangle 4"/>
           <p:cNvSpPr/>
           <p:nvPr/>
@@ -4790,7 +5059,7 @@
 </p:sld>
 </file>
 
-<file path=ppt/slides/slide11.xml><?xml version="1.0" encoding="utf-8"?>
+<file path=ppt/slides/slide12.xml><?xml version="1.0" encoding="utf-8"?>
 <p:sld xmlns:a="http://schemas.openxmlformats.org/drawingml/2006/main" xmlns:r="http://schemas.openxmlformats.org/officeDocument/2006/relationships" xmlns:p="http://schemas.openxmlformats.org/presentationml/2006/main">
   <p:cSld>
     <p:spTree>
@@ -4964,7 +5233,7 @@
 </p:sld>
 </file>
 
-<file path=ppt/slides/slide12.xml><?xml version="1.0" encoding="utf-8"?>
+<file path=ppt/slides/slide13.xml><?xml version="1.0" encoding="utf-8"?>
 <p:sld xmlns:a="http://schemas.openxmlformats.org/drawingml/2006/main" xmlns:r="http://schemas.openxmlformats.org/officeDocument/2006/relationships" xmlns:p="http://schemas.openxmlformats.org/presentationml/2006/main">
   <p:cSld>
     <p:spTree>
@@ -5454,7 +5723,7 @@
 </p:sld>
 </file>
 
-<file path=ppt/slides/slide13.xml><?xml version="1.0" encoding="utf-8"?>
+<file path=ppt/slides/slide14.xml><?xml version="1.0" encoding="utf-8"?>
 <p:sld xmlns:a="http://schemas.openxmlformats.org/drawingml/2006/main" xmlns:r="http://schemas.openxmlformats.org/officeDocument/2006/relationships" xmlns:p="http://schemas.openxmlformats.org/presentationml/2006/main">
   <p:cSld>
     <p:spTree>
@@ -5928,7 +6197,7 @@
 </p:sld>
 </file>
 
-<file path=ppt/slides/slide14.xml><?xml version="1.0" encoding="utf-8"?>
+<file path=ppt/slides/slide15.xml><?xml version="1.0" encoding="utf-8"?>
 <p:sld xmlns:a="http://schemas.openxmlformats.org/drawingml/2006/main" xmlns:r="http://schemas.openxmlformats.org/officeDocument/2006/relationships" xmlns:p="http://schemas.openxmlformats.org/presentationml/2006/main">
   <p:cSld>
     <p:spTree>
@@ -6147,7 +6416,7 @@
 </p:sld>
 </file>
 
-<file path=ppt/slides/slide15.xml><?xml version="1.0" encoding="utf-8"?>
+<file path=ppt/slides/slide16.xml><?xml version="1.0" encoding="utf-8"?>
 <p:sld xmlns:a="http://schemas.openxmlformats.org/drawingml/2006/main" xmlns:r="http://schemas.openxmlformats.org/officeDocument/2006/relationships" xmlns:p="http://schemas.openxmlformats.org/presentationml/2006/main">
   <p:cSld>
     <p:spTree>
@@ -6938,7 +7207,7 @@
         <p:spPr>
           <a:xfrm>
             <a:off x="827584" y="2513883"/>
-            <a:ext cx="7076628" cy="2246769"/>
+            <a:ext cx="7076628" cy="1815882"/>
           </a:xfrm>
           <a:prstGeom prst="rect">
             <a:avLst/>
@@ -6979,7 +7248,7 @@
                   </a:schemeClr>
                 </a:solidFill>
               </a:rPr>
-              <a:t>When a user calls printf() and use it C program without knowing how it is implemented, Then it is Abstraction</a:t>
+              <a:t>Encapsulation is binding data and methods together to protect it from outer world</a:t>
             </a:r>
           </a:p>
         </p:txBody>
@@ -7001,6 +7270,173 @@
 </file>
 
 <file path=ppt/slides/slide6.xml><?xml version="1.0" encoding="utf-8"?>
+<p:sld xmlns:a="http://schemas.openxmlformats.org/drawingml/2006/main" xmlns:r="http://schemas.openxmlformats.org/officeDocument/2006/relationships" xmlns:p="http://schemas.openxmlformats.org/presentationml/2006/main">
+  <p:cSld>
+    <p:spTree>
+      <p:nvGrpSpPr>
+        <p:cNvPr id="1" name=""/>
+        <p:cNvGrpSpPr/>
+        <p:nvPr/>
+      </p:nvGrpSpPr>
+      <p:grpSpPr>
+        <a:xfrm>
+          <a:off x="0" y="0"/>
+          <a:ext cx="0" cy="0"/>
+          <a:chOff x="0" y="0"/>
+          <a:chExt cx="0" cy="0"/>
+        </a:xfrm>
+      </p:grpSpPr>
+      <p:sp>
+        <p:nvSpPr>
+          <p:cNvPr id="2" name="Rectangle 1"/>
+          <p:cNvSpPr/>
+          <p:nvPr/>
+        </p:nvSpPr>
+        <p:spPr>
+          <a:xfrm>
+            <a:off x="574515" y="1744442"/>
+            <a:ext cx="8697231" cy="34298"/>
+          </a:xfrm>
+          <a:prstGeom prst="rect">
+            <a:avLst/>
+          </a:prstGeom>
+        </p:spPr>
+        <p:style>
+          <a:lnRef idx="1">
+            <a:schemeClr val="accent1"/>
+          </a:lnRef>
+          <a:fillRef idx="3">
+            <a:schemeClr val="accent1"/>
+          </a:fillRef>
+          <a:effectRef idx="2">
+            <a:schemeClr val="accent1"/>
+          </a:effectRef>
+          <a:fontRef idx="minor">
+            <a:schemeClr val="lt1"/>
+          </a:fontRef>
+        </p:style>
+        <p:txBody>
+          <a:bodyPr rtlCol="0" anchor="ctr"/>
+          <a:lstStyle/>
+          <a:p>
+            <a:pPr algn="ctr"/>
+            <a:endParaRPr lang="en-US" sz="1350">
+              <a:solidFill>
+                <a:schemeClr val="tx1">
+                  <a:lumMod val="65000"/>
+                  <a:lumOff val="35000"/>
+                </a:schemeClr>
+              </a:solidFill>
+            </a:endParaRPr>
+          </a:p>
+        </p:txBody>
+      </p:sp>
+      <p:sp>
+        <p:nvSpPr>
+          <p:cNvPr id="3" name="Rectangle 2"/>
+          <p:cNvSpPr/>
+          <p:nvPr/>
+        </p:nvSpPr>
+        <p:spPr>
+          <a:xfrm>
+            <a:off x="467544" y="980728"/>
+            <a:ext cx="7436668" cy="769441"/>
+          </a:xfrm>
+          <a:prstGeom prst="rect">
+            <a:avLst/>
+          </a:prstGeom>
+        </p:spPr>
+        <p:txBody>
+          <a:bodyPr wrap="square">
+            <a:spAutoFit/>
+          </a:bodyPr>
+          <a:lstStyle/>
+          <a:p>
+            <a:r>
+              <a:rPr lang="en-US" sz="4400" dirty="0">
+                <a:solidFill>
+                  <a:schemeClr val="accent1">
+                    <a:lumMod val="75000"/>
+                  </a:schemeClr>
+                </a:solidFill>
+              </a:rPr>
+              <a:t>Abstraction vs Encapsulation</a:t>
+            </a:r>
+          </a:p>
+        </p:txBody>
+      </p:sp>
+      <p:sp>
+        <p:nvSpPr>
+          <p:cNvPr id="4" name="Rectangle 3"/>
+          <p:cNvSpPr/>
+          <p:nvPr/>
+        </p:nvSpPr>
+        <p:spPr>
+          <a:xfrm>
+            <a:off x="827584" y="2513883"/>
+            <a:ext cx="7076628" cy="1815882"/>
+          </a:xfrm>
+          <a:prstGeom prst="rect">
+            <a:avLst/>
+          </a:prstGeom>
+        </p:spPr>
+        <p:txBody>
+          <a:bodyPr wrap="square">
+            <a:spAutoFit/>
+          </a:bodyPr>
+          <a:lstStyle/>
+          <a:p>
+            <a:r>
+              <a:rPr lang="en-US" sz="2800" dirty="0">
+                <a:solidFill>
+                  <a:schemeClr val="accent6">
+                    <a:lumMod val="50000"/>
+                  </a:schemeClr>
+                </a:solidFill>
+              </a:rPr>
+              <a:t>Encapsulation means data hiding</a:t>
+            </a:r>
+          </a:p>
+          <a:p>
+            <a:endParaRPr lang="en-US" sz="2800" dirty="0">
+              <a:solidFill>
+                <a:schemeClr val="accent6">
+                  <a:lumMod val="50000"/>
+                </a:schemeClr>
+              </a:solidFill>
+            </a:endParaRPr>
+          </a:p>
+          <a:p>
+            <a:r>
+              <a:rPr lang="en-US" sz="2800" dirty="0">
+                <a:solidFill>
+                  <a:schemeClr val="accent6">
+                    <a:lumMod val="50000"/>
+                  </a:schemeClr>
+                </a:solidFill>
+              </a:rPr>
+              <a:t>Encapsulation is binding data and methods together to protect it from outer world</a:t>
+            </a:r>
+          </a:p>
+        </p:txBody>
+      </p:sp>
+    </p:spTree>
+    <p:extLst>
+      <p:ext uri="{BB962C8B-B14F-4D97-AF65-F5344CB8AC3E}">
+        <p14:creationId xmlns:p14="http://schemas.microsoft.com/office/powerpoint/2010/main" val="2914746012"/>
+      </p:ext>
+    </p:extLst>
+  </p:cSld>
+  <p:clrMapOvr>
+    <a:masterClrMapping/>
+  </p:clrMapOvr>
+  <p:transition spd="slow">
+    <p:randomBar dir="vert"/>
+  </p:transition>
+</p:sld>
+</file>
+
+<file path=ppt/slides/slide7.xml><?xml version="1.0" encoding="utf-8"?>
 <p:sld xmlns:a="http://schemas.openxmlformats.org/drawingml/2006/main" xmlns:r="http://schemas.openxmlformats.org/officeDocument/2006/relationships" xmlns:p="http://schemas.openxmlformats.org/presentationml/2006/main">
   <p:cSld>
     <p:spTree>
@@ -7250,7 +7686,7 @@
 </p:sld>
 </file>
 
-<file path=ppt/slides/slide7.xml><?xml version="1.0" encoding="utf-8"?>
+<file path=ppt/slides/slide8.xml><?xml version="1.0" encoding="utf-8"?>
 <p:sld xmlns:a="http://schemas.openxmlformats.org/drawingml/2006/main" xmlns:r="http://schemas.openxmlformats.org/officeDocument/2006/relationships" xmlns:p="http://schemas.openxmlformats.org/presentationml/2006/main">
   <p:cSld>
     <p:spTree>
@@ -7509,7 +7945,7 @@
 </p:sld>
 </file>
 
-<file path=ppt/slides/slide8.xml><?xml version="1.0" encoding="utf-8"?>
+<file path=ppt/slides/slide9.xml><?xml version="1.0" encoding="utf-8"?>
 <p:sld xmlns:a="http://schemas.openxmlformats.org/drawingml/2006/main" xmlns:r="http://schemas.openxmlformats.org/officeDocument/2006/relationships" xmlns:p="http://schemas.openxmlformats.org/presentationml/2006/main">
   <p:cSld>
     <p:spTree>
@@ -7693,274 +8129,6 @@
       </p:transition>
     </mc:Fallback>
   </mc:AlternateContent>
-  <p:timing>
-    <p:tnLst>
-      <p:par>
-        <p:cTn id="1" dur="indefinite" restart="never" nodeType="tmRoot">
-          <p:childTnLst>
-            <p:seq concurrent="1" nextAc="seek">
-              <p:cTn id="2" dur="indefinite" nodeType="mainSeq">
-                <p:childTnLst>
-                  <p:par>
-                    <p:cTn id="3" fill="hold">
-                      <p:stCondLst>
-                        <p:cond delay="indefinite"/>
-                        <p:cond evt="onBegin" delay="0">
-                          <p:tn val="2"/>
-                        </p:cond>
-                      </p:stCondLst>
-                      <p:childTnLst>
-                        <p:par>
-                          <p:cTn id="4" fill="hold">
-                            <p:stCondLst>
-                              <p:cond delay="0"/>
-                            </p:stCondLst>
-                            <p:childTnLst>
-                              <p:par>
-                                <p:cTn id="5" presetID="6" presetClass="emph" presetSubtype="0" fill="hold" grpId="0" nodeType="afterEffect">
-                                  <p:stCondLst>
-                                    <p:cond delay="0"/>
-                                  </p:stCondLst>
-                                  <p:childTnLst>
-                                    <p:animScale>
-                                      <p:cBhvr>
-                                        <p:cTn id="6" dur="2000" fill="hold"/>
-                                        <p:tgtEl>
-                                          <p:spTgt spid="4"/>
-                                        </p:tgtEl>
-                                      </p:cBhvr>
-                                      <p:by x="150000" y="150000"/>
-                                    </p:animScale>
-                                  </p:childTnLst>
-                                </p:cTn>
-                              </p:par>
-                            </p:childTnLst>
-                          </p:cTn>
-                        </p:par>
-                      </p:childTnLst>
-                    </p:cTn>
-                  </p:par>
-                </p:childTnLst>
-              </p:cTn>
-              <p:prevCondLst>
-                <p:cond evt="onPrev" delay="0">
-                  <p:tgtEl>
-                    <p:sldTgt/>
-                  </p:tgtEl>
-                </p:cond>
-              </p:prevCondLst>
-              <p:nextCondLst>
-                <p:cond evt="onNext" delay="0">
-                  <p:tgtEl>
-                    <p:sldTgt/>
-                  </p:tgtEl>
-                </p:cond>
-              </p:nextCondLst>
-            </p:seq>
-          </p:childTnLst>
-        </p:cTn>
-      </p:par>
-    </p:tnLst>
-    <p:bldLst>
-      <p:bldP spid="4" grpId="0"/>
-    </p:bldLst>
-  </p:timing>
-</p:sld>
-</file>
-
-<file path=ppt/slides/slide9.xml><?xml version="1.0" encoding="utf-8"?>
-<p:sld xmlns:a="http://schemas.openxmlformats.org/drawingml/2006/main" xmlns:r="http://schemas.openxmlformats.org/officeDocument/2006/relationships" xmlns:p="http://schemas.openxmlformats.org/presentationml/2006/main">
-  <p:cSld>
-    <p:spTree>
-      <p:nvGrpSpPr>
-        <p:cNvPr id="1" name=""/>
-        <p:cNvGrpSpPr/>
-        <p:nvPr/>
-      </p:nvGrpSpPr>
-      <p:grpSpPr>
-        <a:xfrm>
-          <a:off x="0" y="0"/>
-          <a:ext cx="0" cy="0"/>
-          <a:chOff x="0" y="0"/>
-          <a:chExt cx="0" cy="0"/>
-        </a:xfrm>
-      </p:grpSpPr>
-      <p:sp>
-        <p:nvSpPr>
-          <p:cNvPr id="4" name="Rectangle 3"/>
-          <p:cNvSpPr/>
-          <p:nvPr/>
-        </p:nvSpPr>
-        <p:spPr>
-          <a:xfrm>
-            <a:off x="2555776" y="1916832"/>
-            <a:ext cx="3672408" cy="600293"/>
-          </a:xfrm>
-          <a:prstGeom prst="rect">
-            <a:avLst/>
-          </a:prstGeom>
-          <a:noFill/>
-          <a:ln>
-            <a:noFill/>
-          </a:ln>
-        </p:spPr>
-        <p:style>
-          <a:lnRef idx="1">
-            <a:schemeClr val="accent1"/>
-          </a:lnRef>
-          <a:fillRef idx="2">
-            <a:schemeClr val="accent1"/>
-          </a:fillRef>
-          <a:effectRef idx="1">
-            <a:schemeClr val="accent1"/>
-          </a:effectRef>
-          <a:fontRef idx="minor">
-            <a:schemeClr val="dk1"/>
-          </a:fontRef>
-        </p:style>
-        <p:txBody>
-          <a:bodyPr wrap="square">
-            <a:spAutoFit/>
-          </a:bodyPr>
-          <a:lstStyle/>
-          <a:p>
-            <a:r>
-              <a:rPr lang="en-US" sz="3200" b="1" dirty="0">
-                <a:solidFill>
-                  <a:schemeClr val="accent6">
-                    <a:lumMod val="50000"/>
-                  </a:schemeClr>
-                </a:solidFill>
-                <a:latin typeface="Adobe Kaiti Std R" panose="02020400000000000000" pitchFamily="18" charset="-128"/>
-                <a:ea typeface="Adobe Kaiti Std R" panose="02020400000000000000" pitchFamily="18" charset="-128"/>
-              </a:rPr>
-              <a:t>Saves your money</a:t>
-            </a:r>
-          </a:p>
-        </p:txBody>
-      </p:sp>
-      <p:sp>
-        <p:nvSpPr>
-          <p:cNvPr id="5" name="Rectangle 4"/>
-          <p:cNvSpPr/>
-          <p:nvPr/>
-        </p:nvSpPr>
-        <p:spPr>
-          <a:xfrm>
-            <a:off x="574515" y="1289747"/>
-            <a:ext cx="8643211" cy="34298"/>
-          </a:xfrm>
-          <a:prstGeom prst="rect">
-            <a:avLst/>
-          </a:prstGeom>
-        </p:spPr>
-        <p:style>
-          <a:lnRef idx="1">
-            <a:schemeClr val="accent1"/>
-          </a:lnRef>
-          <a:fillRef idx="3">
-            <a:schemeClr val="accent1"/>
-          </a:fillRef>
-          <a:effectRef idx="2">
-            <a:schemeClr val="accent1"/>
-          </a:effectRef>
-          <a:fontRef idx="minor">
-            <a:schemeClr val="lt1"/>
-          </a:fontRef>
-        </p:style>
-        <p:txBody>
-          <a:bodyPr rtlCol="0" anchor="ctr"/>
-          <a:lstStyle/>
-          <a:p>
-            <a:pPr algn="ctr"/>
-            <a:endParaRPr lang="en-US" sz="1350">
-              <a:solidFill>
-                <a:schemeClr val="tx1">
-                  <a:lumMod val="65000"/>
-                  <a:lumOff val="35000"/>
-                </a:schemeClr>
-              </a:solidFill>
-            </a:endParaRPr>
-          </a:p>
-        </p:txBody>
-      </p:sp>
-      <p:sp>
-        <p:nvSpPr>
-          <p:cNvPr id="6" name="Rectangle 5"/>
-          <p:cNvSpPr/>
-          <p:nvPr/>
-        </p:nvSpPr>
-        <p:spPr>
-          <a:xfrm>
-            <a:off x="525459" y="548680"/>
-            <a:ext cx="4605556" cy="707886"/>
-          </a:xfrm>
-          <a:prstGeom prst="rect">
-            <a:avLst/>
-          </a:prstGeom>
-        </p:spPr>
-        <p:txBody>
-          <a:bodyPr wrap="none">
-            <a:spAutoFit/>
-          </a:bodyPr>
-          <a:lstStyle/>
-          <a:p>
-            <a:r>
-              <a:rPr lang="en-US" sz="4000" dirty="0">
-                <a:solidFill>
-                  <a:schemeClr val="accent1">
-                    <a:lumMod val="75000"/>
-                  </a:schemeClr>
-                </a:solidFill>
-              </a:rPr>
-              <a:t>Why is it important?</a:t>
-            </a:r>
-          </a:p>
-        </p:txBody>
-      </p:sp>
-      <p:pic>
-        <p:nvPicPr>
-          <p:cNvPr id="10" name="Picture 9"/>
-          <p:cNvPicPr>
-            <a:picLocks noChangeAspect="1"/>
-          </p:cNvPicPr>
-          <p:nvPr/>
-        </p:nvPicPr>
-        <p:blipFill>
-          <a:blip r:embed="rId2">
-            <a:extLst>
-              <a:ext uri="{28A0092B-C50C-407E-A947-70E740481C1C}">
-                <a14:useLocalDpi xmlns:a14="http://schemas.microsoft.com/office/drawing/2010/main" val="0"/>
-              </a:ext>
-            </a:extLst>
-          </a:blip>
-          <a:stretch>
-            <a:fillRect/>
-          </a:stretch>
-        </p:blipFill>
-        <p:spPr>
-          <a:xfrm>
-            <a:off x="3037520" y="3573016"/>
-            <a:ext cx="2708920" cy="2708920"/>
-          </a:xfrm>
-          <a:prstGeom prst="rect">
-            <a:avLst/>
-          </a:prstGeom>
-        </p:spPr>
-      </p:pic>
-    </p:spTree>
-    <p:extLst>
-      <p:ext uri="{BB962C8B-B14F-4D97-AF65-F5344CB8AC3E}">
-        <p14:creationId xmlns:p14="http://schemas.microsoft.com/office/powerpoint/2010/main" val="4228850073"/>
-      </p:ext>
-    </p:extLst>
-  </p:cSld>
-  <p:clrMapOvr>
-    <a:masterClrMapping/>
-  </p:clrMapOvr>
-  <p:transition spd="slow">
-    <p:wheel spokes="1"/>
-  </p:transition>
   <p:timing>
     <p:tnLst>
       <p:par>

--- a/OOP.pptx
+++ b/OOP.pptx
@@ -5,10 +5,10 @@
     <p:sldMasterId id="2147483648" r:id="rId4"/>
   </p:sldMasterIdLst>
   <p:notesMasterIdLst>
-    <p:notesMasterId r:id="rId21"/>
+    <p:notesMasterId r:id="rId24"/>
   </p:notesMasterIdLst>
   <p:handoutMasterIdLst>
-    <p:handoutMasterId r:id="rId22"/>
+    <p:handoutMasterId r:id="rId25"/>
   </p:handoutMasterIdLst>
   <p:sldIdLst>
     <p:sldId id="267" r:id="rId5"/>
@@ -17,16 +17,19 @@
     <p:sldId id="295" r:id="rId8"/>
     <p:sldId id="296" r:id="rId9"/>
     <p:sldId id="297" r:id="rId10"/>
-    <p:sldId id="269" r:id="rId11"/>
-    <p:sldId id="284" r:id="rId12"/>
-    <p:sldId id="283" r:id="rId13"/>
-    <p:sldId id="285" r:id="rId14"/>
-    <p:sldId id="273" r:id="rId15"/>
-    <p:sldId id="281" r:id="rId16"/>
-    <p:sldId id="289" r:id="rId17"/>
-    <p:sldId id="286" r:id="rId18"/>
-    <p:sldId id="279" r:id="rId19"/>
-    <p:sldId id="292" r:id="rId20"/>
+    <p:sldId id="298" r:id="rId11"/>
+    <p:sldId id="299" r:id="rId12"/>
+    <p:sldId id="300" r:id="rId13"/>
+    <p:sldId id="269" r:id="rId14"/>
+    <p:sldId id="284" r:id="rId15"/>
+    <p:sldId id="283" r:id="rId16"/>
+    <p:sldId id="285" r:id="rId17"/>
+    <p:sldId id="273" r:id="rId18"/>
+    <p:sldId id="281" r:id="rId19"/>
+    <p:sldId id="289" r:id="rId20"/>
+    <p:sldId id="286" r:id="rId21"/>
+    <p:sldId id="279" r:id="rId22"/>
+    <p:sldId id="292" r:id="rId23"/>
   </p:sldIdLst>
   <p:sldSz cx="9144000" cy="6858000" type="screen4x3"/>
   <p:notesSz cx="6858000" cy="9144000"/>
@@ -4198,6 +4201,774 @@
       </p:grpSpPr>
       <p:sp>
         <p:nvSpPr>
+          <p:cNvPr id="2" name="Rectangle 1"/>
+          <p:cNvSpPr/>
+          <p:nvPr/>
+        </p:nvSpPr>
+        <p:spPr>
+          <a:xfrm>
+            <a:off x="574515" y="1289747"/>
+            <a:ext cx="8643211" cy="34298"/>
+          </a:xfrm>
+          <a:prstGeom prst="rect">
+            <a:avLst/>
+          </a:prstGeom>
+        </p:spPr>
+        <p:style>
+          <a:lnRef idx="1">
+            <a:schemeClr val="accent1"/>
+          </a:lnRef>
+          <a:fillRef idx="3">
+            <a:schemeClr val="accent1"/>
+          </a:fillRef>
+          <a:effectRef idx="2">
+            <a:schemeClr val="accent1"/>
+          </a:effectRef>
+          <a:fontRef idx="minor">
+            <a:schemeClr val="lt1"/>
+          </a:fontRef>
+        </p:style>
+        <p:txBody>
+          <a:bodyPr rtlCol="0" anchor="ctr"/>
+          <a:lstStyle/>
+          <a:p>
+            <a:pPr algn="ctr"/>
+            <a:endParaRPr lang="en-US" sz="1350">
+              <a:solidFill>
+                <a:schemeClr val="tx1">
+                  <a:lumMod val="65000"/>
+                  <a:lumOff val="35000"/>
+                </a:schemeClr>
+              </a:solidFill>
+            </a:endParaRPr>
+          </a:p>
+        </p:txBody>
+      </p:sp>
+      <p:sp>
+        <p:nvSpPr>
+          <p:cNvPr id="3" name="Rectangle 2"/>
+          <p:cNvSpPr/>
+          <p:nvPr/>
+        </p:nvSpPr>
+        <p:spPr>
+          <a:xfrm>
+            <a:off x="525459" y="548680"/>
+            <a:ext cx="4605556" cy="707886"/>
+          </a:xfrm>
+          <a:prstGeom prst="rect">
+            <a:avLst/>
+          </a:prstGeom>
+        </p:spPr>
+        <p:txBody>
+          <a:bodyPr wrap="none">
+            <a:spAutoFit/>
+          </a:bodyPr>
+          <a:lstStyle/>
+          <a:p>
+            <a:r>
+              <a:rPr lang="en-US" sz="4000" dirty="0">
+                <a:solidFill>
+                  <a:schemeClr val="accent1">
+                    <a:lumMod val="75000"/>
+                  </a:schemeClr>
+                </a:solidFill>
+              </a:rPr>
+              <a:t>Why is it important?</a:t>
+            </a:r>
+          </a:p>
+        </p:txBody>
+      </p:sp>
+      <p:sp>
+        <p:nvSpPr>
+          <p:cNvPr id="4" name="Rectangle 3"/>
+          <p:cNvSpPr/>
+          <p:nvPr/>
+        </p:nvSpPr>
+        <p:spPr>
+          <a:xfrm>
+            <a:off x="2483768" y="2030860"/>
+            <a:ext cx="4104456" cy="584775"/>
+          </a:xfrm>
+          <a:prstGeom prst="rect">
+            <a:avLst/>
+          </a:prstGeom>
+        </p:spPr>
+        <p:txBody>
+          <a:bodyPr wrap="square">
+            <a:spAutoFit/>
+          </a:bodyPr>
+          <a:lstStyle/>
+          <a:p>
+            <a:r>
+              <a:rPr lang="en-US" sz="3200" b="1" dirty="0">
+                <a:solidFill>
+                  <a:schemeClr val="accent6">
+                    <a:lumMod val="50000"/>
+                  </a:schemeClr>
+                </a:solidFill>
+                <a:latin typeface="Adobe Kaiti Std R" panose="02020400000000000000" pitchFamily="18" charset="-128"/>
+                <a:ea typeface="Adobe Kaiti Std R" panose="02020400000000000000" pitchFamily="18" charset="-128"/>
+              </a:rPr>
+              <a:t>Secure data storage</a:t>
+            </a:r>
+          </a:p>
+        </p:txBody>
+      </p:sp>
+      <p:pic>
+        <p:nvPicPr>
+          <p:cNvPr id="5" name="Picture 4"/>
+          <p:cNvPicPr>
+            <a:picLocks noChangeAspect="1"/>
+          </p:cNvPicPr>
+          <p:nvPr/>
+        </p:nvPicPr>
+        <p:blipFill>
+          <a:blip r:embed="rId2">
+            <a:extLst>
+              <a:ext uri="{28A0092B-C50C-407E-A947-70E740481C1C}">
+                <a14:useLocalDpi xmlns:a14="http://schemas.microsoft.com/office/drawing/2010/main" val="0"/>
+              </a:ext>
+            </a:extLst>
+          </a:blip>
+          <a:stretch>
+            <a:fillRect/>
+          </a:stretch>
+        </p:blipFill>
+        <p:spPr>
+          <a:xfrm>
+            <a:off x="1403648" y="3501008"/>
+            <a:ext cx="6084562" cy="2320959"/>
+          </a:xfrm>
+          <a:prstGeom prst="rect">
+            <a:avLst/>
+          </a:prstGeom>
+        </p:spPr>
+      </p:pic>
+    </p:spTree>
+    <p:extLst>
+      <p:ext uri="{BB962C8B-B14F-4D97-AF65-F5344CB8AC3E}">
+        <p14:creationId xmlns:p14="http://schemas.microsoft.com/office/powerpoint/2010/main" val="2284065592"/>
+      </p:ext>
+    </p:extLst>
+  </p:cSld>
+  <p:clrMapOvr>
+    <a:masterClrMapping/>
+  </p:clrMapOvr>
+  <p:transition spd="slow">
+    <p:wheel spokes="1"/>
+  </p:transition>
+  <p:timing>
+    <p:tnLst>
+      <p:par>
+        <p:cTn id="1" dur="indefinite" restart="never" nodeType="tmRoot">
+          <p:childTnLst>
+            <p:seq concurrent="1" nextAc="seek">
+              <p:cTn id="2" dur="indefinite" nodeType="mainSeq">
+                <p:childTnLst>
+                  <p:par>
+                    <p:cTn id="3" fill="hold">
+                      <p:stCondLst>
+                        <p:cond delay="indefinite"/>
+                        <p:cond evt="onBegin" delay="0">
+                          <p:tn val="2"/>
+                        </p:cond>
+                      </p:stCondLst>
+                      <p:childTnLst>
+                        <p:par>
+                          <p:cTn id="4" fill="hold">
+                            <p:stCondLst>
+                              <p:cond delay="0"/>
+                            </p:stCondLst>
+                            <p:childTnLst>
+                              <p:par>
+                                <p:cTn id="5" presetID="6" presetClass="emph" presetSubtype="0" fill="hold" grpId="0" nodeType="afterEffect">
+                                  <p:stCondLst>
+                                    <p:cond delay="0"/>
+                                  </p:stCondLst>
+                                  <p:childTnLst>
+                                    <p:animScale>
+                                      <p:cBhvr>
+                                        <p:cTn id="6" dur="2000" fill="hold"/>
+                                        <p:tgtEl>
+                                          <p:spTgt spid="4"/>
+                                        </p:tgtEl>
+                                      </p:cBhvr>
+                                      <p:by x="150000" y="150000"/>
+                                    </p:animScale>
+                                  </p:childTnLst>
+                                </p:cTn>
+                              </p:par>
+                            </p:childTnLst>
+                          </p:cTn>
+                        </p:par>
+                      </p:childTnLst>
+                    </p:cTn>
+                  </p:par>
+                </p:childTnLst>
+              </p:cTn>
+              <p:prevCondLst>
+                <p:cond evt="onPrev" delay="0">
+                  <p:tgtEl>
+                    <p:sldTgt/>
+                  </p:tgtEl>
+                </p:cond>
+              </p:prevCondLst>
+              <p:nextCondLst>
+                <p:cond evt="onNext" delay="0">
+                  <p:tgtEl>
+                    <p:sldTgt/>
+                  </p:tgtEl>
+                </p:cond>
+              </p:nextCondLst>
+            </p:seq>
+          </p:childTnLst>
+        </p:cTn>
+      </p:par>
+    </p:tnLst>
+    <p:bldLst>
+      <p:bldP spid="4" grpId="0"/>
+    </p:bldLst>
+  </p:timing>
+</p:sld>
+</file>
+
+<file path=ppt/slides/slide11.xml><?xml version="1.0" encoding="utf-8"?>
+<p:sld xmlns:a="http://schemas.openxmlformats.org/drawingml/2006/main" xmlns:r="http://schemas.openxmlformats.org/officeDocument/2006/relationships" xmlns:p="http://schemas.openxmlformats.org/presentationml/2006/main">
+  <p:cSld>
+    <p:spTree>
+      <p:nvGrpSpPr>
+        <p:cNvPr id="1" name=""/>
+        <p:cNvGrpSpPr/>
+        <p:nvPr/>
+      </p:nvGrpSpPr>
+      <p:grpSpPr>
+        <a:xfrm>
+          <a:off x="0" y="0"/>
+          <a:ext cx="0" cy="0"/>
+          <a:chOff x="0" y="0"/>
+          <a:chExt cx="0" cy="0"/>
+        </a:xfrm>
+      </p:grpSpPr>
+      <p:sp>
+        <p:nvSpPr>
+          <p:cNvPr id="4" name="Rectangle 3"/>
+          <p:cNvSpPr/>
+          <p:nvPr/>
+        </p:nvSpPr>
+        <p:spPr>
+          <a:xfrm>
+            <a:off x="3004728" y="1836113"/>
+            <a:ext cx="2918520" cy="584775"/>
+          </a:xfrm>
+          <a:prstGeom prst="rect">
+            <a:avLst/>
+          </a:prstGeom>
+        </p:spPr>
+        <p:txBody>
+          <a:bodyPr wrap="square">
+            <a:spAutoFit/>
+          </a:bodyPr>
+          <a:lstStyle/>
+          <a:p>
+            <a:r>
+              <a:rPr lang="en-US" sz="3200" b="1" dirty="0">
+                <a:solidFill>
+                  <a:schemeClr val="accent6">
+                    <a:lumMod val="50000"/>
+                  </a:schemeClr>
+                </a:solidFill>
+                <a:latin typeface="Adobe Kaiti Std R" panose="02020400000000000000" pitchFamily="18" charset="-128"/>
+                <a:ea typeface="Adobe Kaiti Std R" panose="02020400000000000000" pitchFamily="18" charset="-128"/>
+              </a:rPr>
+              <a:t>Ease of access</a:t>
+            </a:r>
+          </a:p>
+        </p:txBody>
+      </p:sp>
+      <p:pic>
+        <p:nvPicPr>
+          <p:cNvPr id="6" name="Picture 5"/>
+          <p:cNvPicPr>
+            <a:picLocks noChangeAspect="1"/>
+          </p:cNvPicPr>
+          <p:nvPr/>
+        </p:nvPicPr>
+        <p:blipFill>
+          <a:blip r:embed="rId2">
+            <a:extLst>
+              <a:ext uri="{28A0092B-C50C-407E-A947-70E740481C1C}">
+                <a14:useLocalDpi xmlns:a14="http://schemas.microsoft.com/office/drawing/2010/main" val="0"/>
+              </a:ext>
+            </a:extLst>
+          </a:blip>
+          <a:stretch>
+            <a:fillRect/>
+          </a:stretch>
+        </p:blipFill>
+        <p:spPr>
+          <a:xfrm>
+            <a:off x="2483768" y="3356992"/>
+            <a:ext cx="3960440" cy="2849057"/>
+          </a:xfrm>
+          <a:prstGeom prst="rect">
+            <a:avLst/>
+          </a:prstGeom>
+        </p:spPr>
+      </p:pic>
+      <p:sp>
+        <p:nvSpPr>
+          <p:cNvPr id="7" name="Rectangle 6"/>
+          <p:cNvSpPr/>
+          <p:nvPr/>
+        </p:nvSpPr>
+        <p:spPr>
+          <a:xfrm>
+            <a:off x="574515" y="1289747"/>
+            <a:ext cx="8643211" cy="34298"/>
+          </a:xfrm>
+          <a:prstGeom prst="rect">
+            <a:avLst/>
+          </a:prstGeom>
+        </p:spPr>
+        <p:style>
+          <a:lnRef idx="1">
+            <a:schemeClr val="accent1"/>
+          </a:lnRef>
+          <a:fillRef idx="3">
+            <a:schemeClr val="accent1"/>
+          </a:fillRef>
+          <a:effectRef idx="2">
+            <a:schemeClr val="accent1"/>
+          </a:effectRef>
+          <a:fontRef idx="minor">
+            <a:schemeClr val="lt1"/>
+          </a:fontRef>
+        </p:style>
+        <p:txBody>
+          <a:bodyPr rtlCol="0" anchor="ctr"/>
+          <a:lstStyle/>
+          <a:p>
+            <a:pPr algn="ctr"/>
+            <a:endParaRPr lang="en-US" sz="1350">
+              <a:solidFill>
+                <a:schemeClr val="tx1">
+                  <a:lumMod val="65000"/>
+                  <a:lumOff val="35000"/>
+                </a:schemeClr>
+              </a:solidFill>
+            </a:endParaRPr>
+          </a:p>
+        </p:txBody>
+      </p:sp>
+      <p:sp>
+        <p:nvSpPr>
+          <p:cNvPr id="8" name="Rectangle 7"/>
+          <p:cNvSpPr/>
+          <p:nvPr/>
+        </p:nvSpPr>
+        <p:spPr>
+          <a:xfrm>
+            <a:off x="525459" y="548680"/>
+            <a:ext cx="4605556" cy="707886"/>
+          </a:xfrm>
+          <a:prstGeom prst="rect">
+            <a:avLst/>
+          </a:prstGeom>
+        </p:spPr>
+        <p:txBody>
+          <a:bodyPr wrap="none">
+            <a:spAutoFit/>
+          </a:bodyPr>
+          <a:lstStyle/>
+          <a:p>
+            <a:r>
+              <a:rPr lang="en-US" sz="4000" dirty="0">
+                <a:solidFill>
+                  <a:schemeClr val="accent1">
+                    <a:lumMod val="75000"/>
+                  </a:schemeClr>
+                </a:solidFill>
+              </a:rPr>
+              <a:t>Why is it important?</a:t>
+            </a:r>
+          </a:p>
+        </p:txBody>
+      </p:sp>
+    </p:spTree>
+    <p:extLst>
+      <p:ext uri="{BB962C8B-B14F-4D97-AF65-F5344CB8AC3E}">
+        <p14:creationId xmlns:p14="http://schemas.microsoft.com/office/powerpoint/2010/main" val="1303484"/>
+      </p:ext>
+    </p:extLst>
+  </p:cSld>
+  <p:clrMapOvr>
+    <a:masterClrMapping/>
+  </p:clrMapOvr>
+  <mc:AlternateContent xmlns:mc="http://schemas.openxmlformats.org/markup-compatibility/2006" xmlns:p14="http://schemas.microsoft.com/office/powerpoint/2010/main">
+    <mc:Choice Requires="p14">
+      <p:transition spd="slow" p14:dur="1500">
+        <p:split orient="vert"/>
+      </p:transition>
+    </mc:Choice>
+    <mc:Fallback xmlns="">
+      <p:transition spd="slow">
+        <p:split orient="vert"/>
+      </p:transition>
+    </mc:Fallback>
+  </mc:AlternateContent>
+  <p:timing>
+    <p:tnLst>
+      <p:par>
+        <p:cTn id="1" dur="indefinite" restart="never" nodeType="tmRoot">
+          <p:childTnLst>
+            <p:seq concurrent="1" nextAc="seek">
+              <p:cTn id="2" dur="indefinite" nodeType="mainSeq">
+                <p:childTnLst>
+                  <p:par>
+                    <p:cTn id="3" fill="hold">
+                      <p:stCondLst>
+                        <p:cond delay="indefinite"/>
+                        <p:cond evt="onBegin" delay="0">
+                          <p:tn val="2"/>
+                        </p:cond>
+                      </p:stCondLst>
+                      <p:childTnLst>
+                        <p:par>
+                          <p:cTn id="4" fill="hold">
+                            <p:stCondLst>
+                              <p:cond delay="0"/>
+                            </p:stCondLst>
+                            <p:childTnLst>
+                              <p:par>
+                                <p:cTn id="5" presetID="6" presetClass="emph" presetSubtype="0" fill="hold" grpId="0" nodeType="afterEffect">
+                                  <p:stCondLst>
+                                    <p:cond delay="0"/>
+                                  </p:stCondLst>
+                                  <p:childTnLst>
+                                    <p:animScale>
+                                      <p:cBhvr>
+                                        <p:cTn id="6" dur="2000" fill="hold"/>
+                                        <p:tgtEl>
+                                          <p:spTgt spid="4"/>
+                                        </p:tgtEl>
+                                      </p:cBhvr>
+                                      <p:by x="150000" y="150000"/>
+                                    </p:animScale>
+                                  </p:childTnLst>
+                                </p:cTn>
+                              </p:par>
+                            </p:childTnLst>
+                          </p:cTn>
+                        </p:par>
+                      </p:childTnLst>
+                    </p:cTn>
+                  </p:par>
+                </p:childTnLst>
+              </p:cTn>
+              <p:prevCondLst>
+                <p:cond evt="onPrev" delay="0">
+                  <p:tgtEl>
+                    <p:sldTgt/>
+                  </p:tgtEl>
+                </p:cond>
+              </p:prevCondLst>
+              <p:nextCondLst>
+                <p:cond evt="onNext" delay="0">
+                  <p:tgtEl>
+                    <p:sldTgt/>
+                  </p:tgtEl>
+                </p:cond>
+              </p:nextCondLst>
+            </p:seq>
+          </p:childTnLst>
+        </p:cTn>
+      </p:par>
+    </p:tnLst>
+    <p:bldLst>
+      <p:bldP spid="4" grpId="0"/>
+    </p:bldLst>
+  </p:timing>
+</p:sld>
+</file>
+
+<file path=ppt/slides/slide12.xml><?xml version="1.0" encoding="utf-8"?>
+<p:sld xmlns:a="http://schemas.openxmlformats.org/drawingml/2006/main" xmlns:r="http://schemas.openxmlformats.org/officeDocument/2006/relationships" xmlns:p="http://schemas.openxmlformats.org/presentationml/2006/main">
+  <p:cSld>
+    <p:spTree>
+      <p:nvGrpSpPr>
+        <p:cNvPr id="1" name=""/>
+        <p:cNvGrpSpPr/>
+        <p:nvPr/>
+      </p:nvGrpSpPr>
+      <p:grpSpPr>
+        <a:xfrm>
+          <a:off x="0" y="0"/>
+          <a:ext cx="0" cy="0"/>
+          <a:chOff x="0" y="0"/>
+          <a:chExt cx="0" cy="0"/>
+        </a:xfrm>
+      </p:grpSpPr>
+      <p:sp>
+        <p:nvSpPr>
+          <p:cNvPr id="4" name="Rectangle 3"/>
+          <p:cNvSpPr/>
+          <p:nvPr/>
+        </p:nvSpPr>
+        <p:spPr>
+          <a:xfrm>
+            <a:off x="2555776" y="1892603"/>
+            <a:ext cx="3816424" cy="600293"/>
+          </a:xfrm>
+          <a:prstGeom prst="rect">
+            <a:avLst/>
+          </a:prstGeom>
+        </p:spPr>
+        <p:txBody>
+          <a:bodyPr wrap="square">
+            <a:spAutoFit/>
+          </a:bodyPr>
+          <a:lstStyle/>
+          <a:p>
+            <a:r>
+              <a:rPr lang="en-US" sz="3200" b="1" dirty="0">
+                <a:solidFill>
+                  <a:schemeClr val="accent6">
+                    <a:lumMod val="50000"/>
+                  </a:schemeClr>
+                </a:solidFill>
+                <a:latin typeface="Adobe Kaiti Std R" panose="02020400000000000000" pitchFamily="18" charset="-128"/>
+                <a:ea typeface="Adobe Kaiti Std R" panose="02020400000000000000" pitchFamily="18" charset="-128"/>
+              </a:rPr>
+              <a:t>Always availability</a:t>
+            </a:r>
+          </a:p>
+        </p:txBody>
+      </p:sp>
+      <p:pic>
+        <p:nvPicPr>
+          <p:cNvPr id="6" name="Picture 5"/>
+          <p:cNvPicPr>
+            <a:picLocks noChangeAspect="1"/>
+          </p:cNvPicPr>
+          <p:nvPr/>
+        </p:nvPicPr>
+        <p:blipFill>
+          <a:blip r:embed="rId2">
+            <a:extLst>
+              <a:ext uri="{28A0092B-C50C-407E-A947-70E740481C1C}">
+                <a14:useLocalDpi xmlns:a14="http://schemas.microsoft.com/office/drawing/2010/main" val="0"/>
+              </a:ext>
+            </a:extLst>
+          </a:blip>
+          <a:stretch>
+            <a:fillRect/>
+          </a:stretch>
+        </p:blipFill>
+        <p:spPr>
+          <a:xfrm>
+            <a:off x="2016434" y="3429000"/>
+            <a:ext cx="5183140" cy="2358328"/>
+          </a:xfrm>
+          <a:prstGeom prst="rect">
+            <a:avLst/>
+          </a:prstGeom>
+        </p:spPr>
+      </p:pic>
+      <p:sp>
+        <p:nvSpPr>
+          <p:cNvPr id="9" name="Rectangle 8"/>
+          <p:cNvSpPr/>
+          <p:nvPr/>
+        </p:nvSpPr>
+        <p:spPr>
+          <a:xfrm>
+            <a:off x="574515" y="1289747"/>
+            <a:ext cx="8643211" cy="34298"/>
+          </a:xfrm>
+          <a:prstGeom prst="rect">
+            <a:avLst/>
+          </a:prstGeom>
+        </p:spPr>
+        <p:style>
+          <a:lnRef idx="1">
+            <a:schemeClr val="accent1"/>
+          </a:lnRef>
+          <a:fillRef idx="3">
+            <a:schemeClr val="accent1"/>
+          </a:fillRef>
+          <a:effectRef idx="2">
+            <a:schemeClr val="accent1"/>
+          </a:effectRef>
+          <a:fontRef idx="minor">
+            <a:schemeClr val="lt1"/>
+          </a:fontRef>
+        </p:style>
+        <p:txBody>
+          <a:bodyPr rtlCol="0" anchor="ctr"/>
+          <a:lstStyle/>
+          <a:p>
+            <a:pPr algn="ctr"/>
+            <a:endParaRPr lang="en-US" sz="1350">
+              <a:solidFill>
+                <a:schemeClr val="tx1">
+                  <a:lumMod val="65000"/>
+                  <a:lumOff val="35000"/>
+                </a:schemeClr>
+              </a:solidFill>
+            </a:endParaRPr>
+          </a:p>
+        </p:txBody>
+      </p:sp>
+      <p:sp>
+        <p:nvSpPr>
+          <p:cNvPr id="10" name="Rectangle 9"/>
+          <p:cNvSpPr/>
+          <p:nvPr/>
+        </p:nvSpPr>
+        <p:spPr>
+          <a:xfrm>
+            <a:off x="525459" y="548680"/>
+            <a:ext cx="4605556" cy="707886"/>
+          </a:xfrm>
+          <a:prstGeom prst="rect">
+            <a:avLst/>
+          </a:prstGeom>
+        </p:spPr>
+        <p:txBody>
+          <a:bodyPr wrap="none">
+            <a:spAutoFit/>
+          </a:bodyPr>
+          <a:lstStyle/>
+          <a:p>
+            <a:r>
+              <a:rPr lang="en-US" sz="4000" dirty="0">
+                <a:solidFill>
+                  <a:schemeClr val="accent1">
+                    <a:lumMod val="75000"/>
+                  </a:schemeClr>
+                </a:solidFill>
+              </a:rPr>
+              <a:t>Why is it important?</a:t>
+            </a:r>
+          </a:p>
+        </p:txBody>
+      </p:sp>
+    </p:spTree>
+    <p:extLst>
+      <p:ext uri="{BB962C8B-B14F-4D97-AF65-F5344CB8AC3E}">
+        <p14:creationId xmlns:p14="http://schemas.microsoft.com/office/powerpoint/2010/main" val="1856229167"/>
+      </p:ext>
+    </p:extLst>
+  </p:cSld>
+  <p:clrMapOvr>
+    <a:masterClrMapping/>
+  </p:clrMapOvr>
+  <mc:AlternateContent xmlns:mc="http://schemas.openxmlformats.org/markup-compatibility/2006" xmlns:p14="http://schemas.microsoft.com/office/powerpoint/2010/main">
+    <mc:Choice Requires="p14">
+      <p:transition spd="slow" p14:dur="1200">
+        <p:dissolve/>
+      </p:transition>
+    </mc:Choice>
+    <mc:Fallback xmlns="">
+      <p:transition spd="slow">
+        <p:dissolve/>
+      </p:transition>
+    </mc:Fallback>
+  </mc:AlternateContent>
+  <p:timing>
+    <p:tnLst>
+      <p:par>
+        <p:cTn id="1" dur="indefinite" restart="never" nodeType="tmRoot">
+          <p:childTnLst>
+            <p:seq concurrent="1" nextAc="seek">
+              <p:cTn id="2" dur="indefinite" nodeType="mainSeq">
+                <p:childTnLst>
+                  <p:par>
+                    <p:cTn id="3" fill="hold">
+                      <p:stCondLst>
+                        <p:cond delay="indefinite"/>
+                        <p:cond evt="onBegin" delay="0">
+                          <p:tn val="2"/>
+                        </p:cond>
+                      </p:stCondLst>
+                      <p:childTnLst>
+                        <p:par>
+                          <p:cTn id="4" fill="hold">
+                            <p:stCondLst>
+                              <p:cond delay="0"/>
+                            </p:stCondLst>
+                            <p:childTnLst>
+                              <p:par>
+                                <p:cTn id="5" presetID="6" presetClass="emph" presetSubtype="0" fill="hold" grpId="0" nodeType="afterEffect">
+                                  <p:stCondLst>
+                                    <p:cond delay="0"/>
+                                  </p:stCondLst>
+                                  <p:childTnLst>
+                                    <p:animScale>
+                                      <p:cBhvr>
+                                        <p:cTn id="6" dur="2000" fill="hold"/>
+                                        <p:tgtEl>
+                                          <p:spTgt spid="4"/>
+                                        </p:tgtEl>
+                                      </p:cBhvr>
+                                      <p:by x="150000" y="150000"/>
+                                    </p:animScale>
+                                  </p:childTnLst>
+                                </p:cTn>
+                              </p:par>
+                            </p:childTnLst>
+                          </p:cTn>
+                        </p:par>
+                      </p:childTnLst>
+                    </p:cTn>
+                  </p:par>
+                </p:childTnLst>
+              </p:cTn>
+              <p:prevCondLst>
+                <p:cond evt="onPrev" delay="0">
+                  <p:tgtEl>
+                    <p:sldTgt/>
+                  </p:tgtEl>
+                </p:cond>
+              </p:prevCondLst>
+              <p:nextCondLst>
+                <p:cond evt="onNext" delay="0">
+                  <p:tgtEl>
+                    <p:sldTgt/>
+                  </p:tgtEl>
+                </p:cond>
+              </p:nextCondLst>
+            </p:seq>
+          </p:childTnLst>
+        </p:cTn>
+      </p:par>
+    </p:tnLst>
+    <p:bldLst>
+      <p:bldP spid="4" grpId="0"/>
+    </p:bldLst>
+  </p:timing>
+</p:sld>
+</file>
+
+<file path=ppt/slides/slide13.xml><?xml version="1.0" encoding="utf-8"?>
+<p:sld xmlns:a="http://schemas.openxmlformats.org/drawingml/2006/main" xmlns:r="http://schemas.openxmlformats.org/officeDocument/2006/relationships" xmlns:p="http://schemas.openxmlformats.org/presentationml/2006/main">
+  <p:cSld>
+    <p:spTree>
+      <p:nvGrpSpPr>
+        <p:cNvPr id="1" name=""/>
+        <p:cNvGrpSpPr/>
+        <p:nvPr/>
+      </p:nvGrpSpPr>
+      <p:grpSpPr>
+        <a:xfrm>
+          <a:off x="0" y="0"/>
+          <a:ext cx="0" cy="0"/>
+          <a:chOff x="0" y="0"/>
+          <a:chExt cx="0" cy="0"/>
+        </a:xfrm>
+      </p:grpSpPr>
+      <p:sp>
+        <p:nvSpPr>
           <p:cNvPr id="4" name="Rectangle 3"/>
           <p:cNvSpPr/>
           <p:nvPr/>
@@ -4447,7 +5218,7 @@
 </p:sld>
 </file>
 
-<file path=ppt/slides/slide11.xml><?xml version="1.0" encoding="utf-8"?>
+<file path=ppt/slides/slide14.xml><?xml version="1.0" encoding="utf-8"?>
 <p:sld xmlns:a="http://schemas.openxmlformats.org/drawingml/2006/main" xmlns:r="http://schemas.openxmlformats.org/officeDocument/2006/relationships" xmlns:p="http://schemas.openxmlformats.org/presentationml/2006/main">
   <p:cSld>
     <p:spTree>
@@ -5059,7 +5830,7 @@
 </p:sld>
 </file>
 
-<file path=ppt/slides/slide12.xml><?xml version="1.0" encoding="utf-8"?>
+<file path=ppt/slides/slide15.xml><?xml version="1.0" encoding="utf-8"?>
 <p:sld xmlns:a="http://schemas.openxmlformats.org/drawingml/2006/main" xmlns:r="http://schemas.openxmlformats.org/officeDocument/2006/relationships" xmlns:p="http://schemas.openxmlformats.org/presentationml/2006/main">
   <p:cSld>
     <p:spTree>
@@ -5233,7 +6004,7 @@
 </p:sld>
 </file>
 
-<file path=ppt/slides/slide13.xml><?xml version="1.0" encoding="utf-8"?>
+<file path=ppt/slides/slide16.xml><?xml version="1.0" encoding="utf-8"?>
 <p:sld xmlns:a="http://schemas.openxmlformats.org/drawingml/2006/main" xmlns:r="http://schemas.openxmlformats.org/officeDocument/2006/relationships" xmlns:p="http://schemas.openxmlformats.org/presentationml/2006/main">
   <p:cSld>
     <p:spTree>
@@ -5723,7 +6494,7 @@
 </p:sld>
 </file>
 
-<file path=ppt/slides/slide14.xml><?xml version="1.0" encoding="utf-8"?>
+<file path=ppt/slides/slide17.xml><?xml version="1.0" encoding="utf-8"?>
 <p:sld xmlns:a="http://schemas.openxmlformats.org/drawingml/2006/main" xmlns:r="http://schemas.openxmlformats.org/officeDocument/2006/relationships" xmlns:p="http://schemas.openxmlformats.org/presentationml/2006/main">
   <p:cSld>
     <p:spTree>
@@ -6197,7 +6968,7 @@
 </p:sld>
 </file>
 
-<file path=ppt/slides/slide15.xml><?xml version="1.0" encoding="utf-8"?>
+<file path=ppt/slides/slide18.xml><?xml version="1.0" encoding="utf-8"?>
 <p:sld xmlns:a="http://schemas.openxmlformats.org/drawingml/2006/main" xmlns:r="http://schemas.openxmlformats.org/officeDocument/2006/relationships" xmlns:p="http://schemas.openxmlformats.org/presentationml/2006/main">
   <p:cSld>
     <p:spTree>
@@ -6416,7 +7187,7 @@
 </p:sld>
 </file>
 
-<file path=ppt/slides/slide16.xml><?xml version="1.0" encoding="utf-8"?>
+<file path=ppt/slides/slide19.xml><?xml version="1.0" encoding="utf-8"?>
 <p:sld xmlns:a="http://schemas.openxmlformats.org/drawingml/2006/main" xmlns:r="http://schemas.openxmlformats.org/officeDocument/2006/relationships" xmlns:p="http://schemas.openxmlformats.org/presentationml/2006/main">
   <p:cSld>
     <p:spTree>
@@ -7373,8 +8144,8 @@
         </p:nvSpPr>
         <p:spPr>
           <a:xfrm>
-            <a:off x="827584" y="2513883"/>
-            <a:ext cx="7076628" cy="1815882"/>
+            <a:off x="800615" y="5081987"/>
+            <a:ext cx="7076628" cy="954107"/>
           </a:xfrm>
           <a:prstGeom prst="rect">
             <a:avLst/>
@@ -7394,17 +8165,8 @@
                   </a:schemeClr>
                 </a:solidFill>
               </a:rPr>
-              <a:t>Encapsulation means data hiding</a:t>
-            </a:r>
-          </a:p>
-          <a:p>
-            <a:endParaRPr lang="en-US" sz="2800" dirty="0">
-              <a:solidFill>
-                <a:schemeClr val="accent6">
-                  <a:lumMod val="50000"/>
-                </a:schemeClr>
-              </a:solidFill>
-            </a:endParaRPr>
+              <a:t>Abstraction – Cash withdraw</a:t>
+            </a:r>
           </a:p>
           <a:p>
             <a:r>
@@ -7415,7 +8177,78 @@
                   </a:schemeClr>
                 </a:solidFill>
               </a:rPr>
-              <a:t>Encapsulation is binding data and methods together to protect it from outer world</a:t>
+              <a:t>Encapsulation – Can not change statements</a:t>
+            </a:r>
+          </a:p>
+        </p:txBody>
+      </p:sp>
+      <p:pic>
+        <p:nvPicPr>
+          <p:cNvPr id="6" name="Picture 5">
+            <a:extLst>
+              <a:ext uri="{FF2B5EF4-FFF2-40B4-BE49-F238E27FC236}">
+                <a16:creationId xmlns:a16="http://schemas.microsoft.com/office/drawing/2014/main" id="{5F0B3928-87E6-4AD8-8D82-5FF9B93890F7}"/>
+              </a:ext>
+            </a:extLst>
+          </p:cNvPr>
+          <p:cNvPicPr>
+            <a:picLocks noChangeAspect="1"/>
+          </p:cNvPicPr>
+          <p:nvPr/>
+        </p:nvPicPr>
+        <p:blipFill>
+          <a:blip r:embed="rId2"/>
+          <a:stretch>
+            <a:fillRect/>
+          </a:stretch>
+        </p:blipFill>
+        <p:spPr>
+          <a:xfrm>
+            <a:off x="3418611" y="1961616"/>
+            <a:ext cx="2306777" cy="2299836"/>
+          </a:xfrm>
+          <a:prstGeom prst="rect">
+            <a:avLst/>
+          </a:prstGeom>
+        </p:spPr>
+      </p:pic>
+      <p:sp>
+        <p:nvSpPr>
+          <p:cNvPr id="7" name="Rectangle 6">
+            <a:extLst>
+              <a:ext uri="{FF2B5EF4-FFF2-40B4-BE49-F238E27FC236}">
+                <a16:creationId xmlns:a16="http://schemas.microsoft.com/office/drawing/2014/main" id="{F2BD3311-A0EF-4563-B489-974ECA3B0A6E}"/>
+              </a:ext>
+            </a:extLst>
+          </p:cNvPr>
+          <p:cNvSpPr/>
+          <p:nvPr/>
+        </p:nvSpPr>
+        <p:spPr>
+          <a:xfrm>
+            <a:off x="3095205" y="4307615"/>
+            <a:ext cx="2953588" cy="523220"/>
+          </a:xfrm>
+          <a:prstGeom prst="rect">
+            <a:avLst/>
+          </a:prstGeom>
+        </p:spPr>
+        <p:txBody>
+          <a:bodyPr wrap="square">
+            <a:spAutoFit/>
+          </a:bodyPr>
+          <a:lstStyle/>
+          <a:p>
+            <a:pPr algn="ctr"/>
+            <a:r>
+              <a:rPr lang="en-US" sz="2800" dirty="0">
+                <a:solidFill>
+                  <a:schemeClr val="accent6">
+                    <a:lumMod val="50000"/>
+                  </a:schemeClr>
+                </a:solidFill>
+              </a:rPr>
+              <a:t>ATM Machine</a:t>
             </a:r>
           </a:p>
         </p:txBody>
@@ -7461,8 +8294,8 @@
         </p:nvSpPr>
         <p:spPr>
           <a:xfrm>
-            <a:off x="574515" y="1289747"/>
-            <a:ext cx="8643211" cy="34298"/>
+            <a:off x="574515" y="1744442"/>
+            <a:ext cx="8697231" cy="34298"/>
           </a:xfrm>
           <a:prstGeom prst="rect">
             <a:avLst/>
@@ -7506,28 +8339,28 @@
         </p:nvSpPr>
         <p:spPr>
           <a:xfrm>
-            <a:off x="525459" y="548680"/>
-            <a:ext cx="4605556" cy="707886"/>
+            <a:off x="467544" y="980728"/>
+            <a:ext cx="7436668" cy="769441"/>
           </a:xfrm>
           <a:prstGeom prst="rect">
             <a:avLst/>
           </a:prstGeom>
         </p:spPr>
         <p:txBody>
-          <a:bodyPr wrap="none">
+          <a:bodyPr wrap="square">
             <a:spAutoFit/>
           </a:bodyPr>
           <a:lstStyle/>
           <a:p>
             <a:r>
-              <a:rPr lang="en-US" sz="4000" dirty="0">
+              <a:rPr lang="en-US" sz="4400" dirty="0">
                 <a:solidFill>
                   <a:schemeClr val="accent1">
                     <a:lumMod val="75000"/>
                   </a:schemeClr>
                 </a:solidFill>
               </a:rPr>
-              <a:t>Why is it important?</a:t>
+              <a:t>Inheritance</a:t>
             </a:r>
           </a:p>
         </p:txBody>
@@ -7540,8 +8373,8 @@
         </p:nvSpPr>
         <p:spPr>
           <a:xfrm>
-            <a:off x="2483768" y="2030860"/>
-            <a:ext cx="4104456" cy="584775"/>
+            <a:off x="1033686" y="2542454"/>
+            <a:ext cx="7076628" cy="523220"/>
           </a:xfrm>
           <a:prstGeom prst="rect">
             <a:avLst/>
@@ -7554,54 +8387,22 @@
           <a:lstStyle/>
           <a:p>
             <a:r>
-              <a:rPr lang="en-US" sz="3200" b="1" dirty="0">
+              <a:rPr lang="en-US" sz="2800" dirty="0">
                 <a:solidFill>
                   <a:schemeClr val="accent6">
                     <a:lumMod val="50000"/>
                   </a:schemeClr>
                 </a:solidFill>
-                <a:latin typeface="Adobe Kaiti Std R" panose="02020400000000000000" pitchFamily="18" charset="-128"/>
-                <a:ea typeface="Adobe Kaiti Std R" panose="02020400000000000000" pitchFamily="18" charset="-128"/>
               </a:rPr>
-              <a:t>Secure data storage</a:t>
-            </a:r>
-          </a:p>
-        </p:txBody>
-      </p:sp>
-      <p:pic>
-        <p:nvPicPr>
-          <p:cNvPr id="5" name="Picture 4"/>
-          <p:cNvPicPr>
-            <a:picLocks noChangeAspect="1"/>
-          </p:cNvPicPr>
-          <p:nvPr/>
-        </p:nvPicPr>
-        <p:blipFill>
-          <a:blip r:embed="rId2">
-            <a:extLst>
-              <a:ext uri="{28A0092B-C50C-407E-A947-70E740481C1C}">
-                <a14:useLocalDpi xmlns:a14="http://schemas.microsoft.com/office/drawing/2010/main" val="0"/>
-              </a:ext>
-            </a:extLst>
-          </a:blip>
-          <a:stretch>
-            <a:fillRect/>
-          </a:stretch>
-        </p:blipFill>
-        <p:spPr>
-          <a:xfrm>
-            <a:off x="1403648" y="3501008"/>
-            <a:ext cx="6084562" cy="2320959"/>
-          </a:xfrm>
-          <a:prstGeom prst="rect">
-            <a:avLst/>
-          </a:prstGeom>
-        </p:spPr>
-      </p:pic>
+              <a:t>Inheritance means </a:t>
+            </a:r>
+          </a:p>
+        </p:txBody>
+      </p:sp>
     </p:spTree>
     <p:extLst>
       <p:ext uri="{BB962C8B-B14F-4D97-AF65-F5344CB8AC3E}">
-        <p14:creationId xmlns:p14="http://schemas.microsoft.com/office/powerpoint/2010/main" val="2284065592"/>
+        <p14:creationId xmlns:p14="http://schemas.microsoft.com/office/powerpoint/2010/main" val="3624677081"/>
       </p:ext>
     </p:extLst>
   </p:cSld>
@@ -7609,80 +8410,8 @@
     <a:masterClrMapping/>
   </p:clrMapOvr>
   <p:transition spd="slow">
-    <p:wheel spokes="1"/>
+    <p:randomBar dir="vert"/>
   </p:transition>
-  <p:timing>
-    <p:tnLst>
-      <p:par>
-        <p:cTn id="1" dur="indefinite" restart="never" nodeType="tmRoot">
-          <p:childTnLst>
-            <p:seq concurrent="1" nextAc="seek">
-              <p:cTn id="2" dur="indefinite" nodeType="mainSeq">
-                <p:childTnLst>
-                  <p:par>
-                    <p:cTn id="3" fill="hold">
-                      <p:stCondLst>
-                        <p:cond delay="indefinite"/>
-                        <p:cond evt="onBegin" delay="0">
-                          <p:tn val="2"/>
-                        </p:cond>
-                      </p:stCondLst>
-                      <p:childTnLst>
-                        <p:par>
-                          <p:cTn id="4" fill="hold">
-                            <p:stCondLst>
-                              <p:cond delay="0"/>
-                            </p:stCondLst>
-                            <p:childTnLst>
-                              <p:par>
-                                <p:cTn id="5" presetID="6" presetClass="emph" presetSubtype="0" fill="hold" grpId="0" nodeType="afterEffect">
-                                  <p:stCondLst>
-                                    <p:cond delay="0"/>
-                                  </p:stCondLst>
-                                  <p:childTnLst>
-                                    <p:animScale>
-                                      <p:cBhvr>
-                                        <p:cTn id="6" dur="2000" fill="hold"/>
-                                        <p:tgtEl>
-                                          <p:spTgt spid="4"/>
-                                        </p:tgtEl>
-                                      </p:cBhvr>
-                                      <p:by x="150000" y="150000"/>
-                                    </p:animScale>
-                                  </p:childTnLst>
-                                </p:cTn>
-                              </p:par>
-                            </p:childTnLst>
-                          </p:cTn>
-                        </p:par>
-                      </p:childTnLst>
-                    </p:cTn>
-                  </p:par>
-                </p:childTnLst>
-              </p:cTn>
-              <p:prevCondLst>
-                <p:cond evt="onPrev" delay="0">
-                  <p:tgtEl>
-                    <p:sldTgt/>
-                  </p:tgtEl>
-                </p:cond>
-              </p:prevCondLst>
-              <p:nextCondLst>
-                <p:cond evt="onNext" delay="0">
-                  <p:tgtEl>
-                    <p:sldTgt/>
-                  </p:tgtEl>
-                </p:cond>
-              </p:nextCondLst>
-            </p:seq>
-          </p:childTnLst>
-        </p:cTn>
-      </p:par>
-    </p:tnLst>
-    <p:bldLst>
-      <p:bldP spid="4" grpId="0"/>
-    </p:bldLst>
-  </p:timing>
 </p:sld>
 </file>
 
@@ -7705,80 +8434,14 @@
       </p:grpSpPr>
       <p:sp>
         <p:nvSpPr>
-          <p:cNvPr id="4" name="Rectangle 3"/>
+          <p:cNvPr id="2" name="Rectangle 1"/>
           <p:cNvSpPr/>
           <p:nvPr/>
         </p:nvSpPr>
         <p:spPr>
           <a:xfrm>
-            <a:off x="3004728" y="1836113"/>
-            <a:ext cx="2918520" cy="584775"/>
-          </a:xfrm>
-          <a:prstGeom prst="rect">
-            <a:avLst/>
-          </a:prstGeom>
-        </p:spPr>
-        <p:txBody>
-          <a:bodyPr wrap="square">
-            <a:spAutoFit/>
-          </a:bodyPr>
-          <a:lstStyle/>
-          <a:p>
-            <a:r>
-              <a:rPr lang="en-US" sz="3200" b="1" dirty="0">
-                <a:solidFill>
-                  <a:schemeClr val="accent6">
-                    <a:lumMod val="50000"/>
-                  </a:schemeClr>
-                </a:solidFill>
-                <a:latin typeface="Adobe Kaiti Std R" panose="02020400000000000000" pitchFamily="18" charset="-128"/>
-                <a:ea typeface="Adobe Kaiti Std R" panose="02020400000000000000" pitchFamily="18" charset="-128"/>
-              </a:rPr>
-              <a:t>Ease of access</a:t>
-            </a:r>
-          </a:p>
-        </p:txBody>
-      </p:sp>
-      <p:pic>
-        <p:nvPicPr>
-          <p:cNvPr id="6" name="Picture 5"/>
-          <p:cNvPicPr>
-            <a:picLocks noChangeAspect="1"/>
-          </p:cNvPicPr>
-          <p:nvPr/>
-        </p:nvPicPr>
-        <p:blipFill>
-          <a:blip r:embed="rId2">
-            <a:extLst>
-              <a:ext uri="{28A0092B-C50C-407E-A947-70E740481C1C}">
-                <a14:useLocalDpi xmlns:a14="http://schemas.microsoft.com/office/drawing/2010/main" val="0"/>
-              </a:ext>
-            </a:extLst>
-          </a:blip>
-          <a:stretch>
-            <a:fillRect/>
-          </a:stretch>
-        </p:blipFill>
-        <p:spPr>
-          <a:xfrm>
-            <a:off x="2483768" y="3356992"/>
-            <a:ext cx="3960440" cy="2849057"/>
-          </a:xfrm>
-          <a:prstGeom prst="rect">
-            <a:avLst/>
-          </a:prstGeom>
-        </p:spPr>
-      </p:pic>
-      <p:sp>
-        <p:nvSpPr>
-          <p:cNvPr id="7" name="Rectangle 6"/>
-          <p:cNvSpPr/>
-          <p:nvPr/>
-        </p:nvSpPr>
-        <p:spPr>
-          <a:xfrm>
-            <a:off x="574515" y="1289747"/>
-            <a:ext cx="8643211" cy="34298"/>
+            <a:off x="574515" y="1744442"/>
+            <a:ext cx="8697231" cy="34298"/>
           </a:xfrm>
           <a:prstGeom prst="rect">
             <a:avLst/>
@@ -7816,34 +8479,68 @@
       </p:sp>
       <p:sp>
         <p:nvSpPr>
-          <p:cNvPr id="8" name="Rectangle 7"/>
+          <p:cNvPr id="3" name="Rectangle 2"/>
           <p:cNvSpPr/>
           <p:nvPr/>
         </p:nvSpPr>
         <p:spPr>
           <a:xfrm>
-            <a:off x="525459" y="548680"/>
-            <a:ext cx="4605556" cy="707886"/>
+            <a:off x="467544" y="980728"/>
+            <a:ext cx="7436668" cy="769441"/>
           </a:xfrm>
           <a:prstGeom prst="rect">
             <a:avLst/>
           </a:prstGeom>
         </p:spPr>
         <p:txBody>
-          <a:bodyPr wrap="none">
+          <a:bodyPr wrap="square">
             <a:spAutoFit/>
           </a:bodyPr>
           <a:lstStyle/>
           <a:p>
             <a:r>
-              <a:rPr lang="en-US" sz="4000" dirty="0">
+              <a:rPr lang="en-US" sz="4400" dirty="0">
                 <a:solidFill>
                   <a:schemeClr val="accent1">
                     <a:lumMod val="75000"/>
                   </a:schemeClr>
                 </a:solidFill>
               </a:rPr>
-              <a:t>Why is it important?</a:t>
+              <a:t>Inheritance</a:t>
+            </a:r>
+          </a:p>
+        </p:txBody>
+      </p:sp>
+      <p:sp>
+        <p:nvSpPr>
+          <p:cNvPr id="4" name="Rectangle 3"/>
+          <p:cNvSpPr/>
+          <p:nvPr/>
+        </p:nvSpPr>
+        <p:spPr>
+          <a:xfrm>
+            <a:off x="1033686" y="2542454"/>
+            <a:ext cx="7076628" cy="523220"/>
+          </a:xfrm>
+          <a:prstGeom prst="rect">
+            <a:avLst/>
+          </a:prstGeom>
+        </p:spPr>
+        <p:txBody>
+          <a:bodyPr wrap="square">
+            <a:spAutoFit/>
+          </a:bodyPr>
+          <a:lstStyle/>
+          <a:p>
+            <a:r>
+              <a:rPr lang="en-US" sz="2800" dirty="0">
+                <a:solidFill>
+                  <a:schemeClr val="accent6">
+                    <a:lumMod val="50000"/>
+                  </a:schemeClr>
+                </a:solidFill>
+              </a:rPr>
+              <a:t>Inheritance means </a:t>
             </a:r>
           </a:p>
         </p:txBody>
@@ -7851,97 +8548,16 @@
     </p:spTree>
     <p:extLst>
       <p:ext uri="{BB962C8B-B14F-4D97-AF65-F5344CB8AC3E}">
-        <p14:creationId xmlns:p14="http://schemas.microsoft.com/office/powerpoint/2010/main" val="1303484"/>
+        <p14:creationId xmlns:p14="http://schemas.microsoft.com/office/powerpoint/2010/main" val="1040787022"/>
       </p:ext>
     </p:extLst>
   </p:cSld>
   <p:clrMapOvr>
     <a:masterClrMapping/>
   </p:clrMapOvr>
-  <mc:AlternateContent xmlns:mc="http://schemas.openxmlformats.org/markup-compatibility/2006" xmlns:p14="http://schemas.microsoft.com/office/powerpoint/2010/main">
-    <mc:Choice Requires="p14">
-      <p:transition spd="slow" p14:dur="1500">
-        <p:split orient="vert"/>
-      </p:transition>
-    </mc:Choice>
-    <mc:Fallback xmlns="">
-      <p:transition spd="slow">
-        <p:split orient="vert"/>
-      </p:transition>
-    </mc:Fallback>
-  </mc:AlternateContent>
-  <p:timing>
-    <p:tnLst>
-      <p:par>
-        <p:cTn id="1" dur="indefinite" restart="never" nodeType="tmRoot">
-          <p:childTnLst>
-            <p:seq concurrent="1" nextAc="seek">
-              <p:cTn id="2" dur="indefinite" nodeType="mainSeq">
-                <p:childTnLst>
-                  <p:par>
-                    <p:cTn id="3" fill="hold">
-                      <p:stCondLst>
-                        <p:cond delay="indefinite"/>
-                        <p:cond evt="onBegin" delay="0">
-                          <p:tn val="2"/>
-                        </p:cond>
-                      </p:stCondLst>
-                      <p:childTnLst>
-                        <p:par>
-                          <p:cTn id="4" fill="hold">
-                            <p:stCondLst>
-                              <p:cond delay="0"/>
-                            </p:stCondLst>
-                            <p:childTnLst>
-                              <p:par>
-                                <p:cTn id="5" presetID="6" presetClass="emph" presetSubtype="0" fill="hold" grpId="0" nodeType="afterEffect">
-                                  <p:stCondLst>
-                                    <p:cond delay="0"/>
-                                  </p:stCondLst>
-                                  <p:childTnLst>
-                                    <p:animScale>
-                                      <p:cBhvr>
-                                        <p:cTn id="6" dur="2000" fill="hold"/>
-                                        <p:tgtEl>
-                                          <p:spTgt spid="4"/>
-                                        </p:tgtEl>
-                                      </p:cBhvr>
-                                      <p:by x="150000" y="150000"/>
-                                    </p:animScale>
-                                  </p:childTnLst>
-                                </p:cTn>
-                              </p:par>
-                            </p:childTnLst>
-                          </p:cTn>
-                        </p:par>
-                      </p:childTnLst>
-                    </p:cTn>
-                  </p:par>
-                </p:childTnLst>
-              </p:cTn>
-              <p:prevCondLst>
-                <p:cond evt="onPrev" delay="0">
-                  <p:tgtEl>
-                    <p:sldTgt/>
-                  </p:tgtEl>
-                </p:cond>
-              </p:prevCondLst>
-              <p:nextCondLst>
-                <p:cond evt="onNext" delay="0">
-                  <p:tgtEl>
-                    <p:sldTgt/>
-                  </p:tgtEl>
-                </p:cond>
-              </p:nextCondLst>
-            </p:seq>
-          </p:childTnLst>
-        </p:cTn>
-      </p:par>
-    </p:tnLst>
-    <p:bldLst>
-      <p:bldP spid="4" grpId="0"/>
-    </p:bldLst>
-  </p:timing>
+  <p:transition spd="slow">
+    <p:randomBar dir="vert"/>
+  </p:transition>
 </p:sld>
 </file>
 
@@ -7964,80 +8580,14 @@
       </p:grpSpPr>
       <p:sp>
         <p:nvSpPr>
-          <p:cNvPr id="4" name="Rectangle 3"/>
+          <p:cNvPr id="2" name="Rectangle 1"/>
           <p:cNvSpPr/>
           <p:nvPr/>
         </p:nvSpPr>
         <p:spPr>
           <a:xfrm>
-            <a:off x="2555776" y="1892603"/>
-            <a:ext cx="3816424" cy="600293"/>
-          </a:xfrm>
-          <a:prstGeom prst="rect">
-            <a:avLst/>
-          </a:prstGeom>
-        </p:spPr>
-        <p:txBody>
-          <a:bodyPr wrap="square">
-            <a:spAutoFit/>
-          </a:bodyPr>
-          <a:lstStyle/>
-          <a:p>
-            <a:r>
-              <a:rPr lang="en-US" sz="3200" b="1" dirty="0">
-                <a:solidFill>
-                  <a:schemeClr val="accent6">
-                    <a:lumMod val="50000"/>
-                  </a:schemeClr>
-                </a:solidFill>
-                <a:latin typeface="Adobe Kaiti Std R" panose="02020400000000000000" pitchFamily="18" charset="-128"/>
-                <a:ea typeface="Adobe Kaiti Std R" panose="02020400000000000000" pitchFamily="18" charset="-128"/>
-              </a:rPr>
-              <a:t>Always availability</a:t>
-            </a:r>
-          </a:p>
-        </p:txBody>
-      </p:sp>
-      <p:pic>
-        <p:nvPicPr>
-          <p:cNvPr id="6" name="Picture 5"/>
-          <p:cNvPicPr>
-            <a:picLocks noChangeAspect="1"/>
-          </p:cNvPicPr>
-          <p:nvPr/>
-        </p:nvPicPr>
-        <p:blipFill>
-          <a:blip r:embed="rId2">
-            <a:extLst>
-              <a:ext uri="{28A0092B-C50C-407E-A947-70E740481C1C}">
-                <a14:useLocalDpi xmlns:a14="http://schemas.microsoft.com/office/drawing/2010/main" val="0"/>
-              </a:ext>
-            </a:extLst>
-          </a:blip>
-          <a:stretch>
-            <a:fillRect/>
-          </a:stretch>
-        </p:blipFill>
-        <p:spPr>
-          <a:xfrm>
-            <a:off x="2016434" y="3429000"/>
-            <a:ext cx="5183140" cy="2358328"/>
-          </a:xfrm>
-          <a:prstGeom prst="rect">
-            <a:avLst/>
-          </a:prstGeom>
-        </p:spPr>
-      </p:pic>
-      <p:sp>
-        <p:nvSpPr>
-          <p:cNvPr id="9" name="Rectangle 8"/>
-          <p:cNvSpPr/>
-          <p:nvPr/>
-        </p:nvSpPr>
-        <p:spPr>
-          <a:xfrm>
-            <a:off x="574515" y="1289747"/>
-            <a:ext cx="8643211" cy="34298"/>
+            <a:off x="574515" y="1744442"/>
+            <a:ext cx="8697231" cy="34298"/>
           </a:xfrm>
           <a:prstGeom prst="rect">
             <a:avLst/>
@@ -8075,34 +8625,68 @@
       </p:sp>
       <p:sp>
         <p:nvSpPr>
-          <p:cNvPr id="10" name="Rectangle 9"/>
+          <p:cNvPr id="3" name="Rectangle 2"/>
           <p:cNvSpPr/>
           <p:nvPr/>
         </p:nvSpPr>
         <p:spPr>
           <a:xfrm>
-            <a:off x="525459" y="548680"/>
-            <a:ext cx="4605556" cy="707886"/>
+            <a:off x="467544" y="980728"/>
+            <a:ext cx="7436668" cy="769441"/>
           </a:xfrm>
           <a:prstGeom prst="rect">
             <a:avLst/>
           </a:prstGeom>
         </p:spPr>
         <p:txBody>
-          <a:bodyPr wrap="none">
+          <a:bodyPr wrap="square">
             <a:spAutoFit/>
           </a:bodyPr>
           <a:lstStyle/>
           <a:p>
             <a:r>
-              <a:rPr lang="en-US" sz="4000" dirty="0">
+              <a:rPr lang="en-US" sz="4400" dirty="0">
                 <a:solidFill>
                   <a:schemeClr val="accent1">
                     <a:lumMod val="75000"/>
                   </a:schemeClr>
                 </a:solidFill>
               </a:rPr>
-              <a:t>Why is it important?</a:t>
+              <a:t>Polymorphism</a:t>
+            </a:r>
+          </a:p>
+        </p:txBody>
+      </p:sp>
+      <p:sp>
+        <p:nvSpPr>
+          <p:cNvPr id="4" name="Rectangle 3"/>
+          <p:cNvSpPr/>
+          <p:nvPr/>
+        </p:nvSpPr>
+        <p:spPr>
+          <a:xfrm>
+            <a:off x="1033686" y="2542454"/>
+            <a:ext cx="7076628" cy="523220"/>
+          </a:xfrm>
+          <a:prstGeom prst="rect">
+            <a:avLst/>
+          </a:prstGeom>
+        </p:spPr>
+        <p:txBody>
+          <a:bodyPr wrap="square">
+            <a:spAutoFit/>
+          </a:bodyPr>
+          <a:lstStyle/>
+          <a:p>
+            <a:r>
+              <a:rPr lang="en-US" sz="2800" dirty="0">
+                <a:solidFill>
+                  <a:schemeClr val="accent6">
+                    <a:lumMod val="50000"/>
+                  </a:schemeClr>
+                </a:solidFill>
+              </a:rPr>
+              <a:t>Inheritance means </a:t>
             </a:r>
           </a:p>
         </p:txBody>
@@ -8110,97 +8694,16 @@
     </p:spTree>
     <p:extLst>
       <p:ext uri="{BB962C8B-B14F-4D97-AF65-F5344CB8AC3E}">
-        <p14:creationId xmlns:p14="http://schemas.microsoft.com/office/powerpoint/2010/main" val="1856229167"/>
+        <p14:creationId xmlns:p14="http://schemas.microsoft.com/office/powerpoint/2010/main" val="1001448468"/>
       </p:ext>
     </p:extLst>
   </p:cSld>
   <p:clrMapOvr>
     <a:masterClrMapping/>
   </p:clrMapOvr>
-  <mc:AlternateContent xmlns:mc="http://schemas.openxmlformats.org/markup-compatibility/2006" xmlns:p14="http://schemas.microsoft.com/office/powerpoint/2010/main">
-    <mc:Choice Requires="p14">
-      <p:transition spd="slow" p14:dur="1200">
-        <p:dissolve/>
-      </p:transition>
-    </mc:Choice>
-    <mc:Fallback xmlns="">
-      <p:transition spd="slow">
-        <p:dissolve/>
-      </p:transition>
-    </mc:Fallback>
-  </mc:AlternateContent>
-  <p:timing>
-    <p:tnLst>
-      <p:par>
-        <p:cTn id="1" dur="indefinite" restart="never" nodeType="tmRoot">
-          <p:childTnLst>
-            <p:seq concurrent="1" nextAc="seek">
-              <p:cTn id="2" dur="indefinite" nodeType="mainSeq">
-                <p:childTnLst>
-                  <p:par>
-                    <p:cTn id="3" fill="hold">
-                      <p:stCondLst>
-                        <p:cond delay="indefinite"/>
-                        <p:cond evt="onBegin" delay="0">
-                          <p:tn val="2"/>
-                        </p:cond>
-                      </p:stCondLst>
-                      <p:childTnLst>
-                        <p:par>
-                          <p:cTn id="4" fill="hold">
-                            <p:stCondLst>
-                              <p:cond delay="0"/>
-                            </p:stCondLst>
-                            <p:childTnLst>
-                              <p:par>
-                                <p:cTn id="5" presetID="6" presetClass="emph" presetSubtype="0" fill="hold" grpId="0" nodeType="afterEffect">
-                                  <p:stCondLst>
-                                    <p:cond delay="0"/>
-                                  </p:stCondLst>
-                                  <p:childTnLst>
-                                    <p:animScale>
-                                      <p:cBhvr>
-                                        <p:cTn id="6" dur="2000" fill="hold"/>
-                                        <p:tgtEl>
-                                          <p:spTgt spid="4"/>
-                                        </p:tgtEl>
-                                      </p:cBhvr>
-                                      <p:by x="150000" y="150000"/>
-                                    </p:animScale>
-                                  </p:childTnLst>
-                                </p:cTn>
-                              </p:par>
-                            </p:childTnLst>
-                          </p:cTn>
-                        </p:par>
-                      </p:childTnLst>
-                    </p:cTn>
-                  </p:par>
-                </p:childTnLst>
-              </p:cTn>
-              <p:prevCondLst>
-                <p:cond evt="onPrev" delay="0">
-                  <p:tgtEl>
-                    <p:sldTgt/>
-                  </p:tgtEl>
-                </p:cond>
-              </p:prevCondLst>
-              <p:nextCondLst>
-                <p:cond evt="onNext" delay="0">
-                  <p:tgtEl>
-                    <p:sldTgt/>
-                  </p:tgtEl>
-                </p:cond>
-              </p:nextCondLst>
-            </p:seq>
-          </p:childTnLst>
-        </p:cTn>
-      </p:par>
-    </p:tnLst>
-    <p:bldLst>
-      <p:bldP spid="4" grpId="0"/>
-    </p:bldLst>
-  </p:timing>
+  <p:transition spd="slow">
+    <p:randomBar dir="vert"/>
+  </p:transition>
 </p:sld>
 </file>
 

--- a/OOP.pptx
+++ b/OOP.pptx
@@ -5,10 +5,10 @@
     <p:sldMasterId id="2147483648" r:id="rId4"/>
   </p:sldMasterIdLst>
   <p:notesMasterIdLst>
-    <p:notesMasterId r:id="rId24"/>
+    <p:notesMasterId r:id="rId22"/>
   </p:notesMasterIdLst>
   <p:handoutMasterIdLst>
-    <p:handoutMasterId r:id="rId25"/>
+    <p:handoutMasterId r:id="rId23"/>
   </p:handoutMasterIdLst>
   <p:sldIdLst>
     <p:sldId id="267" r:id="rId5"/>
@@ -26,10 +26,8 @@
     <p:sldId id="285" r:id="rId17"/>
     <p:sldId id="273" r:id="rId18"/>
     <p:sldId id="281" r:id="rId19"/>
-    <p:sldId id="289" r:id="rId20"/>
-    <p:sldId id="286" r:id="rId21"/>
-    <p:sldId id="279" r:id="rId22"/>
-    <p:sldId id="292" r:id="rId23"/>
+    <p:sldId id="279" r:id="rId20"/>
+    <p:sldId id="292" r:id="rId21"/>
   </p:sldIdLst>
   <p:sldSz cx="9144000" cy="6858000" type="screen4x3"/>
   <p:notesSz cx="6858000" cy="9144000"/>
@@ -6033,970 +6031,6 @@
         </p:nvSpPr>
         <p:spPr>
           <a:xfrm>
-            <a:off x="1402466" y="764704"/>
-            <a:ext cx="4537686" cy="800308"/>
-          </a:xfrm>
-        </p:spPr>
-        <p:txBody>
-          <a:bodyPr>
-            <a:normAutofit/>
-          </a:bodyPr>
-          <a:lstStyle/>
-          <a:p>
-            <a:r>
-              <a:rPr lang="en-US" sz="4051" dirty="0"/>
-              <a:t>Advantages of DAS</a:t>
-            </a:r>
-          </a:p>
-        </p:txBody>
-      </p:sp>
-      <p:sp>
-        <p:nvSpPr>
-          <p:cNvPr id="4" name="Content Placeholder 2"/>
-          <p:cNvSpPr txBox="1">
-            <a:spLocks/>
-          </p:cNvSpPr>
-          <p:nvPr/>
-        </p:nvSpPr>
-        <p:spPr>
-          <a:xfrm>
-            <a:off x="2016355" y="2132856"/>
-            <a:ext cx="7847594" cy="2226394"/>
-          </a:xfrm>
-          <a:prstGeom prst="rect">
-            <a:avLst/>
-          </a:prstGeom>
-        </p:spPr>
-        <p:txBody>
-          <a:bodyPr vert="horz" lIns="68598" tIns="34299" rIns="68598" bIns="34299" rtlCol="0">
-            <a:noAutofit/>
-          </a:bodyPr>
-          <a:lstStyle>
-            <a:lvl1pPr marL="274320" indent="-228600" algn="l" defTabSz="914400" rtl="0" eaLnBrk="1" latinLnBrk="0" hangingPunct="1">
-              <a:lnSpc>
-                <a:spcPct val="90000"/>
-              </a:lnSpc>
-              <a:spcBef>
-                <a:spcPts val="1800"/>
-              </a:spcBef>
-              <a:buClr>
-                <a:schemeClr val="tx1">
-                  <a:lumMod val="65000"/>
-                  <a:lumOff val="35000"/>
-                </a:schemeClr>
-              </a:buClr>
-              <a:buSzPct val="80000"/>
-              <a:buFont typeface="Arial" pitchFamily="34" charset="0"/>
-              <a:buChar char="•"/>
-              <a:defRPr sz="2000" kern="1200">
-                <a:solidFill>
-                  <a:schemeClr val="tx1">
-                    <a:lumMod val="65000"/>
-                    <a:lumOff val="35000"/>
-                  </a:schemeClr>
-                </a:solidFill>
-                <a:latin typeface="+mn-lt"/>
-                <a:ea typeface="+mn-ea"/>
-                <a:cs typeface="+mn-cs"/>
-              </a:defRPr>
-            </a:lvl1pPr>
-            <a:lvl2pPr marL="594360" indent="-228600" algn="l" defTabSz="914400" rtl="0" eaLnBrk="1" latinLnBrk="0" hangingPunct="1">
-              <a:lnSpc>
-                <a:spcPct val="90000"/>
-              </a:lnSpc>
-              <a:spcBef>
-                <a:spcPts val="1000"/>
-              </a:spcBef>
-              <a:buClr>
-                <a:schemeClr val="tx1">
-                  <a:lumMod val="65000"/>
-                  <a:lumOff val="35000"/>
-                </a:schemeClr>
-              </a:buClr>
-              <a:buSzPct val="80000"/>
-              <a:buFont typeface="Arial" pitchFamily="34" charset="0"/>
-              <a:buChar char="•"/>
-              <a:defRPr sz="1800" kern="1200">
-                <a:solidFill>
-                  <a:schemeClr val="tx1">
-                    <a:lumMod val="65000"/>
-                    <a:lumOff val="35000"/>
-                  </a:schemeClr>
-                </a:solidFill>
-                <a:latin typeface="+mn-lt"/>
-                <a:ea typeface="+mn-ea"/>
-                <a:cs typeface="+mn-cs"/>
-              </a:defRPr>
-            </a:lvl2pPr>
-            <a:lvl3pPr marL="777240" indent="-182880" algn="l" defTabSz="914400" rtl="0" eaLnBrk="1" latinLnBrk="0" hangingPunct="1">
-              <a:lnSpc>
-                <a:spcPct val="90000"/>
-              </a:lnSpc>
-              <a:spcBef>
-                <a:spcPts val="600"/>
-              </a:spcBef>
-              <a:buClr>
-                <a:schemeClr val="tx1">
-                  <a:lumMod val="65000"/>
-                  <a:lumOff val="35000"/>
-                </a:schemeClr>
-              </a:buClr>
-              <a:buSzPct val="80000"/>
-              <a:buFont typeface="Arial" pitchFamily="34" charset="0"/>
-              <a:buChar char="•"/>
-              <a:defRPr sz="1600" kern="1200">
-                <a:solidFill>
-                  <a:schemeClr val="tx1">
-                    <a:lumMod val="65000"/>
-                    <a:lumOff val="35000"/>
-                  </a:schemeClr>
-                </a:solidFill>
-                <a:latin typeface="+mn-lt"/>
-                <a:ea typeface="+mn-ea"/>
-                <a:cs typeface="+mn-cs"/>
-              </a:defRPr>
-            </a:lvl3pPr>
-            <a:lvl4pPr marL="960120" indent="-182880" algn="l" defTabSz="914400" rtl="0" eaLnBrk="1" latinLnBrk="0" hangingPunct="1">
-              <a:lnSpc>
-                <a:spcPct val="90000"/>
-              </a:lnSpc>
-              <a:spcBef>
-                <a:spcPts val="600"/>
-              </a:spcBef>
-              <a:buClr>
-                <a:schemeClr val="tx1">
-                  <a:lumMod val="65000"/>
-                  <a:lumOff val="35000"/>
-                </a:schemeClr>
-              </a:buClr>
-              <a:buSzPct val="80000"/>
-              <a:buFont typeface="Arial" pitchFamily="34" charset="0"/>
-              <a:buChar char="•"/>
-              <a:defRPr sz="1400" kern="1200">
-                <a:solidFill>
-                  <a:schemeClr val="tx1">
-                    <a:lumMod val="65000"/>
-                    <a:lumOff val="35000"/>
-                  </a:schemeClr>
-                </a:solidFill>
-                <a:latin typeface="+mn-lt"/>
-                <a:ea typeface="+mn-ea"/>
-                <a:cs typeface="+mn-cs"/>
-              </a:defRPr>
-            </a:lvl4pPr>
-            <a:lvl5pPr marL="1097280" indent="-137160" algn="l" defTabSz="914400" rtl="0" eaLnBrk="1" latinLnBrk="0" hangingPunct="1">
-              <a:lnSpc>
-                <a:spcPct val="90000"/>
-              </a:lnSpc>
-              <a:spcBef>
-                <a:spcPts val="600"/>
-              </a:spcBef>
-              <a:buClr>
-                <a:schemeClr val="tx1">
-                  <a:lumMod val="65000"/>
-                  <a:lumOff val="35000"/>
-                </a:schemeClr>
-              </a:buClr>
-              <a:buSzPct val="80000"/>
-              <a:buFont typeface="Arial" pitchFamily="34" charset="0"/>
-              <a:buChar char="•"/>
-              <a:defRPr sz="1400" kern="1200">
-                <a:solidFill>
-                  <a:schemeClr val="tx1">
-                    <a:lumMod val="65000"/>
-                    <a:lumOff val="35000"/>
-                  </a:schemeClr>
-                </a:solidFill>
-                <a:latin typeface="+mn-lt"/>
-                <a:ea typeface="+mn-ea"/>
-                <a:cs typeface="+mn-cs"/>
-              </a:defRPr>
-            </a:lvl5pPr>
-            <a:lvl6pPr marL="1234440" indent="-137160" algn="l" defTabSz="914400" rtl="0" eaLnBrk="1" latinLnBrk="0" hangingPunct="1">
-              <a:spcBef>
-                <a:spcPts val="600"/>
-              </a:spcBef>
-              <a:buSzPct val="80000"/>
-              <a:buFont typeface="Arial" pitchFamily="34" charset="0"/>
-              <a:buChar char="•"/>
-              <a:defRPr sz="1400" kern="1200">
-                <a:solidFill>
-                  <a:schemeClr val="tx1">
-                    <a:lumMod val="65000"/>
-                    <a:lumOff val="35000"/>
-                  </a:schemeClr>
-                </a:solidFill>
-                <a:latin typeface="+mn-lt"/>
-                <a:ea typeface="+mn-ea"/>
-                <a:cs typeface="+mn-cs"/>
-              </a:defRPr>
-            </a:lvl6pPr>
-            <a:lvl7pPr marL="1371600" indent="-137160" algn="l" defTabSz="914400" rtl="0" eaLnBrk="1" latinLnBrk="0" hangingPunct="1">
-              <a:spcBef>
-                <a:spcPts val="600"/>
-              </a:spcBef>
-              <a:buSzPct val="80000"/>
-              <a:buFont typeface="Arial" pitchFamily="34" charset="0"/>
-              <a:buChar char="•"/>
-              <a:defRPr sz="1400" kern="1200">
-                <a:solidFill>
-                  <a:schemeClr val="tx1">
-                    <a:lumMod val="65000"/>
-                    <a:lumOff val="35000"/>
-                  </a:schemeClr>
-                </a:solidFill>
-                <a:latin typeface="+mn-lt"/>
-                <a:ea typeface="+mn-ea"/>
-                <a:cs typeface="+mn-cs"/>
-              </a:defRPr>
-            </a:lvl7pPr>
-            <a:lvl8pPr marL="1508760" indent="-137160" algn="l" defTabSz="914400" rtl="0" eaLnBrk="1" latinLnBrk="0" hangingPunct="1">
-              <a:spcBef>
-                <a:spcPts val="600"/>
-              </a:spcBef>
-              <a:buSzPct val="80000"/>
-              <a:buFont typeface="Arial" pitchFamily="34" charset="0"/>
-              <a:buChar char="•"/>
-              <a:defRPr sz="1400" kern="1200">
-                <a:solidFill>
-                  <a:schemeClr val="tx1">
-                    <a:lumMod val="65000"/>
-                    <a:lumOff val="35000"/>
-                  </a:schemeClr>
-                </a:solidFill>
-                <a:latin typeface="+mn-lt"/>
-                <a:ea typeface="+mn-ea"/>
-                <a:cs typeface="+mn-cs"/>
-              </a:defRPr>
-            </a:lvl8pPr>
-            <a:lvl9pPr marL="1645920" indent="-137160" algn="l" defTabSz="914400" rtl="0" eaLnBrk="1" latinLnBrk="0" hangingPunct="1">
-              <a:spcBef>
-                <a:spcPts val="600"/>
-              </a:spcBef>
-              <a:buSzPct val="80000"/>
-              <a:buFont typeface="Arial" pitchFamily="34" charset="0"/>
-              <a:buChar char="•"/>
-              <a:defRPr sz="1400" kern="1200">
-                <a:solidFill>
-                  <a:schemeClr val="tx1">
-                    <a:lumMod val="65000"/>
-                    <a:lumOff val="35000"/>
-                  </a:schemeClr>
-                </a:solidFill>
-                <a:latin typeface="+mn-lt"/>
-                <a:ea typeface="+mn-ea"/>
-                <a:cs typeface="+mn-cs"/>
-              </a:defRPr>
-            </a:lvl9pPr>
-          </a:lstStyle>
-          <a:p>
-            <a:pPr>
-              <a:buFont typeface="Wingdings" panose="05000000000000000000" pitchFamily="2" charset="2"/>
-              <a:buChar char="q"/>
-            </a:pPr>
-            <a:r>
-              <a:rPr lang="en-US" sz="3600" dirty="0">
-                <a:solidFill>
-                  <a:schemeClr val="accent6">
-                    <a:lumMod val="50000"/>
-                  </a:schemeClr>
-                </a:solidFill>
-              </a:rPr>
-              <a:t> High availability</a:t>
-            </a:r>
-          </a:p>
-          <a:p>
-            <a:pPr>
-              <a:buFont typeface="Wingdings" panose="05000000000000000000" pitchFamily="2" charset="2"/>
-              <a:buChar char="q"/>
-            </a:pPr>
-            <a:endParaRPr lang="en-US" sz="3600" dirty="0">
-              <a:solidFill>
-                <a:schemeClr val="accent6">
-                  <a:lumMod val="50000"/>
-                </a:schemeClr>
-              </a:solidFill>
-            </a:endParaRPr>
-          </a:p>
-          <a:p>
-            <a:pPr>
-              <a:buFont typeface="Wingdings" panose="05000000000000000000" pitchFamily="2" charset="2"/>
-              <a:buChar char="q"/>
-            </a:pPr>
-            <a:r>
-              <a:rPr lang="en-US" sz="3600" dirty="0">
-                <a:solidFill>
-                  <a:schemeClr val="accent6">
-                    <a:lumMod val="50000"/>
-                  </a:schemeClr>
-                </a:solidFill>
-              </a:rPr>
-              <a:t> High access rate</a:t>
-            </a:r>
-          </a:p>
-          <a:p>
-            <a:pPr>
-              <a:buFont typeface="Wingdings" panose="05000000000000000000" pitchFamily="2" charset="2"/>
-              <a:buChar char="q"/>
-            </a:pPr>
-            <a:endParaRPr lang="en-US" sz="3600" dirty="0">
-              <a:solidFill>
-                <a:schemeClr val="accent6">
-                  <a:lumMod val="50000"/>
-                </a:schemeClr>
-              </a:solidFill>
-            </a:endParaRPr>
-          </a:p>
-          <a:p>
-            <a:pPr>
-              <a:buFont typeface="Wingdings" panose="05000000000000000000" pitchFamily="2" charset="2"/>
-              <a:buChar char="q"/>
-            </a:pPr>
-            <a:r>
-              <a:rPr lang="en-US" sz="3600" dirty="0">
-                <a:solidFill>
-                  <a:schemeClr val="accent6">
-                    <a:lumMod val="50000"/>
-                  </a:schemeClr>
-                </a:solidFill>
-              </a:rPr>
-              <a:t> </a:t>
-            </a:r>
-            <a:r>
-              <a:rPr lang="en-GB" sz="3600" dirty="0">
-                <a:solidFill>
-                  <a:schemeClr val="accent6">
-                    <a:lumMod val="50000"/>
-                  </a:schemeClr>
-                </a:solidFill>
-              </a:rPr>
-              <a:t>Data security</a:t>
-            </a:r>
-            <a:endParaRPr lang="en-US" sz="3600" dirty="0">
-              <a:solidFill>
-                <a:schemeClr val="accent6">
-                  <a:lumMod val="50000"/>
-                </a:schemeClr>
-              </a:solidFill>
-            </a:endParaRPr>
-          </a:p>
-          <a:p>
-            <a:pPr marL="45720" indent="0">
-              <a:buNone/>
-            </a:pPr>
-            <a:endParaRPr lang="en-US" sz="3600" dirty="0">
-              <a:solidFill>
-                <a:schemeClr val="accent6">
-                  <a:lumMod val="50000"/>
-                </a:schemeClr>
-              </a:solidFill>
-            </a:endParaRPr>
-          </a:p>
-        </p:txBody>
-      </p:sp>
-      <p:sp>
-        <p:nvSpPr>
-          <p:cNvPr id="5" name="Rectangle 4"/>
-          <p:cNvSpPr/>
-          <p:nvPr/>
-        </p:nvSpPr>
-        <p:spPr>
-          <a:xfrm>
-            <a:off x="574515" y="1565013"/>
-            <a:ext cx="8643211" cy="34298"/>
-          </a:xfrm>
-          <a:prstGeom prst="rect">
-            <a:avLst/>
-          </a:prstGeom>
-        </p:spPr>
-        <p:style>
-          <a:lnRef idx="1">
-            <a:schemeClr val="accent1"/>
-          </a:lnRef>
-          <a:fillRef idx="3">
-            <a:schemeClr val="accent1"/>
-          </a:fillRef>
-          <a:effectRef idx="2">
-            <a:schemeClr val="accent1"/>
-          </a:effectRef>
-          <a:fontRef idx="minor">
-            <a:schemeClr val="lt1"/>
-          </a:fontRef>
-        </p:style>
-        <p:txBody>
-          <a:bodyPr rtlCol="0" anchor="ctr"/>
-          <a:lstStyle/>
-          <a:p>
-            <a:pPr algn="ctr"/>
-            <a:endParaRPr lang="en-US" sz="1350">
-              <a:solidFill>
-                <a:schemeClr val="tx1">
-                  <a:lumMod val="65000"/>
-                  <a:lumOff val="35000"/>
-                </a:schemeClr>
-              </a:solidFill>
-            </a:endParaRPr>
-          </a:p>
-        </p:txBody>
-      </p:sp>
-      <p:pic>
-        <p:nvPicPr>
-          <p:cNvPr id="7" name="Picture 6"/>
-          <p:cNvPicPr>
-            <a:picLocks noChangeAspect="1"/>
-          </p:cNvPicPr>
-          <p:nvPr/>
-        </p:nvPicPr>
-        <p:blipFill>
-          <a:blip r:embed="rId2">
-            <a:extLst>
-              <a:ext uri="{28A0092B-C50C-407E-A947-70E740481C1C}">
-                <a14:useLocalDpi xmlns:a14="http://schemas.microsoft.com/office/drawing/2010/main" val="0"/>
-              </a:ext>
-            </a:extLst>
-          </a:blip>
-          <a:stretch>
-            <a:fillRect/>
-          </a:stretch>
-        </p:blipFill>
-        <p:spPr>
-          <a:xfrm>
-            <a:off x="219576" y="620688"/>
-            <a:ext cx="1040056" cy="1091146"/>
-          </a:xfrm>
-          <a:prstGeom prst="rect">
-            <a:avLst/>
-          </a:prstGeom>
-        </p:spPr>
-      </p:pic>
-    </p:spTree>
-    <p:extLst>
-      <p:ext uri="{BB962C8B-B14F-4D97-AF65-F5344CB8AC3E}">
-        <p14:creationId xmlns:p14="http://schemas.microsoft.com/office/powerpoint/2010/main" val="3369188236"/>
-      </p:ext>
-    </p:extLst>
-  </p:cSld>
-  <p:clrMapOvr>
-    <a:masterClrMapping/>
-  </p:clrMapOvr>
-  <mc:AlternateContent xmlns:mc="http://schemas.openxmlformats.org/markup-compatibility/2006" xmlns:p14="http://schemas.microsoft.com/office/powerpoint/2010/main">
-    <mc:Choice Requires="p14">
-      <p:transition spd="slow" p14:dur="1600">
-        <p:blinds dir="vert"/>
-      </p:transition>
-    </mc:Choice>
-    <mc:Fallback xmlns="">
-      <p:transition spd="slow">
-        <p:blinds dir="vert"/>
-      </p:transition>
-    </mc:Fallback>
-  </mc:AlternateContent>
-</p:sld>
-</file>
-
-<file path=ppt/slides/slide17.xml><?xml version="1.0" encoding="utf-8"?>
-<p:sld xmlns:a="http://schemas.openxmlformats.org/drawingml/2006/main" xmlns:r="http://schemas.openxmlformats.org/officeDocument/2006/relationships" xmlns:p="http://schemas.openxmlformats.org/presentationml/2006/main">
-  <p:cSld>
-    <p:spTree>
-      <p:nvGrpSpPr>
-        <p:cNvPr id="1" name=""/>
-        <p:cNvGrpSpPr/>
-        <p:nvPr/>
-      </p:nvGrpSpPr>
-      <p:grpSpPr>
-        <a:xfrm>
-          <a:off x="0" y="0"/>
-          <a:ext cx="0" cy="0"/>
-          <a:chOff x="0" y="0"/>
-          <a:chExt cx="0" cy="0"/>
-        </a:xfrm>
-      </p:grpSpPr>
-      <p:sp>
-        <p:nvSpPr>
-          <p:cNvPr id="4" name="Content Placeholder 2"/>
-          <p:cNvSpPr txBox="1">
-            <a:spLocks/>
-          </p:cNvSpPr>
-          <p:nvPr/>
-        </p:nvSpPr>
-        <p:spPr>
-          <a:xfrm>
-            <a:off x="1468032" y="2132856"/>
-            <a:ext cx="9180250" cy="3018482"/>
-          </a:xfrm>
-          <a:prstGeom prst="rect">
-            <a:avLst/>
-          </a:prstGeom>
-        </p:spPr>
-        <p:txBody>
-          <a:bodyPr vert="horz" lIns="68598" tIns="34299" rIns="68598" bIns="34299" rtlCol="0">
-            <a:noAutofit/>
-          </a:bodyPr>
-          <a:lstStyle>
-            <a:lvl1pPr marL="274320" indent="-228600" algn="l" defTabSz="914400" rtl="0" eaLnBrk="1" latinLnBrk="0" hangingPunct="1">
-              <a:lnSpc>
-                <a:spcPct val="90000"/>
-              </a:lnSpc>
-              <a:spcBef>
-                <a:spcPts val="1800"/>
-              </a:spcBef>
-              <a:buClr>
-                <a:schemeClr val="tx1">
-                  <a:lumMod val="65000"/>
-                  <a:lumOff val="35000"/>
-                </a:schemeClr>
-              </a:buClr>
-              <a:buSzPct val="80000"/>
-              <a:buFont typeface="Arial" pitchFamily="34" charset="0"/>
-              <a:buChar char="•"/>
-              <a:defRPr sz="2000" kern="1200">
-                <a:solidFill>
-                  <a:schemeClr val="tx1">
-                    <a:lumMod val="65000"/>
-                    <a:lumOff val="35000"/>
-                  </a:schemeClr>
-                </a:solidFill>
-                <a:latin typeface="+mn-lt"/>
-                <a:ea typeface="+mn-ea"/>
-                <a:cs typeface="+mn-cs"/>
-              </a:defRPr>
-            </a:lvl1pPr>
-            <a:lvl2pPr marL="594360" indent="-228600" algn="l" defTabSz="914400" rtl="0" eaLnBrk="1" latinLnBrk="0" hangingPunct="1">
-              <a:lnSpc>
-                <a:spcPct val="90000"/>
-              </a:lnSpc>
-              <a:spcBef>
-                <a:spcPts val="1000"/>
-              </a:spcBef>
-              <a:buClr>
-                <a:schemeClr val="tx1">
-                  <a:lumMod val="65000"/>
-                  <a:lumOff val="35000"/>
-                </a:schemeClr>
-              </a:buClr>
-              <a:buSzPct val="80000"/>
-              <a:buFont typeface="Arial" pitchFamily="34" charset="0"/>
-              <a:buChar char="•"/>
-              <a:defRPr sz="1800" kern="1200">
-                <a:solidFill>
-                  <a:schemeClr val="tx1">
-                    <a:lumMod val="65000"/>
-                    <a:lumOff val="35000"/>
-                  </a:schemeClr>
-                </a:solidFill>
-                <a:latin typeface="+mn-lt"/>
-                <a:ea typeface="+mn-ea"/>
-                <a:cs typeface="+mn-cs"/>
-              </a:defRPr>
-            </a:lvl2pPr>
-            <a:lvl3pPr marL="777240" indent="-182880" algn="l" defTabSz="914400" rtl="0" eaLnBrk="1" latinLnBrk="0" hangingPunct="1">
-              <a:lnSpc>
-                <a:spcPct val="90000"/>
-              </a:lnSpc>
-              <a:spcBef>
-                <a:spcPts val="600"/>
-              </a:spcBef>
-              <a:buClr>
-                <a:schemeClr val="tx1">
-                  <a:lumMod val="65000"/>
-                  <a:lumOff val="35000"/>
-                </a:schemeClr>
-              </a:buClr>
-              <a:buSzPct val="80000"/>
-              <a:buFont typeface="Arial" pitchFamily="34" charset="0"/>
-              <a:buChar char="•"/>
-              <a:defRPr sz="1600" kern="1200">
-                <a:solidFill>
-                  <a:schemeClr val="tx1">
-                    <a:lumMod val="65000"/>
-                    <a:lumOff val="35000"/>
-                  </a:schemeClr>
-                </a:solidFill>
-                <a:latin typeface="+mn-lt"/>
-                <a:ea typeface="+mn-ea"/>
-                <a:cs typeface="+mn-cs"/>
-              </a:defRPr>
-            </a:lvl3pPr>
-            <a:lvl4pPr marL="960120" indent="-182880" algn="l" defTabSz="914400" rtl="0" eaLnBrk="1" latinLnBrk="0" hangingPunct="1">
-              <a:lnSpc>
-                <a:spcPct val="90000"/>
-              </a:lnSpc>
-              <a:spcBef>
-                <a:spcPts val="600"/>
-              </a:spcBef>
-              <a:buClr>
-                <a:schemeClr val="tx1">
-                  <a:lumMod val="65000"/>
-                  <a:lumOff val="35000"/>
-                </a:schemeClr>
-              </a:buClr>
-              <a:buSzPct val="80000"/>
-              <a:buFont typeface="Arial" pitchFamily="34" charset="0"/>
-              <a:buChar char="•"/>
-              <a:defRPr sz="1400" kern="1200">
-                <a:solidFill>
-                  <a:schemeClr val="tx1">
-                    <a:lumMod val="65000"/>
-                    <a:lumOff val="35000"/>
-                  </a:schemeClr>
-                </a:solidFill>
-                <a:latin typeface="+mn-lt"/>
-                <a:ea typeface="+mn-ea"/>
-                <a:cs typeface="+mn-cs"/>
-              </a:defRPr>
-            </a:lvl4pPr>
-            <a:lvl5pPr marL="1097280" indent="-137160" algn="l" defTabSz="914400" rtl="0" eaLnBrk="1" latinLnBrk="0" hangingPunct="1">
-              <a:lnSpc>
-                <a:spcPct val="90000"/>
-              </a:lnSpc>
-              <a:spcBef>
-                <a:spcPts val="600"/>
-              </a:spcBef>
-              <a:buClr>
-                <a:schemeClr val="tx1">
-                  <a:lumMod val="65000"/>
-                  <a:lumOff val="35000"/>
-                </a:schemeClr>
-              </a:buClr>
-              <a:buSzPct val="80000"/>
-              <a:buFont typeface="Arial" pitchFamily="34" charset="0"/>
-              <a:buChar char="•"/>
-              <a:defRPr sz="1400" kern="1200">
-                <a:solidFill>
-                  <a:schemeClr val="tx1">
-                    <a:lumMod val="65000"/>
-                    <a:lumOff val="35000"/>
-                  </a:schemeClr>
-                </a:solidFill>
-                <a:latin typeface="+mn-lt"/>
-                <a:ea typeface="+mn-ea"/>
-                <a:cs typeface="+mn-cs"/>
-              </a:defRPr>
-            </a:lvl5pPr>
-            <a:lvl6pPr marL="1234440" indent="-137160" algn="l" defTabSz="914400" rtl="0" eaLnBrk="1" latinLnBrk="0" hangingPunct="1">
-              <a:spcBef>
-                <a:spcPts val="600"/>
-              </a:spcBef>
-              <a:buSzPct val="80000"/>
-              <a:buFont typeface="Arial" pitchFamily="34" charset="0"/>
-              <a:buChar char="•"/>
-              <a:defRPr sz="1400" kern="1200">
-                <a:solidFill>
-                  <a:schemeClr val="tx1">
-                    <a:lumMod val="65000"/>
-                    <a:lumOff val="35000"/>
-                  </a:schemeClr>
-                </a:solidFill>
-                <a:latin typeface="+mn-lt"/>
-                <a:ea typeface="+mn-ea"/>
-                <a:cs typeface="+mn-cs"/>
-              </a:defRPr>
-            </a:lvl6pPr>
-            <a:lvl7pPr marL="1371600" indent="-137160" algn="l" defTabSz="914400" rtl="0" eaLnBrk="1" latinLnBrk="0" hangingPunct="1">
-              <a:spcBef>
-                <a:spcPts val="600"/>
-              </a:spcBef>
-              <a:buSzPct val="80000"/>
-              <a:buFont typeface="Arial" pitchFamily="34" charset="0"/>
-              <a:buChar char="•"/>
-              <a:defRPr sz="1400" kern="1200">
-                <a:solidFill>
-                  <a:schemeClr val="tx1">
-                    <a:lumMod val="65000"/>
-                    <a:lumOff val="35000"/>
-                  </a:schemeClr>
-                </a:solidFill>
-                <a:latin typeface="+mn-lt"/>
-                <a:ea typeface="+mn-ea"/>
-                <a:cs typeface="+mn-cs"/>
-              </a:defRPr>
-            </a:lvl7pPr>
-            <a:lvl8pPr marL="1508760" indent="-137160" algn="l" defTabSz="914400" rtl="0" eaLnBrk="1" latinLnBrk="0" hangingPunct="1">
-              <a:spcBef>
-                <a:spcPts val="600"/>
-              </a:spcBef>
-              <a:buSzPct val="80000"/>
-              <a:buFont typeface="Arial" pitchFamily="34" charset="0"/>
-              <a:buChar char="•"/>
-              <a:defRPr sz="1400" kern="1200">
-                <a:solidFill>
-                  <a:schemeClr val="tx1">
-                    <a:lumMod val="65000"/>
-                    <a:lumOff val="35000"/>
-                  </a:schemeClr>
-                </a:solidFill>
-                <a:latin typeface="+mn-lt"/>
-                <a:ea typeface="+mn-ea"/>
-                <a:cs typeface="+mn-cs"/>
-              </a:defRPr>
-            </a:lvl8pPr>
-            <a:lvl9pPr marL="1645920" indent="-137160" algn="l" defTabSz="914400" rtl="0" eaLnBrk="1" latinLnBrk="0" hangingPunct="1">
-              <a:spcBef>
-                <a:spcPts val="600"/>
-              </a:spcBef>
-              <a:buSzPct val="80000"/>
-              <a:buFont typeface="Arial" pitchFamily="34" charset="0"/>
-              <a:buChar char="•"/>
-              <a:defRPr sz="1400" kern="1200">
-                <a:solidFill>
-                  <a:schemeClr val="tx1">
-                    <a:lumMod val="65000"/>
-                    <a:lumOff val="35000"/>
-                  </a:schemeClr>
-                </a:solidFill>
-                <a:latin typeface="+mn-lt"/>
-                <a:ea typeface="+mn-ea"/>
-                <a:cs typeface="+mn-cs"/>
-              </a:defRPr>
-            </a:lvl9pPr>
-          </a:lstStyle>
-          <a:p>
-            <a:pPr>
-              <a:buFont typeface="Wingdings" panose="05000000000000000000" pitchFamily="2" charset="2"/>
-              <a:buChar char="q"/>
-            </a:pPr>
-            <a:r>
-              <a:rPr lang="en-GB" sz="3600" dirty="0">
-                <a:solidFill>
-                  <a:schemeClr val="accent6">
-                    <a:lumMod val="50000"/>
-                  </a:schemeClr>
-                </a:solidFill>
-              </a:rPr>
-              <a:t>Not Scalable</a:t>
-            </a:r>
-          </a:p>
-          <a:p>
-            <a:pPr>
-              <a:buFont typeface="Wingdings" panose="05000000000000000000" pitchFamily="2" charset="2"/>
-              <a:buChar char="q"/>
-            </a:pPr>
-            <a:endParaRPr lang="en-GB" sz="3600" dirty="0">
-              <a:solidFill>
-                <a:schemeClr val="accent6">
-                  <a:lumMod val="50000"/>
-                </a:schemeClr>
-              </a:solidFill>
-            </a:endParaRPr>
-          </a:p>
-          <a:p>
-            <a:pPr>
-              <a:buFont typeface="Wingdings" panose="05000000000000000000" pitchFamily="2" charset="2"/>
-              <a:buChar char="q"/>
-            </a:pPr>
-            <a:r>
-              <a:rPr lang="en-US" sz="3600" dirty="0">
-                <a:solidFill>
-                  <a:schemeClr val="accent6">
-                    <a:lumMod val="50000"/>
-                  </a:schemeClr>
-                </a:solidFill>
-              </a:rPr>
-              <a:t>Allow only one user at a time</a:t>
-            </a:r>
-          </a:p>
-          <a:p>
-            <a:pPr>
-              <a:buFont typeface="Wingdings" panose="05000000000000000000" pitchFamily="2" charset="2"/>
-              <a:buChar char="q"/>
-            </a:pPr>
-            <a:endParaRPr lang="en-US" sz="3600" dirty="0">
-              <a:solidFill>
-                <a:schemeClr val="accent6">
-                  <a:lumMod val="50000"/>
-                </a:schemeClr>
-              </a:solidFill>
-            </a:endParaRPr>
-          </a:p>
-          <a:p>
-            <a:pPr>
-              <a:buFont typeface="Wingdings" panose="05000000000000000000" pitchFamily="2" charset="2"/>
-              <a:buChar char="q"/>
-            </a:pPr>
-            <a:r>
-              <a:rPr lang="en-US" sz="3600" dirty="0">
-                <a:solidFill>
-                  <a:schemeClr val="accent6">
-                    <a:lumMod val="50000"/>
-                  </a:schemeClr>
-                </a:solidFill>
-              </a:rPr>
-              <a:t>High administrative cost</a:t>
-            </a:r>
-          </a:p>
-        </p:txBody>
-      </p:sp>
-      <p:sp>
-        <p:nvSpPr>
-          <p:cNvPr id="7" name="Title 1"/>
-          <p:cNvSpPr>
-            <a:spLocks noGrp="1"/>
-          </p:cNvSpPr>
-          <p:nvPr>
-            <p:ph type="title"/>
-          </p:nvPr>
-        </p:nvSpPr>
-        <p:spPr>
-          <a:xfrm>
-            <a:off x="1456600" y="756484"/>
-            <a:ext cx="5275640" cy="800308"/>
-          </a:xfrm>
-        </p:spPr>
-        <p:txBody>
-          <a:bodyPr>
-            <a:noAutofit/>
-          </a:bodyPr>
-          <a:lstStyle/>
-          <a:p>
-            <a:r>
-              <a:rPr lang="en-US" sz="4000" dirty="0" err="1"/>
-              <a:t>Disdvantages</a:t>
-            </a:r>
-            <a:r>
-              <a:rPr lang="en-US" sz="4000" dirty="0"/>
-              <a:t> of DAS</a:t>
-            </a:r>
-          </a:p>
-        </p:txBody>
-      </p:sp>
-      <p:sp>
-        <p:nvSpPr>
-          <p:cNvPr id="8" name="Rectangle 7"/>
-          <p:cNvSpPr/>
-          <p:nvPr/>
-        </p:nvSpPr>
-        <p:spPr>
-          <a:xfrm>
-            <a:off x="574515" y="1565013"/>
-            <a:ext cx="8643211" cy="34298"/>
-          </a:xfrm>
-          <a:prstGeom prst="rect">
-            <a:avLst/>
-          </a:prstGeom>
-        </p:spPr>
-        <p:style>
-          <a:lnRef idx="1">
-            <a:schemeClr val="accent1"/>
-          </a:lnRef>
-          <a:fillRef idx="3">
-            <a:schemeClr val="accent1"/>
-          </a:fillRef>
-          <a:effectRef idx="2">
-            <a:schemeClr val="accent1"/>
-          </a:effectRef>
-          <a:fontRef idx="minor">
-            <a:schemeClr val="lt1"/>
-          </a:fontRef>
-        </p:style>
-        <p:txBody>
-          <a:bodyPr rtlCol="0" anchor="ctr"/>
-          <a:lstStyle/>
-          <a:p>
-            <a:pPr algn="ctr"/>
-            <a:endParaRPr lang="en-US" sz="1350">
-              <a:solidFill>
-                <a:schemeClr val="tx1">
-                  <a:lumMod val="65000"/>
-                  <a:lumOff val="35000"/>
-                </a:schemeClr>
-              </a:solidFill>
-            </a:endParaRPr>
-          </a:p>
-        </p:txBody>
-      </p:sp>
-      <p:pic>
-        <p:nvPicPr>
-          <p:cNvPr id="11" name="Picture 10"/>
-          <p:cNvPicPr>
-            <a:picLocks noChangeAspect="1"/>
-          </p:cNvPicPr>
-          <p:nvPr/>
-        </p:nvPicPr>
-        <p:blipFill>
-          <a:blip r:embed="rId2">
-            <a:extLst>
-              <a:ext uri="{BEBA8EAE-BF5A-486C-A8C5-ECC9F3942E4B}">
-                <a14:imgProps xmlns:a14="http://schemas.microsoft.com/office/drawing/2010/main">
-                  <a14:imgLayer r:embed="rId3">
-                    <a14:imgEffect>
-                      <a14:saturation sat="66000"/>
-                    </a14:imgEffect>
-                  </a14:imgLayer>
-                </a14:imgProps>
-              </a:ext>
-              <a:ext uri="{28A0092B-C50C-407E-A947-70E740481C1C}">
-                <a14:useLocalDpi xmlns:a14="http://schemas.microsoft.com/office/drawing/2010/main" val="0"/>
-              </a:ext>
-            </a:extLst>
-          </a:blip>
-          <a:stretch>
-            <a:fillRect/>
-          </a:stretch>
-        </p:blipFill>
-        <p:spPr>
-          <a:xfrm>
-            <a:off x="218745" y="908720"/>
-            <a:ext cx="1127514" cy="1184147"/>
-          </a:xfrm>
-          <a:prstGeom prst="rect">
-            <a:avLst/>
-          </a:prstGeom>
-        </p:spPr>
-      </p:pic>
-    </p:spTree>
-    <p:extLst>
-      <p:ext uri="{BB962C8B-B14F-4D97-AF65-F5344CB8AC3E}">
-        <p14:creationId xmlns:p14="http://schemas.microsoft.com/office/powerpoint/2010/main" val="3877865306"/>
-      </p:ext>
-    </p:extLst>
-  </p:cSld>
-  <p:clrMapOvr>
-    <a:masterClrMapping/>
-  </p:clrMapOvr>
-  <mc:AlternateContent xmlns:mc="http://schemas.openxmlformats.org/markup-compatibility/2006" xmlns:p14="http://schemas.microsoft.com/office/powerpoint/2010/main">
-    <mc:Choice Requires="p14">
-      <p:transition spd="slow" p14:dur="1400">
-        <p14:ripple/>
-      </p:transition>
-    </mc:Choice>
-    <mc:Fallback xmlns="">
-      <p:transition spd="slow">
-        <p:fade/>
-      </p:transition>
-    </mc:Fallback>
-  </mc:AlternateContent>
-</p:sld>
-</file>
-
-<file path=ppt/slides/slide18.xml><?xml version="1.0" encoding="utf-8"?>
-<p:sld xmlns:a="http://schemas.openxmlformats.org/drawingml/2006/main" xmlns:r="http://schemas.openxmlformats.org/officeDocument/2006/relationships" xmlns:p="http://schemas.openxmlformats.org/presentationml/2006/main">
-  <p:cSld>
-    <p:spTree>
-      <p:nvGrpSpPr>
-        <p:cNvPr id="1" name=""/>
-        <p:cNvGrpSpPr/>
-        <p:nvPr/>
-      </p:nvGrpSpPr>
-      <p:grpSpPr>
-        <a:xfrm>
-          <a:off x="0" y="0"/>
-          <a:ext cx="0" cy="0"/>
-          <a:chOff x="0" y="0"/>
-          <a:chExt cx="0" cy="0"/>
-        </a:xfrm>
-      </p:grpSpPr>
-      <p:sp>
-        <p:nvSpPr>
-          <p:cNvPr id="2" name="Title 1"/>
-          <p:cNvSpPr>
-            <a:spLocks noGrp="1"/>
-          </p:cNvSpPr>
-          <p:nvPr>
-            <p:ph type="title"/>
-          </p:nvPr>
-        </p:nvSpPr>
-        <p:spPr>
-          <a:xfrm>
             <a:off x="971600" y="-77213"/>
             <a:ext cx="6516798" cy="1880428"/>
           </a:xfrm>
@@ -7187,7 +6221,7 @@
 </p:sld>
 </file>
 
-<file path=ppt/slides/slide19.xml><?xml version="1.0" encoding="utf-8"?>
+<file path=ppt/slides/slide17.xml><?xml version="1.0" encoding="utf-8"?>
 <p:sld xmlns:a="http://schemas.openxmlformats.org/drawingml/2006/main" xmlns:r="http://schemas.openxmlformats.org/officeDocument/2006/relationships" xmlns:p="http://schemas.openxmlformats.org/presentationml/2006/main">
   <p:cSld>
     <p:spTree>

--- a/OOP.pptx
+++ b/OOP.pptx
@@ -7408,7 +7408,7 @@
         <p:spPr>
           <a:xfrm>
             <a:off x="1033686" y="2542454"/>
-            <a:ext cx="7076628" cy="523220"/>
+            <a:ext cx="7076628" cy="2246769"/>
           </a:xfrm>
           <a:prstGeom prst="rect">
             <a:avLst/>
@@ -7428,7 +7428,28 @@
                   </a:schemeClr>
                 </a:solidFill>
               </a:rPr>
-              <a:t>Inheritance means </a:t>
+              <a:t>Inheritance means borrowing</a:t>
+            </a:r>
+          </a:p>
+          <a:p>
+            <a:endParaRPr lang="en-US" sz="2800" dirty="0">
+              <a:solidFill>
+                <a:schemeClr val="accent6">
+                  <a:lumMod val="50000"/>
+                </a:schemeClr>
+              </a:solidFill>
+            </a:endParaRPr>
+          </a:p>
+          <a:p>
+            <a:r>
+              <a:rPr lang="en-US" sz="2800" dirty="0">
+                <a:solidFill>
+                  <a:schemeClr val="accent6">
+                    <a:lumMod val="50000"/>
+                  </a:schemeClr>
+                </a:solidFill>
+              </a:rPr>
+              <a:t>In OOP, Inheritance is a mechanism in which one class acquires the property of another class</a:t>
             </a:r>
           </a:p>
         </p:txBody>
@@ -7540,7 +7561,7 @@
                   </a:schemeClr>
                 </a:solidFill>
               </a:rPr>
-              <a:t>Inheritance</a:t>
+              <a:t>Types of Inheritance</a:t>
             </a:r>
           </a:p>
         </p:txBody>
@@ -7553,8 +7574,8 @@
         </p:nvSpPr>
         <p:spPr>
           <a:xfrm>
-            <a:off x="1033686" y="2542454"/>
-            <a:ext cx="7076628" cy="523220"/>
+            <a:off x="574515" y="4149080"/>
+            <a:ext cx="1159371" cy="523220"/>
           </a:xfrm>
           <a:prstGeom prst="rect">
             <a:avLst/>
@@ -7566,15 +7587,259 @@
           </a:bodyPr>
           <a:lstStyle/>
           <a:p>
+            <a:pPr algn="ctr"/>
             <a:r>
               <a:rPr lang="en-US" sz="2800" dirty="0">
                 <a:solidFill>
-                  <a:schemeClr val="accent6">
-                    <a:lumMod val="50000"/>
+                  <a:schemeClr val="accent1">
+                    <a:lumMod val="75000"/>
                   </a:schemeClr>
                 </a:solidFill>
               </a:rPr>
-              <a:t>Inheritance means </a:t>
+              <a:t>Single</a:t>
+            </a:r>
+          </a:p>
+        </p:txBody>
+      </p:sp>
+      <p:pic>
+        <p:nvPicPr>
+          <p:cNvPr id="14" name="Picture 13">
+            <a:extLst>
+              <a:ext uri="{FF2B5EF4-FFF2-40B4-BE49-F238E27FC236}">
+                <a16:creationId xmlns:a16="http://schemas.microsoft.com/office/drawing/2014/main" id="{35DDEEB2-6EF6-4333-A73B-F5EDC1ED6A5C}"/>
+              </a:ext>
+            </a:extLst>
+          </p:cNvPr>
+          <p:cNvPicPr>
+            <a:picLocks noChangeAspect="1"/>
+          </p:cNvPicPr>
+          <p:nvPr/>
+        </p:nvPicPr>
+        <p:blipFill>
+          <a:blip r:embed="rId2"/>
+          <a:stretch>
+            <a:fillRect/>
+          </a:stretch>
+        </p:blipFill>
+        <p:spPr>
+          <a:xfrm>
+            <a:off x="827584" y="2204864"/>
+            <a:ext cx="590550" cy="1628775"/>
+          </a:xfrm>
+          <a:prstGeom prst="rect">
+            <a:avLst/>
+          </a:prstGeom>
+        </p:spPr>
+      </p:pic>
+      <p:pic>
+        <p:nvPicPr>
+          <p:cNvPr id="16" name="Picture 15">
+            <a:extLst>
+              <a:ext uri="{FF2B5EF4-FFF2-40B4-BE49-F238E27FC236}">
+                <a16:creationId xmlns:a16="http://schemas.microsoft.com/office/drawing/2014/main" id="{2D9D2E6F-0BA0-42A7-80E1-85E9B2A08743}"/>
+              </a:ext>
+            </a:extLst>
+          </p:cNvPr>
+          <p:cNvPicPr>
+            <a:picLocks noChangeAspect="1"/>
+          </p:cNvPicPr>
+          <p:nvPr/>
+        </p:nvPicPr>
+        <p:blipFill>
+          <a:blip r:embed="rId3"/>
+          <a:stretch>
+            <a:fillRect/>
+          </a:stretch>
+        </p:blipFill>
+        <p:spPr>
+          <a:xfrm>
+            <a:off x="2041896" y="2204864"/>
+            <a:ext cx="590550" cy="2771775"/>
+          </a:xfrm>
+          <a:prstGeom prst="rect">
+            <a:avLst/>
+          </a:prstGeom>
+        </p:spPr>
+      </p:pic>
+      <p:pic>
+        <p:nvPicPr>
+          <p:cNvPr id="18" name="Picture 17">
+            <a:extLst>
+              <a:ext uri="{FF2B5EF4-FFF2-40B4-BE49-F238E27FC236}">
+                <a16:creationId xmlns:a16="http://schemas.microsoft.com/office/drawing/2014/main" id="{DA6F4879-ED1B-40DC-89E7-A4CEFD9BD1FF}"/>
+              </a:ext>
+            </a:extLst>
+          </p:cNvPr>
+          <p:cNvPicPr>
+            <a:picLocks noChangeAspect="1"/>
+          </p:cNvPicPr>
+          <p:nvPr/>
+        </p:nvPicPr>
+        <p:blipFill>
+          <a:blip r:embed="rId4"/>
+          <a:stretch>
+            <a:fillRect/>
+          </a:stretch>
+        </p:blipFill>
+        <p:spPr>
+          <a:xfrm>
+            <a:off x="3235067" y="2204864"/>
+            <a:ext cx="2182129" cy="1657350"/>
+          </a:xfrm>
+          <a:prstGeom prst="rect">
+            <a:avLst/>
+          </a:prstGeom>
+        </p:spPr>
+      </p:pic>
+      <p:sp>
+        <p:nvSpPr>
+          <p:cNvPr id="19" name="Rectangle 18">
+            <a:extLst>
+              <a:ext uri="{FF2B5EF4-FFF2-40B4-BE49-F238E27FC236}">
+                <a16:creationId xmlns:a16="http://schemas.microsoft.com/office/drawing/2014/main" id="{52459567-5A81-4F8F-AFB9-F0C4E5153771}"/>
+              </a:ext>
+            </a:extLst>
+          </p:cNvPr>
+          <p:cNvSpPr/>
+          <p:nvPr/>
+        </p:nvSpPr>
+        <p:spPr>
+          <a:xfrm>
+            <a:off x="1224721" y="5402763"/>
+            <a:ext cx="2182129" cy="523220"/>
+          </a:xfrm>
+          <a:prstGeom prst="rect">
+            <a:avLst/>
+          </a:prstGeom>
+        </p:spPr>
+        <p:txBody>
+          <a:bodyPr wrap="square">
+            <a:spAutoFit/>
+          </a:bodyPr>
+          <a:lstStyle/>
+          <a:p>
+            <a:pPr algn="ctr"/>
+            <a:r>
+              <a:rPr lang="en-US" sz="2800" dirty="0">
+                <a:solidFill>
+                  <a:schemeClr val="accent1">
+                    <a:lumMod val="75000"/>
+                  </a:schemeClr>
+                </a:solidFill>
+              </a:rPr>
+              <a:t>Multilevel</a:t>
+            </a:r>
+          </a:p>
+        </p:txBody>
+      </p:sp>
+      <p:pic>
+        <p:nvPicPr>
+          <p:cNvPr id="23" name="Picture 22">
+            <a:extLst>
+              <a:ext uri="{FF2B5EF4-FFF2-40B4-BE49-F238E27FC236}">
+                <a16:creationId xmlns:a16="http://schemas.microsoft.com/office/drawing/2014/main" id="{C44F852D-8EBF-4C61-B78C-FFB172C67FE6}"/>
+              </a:ext>
+            </a:extLst>
+          </p:cNvPr>
+          <p:cNvPicPr>
+            <a:picLocks noChangeAspect="1"/>
+          </p:cNvPicPr>
+          <p:nvPr/>
+        </p:nvPicPr>
+        <p:blipFill>
+          <a:blip r:embed="rId5"/>
+          <a:stretch>
+            <a:fillRect/>
+          </a:stretch>
+        </p:blipFill>
+        <p:spPr>
+          <a:xfrm>
+            <a:off x="6019573" y="2177981"/>
+            <a:ext cx="2505075" cy="1657350"/>
+          </a:xfrm>
+          <a:prstGeom prst="rect">
+            <a:avLst/>
+          </a:prstGeom>
+        </p:spPr>
+      </p:pic>
+      <p:sp>
+        <p:nvSpPr>
+          <p:cNvPr id="24" name="Rectangle 23">
+            <a:extLst>
+              <a:ext uri="{FF2B5EF4-FFF2-40B4-BE49-F238E27FC236}">
+                <a16:creationId xmlns:a16="http://schemas.microsoft.com/office/drawing/2014/main" id="{0A17F127-3BCF-4865-8D41-28D523A3698C}"/>
+              </a:ext>
+            </a:extLst>
+          </p:cNvPr>
+          <p:cNvSpPr/>
+          <p:nvPr/>
+        </p:nvSpPr>
+        <p:spPr>
+          <a:xfrm>
+            <a:off x="3261830" y="4288338"/>
+            <a:ext cx="2182129" cy="523220"/>
+          </a:xfrm>
+          <a:prstGeom prst="rect">
+            <a:avLst/>
+          </a:prstGeom>
+        </p:spPr>
+        <p:txBody>
+          <a:bodyPr wrap="square">
+            <a:spAutoFit/>
+          </a:bodyPr>
+          <a:lstStyle/>
+          <a:p>
+            <a:pPr algn="ctr"/>
+            <a:r>
+              <a:rPr lang="en-US" sz="2800" dirty="0">
+                <a:solidFill>
+                  <a:schemeClr val="accent1">
+                    <a:lumMod val="75000"/>
+                  </a:schemeClr>
+                </a:solidFill>
+              </a:rPr>
+              <a:t>Multiple</a:t>
+            </a:r>
+          </a:p>
+        </p:txBody>
+      </p:sp>
+      <p:sp>
+        <p:nvSpPr>
+          <p:cNvPr id="25" name="Rectangle 24">
+            <a:extLst>
+              <a:ext uri="{FF2B5EF4-FFF2-40B4-BE49-F238E27FC236}">
+                <a16:creationId xmlns:a16="http://schemas.microsoft.com/office/drawing/2014/main" id="{D545BA43-C2A9-480F-A416-D0D7296A2A23}"/>
+              </a:ext>
+            </a:extLst>
+          </p:cNvPr>
+          <p:cNvSpPr/>
+          <p:nvPr/>
+        </p:nvSpPr>
+        <p:spPr>
+          <a:xfrm>
+            <a:off x="6342519" y="4288338"/>
+            <a:ext cx="2182129" cy="523220"/>
+          </a:xfrm>
+          <a:prstGeom prst="rect">
+            <a:avLst/>
+          </a:prstGeom>
+        </p:spPr>
+        <p:txBody>
+          <a:bodyPr wrap="square">
+            <a:spAutoFit/>
+          </a:bodyPr>
+          <a:lstStyle/>
+          <a:p>
+            <a:pPr algn="ctr"/>
+            <a:r>
+              <a:rPr lang="en-US" sz="2800" dirty="0">
+                <a:solidFill>
+                  <a:schemeClr val="accent1">
+                    <a:lumMod val="75000"/>
+                  </a:schemeClr>
+                </a:solidFill>
+              </a:rPr>
+              <a:t>Hierarchical</a:t>
             </a:r>
           </a:p>
         </p:txBody>

--- a/OOP.pptx
+++ b/OOP.pptx
@@ -5,10 +5,10 @@
     <p:sldMasterId id="2147483648" r:id="rId4"/>
   </p:sldMasterIdLst>
   <p:notesMasterIdLst>
-    <p:notesMasterId r:id="rId22"/>
+    <p:notesMasterId r:id="rId21"/>
   </p:notesMasterIdLst>
   <p:handoutMasterIdLst>
-    <p:handoutMasterId r:id="rId23"/>
+    <p:handoutMasterId r:id="rId22"/>
   </p:handoutMasterIdLst>
   <p:sldIdLst>
     <p:sldId id="267" r:id="rId5"/>
@@ -26,8 +26,7 @@
     <p:sldId id="285" r:id="rId17"/>
     <p:sldId id="273" r:id="rId18"/>
     <p:sldId id="281" r:id="rId19"/>
-    <p:sldId id="279" r:id="rId20"/>
-    <p:sldId id="292" r:id="rId21"/>
+    <p:sldId id="292" r:id="rId20"/>
   </p:sldIdLst>
   <p:sldSz cx="9144000" cy="6858000" type="screen4x3"/>
   <p:notesSz cx="6858000" cy="9144000"/>
@@ -6003,225 +6002,6 @@
 </file>
 
 <file path=ppt/slides/slide16.xml><?xml version="1.0" encoding="utf-8"?>
-<p:sld xmlns:a="http://schemas.openxmlformats.org/drawingml/2006/main" xmlns:r="http://schemas.openxmlformats.org/officeDocument/2006/relationships" xmlns:p="http://schemas.openxmlformats.org/presentationml/2006/main">
-  <p:cSld>
-    <p:spTree>
-      <p:nvGrpSpPr>
-        <p:cNvPr id="1" name=""/>
-        <p:cNvGrpSpPr/>
-        <p:nvPr/>
-      </p:nvGrpSpPr>
-      <p:grpSpPr>
-        <a:xfrm>
-          <a:off x="0" y="0"/>
-          <a:ext cx="0" cy="0"/>
-          <a:chOff x="0" y="0"/>
-          <a:chExt cx="0" cy="0"/>
-        </a:xfrm>
-      </p:grpSpPr>
-      <p:sp>
-        <p:nvSpPr>
-          <p:cNvPr id="2" name="Title 1"/>
-          <p:cNvSpPr>
-            <a:spLocks noGrp="1"/>
-          </p:cNvSpPr>
-          <p:nvPr>
-            <p:ph type="title"/>
-          </p:nvPr>
-        </p:nvSpPr>
-        <p:spPr>
-          <a:xfrm>
-            <a:off x="971600" y="-77213"/>
-            <a:ext cx="6516798" cy="1880428"/>
-          </a:xfrm>
-        </p:spPr>
-        <p:txBody>
-          <a:bodyPr>
-            <a:noAutofit/>
-          </a:bodyPr>
-          <a:lstStyle/>
-          <a:p>
-            <a:pPr algn="ctr"/>
-            <a:r>
-              <a:rPr lang="en-US" sz="6000" dirty="0">
-                <a:solidFill>
-                  <a:schemeClr val="accent6">
-                    <a:lumMod val="50000"/>
-                  </a:schemeClr>
-                </a:solidFill>
-              </a:rPr>
-              <a:t>NAS</a:t>
-            </a:r>
-            <a:br>
-              <a:rPr lang="en-US" sz="4051" dirty="0"/>
-            </a:br>
-            <a:r>
-              <a:rPr lang="en-US" sz="4051" dirty="0"/>
-              <a:t>Network Attached Storage</a:t>
-            </a:r>
-          </a:p>
-        </p:txBody>
-      </p:sp>
-      <p:sp>
-        <p:nvSpPr>
-          <p:cNvPr id="3" name="Rectangle 2"/>
-          <p:cNvSpPr/>
-          <p:nvPr/>
-        </p:nvSpPr>
-        <p:spPr>
-          <a:xfrm>
-            <a:off x="971600" y="2780928"/>
-            <a:ext cx="8028384" cy="2308324"/>
-          </a:xfrm>
-          <a:prstGeom prst="rect">
-            <a:avLst/>
-          </a:prstGeom>
-        </p:spPr>
-        <p:txBody>
-          <a:bodyPr wrap="square">
-            <a:spAutoFit/>
-          </a:bodyPr>
-          <a:lstStyle/>
-          <a:p>
-            <a:pPr marL="571500" indent="-571500">
-              <a:buFont typeface="Wingdings" panose="05000000000000000000" pitchFamily="2" charset="2"/>
-              <a:buChar char="v"/>
-            </a:pPr>
-            <a:r>
-              <a:rPr lang="en-US" sz="3600" dirty="0">
-                <a:solidFill>
-                  <a:schemeClr val="accent6">
-                    <a:lumMod val="50000"/>
-                  </a:schemeClr>
-                </a:solidFill>
-              </a:rPr>
-              <a:t>Provides a </a:t>
-            </a:r>
-            <a:r>
-              <a:rPr lang="en-US" sz="3600" dirty="0">
-                <a:solidFill>
-                  <a:srgbClr val="0070C0"/>
-                </a:solidFill>
-              </a:rPr>
-              <a:t>file sharing </a:t>
-            </a:r>
-            <a:r>
-              <a:rPr lang="en-US" sz="3600" dirty="0">
-                <a:solidFill>
-                  <a:schemeClr val="accent6">
-                    <a:lumMod val="50000"/>
-                  </a:schemeClr>
-                </a:solidFill>
-              </a:rPr>
-              <a:t>system or storage management system</a:t>
-            </a:r>
-          </a:p>
-          <a:p>
-            <a:endParaRPr lang="en-US" sz="3600" dirty="0">
-              <a:solidFill>
-                <a:schemeClr val="accent6">
-                  <a:lumMod val="50000"/>
-                </a:schemeClr>
-              </a:solidFill>
-            </a:endParaRPr>
-          </a:p>
-          <a:p>
-            <a:pPr marL="571500" indent="-571500">
-              <a:buFont typeface="Wingdings" panose="05000000000000000000" pitchFamily="2" charset="2"/>
-              <a:buChar char="v"/>
-            </a:pPr>
-            <a:r>
-              <a:rPr lang="en-US" sz="3600" dirty="0">
-                <a:solidFill>
-                  <a:schemeClr val="accent6">
-                    <a:lumMod val="50000"/>
-                  </a:schemeClr>
-                </a:solidFill>
-              </a:rPr>
-              <a:t>Act Upon </a:t>
-            </a:r>
-            <a:r>
-              <a:rPr lang="en-US" sz="3600" dirty="0">
-                <a:solidFill>
-                  <a:srgbClr val="0070C0"/>
-                </a:solidFill>
-              </a:rPr>
-              <a:t>Ethernet</a:t>
-            </a:r>
-          </a:p>
-        </p:txBody>
-      </p:sp>
-      <p:sp>
-        <p:nvSpPr>
-          <p:cNvPr id="4" name="Rectangle 3"/>
-          <p:cNvSpPr/>
-          <p:nvPr/>
-        </p:nvSpPr>
-        <p:spPr>
-          <a:xfrm>
-            <a:off x="-108520" y="1871113"/>
-            <a:ext cx="9505055" cy="45719"/>
-          </a:xfrm>
-          <a:prstGeom prst="rect">
-            <a:avLst/>
-          </a:prstGeom>
-        </p:spPr>
-        <p:style>
-          <a:lnRef idx="1">
-            <a:schemeClr val="accent1"/>
-          </a:lnRef>
-          <a:fillRef idx="3">
-            <a:schemeClr val="accent1"/>
-          </a:fillRef>
-          <a:effectRef idx="2">
-            <a:schemeClr val="accent1"/>
-          </a:effectRef>
-          <a:fontRef idx="minor">
-            <a:schemeClr val="lt1"/>
-          </a:fontRef>
-        </p:style>
-        <p:txBody>
-          <a:bodyPr rtlCol="0" anchor="ctr"/>
-          <a:lstStyle/>
-          <a:p>
-            <a:pPr algn="ctr"/>
-            <a:endParaRPr lang="en-US" sz="1350">
-              <a:solidFill>
-                <a:schemeClr val="tx1">
-                  <a:lumMod val="65000"/>
-                  <a:lumOff val="35000"/>
-                </a:schemeClr>
-              </a:solidFill>
-            </a:endParaRPr>
-          </a:p>
-        </p:txBody>
-      </p:sp>
-    </p:spTree>
-    <p:extLst>
-      <p:ext uri="{BB962C8B-B14F-4D97-AF65-F5344CB8AC3E}">
-        <p14:creationId xmlns:p14="http://schemas.microsoft.com/office/powerpoint/2010/main" val="1375462907"/>
-      </p:ext>
-    </p:extLst>
-  </p:cSld>
-  <p:clrMapOvr>
-    <a:masterClrMapping/>
-  </p:clrMapOvr>
-  <mc:AlternateContent xmlns:mc="http://schemas.openxmlformats.org/markup-compatibility/2006" xmlns:p14="http://schemas.microsoft.com/office/powerpoint/2010/main">
-    <mc:Choice Requires="p14">
-      <p:transition spd="slow" p14:dur="1600">
-        <p14:prism isInverted="1"/>
-      </p:transition>
-    </mc:Choice>
-    <mc:Fallback xmlns="">
-      <p:transition spd="slow">
-        <p:fade/>
-      </p:transition>
-    </mc:Fallback>
-  </mc:AlternateContent>
-</p:sld>
-</file>
-
-<file path=ppt/slides/slide17.xml><?xml version="1.0" encoding="utf-8"?>
 <p:sld xmlns:a="http://schemas.openxmlformats.org/drawingml/2006/main" xmlns:r="http://schemas.openxmlformats.org/officeDocument/2006/relationships" xmlns:p="http://schemas.openxmlformats.org/presentationml/2006/main">
   <p:cSld>
     <p:spTree>

--- a/OOP.pptx
+++ b/OOP.pptx
@@ -5,10 +5,10 @@
     <p:sldMasterId id="2147483648" r:id="rId4"/>
   </p:sldMasterIdLst>
   <p:notesMasterIdLst>
-    <p:notesMasterId r:id="rId21"/>
+    <p:notesMasterId r:id="rId20"/>
   </p:notesMasterIdLst>
   <p:handoutMasterIdLst>
-    <p:handoutMasterId r:id="rId22"/>
+    <p:handoutMasterId r:id="rId21"/>
   </p:handoutMasterIdLst>
   <p:sldIdLst>
     <p:sldId id="267" r:id="rId5"/>
@@ -25,8 +25,7 @@
     <p:sldId id="283" r:id="rId16"/>
     <p:sldId id="285" r:id="rId17"/>
     <p:sldId id="273" r:id="rId18"/>
-    <p:sldId id="281" r:id="rId19"/>
-    <p:sldId id="292" r:id="rId20"/>
+    <p:sldId id="292" r:id="rId19"/>
   </p:sldIdLst>
   <p:sldSz cx="9144000" cy="6858000" type="screen4x3"/>
   <p:notesSz cx="6858000" cy="9144000"/>
@@ -5828,180 +5827,6 @@
 </file>
 
 <file path=ppt/slides/slide15.xml><?xml version="1.0" encoding="utf-8"?>
-<p:sld xmlns:a="http://schemas.openxmlformats.org/drawingml/2006/main" xmlns:r="http://schemas.openxmlformats.org/officeDocument/2006/relationships" xmlns:p="http://schemas.openxmlformats.org/presentationml/2006/main">
-  <p:cSld>
-    <p:spTree>
-      <p:nvGrpSpPr>
-        <p:cNvPr id="1" name=""/>
-        <p:cNvGrpSpPr/>
-        <p:nvPr/>
-      </p:nvGrpSpPr>
-      <p:grpSpPr>
-        <a:xfrm>
-          <a:off x="0" y="0"/>
-          <a:ext cx="0" cy="0"/>
-          <a:chOff x="0" y="0"/>
-          <a:chExt cx="0" cy="0"/>
-        </a:xfrm>
-      </p:grpSpPr>
-      <p:sp>
-        <p:nvSpPr>
-          <p:cNvPr id="2" name="Title 1"/>
-          <p:cNvSpPr>
-            <a:spLocks noGrp="1"/>
-          </p:cNvSpPr>
-          <p:nvPr>
-            <p:ph type="title"/>
-          </p:nvPr>
-        </p:nvSpPr>
-        <p:spPr>
-          <a:xfrm>
-            <a:off x="1118080" y="944518"/>
-            <a:ext cx="6516798" cy="800308"/>
-          </a:xfrm>
-        </p:spPr>
-        <p:txBody>
-          <a:bodyPr>
-            <a:noAutofit/>
-          </a:bodyPr>
-          <a:lstStyle/>
-          <a:p>
-            <a:pPr algn="ctr"/>
-            <a:r>
-              <a:rPr lang="en-US" sz="6602" dirty="0">
-                <a:solidFill>
-                  <a:schemeClr val="accent6">
-                    <a:lumMod val="50000"/>
-                  </a:schemeClr>
-                </a:solidFill>
-              </a:rPr>
-              <a:t>DAS</a:t>
-            </a:r>
-            <a:br>
-              <a:rPr lang="en-US" sz="4051" dirty="0"/>
-            </a:br>
-            <a:r>
-              <a:rPr lang="en-US" sz="4051" dirty="0"/>
-              <a:t>Direct Attached Storage</a:t>
-            </a:r>
-          </a:p>
-        </p:txBody>
-      </p:sp>
-      <p:sp>
-        <p:nvSpPr>
-          <p:cNvPr id="3" name="Rectangle 2"/>
-          <p:cNvSpPr/>
-          <p:nvPr/>
-        </p:nvSpPr>
-        <p:spPr>
-          <a:xfrm>
-            <a:off x="1087409" y="3068960"/>
-            <a:ext cx="6912768" cy="1323439"/>
-          </a:xfrm>
-          <a:prstGeom prst="rect">
-            <a:avLst/>
-          </a:prstGeom>
-        </p:spPr>
-        <p:txBody>
-          <a:bodyPr wrap="square">
-            <a:spAutoFit/>
-          </a:bodyPr>
-          <a:lstStyle/>
-          <a:p>
-            <a:r>
-              <a:rPr lang="en-GB" sz="4000" dirty="0">
-                <a:solidFill>
-                  <a:schemeClr val="accent6">
-                    <a:lumMod val="50000"/>
-                  </a:schemeClr>
-                </a:solidFill>
-                <a:latin typeface="Calibri" panose="020F0502020204030204" pitchFamily="34" charset="0"/>
-                <a:ea typeface="Calibri" panose="020F0502020204030204" pitchFamily="34" charset="0"/>
-                <a:cs typeface="Vrinda"/>
-              </a:rPr>
-              <a:t>DAS referred to a storage that is directly attached to a server</a:t>
-            </a:r>
-            <a:endParaRPr lang="en-US" sz="4000" dirty="0">
-              <a:solidFill>
-                <a:schemeClr val="accent6">
-                  <a:lumMod val="50000"/>
-                </a:schemeClr>
-              </a:solidFill>
-            </a:endParaRPr>
-          </a:p>
-        </p:txBody>
-      </p:sp>
-      <p:sp>
-        <p:nvSpPr>
-          <p:cNvPr id="4" name="Rectangle 3"/>
-          <p:cNvSpPr/>
-          <p:nvPr/>
-        </p:nvSpPr>
-        <p:spPr>
-          <a:xfrm>
-            <a:off x="-108520" y="1871113"/>
-            <a:ext cx="9505055" cy="45719"/>
-          </a:xfrm>
-          <a:prstGeom prst="rect">
-            <a:avLst/>
-          </a:prstGeom>
-        </p:spPr>
-        <p:style>
-          <a:lnRef idx="1">
-            <a:schemeClr val="accent1"/>
-          </a:lnRef>
-          <a:fillRef idx="3">
-            <a:schemeClr val="accent1"/>
-          </a:fillRef>
-          <a:effectRef idx="2">
-            <a:schemeClr val="accent1"/>
-          </a:effectRef>
-          <a:fontRef idx="minor">
-            <a:schemeClr val="lt1"/>
-          </a:fontRef>
-        </p:style>
-        <p:txBody>
-          <a:bodyPr rtlCol="0" anchor="ctr"/>
-          <a:lstStyle/>
-          <a:p>
-            <a:pPr algn="ctr"/>
-            <a:endParaRPr lang="en-US" sz="1350">
-              <a:solidFill>
-                <a:schemeClr val="tx1">
-                  <a:lumMod val="65000"/>
-                  <a:lumOff val="35000"/>
-                </a:schemeClr>
-              </a:solidFill>
-            </a:endParaRPr>
-          </a:p>
-        </p:txBody>
-      </p:sp>
-    </p:spTree>
-    <p:extLst>
-      <p:ext uri="{BB962C8B-B14F-4D97-AF65-F5344CB8AC3E}">
-        <p14:creationId xmlns:p14="http://schemas.microsoft.com/office/powerpoint/2010/main" val="2801517849"/>
-      </p:ext>
-    </p:extLst>
-  </p:cSld>
-  <p:clrMapOvr>
-    <a:masterClrMapping/>
-  </p:clrMapOvr>
-  <mc:AlternateContent xmlns:mc="http://schemas.openxmlformats.org/markup-compatibility/2006" xmlns:p15="http://schemas.microsoft.com/office/powerpoint/2012/main">
-    <mc:Choice Requires="p15">
-      <p:transition xmlns:p14="http://schemas.microsoft.com/office/powerpoint/2010/main" spd="slow" p14:dur="1250">
-        <p15:prstTrans prst="peelOff"/>
-      </p:transition>
-    </mc:Choice>
-    <mc:Fallback xmlns="">
-      <p:transition spd="slow">
-        <p:fade/>
-      </p:transition>
-    </mc:Fallback>
-  </mc:AlternateContent>
-</p:sld>
-</file>
-
-<file path=ppt/slides/slide16.xml><?xml version="1.0" encoding="utf-8"?>
 <p:sld xmlns:a="http://schemas.openxmlformats.org/drawingml/2006/main" xmlns:r="http://schemas.openxmlformats.org/officeDocument/2006/relationships" xmlns:p="http://schemas.openxmlformats.org/presentationml/2006/main">
   <p:cSld>
     <p:spTree>

--- a/OOP.pptx
+++ b/OOP.pptx
@@ -20,7 +20,7 @@
     <p:sldId id="298" r:id="rId11"/>
     <p:sldId id="299" r:id="rId12"/>
     <p:sldId id="300" r:id="rId13"/>
-    <p:sldId id="269" r:id="rId14"/>
+    <p:sldId id="301" r:id="rId14"/>
     <p:sldId id="284" r:id="rId15"/>
     <p:sldId id="283" r:id="rId16"/>
     <p:sldId id="285" r:id="rId17"/>
@@ -4203,8 +4203,8 @@
         </p:nvSpPr>
         <p:spPr>
           <a:xfrm>
-            <a:off x="574515" y="1289747"/>
-            <a:ext cx="8643211" cy="34298"/>
+            <a:off x="574515" y="1744442"/>
+            <a:ext cx="8697231" cy="34298"/>
           </a:xfrm>
           <a:prstGeom prst="rect">
             <a:avLst/>
@@ -4248,92 +4248,56 @@
         </p:nvSpPr>
         <p:spPr>
           <a:xfrm>
-            <a:off x="525459" y="548680"/>
-            <a:ext cx="4605556" cy="707886"/>
+            <a:off x="467544" y="980728"/>
+            <a:ext cx="7436668" cy="769441"/>
           </a:xfrm>
           <a:prstGeom prst="rect">
             <a:avLst/>
           </a:prstGeom>
         </p:spPr>
         <p:txBody>
-          <a:bodyPr wrap="none">
+          <a:bodyPr wrap="square">
             <a:spAutoFit/>
           </a:bodyPr>
           <a:lstStyle/>
           <a:p>
             <a:r>
-              <a:rPr lang="en-US" sz="4000" dirty="0">
+              <a:rPr lang="en-US" sz="4400" dirty="0">
                 <a:solidFill>
                   <a:schemeClr val="accent1">
                     <a:lumMod val="75000"/>
                   </a:schemeClr>
                 </a:solidFill>
               </a:rPr>
-              <a:t>Why is it important?</a:t>
-            </a:r>
-          </a:p>
-        </p:txBody>
-      </p:sp>
-      <p:sp>
-        <p:nvSpPr>
-          <p:cNvPr id="4" name="Rectangle 3"/>
-          <p:cNvSpPr/>
-          <p:nvPr/>
-        </p:nvSpPr>
-        <p:spPr>
-          <a:xfrm>
-            <a:off x="2483768" y="2030860"/>
-            <a:ext cx="4104456" cy="584775"/>
-          </a:xfrm>
-          <a:prstGeom prst="rect">
-            <a:avLst/>
-          </a:prstGeom>
-        </p:spPr>
-        <p:txBody>
-          <a:bodyPr wrap="square">
-            <a:spAutoFit/>
-          </a:bodyPr>
-          <a:lstStyle/>
-          <a:p>
-            <a:r>
-              <a:rPr lang="en-US" sz="3200" b="1" dirty="0">
-                <a:solidFill>
-                  <a:schemeClr val="accent6">
-                    <a:lumMod val="50000"/>
-                  </a:schemeClr>
-                </a:solidFill>
-                <a:latin typeface="Adobe Kaiti Std R" panose="02020400000000000000" pitchFamily="18" charset="-128"/>
-                <a:ea typeface="Adobe Kaiti Std R" panose="02020400000000000000" pitchFamily="18" charset="-128"/>
-              </a:rPr>
-              <a:t>Secure data storage</a:t>
+              <a:t>Types of Polymorphism</a:t>
             </a:r>
           </a:p>
         </p:txBody>
       </p:sp>
       <p:pic>
         <p:nvPicPr>
-          <p:cNvPr id="5" name="Picture 4"/>
+          <p:cNvPr id="6" name="Picture 5">
+            <a:extLst>
+              <a:ext uri="{FF2B5EF4-FFF2-40B4-BE49-F238E27FC236}">
+                <a16:creationId xmlns:a16="http://schemas.microsoft.com/office/drawing/2014/main" id="{3CFB63FD-EFF2-4CC7-9834-597264293E78}"/>
+              </a:ext>
+            </a:extLst>
+          </p:cNvPr>
           <p:cNvPicPr>
             <a:picLocks noChangeAspect="1"/>
           </p:cNvPicPr>
           <p:nvPr/>
         </p:nvPicPr>
         <p:blipFill>
-          <a:blip r:embed="rId2">
-            <a:extLst>
-              <a:ext uri="{28A0092B-C50C-407E-A947-70E740481C1C}">
-                <a14:useLocalDpi xmlns:a14="http://schemas.microsoft.com/office/drawing/2010/main" val="0"/>
-              </a:ext>
-            </a:extLst>
-          </a:blip>
+          <a:blip r:embed="rId2"/>
           <a:stretch>
             <a:fillRect/>
           </a:stretch>
         </p:blipFill>
         <p:spPr>
           <a:xfrm>
-            <a:off x="1403648" y="3501008"/>
-            <a:ext cx="6084562" cy="2320959"/>
+            <a:off x="1790340" y="2348880"/>
+            <a:ext cx="4791075" cy="2990850"/>
           </a:xfrm>
           <a:prstGeom prst="rect">
             <a:avLst/>
@@ -4343,7 +4307,7 @@
     </p:spTree>
     <p:extLst>
       <p:ext uri="{BB962C8B-B14F-4D97-AF65-F5344CB8AC3E}">
-        <p14:creationId xmlns:p14="http://schemas.microsoft.com/office/powerpoint/2010/main" val="2284065592"/>
+        <p14:creationId xmlns:p14="http://schemas.microsoft.com/office/powerpoint/2010/main" val="3577629193"/>
       </p:ext>
     </p:extLst>
   </p:cSld>
@@ -4351,80 +4315,8 @@
     <a:masterClrMapping/>
   </p:clrMapOvr>
   <p:transition spd="slow">
-    <p:wheel spokes="1"/>
+    <p:randomBar dir="vert"/>
   </p:transition>
-  <p:timing>
-    <p:tnLst>
-      <p:par>
-        <p:cTn id="1" dur="indefinite" restart="never" nodeType="tmRoot">
-          <p:childTnLst>
-            <p:seq concurrent="1" nextAc="seek">
-              <p:cTn id="2" dur="indefinite" nodeType="mainSeq">
-                <p:childTnLst>
-                  <p:par>
-                    <p:cTn id="3" fill="hold">
-                      <p:stCondLst>
-                        <p:cond delay="indefinite"/>
-                        <p:cond evt="onBegin" delay="0">
-                          <p:tn val="2"/>
-                        </p:cond>
-                      </p:stCondLst>
-                      <p:childTnLst>
-                        <p:par>
-                          <p:cTn id="4" fill="hold">
-                            <p:stCondLst>
-                              <p:cond delay="0"/>
-                            </p:stCondLst>
-                            <p:childTnLst>
-                              <p:par>
-                                <p:cTn id="5" presetID="6" presetClass="emph" presetSubtype="0" fill="hold" grpId="0" nodeType="afterEffect">
-                                  <p:stCondLst>
-                                    <p:cond delay="0"/>
-                                  </p:stCondLst>
-                                  <p:childTnLst>
-                                    <p:animScale>
-                                      <p:cBhvr>
-                                        <p:cTn id="6" dur="2000" fill="hold"/>
-                                        <p:tgtEl>
-                                          <p:spTgt spid="4"/>
-                                        </p:tgtEl>
-                                      </p:cBhvr>
-                                      <p:by x="150000" y="150000"/>
-                                    </p:animScale>
-                                  </p:childTnLst>
-                                </p:cTn>
-                              </p:par>
-                            </p:childTnLst>
-                          </p:cTn>
-                        </p:par>
-                      </p:childTnLst>
-                    </p:cTn>
-                  </p:par>
-                </p:childTnLst>
-              </p:cTn>
-              <p:prevCondLst>
-                <p:cond evt="onPrev" delay="0">
-                  <p:tgtEl>
-                    <p:sldTgt/>
-                  </p:tgtEl>
-                </p:cond>
-              </p:prevCondLst>
-              <p:nextCondLst>
-                <p:cond evt="onNext" delay="0">
-                  <p:tgtEl>
-                    <p:sldTgt/>
-                  </p:tgtEl>
-                </p:cond>
-              </p:nextCondLst>
-            </p:seq>
-          </p:childTnLst>
-        </p:cTn>
-      </p:par>
-    </p:tnLst>
-    <p:bldLst>
-      <p:bldP spid="4" grpId="0"/>
-    </p:bldLst>
-  </p:timing>
 </p:sld>
 </file>
 
@@ -7100,7 +6992,7 @@
         </p:nvSpPr>
         <p:spPr>
           <a:xfrm>
-            <a:off x="574515" y="1744442"/>
+            <a:off x="574515" y="1628800"/>
             <a:ext cx="8697231" cy="34298"/>
           </a:xfrm>
           <a:prstGeom prst="rect">
@@ -7145,7 +7037,7 @@
         </p:nvSpPr>
         <p:spPr>
           <a:xfrm>
-            <a:off x="467544" y="980728"/>
+            <a:off x="467544" y="859359"/>
             <a:ext cx="7436668" cy="769441"/>
           </a:xfrm>
           <a:prstGeom prst="rect">
@@ -7359,7 +7251,7 @@
         </p:blipFill>
         <p:spPr>
           <a:xfrm>
-            <a:off x="6019573" y="2177981"/>
+            <a:off x="6019573" y="2176289"/>
             <a:ext cx="2505075" cy="1657350"/>
           </a:xfrm>
           <a:prstGeom prst="rect">

--- a/OOP.pptx
+++ b/OOP.pptx
@@ -5,10 +5,10 @@
     <p:sldMasterId id="2147483648" r:id="rId4"/>
   </p:sldMasterIdLst>
   <p:notesMasterIdLst>
-    <p:notesMasterId r:id="rId20"/>
+    <p:notesMasterId r:id="rId16"/>
   </p:notesMasterIdLst>
   <p:handoutMasterIdLst>
-    <p:handoutMasterId r:id="rId21"/>
+    <p:handoutMasterId r:id="rId17"/>
   </p:handoutMasterIdLst>
   <p:sldIdLst>
     <p:sldId id="267" r:id="rId5"/>
@@ -21,11 +21,7 @@
     <p:sldId id="299" r:id="rId12"/>
     <p:sldId id="300" r:id="rId13"/>
     <p:sldId id="301" r:id="rId14"/>
-    <p:sldId id="284" r:id="rId15"/>
-    <p:sldId id="283" r:id="rId16"/>
-    <p:sldId id="285" r:id="rId17"/>
-    <p:sldId id="273" r:id="rId18"/>
-    <p:sldId id="292" r:id="rId19"/>
+    <p:sldId id="292" r:id="rId15"/>
   </p:sldIdLst>
   <p:sldSz cx="9144000" cy="6858000" type="screen4x3"/>
   <p:notesSz cx="6858000" cy="9144000"/>
@@ -4321,1404 +4317,6 @@
 </file>
 
 <file path=ppt/slides/slide11.xml><?xml version="1.0" encoding="utf-8"?>
-<p:sld xmlns:a="http://schemas.openxmlformats.org/drawingml/2006/main" xmlns:r="http://schemas.openxmlformats.org/officeDocument/2006/relationships" xmlns:p="http://schemas.openxmlformats.org/presentationml/2006/main">
-  <p:cSld>
-    <p:spTree>
-      <p:nvGrpSpPr>
-        <p:cNvPr id="1" name=""/>
-        <p:cNvGrpSpPr/>
-        <p:nvPr/>
-      </p:nvGrpSpPr>
-      <p:grpSpPr>
-        <a:xfrm>
-          <a:off x="0" y="0"/>
-          <a:ext cx="0" cy="0"/>
-          <a:chOff x="0" y="0"/>
-          <a:chExt cx="0" cy="0"/>
-        </a:xfrm>
-      </p:grpSpPr>
-      <p:sp>
-        <p:nvSpPr>
-          <p:cNvPr id="4" name="Rectangle 3"/>
-          <p:cNvSpPr/>
-          <p:nvPr/>
-        </p:nvSpPr>
-        <p:spPr>
-          <a:xfrm>
-            <a:off x="3004728" y="1836113"/>
-            <a:ext cx="2918520" cy="584775"/>
-          </a:xfrm>
-          <a:prstGeom prst="rect">
-            <a:avLst/>
-          </a:prstGeom>
-        </p:spPr>
-        <p:txBody>
-          <a:bodyPr wrap="square">
-            <a:spAutoFit/>
-          </a:bodyPr>
-          <a:lstStyle/>
-          <a:p>
-            <a:r>
-              <a:rPr lang="en-US" sz="3200" b="1" dirty="0">
-                <a:solidFill>
-                  <a:schemeClr val="accent6">
-                    <a:lumMod val="50000"/>
-                  </a:schemeClr>
-                </a:solidFill>
-                <a:latin typeface="Adobe Kaiti Std R" panose="02020400000000000000" pitchFamily="18" charset="-128"/>
-                <a:ea typeface="Adobe Kaiti Std R" panose="02020400000000000000" pitchFamily="18" charset="-128"/>
-              </a:rPr>
-              <a:t>Ease of access</a:t>
-            </a:r>
-          </a:p>
-        </p:txBody>
-      </p:sp>
-      <p:pic>
-        <p:nvPicPr>
-          <p:cNvPr id="6" name="Picture 5"/>
-          <p:cNvPicPr>
-            <a:picLocks noChangeAspect="1"/>
-          </p:cNvPicPr>
-          <p:nvPr/>
-        </p:nvPicPr>
-        <p:blipFill>
-          <a:blip r:embed="rId2">
-            <a:extLst>
-              <a:ext uri="{28A0092B-C50C-407E-A947-70E740481C1C}">
-                <a14:useLocalDpi xmlns:a14="http://schemas.microsoft.com/office/drawing/2010/main" val="0"/>
-              </a:ext>
-            </a:extLst>
-          </a:blip>
-          <a:stretch>
-            <a:fillRect/>
-          </a:stretch>
-        </p:blipFill>
-        <p:spPr>
-          <a:xfrm>
-            <a:off x="2483768" y="3356992"/>
-            <a:ext cx="3960440" cy="2849057"/>
-          </a:xfrm>
-          <a:prstGeom prst="rect">
-            <a:avLst/>
-          </a:prstGeom>
-        </p:spPr>
-      </p:pic>
-      <p:sp>
-        <p:nvSpPr>
-          <p:cNvPr id="7" name="Rectangle 6"/>
-          <p:cNvSpPr/>
-          <p:nvPr/>
-        </p:nvSpPr>
-        <p:spPr>
-          <a:xfrm>
-            <a:off x="574515" y="1289747"/>
-            <a:ext cx="8643211" cy="34298"/>
-          </a:xfrm>
-          <a:prstGeom prst="rect">
-            <a:avLst/>
-          </a:prstGeom>
-        </p:spPr>
-        <p:style>
-          <a:lnRef idx="1">
-            <a:schemeClr val="accent1"/>
-          </a:lnRef>
-          <a:fillRef idx="3">
-            <a:schemeClr val="accent1"/>
-          </a:fillRef>
-          <a:effectRef idx="2">
-            <a:schemeClr val="accent1"/>
-          </a:effectRef>
-          <a:fontRef idx="minor">
-            <a:schemeClr val="lt1"/>
-          </a:fontRef>
-        </p:style>
-        <p:txBody>
-          <a:bodyPr rtlCol="0" anchor="ctr"/>
-          <a:lstStyle/>
-          <a:p>
-            <a:pPr algn="ctr"/>
-            <a:endParaRPr lang="en-US" sz="1350">
-              <a:solidFill>
-                <a:schemeClr val="tx1">
-                  <a:lumMod val="65000"/>
-                  <a:lumOff val="35000"/>
-                </a:schemeClr>
-              </a:solidFill>
-            </a:endParaRPr>
-          </a:p>
-        </p:txBody>
-      </p:sp>
-      <p:sp>
-        <p:nvSpPr>
-          <p:cNvPr id="8" name="Rectangle 7"/>
-          <p:cNvSpPr/>
-          <p:nvPr/>
-        </p:nvSpPr>
-        <p:spPr>
-          <a:xfrm>
-            <a:off x="525459" y="548680"/>
-            <a:ext cx="4605556" cy="707886"/>
-          </a:xfrm>
-          <a:prstGeom prst="rect">
-            <a:avLst/>
-          </a:prstGeom>
-        </p:spPr>
-        <p:txBody>
-          <a:bodyPr wrap="none">
-            <a:spAutoFit/>
-          </a:bodyPr>
-          <a:lstStyle/>
-          <a:p>
-            <a:r>
-              <a:rPr lang="en-US" sz="4000" dirty="0">
-                <a:solidFill>
-                  <a:schemeClr val="accent1">
-                    <a:lumMod val="75000"/>
-                  </a:schemeClr>
-                </a:solidFill>
-              </a:rPr>
-              <a:t>Why is it important?</a:t>
-            </a:r>
-          </a:p>
-        </p:txBody>
-      </p:sp>
-    </p:spTree>
-    <p:extLst>
-      <p:ext uri="{BB962C8B-B14F-4D97-AF65-F5344CB8AC3E}">
-        <p14:creationId xmlns:p14="http://schemas.microsoft.com/office/powerpoint/2010/main" val="1303484"/>
-      </p:ext>
-    </p:extLst>
-  </p:cSld>
-  <p:clrMapOvr>
-    <a:masterClrMapping/>
-  </p:clrMapOvr>
-  <mc:AlternateContent xmlns:mc="http://schemas.openxmlformats.org/markup-compatibility/2006" xmlns:p14="http://schemas.microsoft.com/office/powerpoint/2010/main">
-    <mc:Choice Requires="p14">
-      <p:transition spd="slow" p14:dur="1500">
-        <p:split orient="vert"/>
-      </p:transition>
-    </mc:Choice>
-    <mc:Fallback xmlns="">
-      <p:transition spd="slow">
-        <p:split orient="vert"/>
-      </p:transition>
-    </mc:Fallback>
-  </mc:AlternateContent>
-  <p:timing>
-    <p:tnLst>
-      <p:par>
-        <p:cTn id="1" dur="indefinite" restart="never" nodeType="tmRoot">
-          <p:childTnLst>
-            <p:seq concurrent="1" nextAc="seek">
-              <p:cTn id="2" dur="indefinite" nodeType="mainSeq">
-                <p:childTnLst>
-                  <p:par>
-                    <p:cTn id="3" fill="hold">
-                      <p:stCondLst>
-                        <p:cond delay="indefinite"/>
-                        <p:cond evt="onBegin" delay="0">
-                          <p:tn val="2"/>
-                        </p:cond>
-                      </p:stCondLst>
-                      <p:childTnLst>
-                        <p:par>
-                          <p:cTn id="4" fill="hold">
-                            <p:stCondLst>
-                              <p:cond delay="0"/>
-                            </p:stCondLst>
-                            <p:childTnLst>
-                              <p:par>
-                                <p:cTn id="5" presetID="6" presetClass="emph" presetSubtype="0" fill="hold" grpId="0" nodeType="afterEffect">
-                                  <p:stCondLst>
-                                    <p:cond delay="0"/>
-                                  </p:stCondLst>
-                                  <p:childTnLst>
-                                    <p:animScale>
-                                      <p:cBhvr>
-                                        <p:cTn id="6" dur="2000" fill="hold"/>
-                                        <p:tgtEl>
-                                          <p:spTgt spid="4"/>
-                                        </p:tgtEl>
-                                      </p:cBhvr>
-                                      <p:by x="150000" y="150000"/>
-                                    </p:animScale>
-                                  </p:childTnLst>
-                                </p:cTn>
-                              </p:par>
-                            </p:childTnLst>
-                          </p:cTn>
-                        </p:par>
-                      </p:childTnLst>
-                    </p:cTn>
-                  </p:par>
-                </p:childTnLst>
-              </p:cTn>
-              <p:prevCondLst>
-                <p:cond evt="onPrev" delay="0">
-                  <p:tgtEl>
-                    <p:sldTgt/>
-                  </p:tgtEl>
-                </p:cond>
-              </p:prevCondLst>
-              <p:nextCondLst>
-                <p:cond evt="onNext" delay="0">
-                  <p:tgtEl>
-                    <p:sldTgt/>
-                  </p:tgtEl>
-                </p:cond>
-              </p:nextCondLst>
-            </p:seq>
-          </p:childTnLst>
-        </p:cTn>
-      </p:par>
-    </p:tnLst>
-    <p:bldLst>
-      <p:bldP spid="4" grpId="0"/>
-    </p:bldLst>
-  </p:timing>
-</p:sld>
-</file>
-
-<file path=ppt/slides/slide12.xml><?xml version="1.0" encoding="utf-8"?>
-<p:sld xmlns:a="http://schemas.openxmlformats.org/drawingml/2006/main" xmlns:r="http://schemas.openxmlformats.org/officeDocument/2006/relationships" xmlns:p="http://schemas.openxmlformats.org/presentationml/2006/main">
-  <p:cSld>
-    <p:spTree>
-      <p:nvGrpSpPr>
-        <p:cNvPr id="1" name=""/>
-        <p:cNvGrpSpPr/>
-        <p:nvPr/>
-      </p:nvGrpSpPr>
-      <p:grpSpPr>
-        <a:xfrm>
-          <a:off x="0" y="0"/>
-          <a:ext cx="0" cy="0"/>
-          <a:chOff x="0" y="0"/>
-          <a:chExt cx="0" cy="0"/>
-        </a:xfrm>
-      </p:grpSpPr>
-      <p:sp>
-        <p:nvSpPr>
-          <p:cNvPr id="4" name="Rectangle 3"/>
-          <p:cNvSpPr/>
-          <p:nvPr/>
-        </p:nvSpPr>
-        <p:spPr>
-          <a:xfrm>
-            <a:off x="2555776" y="1892603"/>
-            <a:ext cx="3816424" cy="600293"/>
-          </a:xfrm>
-          <a:prstGeom prst="rect">
-            <a:avLst/>
-          </a:prstGeom>
-        </p:spPr>
-        <p:txBody>
-          <a:bodyPr wrap="square">
-            <a:spAutoFit/>
-          </a:bodyPr>
-          <a:lstStyle/>
-          <a:p>
-            <a:r>
-              <a:rPr lang="en-US" sz="3200" b="1" dirty="0">
-                <a:solidFill>
-                  <a:schemeClr val="accent6">
-                    <a:lumMod val="50000"/>
-                  </a:schemeClr>
-                </a:solidFill>
-                <a:latin typeface="Adobe Kaiti Std R" panose="02020400000000000000" pitchFamily="18" charset="-128"/>
-                <a:ea typeface="Adobe Kaiti Std R" panose="02020400000000000000" pitchFamily="18" charset="-128"/>
-              </a:rPr>
-              <a:t>Always availability</a:t>
-            </a:r>
-          </a:p>
-        </p:txBody>
-      </p:sp>
-      <p:pic>
-        <p:nvPicPr>
-          <p:cNvPr id="6" name="Picture 5"/>
-          <p:cNvPicPr>
-            <a:picLocks noChangeAspect="1"/>
-          </p:cNvPicPr>
-          <p:nvPr/>
-        </p:nvPicPr>
-        <p:blipFill>
-          <a:blip r:embed="rId2">
-            <a:extLst>
-              <a:ext uri="{28A0092B-C50C-407E-A947-70E740481C1C}">
-                <a14:useLocalDpi xmlns:a14="http://schemas.microsoft.com/office/drawing/2010/main" val="0"/>
-              </a:ext>
-            </a:extLst>
-          </a:blip>
-          <a:stretch>
-            <a:fillRect/>
-          </a:stretch>
-        </p:blipFill>
-        <p:spPr>
-          <a:xfrm>
-            <a:off x="2016434" y="3429000"/>
-            <a:ext cx="5183140" cy="2358328"/>
-          </a:xfrm>
-          <a:prstGeom prst="rect">
-            <a:avLst/>
-          </a:prstGeom>
-        </p:spPr>
-      </p:pic>
-      <p:sp>
-        <p:nvSpPr>
-          <p:cNvPr id="9" name="Rectangle 8"/>
-          <p:cNvSpPr/>
-          <p:nvPr/>
-        </p:nvSpPr>
-        <p:spPr>
-          <a:xfrm>
-            <a:off x="574515" y="1289747"/>
-            <a:ext cx="8643211" cy="34298"/>
-          </a:xfrm>
-          <a:prstGeom prst="rect">
-            <a:avLst/>
-          </a:prstGeom>
-        </p:spPr>
-        <p:style>
-          <a:lnRef idx="1">
-            <a:schemeClr val="accent1"/>
-          </a:lnRef>
-          <a:fillRef idx="3">
-            <a:schemeClr val="accent1"/>
-          </a:fillRef>
-          <a:effectRef idx="2">
-            <a:schemeClr val="accent1"/>
-          </a:effectRef>
-          <a:fontRef idx="minor">
-            <a:schemeClr val="lt1"/>
-          </a:fontRef>
-        </p:style>
-        <p:txBody>
-          <a:bodyPr rtlCol="0" anchor="ctr"/>
-          <a:lstStyle/>
-          <a:p>
-            <a:pPr algn="ctr"/>
-            <a:endParaRPr lang="en-US" sz="1350">
-              <a:solidFill>
-                <a:schemeClr val="tx1">
-                  <a:lumMod val="65000"/>
-                  <a:lumOff val="35000"/>
-                </a:schemeClr>
-              </a:solidFill>
-            </a:endParaRPr>
-          </a:p>
-        </p:txBody>
-      </p:sp>
-      <p:sp>
-        <p:nvSpPr>
-          <p:cNvPr id="10" name="Rectangle 9"/>
-          <p:cNvSpPr/>
-          <p:nvPr/>
-        </p:nvSpPr>
-        <p:spPr>
-          <a:xfrm>
-            <a:off x="525459" y="548680"/>
-            <a:ext cx="4605556" cy="707886"/>
-          </a:xfrm>
-          <a:prstGeom prst="rect">
-            <a:avLst/>
-          </a:prstGeom>
-        </p:spPr>
-        <p:txBody>
-          <a:bodyPr wrap="none">
-            <a:spAutoFit/>
-          </a:bodyPr>
-          <a:lstStyle/>
-          <a:p>
-            <a:r>
-              <a:rPr lang="en-US" sz="4000" dirty="0">
-                <a:solidFill>
-                  <a:schemeClr val="accent1">
-                    <a:lumMod val="75000"/>
-                  </a:schemeClr>
-                </a:solidFill>
-              </a:rPr>
-              <a:t>Why is it important?</a:t>
-            </a:r>
-          </a:p>
-        </p:txBody>
-      </p:sp>
-    </p:spTree>
-    <p:extLst>
-      <p:ext uri="{BB962C8B-B14F-4D97-AF65-F5344CB8AC3E}">
-        <p14:creationId xmlns:p14="http://schemas.microsoft.com/office/powerpoint/2010/main" val="1856229167"/>
-      </p:ext>
-    </p:extLst>
-  </p:cSld>
-  <p:clrMapOvr>
-    <a:masterClrMapping/>
-  </p:clrMapOvr>
-  <mc:AlternateContent xmlns:mc="http://schemas.openxmlformats.org/markup-compatibility/2006" xmlns:p14="http://schemas.microsoft.com/office/powerpoint/2010/main">
-    <mc:Choice Requires="p14">
-      <p:transition spd="slow" p14:dur="1200">
-        <p:dissolve/>
-      </p:transition>
-    </mc:Choice>
-    <mc:Fallback xmlns="">
-      <p:transition spd="slow">
-        <p:dissolve/>
-      </p:transition>
-    </mc:Fallback>
-  </mc:AlternateContent>
-  <p:timing>
-    <p:tnLst>
-      <p:par>
-        <p:cTn id="1" dur="indefinite" restart="never" nodeType="tmRoot">
-          <p:childTnLst>
-            <p:seq concurrent="1" nextAc="seek">
-              <p:cTn id="2" dur="indefinite" nodeType="mainSeq">
-                <p:childTnLst>
-                  <p:par>
-                    <p:cTn id="3" fill="hold">
-                      <p:stCondLst>
-                        <p:cond delay="indefinite"/>
-                        <p:cond evt="onBegin" delay="0">
-                          <p:tn val="2"/>
-                        </p:cond>
-                      </p:stCondLst>
-                      <p:childTnLst>
-                        <p:par>
-                          <p:cTn id="4" fill="hold">
-                            <p:stCondLst>
-                              <p:cond delay="0"/>
-                            </p:stCondLst>
-                            <p:childTnLst>
-                              <p:par>
-                                <p:cTn id="5" presetID="6" presetClass="emph" presetSubtype="0" fill="hold" grpId="0" nodeType="afterEffect">
-                                  <p:stCondLst>
-                                    <p:cond delay="0"/>
-                                  </p:stCondLst>
-                                  <p:childTnLst>
-                                    <p:animScale>
-                                      <p:cBhvr>
-                                        <p:cTn id="6" dur="2000" fill="hold"/>
-                                        <p:tgtEl>
-                                          <p:spTgt spid="4"/>
-                                        </p:tgtEl>
-                                      </p:cBhvr>
-                                      <p:by x="150000" y="150000"/>
-                                    </p:animScale>
-                                  </p:childTnLst>
-                                </p:cTn>
-                              </p:par>
-                            </p:childTnLst>
-                          </p:cTn>
-                        </p:par>
-                      </p:childTnLst>
-                    </p:cTn>
-                  </p:par>
-                </p:childTnLst>
-              </p:cTn>
-              <p:prevCondLst>
-                <p:cond evt="onPrev" delay="0">
-                  <p:tgtEl>
-                    <p:sldTgt/>
-                  </p:tgtEl>
-                </p:cond>
-              </p:prevCondLst>
-              <p:nextCondLst>
-                <p:cond evt="onNext" delay="0">
-                  <p:tgtEl>
-                    <p:sldTgt/>
-                  </p:tgtEl>
-                </p:cond>
-              </p:nextCondLst>
-            </p:seq>
-          </p:childTnLst>
-        </p:cTn>
-      </p:par>
-    </p:tnLst>
-    <p:bldLst>
-      <p:bldP spid="4" grpId="0"/>
-    </p:bldLst>
-  </p:timing>
-</p:sld>
-</file>
-
-<file path=ppt/slides/slide13.xml><?xml version="1.0" encoding="utf-8"?>
-<p:sld xmlns:a="http://schemas.openxmlformats.org/drawingml/2006/main" xmlns:r="http://schemas.openxmlformats.org/officeDocument/2006/relationships" xmlns:p="http://schemas.openxmlformats.org/presentationml/2006/main">
-  <p:cSld>
-    <p:spTree>
-      <p:nvGrpSpPr>
-        <p:cNvPr id="1" name=""/>
-        <p:cNvGrpSpPr/>
-        <p:nvPr/>
-      </p:nvGrpSpPr>
-      <p:grpSpPr>
-        <a:xfrm>
-          <a:off x="0" y="0"/>
-          <a:ext cx="0" cy="0"/>
-          <a:chOff x="0" y="0"/>
-          <a:chExt cx="0" cy="0"/>
-        </a:xfrm>
-      </p:grpSpPr>
-      <p:sp>
-        <p:nvSpPr>
-          <p:cNvPr id="4" name="Rectangle 3"/>
-          <p:cNvSpPr/>
-          <p:nvPr/>
-        </p:nvSpPr>
-        <p:spPr>
-          <a:xfrm>
-            <a:off x="2555776" y="1916832"/>
-            <a:ext cx="3672408" cy="600293"/>
-          </a:xfrm>
-          <a:prstGeom prst="rect">
-            <a:avLst/>
-          </a:prstGeom>
-          <a:noFill/>
-          <a:ln>
-            <a:noFill/>
-          </a:ln>
-        </p:spPr>
-        <p:style>
-          <a:lnRef idx="1">
-            <a:schemeClr val="accent1"/>
-          </a:lnRef>
-          <a:fillRef idx="2">
-            <a:schemeClr val="accent1"/>
-          </a:fillRef>
-          <a:effectRef idx="1">
-            <a:schemeClr val="accent1"/>
-          </a:effectRef>
-          <a:fontRef idx="minor">
-            <a:schemeClr val="dk1"/>
-          </a:fontRef>
-        </p:style>
-        <p:txBody>
-          <a:bodyPr wrap="square">
-            <a:spAutoFit/>
-          </a:bodyPr>
-          <a:lstStyle/>
-          <a:p>
-            <a:r>
-              <a:rPr lang="en-US" sz="3200" b="1" dirty="0">
-                <a:solidFill>
-                  <a:schemeClr val="accent6">
-                    <a:lumMod val="50000"/>
-                  </a:schemeClr>
-                </a:solidFill>
-                <a:latin typeface="Adobe Kaiti Std R" panose="02020400000000000000" pitchFamily="18" charset="-128"/>
-                <a:ea typeface="Adobe Kaiti Std R" panose="02020400000000000000" pitchFamily="18" charset="-128"/>
-              </a:rPr>
-              <a:t>Saves your money</a:t>
-            </a:r>
-          </a:p>
-        </p:txBody>
-      </p:sp>
-      <p:sp>
-        <p:nvSpPr>
-          <p:cNvPr id="5" name="Rectangle 4"/>
-          <p:cNvSpPr/>
-          <p:nvPr/>
-        </p:nvSpPr>
-        <p:spPr>
-          <a:xfrm>
-            <a:off x="574515" y="1289747"/>
-            <a:ext cx="8643211" cy="34298"/>
-          </a:xfrm>
-          <a:prstGeom prst="rect">
-            <a:avLst/>
-          </a:prstGeom>
-        </p:spPr>
-        <p:style>
-          <a:lnRef idx="1">
-            <a:schemeClr val="accent1"/>
-          </a:lnRef>
-          <a:fillRef idx="3">
-            <a:schemeClr val="accent1"/>
-          </a:fillRef>
-          <a:effectRef idx="2">
-            <a:schemeClr val="accent1"/>
-          </a:effectRef>
-          <a:fontRef idx="minor">
-            <a:schemeClr val="lt1"/>
-          </a:fontRef>
-        </p:style>
-        <p:txBody>
-          <a:bodyPr rtlCol="0" anchor="ctr"/>
-          <a:lstStyle/>
-          <a:p>
-            <a:pPr algn="ctr"/>
-            <a:endParaRPr lang="en-US" sz="1350">
-              <a:solidFill>
-                <a:schemeClr val="tx1">
-                  <a:lumMod val="65000"/>
-                  <a:lumOff val="35000"/>
-                </a:schemeClr>
-              </a:solidFill>
-            </a:endParaRPr>
-          </a:p>
-        </p:txBody>
-      </p:sp>
-      <p:sp>
-        <p:nvSpPr>
-          <p:cNvPr id="6" name="Rectangle 5"/>
-          <p:cNvSpPr/>
-          <p:nvPr/>
-        </p:nvSpPr>
-        <p:spPr>
-          <a:xfrm>
-            <a:off x="525459" y="548680"/>
-            <a:ext cx="4605556" cy="707886"/>
-          </a:xfrm>
-          <a:prstGeom prst="rect">
-            <a:avLst/>
-          </a:prstGeom>
-        </p:spPr>
-        <p:txBody>
-          <a:bodyPr wrap="none">
-            <a:spAutoFit/>
-          </a:bodyPr>
-          <a:lstStyle/>
-          <a:p>
-            <a:r>
-              <a:rPr lang="en-US" sz="4000" dirty="0">
-                <a:solidFill>
-                  <a:schemeClr val="accent1">
-                    <a:lumMod val="75000"/>
-                  </a:schemeClr>
-                </a:solidFill>
-              </a:rPr>
-              <a:t>Why is it important?</a:t>
-            </a:r>
-          </a:p>
-        </p:txBody>
-      </p:sp>
-      <p:pic>
-        <p:nvPicPr>
-          <p:cNvPr id="10" name="Picture 9"/>
-          <p:cNvPicPr>
-            <a:picLocks noChangeAspect="1"/>
-          </p:cNvPicPr>
-          <p:nvPr/>
-        </p:nvPicPr>
-        <p:blipFill>
-          <a:blip r:embed="rId2">
-            <a:extLst>
-              <a:ext uri="{28A0092B-C50C-407E-A947-70E740481C1C}">
-                <a14:useLocalDpi xmlns:a14="http://schemas.microsoft.com/office/drawing/2010/main" val="0"/>
-              </a:ext>
-            </a:extLst>
-          </a:blip>
-          <a:stretch>
-            <a:fillRect/>
-          </a:stretch>
-        </p:blipFill>
-        <p:spPr>
-          <a:xfrm>
-            <a:off x="3037520" y="3573016"/>
-            <a:ext cx="2708920" cy="2708920"/>
-          </a:xfrm>
-          <a:prstGeom prst="rect">
-            <a:avLst/>
-          </a:prstGeom>
-        </p:spPr>
-      </p:pic>
-    </p:spTree>
-    <p:extLst>
-      <p:ext uri="{BB962C8B-B14F-4D97-AF65-F5344CB8AC3E}">
-        <p14:creationId xmlns:p14="http://schemas.microsoft.com/office/powerpoint/2010/main" val="4228850073"/>
-      </p:ext>
-    </p:extLst>
-  </p:cSld>
-  <p:clrMapOvr>
-    <a:masterClrMapping/>
-  </p:clrMapOvr>
-  <p:transition spd="slow">
-    <p:wheel spokes="1"/>
-  </p:transition>
-  <p:timing>
-    <p:tnLst>
-      <p:par>
-        <p:cTn id="1" dur="indefinite" restart="never" nodeType="tmRoot">
-          <p:childTnLst>
-            <p:seq concurrent="1" nextAc="seek">
-              <p:cTn id="2" dur="indefinite" nodeType="mainSeq">
-                <p:childTnLst>
-                  <p:par>
-                    <p:cTn id="3" fill="hold">
-                      <p:stCondLst>
-                        <p:cond delay="indefinite"/>
-                        <p:cond evt="onBegin" delay="0">
-                          <p:tn val="2"/>
-                        </p:cond>
-                      </p:stCondLst>
-                      <p:childTnLst>
-                        <p:par>
-                          <p:cTn id="4" fill="hold">
-                            <p:stCondLst>
-                              <p:cond delay="0"/>
-                            </p:stCondLst>
-                            <p:childTnLst>
-                              <p:par>
-                                <p:cTn id="5" presetID="6" presetClass="emph" presetSubtype="0" fill="hold" grpId="0" nodeType="afterEffect">
-                                  <p:stCondLst>
-                                    <p:cond delay="0"/>
-                                  </p:stCondLst>
-                                  <p:childTnLst>
-                                    <p:animScale>
-                                      <p:cBhvr>
-                                        <p:cTn id="6" dur="2000" fill="hold"/>
-                                        <p:tgtEl>
-                                          <p:spTgt spid="4"/>
-                                        </p:tgtEl>
-                                      </p:cBhvr>
-                                      <p:by x="150000" y="150000"/>
-                                    </p:animScale>
-                                  </p:childTnLst>
-                                </p:cTn>
-                              </p:par>
-                            </p:childTnLst>
-                          </p:cTn>
-                        </p:par>
-                      </p:childTnLst>
-                    </p:cTn>
-                  </p:par>
-                </p:childTnLst>
-              </p:cTn>
-              <p:prevCondLst>
-                <p:cond evt="onPrev" delay="0">
-                  <p:tgtEl>
-                    <p:sldTgt/>
-                  </p:tgtEl>
-                </p:cond>
-              </p:prevCondLst>
-              <p:nextCondLst>
-                <p:cond evt="onNext" delay="0">
-                  <p:tgtEl>
-                    <p:sldTgt/>
-                  </p:tgtEl>
-                </p:cond>
-              </p:nextCondLst>
-            </p:seq>
-          </p:childTnLst>
-        </p:cTn>
-      </p:par>
-    </p:tnLst>
-    <p:bldLst>
-      <p:bldP spid="4" grpId="0"/>
-    </p:bldLst>
-  </p:timing>
-</p:sld>
-</file>
-
-<file path=ppt/slides/slide14.xml><?xml version="1.0" encoding="utf-8"?>
-<p:sld xmlns:a="http://schemas.openxmlformats.org/drawingml/2006/main" xmlns:r="http://schemas.openxmlformats.org/officeDocument/2006/relationships" xmlns:p="http://schemas.openxmlformats.org/presentationml/2006/main">
-  <p:cSld>
-    <p:spTree>
-      <p:nvGrpSpPr>
-        <p:cNvPr id="1" name=""/>
-        <p:cNvGrpSpPr/>
-        <p:nvPr/>
-      </p:nvGrpSpPr>
-      <p:grpSpPr>
-        <a:xfrm>
-          <a:off x="0" y="0"/>
-          <a:ext cx="0" cy="0"/>
-          <a:chOff x="0" y="0"/>
-          <a:chExt cx="0" cy="0"/>
-        </a:xfrm>
-      </p:grpSpPr>
-      <p:sp>
-        <p:nvSpPr>
-          <p:cNvPr id="5" name="Rectangle 4"/>
-          <p:cNvSpPr/>
-          <p:nvPr/>
-        </p:nvSpPr>
-        <p:spPr>
-          <a:xfrm>
-            <a:off x="574515" y="1289747"/>
-            <a:ext cx="8643211" cy="34298"/>
-          </a:xfrm>
-          <a:prstGeom prst="rect">
-            <a:avLst/>
-          </a:prstGeom>
-        </p:spPr>
-        <p:style>
-          <a:lnRef idx="1">
-            <a:schemeClr val="accent1"/>
-          </a:lnRef>
-          <a:fillRef idx="3">
-            <a:schemeClr val="accent1"/>
-          </a:fillRef>
-          <a:effectRef idx="2">
-            <a:schemeClr val="accent1"/>
-          </a:effectRef>
-          <a:fontRef idx="minor">
-            <a:schemeClr val="lt1"/>
-          </a:fontRef>
-        </p:style>
-        <p:txBody>
-          <a:bodyPr rtlCol="0" anchor="ctr"/>
-          <a:lstStyle/>
-          <a:p>
-            <a:pPr algn="ctr"/>
-            <a:endParaRPr lang="en-US" sz="1350">
-              <a:solidFill>
-                <a:schemeClr val="tx1">
-                  <a:lumMod val="65000"/>
-                  <a:lumOff val="35000"/>
-                </a:schemeClr>
-              </a:solidFill>
-            </a:endParaRPr>
-          </a:p>
-        </p:txBody>
-      </p:sp>
-      <p:sp>
-        <p:nvSpPr>
-          <p:cNvPr id="6" name="Rectangle 5"/>
-          <p:cNvSpPr/>
-          <p:nvPr/>
-        </p:nvSpPr>
-        <p:spPr>
-          <a:xfrm>
-            <a:off x="525459" y="548680"/>
-            <a:ext cx="6748642" cy="769441"/>
-          </a:xfrm>
-          <a:prstGeom prst="rect">
-            <a:avLst/>
-          </a:prstGeom>
-        </p:spPr>
-        <p:txBody>
-          <a:bodyPr wrap="none">
-            <a:spAutoFit/>
-          </a:bodyPr>
-          <a:lstStyle/>
-          <a:p>
-            <a:r>
-              <a:rPr lang="en-US" sz="4400" dirty="0">
-                <a:solidFill>
-                  <a:schemeClr val="accent1">
-                    <a:lumMod val="75000"/>
-                  </a:schemeClr>
-                </a:solidFill>
-              </a:rPr>
-              <a:t>Types of Enterprise Storage</a:t>
-            </a:r>
-          </a:p>
-        </p:txBody>
-      </p:sp>
-      <p:sp>
-        <p:nvSpPr>
-          <p:cNvPr id="7" name="Rectangle 6"/>
-          <p:cNvSpPr/>
-          <p:nvPr/>
-        </p:nvSpPr>
-        <p:spPr>
-          <a:xfrm>
-            <a:off x="1403648" y="2131501"/>
-            <a:ext cx="6430221" cy="769441"/>
-          </a:xfrm>
-          <a:prstGeom prst="rect">
-            <a:avLst/>
-          </a:prstGeom>
-          <a:solidFill>
-            <a:schemeClr val="accent1">
-              <a:lumMod val="40000"/>
-              <a:lumOff val="60000"/>
-            </a:schemeClr>
-          </a:solidFill>
-          <a:ln>
-            <a:solidFill>
-              <a:schemeClr val="bg1"/>
-            </a:solidFill>
-          </a:ln>
-        </p:spPr>
-        <p:style>
-          <a:lnRef idx="1">
-            <a:schemeClr val="accent1"/>
-          </a:lnRef>
-          <a:fillRef idx="2">
-            <a:schemeClr val="accent1"/>
-          </a:fillRef>
-          <a:effectRef idx="1">
-            <a:schemeClr val="accent1"/>
-          </a:effectRef>
-          <a:fontRef idx="minor">
-            <a:schemeClr val="dk1"/>
-          </a:fontRef>
-        </p:style>
-        <p:txBody>
-          <a:bodyPr wrap="square">
-            <a:spAutoFit/>
-          </a:bodyPr>
-          <a:lstStyle/>
-          <a:p>
-            <a:pPr algn="ctr"/>
-            <a:r>
-              <a:rPr lang="en-US" sz="4400" dirty="0">
-                <a:ln w="0"/>
-                <a:solidFill>
-                  <a:schemeClr val="tx1"/>
-                </a:solidFill>
-                <a:effectLst>
-                  <a:outerShdw blurRad="38100" dist="19050" dir="2700000" algn="tl" rotWithShape="0">
-                    <a:schemeClr val="dk1">
-                      <a:alpha val="40000"/>
-                    </a:schemeClr>
-                  </a:outerShdw>
-                </a:effectLst>
-              </a:rPr>
-              <a:t>Direct attached storage</a:t>
-            </a:r>
-          </a:p>
-        </p:txBody>
-      </p:sp>
-      <p:sp>
-        <p:nvSpPr>
-          <p:cNvPr id="9" name="Rectangle 8"/>
-          <p:cNvSpPr/>
-          <p:nvPr/>
-        </p:nvSpPr>
-        <p:spPr>
-          <a:xfrm>
-            <a:off x="1403648" y="3307631"/>
-            <a:ext cx="6430222" cy="769441"/>
-          </a:xfrm>
-          <a:prstGeom prst="rect">
-            <a:avLst/>
-          </a:prstGeom>
-          <a:solidFill>
-            <a:schemeClr val="accent1">
-              <a:lumMod val="40000"/>
-              <a:lumOff val="60000"/>
-            </a:schemeClr>
-          </a:solidFill>
-          <a:ln>
-            <a:solidFill>
-              <a:schemeClr val="bg1"/>
-            </a:solidFill>
-          </a:ln>
-        </p:spPr>
-        <p:style>
-          <a:lnRef idx="1">
-            <a:schemeClr val="accent1"/>
-          </a:lnRef>
-          <a:fillRef idx="2">
-            <a:schemeClr val="accent1"/>
-          </a:fillRef>
-          <a:effectRef idx="1">
-            <a:schemeClr val="accent1"/>
-          </a:effectRef>
-          <a:fontRef idx="minor">
-            <a:schemeClr val="dk1"/>
-          </a:fontRef>
-        </p:style>
-        <p:txBody>
-          <a:bodyPr wrap="none">
-            <a:spAutoFit/>
-          </a:bodyPr>
-          <a:lstStyle/>
-          <a:p>
-            <a:pPr algn="ctr"/>
-            <a:r>
-              <a:rPr lang="en-US" sz="4400" dirty="0">
-                <a:ln w="0"/>
-                <a:solidFill>
-                  <a:schemeClr val="tx1"/>
-                </a:solidFill>
-                <a:effectLst>
-                  <a:outerShdw blurRad="38100" dist="19050" dir="2700000" algn="tl" rotWithShape="0">
-                    <a:schemeClr val="dk1">
-                      <a:alpha val="40000"/>
-                    </a:schemeClr>
-                  </a:outerShdw>
-                </a:effectLst>
-              </a:rPr>
-              <a:t>Network attached storage</a:t>
-            </a:r>
-          </a:p>
-        </p:txBody>
-      </p:sp>
-      <p:sp>
-        <p:nvSpPr>
-          <p:cNvPr id="10" name="Rectangle 9"/>
-          <p:cNvSpPr/>
-          <p:nvPr/>
-        </p:nvSpPr>
-        <p:spPr>
-          <a:xfrm>
-            <a:off x="1338486" y="4459759"/>
-            <a:ext cx="6495383" cy="769441"/>
-          </a:xfrm>
-          <a:prstGeom prst="rect">
-            <a:avLst/>
-          </a:prstGeom>
-          <a:solidFill>
-            <a:schemeClr val="accent1">
-              <a:lumMod val="40000"/>
-              <a:lumOff val="60000"/>
-            </a:schemeClr>
-          </a:solidFill>
-          <a:ln>
-            <a:solidFill>
-              <a:schemeClr val="bg1"/>
-            </a:solidFill>
-          </a:ln>
-        </p:spPr>
-        <p:style>
-          <a:lnRef idx="1">
-            <a:schemeClr val="accent1"/>
-          </a:lnRef>
-          <a:fillRef idx="2">
-            <a:schemeClr val="accent1"/>
-          </a:fillRef>
-          <a:effectRef idx="1">
-            <a:schemeClr val="accent1"/>
-          </a:effectRef>
-          <a:fontRef idx="minor">
-            <a:schemeClr val="dk1"/>
-          </a:fontRef>
-        </p:style>
-        <p:txBody>
-          <a:bodyPr wrap="square">
-            <a:spAutoFit/>
-          </a:bodyPr>
-          <a:lstStyle/>
-          <a:p>
-            <a:pPr algn="ctr"/>
-            <a:r>
-              <a:rPr lang="en-US" sz="4400" dirty="0">
-                <a:ln w="0"/>
-                <a:solidFill>
-                  <a:schemeClr val="tx1"/>
-                </a:solidFill>
-                <a:effectLst>
-                  <a:outerShdw blurRad="38100" dist="19050" dir="2700000" algn="tl" rotWithShape="0">
-                    <a:schemeClr val="dk1">
-                      <a:alpha val="40000"/>
-                    </a:schemeClr>
-                  </a:outerShdw>
-                </a:effectLst>
-              </a:rPr>
-              <a:t>Storage area network</a:t>
-            </a:r>
-          </a:p>
-        </p:txBody>
-      </p:sp>
-    </p:spTree>
-    <p:extLst>
-      <p:ext uri="{BB962C8B-B14F-4D97-AF65-F5344CB8AC3E}">
-        <p14:creationId xmlns:p14="http://schemas.microsoft.com/office/powerpoint/2010/main" val="4278784334"/>
-      </p:ext>
-    </p:extLst>
-  </p:cSld>
-  <p:clrMapOvr>
-    <a:masterClrMapping/>
-  </p:clrMapOvr>
-  <mc:AlternateContent xmlns:mc="http://schemas.openxmlformats.org/markup-compatibility/2006" xmlns:p14="http://schemas.microsoft.com/office/powerpoint/2010/main">
-    <mc:Choice Requires="p14">
-      <p:transition spd="slow" p14:dur="1600">
-        <p14:gallery dir="l"/>
-      </p:transition>
-    </mc:Choice>
-    <mc:Fallback xmlns="">
-      <p:transition spd="slow">
-        <p:fade/>
-      </p:transition>
-    </mc:Fallback>
-  </mc:AlternateContent>
-  <p:timing>
-    <p:tnLst>
-      <p:par>
-        <p:cTn id="1" dur="indefinite" restart="never" nodeType="tmRoot">
-          <p:childTnLst>
-            <p:seq concurrent="1" nextAc="seek">
-              <p:cTn id="2" dur="indefinite" nodeType="mainSeq">
-                <p:childTnLst>
-                  <p:par>
-                    <p:cTn id="3" fill="hold">
-                      <p:stCondLst>
-                        <p:cond delay="indefinite"/>
-                        <p:cond evt="onBegin" delay="0">
-                          <p:tn val="2"/>
-                        </p:cond>
-                      </p:stCondLst>
-                      <p:childTnLst>
-                        <p:par>
-                          <p:cTn id="4" fill="hold">
-                            <p:stCondLst>
-                              <p:cond delay="0"/>
-                            </p:stCondLst>
-                            <p:childTnLst>
-                              <p:par>
-                                <p:cTn id="5" presetID="2" presetClass="entr" presetSubtype="8" fill="hold" grpId="0" nodeType="afterEffect">
-                                  <p:stCondLst>
-                                    <p:cond delay="0"/>
-                                  </p:stCondLst>
-                                  <p:childTnLst>
-                                    <p:set>
-                                      <p:cBhvr>
-                                        <p:cTn id="6" dur="1" fill="hold">
-                                          <p:stCondLst>
-                                            <p:cond delay="0"/>
-                                          </p:stCondLst>
-                                        </p:cTn>
-                                        <p:tgtEl>
-                                          <p:spTgt spid="7"/>
-                                        </p:tgtEl>
-                                        <p:attrNameLst>
-                                          <p:attrName>style.visibility</p:attrName>
-                                        </p:attrNameLst>
-                                      </p:cBhvr>
-                                      <p:to>
-                                        <p:strVal val="visible"/>
-                                      </p:to>
-                                    </p:set>
-                                    <p:anim calcmode="lin" valueType="num">
-                                      <p:cBhvr additive="base">
-                                        <p:cTn id="7" dur="700" fill="hold"/>
-                                        <p:tgtEl>
-                                          <p:spTgt spid="7"/>
-                                        </p:tgtEl>
-                                        <p:attrNameLst>
-                                          <p:attrName>ppt_x</p:attrName>
-                                        </p:attrNameLst>
-                                      </p:cBhvr>
-                                      <p:tavLst>
-                                        <p:tav tm="0">
-                                          <p:val>
-                                            <p:strVal val="0-#ppt_w/2"/>
-                                          </p:val>
-                                        </p:tav>
-                                        <p:tav tm="100000">
-                                          <p:val>
-                                            <p:strVal val="#ppt_x"/>
-                                          </p:val>
-                                        </p:tav>
-                                      </p:tavLst>
-                                    </p:anim>
-                                    <p:anim calcmode="lin" valueType="num">
-                                      <p:cBhvr additive="base">
-                                        <p:cTn id="8" dur="700" fill="hold"/>
-                                        <p:tgtEl>
-                                          <p:spTgt spid="7"/>
-                                        </p:tgtEl>
-                                        <p:attrNameLst>
-                                          <p:attrName>ppt_y</p:attrName>
-                                        </p:attrNameLst>
-                                      </p:cBhvr>
-                                      <p:tavLst>
-                                        <p:tav tm="0">
-                                          <p:val>
-                                            <p:strVal val="#ppt_y"/>
-                                          </p:val>
-                                        </p:tav>
-                                        <p:tav tm="100000">
-                                          <p:val>
-                                            <p:strVal val="#ppt_y"/>
-                                          </p:val>
-                                        </p:tav>
-                                      </p:tavLst>
-                                    </p:anim>
-                                  </p:childTnLst>
-                                </p:cTn>
-                              </p:par>
-                            </p:childTnLst>
-                          </p:cTn>
-                        </p:par>
-                        <p:par>
-                          <p:cTn id="9" fill="hold">
-                            <p:stCondLst>
-                              <p:cond delay="700"/>
-                            </p:stCondLst>
-                            <p:childTnLst>
-                              <p:par>
-                                <p:cTn id="10" presetID="2" presetClass="entr" presetSubtype="2" fill="hold" grpId="0" nodeType="afterEffect">
-                                  <p:stCondLst>
-                                    <p:cond delay="0"/>
-                                  </p:stCondLst>
-                                  <p:childTnLst>
-                                    <p:set>
-                                      <p:cBhvr>
-                                        <p:cTn id="11" dur="1" fill="hold">
-                                          <p:stCondLst>
-                                            <p:cond delay="0"/>
-                                          </p:stCondLst>
-                                        </p:cTn>
-                                        <p:tgtEl>
-                                          <p:spTgt spid="9"/>
-                                        </p:tgtEl>
-                                        <p:attrNameLst>
-                                          <p:attrName>style.visibility</p:attrName>
-                                        </p:attrNameLst>
-                                      </p:cBhvr>
-                                      <p:to>
-                                        <p:strVal val="visible"/>
-                                      </p:to>
-                                    </p:set>
-                                    <p:anim calcmode="lin" valueType="num">
-                                      <p:cBhvr additive="base">
-                                        <p:cTn id="12" dur="900" fill="hold"/>
-                                        <p:tgtEl>
-                                          <p:spTgt spid="9"/>
-                                        </p:tgtEl>
-                                        <p:attrNameLst>
-                                          <p:attrName>ppt_x</p:attrName>
-                                        </p:attrNameLst>
-                                      </p:cBhvr>
-                                      <p:tavLst>
-                                        <p:tav tm="0">
-                                          <p:val>
-                                            <p:strVal val="1+#ppt_w/2"/>
-                                          </p:val>
-                                        </p:tav>
-                                        <p:tav tm="100000">
-                                          <p:val>
-                                            <p:strVal val="#ppt_x"/>
-                                          </p:val>
-                                        </p:tav>
-                                      </p:tavLst>
-                                    </p:anim>
-                                    <p:anim calcmode="lin" valueType="num">
-                                      <p:cBhvr additive="base">
-                                        <p:cTn id="13" dur="900" fill="hold"/>
-                                        <p:tgtEl>
-                                          <p:spTgt spid="9"/>
-                                        </p:tgtEl>
-                                        <p:attrNameLst>
-                                          <p:attrName>ppt_y</p:attrName>
-                                        </p:attrNameLst>
-                                      </p:cBhvr>
-                                      <p:tavLst>
-                                        <p:tav tm="0">
-                                          <p:val>
-                                            <p:strVal val="#ppt_y"/>
-                                          </p:val>
-                                        </p:tav>
-                                        <p:tav tm="100000">
-                                          <p:val>
-                                            <p:strVal val="#ppt_y"/>
-                                          </p:val>
-                                        </p:tav>
-                                      </p:tavLst>
-                                    </p:anim>
-                                  </p:childTnLst>
-                                </p:cTn>
-                              </p:par>
-                            </p:childTnLst>
-                          </p:cTn>
-                        </p:par>
-                        <p:par>
-                          <p:cTn id="14" fill="hold">
-                            <p:stCondLst>
-                              <p:cond delay="1600"/>
-                            </p:stCondLst>
-                            <p:childTnLst>
-                              <p:par>
-                                <p:cTn id="15" presetID="2" presetClass="entr" presetSubtype="8" fill="hold" grpId="0" nodeType="afterEffect">
-                                  <p:stCondLst>
-                                    <p:cond delay="0"/>
-                                  </p:stCondLst>
-                                  <p:childTnLst>
-                                    <p:set>
-                                      <p:cBhvr>
-                                        <p:cTn id="16" dur="1" fill="hold">
-                                          <p:stCondLst>
-                                            <p:cond delay="0"/>
-                                          </p:stCondLst>
-                                        </p:cTn>
-                                        <p:tgtEl>
-                                          <p:spTgt spid="10"/>
-                                        </p:tgtEl>
-                                        <p:attrNameLst>
-                                          <p:attrName>style.visibility</p:attrName>
-                                        </p:attrNameLst>
-                                      </p:cBhvr>
-                                      <p:to>
-                                        <p:strVal val="visible"/>
-                                      </p:to>
-                                    </p:set>
-                                    <p:anim calcmode="lin" valueType="num">
-                                      <p:cBhvr additive="base">
-                                        <p:cTn id="17" dur="900" fill="hold"/>
-                                        <p:tgtEl>
-                                          <p:spTgt spid="10"/>
-                                        </p:tgtEl>
-                                        <p:attrNameLst>
-                                          <p:attrName>ppt_x</p:attrName>
-                                        </p:attrNameLst>
-                                      </p:cBhvr>
-                                      <p:tavLst>
-                                        <p:tav tm="0">
-                                          <p:val>
-                                            <p:strVal val="0-#ppt_w/2"/>
-                                          </p:val>
-                                        </p:tav>
-                                        <p:tav tm="100000">
-                                          <p:val>
-                                            <p:strVal val="#ppt_x"/>
-                                          </p:val>
-                                        </p:tav>
-                                      </p:tavLst>
-                                    </p:anim>
-                                    <p:anim calcmode="lin" valueType="num">
-                                      <p:cBhvr additive="base">
-                                        <p:cTn id="18" dur="900" fill="hold"/>
-                                        <p:tgtEl>
-                                          <p:spTgt spid="10"/>
-                                        </p:tgtEl>
-                                        <p:attrNameLst>
-                                          <p:attrName>ppt_y</p:attrName>
-                                        </p:attrNameLst>
-                                      </p:cBhvr>
-                                      <p:tavLst>
-                                        <p:tav tm="0">
-                                          <p:val>
-                                            <p:strVal val="#ppt_y"/>
-                                          </p:val>
-                                        </p:tav>
-                                        <p:tav tm="100000">
-                                          <p:val>
-                                            <p:strVal val="#ppt_y"/>
-                                          </p:val>
-                                        </p:tav>
-                                      </p:tavLst>
-                                    </p:anim>
-                                  </p:childTnLst>
-                                </p:cTn>
-                              </p:par>
-                            </p:childTnLst>
-                          </p:cTn>
-                        </p:par>
-                      </p:childTnLst>
-                    </p:cTn>
-                  </p:par>
-                </p:childTnLst>
-              </p:cTn>
-              <p:prevCondLst>
-                <p:cond evt="onPrev" delay="0">
-                  <p:tgtEl>
-                    <p:sldTgt/>
-                  </p:tgtEl>
-                </p:cond>
-              </p:prevCondLst>
-              <p:nextCondLst>
-                <p:cond evt="onNext" delay="0">
-                  <p:tgtEl>
-                    <p:sldTgt/>
-                  </p:tgtEl>
-                </p:cond>
-              </p:nextCondLst>
-            </p:seq>
-          </p:childTnLst>
-        </p:cTn>
-      </p:par>
-    </p:tnLst>
-    <p:bldLst>
-      <p:bldP spid="7" grpId="0" animBg="1"/>
-      <p:bldP spid="9" grpId="0" animBg="1"/>
-      <p:bldP spid="10" grpId="0" animBg="1"/>
-    </p:bldLst>
-  </p:timing>
-</p:sld>
-</file>
-
-<file path=ppt/slides/slide15.xml><?xml version="1.0" encoding="utf-8"?>
 <p:sld xmlns:a="http://schemas.openxmlformats.org/drawingml/2006/main" xmlns:r="http://schemas.openxmlformats.org/officeDocument/2006/relationships" xmlns:p="http://schemas.openxmlformats.org/presentationml/2006/main">
   <p:cSld>
     <p:spTree>

--- a/OOP.pptx
+++ b/OOP.pptx
@@ -4272,10 +4272,10 @@
       </p:sp>
       <p:pic>
         <p:nvPicPr>
-          <p:cNvPr id="6" name="Picture 5">
+          <p:cNvPr id="10" name="Picture 9">
             <a:extLst>
               <a:ext uri="{FF2B5EF4-FFF2-40B4-BE49-F238E27FC236}">
-                <a16:creationId xmlns:a16="http://schemas.microsoft.com/office/drawing/2014/main" id="{3CFB63FD-EFF2-4CC7-9834-597264293E78}"/>
+                <a16:creationId xmlns:a16="http://schemas.microsoft.com/office/drawing/2014/main" id="{10B8E838-D227-45D7-8077-003C487CC53B}"/>
               </a:ext>
             </a:extLst>
           </p:cNvPr>
@@ -4292,8 +4292,8 @@
         </p:blipFill>
         <p:spPr>
           <a:xfrm>
-            <a:off x="1790340" y="2348880"/>
-            <a:ext cx="4791075" cy="2990850"/>
+            <a:off x="1209614" y="2102154"/>
+            <a:ext cx="6724772" cy="3775118"/>
           </a:xfrm>
           <a:prstGeom prst="rect">
             <a:avLst/>

--- a/OOP.pptx
+++ b/OOP.pptx
@@ -6060,7 +6060,7 @@
         <p:spPr>
           <a:xfrm>
             <a:off x="1033686" y="2542454"/>
-            <a:ext cx="7076628" cy="523220"/>
+            <a:ext cx="7076628" cy="2246769"/>
           </a:xfrm>
           <a:prstGeom prst="rect">
             <a:avLst/>
@@ -6080,8 +6080,26 @@
                   </a:schemeClr>
                 </a:solidFill>
               </a:rPr>
-              <a:t>Inheritance means </a:t>
-            </a:r>
+              <a:t>The term polymorphism is the combination of “poly” + “morphs” means which means many forms</a:t>
+            </a:r>
+          </a:p>
+          <a:p>
+            <a:endParaRPr lang="en-US" sz="2800">
+              <a:solidFill>
+                <a:schemeClr val="accent6">
+                  <a:lumMod val="50000"/>
+                </a:schemeClr>
+              </a:solidFill>
+            </a:endParaRPr>
+          </a:p>
+          <a:p>
+            <a:endParaRPr lang="en-US" sz="2800" dirty="0">
+              <a:solidFill>
+                <a:schemeClr val="accent6">
+                  <a:lumMod val="50000"/>
+                </a:schemeClr>
+              </a:solidFill>
+            </a:endParaRPr>
           </a:p>
         </p:txBody>
       </p:sp>

--- a/OOP.pptx
+++ b/OOP.pptx
@@ -5,10 +5,10 @@
     <p:sldMasterId id="2147483648" r:id="rId4"/>
   </p:sldMasterIdLst>
   <p:notesMasterIdLst>
-    <p:notesMasterId r:id="rId16"/>
+    <p:notesMasterId r:id="rId18"/>
   </p:notesMasterIdLst>
   <p:handoutMasterIdLst>
-    <p:handoutMasterId r:id="rId17"/>
+    <p:handoutMasterId r:id="rId19"/>
   </p:handoutMasterIdLst>
   <p:sldIdLst>
     <p:sldId id="267" r:id="rId5"/>
@@ -21,7 +21,9 @@
     <p:sldId id="299" r:id="rId12"/>
     <p:sldId id="300" r:id="rId13"/>
     <p:sldId id="301" r:id="rId14"/>
-    <p:sldId id="292" r:id="rId15"/>
+    <p:sldId id="302" r:id="rId15"/>
+    <p:sldId id="303" r:id="rId16"/>
+    <p:sldId id="292" r:id="rId17"/>
   </p:sldIdLst>
   <p:sldSz cx="9144000" cy="6858000" type="screen4x3"/>
   <p:notesSz cx="6858000" cy="9144000"/>
@@ -4333,6 +4335,332 @@
           <a:chExt cx="0" cy="0"/>
         </a:xfrm>
       </p:grpSpPr>
+      <p:sp>
+        <p:nvSpPr>
+          <p:cNvPr id="2" name="Rectangle 1"/>
+          <p:cNvSpPr/>
+          <p:nvPr/>
+        </p:nvSpPr>
+        <p:spPr>
+          <a:xfrm>
+            <a:off x="574515" y="1744442"/>
+            <a:ext cx="8697231" cy="34298"/>
+          </a:xfrm>
+          <a:prstGeom prst="rect">
+            <a:avLst/>
+          </a:prstGeom>
+        </p:spPr>
+        <p:style>
+          <a:lnRef idx="1">
+            <a:schemeClr val="accent1"/>
+          </a:lnRef>
+          <a:fillRef idx="3">
+            <a:schemeClr val="accent1"/>
+          </a:fillRef>
+          <a:effectRef idx="2">
+            <a:schemeClr val="accent1"/>
+          </a:effectRef>
+          <a:fontRef idx="minor">
+            <a:schemeClr val="lt1"/>
+          </a:fontRef>
+        </p:style>
+        <p:txBody>
+          <a:bodyPr rtlCol="0" anchor="ctr"/>
+          <a:lstStyle/>
+          <a:p>
+            <a:pPr algn="ctr"/>
+            <a:endParaRPr lang="en-US" sz="1350">
+              <a:solidFill>
+                <a:schemeClr val="tx1">
+                  <a:lumMod val="65000"/>
+                  <a:lumOff val="35000"/>
+                </a:schemeClr>
+              </a:solidFill>
+            </a:endParaRPr>
+          </a:p>
+        </p:txBody>
+      </p:sp>
+      <p:sp>
+        <p:nvSpPr>
+          <p:cNvPr id="3" name="Rectangle 2"/>
+          <p:cNvSpPr/>
+          <p:nvPr/>
+        </p:nvSpPr>
+        <p:spPr>
+          <a:xfrm>
+            <a:off x="467544" y="980728"/>
+            <a:ext cx="7436668" cy="769441"/>
+          </a:xfrm>
+          <a:prstGeom prst="rect">
+            <a:avLst/>
+          </a:prstGeom>
+        </p:spPr>
+        <p:txBody>
+          <a:bodyPr wrap="square">
+            <a:spAutoFit/>
+          </a:bodyPr>
+          <a:lstStyle/>
+          <a:p>
+            <a:r>
+              <a:rPr lang="en-US" sz="4400" dirty="0">
+                <a:solidFill>
+                  <a:schemeClr val="accent1">
+                    <a:lumMod val="75000"/>
+                  </a:schemeClr>
+                </a:solidFill>
+              </a:rPr>
+              <a:t>Compile Time Polymorphism</a:t>
+            </a:r>
+          </a:p>
+        </p:txBody>
+      </p:sp>
+      <p:sp>
+        <p:nvSpPr>
+          <p:cNvPr id="4" name="Rectangle 3"/>
+          <p:cNvSpPr/>
+          <p:nvPr/>
+        </p:nvSpPr>
+        <p:spPr>
+          <a:xfrm>
+            <a:off x="1033686" y="2542454"/>
+            <a:ext cx="7076628" cy="954107"/>
+          </a:xfrm>
+          <a:prstGeom prst="rect">
+            <a:avLst/>
+          </a:prstGeom>
+        </p:spPr>
+        <p:txBody>
+          <a:bodyPr wrap="square">
+            <a:spAutoFit/>
+          </a:bodyPr>
+          <a:lstStyle/>
+          <a:p>
+            <a:r>
+              <a:rPr lang="en-US" sz="2800" dirty="0">
+                <a:solidFill>
+                  <a:schemeClr val="accent6">
+                    <a:lumMod val="50000"/>
+                  </a:schemeClr>
+                </a:solidFill>
+              </a:rPr>
+              <a:t>Overloaded function or operator is invoked in </a:t>
+            </a:r>
+            <a:r>
+              <a:rPr lang="en-US" sz="2800">
+                <a:solidFill>
+                  <a:schemeClr val="accent6">
+                    <a:lumMod val="50000"/>
+                  </a:schemeClr>
+                </a:solidFill>
+              </a:rPr>
+              <a:t>compile time</a:t>
+            </a:r>
+            <a:endParaRPr lang="en-US" sz="2800" dirty="0">
+              <a:solidFill>
+                <a:schemeClr val="accent6">
+                  <a:lumMod val="50000"/>
+                </a:schemeClr>
+              </a:solidFill>
+            </a:endParaRPr>
+          </a:p>
+        </p:txBody>
+      </p:sp>
+    </p:spTree>
+    <p:extLst>
+      <p:ext uri="{BB962C8B-B14F-4D97-AF65-F5344CB8AC3E}">
+        <p14:creationId xmlns:p14="http://schemas.microsoft.com/office/powerpoint/2010/main" val="1428342885"/>
+      </p:ext>
+    </p:extLst>
+  </p:cSld>
+  <p:clrMapOvr>
+    <a:masterClrMapping/>
+  </p:clrMapOvr>
+  <p:transition spd="slow">
+    <p:randomBar dir="vert"/>
+  </p:transition>
+</p:sld>
+</file>
+
+<file path=ppt/slides/slide12.xml><?xml version="1.0" encoding="utf-8"?>
+<p:sld xmlns:a="http://schemas.openxmlformats.org/drawingml/2006/main" xmlns:r="http://schemas.openxmlformats.org/officeDocument/2006/relationships" xmlns:p="http://schemas.openxmlformats.org/presentationml/2006/main">
+  <p:cSld>
+    <p:spTree>
+      <p:nvGrpSpPr>
+        <p:cNvPr id="1" name=""/>
+        <p:cNvGrpSpPr/>
+        <p:nvPr/>
+      </p:nvGrpSpPr>
+      <p:grpSpPr>
+        <a:xfrm>
+          <a:off x="0" y="0"/>
+          <a:ext cx="0" cy="0"/>
+          <a:chOff x="0" y="0"/>
+          <a:chExt cx="0" cy="0"/>
+        </a:xfrm>
+      </p:grpSpPr>
+      <p:sp>
+        <p:nvSpPr>
+          <p:cNvPr id="2" name="Rectangle 1"/>
+          <p:cNvSpPr/>
+          <p:nvPr/>
+        </p:nvSpPr>
+        <p:spPr>
+          <a:xfrm>
+            <a:off x="574515" y="1744442"/>
+            <a:ext cx="8697231" cy="34298"/>
+          </a:xfrm>
+          <a:prstGeom prst="rect">
+            <a:avLst/>
+          </a:prstGeom>
+        </p:spPr>
+        <p:style>
+          <a:lnRef idx="1">
+            <a:schemeClr val="accent1"/>
+          </a:lnRef>
+          <a:fillRef idx="3">
+            <a:schemeClr val="accent1"/>
+          </a:fillRef>
+          <a:effectRef idx="2">
+            <a:schemeClr val="accent1"/>
+          </a:effectRef>
+          <a:fontRef idx="minor">
+            <a:schemeClr val="lt1"/>
+          </a:fontRef>
+        </p:style>
+        <p:txBody>
+          <a:bodyPr rtlCol="0" anchor="ctr"/>
+          <a:lstStyle/>
+          <a:p>
+            <a:pPr algn="ctr"/>
+            <a:endParaRPr lang="en-US" sz="1350">
+              <a:solidFill>
+                <a:schemeClr val="tx1">
+                  <a:lumMod val="65000"/>
+                  <a:lumOff val="35000"/>
+                </a:schemeClr>
+              </a:solidFill>
+            </a:endParaRPr>
+          </a:p>
+        </p:txBody>
+      </p:sp>
+      <p:sp>
+        <p:nvSpPr>
+          <p:cNvPr id="3" name="Rectangle 2"/>
+          <p:cNvSpPr/>
+          <p:nvPr/>
+        </p:nvSpPr>
+        <p:spPr>
+          <a:xfrm>
+            <a:off x="467544" y="980728"/>
+            <a:ext cx="7436668" cy="769441"/>
+          </a:xfrm>
+          <a:prstGeom prst="rect">
+            <a:avLst/>
+          </a:prstGeom>
+        </p:spPr>
+        <p:txBody>
+          <a:bodyPr wrap="square">
+            <a:spAutoFit/>
+          </a:bodyPr>
+          <a:lstStyle/>
+          <a:p>
+            <a:r>
+              <a:rPr lang="en-US" sz="4400" dirty="0">
+                <a:solidFill>
+                  <a:schemeClr val="accent1">
+                    <a:lumMod val="75000"/>
+                  </a:schemeClr>
+                </a:solidFill>
+              </a:rPr>
+              <a:t>Run Time </a:t>
+            </a:r>
+            <a:r>
+              <a:rPr lang="en-US" sz="4400" dirty="0" err="1">
+                <a:solidFill>
+                  <a:schemeClr val="accent1">
+                    <a:lumMod val="75000"/>
+                  </a:schemeClr>
+                </a:solidFill>
+              </a:rPr>
+              <a:t>Polyphism</a:t>
+            </a:r>
+            <a:endParaRPr lang="en-US" sz="4400" dirty="0">
+              <a:solidFill>
+                <a:schemeClr val="accent1">
+                  <a:lumMod val="75000"/>
+                </a:schemeClr>
+              </a:solidFill>
+            </a:endParaRPr>
+          </a:p>
+        </p:txBody>
+      </p:sp>
+      <p:sp>
+        <p:nvSpPr>
+          <p:cNvPr id="4" name="Rectangle 3"/>
+          <p:cNvSpPr/>
+          <p:nvPr/>
+        </p:nvSpPr>
+        <p:spPr>
+          <a:xfrm>
+            <a:off x="1033686" y="2542454"/>
+            <a:ext cx="7076628" cy="1384995"/>
+          </a:xfrm>
+          <a:prstGeom prst="rect">
+            <a:avLst/>
+          </a:prstGeom>
+        </p:spPr>
+        <p:txBody>
+          <a:bodyPr wrap="square">
+            <a:spAutoFit/>
+          </a:bodyPr>
+          <a:lstStyle/>
+          <a:p>
+            <a:r>
+              <a:rPr lang="en-US" sz="2800" dirty="0">
+                <a:solidFill>
+                  <a:schemeClr val="accent6">
+                    <a:lumMod val="50000"/>
+                  </a:schemeClr>
+                </a:solidFill>
+              </a:rPr>
+              <a:t>The term polymorphism is the combination of “poly” + “morphs” means which means many forms</a:t>
+            </a:r>
+          </a:p>
+        </p:txBody>
+      </p:sp>
+    </p:spTree>
+    <p:extLst>
+      <p:ext uri="{BB962C8B-B14F-4D97-AF65-F5344CB8AC3E}">
+        <p14:creationId xmlns:p14="http://schemas.microsoft.com/office/powerpoint/2010/main" val="10405834"/>
+      </p:ext>
+    </p:extLst>
+  </p:cSld>
+  <p:clrMapOvr>
+    <a:masterClrMapping/>
+  </p:clrMapOvr>
+  <p:transition spd="slow">
+    <p:randomBar dir="vert"/>
+  </p:transition>
+</p:sld>
+</file>
+
+<file path=ppt/slides/slide13.xml><?xml version="1.0" encoding="utf-8"?>
+<p:sld xmlns:a="http://schemas.openxmlformats.org/drawingml/2006/main" xmlns:r="http://schemas.openxmlformats.org/officeDocument/2006/relationships" xmlns:p="http://schemas.openxmlformats.org/presentationml/2006/main">
+  <p:cSld>
+    <p:spTree>
+      <p:nvGrpSpPr>
+        <p:cNvPr id="1" name=""/>
+        <p:cNvGrpSpPr/>
+        <p:nvPr/>
+      </p:nvGrpSpPr>
+      <p:grpSpPr>
+        <a:xfrm>
+          <a:off x="0" y="0"/>
+          <a:ext cx="0" cy="0"/>
+          <a:chOff x="0" y="0"/>
+          <a:chExt cx="0" cy="0"/>
+        </a:xfrm>
+      </p:grpSpPr>
       <p:pic>
         <p:nvPicPr>
           <p:cNvPr id="4" name="Picture 3"/>
@@ -6060,7 +6388,7 @@
         <p:spPr>
           <a:xfrm>
             <a:off x="1033686" y="2542454"/>
-            <a:ext cx="7076628" cy="2246769"/>
+            <a:ext cx="7076628" cy="1384995"/>
           </a:xfrm>
           <a:prstGeom prst="rect">
             <a:avLst/>
@@ -6082,24 +6410,6 @@
               </a:rPr>
               <a:t>The term polymorphism is the combination of “poly” + “morphs” means which means many forms</a:t>
             </a:r>
-          </a:p>
-          <a:p>
-            <a:endParaRPr lang="en-US" sz="2800">
-              <a:solidFill>
-                <a:schemeClr val="accent6">
-                  <a:lumMod val="50000"/>
-                </a:schemeClr>
-              </a:solidFill>
-            </a:endParaRPr>
-          </a:p>
-          <a:p>
-            <a:endParaRPr lang="en-US" sz="2800" dirty="0">
-              <a:solidFill>
-                <a:schemeClr val="accent6">
-                  <a:lumMod val="50000"/>
-                </a:schemeClr>
-              </a:solidFill>
-            </a:endParaRPr>
           </a:p>
         </p:txBody>
       </p:sp>

--- a/OOP.pptx
+++ b/OOP.pptx
@@ -4443,7 +4443,7 @@
                   </a:schemeClr>
                 </a:solidFill>
               </a:rPr>
-              <a:t>Overloaded function or operator is invoked in </a:t>
+              <a:t>Overloaded function </a:t>
             </a:r>
             <a:r>
               <a:rPr lang="en-US" sz="2800">
@@ -4453,7 +4453,27 @@
                   </a:schemeClr>
                 </a:solidFill>
               </a:rPr>
-              <a:t>compile time</a:t>
+              <a:t>or overloaded </a:t>
+            </a:r>
+            <a:r>
+              <a:rPr lang="en-US" sz="2800" dirty="0">
+                <a:solidFill>
+                  <a:schemeClr val="accent6">
+                    <a:lumMod val="50000"/>
+                  </a:schemeClr>
+                </a:solidFill>
+              </a:rPr>
+              <a:t>operator is invoked in </a:t>
+            </a:r>
+            <a:r>
+              <a:rPr lang="en-US" sz="2800">
+                <a:solidFill>
+                  <a:schemeClr val="accent6">
+                    <a:lumMod val="50000"/>
+                  </a:schemeClr>
+                </a:solidFill>
+              </a:rPr>
+              <a:t>compile time </a:t>
             </a:r>
             <a:endParaRPr lang="en-US" sz="2800" dirty="0">
               <a:solidFill>

--- a/OOP.pptx
+++ b/OOP.pptx
@@ -4443,45 +4443,8 @@
                   </a:schemeClr>
                 </a:solidFill>
               </a:rPr>
-              <a:t>Overloaded function </a:t>
-            </a:r>
-            <a:r>
-              <a:rPr lang="en-US" sz="2800">
-                <a:solidFill>
-                  <a:schemeClr val="accent6">
-                    <a:lumMod val="50000"/>
-                  </a:schemeClr>
-                </a:solidFill>
-              </a:rPr>
-              <a:t>or overloaded </a:t>
-            </a:r>
-            <a:r>
-              <a:rPr lang="en-US" sz="2800" dirty="0">
-                <a:solidFill>
-                  <a:schemeClr val="accent6">
-                    <a:lumMod val="50000"/>
-                  </a:schemeClr>
-                </a:solidFill>
-              </a:rPr>
-              <a:t>operator is invoked in </a:t>
-            </a:r>
-            <a:r>
-              <a:rPr lang="en-US" sz="2800">
-                <a:solidFill>
-                  <a:schemeClr val="accent6">
-                    <a:lumMod val="50000"/>
-                  </a:schemeClr>
-                </a:solidFill>
-              </a:rPr>
-              <a:t>compile time </a:t>
-            </a:r>
-            <a:endParaRPr lang="en-US" sz="2800" dirty="0">
-              <a:solidFill>
-                <a:schemeClr val="accent6">
-                  <a:lumMod val="50000"/>
-                </a:schemeClr>
-              </a:solidFill>
-            </a:endParaRPr>
+              <a:t>Overloaded functions and overloaded operators are invoked in compile time </a:t>
+            </a:r>
           </a:p>
         </p:txBody>
       </p:sp>
@@ -4592,25 +4555,8 @@
                   </a:schemeClr>
                 </a:solidFill>
               </a:rPr>
-              <a:t>Run Time </a:t>
-            </a:r>
-            <a:r>
-              <a:rPr lang="en-US" sz="4400" dirty="0" err="1">
-                <a:solidFill>
-                  <a:schemeClr val="accent1">
-                    <a:lumMod val="75000"/>
-                  </a:schemeClr>
-                </a:solidFill>
-              </a:rPr>
-              <a:t>Polyphism</a:t>
-            </a:r>
-            <a:endParaRPr lang="en-US" sz="4400" dirty="0">
-              <a:solidFill>
-                <a:schemeClr val="accent1">
-                  <a:lumMod val="75000"/>
-                </a:schemeClr>
-              </a:solidFill>
-            </a:endParaRPr>
+              <a:t>Run Time Polymorphism</a:t>
+            </a:r>
           </a:p>
         </p:txBody>
       </p:sp>
@@ -4623,7 +4569,7 @@
         <p:spPr>
           <a:xfrm>
             <a:off x="1033686" y="2542454"/>
-            <a:ext cx="7076628" cy="1384995"/>
+            <a:ext cx="7076628" cy="2246769"/>
           </a:xfrm>
           <a:prstGeom prst="rect">
             <a:avLst/>
@@ -4643,7 +4589,28 @@
                   </a:schemeClr>
                 </a:solidFill>
               </a:rPr>
-              <a:t>The term polymorphism is the combination of “poly” + “morphs” means which means many forms</a:t>
+              <a:t>When functions invoked in run time then, then it is called run time polymorphism</a:t>
+            </a:r>
+          </a:p>
+          <a:p>
+            <a:endParaRPr lang="en-US" sz="2800" dirty="0">
+              <a:solidFill>
+                <a:schemeClr val="accent6">
+                  <a:lumMod val="50000"/>
+                </a:schemeClr>
+              </a:solidFill>
+            </a:endParaRPr>
+          </a:p>
+          <a:p>
+            <a:r>
+              <a:rPr lang="en-US" sz="2800" dirty="0">
+                <a:solidFill>
+                  <a:schemeClr val="accent6">
+                    <a:lumMod val="50000"/>
+                  </a:schemeClr>
+                </a:solidFill>
+              </a:rPr>
+              <a:t>Function overloading is a run time polymorphism  </a:t>
             </a:r>
           </a:p>
         </p:txBody>

--- a/OOP.pptx
+++ b/OOP.pptx
@@ -226,7 +226,7 @@
           <a:p>
             <a:fld id="{24CE221E-83ED-4F6C-BA5F-3F9E6FDB6953}" type="datetimeFigureOut">
               <a:rPr lang="en-US"/>
-              <a:t>1/11/20</a:t>
+              <a:t>1/12/20</a:t>
             </a:fld>
             <a:endParaRPr/>
           </a:p>
@@ -391,7 +391,7 @@
           <a:p>
             <a:fld id="{97853E5F-CE67-483C-A264-F17AC70E9CA2}" type="datetimeFigureOut">
               <a:rPr lang="en-US"/>
-              <a:t>1/11/20</a:t>
+              <a:t>1/12/20</a:t>
             </a:fld>
             <a:endParaRPr/>
           </a:p>
@@ -3998,12 +3998,12 @@
   <p:extLst>
     <p:ext uri="{27BBF7A9-308A-43DC-89C8-2F10F3537804}">
       <p15:sldGuideLst xmlns:p15="http://schemas.microsoft.com/office/powerpoint/2012/main">
-        <p15:guide id="1" pos="2880" userDrawn="1">
+        <p15:guide id="1" pos="2880">
           <p15:clr>
             <a:srgbClr val="F26B43"/>
           </p15:clr>
         </p15:guide>
-        <p15:guide id="2" orient="horz" pos="2160" userDrawn="1">
+        <p15:guide id="2" orient="horz" pos="2160">
           <p15:clr>
             <a:srgbClr val="F26B43"/>
           </p15:clr>
@@ -4423,7 +4423,7 @@
         <p:spPr>
           <a:xfrm>
             <a:off x="1033686" y="2542454"/>
-            <a:ext cx="7076628" cy="954107"/>
+            <a:ext cx="7076628" cy="1384995"/>
           </a:xfrm>
           <a:prstGeom prst="rect">
             <a:avLst/>
@@ -4443,8 +4443,39 @@
                   </a:schemeClr>
                 </a:solidFill>
               </a:rPr>
-              <a:t>Overloaded functions and overloaded operators are invoked in compile time </a:t>
-            </a:r>
+              <a:t>Invoked at compile time</a:t>
+            </a:r>
+          </a:p>
+          <a:p>
+            <a:r>
+              <a:rPr lang="en-US" sz="2800" dirty="0">
+                <a:solidFill>
+                  <a:schemeClr val="accent6">
+                    <a:lumMod val="50000"/>
+                  </a:schemeClr>
+                </a:solidFill>
+              </a:rPr>
+              <a:t>Faster than run  </a:t>
+            </a:r>
+            <a:r>
+              <a:rPr lang="en-US" sz="2800">
+                <a:solidFill>
+                  <a:schemeClr val="accent6">
+                    <a:lumMod val="50000"/>
+                  </a:schemeClr>
+                </a:solidFill>
+              </a:rPr>
+              <a:t>time polymorphism</a:t>
+            </a:r>
+          </a:p>
+          <a:p>
+            <a:endParaRPr lang="en-US" sz="2800" dirty="0">
+              <a:solidFill>
+                <a:schemeClr val="accent6">
+                  <a:lumMod val="50000"/>
+                </a:schemeClr>
+              </a:solidFill>
+            </a:endParaRPr>
           </a:p>
         </p:txBody>
       </p:sp>
@@ -7190,26 +7221,6 @@
 </file>
 
 <file path=customXml/item1.xml><?xml version="1.0" encoding="utf-8"?>
-<?mso-contentType ?>
-<FormTemplates xmlns="http://schemas.microsoft.com/sharepoint/v3/contenttype/forms">
-  <Display>DocumentLibraryForm</Display>
-  <Edit>DocumentLibraryForm</Edit>
-  <New>DocumentLibraryForm</New>
-</FormTemplates>
-</file>
-
-<file path=customXml/item2.xml><?xml version="1.0" encoding="utf-8"?>
-<p:properties xmlns:p="http://schemas.microsoft.com/office/2006/metadata/properties" xmlns:xsi="http://www.w3.org/2001/XMLSchema-instance" xmlns:pc="http://schemas.microsoft.com/office/infopath/2007/PartnerControls">
-  <documentManagement>
-    <VSO_x0020_item_x0020_id xmlns="40262f94-9f35-4ac3-9a90-690165a166b7" xsi:nil="true"/>
-    <Assetid_x0020_ xmlns="40262f94-9f35-4ac3-9a90-690165a166b7" xsi:nil="true"/>
-    <Item_x0020_Details xmlns="40262f94-9f35-4ac3-9a90-690165a166b7" xsi:nil="true"/>
-    <Template_x0020_details xmlns="40262f94-9f35-4ac3-9a90-690165a166b7" xsi:nil="true"/>
-  </documentManagement>
-</p:properties>
-</file>
-
-<file path=customXml/item3.xml><?xml version="1.0" encoding="utf-8"?>
 <ct:contentTypeSchema xmlns:ct="http://schemas.microsoft.com/office/2006/metadata/contentType" xmlns:ma="http://schemas.microsoft.com/office/2006/metadata/properties/metaAttributes" ct:_="" ma:_="" ma:contentTypeName="Document" ma:contentTypeID="0x010100AA3F7D94069FF64A86F7DFF56D60E3BE" ma:contentTypeVersion="6" ma:contentTypeDescription="Create a new document." ma:contentTypeScope="" ma:versionID="c32302c77d4085ecf495bdddb7f5e889">
   <xsd:schema xmlns:xsd="http://www.w3.org/2001/XMLSchema" xmlns:xs="http://www.w3.org/2001/XMLSchema" xmlns:p="http://schemas.microsoft.com/office/2006/metadata/properties" xmlns:ns2="a4f35948-e619-41b3-aa29-22878b09cfd2" xmlns:ns3="40262f94-9f35-4ac3-9a90-690165a166b7" targetNamespace="http://schemas.microsoft.com/office/2006/metadata/properties" ma:root="true" ma:fieldsID="4ab5ae46be95f9d0be6107e8200be7a2" ns2:_="" ns3:_="">
     <xsd:import namespace="a4f35948-e619-41b3-aa29-22878b09cfd2"/>
@@ -7390,10 +7401,41 @@
 </ct:contentTypeSchema>
 </file>
 
+<file path=customXml/item2.xml><?xml version="1.0" encoding="utf-8"?>
+<p:properties xmlns:p="http://schemas.microsoft.com/office/2006/metadata/properties" xmlns:xsi="http://www.w3.org/2001/XMLSchema-instance" xmlns:pc="http://schemas.microsoft.com/office/infopath/2007/PartnerControls">
+  <documentManagement>
+    <VSO_x0020_item_x0020_id xmlns="40262f94-9f35-4ac3-9a90-690165a166b7" xsi:nil="true"/>
+    <Assetid_x0020_ xmlns="40262f94-9f35-4ac3-9a90-690165a166b7" xsi:nil="true"/>
+    <Item_x0020_Details xmlns="40262f94-9f35-4ac3-9a90-690165a166b7" xsi:nil="true"/>
+    <Template_x0020_details xmlns="40262f94-9f35-4ac3-9a90-690165a166b7" xsi:nil="true"/>
+  </documentManagement>
+</p:properties>
+</file>
+
+<file path=customXml/item3.xml><?xml version="1.0" encoding="utf-8"?>
+<?mso-contentType ?>
+<FormTemplates xmlns="http://schemas.microsoft.com/sharepoint/v3/contenttype/forms">
+  <Display>DocumentLibraryForm</Display>
+  <Edit>DocumentLibraryForm</Edit>
+  <New>DocumentLibraryForm</New>
+</FormTemplates>
+</file>
+
 <file path=customXml/itemProps1.xml><?xml version="1.0" encoding="utf-8"?>
-<ds:datastoreItem xmlns:ds="http://schemas.openxmlformats.org/officeDocument/2006/customXml" ds:itemID="{02F2BE50-DDB3-465B-A26E-975A276D4362}">
+<ds:datastoreItem xmlns:ds="http://schemas.openxmlformats.org/officeDocument/2006/customXml" ds:itemID="{7C80FAF7-F941-4D3E-A3C3-283A61107933}">
   <ds:schemaRefs>
-    <ds:schemaRef ds:uri="http://schemas.microsoft.com/sharepoint/v3/contenttype/forms"/>
+    <ds:schemaRef ds:uri="http://schemas.microsoft.com/office/2006/metadata/contentType"/>
+    <ds:schemaRef ds:uri="http://schemas.microsoft.com/office/2006/metadata/properties/metaAttributes"/>
+    <ds:schemaRef ds:uri="http://www.w3.org/2001/XMLSchema"/>
+    <ds:schemaRef ds:uri="http://schemas.microsoft.com/office/2006/metadata/properties"/>
+    <ds:schemaRef ds:uri="a4f35948-e619-41b3-aa29-22878b09cfd2"/>
+    <ds:schemaRef ds:uri="40262f94-9f35-4ac3-9a90-690165a166b7"/>
+    <ds:schemaRef ds:uri="http://schemas.microsoft.com/office/2006/documentManagement/types"/>
+    <ds:schemaRef ds:uri="http://schemas.microsoft.com/office/infopath/2007/PartnerControls"/>
+    <ds:schemaRef ds:uri="http://schemas.openxmlformats.org/package/2006/metadata/core-properties"/>
+    <ds:schemaRef ds:uri="http://purl.org/dc/elements/1.1/"/>
+    <ds:schemaRef ds:uri="http://purl.org/dc/terms/"/>
+    <ds:schemaRef ds:uri="http://schemas.microsoft.com/internal/obd"/>
   </ds:schemaRefs>
 </ds:datastoreItem>
 </file>
@@ -7416,20 +7458,9 @@
 </file>
 
 <file path=customXml/itemProps3.xml><?xml version="1.0" encoding="utf-8"?>
-<ds:datastoreItem xmlns:ds="http://schemas.openxmlformats.org/officeDocument/2006/customXml" ds:itemID="{7C80FAF7-F941-4D3E-A3C3-283A61107933}">
+<ds:datastoreItem xmlns:ds="http://schemas.openxmlformats.org/officeDocument/2006/customXml" ds:itemID="{02F2BE50-DDB3-465B-A26E-975A276D4362}">
   <ds:schemaRefs>
-    <ds:schemaRef ds:uri="http://schemas.microsoft.com/office/2006/metadata/contentType"/>
-    <ds:schemaRef ds:uri="http://schemas.microsoft.com/office/2006/metadata/properties/metaAttributes"/>
-    <ds:schemaRef ds:uri="http://www.w3.org/2001/XMLSchema"/>
-    <ds:schemaRef ds:uri="http://schemas.microsoft.com/office/2006/metadata/properties"/>
-    <ds:schemaRef ds:uri="a4f35948-e619-41b3-aa29-22878b09cfd2"/>
-    <ds:schemaRef ds:uri="40262f94-9f35-4ac3-9a90-690165a166b7"/>
-    <ds:schemaRef ds:uri="http://schemas.microsoft.com/office/2006/documentManagement/types"/>
-    <ds:schemaRef ds:uri="http://schemas.microsoft.com/office/infopath/2007/PartnerControls"/>
-    <ds:schemaRef ds:uri="http://schemas.openxmlformats.org/package/2006/metadata/core-properties"/>
-    <ds:schemaRef ds:uri="http://purl.org/dc/elements/1.1/"/>
-    <ds:schemaRef ds:uri="http://purl.org/dc/terms/"/>
-    <ds:schemaRef ds:uri="http://schemas.microsoft.com/internal/obd"/>
+    <ds:schemaRef ds:uri="http://schemas.microsoft.com/sharepoint/v3/contenttype/forms"/>
   </ds:schemaRefs>
 </ds:datastoreItem>
 </file>
--- a/OOP.pptx
+++ b/OOP.pptx
@@ -5,25 +5,26 @@
     <p:sldMasterId id="2147483648" r:id="rId4"/>
   </p:sldMasterIdLst>
   <p:notesMasterIdLst>
-    <p:notesMasterId r:id="rId18"/>
+    <p:notesMasterId r:id="rId19"/>
   </p:notesMasterIdLst>
   <p:handoutMasterIdLst>
-    <p:handoutMasterId r:id="rId19"/>
+    <p:handoutMasterId r:id="rId20"/>
   </p:handoutMasterIdLst>
   <p:sldIdLst>
-    <p:sldId id="267" r:id="rId5"/>
-    <p:sldId id="294" r:id="rId6"/>
-    <p:sldId id="282" r:id="rId7"/>
-    <p:sldId id="295" r:id="rId8"/>
-    <p:sldId id="296" r:id="rId9"/>
-    <p:sldId id="297" r:id="rId10"/>
-    <p:sldId id="298" r:id="rId11"/>
-    <p:sldId id="299" r:id="rId12"/>
-    <p:sldId id="300" r:id="rId13"/>
-    <p:sldId id="301" r:id="rId14"/>
-    <p:sldId id="302" r:id="rId15"/>
-    <p:sldId id="303" r:id="rId16"/>
-    <p:sldId id="292" r:id="rId17"/>
+    <p:sldId id="256" r:id="rId5"/>
+    <p:sldId id="267" r:id="rId6"/>
+    <p:sldId id="294" r:id="rId7"/>
+    <p:sldId id="282" r:id="rId8"/>
+    <p:sldId id="295" r:id="rId9"/>
+    <p:sldId id="296" r:id="rId10"/>
+    <p:sldId id="297" r:id="rId11"/>
+    <p:sldId id="298" r:id="rId12"/>
+    <p:sldId id="299" r:id="rId13"/>
+    <p:sldId id="300" r:id="rId14"/>
+    <p:sldId id="301" r:id="rId15"/>
+    <p:sldId id="302" r:id="rId16"/>
+    <p:sldId id="303" r:id="rId17"/>
+    <p:sldId id="292" r:id="rId18"/>
   </p:sldIdLst>
   <p:sldSz cx="9144000" cy="6858000" type="screen4x3"/>
   <p:notesSz cx="6858000" cy="9144000"/>
@@ -881,7 +882,7 @@
           <a:bodyPr/>
           <a:lstStyle/>
           <a:p>
-            <a:fld id="{6B2E0257-9E0E-49BF-98FD-946C8DEC6D91}" type="datetime1">
+            <a:fld id="{F145469D-C0C5-4457-92DE-4D4EFC8C00F6}" type="datetime1">
               <a:rPr lang="en-US" smtClean="0"/>
               <a:t>1/12/20</a:t>
             </a:fld>
@@ -1067,7 +1068,7 @@
           <a:bodyPr/>
           <a:lstStyle/>
           <a:p>
-            <a:fld id="{97431B29-D0A6-476D-B857-3BEA01DDE1C2}" type="datetime1">
+            <a:fld id="{3C34F163-C8D7-479A-BE5D-F1743442C5C8}" type="datetime1">
               <a:rPr lang="en-US" smtClean="0"/>
               <a:t>1/12/20</a:t>
             </a:fld>
@@ -1263,7 +1264,7 @@
           <a:bodyPr/>
           <a:lstStyle/>
           <a:p>
-            <a:fld id="{E45BB58D-9127-4C31-B5C4-E2A4F469E4C0}" type="datetime1">
+            <a:fld id="{B85E7AE9-B6A3-4BA5-BDC9-69B476770E51}" type="datetime1">
               <a:rPr lang="en-US" smtClean="0"/>
               <a:t>1/12/20</a:t>
             </a:fld>
@@ -1449,7 +1450,7 @@
           <a:bodyPr/>
           <a:lstStyle/>
           <a:p>
-            <a:fld id="{2AC25321-C03F-4302-8F0F-926504B36450}" type="datetime1">
+            <a:fld id="{46C8B75A-4E5A-4E15-AA9A-864FC644C7E2}" type="datetime1">
               <a:rPr lang="en-US" smtClean="0"/>
               <a:t>1/12/20</a:t>
             </a:fld>
@@ -1733,7 +1734,7 @@
           <a:bodyPr/>
           <a:lstStyle/>
           <a:p>
-            <a:fld id="{21FA090E-0412-420F-AF47-1789F3854625}" type="datetime1">
+            <a:fld id="{F79C2432-E53F-433B-BC05-AA9FB264BDCF}" type="datetime1">
               <a:rPr lang="en-US" smtClean="0"/>
               <a:t>1/12/20</a:t>
             </a:fld>
@@ -2041,7 +2042,7 @@
           <a:bodyPr/>
           <a:lstStyle/>
           <a:p>
-            <a:fld id="{0ED56556-F93D-4F3D-B3D8-8D8723B5FC35}" type="datetime1">
+            <a:fld id="{8436F4B7-C077-49AA-9B06-4F0F01EE1040}" type="datetime1">
               <a:rPr lang="en-US" smtClean="0"/>
               <a:t>1/12/20</a:t>
             </a:fld>
@@ -2493,7 +2494,7 @@
           <a:bodyPr/>
           <a:lstStyle/>
           <a:p>
-            <a:fld id="{B8E5DCB9-BCB3-4177-B980-70C7A97908F0}" type="datetime1">
+            <a:fld id="{68343BD6-365D-4120-AC80-88DC27393D06}" type="datetime1">
               <a:rPr lang="en-US" smtClean="0"/>
               <a:t>1/12/20</a:t>
             </a:fld>
@@ -2627,7 +2628,7 @@
           <a:bodyPr/>
           <a:lstStyle/>
           <a:p>
-            <a:fld id="{78A8AEB0-84DD-4ACB-83BA-5041EB7A1BE2}" type="datetime1">
+            <a:fld id="{FD04F010-FD50-4A61-986C-4932DFB9EA0C}" type="datetime1">
               <a:rPr lang="en-US" smtClean="0"/>
               <a:t>1/12/20</a:t>
             </a:fld>
@@ -2752,7 +2753,7 @@
           <a:bodyPr/>
           <a:lstStyle/>
           <a:p>
-            <a:fld id="{9A6331F9-F66D-4FE7-84AE-06FC77C878F2}" type="datetime1">
+            <a:fld id="{E975AF72-5225-49DE-9F27-AB28623DDF1D}" type="datetime1">
               <a:rPr lang="en-US" smtClean="0"/>
               <a:t>1/12/20</a:t>
             </a:fld>
@@ -3078,7 +3079,7 @@
           <a:bodyPr/>
           <a:lstStyle/>
           <a:p>
-            <a:fld id="{BA4C59B7-306F-4EE3-B311-A76FE574CAE9}" type="datetime1">
+            <a:fld id="{36F92046-F961-4F5A-936A-9590D40E40A5}" type="datetime1">
               <a:rPr lang="en-US" smtClean="0"/>
               <a:t>1/12/20</a:t>
             </a:fld>
@@ -3574,7 +3575,7 @@
             </a:lvl1pPr>
           </a:lstStyle>
           <a:p>
-            <a:fld id="{0F74488D-6012-4834-A510-A9BC30B6F19D}" type="datetime1">
+            <a:fld id="{6B5F1AE1-FE54-440A-9299-2DDD68D7BB83}" type="datetime1">
               <a:rPr lang="en-US" smtClean="0"/>
               <a:t>1/12/20</a:t>
             </a:fld>
@@ -3658,7 +3659,7 @@
       </p:transition>
     </mc:Fallback>
   </mc:AlternateContent>
-  <p:hf sldNum="0" hdr="0" ftr="0" dt="0"/>
+  <p:hf hdr="0" ftr="0" dt="0"/>
   <p:txStyles>
     <p:titleStyle>
       <a:lvl1pPr algn="l" defTabSz="685983" rtl="0" eaLnBrk="1" latinLnBrk="0" hangingPunct="1">
@@ -4033,128 +4034,118 @@
       </p:grpSpPr>
       <p:sp>
         <p:nvSpPr>
-          <p:cNvPr id="2" name="Rectangle 1"/>
-          <p:cNvSpPr/>
-          <p:nvPr/>
-        </p:nvSpPr>
-        <p:spPr>
-          <a:xfrm>
-            <a:off x="574515" y="1960466"/>
-            <a:ext cx="8697231" cy="34298"/>
-          </a:xfrm>
-          <a:prstGeom prst="rect">
-            <a:avLst/>
-          </a:prstGeom>
-        </p:spPr>
-        <p:style>
-          <a:lnRef idx="1">
-            <a:schemeClr val="accent1"/>
-          </a:lnRef>
-          <a:fillRef idx="3">
-            <a:schemeClr val="accent1"/>
-          </a:fillRef>
-          <a:effectRef idx="2">
-            <a:schemeClr val="accent1"/>
-          </a:effectRef>
-          <a:fontRef idx="minor">
-            <a:schemeClr val="lt1"/>
-          </a:fontRef>
-        </p:style>
-        <p:txBody>
-          <a:bodyPr rtlCol="0" anchor="ctr"/>
+          <p:cNvPr id="2" name="Title 1"/>
+          <p:cNvSpPr>
+            <a:spLocks noGrp="1"/>
+          </p:cNvSpPr>
+          <p:nvPr>
+            <p:ph type="ctrTitle"/>
+          </p:nvPr>
+        </p:nvSpPr>
+        <p:spPr>
+          <a:xfrm>
+            <a:off x="317066" y="2299925"/>
+            <a:ext cx="8863446" cy="769035"/>
+          </a:xfrm>
+        </p:spPr>
+        <p:txBody>
+          <a:bodyPr>
+            <a:normAutofit/>
+          </a:bodyPr>
           <a:lstStyle/>
           <a:p>
             <a:pPr algn="ctr"/>
-            <a:endParaRPr lang="en-US" sz="1350">
-              <a:solidFill>
-                <a:schemeClr val="tx1">
-                  <a:lumMod val="65000"/>
-                  <a:lumOff val="35000"/>
-                </a:schemeClr>
-              </a:solidFill>
-            </a:endParaRPr>
-          </a:p>
-        </p:txBody>
-      </p:sp>
-      <p:sp>
-        <p:nvSpPr>
-          <p:cNvPr id="3" name="Rectangle 2"/>
-          <p:cNvSpPr/>
-          <p:nvPr/>
-        </p:nvSpPr>
-        <p:spPr>
-          <a:xfrm>
-            <a:off x="466475" y="1196752"/>
-            <a:ext cx="9181103" cy="646331"/>
-          </a:xfrm>
-          <a:prstGeom prst="rect">
-            <a:avLst/>
-          </a:prstGeom>
-        </p:spPr>
-        <p:txBody>
-          <a:bodyPr wrap="none">
-            <a:spAutoFit/>
-          </a:bodyPr>
-          <a:lstStyle/>
-          <a:p>
-            <a:r>
-              <a:rPr lang="en-US" sz="3600" dirty="0">
+            <a:r>
+              <a:rPr lang="en-US" sz="4800" dirty="0">
                 <a:solidFill>
                   <a:schemeClr val="accent1">
-                    <a:lumMod val="75000"/>
-                  </a:schemeClr>
-                </a:solidFill>
-              </a:rPr>
-              <a:t>What is Object Oriented Programming(OOP) ?</a:t>
-            </a:r>
-          </a:p>
-        </p:txBody>
-      </p:sp>
-      <p:sp>
-        <p:nvSpPr>
-          <p:cNvPr id="4" name="Rectangle 3"/>
-          <p:cNvSpPr/>
-          <p:nvPr/>
-        </p:nvSpPr>
-        <p:spPr>
-          <a:xfrm>
-            <a:off x="971600" y="2852936"/>
-            <a:ext cx="7076628" cy="1815882"/>
-          </a:xfrm>
-          <a:prstGeom prst="rect">
-            <a:avLst/>
-          </a:prstGeom>
-        </p:spPr>
-        <p:txBody>
-          <a:bodyPr wrap="square">
-            <a:spAutoFit/>
-          </a:bodyPr>
-          <a:lstStyle/>
-          <a:p>
-            <a:r>
-              <a:rPr lang="en-GB" sz="2800" dirty="0">
-                <a:solidFill>
-                  <a:schemeClr val="accent6">
                     <a:lumMod val="50000"/>
                   </a:schemeClr>
                 </a:solidFill>
               </a:rPr>
-              <a:t>OOP is a programming paradigm which mainly focuses on the concept of “objects” to construct the real world scenario to solve real world problem through programming.</a:t>
-            </a:r>
-            <a:endParaRPr lang="en-US" sz="2800" dirty="0">
-              <a:solidFill>
-                <a:schemeClr val="accent6">
-                  <a:lumMod val="50000"/>
-                </a:schemeClr>
-              </a:solidFill>
-            </a:endParaRPr>
+              <a:t>Object Oriented Programming</a:t>
+            </a:r>
+          </a:p>
+        </p:txBody>
+      </p:sp>
+      <p:sp>
+        <p:nvSpPr>
+          <p:cNvPr id="3" name="Subtitle 2"/>
+          <p:cNvSpPr>
+            <a:spLocks noGrp="1"/>
+          </p:cNvSpPr>
+          <p:nvPr>
+            <p:ph type="subTitle" idx="1"/>
+          </p:nvPr>
+        </p:nvSpPr>
+        <p:spPr>
+          <a:xfrm>
+            <a:off x="0" y="4203015"/>
+            <a:ext cx="9144000" cy="769035"/>
+          </a:xfrm>
+        </p:spPr>
+        <p:txBody>
+          <a:bodyPr>
+            <a:noAutofit/>
+          </a:bodyPr>
+          <a:lstStyle/>
+          <a:p>
+            <a:pPr algn="ctr"/>
+            <a:r>
+              <a:rPr lang="en-US" sz="3000" b="1" dirty="0">
+                <a:solidFill>
+                  <a:srgbClr val="002060"/>
+                </a:solidFill>
+              </a:rPr>
+              <a:t>Muhammad Sad Al Munir</a:t>
+            </a:r>
+          </a:p>
+          <a:p>
+            <a:pPr algn="ctr"/>
+            <a:r>
+              <a:rPr lang="en-US" sz="3000" dirty="0">
+                <a:solidFill>
+                  <a:srgbClr val="002060"/>
+                </a:solidFill>
+              </a:rPr>
+              <a:t>Tracking ID: 480484</a:t>
+            </a:r>
+          </a:p>
+        </p:txBody>
+      </p:sp>
+      <p:sp>
+        <p:nvSpPr>
+          <p:cNvPr id="5" name="Slide Number Placeholder 4">
+            <a:extLst>
+              <a:ext uri="{FF2B5EF4-FFF2-40B4-BE49-F238E27FC236}">
+                <a16:creationId xmlns:a16="http://schemas.microsoft.com/office/drawing/2014/main" id="{19D5644C-C0CF-4960-A4E7-8C58E937C28B}"/>
+              </a:ext>
+            </a:extLst>
+          </p:cNvPr>
+          <p:cNvSpPr>
+            <a:spLocks noGrp="1"/>
+          </p:cNvSpPr>
+          <p:nvPr>
+            <p:ph type="sldNum" sz="quarter" idx="12"/>
+          </p:nvPr>
+        </p:nvSpPr>
+        <p:spPr/>
+        <p:txBody>
+          <a:bodyPr/>
+          <a:lstStyle/>
+          <a:p>
+            <a:fld id="{AAEAE4A8-A6E5-453E-B946-FB774B73F48C}" type="slidenum">
+              <a:rPr lang="en-US" smtClean="0"/>
+              <a:t>1</a:t>
+            </a:fld>
+            <a:endParaRPr lang="en-US"/>
           </a:p>
         </p:txBody>
       </p:sp>
     </p:spTree>
     <p:extLst>
       <p:ext uri="{BB962C8B-B14F-4D97-AF65-F5344CB8AC3E}">
-        <p14:creationId xmlns:p14="http://schemas.microsoft.com/office/powerpoint/2010/main" val="3587736867"/>
+        <p14:creationId xmlns:p14="http://schemas.microsoft.com/office/powerpoint/2010/main" val="3269907501"/>
       </p:ext>
     </p:extLst>
   </p:cSld>
@@ -4163,14 +4154,10 @@
   </p:clrMapOvr>
   <mc:AlternateContent xmlns:mc="http://schemas.openxmlformats.org/markup-compatibility/2006" xmlns:p14="http://schemas.microsoft.com/office/powerpoint/2010/main">
     <mc:Choice Requires="p14">
-      <p:transition spd="slow" p14:dur="1600">
-        <p14:gallery dir="l"/>
-      </p:transition>
+      <p:transition p14:dur="0"/>
     </mc:Choice>
     <mc:Fallback xmlns="">
-      <p:transition spd="slow">
-        <p:fade/>
-      </p:transition>
+      <p:transition/>
     </mc:Fallback>
   </mc:AlternateContent>
 </p:sld>
@@ -4267,6 +4254,186 @@
                   </a:schemeClr>
                 </a:solidFill>
               </a:rPr>
+              <a:t>Polymorphism</a:t>
+            </a:r>
+          </a:p>
+        </p:txBody>
+      </p:sp>
+      <p:sp>
+        <p:nvSpPr>
+          <p:cNvPr id="4" name="Rectangle 3"/>
+          <p:cNvSpPr/>
+          <p:nvPr/>
+        </p:nvSpPr>
+        <p:spPr>
+          <a:xfrm>
+            <a:off x="1033686" y="2542454"/>
+            <a:ext cx="7076628" cy="1384995"/>
+          </a:xfrm>
+          <a:prstGeom prst="rect">
+            <a:avLst/>
+          </a:prstGeom>
+        </p:spPr>
+        <p:txBody>
+          <a:bodyPr wrap="square">
+            <a:spAutoFit/>
+          </a:bodyPr>
+          <a:lstStyle/>
+          <a:p>
+            <a:r>
+              <a:rPr lang="en-US" sz="2800" dirty="0">
+                <a:solidFill>
+                  <a:schemeClr val="accent6">
+                    <a:lumMod val="50000"/>
+                  </a:schemeClr>
+                </a:solidFill>
+              </a:rPr>
+              <a:t>The term polymorphism is the combination of “poly” + “morphs” means which means many forms</a:t>
+            </a:r>
+          </a:p>
+        </p:txBody>
+      </p:sp>
+      <p:sp>
+        <p:nvSpPr>
+          <p:cNvPr id="6" name="Slide Number Placeholder 5">
+            <a:extLst>
+              <a:ext uri="{FF2B5EF4-FFF2-40B4-BE49-F238E27FC236}">
+                <a16:creationId xmlns:a16="http://schemas.microsoft.com/office/drawing/2014/main" id="{C4DBA7D3-6971-4FDC-8882-01E74FBF39F0}"/>
+              </a:ext>
+            </a:extLst>
+          </p:cNvPr>
+          <p:cNvSpPr>
+            <a:spLocks noGrp="1"/>
+          </p:cNvSpPr>
+          <p:nvPr>
+            <p:ph type="sldNum" sz="quarter" idx="12"/>
+          </p:nvPr>
+        </p:nvSpPr>
+        <p:spPr/>
+        <p:txBody>
+          <a:bodyPr/>
+          <a:lstStyle/>
+          <a:p>
+            <a:fld id="{AAEAE4A8-A6E5-453E-B946-FB774B73F48C}" type="slidenum">
+              <a:rPr lang="en-US" smtClean="0"/>
+              <a:t>10</a:t>
+            </a:fld>
+            <a:endParaRPr lang="en-US"/>
+          </a:p>
+        </p:txBody>
+      </p:sp>
+    </p:spTree>
+    <p:extLst>
+      <p:ext uri="{BB962C8B-B14F-4D97-AF65-F5344CB8AC3E}">
+        <p14:creationId xmlns:p14="http://schemas.microsoft.com/office/powerpoint/2010/main" val="1001448468"/>
+      </p:ext>
+    </p:extLst>
+  </p:cSld>
+  <p:clrMapOvr>
+    <a:masterClrMapping/>
+  </p:clrMapOvr>
+  <mc:AlternateContent xmlns:mc="http://schemas.openxmlformats.org/markup-compatibility/2006" xmlns:p14="http://schemas.microsoft.com/office/powerpoint/2010/main">
+    <mc:Choice Requires="p14">
+      <p:transition p14:dur="0"/>
+    </mc:Choice>
+    <mc:Fallback xmlns="">
+      <p:transition/>
+    </mc:Fallback>
+  </mc:AlternateContent>
+</p:sld>
+</file>
+
+<file path=ppt/slides/slide11.xml><?xml version="1.0" encoding="utf-8"?>
+<p:sld xmlns:a="http://schemas.openxmlformats.org/drawingml/2006/main" xmlns:r="http://schemas.openxmlformats.org/officeDocument/2006/relationships" xmlns:p="http://schemas.openxmlformats.org/presentationml/2006/main">
+  <p:cSld>
+    <p:spTree>
+      <p:nvGrpSpPr>
+        <p:cNvPr id="1" name=""/>
+        <p:cNvGrpSpPr/>
+        <p:nvPr/>
+      </p:nvGrpSpPr>
+      <p:grpSpPr>
+        <a:xfrm>
+          <a:off x="0" y="0"/>
+          <a:ext cx="0" cy="0"/>
+          <a:chOff x="0" y="0"/>
+          <a:chExt cx="0" cy="0"/>
+        </a:xfrm>
+      </p:grpSpPr>
+      <p:sp>
+        <p:nvSpPr>
+          <p:cNvPr id="2" name="Rectangle 1"/>
+          <p:cNvSpPr/>
+          <p:nvPr/>
+        </p:nvSpPr>
+        <p:spPr>
+          <a:xfrm>
+            <a:off x="574515" y="1744442"/>
+            <a:ext cx="8697231" cy="34298"/>
+          </a:xfrm>
+          <a:prstGeom prst="rect">
+            <a:avLst/>
+          </a:prstGeom>
+        </p:spPr>
+        <p:style>
+          <a:lnRef idx="1">
+            <a:schemeClr val="accent1"/>
+          </a:lnRef>
+          <a:fillRef idx="3">
+            <a:schemeClr val="accent1"/>
+          </a:fillRef>
+          <a:effectRef idx="2">
+            <a:schemeClr val="accent1"/>
+          </a:effectRef>
+          <a:fontRef idx="minor">
+            <a:schemeClr val="lt1"/>
+          </a:fontRef>
+        </p:style>
+        <p:txBody>
+          <a:bodyPr rtlCol="0" anchor="ctr"/>
+          <a:lstStyle/>
+          <a:p>
+            <a:pPr algn="ctr"/>
+            <a:endParaRPr lang="en-US" sz="1350">
+              <a:solidFill>
+                <a:schemeClr val="tx1">
+                  <a:lumMod val="65000"/>
+                  <a:lumOff val="35000"/>
+                </a:schemeClr>
+              </a:solidFill>
+            </a:endParaRPr>
+          </a:p>
+        </p:txBody>
+      </p:sp>
+      <p:sp>
+        <p:nvSpPr>
+          <p:cNvPr id="3" name="Rectangle 2"/>
+          <p:cNvSpPr/>
+          <p:nvPr/>
+        </p:nvSpPr>
+        <p:spPr>
+          <a:xfrm>
+            <a:off x="467544" y="980728"/>
+            <a:ext cx="7436668" cy="769441"/>
+          </a:xfrm>
+          <a:prstGeom prst="rect">
+            <a:avLst/>
+          </a:prstGeom>
+        </p:spPr>
+        <p:txBody>
+          <a:bodyPr wrap="square">
+            <a:spAutoFit/>
+          </a:bodyPr>
+          <a:lstStyle/>
+          <a:p>
+            <a:r>
+              <a:rPr lang="en-US" sz="4400" dirty="0">
+                <a:solidFill>
+                  <a:schemeClr val="accent1">
+                    <a:lumMod val="75000"/>
+                  </a:schemeClr>
+                </a:solidFill>
+              </a:rPr>
               <a:t>Types of Polymorphism</a:t>
             </a:r>
           </a:p>
@@ -4302,6 +4469,35 @@
           </a:prstGeom>
         </p:spPr>
       </p:pic>
+      <p:sp>
+        <p:nvSpPr>
+          <p:cNvPr id="5" name="Slide Number Placeholder 4">
+            <a:extLst>
+              <a:ext uri="{FF2B5EF4-FFF2-40B4-BE49-F238E27FC236}">
+                <a16:creationId xmlns:a16="http://schemas.microsoft.com/office/drawing/2014/main" id="{52965DCF-99CB-4188-B3C2-9C478EDB256E}"/>
+              </a:ext>
+            </a:extLst>
+          </p:cNvPr>
+          <p:cNvSpPr>
+            <a:spLocks noGrp="1"/>
+          </p:cNvSpPr>
+          <p:nvPr>
+            <p:ph type="sldNum" sz="quarter" idx="12"/>
+          </p:nvPr>
+        </p:nvSpPr>
+        <p:spPr/>
+        <p:txBody>
+          <a:bodyPr/>
+          <a:lstStyle/>
+          <a:p>
+            <a:fld id="{AAEAE4A8-A6E5-453E-B946-FB774B73F48C}" type="slidenum">
+              <a:rPr lang="en-US" smtClean="0"/>
+              <a:t>11</a:t>
+            </a:fld>
+            <a:endParaRPr lang="en-US"/>
+          </a:p>
+        </p:txBody>
+      </p:sp>
     </p:spTree>
     <p:extLst>
       <p:ext uri="{BB962C8B-B14F-4D97-AF65-F5344CB8AC3E}">
@@ -4312,186 +4508,14 @@
   <p:clrMapOvr>
     <a:masterClrMapping/>
   </p:clrMapOvr>
-  <p:transition spd="slow">
-    <p:randomBar dir="vert"/>
-  </p:transition>
-</p:sld>
-</file>
-
-<file path=ppt/slides/slide11.xml><?xml version="1.0" encoding="utf-8"?>
-<p:sld xmlns:a="http://schemas.openxmlformats.org/drawingml/2006/main" xmlns:r="http://schemas.openxmlformats.org/officeDocument/2006/relationships" xmlns:p="http://schemas.openxmlformats.org/presentationml/2006/main">
-  <p:cSld>
-    <p:spTree>
-      <p:nvGrpSpPr>
-        <p:cNvPr id="1" name=""/>
-        <p:cNvGrpSpPr/>
-        <p:nvPr/>
-      </p:nvGrpSpPr>
-      <p:grpSpPr>
-        <a:xfrm>
-          <a:off x="0" y="0"/>
-          <a:ext cx="0" cy="0"/>
-          <a:chOff x="0" y="0"/>
-          <a:chExt cx="0" cy="0"/>
-        </a:xfrm>
-      </p:grpSpPr>
-      <p:sp>
-        <p:nvSpPr>
-          <p:cNvPr id="2" name="Rectangle 1"/>
-          <p:cNvSpPr/>
-          <p:nvPr/>
-        </p:nvSpPr>
-        <p:spPr>
-          <a:xfrm>
-            <a:off x="574515" y="1744442"/>
-            <a:ext cx="8697231" cy="34298"/>
-          </a:xfrm>
-          <a:prstGeom prst="rect">
-            <a:avLst/>
-          </a:prstGeom>
-        </p:spPr>
-        <p:style>
-          <a:lnRef idx="1">
-            <a:schemeClr val="accent1"/>
-          </a:lnRef>
-          <a:fillRef idx="3">
-            <a:schemeClr val="accent1"/>
-          </a:fillRef>
-          <a:effectRef idx="2">
-            <a:schemeClr val="accent1"/>
-          </a:effectRef>
-          <a:fontRef idx="minor">
-            <a:schemeClr val="lt1"/>
-          </a:fontRef>
-        </p:style>
-        <p:txBody>
-          <a:bodyPr rtlCol="0" anchor="ctr"/>
-          <a:lstStyle/>
-          <a:p>
-            <a:pPr algn="ctr"/>
-            <a:endParaRPr lang="en-US" sz="1350">
-              <a:solidFill>
-                <a:schemeClr val="tx1">
-                  <a:lumMod val="65000"/>
-                  <a:lumOff val="35000"/>
-                </a:schemeClr>
-              </a:solidFill>
-            </a:endParaRPr>
-          </a:p>
-        </p:txBody>
-      </p:sp>
-      <p:sp>
-        <p:nvSpPr>
-          <p:cNvPr id="3" name="Rectangle 2"/>
-          <p:cNvSpPr/>
-          <p:nvPr/>
-        </p:nvSpPr>
-        <p:spPr>
-          <a:xfrm>
-            <a:off x="467544" y="980728"/>
-            <a:ext cx="7436668" cy="769441"/>
-          </a:xfrm>
-          <a:prstGeom prst="rect">
-            <a:avLst/>
-          </a:prstGeom>
-        </p:spPr>
-        <p:txBody>
-          <a:bodyPr wrap="square">
-            <a:spAutoFit/>
-          </a:bodyPr>
-          <a:lstStyle/>
-          <a:p>
-            <a:r>
-              <a:rPr lang="en-US" sz="4400" dirty="0">
-                <a:solidFill>
-                  <a:schemeClr val="accent1">
-                    <a:lumMod val="75000"/>
-                  </a:schemeClr>
-                </a:solidFill>
-              </a:rPr>
-              <a:t>Compile Time Polymorphism</a:t>
-            </a:r>
-          </a:p>
-        </p:txBody>
-      </p:sp>
-      <p:sp>
-        <p:nvSpPr>
-          <p:cNvPr id="4" name="Rectangle 3"/>
-          <p:cNvSpPr/>
-          <p:nvPr/>
-        </p:nvSpPr>
-        <p:spPr>
-          <a:xfrm>
-            <a:off x="1033686" y="2542454"/>
-            <a:ext cx="7076628" cy="1384995"/>
-          </a:xfrm>
-          <a:prstGeom prst="rect">
-            <a:avLst/>
-          </a:prstGeom>
-        </p:spPr>
-        <p:txBody>
-          <a:bodyPr wrap="square">
-            <a:spAutoFit/>
-          </a:bodyPr>
-          <a:lstStyle/>
-          <a:p>
-            <a:r>
-              <a:rPr lang="en-US" sz="2800" dirty="0">
-                <a:solidFill>
-                  <a:schemeClr val="accent6">
-                    <a:lumMod val="50000"/>
-                  </a:schemeClr>
-                </a:solidFill>
-              </a:rPr>
-              <a:t>Invoked at compile time</a:t>
-            </a:r>
-          </a:p>
-          <a:p>
-            <a:r>
-              <a:rPr lang="en-US" sz="2800" dirty="0">
-                <a:solidFill>
-                  <a:schemeClr val="accent6">
-                    <a:lumMod val="50000"/>
-                  </a:schemeClr>
-                </a:solidFill>
-              </a:rPr>
-              <a:t>Faster than run  </a:t>
-            </a:r>
-            <a:r>
-              <a:rPr lang="en-US" sz="2800">
-                <a:solidFill>
-                  <a:schemeClr val="accent6">
-                    <a:lumMod val="50000"/>
-                  </a:schemeClr>
-                </a:solidFill>
-              </a:rPr>
-              <a:t>time polymorphism</a:t>
-            </a:r>
-          </a:p>
-          <a:p>
-            <a:endParaRPr lang="en-US" sz="2800" dirty="0">
-              <a:solidFill>
-                <a:schemeClr val="accent6">
-                  <a:lumMod val="50000"/>
-                </a:schemeClr>
-              </a:solidFill>
-            </a:endParaRPr>
-          </a:p>
-        </p:txBody>
-      </p:sp>
-    </p:spTree>
-    <p:extLst>
-      <p:ext uri="{BB962C8B-B14F-4D97-AF65-F5344CB8AC3E}">
-        <p14:creationId xmlns:p14="http://schemas.microsoft.com/office/powerpoint/2010/main" val="1428342885"/>
-      </p:ext>
-    </p:extLst>
-  </p:cSld>
-  <p:clrMapOvr>
-    <a:masterClrMapping/>
-  </p:clrMapOvr>
-  <p:transition spd="slow">
-    <p:randomBar dir="vert"/>
-  </p:transition>
+  <mc:AlternateContent xmlns:mc="http://schemas.openxmlformats.org/markup-compatibility/2006" xmlns:p14="http://schemas.microsoft.com/office/powerpoint/2010/main">
+    <mc:Choice Requires="p14">
+      <p:transition p14:dur="0"/>
+    </mc:Choice>
+    <mc:Fallback xmlns="">
+      <p:transition/>
+    </mc:Fallback>
+  </mc:AlternateContent>
 </p:sld>
 </file>
 
@@ -4586,7 +4610,7 @@
                   </a:schemeClr>
                 </a:solidFill>
               </a:rPr>
-              <a:t>Run Time Polymorphism</a:t>
+              <a:t>Compile Time Polymorphism</a:t>
             </a:r>
           </a:p>
         </p:txBody>
@@ -4600,7 +4624,7 @@
         <p:spPr>
           <a:xfrm>
             <a:off x="1033686" y="2542454"/>
-            <a:ext cx="7076628" cy="2246769"/>
+            <a:ext cx="7076628" cy="2598660"/>
           </a:xfrm>
           <a:prstGeom prst="rect">
             <a:avLst/>
@@ -4612,6 +4636,13 @@
           </a:bodyPr>
           <a:lstStyle/>
           <a:p>
+            <a:pPr marL="457200" indent="-457200">
+              <a:lnSpc>
+                <a:spcPct val="150000"/>
+              </a:lnSpc>
+              <a:buFont typeface="Wingdings" panose="05000000000000000000" pitchFamily="2" charset="2"/>
+              <a:buChar char="Ø"/>
+            </a:pPr>
             <a:r>
               <a:rPr lang="en-US" sz="2800" dirty="0">
                 <a:solidFill>
@@ -4620,19 +4651,17 @@
                   </a:schemeClr>
                 </a:solidFill>
               </a:rPr>
-              <a:t>When functions invoked in run time then, then it is called run time polymorphism</a:t>
-            </a:r>
-          </a:p>
-          <a:p>
-            <a:endParaRPr lang="en-US" sz="2800" dirty="0">
-              <a:solidFill>
-                <a:schemeClr val="accent6">
-                  <a:lumMod val="50000"/>
-                </a:schemeClr>
-              </a:solidFill>
-            </a:endParaRPr>
-          </a:p>
-          <a:p>
+              <a:t>Invoked at compile time</a:t>
+            </a:r>
+          </a:p>
+          <a:p>
+            <a:pPr marL="457200" indent="-457200">
+              <a:lnSpc>
+                <a:spcPct val="150000"/>
+              </a:lnSpc>
+              <a:buFont typeface="Wingdings" panose="05000000000000000000" pitchFamily="2" charset="2"/>
+              <a:buChar char="Ø"/>
+            </a:pPr>
             <a:r>
               <a:rPr lang="en-US" sz="2800" dirty="0">
                 <a:solidFill>
@@ -4641,8 +4670,319 @@
                   </a:schemeClr>
                 </a:solidFill>
               </a:rPr>
-              <a:t>Function overloading is a run time polymorphism  </a:t>
-            </a:r>
+              <a:t>Faster than run  time polymorphism</a:t>
+            </a:r>
+          </a:p>
+          <a:p>
+            <a:pPr marL="457200" indent="-457200">
+              <a:lnSpc>
+                <a:spcPct val="150000"/>
+              </a:lnSpc>
+              <a:buFont typeface="Wingdings" panose="05000000000000000000" pitchFamily="2" charset="2"/>
+              <a:buChar char="Ø"/>
+            </a:pPr>
+            <a:r>
+              <a:rPr lang="en-US" sz="2800" dirty="0">
+                <a:solidFill>
+                  <a:schemeClr val="accent6">
+                    <a:lumMod val="50000"/>
+                  </a:schemeClr>
+                </a:solidFill>
+              </a:rPr>
+              <a:t>Less flexible than run time polymorphism</a:t>
+            </a:r>
+          </a:p>
+          <a:p>
+            <a:pPr marL="457200" indent="-457200">
+              <a:lnSpc>
+                <a:spcPct val="150000"/>
+              </a:lnSpc>
+              <a:buFont typeface="Wingdings" panose="05000000000000000000" pitchFamily="2" charset="2"/>
+              <a:buChar char="Ø"/>
+            </a:pPr>
+            <a:r>
+              <a:rPr lang="en-US" sz="2800" dirty="0">
+                <a:solidFill>
+                  <a:schemeClr val="accent6">
+                    <a:lumMod val="50000"/>
+                  </a:schemeClr>
+                </a:solidFill>
+              </a:rPr>
+              <a:t>Also known as early binding</a:t>
+            </a:r>
+          </a:p>
+        </p:txBody>
+      </p:sp>
+      <p:sp>
+        <p:nvSpPr>
+          <p:cNvPr id="6" name="Slide Number Placeholder 5">
+            <a:extLst>
+              <a:ext uri="{FF2B5EF4-FFF2-40B4-BE49-F238E27FC236}">
+                <a16:creationId xmlns:a16="http://schemas.microsoft.com/office/drawing/2014/main" id="{61B90F54-5017-4D63-9C4A-8E745366FC68}"/>
+              </a:ext>
+            </a:extLst>
+          </p:cNvPr>
+          <p:cNvSpPr>
+            <a:spLocks noGrp="1"/>
+          </p:cNvSpPr>
+          <p:nvPr>
+            <p:ph type="sldNum" sz="quarter" idx="12"/>
+          </p:nvPr>
+        </p:nvSpPr>
+        <p:spPr/>
+        <p:txBody>
+          <a:bodyPr/>
+          <a:lstStyle/>
+          <a:p>
+            <a:fld id="{AAEAE4A8-A6E5-453E-B946-FB774B73F48C}" type="slidenum">
+              <a:rPr lang="en-US" smtClean="0"/>
+              <a:t>12</a:t>
+            </a:fld>
+            <a:endParaRPr lang="en-US"/>
+          </a:p>
+        </p:txBody>
+      </p:sp>
+    </p:spTree>
+    <p:extLst>
+      <p:ext uri="{BB962C8B-B14F-4D97-AF65-F5344CB8AC3E}">
+        <p14:creationId xmlns:p14="http://schemas.microsoft.com/office/powerpoint/2010/main" val="1428342885"/>
+      </p:ext>
+    </p:extLst>
+  </p:cSld>
+  <p:clrMapOvr>
+    <a:masterClrMapping/>
+  </p:clrMapOvr>
+  <mc:AlternateContent xmlns:mc="http://schemas.openxmlformats.org/markup-compatibility/2006" xmlns:p14="http://schemas.microsoft.com/office/powerpoint/2010/main">
+    <mc:Choice Requires="p14">
+      <p:transition p14:dur="0"/>
+    </mc:Choice>
+    <mc:Fallback xmlns="">
+      <p:transition/>
+    </mc:Fallback>
+  </mc:AlternateContent>
+</p:sld>
+</file>
+
+<file path=ppt/slides/slide13.xml><?xml version="1.0" encoding="utf-8"?>
+<p:sld xmlns:a="http://schemas.openxmlformats.org/drawingml/2006/main" xmlns:r="http://schemas.openxmlformats.org/officeDocument/2006/relationships" xmlns:p="http://schemas.openxmlformats.org/presentationml/2006/main">
+  <p:cSld>
+    <p:spTree>
+      <p:nvGrpSpPr>
+        <p:cNvPr id="1" name=""/>
+        <p:cNvGrpSpPr/>
+        <p:nvPr/>
+      </p:nvGrpSpPr>
+      <p:grpSpPr>
+        <a:xfrm>
+          <a:off x="0" y="0"/>
+          <a:ext cx="0" cy="0"/>
+          <a:chOff x="0" y="0"/>
+          <a:chExt cx="0" cy="0"/>
+        </a:xfrm>
+      </p:grpSpPr>
+      <p:sp>
+        <p:nvSpPr>
+          <p:cNvPr id="2" name="Rectangle 1"/>
+          <p:cNvSpPr/>
+          <p:nvPr/>
+        </p:nvSpPr>
+        <p:spPr>
+          <a:xfrm>
+            <a:off x="574515" y="1744442"/>
+            <a:ext cx="8697231" cy="34298"/>
+          </a:xfrm>
+          <a:prstGeom prst="rect">
+            <a:avLst/>
+          </a:prstGeom>
+        </p:spPr>
+        <p:style>
+          <a:lnRef idx="1">
+            <a:schemeClr val="accent1"/>
+          </a:lnRef>
+          <a:fillRef idx="3">
+            <a:schemeClr val="accent1"/>
+          </a:fillRef>
+          <a:effectRef idx="2">
+            <a:schemeClr val="accent1"/>
+          </a:effectRef>
+          <a:fontRef idx="minor">
+            <a:schemeClr val="lt1"/>
+          </a:fontRef>
+        </p:style>
+        <p:txBody>
+          <a:bodyPr rtlCol="0" anchor="ctr"/>
+          <a:lstStyle/>
+          <a:p>
+            <a:pPr algn="ctr"/>
+            <a:endParaRPr lang="en-US" sz="1350">
+              <a:solidFill>
+                <a:schemeClr val="tx1">
+                  <a:lumMod val="65000"/>
+                  <a:lumOff val="35000"/>
+                </a:schemeClr>
+              </a:solidFill>
+            </a:endParaRPr>
+          </a:p>
+        </p:txBody>
+      </p:sp>
+      <p:sp>
+        <p:nvSpPr>
+          <p:cNvPr id="3" name="Rectangle 2"/>
+          <p:cNvSpPr/>
+          <p:nvPr/>
+        </p:nvSpPr>
+        <p:spPr>
+          <a:xfrm>
+            <a:off x="467544" y="980728"/>
+            <a:ext cx="7436668" cy="769441"/>
+          </a:xfrm>
+          <a:prstGeom prst="rect">
+            <a:avLst/>
+          </a:prstGeom>
+        </p:spPr>
+        <p:txBody>
+          <a:bodyPr wrap="square">
+            <a:spAutoFit/>
+          </a:bodyPr>
+          <a:lstStyle/>
+          <a:p>
+            <a:r>
+              <a:rPr lang="en-US" sz="4400" dirty="0">
+                <a:solidFill>
+                  <a:schemeClr val="accent1">
+                    <a:lumMod val="75000"/>
+                  </a:schemeClr>
+                </a:solidFill>
+              </a:rPr>
+              <a:t>Run Time Polymorphism</a:t>
+            </a:r>
+          </a:p>
+        </p:txBody>
+      </p:sp>
+      <p:sp>
+        <p:nvSpPr>
+          <p:cNvPr id="4" name="Rectangle 3"/>
+          <p:cNvSpPr/>
+          <p:nvPr/>
+        </p:nvSpPr>
+        <p:spPr>
+          <a:xfrm>
+            <a:off x="1033686" y="2542454"/>
+            <a:ext cx="7076628" cy="2598660"/>
+          </a:xfrm>
+          <a:prstGeom prst="rect">
+            <a:avLst/>
+          </a:prstGeom>
+        </p:spPr>
+        <p:txBody>
+          <a:bodyPr wrap="square">
+            <a:spAutoFit/>
+          </a:bodyPr>
+          <a:lstStyle/>
+          <a:p>
+            <a:pPr marL="457200" indent="-457200">
+              <a:lnSpc>
+                <a:spcPct val="150000"/>
+              </a:lnSpc>
+              <a:buFont typeface="Wingdings" panose="05000000000000000000" pitchFamily="2" charset="2"/>
+              <a:buChar char="Ø"/>
+            </a:pPr>
+            <a:r>
+              <a:rPr lang="en-US" sz="2800" dirty="0">
+                <a:solidFill>
+                  <a:schemeClr val="accent6">
+                    <a:lumMod val="50000"/>
+                  </a:schemeClr>
+                </a:solidFill>
+              </a:rPr>
+              <a:t>Invoked at run time</a:t>
+            </a:r>
+          </a:p>
+          <a:p>
+            <a:pPr marL="457200" indent="-457200">
+              <a:lnSpc>
+                <a:spcPct val="150000"/>
+              </a:lnSpc>
+              <a:buFont typeface="Wingdings" panose="05000000000000000000" pitchFamily="2" charset="2"/>
+              <a:buChar char="Ø"/>
+            </a:pPr>
+            <a:r>
+              <a:rPr lang="en-US" sz="2800" dirty="0">
+                <a:solidFill>
+                  <a:schemeClr val="accent6">
+                    <a:lumMod val="50000"/>
+                  </a:schemeClr>
+                </a:solidFill>
+              </a:rPr>
+              <a:t>slower than compile time polymorphism</a:t>
+            </a:r>
+          </a:p>
+          <a:p>
+            <a:pPr marL="457200" indent="-457200">
+              <a:lnSpc>
+                <a:spcPct val="150000"/>
+              </a:lnSpc>
+              <a:buFont typeface="Wingdings" panose="05000000000000000000" pitchFamily="2" charset="2"/>
+              <a:buChar char="Ø"/>
+            </a:pPr>
+            <a:r>
+              <a:rPr lang="en-US" sz="2800" dirty="0">
+                <a:solidFill>
+                  <a:schemeClr val="accent6">
+                    <a:lumMod val="50000"/>
+                  </a:schemeClr>
+                </a:solidFill>
+              </a:rPr>
+              <a:t>flexible than compile time polymorphism</a:t>
+            </a:r>
+          </a:p>
+          <a:p>
+            <a:pPr marL="457200" indent="-457200">
+              <a:lnSpc>
+                <a:spcPct val="150000"/>
+              </a:lnSpc>
+              <a:buFont typeface="Wingdings" panose="05000000000000000000" pitchFamily="2" charset="2"/>
+              <a:buChar char="Ø"/>
+            </a:pPr>
+            <a:r>
+              <a:rPr lang="en-US" sz="2800" dirty="0">
+                <a:solidFill>
+                  <a:schemeClr val="accent6">
+                    <a:lumMod val="50000"/>
+                  </a:schemeClr>
+                </a:solidFill>
+              </a:rPr>
+              <a:t>Also known as late binding</a:t>
+            </a:r>
+          </a:p>
+        </p:txBody>
+      </p:sp>
+      <p:sp>
+        <p:nvSpPr>
+          <p:cNvPr id="7" name="Slide Number Placeholder 6">
+            <a:extLst>
+              <a:ext uri="{FF2B5EF4-FFF2-40B4-BE49-F238E27FC236}">
+                <a16:creationId xmlns:a16="http://schemas.microsoft.com/office/drawing/2014/main" id="{EC09B311-2ECF-42B1-80DA-2AEFF9FE810C}"/>
+              </a:ext>
+            </a:extLst>
+          </p:cNvPr>
+          <p:cNvSpPr>
+            <a:spLocks noGrp="1"/>
+          </p:cNvSpPr>
+          <p:nvPr>
+            <p:ph type="sldNum" sz="quarter" idx="12"/>
+          </p:nvPr>
+        </p:nvSpPr>
+        <p:spPr/>
+        <p:txBody>
+          <a:bodyPr/>
+          <a:lstStyle/>
+          <a:p>
+            <a:fld id="{AAEAE4A8-A6E5-453E-B946-FB774B73F48C}" type="slidenum">
+              <a:rPr lang="en-US" smtClean="0"/>
+              <a:t>13</a:t>
+            </a:fld>
+            <a:endParaRPr lang="en-US"/>
           </a:p>
         </p:txBody>
       </p:sp>
@@ -4656,13 +4996,18 @@
   <p:clrMapOvr>
     <a:masterClrMapping/>
   </p:clrMapOvr>
-  <p:transition spd="slow">
-    <p:randomBar dir="vert"/>
-  </p:transition>
+  <mc:AlternateContent xmlns:mc="http://schemas.openxmlformats.org/markup-compatibility/2006" xmlns:p14="http://schemas.microsoft.com/office/powerpoint/2010/main">
+    <mc:Choice Requires="p14">
+      <p:transition p14:dur="0"/>
+    </mc:Choice>
+    <mc:Fallback xmlns="">
+      <p:transition/>
+    </mc:Fallback>
+  </mc:AlternateContent>
 </p:sld>
 </file>
 
-<file path=ppt/slides/slide13.xml><?xml version="1.0" encoding="utf-8"?>
+<file path=ppt/slides/slide14.xml><?xml version="1.0" encoding="utf-8"?>
 <p:sld xmlns:a="http://schemas.openxmlformats.org/drawingml/2006/main" xmlns:r="http://schemas.openxmlformats.org/officeDocument/2006/relationships" xmlns:p="http://schemas.openxmlformats.org/presentationml/2006/main">
   <p:cSld>
     <p:spTree>
@@ -4708,6 +5053,35 @@
           </a:prstGeom>
         </p:spPr>
       </p:pic>
+      <p:sp>
+        <p:nvSpPr>
+          <p:cNvPr id="3" name="Slide Number Placeholder 2">
+            <a:extLst>
+              <a:ext uri="{FF2B5EF4-FFF2-40B4-BE49-F238E27FC236}">
+                <a16:creationId xmlns:a16="http://schemas.microsoft.com/office/drawing/2014/main" id="{FDC10E0C-1255-4FC7-B25F-AB34CEF37ED7}"/>
+              </a:ext>
+            </a:extLst>
+          </p:cNvPr>
+          <p:cNvSpPr>
+            <a:spLocks noGrp="1"/>
+          </p:cNvSpPr>
+          <p:nvPr>
+            <p:ph type="sldNum" sz="quarter" idx="12"/>
+          </p:nvPr>
+        </p:nvSpPr>
+        <p:spPr/>
+        <p:txBody>
+          <a:bodyPr/>
+          <a:lstStyle/>
+          <a:p>
+            <a:fld id="{AAEAE4A8-A6E5-453E-B946-FB774B73F48C}" type="slidenum">
+              <a:rPr lang="en-US" smtClean="0"/>
+              <a:t>14</a:t>
+            </a:fld>
+            <a:endParaRPr lang="en-US"/>
+          </a:p>
+        </p:txBody>
+      </p:sp>
     </p:spTree>
     <p:extLst>
       <p:ext uri="{BB962C8B-B14F-4D97-AF65-F5344CB8AC3E}">
@@ -4718,16 +5092,12 @@
   <p:clrMapOvr>
     <a:masterClrMapping/>
   </p:clrMapOvr>
-  <mc:AlternateContent xmlns:mc="http://schemas.openxmlformats.org/markup-compatibility/2006" xmlns:p15="http://schemas.microsoft.com/office/powerpoint/2012/main">
-    <mc:Choice Requires="p15">
-      <p:transition xmlns:p14="http://schemas.microsoft.com/office/powerpoint/2010/main" spd="slow" p14:dur="2000">
-        <p15:prstTrans prst="crush"/>
-      </p:transition>
+  <mc:AlternateContent xmlns:mc="http://schemas.openxmlformats.org/markup-compatibility/2006" xmlns:p14="http://schemas.microsoft.com/office/powerpoint/2010/main">
+    <mc:Choice Requires="p14">
+      <p:transition p14:dur="0"/>
     </mc:Choice>
     <mc:Fallback xmlns="">
-      <p:transition spd="slow">
-        <p:fade/>
-      </p:transition>
+      <p:transition/>
     </mc:Fallback>
   </mc:AlternateContent>
 </p:sld>
@@ -4752,204 +5122,157 @@
       </p:grpSpPr>
       <p:sp>
         <p:nvSpPr>
+          <p:cNvPr id="2" name="Rectangle 1"/>
+          <p:cNvSpPr/>
+          <p:nvPr/>
+        </p:nvSpPr>
+        <p:spPr>
+          <a:xfrm>
+            <a:off x="574515" y="1960466"/>
+            <a:ext cx="8697231" cy="34298"/>
+          </a:xfrm>
+          <a:prstGeom prst="rect">
+            <a:avLst/>
+          </a:prstGeom>
+        </p:spPr>
+        <p:style>
+          <a:lnRef idx="1">
+            <a:schemeClr val="accent1"/>
+          </a:lnRef>
+          <a:fillRef idx="3">
+            <a:schemeClr val="accent1"/>
+          </a:fillRef>
+          <a:effectRef idx="2">
+            <a:schemeClr val="accent1"/>
+          </a:effectRef>
+          <a:fontRef idx="minor">
+            <a:schemeClr val="lt1"/>
+          </a:fontRef>
+        </p:style>
+        <p:txBody>
+          <a:bodyPr rtlCol="0" anchor="ctr"/>
+          <a:lstStyle/>
+          <a:p>
+            <a:pPr algn="ctr"/>
+            <a:endParaRPr lang="en-US" sz="1350">
+              <a:solidFill>
+                <a:schemeClr val="tx1">
+                  <a:lumMod val="65000"/>
+                  <a:lumOff val="35000"/>
+                </a:schemeClr>
+              </a:solidFill>
+            </a:endParaRPr>
+          </a:p>
+        </p:txBody>
+      </p:sp>
+      <p:sp>
+        <p:nvSpPr>
           <p:cNvPr id="3" name="Rectangle 2"/>
           <p:cNvSpPr/>
           <p:nvPr/>
         </p:nvSpPr>
         <p:spPr>
           <a:xfrm>
-            <a:off x="1115616" y="5373216"/>
-            <a:ext cx="2182129" cy="523220"/>
+            <a:off x="431457" y="1196752"/>
+            <a:ext cx="9181103" cy="646331"/>
           </a:xfrm>
           <a:prstGeom prst="rect">
             <a:avLst/>
           </a:prstGeom>
         </p:spPr>
         <p:txBody>
-          <a:bodyPr wrap="square">
+          <a:bodyPr wrap="none">
             <a:spAutoFit/>
           </a:bodyPr>
           <a:lstStyle/>
           <a:p>
-            <a:pPr algn="ctr"/>
-            <a:r>
-              <a:rPr lang="en-US" sz="2800" dirty="0">
+            <a:r>
+              <a:rPr lang="en-US" sz="3600" dirty="0">
                 <a:solidFill>
                   <a:schemeClr val="accent1">
                     <a:lumMod val="75000"/>
                   </a:schemeClr>
                 </a:solidFill>
               </a:rPr>
-              <a:t>Object 1</a:t>
-            </a:r>
-          </a:p>
-        </p:txBody>
-      </p:sp>
-      <p:pic>
-        <p:nvPicPr>
-          <p:cNvPr id="4" name="Picture 3">
+              <a:t>What is Object Oriented Programming(OOP)</a:t>
+            </a:r>
+          </a:p>
+        </p:txBody>
+      </p:sp>
+      <p:sp>
+        <p:nvSpPr>
+          <p:cNvPr id="4" name="Rectangle 3"/>
+          <p:cNvSpPr/>
+          <p:nvPr/>
+        </p:nvSpPr>
+        <p:spPr>
+          <a:xfrm>
+            <a:off x="971600" y="2852936"/>
+            <a:ext cx="7076628" cy="1815882"/>
+          </a:xfrm>
+          <a:prstGeom prst="rect">
+            <a:avLst/>
+          </a:prstGeom>
+        </p:spPr>
+        <p:txBody>
+          <a:bodyPr wrap="square">
+            <a:spAutoFit/>
+          </a:bodyPr>
+          <a:lstStyle/>
+          <a:p>
+            <a:r>
+              <a:rPr lang="en-GB" sz="2800" dirty="0">
+                <a:solidFill>
+                  <a:schemeClr val="accent6">
+                    <a:lumMod val="50000"/>
+                  </a:schemeClr>
+                </a:solidFill>
+              </a:rPr>
+              <a:t>OOP is a programming paradigm which mainly focuses on the concept of “objects” to construct the real world scenario to solve real world problem through programming.</a:t>
+            </a:r>
+            <a:endParaRPr lang="en-US" sz="2800" dirty="0">
+              <a:solidFill>
+                <a:schemeClr val="accent6">
+                  <a:lumMod val="50000"/>
+                </a:schemeClr>
+              </a:solidFill>
+            </a:endParaRPr>
+          </a:p>
+        </p:txBody>
+      </p:sp>
+      <p:sp>
+        <p:nvSpPr>
+          <p:cNvPr id="6" name="Slide Number Placeholder 5">
             <a:extLst>
               <a:ext uri="{FF2B5EF4-FFF2-40B4-BE49-F238E27FC236}">
-                <a16:creationId xmlns:a16="http://schemas.microsoft.com/office/drawing/2014/main" id="{0F32EBD3-5D96-40BF-8E0D-26252FCBA48E}"/>
+                <a16:creationId xmlns:a16="http://schemas.microsoft.com/office/drawing/2014/main" id="{36D3BE31-ECC8-42CF-A256-F703D67E8179}"/>
               </a:ext>
             </a:extLst>
           </p:cNvPr>
-          <p:cNvPicPr>
-            <a:picLocks noChangeAspect="1"/>
-          </p:cNvPicPr>
-          <p:nvPr/>
-        </p:nvPicPr>
-        <p:blipFill>
-          <a:blip r:embed="rId2"/>
-          <a:stretch>
-            <a:fillRect/>
-          </a:stretch>
-        </p:blipFill>
-        <p:spPr>
-          <a:xfrm>
-            <a:off x="3032506" y="188640"/>
-            <a:ext cx="3078988" cy="2656649"/>
-          </a:xfrm>
-          <a:prstGeom prst="rect">
-            <a:avLst/>
-          </a:prstGeom>
-        </p:spPr>
-      </p:pic>
-      <p:pic>
-        <p:nvPicPr>
-          <p:cNvPr id="7" name="Picture 6">
-            <a:extLst>
-              <a:ext uri="{FF2B5EF4-FFF2-40B4-BE49-F238E27FC236}">
-                <a16:creationId xmlns:a16="http://schemas.microsoft.com/office/drawing/2014/main" id="{71821A04-6F0A-4780-8A73-5330F5590B5E}"/>
-              </a:ext>
-            </a:extLst>
-          </p:cNvPr>
-          <p:cNvPicPr>
-            <a:picLocks noChangeAspect="1"/>
-          </p:cNvPicPr>
-          <p:nvPr/>
-        </p:nvPicPr>
-        <p:blipFill>
-          <a:blip r:embed="rId3"/>
-          <a:stretch>
-            <a:fillRect/>
-          </a:stretch>
-        </p:blipFill>
-        <p:spPr>
-          <a:xfrm>
-            <a:off x="898656" y="4012712"/>
-            <a:ext cx="3144409" cy="1099838"/>
-          </a:xfrm>
-          <a:prstGeom prst="rect">
-            <a:avLst/>
-          </a:prstGeom>
-        </p:spPr>
-      </p:pic>
-      <p:pic>
-        <p:nvPicPr>
-          <p:cNvPr id="6" name="Picture 5">
-            <a:extLst>
-              <a:ext uri="{FF2B5EF4-FFF2-40B4-BE49-F238E27FC236}">
-                <a16:creationId xmlns:a16="http://schemas.microsoft.com/office/drawing/2014/main" id="{81FE2B0A-83D0-4ED6-BFC1-55BFDDDD4096}"/>
-              </a:ext>
-            </a:extLst>
-          </p:cNvPr>
-          <p:cNvPicPr>
-            <a:picLocks noChangeAspect="1"/>
-          </p:cNvPicPr>
-          <p:nvPr/>
-        </p:nvPicPr>
-        <p:blipFill>
-          <a:blip r:embed="rId3"/>
-          <a:stretch>
-            <a:fillRect/>
-          </a:stretch>
-        </p:blipFill>
-        <p:spPr>
-          <a:xfrm>
-            <a:off x="5220072" y="4012712"/>
-            <a:ext cx="3144409" cy="1099838"/>
-          </a:xfrm>
-          <a:prstGeom prst="rect">
-            <a:avLst/>
-          </a:prstGeom>
-        </p:spPr>
-      </p:pic>
-      <p:pic>
-        <p:nvPicPr>
-          <p:cNvPr id="11" name="Picture 10">
-            <a:extLst>
-              <a:ext uri="{FF2B5EF4-FFF2-40B4-BE49-F238E27FC236}">
-                <a16:creationId xmlns:a16="http://schemas.microsoft.com/office/drawing/2014/main" id="{8BF188B5-69AF-4727-A364-FF2BD51B2D00}"/>
-              </a:ext>
-            </a:extLst>
-          </p:cNvPr>
-          <p:cNvPicPr>
-            <a:picLocks noChangeAspect="1"/>
-          </p:cNvPicPr>
-          <p:nvPr/>
-        </p:nvPicPr>
-        <p:blipFill>
-          <a:blip r:embed="rId4"/>
-          <a:stretch>
-            <a:fillRect/>
-          </a:stretch>
-        </p:blipFill>
-        <p:spPr>
-          <a:xfrm>
-            <a:off x="5697949" y="5214755"/>
-            <a:ext cx="2188654" cy="963251"/>
-          </a:xfrm>
-          <a:prstGeom prst="rect">
-            <a:avLst/>
-          </a:prstGeom>
-        </p:spPr>
-      </p:pic>
-      <p:sp>
-        <p:nvSpPr>
-          <p:cNvPr id="19" name="Rectangle 18">
-            <a:extLst>
-              <a:ext uri="{FF2B5EF4-FFF2-40B4-BE49-F238E27FC236}">
-                <a16:creationId xmlns:a16="http://schemas.microsoft.com/office/drawing/2014/main" id="{57AC320D-6ABA-4342-860B-B0DAD2982ACE}"/>
-              </a:ext>
-            </a:extLst>
-          </p:cNvPr>
-          <p:cNvSpPr/>
-          <p:nvPr/>
-        </p:nvSpPr>
-        <p:spPr>
-          <a:xfrm>
-            <a:off x="3565188" y="2583678"/>
-            <a:ext cx="1654884" cy="523220"/>
-          </a:xfrm>
-          <a:prstGeom prst="rect">
-            <a:avLst/>
-          </a:prstGeom>
-        </p:spPr>
-        <p:txBody>
-          <a:bodyPr wrap="square">
-            <a:spAutoFit/>
-          </a:bodyPr>
-          <a:lstStyle/>
-          <a:p>
-            <a:pPr algn="ctr"/>
-            <a:r>
-              <a:rPr lang="en-US" sz="2800" dirty="0">
-                <a:solidFill>
-                  <a:schemeClr val="accent1">
-                    <a:lumMod val="75000"/>
-                  </a:schemeClr>
-                </a:solidFill>
-              </a:rPr>
-              <a:t>Class</a:t>
-            </a:r>
+          <p:cNvSpPr>
+            <a:spLocks noGrp="1"/>
+          </p:cNvSpPr>
+          <p:nvPr>
+            <p:ph type="sldNum" sz="quarter" idx="12"/>
+          </p:nvPr>
+        </p:nvSpPr>
+        <p:spPr/>
+        <p:txBody>
+          <a:bodyPr/>
+          <a:lstStyle/>
+          <a:p>
+            <a:fld id="{AAEAE4A8-A6E5-453E-B946-FB774B73F48C}" type="slidenum">
+              <a:rPr lang="en-US" smtClean="0"/>
+              <a:t>2</a:t>
+            </a:fld>
+            <a:endParaRPr lang="en-US"/>
           </a:p>
         </p:txBody>
       </p:sp>
     </p:spTree>
     <p:extLst>
       <p:ext uri="{BB962C8B-B14F-4D97-AF65-F5344CB8AC3E}">
-        <p14:creationId xmlns:p14="http://schemas.microsoft.com/office/powerpoint/2010/main" val="2315813332"/>
+        <p14:creationId xmlns:p14="http://schemas.microsoft.com/office/powerpoint/2010/main" val="3587736867"/>
       </p:ext>
     </p:extLst>
   </p:cSld>
@@ -4958,14 +5281,10 @@
   </p:clrMapOvr>
   <mc:AlternateContent xmlns:mc="http://schemas.openxmlformats.org/markup-compatibility/2006" xmlns:p14="http://schemas.microsoft.com/office/powerpoint/2010/main">
     <mc:Choice Requires="p14">
-      <p:transition spd="slow" p14:dur="1200">
-        <p14:prism/>
-      </p:transition>
+      <p:transition p14:dur="0"/>
     </mc:Choice>
     <mc:Fallback xmlns="">
-      <p:transition spd="slow">
-        <p:fade/>
-      </p:transition>
+      <p:transition/>
     </mc:Fallback>
   </mc:AlternateContent>
 </p:sld>
@@ -4990,194 +5309,247 @@
       </p:grpSpPr>
       <p:sp>
         <p:nvSpPr>
-          <p:cNvPr id="2" name="Rectangle 1"/>
+          <p:cNvPr id="3" name="Rectangle 2"/>
           <p:cNvSpPr/>
           <p:nvPr/>
         </p:nvSpPr>
         <p:spPr>
           <a:xfrm>
-            <a:off x="574515" y="1744442"/>
-            <a:ext cx="8697231" cy="34298"/>
+            <a:off x="1115616" y="5373216"/>
+            <a:ext cx="2182129" cy="523220"/>
           </a:xfrm>
           <a:prstGeom prst="rect">
             <a:avLst/>
           </a:prstGeom>
         </p:spPr>
-        <p:style>
-          <a:lnRef idx="1">
-            <a:schemeClr val="accent1"/>
-          </a:lnRef>
-          <a:fillRef idx="3">
-            <a:schemeClr val="accent1"/>
-          </a:fillRef>
-          <a:effectRef idx="2">
-            <a:schemeClr val="accent1"/>
-          </a:effectRef>
-          <a:fontRef idx="minor">
-            <a:schemeClr val="lt1"/>
-          </a:fontRef>
-        </p:style>
-        <p:txBody>
-          <a:bodyPr rtlCol="0" anchor="ctr"/>
-          <a:lstStyle/>
-          <a:p>
-            <a:pPr algn="ctr"/>
-            <a:endParaRPr lang="en-US" sz="1350">
-              <a:solidFill>
-                <a:schemeClr val="tx1">
-                  <a:lumMod val="65000"/>
-                  <a:lumOff val="35000"/>
-                </a:schemeClr>
-              </a:solidFill>
-            </a:endParaRPr>
-          </a:p>
-        </p:txBody>
-      </p:sp>
-      <p:sp>
-        <p:nvSpPr>
-          <p:cNvPr id="3" name="Rectangle 2"/>
-          <p:cNvSpPr/>
-          <p:nvPr/>
-        </p:nvSpPr>
-        <p:spPr>
-          <a:xfrm>
-            <a:off x="467544" y="980728"/>
-            <a:ext cx="4374916" cy="769441"/>
-          </a:xfrm>
-          <a:prstGeom prst="rect">
-            <a:avLst/>
-          </a:prstGeom>
-        </p:spPr>
-        <p:txBody>
-          <a:bodyPr wrap="none">
+        <p:txBody>
+          <a:bodyPr wrap="square">
             <a:spAutoFit/>
           </a:bodyPr>
           <a:lstStyle/>
           <a:p>
-            <a:r>
-              <a:rPr lang="en-US" sz="4400" dirty="0">
+            <a:pPr algn="ctr"/>
+            <a:r>
+              <a:rPr lang="en-US" sz="2800" dirty="0">
                 <a:solidFill>
                   <a:schemeClr val="accent1">
                     <a:lumMod val="75000"/>
                   </a:schemeClr>
                 </a:solidFill>
               </a:rPr>
-              <a:t>Principles of OOP</a:t>
-            </a:r>
-          </a:p>
-        </p:txBody>
-      </p:sp>
-      <p:sp>
-        <p:nvSpPr>
-          <p:cNvPr id="4" name="Rectangle 3"/>
-          <p:cNvSpPr/>
+              <a:t>Object 1</a:t>
+            </a:r>
+          </a:p>
+        </p:txBody>
+      </p:sp>
+      <p:pic>
+        <p:nvPicPr>
+          <p:cNvPr id="4" name="Picture 3">
+            <a:extLst>
+              <a:ext uri="{FF2B5EF4-FFF2-40B4-BE49-F238E27FC236}">
+                <a16:creationId xmlns:a16="http://schemas.microsoft.com/office/drawing/2014/main" id="{0F32EBD3-5D96-40BF-8E0D-26252FCBA48E}"/>
+              </a:ext>
+            </a:extLst>
+          </p:cNvPr>
+          <p:cNvPicPr>
+            <a:picLocks noChangeAspect="1"/>
+          </p:cNvPicPr>
           <p:nvPr/>
-        </p:nvSpPr>
-        <p:spPr>
-          <a:xfrm>
-            <a:off x="827584" y="2513883"/>
-            <a:ext cx="7076628" cy="3314690"/>
+        </p:nvPicPr>
+        <p:blipFill>
+          <a:blip r:embed="rId2"/>
+          <a:stretch>
+            <a:fillRect/>
+          </a:stretch>
+        </p:blipFill>
+        <p:spPr>
+          <a:xfrm>
+            <a:off x="3032506" y="188640"/>
+            <a:ext cx="3078988" cy="2656649"/>
           </a:xfrm>
           <a:prstGeom prst="rect">
             <a:avLst/>
           </a:prstGeom>
         </p:spPr>
+      </p:pic>
+      <p:pic>
+        <p:nvPicPr>
+          <p:cNvPr id="7" name="Picture 6">
+            <a:extLst>
+              <a:ext uri="{FF2B5EF4-FFF2-40B4-BE49-F238E27FC236}">
+                <a16:creationId xmlns:a16="http://schemas.microsoft.com/office/drawing/2014/main" id="{71821A04-6F0A-4780-8A73-5330F5590B5E}"/>
+              </a:ext>
+            </a:extLst>
+          </p:cNvPr>
+          <p:cNvPicPr>
+            <a:picLocks noChangeAspect="1"/>
+          </p:cNvPicPr>
+          <p:nvPr/>
+        </p:nvPicPr>
+        <p:blipFill>
+          <a:blip r:embed="rId3"/>
+          <a:stretch>
+            <a:fillRect/>
+          </a:stretch>
+        </p:blipFill>
+        <p:spPr>
+          <a:xfrm>
+            <a:off x="898656" y="4012712"/>
+            <a:ext cx="3144409" cy="1099838"/>
+          </a:xfrm>
+          <a:prstGeom prst="rect">
+            <a:avLst/>
+          </a:prstGeom>
+        </p:spPr>
+      </p:pic>
+      <p:pic>
+        <p:nvPicPr>
+          <p:cNvPr id="6" name="Picture 5">
+            <a:extLst>
+              <a:ext uri="{FF2B5EF4-FFF2-40B4-BE49-F238E27FC236}">
+                <a16:creationId xmlns:a16="http://schemas.microsoft.com/office/drawing/2014/main" id="{81FE2B0A-83D0-4ED6-BFC1-55BFDDDD4096}"/>
+              </a:ext>
+            </a:extLst>
+          </p:cNvPr>
+          <p:cNvPicPr>
+            <a:picLocks noChangeAspect="1"/>
+          </p:cNvPicPr>
+          <p:nvPr/>
+        </p:nvPicPr>
+        <p:blipFill>
+          <a:blip r:embed="rId3"/>
+          <a:stretch>
+            <a:fillRect/>
+          </a:stretch>
+        </p:blipFill>
+        <p:spPr>
+          <a:xfrm>
+            <a:off x="5220072" y="4012712"/>
+            <a:ext cx="3144409" cy="1099838"/>
+          </a:xfrm>
+          <a:prstGeom prst="rect">
+            <a:avLst/>
+          </a:prstGeom>
+        </p:spPr>
+      </p:pic>
+      <p:pic>
+        <p:nvPicPr>
+          <p:cNvPr id="11" name="Picture 10">
+            <a:extLst>
+              <a:ext uri="{FF2B5EF4-FFF2-40B4-BE49-F238E27FC236}">
+                <a16:creationId xmlns:a16="http://schemas.microsoft.com/office/drawing/2014/main" id="{8BF188B5-69AF-4727-A364-FF2BD51B2D00}"/>
+              </a:ext>
+            </a:extLst>
+          </p:cNvPr>
+          <p:cNvPicPr>
+            <a:picLocks noChangeAspect="1"/>
+          </p:cNvPicPr>
+          <p:nvPr/>
+        </p:nvPicPr>
+        <p:blipFill>
+          <a:blip r:embed="rId4"/>
+          <a:stretch>
+            <a:fillRect/>
+          </a:stretch>
+        </p:blipFill>
+        <p:spPr>
+          <a:xfrm>
+            <a:off x="5697949" y="5214755"/>
+            <a:ext cx="2188654" cy="963251"/>
+          </a:xfrm>
+          <a:prstGeom prst="rect">
+            <a:avLst/>
+          </a:prstGeom>
+        </p:spPr>
+      </p:pic>
+      <p:sp>
+        <p:nvSpPr>
+          <p:cNvPr id="19" name="Rectangle 18">
+            <a:extLst>
+              <a:ext uri="{FF2B5EF4-FFF2-40B4-BE49-F238E27FC236}">
+                <a16:creationId xmlns:a16="http://schemas.microsoft.com/office/drawing/2014/main" id="{57AC320D-6ABA-4342-860B-B0DAD2982ACE}"/>
+              </a:ext>
+            </a:extLst>
+          </p:cNvPr>
+          <p:cNvSpPr/>
+          <p:nvPr/>
+        </p:nvSpPr>
+        <p:spPr>
+          <a:xfrm>
+            <a:off x="3565188" y="2583678"/>
+            <a:ext cx="1654884" cy="523220"/>
+          </a:xfrm>
+          <a:prstGeom prst="rect">
+            <a:avLst/>
+          </a:prstGeom>
+        </p:spPr>
         <p:txBody>
           <a:bodyPr wrap="square">
             <a:spAutoFit/>
           </a:bodyPr>
           <a:lstStyle/>
           <a:p>
-            <a:pPr marL="571500" indent="-571500">
-              <a:lnSpc>
-                <a:spcPct val="150000"/>
-              </a:lnSpc>
-              <a:buFont typeface="Wingdings" panose="05000000000000000000" pitchFamily="2" charset="2"/>
-              <a:buChar char="v"/>
-            </a:pPr>
-            <a:r>
-              <a:rPr lang="en-US" sz="3600" dirty="0">
+            <a:pPr algn="ctr"/>
+            <a:r>
+              <a:rPr lang="en-US" sz="2800" dirty="0">
                 <a:solidFill>
-                  <a:schemeClr val="accent6">
-                    <a:lumMod val="50000"/>
+                  <a:schemeClr val="accent1">
+                    <a:lumMod val="75000"/>
                   </a:schemeClr>
                 </a:solidFill>
               </a:rPr>
-              <a:t>Abstraction</a:t>
-            </a:r>
-          </a:p>
-          <a:p>
-            <a:pPr marL="571500" indent="-571500">
-              <a:lnSpc>
-                <a:spcPct val="150000"/>
-              </a:lnSpc>
-              <a:buFont typeface="Wingdings" panose="05000000000000000000" pitchFamily="2" charset="2"/>
-              <a:buChar char="v"/>
-            </a:pPr>
-            <a:r>
-              <a:rPr lang="en-US" sz="3600" dirty="0">
-                <a:solidFill>
-                  <a:schemeClr val="accent6">
-                    <a:lumMod val="50000"/>
-                  </a:schemeClr>
-                </a:solidFill>
-              </a:rPr>
-              <a:t>Encapsulation</a:t>
-            </a:r>
-          </a:p>
-          <a:p>
-            <a:pPr marL="571500" indent="-571500">
-              <a:lnSpc>
-                <a:spcPct val="150000"/>
-              </a:lnSpc>
-              <a:buFont typeface="Wingdings" panose="05000000000000000000" pitchFamily="2" charset="2"/>
-              <a:buChar char="v"/>
-            </a:pPr>
-            <a:r>
-              <a:rPr lang="en-US" sz="3600" dirty="0">
-                <a:solidFill>
-                  <a:schemeClr val="accent6">
-                    <a:lumMod val="50000"/>
-                  </a:schemeClr>
-                </a:solidFill>
-              </a:rPr>
-              <a:t>Inheritance</a:t>
-            </a:r>
-          </a:p>
-          <a:p>
-            <a:pPr marL="571500" indent="-571500">
-              <a:lnSpc>
-                <a:spcPct val="150000"/>
-              </a:lnSpc>
-              <a:buFont typeface="Wingdings" panose="05000000000000000000" pitchFamily="2" charset="2"/>
-              <a:buChar char="v"/>
-            </a:pPr>
-            <a:r>
-              <a:rPr lang="en-US" sz="3600" dirty="0">
-                <a:solidFill>
-                  <a:schemeClr val="accent6">
-                    <a:lumMod val="50000"/>
-                  </a:schemeClr>
-                </a:solidFill>
-              </a:rPr>
-              <a:t>Polymorphism</a:t>
-            </a:r>
+              <a:t>Class</a:t>
+            </a:r>
+          </a:p>
+        </p:txBody>
+      </p:sp>
+      <p:sp>
+        <p:nvSpPr>
+          <p:cNvPr id="5" name="Slide Number Placeholder 4">
+            <a:extLst>
+              <a:ext uri="{FF2B5EF4-FFF2-40B4-BE49-F238E27FC236}">
+                <a16:creationId xmlns:a16="http://schemas.microsoft.com/office/drawing/2014/main" id="{5B9FD688-A39D-4A5A-8866-DD69CE4EE5B7}"/>
+              </a:ext>
+            </a:extLst>
+          </p:cNvPr>
+          <p:cNvSpPr>
+            <a:spLocks noGrp="1"/>
+          </p:cNvSpPr>
+          <p:nvPr>
+            <p:ph type="sldNum" sz="quarter" idx="12"/>
+          </p:nvPr>
+        </p:nvSpPr>
+        <p:spPr/>
+        <p:txBody>
+          <a:bodyPr/>
+          <a:lstStyle/>
+          <a:p>
+            <a:fld id="{AAEAE4A8-A6E5-453E-B946-FB774B73F48C}" type="slidenum">
+              <a:rPr lang="en-US" smtClean="0"/>
+              <a:t>3</a:t>
+            </a:fld>
+            <a:endParaRPr lang="en-US"/>
           </a:p>
         </p:txBody>
       </p:sp>
     </p:spTree>
     <p:extLst>
       <p:ext uri="{BB962C8B-B14F-4D97-AF65-F5344CB8AC3E}">
-        <p14:creationId xmlns:p14="http://schemas.microsoft.com/office/powerpoint/2010/main" val="4292339415"/>
+        <p14:creationId xmlns:p14="http://schemas.microsoft.com/office/powerpoint/2010/main" val="2315813332"/>
       </p:ext>
     </p:extLst>
   </p:cSld>
   <p:clrMapOvr>
     <a:masterClrMapping/>
   </p:clrMapOvr>
-  <p:transition spd="slow">
-    <p:randomBar dir="vert"/>
-  </p:transition>
+  <mc:AlternateContent xmlns:mc="http://schemas.openxmlformats.org/markup-compatibility/2006" xmlns:p14="http://schemas.microsoft.com/office/powerpoint/2010/main">
+    <mc:Choice Requires="p14">
+      <p:transition p14:dur="0"/>
+    </mc:Choice>
+    <mc:Fallback xmlns="">
+      <p:transition/>
+    </mc:Fallback>
+  </mc:AlternateContent>
 </p:sld>
 </file>
 
@@ -5259,7 +5631,7 @@
           </a:prstGeom>
         </p:spPr>
         <p:txBody>
-          <a:bodyPr wrap="square">
+          <a:bodyPr wrap="none">
             <a:spAutoFit/>
           </a:bodyPr>
           <a:lstStyle/>
@@ -5272,7 +5644,7 @@
                   </a:schemeClr>
                 </a:solidFill>
               </a:rPr>
-              <a:t>Abstraction</a:t>
+              <a:t>Principles of OOP</a:t>
             </a:r>
           </a:p>
         </p:txBody>
@@ -5286,7 +5658,7 @@
         <p:spPr>
           <a:xfrm>
             <a:off x="827584" y="2513883"/>
-            <a:ext cx="7076628" cy="2246769"/>
+            <a:ext cx="7076628" cy="3314690"/>
           </a:xfrm>
           <a:prstGeom prst="rect">
             <a:avLst/>
@@ -5298,53 +5670,130 @@
           </a:bodyPr>
           <a:lstStyle/>
           <a:p>
-            <a:r>
-              <a:rPr lang="en-US" sz="2800" dirty="0">
+            <a:pPr marL="571500" indent="-571500">
+              <a:lnSpc>
+                <a:spcPct val="150000"/>
+              </a:lnSpc>
+              <a:buFont typeface="Wingdings" panose="05000000000000000000" pitchFamily="2" charset="2"/>
+              <a:buChar char="v"/>
+            </a:pPr>
+            <a:r>
+              <a:rPr lang="en-US" sz="3600" dirty="0">
                 <a:solidFill>
                   <a:schemeClr val="accent6">
                     <a:lumMod val="50000"/>
                   </a:schemeClr>
                 </a:solidFill>
               </a:rPr>
-              <a:t>Abstraction means implementation hiding</a:t>
-            </a:r>
-          </a:p>
-          <a:p>
-            <a:endParaRPr lang="en-US" sz="2800" dirty="0">
-              <a:solidFill>
-                <a:schemeClr val="accent6">
-                  <a:lumMod val="50000"/>
-                </a:schemeClr>
-              </a:solidFill>
-            </a:endParaRPr>
-          </a:p>
-          <a:p>
-            <a:r>
-              <a:rPr lang="en-US" sz="2800" dirty="0">
+              <a:t>Abstraction</a:t>
+            </a:r>
+          </a:p>
+          <a:p>
+            <a:pPr marL="571500" indent="-571500">
+              <a:lnSpc>
+                <a:spcPct val="150000"/>
+              </a:lnSpc>
+              <a:buFont typeface="Wingdings" panose="05000000000000000000" pitchFamily="2" charset="2"/>
+              <a:buChar char="v"/>
+            </a:pPr>
+            <a:r>
+              <a:rPr lang="en-US" sz="3600" dirty="0">
                 <a:solidFill>
                   <a:schemeClr val="accent6">
                     <a:lumMod val="50000"/>
                   </a:schemeClr>
                 </a:solidFill>
               </a:rPr>
-              <a:t>When a user calls printf() and use it C program without knowing how it is implemented, Then it is Abstraction</a:t>
-            </a:r>
+              <a:t>Encapsulation</a:t>
+            </a:r>
+          </a:p>
+          <a:p>
+            <a:pPr marL="571500" indent="-571500">
+              <a:lnSpc>
+                <a:spcPct val="150000"/>
+              </a:lnSpc>
+              <a:buFont typeface="Wingdings" panose="05000000000000000000" pitchFamily="2" charset="2"/>
+              <a:buChar char="v"/>
+            </a:pPr>
+            <a:r>
+              <a:rPr lang="en-US" sz="3600" dirty="0">
+                <a:solidFill>
+                  <a:schemeClr val="accent6">
+                    <a:lumMod val="50000"/>
+                  </a:schemeClr>
+                </a:solidFill>
+              </a:rPr>
+              <a:t>Inheritance</a:t>
+            </a:r>
+          </a:p>
+          <a:p>
+            <a:pPr marL="571500" indent="-571500">
+              <a:lnSpc>
+                <a:spcPct val="150000"/>
+              </a:lnSpc>
+              <a:buFont typeface="Wingdings" panose="05000000000000000000" pitchFamily="2" charset="2"/>
+              <a:buChar char="v"/>
+            </a:pPr>
+            <a:r>
+              <a:rPr lang="en-US" sz="3600" dirty="0">
+                <a:solidFill>
+                  <a:schemeClr val="accent6">
+                    <a:lumMod val="50000"/>
+                  </a:schemeClr>
+                </a:solidFill>
+              </a:rPr>
+              <a:t>Polymorphism</a:t>
+            </a:r>
+          </a:p>
+        </p:txBody>
+      </p:sp>
+      <p:sp>
+        <p:nvSpPr>
+          <p:cNvPr id="6" name="Slide Number Placeholder 5">
+            <a:extLst>
+              <a:ext uri="{FF2B5EF4-FFF2-40B4-BE49-F238E27FC236}">
+                <a16:creationId xmlns:a16="http://schemas.microsoft.com/office/drawing/2014/main" id="{48C36798-4EA0-4E68-9963-850E0879501F}"/>
+              </a:ext>
+            </a:extLst>
+          </p:cNvPr>
+          <p:cNvSpPr>
+            <a:spLocks noGrp="1"/>
+          </p:cNvSpPr>
+          <p:nvPr>
+            <p:ph type="sldNum" sz="quarter" idx="12"/>
+          </p:nvPr>
+        </p:nvSpPr>
+        <p:spPr/>
+        <p:txBody>
+          <a:bodyPr/>
+          <a:lstStyle/>
+          <a:p>
+            <a:fld id="{AAEAE4A8-A6E5-453E-B946-FB774B73F48C}" type="slidenum">
+              <a:rPr lang="en-US" smtClean="0"/>
+              <a:t>4</a:t>
+            </a:fld>
+            <a:endParaRPr lang="en-US"/>
           </a:p>
         </p:txBody>
       </p:sp>
     </p:spTree>
     <p:extLst>
       <p:ext uri="{BB962C8B-B14F-4D97-AF65-F5344CB8AC3E}">
-        <p14:creationId xmlns:p14="http://schemas.microsoft.com/office/powerpoint/2010/main" val="3021019536"/>
+        <p14:creationId xmlns:p14="http://schemas.microsoft.com/office/powerpoint/2010/main" val="4292339415"/>
       </p:ext>
     </p:extLst>
   </p:cSld>
   <p:clrMapOvr>
     <a:masterClrMapping/>
   </p:clrMapOvr>
-  <p:transition spd="slow">
-    <p:randomBar dir="vert"/>
-  </p:transition>
+  <mc:AlternateContent xmlns:mc="http://schemas.openxmlformats.org/markup-compatibility/2006" xmlns:p14="http://schemas.microsoft.com/office/powerpoint/2010/main">
+    <mc:Choice Requires="p14">
+      <p:transition p14:dur="0"/>
+    </mc:Choice>
+    <mc:Fallback xmlns="">
+      <p:transition/>
+    </mc:Fallback>
+  </mc:AlternateContent>
 </p:sld>
 </file>
 
@@ -5439,7 +5888,7 @@
                   </a:schemeClr>
                 </a:solidFill>
               </a:rPr>
-              <a:t>Encapsulation</a:t>
+              <a:t>Abstraction</a:t>
             </a:r>
           </a:p>
         </p:txBody>
@@ -5453,7 +5902,7 @@
         <p:spPr>
           <a:xfrm>
             <a:off x="827584" y="2513883"/>
-            <a:ext cx="7076628" cy="1815882"/>
+            <a:ext cx="7076628" cy="2246769"/>
           </a:xfrm>
           <a:prstGeom prst="rect">
             <a:avLst/>
@@ -5473,7 +5922,7 @@
                   </a:schemeClr>
                 </a:solidFill>
               </a:rPr>
-              <a:t>Encapsulation means data hiding</a:t>
+              <a:t>Abstraction means implementation hiding</a:t>
             </a:r>
           </a:p>
           <a:p>
@@ -5494,24 +5943,58 @@
                   </a:schemeClr>
                 </a:solidFill>
               </a:rPr>
-              <a:t>Encapsulation is binding data and methods together to protect it from outer world</a:t>
-            </a:r>
+              <a:t>When a user calls printf() and use it C program without knowing how it is implemented, Then it is Abstraction</a:t>
+            </a:r>
+          </a:p>
+        </p:txBody>
+      </p:sp>
+      <p:sp>
+        <p:nvSpPr>
+          <p:cNvPr id="6" name="Slide Number Placeholder 5">
+            <a:extLst>
+              <a:ext uri="{FF2B5EF4-FFF2-40B4-BE49-F238E27FC236}">
+                <a16:creationId xmlns:a16="http://schemas.microsoft.com/office/drawing/2014/main" id="{532558F2-AADD-44A9-B8C6-C3AAC5AA6016}"/>
+              </a:ext>
+            </a:extLst>
+          </p:cNvPr>
+          <p:cNvSpPr>
+            <a:spLocks noGrp="1"/>
+          </p:cNvSpPr>
+          <p:nvPr>
+            <p:ph type="sldNum" sz="quarter" idx="12"/>
+          </p:nvPr>
+        </p:nvSpPr>
+        <p:spPr/>
+        <p:txBody>
+          <a:bodyPr/>
+          <a:lstStyle/>
+          <a:p>
+            <a:fld id="{AAEAE4A8-A6E5-453E-B946-FB774B73F48C}" type="slidenum">
+              <a:rPr lang="en-US" smtClean="0"/>
+              <a:t>5</a:t>
+            </a:fld>
+            <a:endParaRPr lang="en-US"/>
           </a:p>
         </p:txBody>
       </p:sp>
     </p:spTree>
     <p:extLst>
       <p:ext uri="{BB962C8B-B14F-4D97-AF65-F5344CB8AC3E}">
-        <p14:creationId xmlns:p14="http://schemas.microsoft.com/office/powerpoint/2010/main" val="3347875562"/>
+        <p14:creationId xmlns:p14="http://schemas.microsoft.com/office/powerpoint/2010/main" val="3021019536"/>
       </p:ext>
     </p:extLst>
   </p:cSld>
   <p:clrMapOvr>
     <a:masterClrMapping/>
   </p:clrMapOvr>
-  <p:transition spd="slow">
-    <p:randomBar dir="vert"/>
-  </p:transition>
+  <mc:AlternateContent xmlns:mc="http://schemas.openxmlformats.org/markup-compatibility/2006" xmlns:p14="http://schemas.microsoft.com/office/powerpoint/2010/main">
+    <mc:Choice Requires="p14">
+      <p:transition p14:dur="0"/>
+    </mc:Choice>
+    <mc:Fallback xmlns="">
+      <p:transition/>
+    </mc:Fallback>
+  </mc:AlternateContent>
 </p:sld>
 </file>
 
@@ -5586,6 +6069,207 @@
         <p:spPr>
           <a:xfrm>
             <a:off x="467544" y="980728"/>
+            <a:ext cx="4374916" cy="769441"/>
+          </a:xfrm>
+          <a:prstGeom prst="rect">
+            <a:avLst/>
+          </a:prstGeom>
+        </p:spPr>
+        <p:txBody>
+          <a:bodyPr wrap="square">
+            <a:spAutoFit/>
+          </a:bodyPr>
+          <a:lstStyle/>
+          <a:p>
+            <a:r>
+              <a:rPr lang="en-US" sz="4400" dirty="0">
+                <a:solidFill>
+                  <a:schemeClr val="accent1">
+                    <a:lumMod val="75000"/>
+                  </a:schemeClr>
+                </a:solidFill>
+              </a:rPr>
+              <a:t>Encapsulation</a:t>
+            </a:r>
+          </a:p>
+        </p:txBody>
+      </p:sp>
+      <p:sp>
+        <p:nvSpPr>
+          <p:cNvPr id="4" name="Rectangle 3"/>
+          <p:cNvSpPr/>
+          <p:nvPr/>
+        </p:nvSpPr>
+        <p:spPr>
+          <a:xfrm>
+            <a:off x="827584" y="2513883"/>
+            <a:ext cx="7076628" cy="1815882"/>
+          </a:xfrm>
+          <a:prstGeom prst="rect">
+            <a:avLst/>
+          </a:prstGeom>
+        </p:spPr>
+        <p:txBody>
+          <a:bodyPr wrap="square">
+            <a:spAutoFit/>
+          </a:bodyPr>
+          <a:lstStyle/>
+          <a:p>
+            <a:r>
+              <a:rPr lang="en-US" sz="2800" dirty="0">
+                <a:solidFill>
+                  <a:schemeClr val="accent6">
+                    <a:lumMod val="50000"/>
+                  </a:schemeClr>
+                </a:solidFill>
+              </a:rPr>
+              <a:t>Encapsulation means data hiding</a:t>
+            </a:r>
+          </a:p>
+          <a:p>
+            <a:endParaRPr lang="en-US" sz="2800" dirty="0">
+              <a:solidFill>
+                <a:schemeClr val="accent6">
+                  <a:lumMod val="50000"/>
+                </a:schemeClr>
+              </a:solidFill>
+            </a:endParaRPr>
+          </a:p>
+          <a:p>
+            <a:r>
+              <a:rPr lang="en-US" sz="2800" dirty="0">
+                <a:solidFill>
+                  <a:schemeClr val="accent6">
+                    <a:lumMod val="50000"/>
+                  </a:schemeClr>
+                </a:solidFill>
+              </a:rPr>
+              <a:t>Encapsulation is binding data and methods together to protect it from outer world</a:t>
+            </a:r>
+          </a:p>
+        </p:txBody>
+      </p:sp>
+      <p:sp>
+        <p:nvSpPr>
+          <p:cNvPr id="6" name="Slide Number Placeholder 5">
+            <a:extLst>
+              <a:ext uri="{FF2B5EF4-FFF2-40B4-BE49-F238E27FC236}">
+                <a16:creationId xmlns:a16="http://schemas.microsoft.com/office/drawing/2014/main" id="{5DA72AB8-B99E-43AE-BCBD-E52FD0CE9BCB}"/>
+              </a:ext>
+            </a:extLst>
+          </p:cNvPr>
+          <p:cNvSpPr>
+            <a:spLocks noGrp="1"/>
+          </p:cNvSpPr>
+          <p:nvPr>
+            <p:ph type="sldNum" sz="quarter" idx="12"/>
+          </p:nvPr>
+        </p:nvSpPr>
+        <p:spPr/>
+        <p:txBody>
+          <a:bodyPr/>
+          <a:lstStyle/>
+          <a:p>
+            <a:fld id="{AAEAE4A8-A6E5-453E-B946-FB774B73F48C}" type="slidenum">
+              <a:rPr lang="en-US" smtClean="0"/>
+              <a:t>6</a:t>
+            </a:fld>
+            <a:endParaRPr lang="en-US"/>
+          </a:p>
+        </p:txBody>
+      </p:sp>
+    </p:spTree>
+    <p:extLst>
+      <p:ext uri="{BB962C8B-B14F-4D97-AF65-F5344CB8AC3E}">
+        <p14:creationId xmlns:p14="http://schemas.microsoft.com/office/powerpoint/2010/main" val="3347875562"/>
+      </p:ext>
+    </p:extLst>
+  </p:cSld>
+  <p:clrMapOvr>
+    <a:masterClrMapping/>
+  </p:clrMapOvr>
+  <mc:AlternateContent xmlns:mc="http://schemas.openxmlformats.org/markup-compatibility/2006" xmlns:p14="http://schemas.microsoft.com/office/powerpoint/2010/main">
+    <mc:Choice Requires="p14">
+      <p:transition p14:dur="0"/>
+    </mc:Choice>
+    <mc:Fallback xmlns="">
+      <p:transition/>
+    </mc:Fallback>
+  </mc:AlternateContent>
+</p:sld>
+</file>
+
+<file path=ppt/slides/slide7.xml><?xml version="1.0" encoding="utf-8"?>
+<p:sld xmlns:a="http://schemas.openxmlformats.org/drawingml/2006/main" xmlns:r="http://schemas.openxmlformats.org/officeDocument/2006/relationships" xmlns:p="http://schemas.openxmlformats.org/presentationml/2006/main">
+  <p:cSld>
+    <p:spTree>
+      <p:nvGrpSpPr>
+        <p:cNvPr id="1" name=""/>
+        <p:cNvGrpSpPr/>
+        <p:nvPr/>
+      </p:nvGrpSpPr>
+      <p:grpSpPr>
+        <a:xfrm>
+          <a:off x="0" y="0"/>
+          <a:ext cx="0" cy="0"/>
+          <a:chOff x="0" y="0"/>
+          <a:chExt cx="0" cy="0"/>
+        </a:xfrm>
+      </p:grpSpPr>
+      <p:sp>
+        <p:nvSpPr>
+          <p:cNvPr id="2" name="Rectangle 1"/>
+          <p:cNvSpPr/>
+          <p:nvPr/>
+        </p:nvSpPr>
+        <p:spPr>
+          <a:xfrm>
+            <a:off x="574515" y="1744442"/>
+            <a:ext cx="8697231" cy="34298"/>
+          </a:xfrm>
+          <a:prstGeom prst="rect">
+            <a:avLst/>
+          </a:prstGeom>
+        </p:spPr>
+        <p:style>
+          <a:lnRef idx="1">
+            <a:schemeClr val="accent1"/>
+          </a:lnRef>
+          <a:fillRef idx="3">
+            <a:schemeClr val="accent1"/>
+          </a:fillRef>
+          <a:effectRef idx="2">
+            <a:schemeClr val="accent1"/>
+          </a:effectRef>
+          <a:fontRef idx="minor">
+            <a:schemeClr val="lt1"/>
+          </a:fontRef>
+        </p:style>
+        <p:txBody>
+          <a:bodyPr rtlCol="0" anchor="ctr"/>
+          <a:lstStyle/>
+          <a:p>
+            <a:pPr algn="ctr"/>
+            <a:endParaRPr lang="en-US" sz="1350">
+              <a:solidFill>
+                <a:schemeClr val="tx1">
+                  <a:lumMod val="65000"/>
+                  <a:lumOff val="35000"/>
+                </a:schemeClr>
+              </a:solidFill>
+            </a:endParaRPr>
+          </a:p>
+        </p:txBody>
+      </p:sp>
+      <p:sp>
+        <p:nvSpPr>
+          <p:cNvPr id="3" name="Rectangle 2"/>
+          <p:cNvSpPr/>
+          <p:nvPr/>
+        </p:nvSpPr>
+        <p:spPr>
+          <a:xfrm>
+            <a:off x="467544" y="980728"/>
             <a:ext cx="7436668" cy="769441"/>
           </a:xfrm>
           <a:prstGeom prst="rect">
@@ -5728,6 +6412,35 @@
           </a:p>
         </p:txBody>
       </p:sp>
+      <p:sp>
+        <p:nvSpPr>
+          <p:cNvPr id="8" name="Slide Number Placeholder 7">
+            <a:extLst>
+              <a:ext uri="{FF2B5EF4-FFF2-40B4-BE49-F238E27FC236}">
+                <a16:creationId xmlns:a16="http://schemas.microsoft.com/office/drawing/2014/main" id="{2BDE50A1-4D57-4272-9CD8-A8E47796ED93}"/>
+              </a:ext>
+            </a:extLst>
+          </p:cNvPr>
+          <p:cNvSpPr>
+            <a:spLocks noGrp="1"/>
+          </p:cNvSpPr>
+          <p:nvPr>
+            <p:ph type="sldNum" sz="quarter" idx="12"/>
+          </p:nvPr>
+        </p:nvSpPr>
+        <p:spPr/>
+        <p:txBody>
+          <a:bodyPr/>
+          <a:lstStyle/>
+          <a:p>
+            <a:fld id="{AAEAE4A8-A6E5-453E-B946-FB774B73F48C}" type="slidenum">
+              <a:rPr lang="en-US" smtClean="0"/>
+              <a:t>7</a:t>
+            </a:fld>
+            <a:endParaRPr lang="en-US"/>
+          </a:p>
+        </p:txBody>
+      </p:sp>
     </p:spTree>
     <p:extLst>
       <p:ext uri="{BB962C8B-B14F-4D97-AF65-F5344CB8AC3E}">
@@ -5738,13 +6451,18 @@
   <p:clrMapOvr>
     <a:masterClrMapping/>
   </p:clrMapOvr>
-  <p:transition spd="slow">
-    <p:randomBar dir="vert"/>
-  </p:transition>
+  <mc:AlternateContent xmlns:mc="http://schemas.openxmlformats.org/markup-compatibility/2006" xmlns:p14="http://schemas.microsoft.com/office/powerpoint/2010/main">
+    <mc:Choice Requires="p14">
+      <p:transition p14:dur="0"/>
+    </mc:Choice>
+    <mc:Fallback xmlns="">
+      <p:transition/>
+    </mc:Fallback>
+  </mc:AlternateContent>
 </p:sld>
 </file>
 
-<file path=ppt/slides/slide7.xml><?xml version="1.0" encoding="utf-8"?>
+<file path=ppt/slides/slide8.xml><?xml version="1.0" encoding="utf-8"?>
 <p:sld xmlns:a="http://schemas.openxmlformats.org/drawingml/2006/main" xmlns:r="http://schemas.openxmlformats.org/officeDocument/2006/relationships" xmlns:p="http://schemas.openxmlformats.org/presentationml/2006/main">
   <p:cSld>
     <p:spTree>
@@ -5895,6 +6613,35 @@
           </a:p>
         </p:txBody>
       </p:sp>
+      <p:sp>
+        <p:nvSpPr>
+          <p:cNvPr id="6" name="Slide Number Placeholder 5">
+            <a:extLst>
+              <a:ext uri="{FF2B5EF4-FFF2-40B4-BE49-F238E27FC236}">
+                <a16:creationId xmlns:a16="http://schemas.microsoft.com/office/drawing/2014/main" id="{C7507500-E5D9-46A3-B2D5-BDDC35F9401C}"/>
+              </a:ext>
+            </a:extLst>
+          </p:cNvPr>
+          <p:cNvSpPr>
+            <a:spLocks noGrp="1"/>
+          </p:cNvSpPr>
+          <p:nvPr>
+            <p:ph type="sldNum" sz="quarter" idx="12"/>
+          </p:nvPr>
+        </p:nvSpPr>
+        <p:spPr/>
+        <p:txBody>
+          <a:bodyPr/>
+          <a:lstStyle/>
+          <a:p>
+            <a:fld id="{AAEAE4A8-A6E5-453E-B946-FB774B73F48C}" type="slidenum">
+              <a:rPr lang="en-US" smtClean="0"/>
+              <a:t>8</a:t>
+            </a:fld>
+            <a:endParaRPr lang="en-US"/>
+          </a:p>
+        </p:txBody>
+      </p:sp>
     </p:spTree>
     <p:extLst>
       <p:ext uri="{BB962C8B-B14F-4D97-AF65-F5344CB8AC3E}">
@@ -5905,13 +6652,18 @@
   <p:clrMapOvr>
     <a:masterClrMapping/>
   </p:clrMapOvr>
-  <p:transition spd="slow">
-    <p:randomBar dir="vert"/>
-  </p:transition>
+  <mc:AlternateContent xmlns:mc="http://schemas.openxmlformats.org/markup-compatibility/2006" xmlns:p14="http://schemas.microsoft.com/office/powerpoint/2010/main">
+    <mc:Choice Requires="p14">
+      <p:transition p14:dur="0"/>
+    </mc:Choice>
+    <mc:Fallback xmlns="">
+      <p:transition/>
+    </mc:Fallback>
+  </mc:AlternateContent>
 </p:sld>
 </file>
 
-<file path=ppt/slides/slide8.xml><?xml version="1.0" encoding="utf-8"?>
+<file path=ppt/slides/slide9.xml><?xml version="1.0" encoding="utf-8"?>
 <p:sld xmlns:a="http://schemas.openxmlformats.org/drawingml/2006/main" xmlns:r="http://schemas.openxmlformats.org/officeDocument/2006/relationships" xmlns:p="http://schemas.openxmlformats.org/presentationml/2006/main">
   <p:cSld>
     <p:spTree>
@@ -6285,6 +7037,35 @@
           </a:p>
         </p:txBody>
       </p:sp>
+      <p:sp>
+        <p:nvSpPr>
+          <p:cNvPr id="6" name="Slide Number Placeholder 5">
+            <a:extLst>
+              <a:ext uri="{FF2B5EF4-FFF2-40B4-BE49-F238E27FC236}">
+                <a16:creationId xmlns:a16="http://schemas.microsoft.com/office/drawing/2014/main" id="{5BF887B9-9194-451A-9495-8A35E4254E09}"/>
+              </a:ext>
+            </a:extLst>
+          </p:cNvPr>
+          <p:cNvSpPr>
+            <a:spLocks noGrp="1"/>
+          </p:cNvSpPr>
+          <p:nvPr>
+            <p:ph type="sldNum" sz="quarter" idx="12"/>
+          </p:nvPr>
+        </p:nvSpPr>
+        <p:spPr/>
+        <p:txBody>
+          <a:bodyPr/>
+          <a:lstStyle/>
+          <a:p>
+            <a:fld id="{AAEAE4A8-A6E5-453E-B946-FB774B73F48C}" type="slidenum">
+              <a:rPr lang="en-US" smtClean="0"/>
+              <a:t>9</a:t>
+            </a:fld>
+            <a:endParaRPr lang="en-US"/>
+          </a:p>
+        </p:txBody>
+      </p:sp>
     </p:spTree>
     <p:extLst>
       <p:ext uri="{BB962C8B-B14F-4D97-AF65-F5344CB8AC3E}">
@@ -6295,155 +7076,14 @@
   <p:clrMapOvr>
     <a:masterClrMapping/>
   </p:clrMapOvr>
-  <p:transition spd="slow">
-    <p:randomBar dir="vert"/>
-  </p:transition>
-</p:sld>
-</file>
-
-<file path=ppt/slides/slide9.xml><?xml version="1.0" encoding="utf-8"?>
-<p:sld xmlns:a="http://schemas.openxmlformats.org/drawingml/2006/main" xmlns:r="http://schemas.openxmlformats.org/officeDocument/2006/relationships" xmlns:p="http://schemas.openxmlformats.org/presentationml/2006/main">
-  <p:cSld>
-    <p:spTree>
-      <p:nvGrpSpPr>
-        <p:cNvPr id="1" name=""/>
-        <p:cNvGrpSpPr/>
-        <p:nvPr/>
-      </p:nvGrpSpPr>
-      <p:grpSpPr>
-        <a:xfrm>
-          <a:off x="0" y="0"/>
-          <a:ext cx="0" cy="0"/>
-          <a:chOff x="0" y="0"/>
-          <a:chExt cx="0" cy="0"/>
-        </a:xfrm>
-      </p:grpSpPr>
-      <p:sp>
-        <p:nvSpPr>
-          <p:cNvPr id="2" name="Rectangle 1"/>
-          <p:cNvSpPr/>
-          <p:nvPr/>
-        </p:nvSpPr>
-        <p:spPr>
-          <a:xfrm>
-            <a:off x="574515" y="1744442"/>
-            <a:ext cx="8697231" cy="34298"/>
-          </a:xfrm>
-          <a:prstGeom prst="rect">
-            <a:avLst/>
-          </a:prstGeom>
-        </p:spPr>
-        <p:style>
-          <a:lnRef idx="1">
-            <a:schemeClr val="accent1"/>
-          </a:lnRef>
-          <a:fillRef idx="3">
-            <a:schemeClr val="accent1"/>
-          </a:fillRef>
-          <a:effectRef idx="2">
-            <a:schemeClr val="accent1"/>
-          </a:effectRef>
-          <a:fontRef idx="minor">
-            <a:schemeClr val="lt1"/>
-          </a:fontRef>
-        </p:style>
-        <p:txBody>
-          <a:bodyPr rtlCol="0" anchor="ctr"/>
-          <a:lstStyle/>
-          <a:p>
-            <a:pPr algn="ctr"/>
-            <a:endParaRPr lang="en-US" sz="1350">
-              <a:solidFill>
-                <a:schemeClr val="tx1">
-                  <a:lumMod val="65000"/>
-                  <a:lumOff val="35000"/>
-                </a:schemeClr>
-              </a:solidFill>
-            </a:endParaRPr>
-          </a:p>
-        </p:txBody>
-      </p:sp>
-      <p:sp>
-        <p:nvSpPr>
-          <p:cNvPr id="3" name="Rectangle 2"/>
-          <p:cNvSpPr/>
-          <p:nvPr/>
-        </p:nvSpPr>
-        <p:spPr>
-          <a:xfrm>
-            <a:off x="467544" y="980728"/>
-            <a:ext cx="7436668" cy="769441"/>
-          </a:xfrm>
-          <a:prstGeom prst="rect">
-            <a:avLst/>
-          </a:prstGeom>
-        </p:spPr>
-        <p:txBody>
-          <a:bodyPr wrap="square">
-            <a:spAutoFit/>
-          </a:bodyPr>
-          <a:lstStyle/>
-          <a:p>
-            <a:r>
-              <a:rPr lang="en-US" sz="4400" dirty="0">
-                <a:solidFill>
-                  <a:schemeClr val="accent1">
-                    <a:lumMod val="75000"/>
-                  </a:schemeClr>
-                </a:solidFill>
-              </a:rPr>
-              <a:t>Polymorphism</a:t>
-            </a:r>
-          </a:p>
-        </p:txBody>
-      </p:sp>
-      <p:sp>
-        <p:nvSpPr>
-          <p:cNvPr id="4" name="Rectangle 3"/>
-          <p:cNvSpPr/>
-          <p:nvPr/>
-        </p:nvSpPr>
-        <p:spPr>
-          <a:xfrm>
-            <a:off x="1033686" y="2542454"/>
-            <a:ext cx="7076628" cy="1384995"/>
-          </a:xfrm>
-          <a:prstGeom prst="rect">
-            <a:avLst/>
-          </a:prstGeom>
-        </p:spPr>
-        <p:txBody>
-          <a:bodyPr wrap="square">
-            <a:spAutoFit/>
-          </a:bodyPr>
-          <a:lstStyle/>
-          <a:p>
-            <a:r>
-              <a:rPr lang="en-US" sz="2800" dirty="0">
-                <a:solidFill>
-                  <a:schemeClr val="accent6">
-                    <a:lumMod val="50000"/>
-                  </a:schemeClr>
-                </a:solidFill>
-              </a:rPr>
-              <a:t>The term polymorphism is the combination of “poly” + “morphs” means which means many forms</a:t>
-            </a:r>
-          </a:p>
-        </p:txBody>
-      </p:sp>
-    </p:spTree>
-    <p:extLst>
-      <p:ext uri="{BB962C8B-B14F-4D97-AF65-F5344CB8AC3E}">
-        <p14:creationId xmlns:p14="http://schemas.microsoft.com/office/powerpoint/2010/main" val="1001448468"/>
-      </p:ext>
-    </p:extLst>
-  </p:cSld>
-  <p:clrMapOvr>
-    <a:masterClrMapping/>
-  </p:clrMapOvr>
-  <p:transition spd="slow">
-    <p:randomBar dir="vert"/>
-  </p:transition>
+  <mc:AlternateContent xmlns:mc="http://schemas.openxmlformats.org/markup-compatibility/2006" xmlns:p14="http://schemas.microsoft.com/office/powerpoint/2010/main">
+    <mc:Choice Requires="p14">
+      <p:transition p14:dur="0"/>
+    </mc:Choice>
+    <mc:Fallback xmlns="">
+      <p:transition/>
+    </mc:Fallback>
+  </mc:AlternateContent>
 </p:sld>
 </file>
 

--- a/OOP.pptx
+++ b/OOP.pptx
@@ -5,26 +5,25 @@
     <p:sldMasterId id="2147483648" r:id="rId4"/>
   </p:sldMasterIdLst>
   <p:notesMasterIdLst>
-    <p:notesMasterId r:id="rId19"/>
+    <p:notesMasterId r:id="rId18"/>
   </p:notesMasterIdLst>
   <p:handoutMasterIdLst>
-    <p:handoutMasterId r:id="rId20"/>
+    <p:handoutMasterId r:id="rId19"/>
   </p:handoutMasterIdLst>
   <p:sldIdLst>
-    <p:sldId id="256" r:id="rId5"/>
-    <p:sldId id="267" r:id="rId6"/>
-    <p:sldId id="294" r:id="rId7"/>
-    <p:sldId id="282" r:id="rId8"/>
-    <p:sldId id="295" r:id="rId9"/>
-    <p:sldId id="296" r:id="rId10"/>
-    <p:sldId id="297" r:id="rId11"/>
-    <p:sldId id="298" r:id="rId12"/>
-    <p:sldId id="299" r:id="rId13"/>
-    <p:sldId id="300" r:id="rId14"/>
-    <p:sldId id="301" r:id="rId15"/>
-    <p:sldId id="302" r:id="rId16"/>
-    <p:sldId id="303" r:id="rId17"/>
-    <p:sldId id="292" r:id="rId18"/>
+    <p:sldId id="267" r:id="rId5"/>
+    <p:sldId id="294" r:id="rId6"/>
+    <p:sldId id="282" r:id="rId7"/>
+    <p:sldId id="295" r:id="rId8"/>
+    <p:sldId id="296" r:id="rId9"/>
+    <p:sldId id="297" r:id="rId10"/>
+    <p:sldId id="298" r:id="rId11"/>
+    <p:sldId id="299" r:id="rId12"/>
+    <p:sldId id="300" r:id="rId13"/>
+    <p:sldId id="301" r:id="rId14"/>
+    <p:sldId id="302" r:id="rId15"/>
+    <p:sldId id="303" r:id="rId16"/>
+    <p:sldId id="292" r:id="rId17"/>
   </p:sldIdLst>
   <p:sldSz cx="9144000" cy="6858000" type="screen4x3"/>
   <p:notesSz cx="6858000" cy="9144000"/>
@@ -227,7 +226,7 @@
           <a:p>
             <a:fld id="{24CE221E-83ED-4F6C-BA5F-3F9E6FDB6953}" type="datetimeFigureOut">
               <a:rPr lang="en-US"/>
-              <a:t>1/12/20</a:t>
+              <a:t>1/14/20</a:t>
             </a:fld>
             <a:endParaRPr/>
           </a:p>
@@ -392,7 +391,7 @@
           <a:p>
             <a:fld id="{97853E5F-CE67-483C-A264-F17AC70E9CA2}" type="datetimeFigureOut">
               <a:rPr lang="en-US"/>
-              <a:t>1/12/20</a:t>
+              <a:t>1/14/20</a:t>
             </a:fld>
             <a:endParaRPr/>
           </a:p>
@@ -884,7 +883,7 @@
           <a:p>
             <a:fld id="{F145469D-C0C5-4457-92DE-4D4EFC8C00F6}" type="datetime1">
               <a:rPr lang="en-US" smtClean="0"/>
-              <a:t>1/12/20</a:t>
+              <a:t>1/14/20</a:t>
             </a:fld>
             <a:endParaRPr/>
           </a:p>
@@ -1070,7 +1069,7 @@
           <a:p>
             <a:fld id="{3C34F163-C8D7-479A-BE5D-F1743442C5C8}" type="datetime1">
               <a:rPr lang="en-US" smtClean="0"/>
-              <a:t>1/12/20</a:t>
+              <a:t>1/14/20</a:t>
             </a:fld>
             <a:endParaRPr/>
           </a:p>
@@ -1266,7 +1265,7 @@
           <a:p>
             <a:fld id="{B85E7AE9-B6A3-4BA5-BDC9-69B476770E51}" type="datetime1">
               <a:rPr lang="en-US" smtClean="0"/>
-              <a:t>1/12/20</a:t>
+              <a:t>1/14/20</a:t>
             </a:fld>
             <a:endParaRPr/>
           </a:p>
@@ -1452,7 +1451,7 @@
           <a:p>
             <a:fld id="{46C8B75A-4E5A-4E15-AA9A-864FC644C7E2}" type="datetime1">
               <a:rPr lang="en-US" smtClean="0"/>
-              <a:t>1/12/20</a:t>
+              <a:t>1/14/20</a:t>
             </a:fld>
             <a:endParaRPr/>
           </a:p>
@@ -1736,7 +1735,7 @@
           <a:p>
             <a:fld id="{F79C2432-E53F-433B-BC05-AA9FB264BDCF}" type="datetime1">
               <a:rPr lang="en-US" smtClean="0"/>
-              <a:t>1/12/20</a:t>
+              <a:t>1/14/20</a:t>
             </a:fld>
             <a:endParaRPr/>
           </a:p>
@@ -2044,7 +2043,7 @@
           <a:p>
             <a:fld id="{8436F4B7-C077-49AA-9B06-4F0F01EE1040}" type="datetime1">
               <a:rPr lang="en-US" smtClean="0"/>
-              <a:t>1/12/20</a:t>
+              <a:t>1/14/20</a:t>
             </a:fld>
             <a:endParaRPr/>
           </a:p>
@@ -2496,7 +2495,7 @@
           <a:p>
             <a:fld id="{68343BD6-365D-4120-AC80-88DC27393D06}" type="datetime1">
               <a:rPr lang="en-US" smtClean="0"/>
-              <a:t>1/12/20</a:t>
+              <a:t>1/14/20</a:t>
             </a:fld>
             <a:endParaRPr/>
           </a:p>
@@ -2630,7 +2629,7 @@
           <a:p>
             <a:fld id="{FD04F010-FD50-4A61-986C-4932DFB9EA0C}" type="datetime1">
               <a:rPr lang="en-US" smtClean="0"/>
-              <a:t>1/12/20</a:t>
+              <a:t>1/14/20</a:t>
             </a:fld>
             <a:endParaRPr/>
           </a:p>
@@ -2755,7 +2754,7 @@
           <a:p>
             <a:fld id="{E975AF72-5225-49DE-9F27-AB28623DDF1D}" type="datetime1">
               <a:rPr lang="en-US" smtClean="0"/>
-              <a:t>1/12/20</a:t>
+              <a:t>1/14/20</a:t>
             </a:fld>
             <a:endParaRPr/>
           </a:p>
@@ -3081,7 +3080,7 @@
           <a:p>
             <a:fld id="{36F92046-F961-4F5A-936A-9590D40E40A5}" type="datetime1">
               <a:rPr lang="en-US" smtClean="0"/>
-              <a:t>1/12/20</a:t>
+              <a:t>1/14/20</a:t>
             </a:fld>
             <a:endParaRPr/>
           </a:p>
@@ -3577,7 +3576,7 @@
           <a:p>
             <a:fld id="{6B5F1AE1-FE54-440A-9299-2DDD68D7BB83}" type="datetime1">
               <a:rPr lang="en-US" smtClean="0"/>
-              <a:t>1/12/20</a:t>
+              <a:t>1/14/20</a:t>
             </a:fld>
             <a:endParaRPr lang="en-US" dirty="0"/>
           </a:p>
@@ -4034,91 +4033,130 @@
       </p:grpSpPr>
       <p:sp>
         <p:nvSpPr>
-          <p:cNvPr id="2" name="Title 1"/>
-          <p:cNvSpPr>
-            <a:spLocks noGrp="1"/>
-          </p:cNvSpPr>
-          <p:nvPr>
-            <p:ph type="ctrTitle"/>
-          </p:nvPr>
-        </p:nvSpPr>
-        <p:spPr>
-          <a:xfrm>
-            <a:off x="317066" y="2299925"/>
-            <a:ext cx="8863446" cy="769035"/>
-          </a:xfrm>
-        </p:spPr>
-        <p:txBody>
-          <a:bodyPr>
-            <a:normAutofit/>
+          <p:cNvPr id="2" name="Rectangle 1"/>
+          <p:cNvSpPr/>
+          <p:nvPr/>
+        </p:nvSpPr>
+        <p:spPr>
+          <a:xfrm>
+            <a:off x="574515" y="1960466"/>
+            <a:ext cx="8697231" cy="34298"/>
+          </a:xfrm>
+          <a:prstGeom prst="rect">
+            <a:avLst/>
+          </a:prstGeom>
+        </p:spPr>
+        <p:style>
+          <a:lnRef idx="1">
+            <a:schemeClr val="accent1"/>
+          </a:lnRef>
+          <a:fillRef idx="3">
+            <a:schemeClr val="accent1"/>
+          </a:fillRef>
+          <a:effectRef idx="2">
+            <a:schemeClr val="accent1"/>
+          </a:effectRef>
+          <a:fontRef idx="minor">
+            <a:schemeClr val="lt1"/>
+          </a:fontRef>
+        </p:style>
+        <p:txBody>
+          <a:bodyPr rtlCol="0" anchor="ctr"/>
+          <a:lstStyle/>
+          <a:p>
+            <a:pPr algn="ctr"/>
+            <a:endParaRPr lang="en-US" sz="1350">
+              <a:solidFill>
+                <a:schemeClr val="tx1">
+                  <a:lumMod val="65000"/>
+                  <a:lumOff val="35000"/>
+                </a:schemeClr>
+              </a:solidFill>
+            </a:endParaRPr>
+          </a:p>
+        </p:txBody>
+      </p:sp>
+      <p:sp>
+        <p:nvSpPr>
+          <p:cNvPr id="3" name="Rectangle 2"/>
+          <p:cNvSpPr/>
+          <p:nvPr/>
+        </p:nvSpPr>
+        <p:spPr>
+          <a:xfrm>
+            <a:off x="431457" y="1196752"/>
+            <a:ext cx="9181103" cy="646331"/>
+          </a:xfrm>
+          <a:prstGeom prst="rect">
+            <a:avLst/>
+          </a:prstGeom>
+        </p:spPr>
+        <p:txBody>
+          <a:bodyPr wrap="none">
+            <a:spAutoFit/>
           </a:bodyPr>
           <a:lstStyle/>
           <a:p>
-            <a:pPr algn="ctr"/>
-            <a:r>
-              <a:rPr lang="en-US" sz="4800" dirty="0">
+            <a:r>
+              <a:rPr lang="en-US" sz="3600" dirty="0">
                 <a:solidFill>
                   <a:schemeClr val="accent1">
+                    <a:lumMod val="75000"/>
+                  </a:schemeClr>
+                </a:solidFill>
+              </a:rPr>
+              <a:t>What is Object Oriented Programming(OOP)</a:t>
+            </a:r>
+          </a:p>
+        </p:txBody>
+      </p:sp>
+      <p:sp>
+        <p:nvSpPr>
+          <p:cNvPr id="4" name="Rectangle 3"/>
+          <p:cNvSpPr/>
+          <p:nvPr/>
+        </p:nvSpPr>
+        <p:spPr>
+          <a:xfrm>
+            <a:off x="971600" y="2852936"/>
+            <a:ext cx="7076628" cy="1815882"/>
+          </a:xfrm>
+          <a:prstGeom prst="rect">
+            <a:avLst/>
+          </a:prstGeom>
+        </p:spPr>
+        <p:txBody>
+          <a:bodyPr wrap="square">
+            <a:spAutoFit/>
+          </a:bodyPr>
+          <a:lstStyle/>
+          <a:p>
+            <a:r>
+              <a:rPr lang="en-GB" sz="2800" dirty="0">
+                <a:solidFill>
+                  <a:schemeClr val="accent6">
                     <a:lumMod val="50000"/>
                   </a:schemeClr>
                 </a:solidFill>
               </a:rPr>
-              <a:t>Object Oriented Programming</a:t>
-            </a:r>
-          </a:p>
-        </p:txBody>
-      </p:sp>
-      <p:sp>
-        <p:nvSpPr>
-          <p:cNvPr id="3" name="Subtitle 2"/>
-          <p:cNvSpPr>
-            <a:spLocks noGrp="1"/>
-          </p:cNvSpPr>
-          <p:nvPr>
-            <p:ph type="subTitle" idx="1"/>
-          </p:nvPr>
-        </p:nvSpPr>
-        <p:spPr>
-          <a:xfrm>
-            <a:off x="0" y="4203015"/>
-            <a:ext cx="9144000" cy="769035"/>
-          </a:xfrm>
-        </p:spPr>
-        <p:txBody>
-          <a:bodyPr>
-            <a:noAutofit/>
-          </a:bodyPr>
-          <a:lstStyle/>
-          <a:p>
-            <a:pPr algn="ctr"/>
-            <a:r>
-              <a:rPr lang="en-US" sz="3000" b="1" dirty="0">
-                <a:solidFill>
-                  <a:srgbClr val="002060"/>
-                </a:solidFill>
-              </a:rPr>
-              <a:t>Muhammad Sad Al Munir</a:t>
-            </a:r>
-          </a:p>
-          <a:p>
-            <a:pPr algn="ctr"/>
-            <a:r>
-              <a:rPr lang="en-US" sz="3000" dirty="0">
-                <a:solidFill>
-                  <a:srgbClr val="002060"/>
-                </a:solidFill>
-              </a:rPr>
-              <a:t>Tracking ID: 480484</a:t>
-            </a:r>
-          </a:p>
-        </p:txBody>
-      </p:sp>
-      <p:sp>
-        <p:nvSpPr>
-          <p:cNvPr id="5" name="Slide Number Placeholder 4">
+              <a:t>OOP is a programming paradigm which mainly focuses on the concept of “objects” to construct the real world scenario to solve real world problem through programming.</a:t>
+            </a:r>
+            <a:endParaRPr lang="en-US" sz="2800" dirty="0">
+              <a:solidFill>
+                <a:schemeClr val="accent6">
+                  <a:lumMod val="50000"/>
+                </a:schemeClr>
+              </a:solidFill>
+            </a:endParaRPr>
+          </a:p>
+        </p:txBody>
+      </p:sp>
+      <p:sp>
+        <p:nvSpPr>
+          <p:cNvPr id="6" name="Slide Number Placeholder 5">
             <a:extLst>
               <a:ext uri="{FF2B5EF4-FFF2-40B4-BE49-F238E27FC236}">
-                <a16:creationId xmlns:a16="http://schemas.microsoft.com/office/drawing/2014/main" id="{19D5644C-C0CF-4960-A4E7-8C58E937C28B}"/>
+                <a16:creationId xmlns:a16="http://schemas.microsoft.com/office/drawing/2014/main" id="{36D3BE31-ECC8-42CF-A256-F703D67E8179}"/>
               </a:ext>
             </a:extLst>
           </p:cNvPr>
@@ -4145,7 +4183,7 @@
     </p:spTree>
     <p:extLst>
       <p:ext uri="{BB962C8B-B14F-4D97-AF65-F5344CB8AC3E}">
-        <p14:creationId xmlns:p14="http://schemas.microsoft.com/office/powerpoint/2010/main" val="3269907501"/>
+        <p14:creationId xmlns:p14="http://schemas.microsoft.com/office/powerpoint/2010/main" val="3587736867"/>
       </p:ext>
     </p:extLst>
   </p:cSld>
@@ -4254,51 +4292,47 @@
                   </a:schemeClr>
                 </a:solidFill>
               </a:rPr>
-              <a:t>Polymorphism</a:t>
-            </a:r>
-          </a:p>
-        </p:txBody>
-      </p:sp>
-      <p:sp>
-        <p:nvSpPr>
-          <p:cNvPr id="4" name="Rectangle 3"/>
-          <p:cNvSpPr/>
+              <a:t>Types of Polymorphism</a:t>
+            </a:r>
+          </a:p>
+        </p:txBody>
+      </p:sp>
+      <p:pic>
+        <p:nvPicPr>
+          <p:cNvPr id="10" name="Picture 9">
+            <a:extLst>
+              <a:ext uri="{FF2B5EF4-FFF2-40B4-BE49-F238E27FC236}">
+                <a16:creationId xmlns:a16="http://schemas.microsoft.com/office/drawing/2014/main" id="{10B8E838-D227-45D7-8077-003C487CC53B}"/>
+              </a:ext>
+            </a:extLst>
+          </p:cNvPr>
+          <p:cNvPicPr>
+            <a:picLocks noChangeAspect="1"/>
+          </p:cNvPicPr>
           <p:nvPr/>
-        </p:nvSpPr>
-        <p:spPr>
-          <a:xfrm>
-            <a:off x="1033686" y="2542454"/>
-            <a:ext cx="7076628" cy="1384995"/>
+        </p:nvPicPr>
+        <p:blipFill>
+          <a:blip r:embed="rId2"/>
+          <a:stretch>
+            <a:fillRect/>
+          </a:stretch>
+        </p:blipFill>
+        <p:spPr>
+          <a:xfrm>
+            <a:off x="1209614" y="2102154"/>
+            <a:ext cx="6724772" cy="3775118"/>
           </a:xfrm>
           <a:prstGeom prst="rect">
             <a:avLst/>
           </a:prstGeom>
         </p:spPr>
-        <p:txBody>
-          <a:bodyPr wrap="square">
-            <a:spAutoFit/>
-          </a:bodyPr>
-          <a:lstStyle/>
-          <a:p>
-            <a:r>
-              <a:rPr lang="en-US" sz="2800" dirty="0">
-                <a:solidFill>
-                  <a:schemeClr val="accent6">
-                    <a:lumMod val="50000"/>
-                  </a:schemeClr>
-                </a:solidFill>
-              </a:rPr>
-              <a:t>The term polymorphism is the combination of “poly” + “morphs” means which means many forms</a:t>
-            </a:r>
-          </a:p>
-        </p:txBody>
-      </p:sp>
-      <p:sp>
-        <p:nvSpPr>
-          <p:cNvPr id="6" name="Slide Number Placeholder 5">
+      </p:pic>
+      <p:sp>
+        <p:nvSpPr>
+          <p:cNvPr id="5" name="Slide Number Placeholder 4">
             <a:extLst>
               <a:ext uri="{FF2B5EF4-FFF2-40B4-BE49-F238E27FC236}">
-                <a16:creationId xmlns:a16="http://schemas.microsoft.com/office/drawing/2014/main" id="{C4DBA7D3-6971-4FDC-8882-01E74FBF39F0}"/>
+                <a16:creationId xmlns:a16="http://schemas.microsoft.com/office/drawing/2014/main" id="{52965DCF-99CB-4188-B3C2-9C478EDB256E}"/>
               </a:ext>
             </a:extLst>
           </p:cNvPr>
@@ -4325,7 +4359,7 @@
     </p:spTree>
     <p:extLst>
       <p:ext uri="{BB962C8B-B14F-4D97-AF65-F5344CB8AC3E}">
-        <p14:creationId xmlns:p14="http://schemas.microsoft.com/office/powerpoint/2010/main" val="1001448468"/>
+        <p14:creationId xmlns:p14="http://schemas.microsoft.com/office/powerpoint/2010/main" val="3577629193"/>
       </p:ext>
     </p:extLst>
   </p:cSld>
@@ -4434,47 +4468,115 @@
                   </a:schemeClr>
                 </a:solidFill>
               </a:rPr>
-              <a:t>Types of Polymorphism</a:t>
-            </a:r>
-          </a:p>
-        </p:txBody>
-      </p:sp>
-      <p:pic>
-        <p:nvPicPr>
-          <p:cNvPr id="10" name="Picture 9">
-            <a:extLst>
-              <a:ext uri="{FF2B5EF4-FFF2-40B4-BE49-F238E27FC236}">
-                <a16:creationId xmlns:a16="http://schemas.microsoft.com/office/drawing/2014/main" id="{10B8E838-D227-45D7-8077-003C487CC53B}"/>
-              </a:ext>
-            </a:extLst>
-          </p:cNvPr>
-          <p:cNvPicPr>
-            <a:picLocks noChangeAspect="1"/>
-          </p:cNvPicPr>
+              <a:t>Compile Time Polymorphism</a:t>
+            </a:r>
+          </a:p>
+        </p:txBody>
+      </p:sp>
+      <p:sp>
+        <p:nvSpPr>
+          <p:cNvPr id="4" name="Rectangle 3"/>
+          <p:cNvSpPr/>
           <p:nvPr/>
-        </p:nvPicPr>
-        <p:blipFill>
-          <a:blip r:embed="rId2"/>
-          <a:stretch>
-            <a:fillRect/>
-          </a:stretch>
-        </p:blipFill>
-        <p:spPr>
-          <a:xfrm>
-            <a:off x="1209614" y="2102154"/>
-            <a:ext cx="6724772" cy="3775118"/>
+        </p:nvSpPr>
+        <p:spPr>
+          <a:xfrm>
+            <a:off x="1033686" y="2542454"/>
+            <a:ext cx="7076628" cy="2598660"/>
           </a:xfrm>
           <a:prstGeom prst="rect">
             <a:avLst/>
           </a:prstGeom>
         </p:spPr>
-      </p:pic>
-      <p:sp>
-        <p:nvSpPr>
-          <p:cNvPr id="5" name="Slide Number Placeholder 4">
+        <p:txBody>
+          <a:bodyPr wrap="square">
+            <a:spAutoFit/>
+          </a:bodyPr>
+          <a:lstStyle/>
+          <a:p>
+            <a:pPr marL="457200" indent="-457200">
+              <a:lnSpc>
+                <a:spcPct val="150000"/>
+              </a:lnSpc>
+              <a:buFont typeface="Wingdings" panose="05000000000000000000" pitchFamily="2" charset="2"/>
+              <a:buChar char="Ø"/>
+            </a:pPr>
+            <a:r>
+              <a:rPr lang="en-US" sz="2800" dirty="0">
+                <a:solidFill>
+                  <a:schemeClr val="accent6">
+                    <a:lumMod val="50000"/>
+                  </a:schemeClr>
+                </a:solidFill>
+              </a:rPr>
+              <a:t>Invoked at compile time</a:t>
+            </a:r>
+          </a:p>
+          <a:p>
+            <a:pPr marL="457200" indent="-457200">
+              <a:lnSpc>
+                <a:spcPct val="150000"/>
+              </a:lnSpc>
+              <a:buFont typeface="Wingdings" panose="05000000000000000000" pitchFamily="2" charset="2"/>
+              <a:buChar char="Ø"/>
+            </a:pPr>
+            <a:r>
+              <a:rPr lang="en-US" sz="2800" dirty="0">
+                <a:solidFill>
+                  <a:schemeClr val="accent6">
+                    <a:lumMod val="50000"/>
+                  </a:schemeClr>
+                </a:solidFill>
+              </a:rPr>
+              <a:t>Faster than run  time polymorphism</a:t>
+            </a:r>
+          </a:p>
+          <a:p>
+            <a:pPr marL="457200" indent="-457200">
+              <a:lnSpc>
+                <a:spcPct val="150000"/>
+              </a:lnSpc>
+              <a:buFont typeface="Wingdings" panose="05000000000000000000" pitchFamily="2" charset="2"/>
+              <a:buChar char="Ø"/>
+            </a:pPr>
+            <a:r>
+              <a:rPr lang="en-US" sz="2800" dirty="0">
+                <a:solidFill>
+                  <a:schemeClr val="accent6">
+                    <a:lumMod val="50000"/>
+                  </a:schemeClr>
+                </a:solidFill>
+              </a:rPr>
+              <a:t>Less flexible than run time polymorphism</a:t>
+            </a:r>
+          </a:p>
+          <a:p>
+            <a:pPr marL="457200" indent="-457200">
+              <a:lnSpc>
+                <a:spcPct val="150000"/>
+              </a:lnSpc>
+              <a:buFont typeface="Wingdings" panose="05000000000000000000" pitchFamily="2" charset="2"/>
+              <a:buChar char="Ø"/>
+            </a:pPr>
+            <a:r>
+              <a:rPr lang="en-US" sz="2800" dirty="0">
+                <a:solidFill>
+                  <a:schemeClr val="accent6">
+                    <a:lumMod val="50000"/>
+                  </a:schemeClr>
+                </a:solidFill>
+              </a:rPr>
+              <a:t>Also known as early binding</a:t>
+            </a:r>
+          </a:p>
+        </p:txBody>
+      </p:sp>
+      <p:sp>
+        <p:nvSpPr>
+          <p:cNvPr id="6" name="Slide Number Placeholder 5">
             <a:extLst>
               <a:ext uri="{FF2B5EF4-FFF2-40B4-BE49-F238E27FC236}">
-                <a16:creationId xmlns:a16="http://schemas.microsoft.com/office/drawing/2014/main" id="{52965DCF-99CB-4188-B3C2-9C478EDB256E}"/>
+                <a16:creationId xmlns:a16="http://schemas.microsoft.com/office/drawing/2014/main" id="{61B90F54-5017-4D63-9C4A-8E745366FC68}"/>
               </a:ext>
             </a:extLst>
           </p:cNvPr>
@@ -4501,7 +4603,7 @@
     </p:spTree>
     <p:extLst>
       <p:ext uri="{BB962C8B-B14F-4D97-AF65-F5344CB8AC3E}">
-        <p14:creationId xmlns:p14="http://schemas.microsoft.com/office/powerpoint/2010/main" val="3577629193"/>
+        <p14:creationId xmlns:p14="http://schemas.microsoft.com/office/powerpoint/2010/main" val="1428342885"/>
       </p:ext>
     </p:extLst>
   </p:cSld>
@@ -4610,250 +4712,6 @@
                   </a:schemeClr>
                 </a:solidFill>
               </a:rPr>
-              <a:t>Compile Time Polymorphism</a:t>
-            </a:r>
-          </a:p>
-        </p:txBody>
-      </p:sp>
-      <p:sp>
-        <p:nvSpPr>
-          <p:cNvPr id="4" name="Rectangle 3"/>
-          <p:cNvSpPr/>
-          <p:nvPr/>
-        </p:nvSpPr>
-        <p:spPr>
-          <a:xfrm>
-            <a:off x="1033686" y="2542454"/>
-            <a:ext cx="7076628" cy="2598660"/>
-          </a:xfrm>
-          <a:prstGeom prst="rect">
-            <a:avLst/>
-          </a:prstGeom>
-        </p:spPr>
-        <p:txBody>
-          <a:bodyPr wrap="square">
-            <a:spAutoFit/>
-          </a:bodyPr>
-          <a:lstStyle/>
-          <a:p>
-            <a:pPr marL="457200" indent="-457200">
-              <a:lnSpc>
-                <a:spcPct val="150000"/>
-              </a:lnSpc>
-              <a:buFont typeface="Wingdings" panose="05000000000000000000" pitchFamily="2" charset="2"/>
-              <a:buChar char="Ø"/>
-            </a:pPr>
-            <a:r>
-              <a:rPr lang="en-US" sz="2800" dirty="0">
-                <a:solidFill>
-                  <a:schemeClr val="accent6">
-                    <a:lumMod val="50000"/>
-                  </a:schemeClr>
-                </a:solidFill>
-              </a:rPr>
-              <a:t>Invoked at compile time</a:t>
-            </a:r>
-          </a:p>
-          <a:p>
-            <a:pPr marL="457200" indent="-457200">
-              <a:lnSpc>
-                <a:spcPct val="150000"/>
-              </a:lnSpc>
-              <a:buFont typeface="Wingdings" panose="05000000000000000000" pitchFamily="2" charset="2"/>
-              <a:buChar char="Ø"/>
-            </a:pPr>
-            <a:r>
-              <a:rPr lang="en-US" sz="2800" dirty="0">
-                <a:solidFill>
-                  <a:schemeClr val="accent6">
-                    <a:lumMod val="50000"/>
-                  </a:schemeClr>
-                </a:solidFill>
-              </a:rPr>
-              <a:t>Faster than run  time polymorphism</a:t>
-            </a:r>
-          </a:p>
-          <a:p>
-            <a:pPr marL="457200" indent="-457200">
-              <a:lnSpc>
-                <a:spcPct val="150000"/>
-              </a:lnSpc>
-              <a:buFont typeface="Wingdings" panose="05000000000000000000" pitchFamily="2" charset="2"/>
-              <a:buChar char="Ø"/>
-            </a:pPr>
-            <a:r>
-              <a:rPr lang="en-US" sz="2800" dirty="0">
-                <a:solidFill>
-                  <a:schemeClr val="accent6">
-                    <a:lumMod val="50000"/>
-                  </a:schemeClr>
-                </a:solidFill>
-              </a:rPr>
-              <a:t>Less flexible than run time polymorphism</a:t>
-            </a:r>
-          </a:p>
-          <a:p>
-            <a:pPr marL="457200" indent="-457200">
-              <a:lnSpc>
-                <a:spcPct val="150000"/>
-              </a:lnSpc>
-              <a:buFont typeface="Wingdings" panose="05000000000000000000" pitchFamily="2" charset="2"/>
-              <a:buChar char="Ø"/>
-            </a:pPr>
-            <a:r>
-              <a:rPr lang="en-US" sz="2800" dirty="0">
-                <a:solidFill>
-                  <a:schemeClr val="accent6">
-                    <a:lumMod val="50000"/>
-                  </a:schemeClr>
-                </a:solidFill>
-              </a:rPr>
-              <a:t>Also known as early binding</a:t>
-            </a:r>
-          </a:p>
-        </p:txBody>
-      </p:sp>
-      <p:sp>
-        <p:nvSpPr>
-          <p:cNvPr id="6" name="Slide Number Placeholder 5">
-            <a:extLst>
-              <a:ext uri="{FF2B5EF4-FFF2-40B4-BE49-F238E27FC236}">
-                <a16:creationId xmlns:a16="http://schemas.microsoft.com/office/drawing/2014/main" id="{61B90F54-5017-4D63-9C4A-8E745366FC68}"/>
-              </a:ext>
-            </a:extLst>
-          </p:cNvPr>
-          <p:cNvSpPr>
-            <a:spLocks noGrp="1"/>
-          </p:cNvSpPr>
-          <p:nvPr>
-            <p:ph type="sldNum" sz="quarter" idx="12"/>
-          </p:nvPr>
-        </p:nvSpPr>
-        <p:spPr/>
-        <p:txBody>
-          <a:bodyPr/>
-          <a:lstStyle/>
-          <a:p>
-            <a:fld id="{AAEAE4A8-A6E5-453E-B946-FB774B73F48C}" type="slidenum">
-              <a:rPr lang="en-US" smtClean="0"/>
-              <a:t>12</a:t>
-            </a:fld>
-            <a:endParaRPr lang="en-US"/>
-          </a:p>
-        </p:txBody>
-      </p:sp>
-    </p:spTree>
-    <p:extLst>
-      <p:ext uri="{BB962C8B-B14F-4D97-AF65-F5344CB8AC3E}">
-        <p14:creationId xmlns:p14="http://schemas.microsoft.com/office/powerpoint/2010/main" val="1428342885"/>
-      </p:ext>
-    </p:extLst>
-  </p:cSld>
-  <p:clrMapOvr>
-    <a:masterClrMapping/>
-  </p:clrMapOvr>
-  <mc:AlternateContent xmlns:mc="http://schemas.openxmlformats.org/markup-compatibility/2006" xmlns:p14="http://schemas.microsoft.com/office/powerpoint/2010/main">
-    <mc:Choice Requires="p14">
-      <p:transition p14:dur="0"/>
-    </mc:Choice>
-    <mc:Fallback xmlns="">
-      <p:transition/>
-    </mc:Fallback>
-  </mc:AlternateContent>
-</p:sld>
-</file>
-
-<file path=ppt/slides/slide13.xml><?xml version="1.0" encoding="utf-8"?>
-<p:sld xmlns:a="http://schemas.openxmlformats.org/drawingml/2006/main" xmlns:r="http://schemas.openxmlformats.org/officeDocument/2006/relationships" xmlns:p="http://schemas.openxmlformats.org/presentationml/2006/main">
-  <p:cSld>
-    <p:spTree>
-      <p:nvGrpSpPr>
-        <p:cNvPr id="1" name=""/>
-        <p:cNvGrpSpPr/>
-        <p:nvPr/>
-      </p:nvGrpSpPr>
-      <p:grpSpPr>
-        <a:xfrm>
-          <a:off x="0" y="0"/>
-          <a:ext cx="0" cy="0"/>
-          <a:chOff x="0" y="0"/>
-          <a:chExt cx="0" cy="0"/>
-        </a:xfrm>
-      </p:grpSpPr>
-      <p:sp>
-        <p:nvSpPr>
-          <p:cNvPr id="2" name="Rectangle 1"/>
-          <p:cNvSpPr/>
-          <p:nvPr/>
-        </p:nvSpPr>
-        <p:spPr>
-          <a:xfrm>
-            <a:off x="574515" y="1744442"/>
-            <a:ext cx="8697231" cy="34298"/>
-          </a:xfrm>
-          <a:prstGeom prst="rect">
-            <a:avLst/>
-          </a:prstGeom>
-        </p:spPr>
-        <p:style>
-          <a:lnRef idx="1">
-            <a:schemeClr val="accent1"/>
-          </a:lnRef>
-          <a:fillRef idx="3">
-            <a:schemeClr val="accent1"/>
-          </a:fillRef>
-          <a:effectRef idx="2">
-            <a:schemeClr val="accent1"/>
-          </a:effectRef>
-          <a:fontRef idx="minor">
-            <a:schemeClr val="lt1"/>
-          </a:fontRef>
-        </p:style>
-        <p:txBody>
-          <a:bodyPr rtlCol="0" anchor="ctr"/>
-          <a:lstStyle/>
-          <a:p>
-            <a:pPr algn="ctr"/>
-            <a:endParaRPr lang="en-US" sz="1350">
-              <a:solidFill>
-                <a:schemeClr val="tx1">
-                  <a:lumMod val="65000"/>
-                  <a:lumOff val="35000"/>
-                </a:schemeClr>
-              </a:solidFill>
-            </a:endParaRPr>
-          </a:p>
-        </p:txBody>
-      </p:sp>
-      <p:sp>
-        <p:nvSpPr>
-          <p:cNvPr id="3" name="Rectangle 2"/>
-          <p:cNvSpPr/>
-          <p:nvPr/>
-        </p:nvSpPr>
-        <p:spPr>
-          <a:xfrm>
-            <a:off x="467544" y="980728"/>
-            <a:ext cx="7436668" cy="769441"/>
-          </a:xfrm>
-          <a:prstGeom prst="rect">
-            <a:avLst/>
-          </a:prstGeom>
-        </p:spPr>
-        <p:txBody>
-          <a:bodyPr wrap="square">
-            <a:spAutoFit/>
-          </a:bodyPr>
-          <a:lstStyle/>
-          <a:p>
-            <a:r>
-              <a:rPr lang="en-US" sz="4400" dirty="0">
-                <a:solidFill>
-                  <a:schemeClr val="accent1">
-                    <a:lumMod val="75000"/>
-                  </a:schemeClr>
-                </a:solidFill>
-              </a:rPr>
               <a:t>Run Time Polymorphism</a:t>
             </a:r>
           </a:p>
@@ -4980,7 +4838,7 @@
           <a:p>
             <a:fld id="{AAEAE4A8-A6E5-453E-B946-FB774B73F48C}" type="slidenum">
               <a:rPr lang="en-US" smtClean="0"/>
-              <a:t>13</a:t>
+              <a:t>12</a:t>
             </a:fld>
             <a:endParaRPr lang="en-US"/>
           </a:p>
@@ -5007,7 +4865,7 @@
 </p:sld>
 </file>
 
-<file path=ppt/slides/slide14.xml><?xml version="1.0" encoding="utf-8"?>
+<file path=ppt/slides/slide13.xml><?xml version="1.0" encoding="utf-8"?>
 <p:sld xmlns:a="http://schemas.openxmlformats.org/drawingml/2006/main" xmlns:r="http://schemas.openxmlformats.org/officeDocument/2006/relationships" xmlns:p="http://schemas.openxmlformats.org/presentationml/2006/main">
   <p:cSld>
     <p:spTree>
@@ -5076,7 +4934,7 @@
           <a:p>
             <a:fld id="{AAEAE4A8-A6E5-453E-B946-FB774B73F48C}" type="slidenum">
               <a:rPr lang="en-US" smtClean="0"/>
-              <a:t>14</a:t>
+              <a:t>13</a:t>
             </a:fld>
             <a:endParaRPr lang="en-US"/>
           </a:p>
@@ -5122,130 +4980,206 @@
       </p:grpSpPr>
       <p:sp>
         <p:nvSpPr>
-          <p:cNvPr id="2" name="Rectangle 1"/>
+          <p:cNvPr id="3" name="Rectangle 2"/>
           <p:cNvSpPr/>
           <p:nvPr/>
         </p:nvSpPr>
         <p:spPr>
           <a:xfrm>
-            <a:off x="574515" y="1960466"/>
-            <a:ext cx="8697231" cy="34298"/>
+            <a:off x="1115616" y="5373216"/>
+            <a:ext cx="2182129" cy="523220"/>
           </a:xfrm>
           <a:prstGeom prst="rect">
             <a:avLst/>
           </a:prstGeom>
         </p:spPr>
-        <p:style>
-          <a:lnRef idx="1">
-            <a:schemeClr val="accent1"/>
-          </a:lnRef>
-          <a:fillRef idx="3">
-            <a:schemeClr val="accent1"/>
-          </a:fillRef>
-          <a:effectRef idx="2">
-            <a:schemeClr val="accent1"/>
-          </a:effectRef>
-          <a:fontRef idx="minor">
-            <a:schemeClr val="lt1"/>
-          </a:fontRef>
-        </p:style>
-        <p:txBody>
-          <a:bodyPr rtlCol="0" anchor="ctr"/>
-          <a:lstStyle/>
-          <a:p>
-            <a:pPr algn="ctr"/>
-            <a:endParaRPr lang="en-US" sz="1350">
-              <a:solidFill>
-                <a:schemeClr val="tx1">
-                  <a:lumMod val="65000"/>
-                  <a:lumOff val="35000"/>
-                </a:schemeClr>
-              </a:solidFill>
-            </a:endParaRPr>
-          </a:p>
-        </p:txBody>
-      </p:sp>
-      <p:sp>
-        <p:nvSpPr>
-          <p:cNvPr id="3" name="Rectangle 2"/>
-          <p:cNvSpPr/>
-          <p:nvPr/>
-        </p:nvSpPr>
-        <p:spPr>
-          <a:xfrm>
-            <a:off x="431457" y="1196752"/>
-            <a:ext cx="9181103" cy="646331"/>
-          </a:xfrm>
-          <a:prstGeom prst="rect">
-            <a:avLst/>
-          </a:prstGeom>
-        </p:spPr>
-        <p:txBody>
-          <a:bodyPr wrap="none">
+        <p:txBody>
+          <a:bodyPr wrap="square">
             <a:spAutoFit/>
           </a:bodyPr>
           <a:lstStyle/>
           <a:p>
-            <a:r>
-              <a:rPr lang="en-US" sz="3600" dirty="0">
+            <a:pPr algn="ctr"/>
+            <a:r>
+              <a:rPr lang="en-US" sz="2800" dirty="0">
                 <a:solidFill>
                   <a:schemeClr val="accent1">
                     <a:lumMod val="75000"/>
                   </a:schemeClr>
                 </a:solidFill>
               </a:rPr>
-              <a:t>What is Object Oriented Programming(OOP)</a:t>
-            </a:r>
-          </a:p>
-        </p:txBody>
-      </p:sp>
-      <p:sp>
-        <p:nvSpPr>
-          <p:cNvPr id="4" name="Rectangle 3"/>
-          <p:cNvSpPr/>
+              <a:t>Object 1</a:t>
+            </a:r>
+          </a:p>
+        </p:txBody>
+      </p:sp>
+      <p:pic>
+        <p:nvPicPr>
+          <p:cNvPr id="4" name="Picture 3">
+            <a:extLst>
+              <a:ext uri="{FF2B5EF4-FFF2-40B4-BE49-F238E27FC236}">
+                <a16:creationId xmlns:a16="http://schemas.microsoft.com/office/drawing/2014/main" id="{0F32EBD3-5D96-40BF-8E0D-26252FCBA48E}"/>
+              </a:ext>
+            </a:extLst>
+          </p:cNvPr>
+          <p:cNvPicPr>
+            <a:picLocks noChangeAspect="1"/>
+          </p:cNvPicPr>
           <p:nvPr/>
-        </p:nvSpPr>
-        <p:spPr>
-          <a:xfrm>
-            <a:off x="971600" y="2852936"/>
-            <a:ext cx="7076628" cy="1815882"/>
+        </p:nvPicPr>
+        <p:blipFill>
+          <a:blip r:embed="rId2"/>
+          <a:stretch>
+            <a:fillRect/>
+          </a:stretch>
+        </p:blipFill>
+        <p:spPr>
+          <a:xfrm>
+            <a:off x="3032506" y="188640"/>
+            <a:ext cx="3078988" cy="2656649"/>
           </a:xfrm>
           <a:prstGeom prst="rect">
             <a:avLst/>
           </a:prstGeom>
         </p:spPr>
+      </p:pic>
+      <p:pic>
+        <p:nvPicPr>
+          <p:cNvPr id="7" name="Picture 6">
+            <a:extLst>
+              <a:ext uri="{FF2B5EF4-FFF2-40B4-BE49-F238E27FC236}">
+                <a16:creationId xmlns:a16="http://schemas.microsoft.com/office/drawing/2014/main" id="{71821A04-6F0A-4780-8A73-5330F5590B5E}"/>
+              </a:ext>
+            </a:extLst>
+          </p:cNvPr>
+          <p:cNvPicPr>
+            <a:picLocks noChangeAspect="1"/>
+          </p:cNvPicPr>
+          <p:nvPr/>
+        </p:nvPicPr>
+        <p:blipFill>
+          <a:blip r:embed="rId3"/>
+          <a:stretch>
+            <a:fillRect/>
+          </a:stretch>
+        </p:blipFill>
+        <p:spPr>
+          <a:xfrm>
+            <a:off x="898656" y="4012712"/>
+            <a:ext cx="3144409" cy="1099838"/>
+          </a:xfrm>
+          <a:prstGeom prst="rect">
+            <a:avLst/>
+          </a:prstGeom>
+        </p:spPr>
+      </p:pic>
+      <p:pic>
+        <p:nvPicPr>
+          <p:cNvPr id="6" name="Picture 5">
+            <a:extLst>
+              <a:ext uri="{FF2B5EF4-FFF2-40B4-BE49-F238E27FC236}">
+                <a16:creationId xmlns:a16="http://schemas.microsoft.com/office/drawing/2014/main" id="{81FE2B0A-83D0-4ED6-BFC1-55BFDDDD4096}"/>
+              </a:ext>
+            </a:extLst>
+          </p:cNvPr>
+          <p:cNvPicPr>
+            <a:picLocks noChangeAspect="1"/>
+          </p:cNvPicPr>
+          <p:nvPr/>
+        </p:nvPicPr>
+        <p:blipFill>
+          <a:blip r:embed="rId3"/>
+          <a:stretch>
+            <a:fillRect/>
+          </a:stretch>
+        </p:blipFill>
+        <p:spPr>
+          <a:xfrm>
+            <a:off x="5220072" y="4012712"/>
+            <a:ext cx="3144409" cy="1099838"/>
+          </a:xfrm>
+          <a:prstGeom prst="rect">
+            <a:avLst/>
+          </a:prstGeom>
+        </p:spPr>
+      </p:pic>
+      <p:pic>
+        <p:nvPicPr>
+          <p:cNvPr id="11" name="Picture 10">
+            <a:extLst>
+              <a:ext uri="{FF2B5EF4-FFF2-40B4-BE49-F238E27FC236}">
+                <a16:creationId xmlns:a16="http://schemas.microsoft.com/office/drawing/2014/main" id="{8BF188B5-69AF-4727-A364-FF2BD51B2D00}"/>
+              </a:ext>
+            </a:extLst>
+          </p:cNvPr>
+          <p:cNvPicPr>
+            <a:picLocks noChangeAspect="1"/>
+          </p:cNvPicPr>
+          <p:nvPr/>
+        </p:nvPicPr>
+        <p:blipFill>
+          <a:blip r:embed="rId4"/>
+          <a:stretch>
+            <a:fillRect/>
+          </a:stretch>
+        </p:blipFill>
+        <p:spPr>
+          <a:xfrm>
+            <a:off x="5697949" y="5214755"/>
+            <a:ext cx="2188654" cy="963251"/>
+          </a:xfrm>
+          <a:prstGeom prst="rect">
+            <a:avLst/>
+          </a:prstGeom>
+        </p:spPr>
+      </p:pic>
+      <p:sp>
+        <p:nvSpPr>
+          <p:cNvPr id="19" name="Rectangle 18">
+            <a:extLst>
+              <a:ext uri="{FF2B5EF4-FFF2-40B4-BE49-F238E27FC236}">
+                <a16:creationId xmlns:a16="http://schemas.microsoft.com/office/drawing/2014/main" id="{57AC320D-6ABA-4342-860B-B0DAD2982ACE}"/>
+              </a:ext>
+            </a:extLst>
+          </p:cNvPr>
+          <p:cNvSpPr/>
+          <p:nvPr/>
+        </p:nvSpPr>
+        <p:spPr>
+          <a:xfrm>
+            <a:off x="3565188" y="2583678"/>
+            <a:ext cx="1654884" cy="523220"/>
+          </a:xfrm>
+          <a:prstGeom prst="rect">
+            <a:avLst/>
+          </a:prstGeom>
+        </p:spPr>
         <p:txBody>
           <a:bodyPr wrap="square">
             <a:spAutoFit/>
           </a:bodyPr>
           <a:lstStyle/>
           <a:p>
-            <a:r>
-              <a:rPr lang="en-GB" sz="2800" dirty="0">
+            <a:pPr algn="ctr"/>
+            <a:r>
+              <a:rPr lang="en-US" sz="2800" dirty="0">
                 <a:solidFill>
-                  <a:schemeClr val="accent6">
-                    <a:lumMod val="50000"/>
+                  <a:schemeClr val="accent1">
+                    <a:lumMod val="75000"/>
                   </a:schemeClr>
                 </a:solidFill>
               </a:rPr>
-              <a:t>OOP is a programming paradigm which mainly focuses on the concept of “objects” to construct the real world scenario to solve real world problem through programming.</a:t>
-            </a:r>
-            <a:endParaRPr lang="en-US" sz="2800" dirty="0">
-              <a:solidFill>
-                <a:schemeClr val="accent6">
-                  <a:lumMod val="50000"/>
-                </a:schemeClr>
-              </a:solidFill>
-            </a:endParaRPr>
-          </a:p>
-        </p:txBody>
-      </p:sp>
-      <p:sp>
-        <p:nvSpPr>
-          <p:cNvPr id="6" name="Slide Number Placeholder 5">
+              <a:t>Class</a:t>
+            </a:r>
+          </a:p>
+        </p:txBody>
+      </p:sp>
+      <p:sp>
+        <p:nvSpPr>
+          <p:cNvPr id="5" name="Slide Number Placeholder 4">
             <a:extLst>
               <a:ext uri="{FF2B5EF4-FFF2-40B4-BE49-F238E27FC236}">
-                <a16:creationId xmlns:a16="http://schemas.microsoft.com/office/drawing/2014/main" id="{36D3BE31-ECC8-42CF-A256-F703D67E8179}"/>
+                <a16:creationId xmlns:a16="http://schemas.microsoft.com/office/drawing/2014/main" id="{5B9FD688-A39D-4A5A-8866-DD69CE4EE5B7}"/>
               </a:ext>
             </a:extLst>
           </p:cNvPr>
@@ -5272,7 +5206,7 @@
     </p:spTree>
     <p:extLst>
       <p:ext uri="{BB962C8B-B14F-4D97-AF65-F5344CB8AC3E}">
-        <p14:creationId xmlns:p14="http://schemas.microsoft.com/office/powerpoint/2010/main" val="3587736867"/>
+        <p14:creationId xmlns:p14="http://schemas.microsoft.com/office/powerpoint/2010/main" val="2315813332"/>
       </p:ext>
     </p:extLst>
   </p:cSld>
@@ -5309,206 +5243,187 @@
       </p:grpSpPr>
       <p:sp>
         <p:nvSpPr>
+          <p:cNvPr id="2" name="Rectangle 1"/>
+          <p:cNvSpPr/>
+          <p:nvPr/>
+        </p:nvSpPr>
+        <p:spPr>
+          <a:xfrm>
+            <a:off x="574515" y="1744442"/>
+            <a:ext cx="8697231" cy="34298"/>
+          </a:xfrm>
+          <a:prstGeom prst="rect">
+            <a:avLst/>
+          </a:prstGeom>
+        </p:spPr>
+        <p:style>
+          <a:lnRef idx="1">
+            <a:schemeClr val="accent1"/>
+          </a:lnRef>
+          <a:fillRef idx="3">
+            <a:schemeClr val="accent1"/>
+          </a:fillRef>
+          <a:effectRef idx="2">
+            <a:schemeClr val="accent1"/>
+          </a:effectRef>
+          <a:fontRef idx="minor">
+            <a:schemeClr val="lt1"/>
+          </a:fontRef>
+        </p:style>
+        <p:txBody>
+          <a:bodyPr rtlCol="0" anchor="ctr"/>
+          <a:lstStyle/>
+          <a:p>
+            <a:pPr algn="ctr"/>
+            <a:endParaRPr lang="en-US" sz="1350">
+              <a:solidFill>
+                <a:schemeClr val="tx1">
+                  <a:lumMod val="65000"/>
+                  <a:lumOff val="35000"/>
+                </a:schemeClr>
+              </a:solidFill>
+            </a:endParaRPr>
+          </a:p>
+        </p:txBody>
+      </p:sp>
+      <p:sp>
+        <p:nvSpPr>
           <p:cNvPr id="3" name="Rectangle 2"/>
           <p:cNvSpPr/>
           <p:nvPr/>
         </p:nvSpPr>
         <p:spPr>
           <a:xfrm>
-            <a:off x="1115616" y="5373216"/>
-            <a:ext cx="2182129" cy="523220"/>
+            <a:off x="467544" y="980728"/>
+            <a:ext cx="4374916" cy="769441"/>
           </a:xfrm>
           <a:prstGeom prst="rect">
             <a:avLst/>
           </a:prstGeom>
         </p:spPr>
         <p:txBody>
-          <a:bodyPr wrap="square">
+          <a:bodyPr wrap="none">
             <a:spAutoFit/>
           </a:bodyPr>
           <a:lstStyle/>
           <a:p>
-            <a:pPr algn="ctr"/>
-            <a:r>
-              <a:rPr lang="en-US" sz="2800" dirty="0">
+            <a:r>
+              <a:rPr lang="en-US" sz="4400" dirty="0">
                 <a:solidFill>
                   <a:schemeClr val="accent1">
                     <a:lumMod val="75000"/>
                   </a:schemeClr>
                 </a:solidFill>
               </a:rPr>
-              <a:t>Object 1</a:t>
-            </a:r>
-          </a:p>
-        </p:txBody>
-      </p:sp>
-      <p:pic>
-        <p:nvPicPr>
-          <p:cNvPr id="4" name="Picture 3">
-            <a:extLst>
-              <a:ext uri="{FF2B5EF4-FFF2-40B4-BE49-F238E27FC236}">
-                <a16:creationId xmlns:a16="http://schemas.microsoft.com/office/drawing/2014/main" id="{0F32EBD3-5D96-40BF-8E0D-26252FCBA48E}"/>
-              </a:ext>
-            </a:extLst>
-          </p:cNvPr>
-          <p:cNvPicPr>
-            <a:picLocks noChangeAspect="1"/>
-          </p:cNvPicPr>
+              <a:t>Principles of OOP</a:t>
+            </a:r>
+          </a:p>
+        </p:txBody>
+      </p:sp>
+      <p:sp>
+        <p:nvSpPr>
+          <p:cNvPr id="4" name="Rectangle 3"/>
+          <p:cNvSpPr/>
           <p:nvPr/>
-        </p:nvPicPr>
-        <p:blipFill>
-          <a:blip r:embed="rId2"/>
-          <a:stretch>
-            <a:fillRect/>
-          </a:stretch>
-        </p:blipFill>
-        <p:spPr>
-          <a:xfrm>
-            <a:off x="3032506" y="188640"/>
-            <a:ext cx="3078988" cy="2656649"/>
+        </p:nvSpPr>
+        <p:spPr>
+          <a:xfrm>
+            <a:off x="827584" y="2513883"/>
+            <a:ext cx="7076628" cy="3314690"/>
           </a:xfrm>
           <a:prstGeom prst="rect">
             <a:avLst/>
           </a:prstGeom>
         </p:spPr>
-      </p:pic>
-      <p:pic>
-        <p:nvPicPr>
-          <p:cNvPr id="7" name="Picture 6">
-            <a:extLst>
-              <a:ext uri="{FF2B5EF4-FFF2-40B4-BE49-F238E27FC236}">
-                <a16:creationId xmlns:a16="http://schemas.microsoft.com/office/drawing/2014/main" id="{71821A04-6F0A-4780-8A73-5330F5590B5E}"/>
-              </a:ext>
-            </a:extLst>
-          </p:cNvPr>
-          <p:cNvPicPr>
-            <a:picLocks noChangeAspect="1"/>
-          </p:cNvPicPr>
-          <p:nvPr/>
-        </p:nvPicPr>
-        <p:blipFill>
-          <a:blip r:embed="rId3"/>
-          <a:stretch>
-            <a:fillRect/>
-          </a:stretch>
-        </p:blipFill>
-        <p:spPr>
-          <a:xfrm>
-            <a:off x="898656" y="4012712"/>
-            <a:ext cx="3144409" cy="1099838"/>
-          </a:xfrm>
-          <a:prstGeom prst="rect">
-            <a:avLst/>
-          </a:prstGeom>
-        </p:spPr>
-      </p:pic>
-      <p:pic>
-        <p:nvPicPr>
-          <p:cNvPr id="6" name="Picture 5">
-            <a:extLst>
-              <a:ext uri="{FF2B5EF4-FFF2-40B4-BE49-F238E27FC236}">
-                <a16:creationId xmlns:a16="http://schemas.microsoft.com/office/drawing/2014/main" id="{81FE2B0A-83D0-4ED6-BFC1-55BFDDDD4096}"/>
-              </a:ext>
-            </a:extLst>
-          </p:cNvPr>
-          <p:cNvPicPr>
-            <a:picLocks noChangeAspect="1"/>
-          </p:cNvPicPr>
-          <p:nvPr/>
-        </p:nvPicPr>
-        <p:blipFill>
-          <a:blip r:embed="rId3"/>
-          <a:stretch>
-            <a:fillRect/>
-          </a:stretch>
-        </p:blipFill>
-        <p:spPr>
-          <a:xfrm>
-            <a:off x="5220072" y="4012712"/>
-            <a:ext cx="3144409" cy="1099838"/>
-          </a:xfrm>
-          <a:prstGeom prst="rect">
-            <a:avLst/>
-          </a:prstGeom>
-        </p:spPr>
-      </p:pic>
-      <p:pic>
-        <p:nvPicPr>
-          <p:cNvPr id="11" name="Picture 10">
-            <a:extLst>
-              <a:ext uri="{FF2B5EF4-FFF2-40B4-BE49-F238E27FC236}">
-                <a16:creationId xmlns:a16="http://schemas.microsoft.com/office/drawing/2014/main" id="{8BF188B5-69AF-4727-A364-FF2BD51B2D00}"/>
-              </a:ext>
-            </a:extLst>
-          </p:cNvPr>
-          <p:cNvPicPr>
-            <a:picLocks noChangeAspect="1"/>
-          </p:cNvPicPr>
-          <p:nvPr/>
-        </p:nvPicPr>
-        <p:blipFill>
-          <a:blip r:embed="rId4"/>
-          <a:stretch>
-            <a:fillRect/>
-          </a:stretch>
-        </p:blipFill>
-        <p:spPr>
-          <a:xfrm>
-            <a:off x="5697949" y="5214755"/>
-            <a:ext cx="2188654" cy="963251"/>
-          </a:xfrm>
-          <a:prstGeom prst="rect">
-            <a:avLst/>
-          </a:prstGeom>
-        </p:spPr>
-      </p:pic>
-      <p:sp>
-        <p:nvSpPr>
-          <p:cNvPr id="19" name="Rectangle 18">
-            <a:extLst>
-              <a:ext uri="{FF2B5EF4-FFF2-40B4-BE49-F238E27FC236}">
-                <a16:creationId xmlns:a16="http://schemas.microsoft.com/office/drawing/2014/main" id="{57AC320D-6ABA-4342-860B-B0DAD2982ACE}"/>
-              </a:ext>
-            </a:extLst>
-          </p:cNvPr>
-          <p:cNvSpPr/>
-          <p:nvPr/>
-        </p:nvSpPr>
-        <p:spPr>
-          <a:xfrm>
-            <a:off x="3565188" y="2583678"/>
-            <a:ext cx="1654884" cy="523220"/>
-          </a:xfrm>
-          <a:prstGeom prst="rect">
-            <a:avLst/>
-          </a:prstGeom>
-        </p:spPr>
         <p:txBody>
           <a:bodyPr wrap="square">
             <a:spAutoFit/>
           </a:bodyPr>
           <a:lstStyle/>
           <a:p>
-            <a:pPr algn="ctr"/>
-            <a:r>
-              <a:rPr lang="en-US" sz="2800" dirty="0">
+            <a:pPr marL="571500" indent="-571500">
+              <a:lnSpc>
+                <a:spcPct val="150000"/>
+              </a:lnSpc>
+              <a:buFont typeface="Wingdings" panose="05000000000000000000" pitchFamily="2" charset="2"/>
+              <a:buChar char="v"/>
+            </a:pPr>
+            <a:r>
+              <a:rPr lang="en-US" sz="3600" dirty="0">
                 <a:solidFill>
-                  <a:schemeClr val="accent1">
-                    <a:lumMod val="75000"/>
+                  <a:schemeClr val="accent6">
+                    <a:lumMod val="50000"/>
                   </a:schemeClr>
                 </a:solidFill>
               </a:rPr>
-              <a:t>Class</a:t>
-            </a:r>
-          </a:p>
-        </p:txBody>
-      </p:sp>
-      <p:sp>
-        <p:nvSpPr>
-          <p:cNvPr id="5" name="Slide Number Placeholder 4">
+              <a:t>Abstraction</a:t>
+            </a:r>
+          </a:p>
+          <a:p>
+            <a:pPr marL="571500" indent="-571500">
+              <a:lnSpc>
+                <a:spcPct val="150000"/>
+              </a:lnSpc>
+              <a:buFont typeface="Wingdings" panose="05000000000000000000" pitchFamily="2" charset="2"/>
+              <a:buChar char="v"/>
+            </a:pPr>
+            <a:r>
+              <a:rPr lang="en-US" sz="3600" dirty="0">
+                <a:solidFill>
+                  <a:schemeClr val="accent6">
+                    <a:lumMod val="50000"/>
+                  </a:schemeClr>
+                </a:solidFill>
+              </a:rPr>
+              <a:t>Encapsulation</a:t>
+            </a:r>
+          </a:p>
+          <a:p>
+            <a:pPr marL="571500" indent="-571500">
+              <a:lnSpc>
+                <a:spcPct val="150000"/>
+              </a:lnSpc>
+              <a:buFont typeface="Wingdings" panose="05000000000000000000" pitchFamily="2" charset="2"/>
+              <a:buChar char="v"/>
+            </a:pPr>
+            <a:r>
+              <a:rPr lang="en-US" sz="3600" dirty="0">
+                <a:solidFill>
+                  <a:schemeClr val="accent6">
+                    <a:lumMod val="50000"/>
+                  </a:schemeClr>
+                </a:solidFill>
+              </a:rPr>
+              <a:t>Inheritance</a:t>
+            </a:r>
+          </a:p>
+          <a:p>
+            <a:pPr marL="571500" indent="-571500">
+              <a:lnSpc>
+                <a:spcPct val="150000"/>
+              </a:lnSpc>
+              <a:buFont typeface="Wingdings" panose="05000000000000000000" pitchFamily="2" charset="2"/>
+              <a:buChar char="v"/>
+            </a:pPr>
+            <a:r>
+              <a:rPr lang="en-US" sz="3600" dirty="0">
+                <a:solidFill>
+                  <a:schemeClr val="accent6">
+                    <a:lumMod val="50000"/>
+                  </a:schemeClr>
+                </a:solidFill>
+              </a:rPr>
+              <a:t>Polymorphism</a:t>
+            </a:r>
+          </a:p>
+        </p:txBody>
+      </p:sp>
+      <p:sp>
+        <p:nvSpPr>
+          <p:cNvPr id="6" name="Slide Number Placeholder 5">
             <a:extLst>
               <a:ext uri="{FF2B5EF4-FFF2-40B4-BE49-F238E27FC236}">
-                <a16:creationId xmlns:a16="http://schemas.microsoft.com/office/drawing/2014/main" id="{5B9FD688-A39D-4A5A-8866-DD69CE4EE5B7}"/>
+                <a16:creationId xmlns:a16="http://schemas.microsoft.com/office/drawing/2014/main" id="{48C36798-4EA0-4E68-9963-850E0879501F}"/>
               </a:ext>
             </a:extLst>
           </p:cNvPr>
@@ -5535,7 +5450,7 @@
     </p:spTree>
     <p:extLst>
       <p:ext uri="{BB962C8B-B14F-4D97-AF65-F5344CB8AC3E}">
-        <p14:creationId xmlns:p14="http://schemas.microsoft.com/office/powerpoint/2010/main" val="2315813332"/>
+        <p14:creationId xmlns:p14="http://schemas.microsoft.com/office/powerpoint/2010/main" val="4292339415"/>
       </p:ext>
     </p:extLst>
   </p:cSld>
@@ -5631,7 +5546,7 @@
           </a:prstGeom>
         </p:spPr>
         <p:txBody>
-          <a:bodyPr wrap="none">
+          <a:bodyPr wrap="square">
             <a:spAutoFit/>
           </a:bodyPr>
           <a:lstStyle/>
@@ -5644,7 +5559,7 @@
                   </a:schemeClr>
                 </a:solidFill>
               </a:rPr>
-              <a:t>Principles of OOP</a:t>
+              <a:t>Abstraction</a:t>
             </a:r>
           </a:p>
         </p:txBody>
@@ -5658,7 +5573,7 @@
         <p:spPr>
           <a:xfrm>
             <a:off x="827584" y="2513883"/>
-            <a:ext cx="7076628" cy="3314690"/>
+            <a:ext cx="7076628" cy="2246769"/>
           </a:xfrm>
           <a:prstGeom prst="rect">
             <a:avLst/>
@@ -5670,79 +5585,36 @@
           </a:bodyPr>
           <a:lstStyle/>
           <a:p>
-            <a:pPr marL="571500" indent="-571500">
-              <a:lnSpc>
-                <a:spcPct val="150000"/>
-              </a:lnSpc>
-              <a:buFont typeface="Wingdings" panose="05000000000000000000" pitchFamily="2" charset="2"/>
-              <a:buChar char="v"/>
-            </a:pPr>
-            <a:r>
-              <a:rPr lang="en-US" sz="3600" dirty="0">
+            <a:r>
+              <a:rPr lang="en-US" sz="2800" dirty="0">
                 <a:solidFill>
                   <a:schemeClr val="accent6">
                     <a:lumMod val="50000"/>
                   </a:schemeClr>
                 </a:solidFill>
               </a:rPr>
-              <a:t>Abstraction</a:t>
-            </a:r>
-          </a:p>
-          <a:p>
-            <a:pPr marL="571500" indent="-571500">
-              <a:lnSpc>
-                <a:spcPct val="150000"/>
-              </a:lnSpc>
-              <a:buFont typeface="Wingdings" panose="05000000000000000000" pitchFamily="2" charset="2"/>
-              <a:buChar char="v"/>
-            </a:pPr>
-            <a:r>
-              <a:rPr lang="en-US" sz="3600" dirty="0">
+              <a:t>Abstraction means implementation hiding</a:t>
+            </a:r>
+          </a:p>
+          <a:p>
+            <a:endParaRPr lang="en-US" sz="2800" dirty="0">
+              <a:solidFill>
+                <a:schemeClr val="accent6">
+                  <a:lumMod val="50000"/>
+                </a:schemeClr>
+              </a:solidFill>
+            </a:endParaRPr>
+          </a:p>
+          <a:p>
+            <a:r>
+              <a:rPr lang="en-US" sz="2800" dirty="0">
                 <a:solidFill>
                   <a:schemeClr val="accent6">
                     <a:lumMod val="50000"/>
                   </a:schemeClr>
                 </a:solidFill>
               </a:rPr>
-              <a:t>Encapsulation</a:t>
-            </a:r>
-          </a:p>
-          <a:p>
-            <a:pPr marL="571500" indent="-571500">
-              <a:lnSpc>
-                <a:spcPct val="150000"/>
-              </a:lnSpc>
-              <a:buFont typeface="Wingdings" panose="05000000000000000000" pitchFamily="2" charset="2"/>
-              <a:buChar char="v"/>
-            </a:pPr>
-            <a:r>
-              <a:rPr lang="en-US" sz="3600" dirty="0">
-                <a:solidFill>
-                  <a:schemeClr val="accent6">
-                    <a:lumMod val="50000"/>
-                  </a:schemeClr>
-                </a:solidFill>
-              </a:rPr>
-              <a:t>Inheritance</a:t>
-            </a:r>
-          </a:p>
-          <a:p>
-            <a:pPr marL="571500" indent="-571500">
-              <a:lnSpc>
-                <a:spcPct val="150000"/>
-              </a:lnSpc>
-              <a:buFont typeface="Wingdings" panose="05000000000000000000" pitchFamily="2" charset="2"/>
-              <a:buChar char="v"/>
-            </a:pPr>
-            <a:r>
-              <a:rPr lang="en-US" sz="3600" dirty="0">
-                <a:solidFill>
-                  <a:schemeClr val="accent6">
-                    <a:lumMod val="50000"/>
-                  </a:schemeClr>
-                </a:solidFill>
-              </a:rPr>
-              <a:t>Polymorphism</a:t>
+              <a:t>When a user calls printf() and use it C program without knowing how it is implemented, Then it is Abstraction</a:t>
             </a:r>
           </a:p>
         </p:txBody>
@@ -5752,7 +5624,7 @@
           <p:cNvPr id="6" name="Slide Number Placeholder 5">
             <a:extLst>
               <a:ext uri="{FF2B5EF4-FFF2-40B4-BE49-F238E27FC236}">
-                <a16:creationId xmlns:a16="http://schemas.microsoft.com/office/drawing/2014/main" id="{48C36798-4EA0-4E68-9963-850E0879501F}"/>
+                <a16:creationId xmlns:a16="http://schemas.microsoft.com/office/drawing/2014/main" id="{532558F2-AADD-44A9-B8C6-C3AAC5AA6016}"/>
               </a:ext>
             </a:extLst>
           </p:cNvPr>
@@ -5779,7 +5651,7 @@
     </p:spTree>
     <p:extLst>
       <p:ext uri="{BB962C8B-B14F-4D97-AF65-F5344CB8AC3E}">
-        <p14:creationId xmlns:p14="http://schemas.microsoft.com/office/powerpoint/2010/main" val="4292339415"/>
+        <p14:creationId xmlns:p14="http://schemas.microsoft.com/office/powerpoint/2010/main" val="3021019536"/>
       </p:ext>
     </p:extLst>
   </p:cSld>
@@ -5888,7 +5760,7 @@
                   </a:schemeClr>
                 </a:solidFill>
               </a:rPr>
-              <a:t>Abstraction</a:t>
+              <a:t>Encapsulation</a:t>
             </a:r>
           </a:p>
         </p:txBody>
@@ -5902,7 +5774,7 @@
         <p:spPr>
           <a:xfrm>
             <a:off x="827584" y="2513883"/>
-            <a:ext cx="7076628" cy="2246769"/>
+            <a:ext cx="7076628" cy="1815882"/>
           </a:xfrm>
           <a:prstGeom prst="rect">
             <a:avLst/>
@@ -5922,7 +5794,7 @@
                   </a:schemeClr>
                 </a:solidFill>
               </a:rPr>
-              <a:t>Abstraction means implementation hiding</a:t>
+              <a:t>Encapsulation means data hiding</a:t>
             </a:r>
           </a:p>
           <a:p>
@@ -5943,7 +5815,7 @@
                   </a:schemeClr>
                 </a:solidFill>
               </a:rPr>
-              <a:t>When a user calls printf() and use it C program without knowing how it is implemented, Then it is Abstraction</a:t>
+              <a:t>Encapsulation is binding data and methods together to protect it from outer world</a:t>
             </a:r>
           </a:p>
         </p:txBody>
@@ -5953,7 +5825,7 @@
           <p:cNvPr id="6" name="Slide Number Placeholder 5">
             <a:extLst>
               <a:ext uri="{FF2B5EF4-FFF2-40B4-BE49-F238E27FC236}">
-                <a16:creationId xmlns:a16="http://schemas.microsoft.com/office/drawing/2014/main" id="{532558F2-AADD-44A9-B8C6-C3AAC5AA6016}"/>
+                <a16:creationId xmlns:a16="http://schemas.microsoft.com/office/drawing/2014/main" id="{5DA72AB8-B99E-43AE-BCBD-E52FD0CE9BCB}"/>
               </a:ext>
             </a:extLst>
           </p:cNvPr>
@@ -5980,7 +5852,7 @@
     </p:spTree>
     <p:extLst>
       <p:ext uri="{BB962C8B-B14F-4D97-AF65-F5344CB8AC3E}">
-        <p14:creationId xmlns:p14="http://schemas.microsoft.com/office/powerpoint/2010/main" val="3021019536"/>
+        <p14:creationId xmlns:p14="http://schemas.microsoft.com/office/powerpoint/2010/main" val="3347875562"/>
       </p:ext>
     </p:extLst>
   </p:cSld>
@@ -6069,7 +5941,7 @@
         <p:spPr>
           <a:xfrm>
             <a:off x="467544" y="980728"/>
-            <a:ext cx="4374916" cy="769441"/>
+            <a:ext cx="7436668" cy="769441"/>
           </a:xfrm>
           <a:prstGeom prst="rect">
             <a:avLst/>
@@ -6089,7 +5961,7 @@
                   </a:schemeClr>
                 </a:solidFill>
               </a:rPr>
-              <a:t>Encapsulation</a:t>
+              <a:t>Abstraction vs Encapsulation</a:t>
             </a:r>
           </a:p>
         </p:txBody>
@@ -6102,8 +5974,8 @@
         </p:nvSpPr>
         <p:spPr>
           <a:xfrm>
-            <a:off x="827584" y="2513883"/>
-            <a:ext cx="7076628" cy="1815882"/>
+            <a:off x="800615" y="5081987"/>
+            <a:ext cx="7076628" cy="954107"/>
           </a:xfrm>
           <a:prstGeom prst="rect">
             <a:avLst/>
@@ -6123,17 +5995,8 @@
                   </a:schemeClr>
                 </a:solidFill>
               </a:rPr>
-              <a:t>Encapsulation means data hiding</a:t>
-            </a:r>
-          </a:p>
-          <a:p>
-            <a:endParaRPr lang="en-US" sz="2800" dirty="0">
-              <a:solidFill>
-                <a:schemeClr val="accent6">
-                  <a:lumMod val="50000"/>
-                </a:schemeClr>
-              </a:solidFill>
-            </a:endParaRPr>
+              <a:t>Abstraction – Cash withdraw</a:t>
+            </a:r>
           </a:p>
           <a:p>
             <a:r>
@@ -6144,17 +6007,88 @@
                   </a:schemeClr>
                 </a:solidFill>
               </a:rPr>
-              <a:t>Encapsulation is binding data and methods together to protect it from outer world</a:t>
-            </a:r>
-          </a:p>
-        </p:txBody>
-      </p:sp>
-      <p:sp>
-        <p:nvSpPr>
-          <p:cNvPr id="6" name="Slide Number Placeholder 5">
+              <a:t>Encapsulation – Can not change statements</a:t>
+            </a:r>
+          </a:p>
+        </p:txBody>
+      </p:sp>
+      <p:pic>
+        <p:nvPicPr>
+          <p:cNvPr id="6" name="Picture 5">
             <a:extLst>
               <a:ext uri="{FF2B5EF4-FFF2-40B4-BE49-F238E27FC236}">
-                <a16:creationId xmlns:a16="http://schemas.microsoft.com/office/drawing/2014/main" id="{5DA72AB8-B99E-43AE-BCBD-E52FD0CE9BCB}"/>
+                <a16:creationId xmlns:a16="http://schemas.microsoft.com/office/drawing/2014/main" id="{5F0B3928-87E6-4AD8-8D82-5FF9B93890F7}"/>
+              </a:ext>
+            </a:extLst>
+          </p:cNvPr>
+          <p:cNvPicPr>
+            <a:picLocks noChangeAspect="1"/>
+          </p:cNvPicPr>
+          <p:nvPr/>
+        </p:nvPicPr>
+        <p:blipFill>
+          <a:blip r:embed="rId2"/>
+          <a:stretch>
+            <a:fillRect/>
+          </a:stretch>
+        </p:blipFill>
+        <p:spPr>
+          <a:xfrm>
+            <a:off x="3418611" y="1961616"/>
+            <a:ext cx="2306777" cy="2299836"/>
+          </a:xfrm>
+          <a:prstGeom prst="rect">
+            <a:avLst/>
+          </a:prstGeom>
+        </p:spPr>
+      </p:pic>
+      <p:sp>
+        <p:nvSpPr>
+          <p:cNvPr id="7" name="Rectangle 6">
+            <a:extLst>
+              <a:ext uri="{FF2B5EF4-FFF2-40B4-BE49-F238E27FC236}">
+                <a16:creationId xmlns:a16="http://schemas.microsoft.com/office/drawing/2014/main" id="{F2BD3311-A0EF-4563-B489-974ECA3B0A6E}"/>
+              </a:ext>
+            </a:extLst>
+          </p:cNvPr>
+          <p:cNvSpPr/>
+          <p:nvPr/>
+        </p:nvSpPr>
+        <p:spPr>
+          <a:xfrm>
+            <a:off x="3095205" y="4307615"/>
+            <a:ext cx="2953588" cy="523220"/>
+          </a:xfrm>
+          <a:prstGeom prst="rect">
+            <a:avLst/>
+          </a:prstGeom>
+        </p:spPr>
+        <p:txBody>
+          <a:bodyPr wrap="square">
+            <a:spAutoFit/>
+          </a:bodyPr>
+          <a:lstStyle/>
+          <a:p>
+            <a:pPr algn="ctr"/>
+            <a:r>
+              <a:rPr lang="en-US" sz="2800" dirty="0">
+                <a:solidFill>
+                  <a:schemeClr val="accent6">
+                    <a:lumMod val="50000"/>
+                  </a:schemeClr>
+                </a:solidFill>
+              </a:rPr>
+              <a:t>ATM Machine</a:t>
+            </a:r>
+          </a:p>
+        </p:txBody>
+      </p:sp>
+      <p:sp>
+        <p:nvSpPr>
+          <p:cNvPr id="8" name="Slide Number Placeholder 7">
+            <a:extLst>
+              <a:ext uri="{FF2B5EF4-FFF2-40B4-BE49-F238E27FC236}">
+                <a16:creationId xmlns:a16="http://schemas.microsoft.com/office/drawing/2014/main" id="{2BDE50A1-4D57-4272-9CD8-A8E47796ED93}"/>
               </a:ext>
             </a:extLst>
           </p:cNvPr>
@@ -6181,7 +6115,7 @@
     </p:spTree>
     <p:extLst>
       <p:ext uri="{BB962C8B-B14F-4D97-AF65-F5344CB8AC3E}">
-        <p14:creationId xmlns:p14="http://schemas.microsoft.com/office/powerpoint/2010/main" val="3347875562"/>
+        <p14:creationId xmlns:p14="http://schemas.microsoft.com/office/powerpoint/2010/main" val="2914746012"/>
       </p:ext>
     </p:extLst>
   </p:cSld>
@@ -6290,7 +6224,7 @@
                   </a:schemeClr>
                 </a:solidFill>
               </a:rPr>
-              <a:t>Abstraction vs Encapsulation</a:t>
+              <a:t>Inheritance</a:t>
             </a:r>
           </a:p>
         </p:txBody>
@@ -6303,8 +6237,8 @@
         </p:nvSpPr>
         <p:spPr>
           <a:xfrm>
-            <a:off x="800615" y="5081987"/>
-            <a:ext cx="7076628" cy="954107"/>
+            <a:off x="1033686" y="2542454"/>
+            <a:ext cx="7076628" cy="2246769"/>
           </a:xfrm>
           <a:prstGeom prst="rect">
             <a:avLst/>
@@ -6324,8 +6258,17 @@
                   </a:schemeClr>
                 </a:solidFill>
               </a:rPr>
-              <a:t>Abstraction – Cash withdraw</a:t>
-            </a:r>
+              <a:t>Inheritance means borrowing</a:t>
+            </a:r>
+          </a:p>
+          <a:p>
+            <a:endParaRPr lang="en-US" sz="2800" dirty="0">
+              <a:solidFill>
+                <a:schemeClr val="accent6">
+                  <a:lumMod val="50000"/>
+                </a:schemeClr>
+              </a:solidFill>
+            </a:endParaRPr>
           </a:p>
           <a:p>
             <a:r>
@@ -6336,88 +6279,17 @@
                   </a:schemeClr>
                 </a:solidFill>
               </a:rPr>
-              <a:t>Encapsulation – Can not change statements</a:t>
-            </a:r>
-          </a:p>
-        </p:txBody>
-      </p:sp>
-      <p:pic>
-        <p:nvPicPr>
-          <p:cNvPr id="6" name="Picture 5">
+              <a:t>In OOP, Inheritance is a mechanism in which one class acquires the property of another class</a:t>
+            </a:r>
+          </a:p>
+        </p:txBody>
+      </p:sp>
+      <p:sp>
+        <p:nvSpPr>
+          <p:cNvPr id="6" name="Slide Number Placeholder 5">
             <a:extLst>
               <a:ext uri="{FF2B5EF4-FFF2-40B4-BE49-F238E27FC236}">
-                <a16:creationId xmlns:a16="http://schemas.microsoft.com/office/drawing/2014/main" id="{5F0B3928-87E6-4AD8-8D82-5FF9B93890F7}"/>
-              </a:ext>
-            </a:extLst>
-          </p:cNvPr>
-          <p:cNvPicPr>
-            <a:picLocks noChangeAspect="1"/>
-          </p:cNvPicPr>
-          <p:nvPr/>
-        </p:nvPicPr>
-        <p:blipFill>
-          <a:blip r:embed="rId2"/>
-          <a:stretch>
-            <a:fillRect/>
-          </a:stretch>
-        </p:blipFill>
-        <p:spPr>
-          <a:xfrm>
-            <a:off x="3418611" y="1961616"/>
-            <a:ext cx="2306777" cy="2299836"/>
-          </a:xfrm>
-          <a:prstGeom prst="rect">
-            <a:avLst/>
-          </a:prstGeom>
-        </p:spPr>
-      </p:pic>
-      <p:sp>
-        <p:nvSpPr>
-          <p:cNvPr id="7" name="Rectangle 6">
-            <a:extLst>
-              <a:ext uri="{FF2B5EF4-FFF2-40B4-BE49-F238E27FC236}">
-                <a16:creationId xmlns:a16="http://schemas.microsoft.com/office/drawing/2014/main" id="{F2BD3311-A0EF-4563-B489-974ECA3B0A6E}"/>
-              </a:ext>
-            </a:extLst>
-          </p:cNvPr>
-          <p:cNvSpPr/>
-          <p:nvPr/>
-        </p:nvSpPr>
-        <p:spPr>
-          <a:xfrm>
-            <a:off x="3095205" y="4307615"/>
-            <a:ext cx="2953588" cy="523220"/>
-          </a:xfrm>
-          <a:prstGeom prst="rect">
-            <a:avLst/>
-          </a:prstGeom>
-        </p:spPr>
-        <p:txBody>
-          <a:bodyPr wrap="square">
-            <a:spAutoFit/>
-          </a:bodyPr>
-          <a:lstStyle/>
-          <a:p>
-            <a:pPr algn="ctr"/>
-            <a:r>
-              <a:rPr lang="en-US" sz="2800" dirty="0">
-                <a:solidFill>
-                  <a:schemeClr val="accent6">
-                    <a:lumMod val="50000"/>
-                  </a:schemeClr>
-                </a:solidFill>
-              </a:rPr>
-              <a:t>ATM Machine</a:t>
-            </a:r>
-          </a:p>
-        </p:txBody>
-      </p:sp>
-      <p:sp>
-        <p:nvSpPr>
-          <p:cNvPr id="8" name="Slide Number Placeholder 7">
-            <a:extLst>
-              <a:ext uri="{FF2B5EF4-FFF2-40B4-BE49-F238E27FC236}">
-                <a16:creationId xmlns:a16="http://schemas.microsoft.com/office/drawing/2014/main" id="{2BDE50A1-4D57-4272-9CD8-A8E47796ED93}"/>
+                <a16:creationId xmlns:a16="http://schemas.microsoft.com/office/drawing/2014/main" id="{C7507500-E5D9-46A3-B2D5-BDDC35F9401C}"/>
               </a:ext>
             </a:extLst>
           </p:cNvPr>
@@ -6444,7 +6316,7 @@
     </p:spTree>
     <p:extLst>
       <p:ext uri="{BB962C8B-B14F-4D97-AF65-F5344CB8AC3E}">
-        <p14:creationId xmlns:p14="http://schemas.microsoft.com/office/powerpoint/2010/main" val="2914746012"/>
+        <p14:creationId xmlns:p14="http://schemas.microsoft.com/office/powerpoint/2010/main" val="3624677081"/>
       </p:ext>
     </p:extLst>
   </p:cSld>
@@ -6487,7 +6359,7 @@
         </p:nvSpPr>
         <p:spPr>
           <a:xfrm>
-            <a:off x="574515" y="1744442"/>
+            <a:off x="574515" y="1628800"/>
             <a:ext cx="8697231" cy="34298"/>
           </a:xfrm>
           <a:prstGeom prst="rect">
@@ -6532,7 +6404,7 @@
         </p:nvSpPr>
         <p:spPr>
           <a:xfrm>
-            <a:off x="467544" y="980728"/>
+            <a:off x="467544" y="859359"/>
             <a:ext cx="7436668" cy="769441"/>
           </a:xfrm>
           <a:prstGeom prst="rect">
@@ -6553,7 +6425,7 @@
                   </a:schemeClr>
                 </a:solidFill>
               </a:rPr>
-              <a:t>Inheritance</a:t>
+              <a:t>Types of Inheritance</a:t>
             </a:r>
           </a:p>
         </p:txBody>
@@ -6566,8 +6438,8 @@
         </p:nvSpPr>
         <p:spPr>
           <a:xfrm>
-            <a:off x="1033686" y="2542454"/>
-            <a:ext cx="7076628" cy="2246769"/>
+            <a:off x="574515" y="4149080"/>
+            <a:ext cx="1159371" cy="523220"/>
           </a:xfrm>
           <a:prstGeom prst="rect">
             <a:avLst/>
@@ -6579,36 +6451,259 @@
           </a:bodyPr>
           <a:lstStyle/>
           <a:p>
+            <a:pPr algn="ctr"/>
             <a:r>
               <a:rPr lang="en-US" sz="2800" dirty="0">
                 <a:solidFill>
-                  <a:schemeClr val="accent6">
-                    <a:lumMod val="50000"/>
+                  <a:schemeClr val="accent1">
+                    <a:lumMod val="75000"/>
                   </a:schemeClr>
                 </a:solidFill>
               </a:rPr>
-              <a:t>Inheritance means borrowing</a:t>
-            </a:r>
-          </a:p>
-          <a:p>
-            <a:endParaRPr lang="en-US" sz="2800" dirty="0">
-              <a:solidFill>
-                <a:schemeClr val="accent6">
-                  <a:lumMod val="50000"/>
-                </a:schemeClr>
-              </a:solidFill>
-            </a:endParaRPr>
-          </a:p>
-          <a:p>
+              <a:t>Single</a:t>
+            </a:r>
+          </a:p>
+        </p:txBody>
+      </p:sp>
+      <p:pic>
+        <p:nvPicPr>
+          <p:cNvPr id="14" name="Picture 13">
+            <a:extLst>
+              <a:ext uri="{FF2B5EF4-FFF2-40B4-BE49-F238E27FC236}">
+                <a16:creationId xmlns:a16="http://schemas.microsoft.com/office/drawing/2014/main" id="{35DDEEB2-6EF6-4333-A73B-F5EDC1ED6A5C}"/>
+              </a:ext>
+            </a:extLst>
+          </p:cNvPr>
+          <p:cNvPicPr>
+            <a:picLocks noChangeAspect="1"/>
+          </p:cNvPicPr>
+          <p:nvPr/>
+        </p:nvPicPr>
+        <p:blipFill>
+          <a:blip r:embed="rId2"/>
+          <a:stretch>
+            <a:fillRect/>
+          </a:stretch>
+        </p:blipFill>
+        <p:spPr>
+          <a:xfrm>
+            <a:off x="827584" y="2204864"/>
+            <a:ext cx="590550" cy="1628775"/>
+          </a:xfrm>
+          <a:prstGeom prst="rect">
+            <a:avLst/>
+          </a:prstGeom>
+        </p:spPr>
+      </p:pic>
+      <p:pic>
+        <p:nvPicPr>
+          <p:cNvPr id="16" name="Picture 15">
+            <a:extLst>
+              <a:ext uri="{FF2B5EF4-FFF2-40B4-BE49-F238E27FC236}">
+                <a16:creationId xmlns:a16="http://schemas.microsoft.com/office/drawing/2014/main" id="{2D9D2E6F-0BA0-42A7-80E1-85E9B2A08743}"/>
+              </a:ext>
+            </a:extLst>
+          </p:cNvPr>
+          <p:cNvPicPr>
+            <a:picLocks noChangeAspect="1"/>
+          </p:cNvPicPr>
+          <p:nvPr/>
+        </p:nvPicPr>
+        <p:blipFill>
+          <a:blip r:embed="rId3"/>
+          <a:stretch>
+            <a:fillRect/>
+          </a:stretch>
+        </p:blipFill>
+        <p:spPr>
+          <a:xfrm>
+            <a:off x="2041896" y="2204864"/>
+            <a:ext cx="590550" cy="2771775"/>
+          </a:xfrm>
+          <a:prstGeom prst="rect">
+            <a:avLst/>
+          </a:prstGeom>
+        </p:spPr>
+      </p:pic>
+      <p:pic>
+        <p:nvPicPr>
+          <p:cNvPr id="18" name="Picture 17">
+            <a:extLst>
+              <a:ext uri="{FF2B5EF4-FFF2-40B4-BE49-F238E27FC236}">
+                <a16:creationId xmlns:a16="http://schemas.microsoft.com/office/drawing/2014/main" id="{DA6F4879-ED1B-40DC-89E7-A4CEFD9BD1FF}"/>
+              </a:ext>
+            </a:extLst>
+          </p:cNvPr>
+          <p:cNvPicPr>
+            <a:picLocks noChangeAspect="1"/>
+          </p:cNvPicPr>
+          <p:nvPr/>
+        </p:nvPicPr>
+        <p:blipFill>
+          <a:blip r:embed="rId4"/>
+          <a:stretch>
+            <a:fillRect/>
+          </a:stretch>
+        </p:blipFill>
+        <p:spPr>
+          <a:xfrm>
+            <a:off x="3235067" y="2204864"/>
+            <a:ext cx="2182129" cy="1657350"/>
+          </a:xfrm>
+          <a:prstGeom prst="rect">
+            <a:avLst/>
+          </a:prstGeom>
+        </p:spPr>
+      </p:pic>
+      <p:sp>
+        <p:nvSpPr>
+          <p:cNvPr id="19" name="Rectangle 18">
+            <a:extLst>
+              <a:ext uri="{FF2B5EF4-FFF2-40B4-BE49-F238E27FC236}">
+                <a16:creationId xmlns:a16="http://schemas.microsoft.com/office/drawing/2014/main" id="{52459567-5A81-4F8F-AFB9-F0C4E5153771}"/>
+              </a:ext>
+            </a:extLst>
+          </p:cNvPr>
+          <p:cNvSpPr/>
+          <p:nvPr/>
+        </p:nvSpPr>
+        <p:spPr>
+          <a:xfrm>
+            <a:off x="1224721" y="5402763"/>
+            <a:ext cx="2182129" cy="523220"/>
+          </a:xfrm>
+          <a:prstGeom prst="rect">
+            <a:avLst/>
+          </a:prstGeom>
+        </p:spPr>
+        <p:txBody>
+          <a:bodyPr wrap="square">
+            <a:spAutoFit/>
+          </a:bodyPr>
+          <a:lstStyle/>
+          <a:p>
+            <a:pPr algn="ctr"/>
             <a:r>
               <a:rPr lang="en-US" sz="2800" dirty="0">
                 <a:solidFill>
-                  <a:schemeClr val="accent6">
-                    <a:lumMod val="50000"/>
+                  <a:schemeClr val="accent1">
+                    <a:lumMod val="75000"/>
                   </a:schemeClr>
                 </a:solidFill>
               </a:rPr>
-              <a:t>In OOP, Inheritance is a mechanism in which one class acquires the property of another class</a:t>
+              <a:t>Multilevel</a:t>
+            </a:r>
+          </a:p>
+        </p:txBody>
+      </p:sp>
+      <p:pic>
+        <p:nvPicPr>
+          <p:cNvPr id="23" name="Picture 22">
+            <a:extLst>
+              <a:ext uri="{FF2B5EF4-FFF2-40B4-BE49-F238E27FC236}">
+                <a16:creationId xmlns:a16="http://schemas.microsoft.com/office/drawing/2014/main" id="{C44F852D-8EBF-4C61-B78C-FFB172C67FE6}"/>
+              </a:ext>
+            </a:extLst>
+          </p:cNvPr>
+          <p:cNvPicPr>
+            <a:picLocks noChangeAspect="1"/>
+          </p:cNvPicPr>
+          <p:nvPr/>
+        </p:nvPicPr>
+        <p:blipFill>
+          <a:blip r:embed="rId5"/>
+          <a:stretch>
+            <a:fillRect/>
+          </a:stretch>
+        </p:blipFill>
+        <p:spPr>
+          <a:xfrm>
+            <a:off x="6019573" y="2176289"/>
+            <a:ext cx="2505075" cy="1657350"/>
+          </a:xfrm>
+          <a:prstGeom prst="rect">
+            <a:avLst/>
+          </a:prstGeom>
+        </p:spPr>
+      </p:pic>
+      <p:sp>
+        <p:nvSpPr>
+          <p:cNvPr id="24" name="Rectangle 23">
+            <a:extLst>
+              <a:ext uri="{FF2B5EF4-FFF2-40B4-BE49-F238E27FC236}">
+                <a16:creationId xmlns:a16="http://schemas.microsoft.com/office/drawing/2014/main" id="{0A17F127-3BCF-4865-8D41-28D523A3698C}"/>
+              </a:ext>
+            </a:extLst>
+          </p:cNvPr>
+          <p:cNvSpPr/>
+          <p:nvPr/>
+        </p:nvSpPr>
+        <p:spPr>
+          <a:xfrm>
+            <a:off x="3261830" y="4288338"/>
+            <a:ext cx="2182129" cy="523220"/>
+          </a:xfrm>
+          <a:prstGeom prst="rect">
+            <a:avLst/>
+          </a:prstGeom>
+        </p:spPr>
+        <p:txBody>
+          <a:bodyPr wrap="square">
+            <a:spAutoFit/>
+          </a:bodyPr>
+          <a:lstStyle/>
+          <a:p>
+            <a:pPr algn="ctr"/>
+            <a:r>
+              <a:rPr lang="en-US" sz="2800" dirty="0">
+                <a:solidFill>
+                  <a:schemeClr val="accent1">
+                    <a:lumMod val="75000"/>
+                  </a:schemeClr>
+                </a:solidFill>
+              </a:rPr>
+              <a:t>Multiple</a:t>
+            </a:r>
+          </a:p>
+        </p:txBody>
+      </p:sp>
+      <p:sp>
+        <p:nvSpPr>
+          <p:cNvPr id="25" name="Rectangle 24">
+            <a:extLst>
+              <a:ext uri="{FF2B5EF4-FFF2-40B4-BE49-F238E27FC236}">
+                <a16:creationId xmlns:a16="http://schemas.microsoft.com/office/drawing/2014/main" id="{D545BA43-C2A9-480F-A416-D0D7296A2A23}"/>
+              </a:ext>
+            </a:extLst>
+          </p:cNvPr>
+          <p:cNvSpPr/>
+          <p:nvPr/>
+        </p:nvSpPr>
+        <p:spPr>
+          <a:xfrm>
+            <a:off x="6342519" y="4288338"/>
+            <a:ext cx="2182129" cy="523220"/>
+          </a:xfrm>
+          <a:prstGeom prst="rect">
+            <a:avLst/>
+          </a:prstGeom>
+        </p:spPr>
+        <p:txBody>
+          <a:bodyPr wrap="square">
+            <a:spAutoFit/>
+          </a:bodyPr>
+          <a:lstStyle/>
+          <a:p>
+            <a:pPr algn="ctr"/>
+            <a:r>
+              <a:rPr lang="en-US" sz="2800" dirty="0">
+                <a:solidFill>
+                  <a:schemeClr val="accent1">
+                    <a:lumMod val="75000"/>
+                  </a:schemeClr>
+                </a:solidFill>
+              </a:rPr>
+              <a:t>Hierarchical</a:t>
             </a:r>
           </a:p>
         </p:txBody>
@@ -6618,7 +6713,7 @@
           <p:cNvPr id="6" name="Slide Number Placeholder 5">
             <a:extLst>
               <a:ext uri="{FF2B5EF4-FFF2-40B4-BE49-F238E27FC236}">
-                <a16:creationId xmlns:a16="http://schemas.microsoft.com/office/drawing/2014/main" id="{C7507500-E5D9-46A3-B2D5-BDDC35F9401C}"/>
+                <a16:creationId xmlns:a16="http://schemas.microsoft.com/office/drawing/2014/main" id="{5BF887B9-9194-451A-9495-8A35E4254E09}"/>
               </a:ext>
             </a:extLst>
           </p:cNvPr>
@@ -6645,7 +6740,7 @@
     </p:spTree>
     <p:extLst>
       <p:ext uri="{BB962C8B-B14F-4D97-AF65-F5344CB8AC3E}">
-        <p14:creationId xmlns:p14="http://schemas.microsoft.com/office/powerpoint/2010/main" val="3624677081"/>
+        <p14:creationId xmlns:p14="http://schemas.microsoft.com/office/powerpoint/2010/main" val="1040787022"/>
       </p:ext>
     </p:extLst>
   </p:cSld>
@@ -6688,7 +6783,7 @@
         </p:nvSpPr>
         <p:spPr>
           <a:xfrm>
-            <a:off x="574515" y="1628800"/>
+            <a:off x="574515" y="1744442"/>
             <a:ext cx="8697231" cy="34298"/>
           </a:xfrm>
           <a:prstGeom prst="rect">
@@ -6733,7 +6828,7 @@
         </p:nvSpPr>
         <p:spPr>
           <a:xfrm>
-            <a:off x="467544" y="859359"/>
+            <a:off x="467544" y="980728"/>
             <a:ext cx="7436668" cy="769441"/>
           </a:xfrm>
           <a:prstGeom prst="rect">
@@ -6754,7 +6849,7 @@
                   </a:schemeClr>
                 </a:solidFill>
               </a:rPr>
-              <a:t>Types of Inheritance</a:t>
+              <a:t>Polymorphism</a:t>
             </a:r>
           </a:p>
         </p:txBody>
@@ -6767,8 +6862,8 @@
         </p:nvSpPr>
         <p:spPr>
           <a:xfrm>
-            <a:off x="574515" y="4149080"/>
-            <a:ext cx="1159371" cy="523220"/>
+            <a:off x="1033686" y="2542454"/>
+            <a:ext cx="7076628" cy="1384995"/>
           </a:xfrm>
           <a:prstGeom prst="rect">
             <a:avLst/>
@@ -6780,259 +6875,15 @@
           </a:bodyPr>
           <a:lstStyle/>
           <a:p>
-            <a:pPr algn="ctr"/>
             <a:r>
               <a:rPr lang="en-US" sz="2800" dirty="0">
                 <a:solidFill>
-                  <a:schemeClr val="accent1">
-                    <a:lumMod val="75000"/>
+                  <a:schemeClr val="accent6">
+                    <a:lumMod val="50000"/>
                   </a:schemeClr>
                 </a:solidFill>
               </a:rPr>
-              <a:t>Single</a:t>
-            </a:r>
-          </a:p>
-        </p:txBody>
-      </p:sp>
-      <p:pic>
-        <p:nvPicPr>
-          <p:cNvPr id="14" name="Picture 13">
-            <a:extLst>
-              <a:ext uri="{FF2B5EF4-FFF2-40B4-BE49-F238E27FC236}">
-                <a16:creationId xmlns:a16="http://schemas.microsoft.com/office/drawing/2014/main" id="{35DDEEB2-6EF6-4333-A73B-F5EDC1ED6A5C}"/>
-              </a:ext>
-            </a:extLst>
-          </p:cNvPr>
-          <p:cNvPicPr>
-            <a:picLocks noChangeAspect="1"/>
-          </p:cNvPicPr>
-          <p:nvPr/>
-        </p:nvPicPr>
-        <p:blipFill>
-          <a:blip r:embed="rId2"/>
-          <a:stretch>
-            <a:fillRect/>
-          </a:stretch>
-        </p:blipFill>
-        <p:spPr>
-          <a:xfrm>
-            <a:off x="827584" y="2204864"/>
-            <a:ext cx="590550" cy="1628775"/>
-          </a:xfrm>
-          <a:prstGeom prst="rect">
-            <a:avLst/>
-          </a:prstGeom>
-        </p:spPr>
-      </p:pic>
-      <p:pic>
-        <p:nvPicPr>
-          <p:cNvPr id="16" name="Picture 15">
-            <a:extLst>
-              <a:ext uri="{FF2B5EF4-FFF2-40B4-BE49-F238E27FC236}">
-                <a16:creationId xmlns:a16="http://schemas.microsoft.com/office/drawing/2014/main" id="{2D9D2E6F-0BA0-42A7-80E1-85E9B2A08743}"/>
-              </a:ext>
-            </a:extLst>
-          </p:cNvPr>
-          <p:cNvPicPr>
-            <a:picLocks noChangeAspect="1"/>
-          </p:cNvPicPr>
-          <p:nvPr/>
-        </p:nvPicPr>
-        <p:blipFill>
-          <a:blip r:embed="rId3"/>
-          <a:stretch>
-            <a:fillRect/>
-          </a:stretch>
-        </p:blipFill>
-        <p:spPr>
-          <a:xfrm>
-            <a:off x="2041896" y="2204864"/>
-            <a:ext cx="590550" cy="2771775"/>
-          </a:xfrm>
-          <a:prstGeom prst="rect">
-            <a:avLst/>
-          </a:prstGeom>
-        </p:spPr>
-      </p:pic>
-      <p:pic>
-        <p:nvPicPr>
-          <p:cNvPr id="18" name="Picture 17">
-            <a:extLst>
-              <a:ext uri="{FF2B5EF4-FFF2-40B4-BE49-F238E27FC236}">
-                <a16:creationId xmlns:a16="http://schemas.microsoft.com/office/drawing/2014/main" id="{DA6F4879-ED1B-40DC-89E7-A4CEFD9BD1FF}"/>
-              </a:ext>
-            </a:extLst>
-          </p:cNvPr>
-          <p:cNvPicPr>
-            <a:picLocks noChangeAspect="1"/>
-          </p:cNvPicPr>
-          <p:nvPr/>
-        </p:nvPicPr>
-        <p:blipFill>
-          <a:blip r:embed="rId4"/>
-          <a:stretch>
-            <a:fillRect/>
-          </a:stretch>
-        </p:blipFill>
-        <p:spPr>
-          <a:xfrm>
-            <a:off x="3235067" y="2204864"/>
-            <a:ext cx="2182129" cy="1657350"/>
-          </a:xfrm>
-          <a:prstGeom prst="rect">
-            <a:avLst/>
-          </a:prstGeom>
-        </p:spPr>
-      </p:pic>
-      <p:sp>
-        <p:nvSpPr>
-          <p:cNvPr id="19" name="Rectangle 18">
-            <a:extLst>
-              <a:ext uri="{FF2B5EF4-FFF2-40B4-BE49-F238E27FC236}">
-                <a16:creationId xmlns:a16="http://schemas.microsoft.com/office/drawing/2014/main" id="{52459567-5A81-4F8F-AFB9-F0C4E5153771}"/>
-              </a:ext>
-            </a:extLst>
-          </p:cNvPr>
-          <p:cNvSpPr/>
-          <p:nvPr/>
-        </p:nvSpPr>
-        <p:spPr>
-          <a:xfrm>
-            <a:off x="1224721" y="5402763"/>
-            <a:ext cx="2182129" cy="523220"/>
-          </a:xfrm>
-          <a:prstGeom prst="rect">
-            <a:avLst/>
-          </a:prstGeom>
-        </p:spPr>
-        <p:txBody>
-          <a:bodyPr wrap="square">
-            <a:spAutoFit/>
-          </a:bodyPr>
-          <a:lstStyle/>
-          <a:p>
-            <a:pPr algn="ctr"/>
-            <a:r>
-              <a:rPr lang="en-US" sz="2800" dirty="0">
-                <a:solidFill>
-                  <a:schemeClr val="accent1">
-                    <a:lumMod val="75000"/>
-                  </a:schemeClr>
-                </a:solidFill>
-              </a:rPr>
-              <a:t>Multilevel</a:t>
-            </a:r>
-          </a:p>
-        </p:txBody>
-      </p:sp>
-      <p:pic>
-        <p:nvPicPr>
-          <p:cNvPr id="23" name="Picture 22">
-            <a:extLst>
-              <a:ext uri="{FF2B5EF4-FFF2-40B4-BE49-F238E27FC236}">
-                <a16:creationId xmlns:a16="http://schemas.microsoft.com/office/drawing/2014/main" id="{C44F852D-8EBF-4C61-B78C-FFB172C67FE6}"/>
-              </a:ext>
-            </a:extLst>
-          </p:cNvPr>
-          <p:cNvPicPr>
-            <a:picLocks noChangeAspect="1"/>
-          </p:cNvPicPr>
-          <p:nvPr/>
-        </p:nvPicPr>
-        <p:blipFill>
-          <a:blip r:embed="rId5"/>
-          <a:stretch>
-            <a:fillRect/>
-          </a:stretch>
-        </p:blipFill>
-        <p:spPr>
-          <a:xfrm>
-            <a:off x="6019573" y="2176289"/>
-            <a:ext cx="2505075" cy="1657350"/>
-          </a:xfrm>
-          <a:prstGeom prst="rect">
-            <a:avLst/>
-          </a:prstGeom>
-        </p:spPr>
-      </p:pic>
-      <p:sp>
-        <p:nvSpPr>
-          <p:cNvPr id="24" name="Rectangle 23">
-            <a:extLst>
-              <a:ext uri="{FF2B5EF4-FFF2-40B4-BE49-F238E27FC236}">
-                <a16:creationId xmlns:a16="http://schemas.microsoft.com/office/drawing/2014/main" id="{0A17F127-3BCF-4865-8D41-28D523A3698C}"/>
-              </a:ext>
-            </a:extLst>
-          </p:cNvPr>
-          <p:cNvSpPr/>
-          <p:nvPr/>
-        </p:nvSpPr>
-        <p:spPr>
-          <a:xfrm>
-            <a:off x="3261830" y="4288338"/>
-            <a:ext cx="2182129" cy="523220"/>
-          </a:xfrm>
-          <a:prstGeom prst="rect">
-            <a:avLst/>
-          </a:prstGeom>
-        </p:spPr>
-        <p:txBody>
-          <a:bodyPr wrap="square">
-            <a:spAutoFit/>
-          </a:bodyPr>
-          <a:lstStyle/>
-          <a:p>
-            <a:pPr algn="ctr"/>
-            <a:r>
-              <a:rPr lang="en-US" sz="2800" dirty="0">
-                <a:solidFill>
-                  <a:schemeClr val="accent1">
-                    <a:lumMod val="75000"/>
-                  </a:schemeClr>
-                </a:solidFill>
-              </a:rPr>
-              <a:t>Multiple</a:t>
-            </a:r>
-          </a:p>
-        </p:txBody>
-      </p:sp>
-      <p:sp>
-        <p:nvSpPr>
-          <p:cNvPr id="25" name="Rectangle 24">
-            <a:extLst>
-              <a:ext uri="{FF2B5EF4-FFF2-40B4-BE49-F238E27FC236}">
-                <a16:creationId xmlns:a16="http://schemas.microsoft.com/office/drawing/2014/main" id="{D545BA43-C2A9-480F-A416-D0D7296A2A23}"/>
-              </a:ext>
-            </a:extLst>
-          </p:cNvPr>
-          <p:cNvSpPr/>
-          <p:nvPr/>
-        </p:nvSpPr>
-        <p:spPr>
-          <a:xfrm>
-            <a:off x="6342519" y="4288338"/>
-            <a:ext cx="2182129" cy="523220"/>
-          </a:xfrm>
-          <a:prstGeom prst="rect">
-            <a:avLst/>
-          </a:prstGeom>
-        </p:spPr>
-        <p:txBody>
-          <a:bodyPr wrap="square">
-            <a:spAutoFit/>
-          </a:bodyPr>
-          <a:lstStyle/>
-          <a:p>
-            <a:pPr algn="ctr"/>
-            <a:r>
-              <a:rPr lang="en-US" sz="2800" dirty="0">
-                <a:solidFill>
-                  <a:schemeClr val="accent1">
-                    <a:lumMod val="75000"/>
-                  </a:schemeClr>
-                </a:solidFill>
-              </a:rPr>
-              <a:t>Hierarchical</a:t>
+              <a:t>The term polymorphism is the combination of “poly” + “morphs” means which means many forms</a:t>
             </a:r>
           </a:p>
         </p:txBody>
@@ -7042,7 +6893,7 @@
           <p:cNvPr id="6" name="Slide Number Placeholder 5">
             <a:extLst>
               <a:ext uri="{FF2B5EF4-FFF2-40B4-BE49-F238E27FC236}">
-                <a16:creationId xmlns:a16="http://schemas.microsoft.com/office/drawing/2014/main" id="{5BF887B9-9194-451A-9495-8A35E4254E09}"/>
+                <a16:creationId xmlns:a16="http://schemas.microsoft.com/office/drawing/2014/main" id="{C4DBA7D3-6971-4FDC-8882-01E74FBF39F0}"/>
               </a:ext>
             </a:extLst>
           </p:cNvPr>
@@ -7069,7 +6920,7 @@
     </p:spTree>
     <p:extLst>
       <p:ext uri="{BB962C8B-B14F-4D97-AF65-F5344CB8AC3E}">
-        <p14:creationId xmlns:p14="http://schemas.microsoft.com/office/powerpoint/2010/main" val="1040787022"/>
+        <p14:creationId xmlns:p14="http://schemas.microsoft.com/office/powerpoint/2010/main" val="1001448468"/>
       </p:ext>
     </p:extLst>
   </p:cSld>
@@ -7861,6 +7712,26 @@
 </file>
 
 <file path=customXml/item1.xml><?xml version="1.0" encoding="utf-8"?>
+<?mso-contentType ?>
+<FormTemplates xmlns="http://schemas.microsoft.com/sharepoint/v3/contenttype/forms">
+  <Display>DocumentLibraryForm</Display>
+  <Edit>DocumentLibraryForm</Edit>
+  <New>DocumentLibraryForm</New>
+</FormTemplates>
+</file>
+
+<file path=customXml/item2.xml><?xml version="1.0" encoding="utf-8"?>
+<p:properties xmlns:p="http://schemas.microsoft.com/office/2006/metadata/properties" xmlns:xsi="http://www.w3.org/2001/XMLSchema-instance" xmlns:pc="http://schemas.microsoft.com/office/infopath/2007/PartnerControls">
+  <documentManagement>
+    <VSO_x0020_item_x0020_id xmlns="40262f94-9f35-4ac3-9a90-690165a166b7" xsi:nil="true"/>
+    <Assetid_x0020_ xmlns="40262f94-9f35-4ac3-9a90-690165a166b7" xsi:nil="true"/>
+    <Item_x0020_Details xmlns="40262f94-9f35-4ac3-9a90-690165a166b7" xsi:nil="true"/>
+    <Template_x0020_details xmlns="40262f94-9f35-4ac3-9a90-690165a166b7" xsi:nil="true"/>
+  </documentManagement>
+</p:properties>
+</file>
+
+<file path=customXml/item3.xml><?xml version="1.0" encoding="utf-8"?>
 <ct:contentTypeSchema xmlns:ct="http://schemas.microsoft.com/office/2006/metadata/contentType" xmlns:ma="http://schemas.microsoft.com/office/2006/metadata/properties/metaAttributes" ct:_="" ma:_="" ma:contentTypeName="Document" ma:contentTypeID="0x010100AA3F7D94069FF64A86F7DFF56D60E3BE" ma:contentTypeVersion="6" ma:contentTypeDescription="Create a new document." ma:contentTypeScope="" ma:versionID="c32302c77d4085ecf495bdddb7f5e889">
   <xsd:schema xmlns:xsd="http://www.w3.org/2001/XMLSchema" xmlns:xs="http://www.w3.org/2001/XMLSchema" xmlns:p="http://schemas.microsoft.com/office/2006/metadata/properties" xmlns:ns2="a4f35948-e619-41b3-aa29-22878b09cfd2" xmlns:ns3="40262f94-9f35-4ac3-9a90-690165a166b7" targetNamespace="http://schemas.microsoft.com/office/2006/metadata/properties" ma:root="true" ma:fieldsID="4ab5ae46be95f9d0be6107e8200be7a2" ns2:_="" ns3:_="">
     <xsd:import namespace="a4f35948-e619-41b3-aa29-22878b09cfd2"/>
@@ -8041,41 +7912,10 @@
 </ct:contentTypeSchema>
 </file>
 
-<file path=customXml/item2.xml><?xml version="1.0" encoding="utf-8"?>
-<p:properties xmlns:p="http://schemas.microsoft.com/office/2006/metadata/properties" xmlns:xsi="http://www.w3.org/2001/XMLSchema-instance" xmlns:pc="http://schemas.microsoft.com/office/infopath/2007/PartnerControls">
-  <documentManagement>
-    <VSO_x0020_item_x0020_id xmlns="40262f94-9f35-4ac3-9a90-690165a166b7" xsi:nil="true"/>
-    <Assetid_x0020_ xmlns="40262f94-9f35-4ac3-9a90-690165a166b7" xsi:nil="true"/>
-    <Item_x0020_Details xmlns="40262f94-9f35-4ac3-9a90-690165a166b7" xsi:nil="true"/>
-    <Template_x0020_details xmlns="40262f94-9f35-4ac3-9a90-690165a166b7" xsi:nil="true"/>
-  </documentManagement>
-</p:properties>
-</file>
-
-<file path=customXml/item3.xml><?xml version="1.0" encoding="utf-8"?>
-<?mso-contentType ?>
-<FormTemplates xmlns="http://schemas.microsoft.com/sharepoint/v3/contenttype/forms">
-  <Display>DocumentLibraryForm</Display>
-  <Edit>DocumentLibraryForm</Edit>
-  <New>DocumentLibraryForm</New>
-</FormTemplates>
-</file>
-
 <file path=customXml/itemProps1.xml><?xml version="1.0" encoding="utf-8"?>
-<ds:datastoreItem xmlns:ds="http://schemas.openxmlformats.org/officeDocument/2006/customXml" ds:itemID="{7C80FAF7-F941-4D3E-A3C3-283A61107933}">
+<ds:datastoreItem xmlns:ds="http://schemas.openxmlformats.org/officeDocument/2006/customXml" ds:itemID="{02F2BE50-DDB3-465B-A26E-975A276D4362}">
   <ds:schemaRefs>
-    <ds:schemaRef ds:uri="http://schemas.microsoft.com/office/2006/metadata/contentType"/>
-    <ds:schemaRef ds:uri="http://schemas.microsoft.com/office/2006/metadata/properties/metaAttributes"/>
-    <ds:schemaRef ds:uri="http://www.w3.org/2001/XMLSchema"/>
-    <ds:schemaRef ds:uri="http://schemas.microsoft.com/office/2006/metadata/properties"/>
-    <ds:schemaRef ds:uri="a4f35948-e619-41b3-aa29-22878b09cfd2"/>
-    <ds:schemaRef ds:uri="40262f94-9f35-4ac3-9a90-690165a166b7"/>
-    <ds:schemaRef ds:uri="http://schemas.microsoft.com/office/2006/documentManagement/types"/>
-    <ds:schemaRef ds:uri="http://schemas.microsoft.com/office/infopath/2007/PartnerControls"/>
-    <ds:schemaRef ds:uri="http://schemas.openxmlformats.org/package/2006/metadata/core-properties"/>
-    <ds:schemaRef ds:uri="http://purl.org/dc/elements/1.1/"/>
-    <ds:schemaRef ds:uri="http://purl.org/dc/terms/"/>
-    <ds:schemaRef ds:uri="http://schemas.microsoft.com/internal/obd"/>
+    <ds:schemaRef ds:uri="http://schemas.microsoft.com/sharepoint/v3/contenttype/forms"/>
   </ds:schemaRefs>
 </ds:datastoreItem>
 </file>
@@ -8098,9 +7938,20 @@
 </file>
 
 <file path=customXml/itemProps3.xml><?xml version="1.0" encoding="utf-8"?>
-<ds:datastoreItem xmlns:ds="http://schemas.openxmlformats.org/officeDocument/2006/customXml" ds:itemID="{02F2BE50-DDB3-465B-A26E-975A276D4362}">
+<ds:datastoreItem xmlns:ds="http://schemas.openxmlformats.org/officeDocument/2006/customXml" ds:itemID="{7C80FAF7-F941-4D3E-A3C3-283A61107933}">
   <ds:schemaRefs>
-    <ds:schemaRef ds:uri="http://schemas.microsoft.com/sharepoint/v3/contenttype/forms"/>
+    <ds:schemaRef ds:uri="http://schemas.microsoft.com/office/2006/metadata/contentType"/>
+    <ds:schemaRef ds:uri="http://schemas.microsoft.com/office/2006/metadata/properties/metaAttributes"/>
+    <ds:schemaRef ds:uri="http://www.w3.org/2001/XMLSchema"/>
+    <ds:schemaRef ds:uri="http://schemas.microsoft.com/office/2006/metadata/properties"/>
+    <ds:schemaRef ds:uri="a4f35948-e619-41b3-aa29-22878b09cfd2"/>
+    <ds:schemaRef ds:uri="40262f94-9f35-4ac3-9a90-690165a166b7"/>
+    <ds:schemaRef ds:uri="http://schemas.microsoft.com/office/2006/documentManagement/types"/>
+    <ds:schemaRef ds:uri="http://schemas.microsoft.com/office/infopath/2007/PartnerControls"/>
+    <ds:schemaRef ds:uri="http://schemas.openxmlformats.org/package/2006/metadata/core-properties"/>
+    <ds:schemaRef ds:uri="http://purl.org/dc/elements/1.1/"/>
+    <ds:schemaRef ds:uri="http://purl.org/dc/terms/"/>
+    <ds:schemaRef ds:uri="http://schemas.microsoft.com/internal/obd"/>
   </ds:schemaRefs>
 </ds:datastoreItem>
 </file>